--- a/TaskFlow.pptx
+++ b/TaskFlow.pptx
@@ -104,6 +104,11 @@
       </a:defRPr>
     </a:lvl9pPr>
   </p:defaultTextStyle>
+  <p:extLst>
+    <p:ext uri="{EFAFB233-063F-42B5-8137-9DF3F51BA10A}">
+      <p15:sldGuideLst xmlns:p15="http://schemas.microsoft.com/office/powerpoint/2012/main"/>
+    </p:ext>
+  </p:extLst>
 </p:presentation>
 </file>
 
@@ -3347,6 +3352,9 @@
               <a:lumOff val="60000"/>
             </a:schemeClr>
           </a:solidFill>
+          <a:ln>
+            <a:noFill/>
+          </a:ln>
         </p:spPr>
         <p:style>
           <a:lnRef idx="2">
@@ -3399,6 +3407,9 @@
               <a:lumOff val="60000"/>
             </a:schemeClr>
           </a:solidFill>
+          <a:ln>
+            <a:noFill/>
+          </a:ln>
         </p:spPr>
         <p:style>
           <a:lnRef idx="2">
@@ -3451,6 +3462,9 @@
               <a:lumOff val="60000"/>
             </a:schemeClr>
           </a:solidFill>
+          <a:ln>
+            <a:noFill/>
+          </a:ln>
         </p:spPr>
         <p:style>
           <a:lnRef idx="2">

--- a/TaskFlow.pptx
+++ b/TaskFlow.pptx
@@ -3328,10 +3328,10 @@
       </p:grpSpPr>
       <p:sp>
         <p:nvSpPr>
-          <p:cNvPr id="55" name="직사각형 54">
-            <a:extLst>
-              <a:ext uri="{FF2B5EF4-FFF2-40B4-BE49-F238E27FC236}">
-                <a16:creationId xmlns:a16="http://schemas.microsoft.com/office/drawing/2014/main" id="{16A3F6FF-3263-49CA-A823-007175F57632}"/>
+          <p:cNvPr id="66" name="직사각형 65">
+            <a:extLst>
+              <a:ext uri="{FF2B5EF4-FFF2-40B4-BE49-F238E27FC236}">
+                <a16:creationId xmlns:a16="http://schemas.microsoft.com/office/drawing/2014/main" id="{3C4B088E-0487-4627-80A7-28ABFD8293E8}"/>
               </a:ext>
             </a:extLst>
           </p:cNvPr>
@@ -3340,8 +3340,8 @@
         </p:nvSpPr>
         <p:spPr>
           <a:xfrm>
-            <a:off x="9630796" y="1388479"/>
-            <a:ext cx="1728169" cy="5127731"/>
+            <a:off x="5220075" y="4079900"/>
+            <a:ext cx="1704505" cy="2553208"/>
           </a:xfrm>
           <a:prstGeom prst="rect">
             <a:avLst/>
@@ -3383,10 +3383,10 @@
       </p:sp>
       <p:sp>
         <p:nvSpPr>
-          <p:cNvPr id="49" name="직사각형 48">
-            <a:extLst>
-              <a:ext uri="{FF2B5EF4-FFF2-40B4-BE49-F238E27FC236}">
-                <a16:creationId xmlns:a16="http://schemas.microsoft.com/office/drawing/2014/main" id="{97281921-B7CA-4FE2-A46C-4602948522C2}"/>
+          <p:cNvPr id="67" name="순서도: 판단 66">
+            <a:extLst>
+              <a:ext uri="{FF2B5EF4-FFF2-40B4-BE49-F238E27FC236}">
+                <a16:creationId xmlns:a16="http://schemas.microsoft.com/office/drawing/2014/main" id="{F7F09DC3-0D52-4801-8537-C152D0939C8F}"/>
               </a:ext>
             </a:extLst>
           </p:cNvPr>
@@ -3395,127 +3395,15 @@
         </p:nvSpPr>
         <p:spPr>
           <a:xfrm>
-            <a:off x="7420265" y="1388479"/>
-            <a:ext cx="1704505" cy="2553208"/>
-          </a:xfrm>
-          <a:prstGeom prst="rect">
-            <a:avLst/>
-          </a:prstGeom>
-          <a:solidFill>
-            <a:schemeClr val="accent1">
-              <a:lumMod val="40000"/>
-              <a:lumOff val="60000"/>
-            </a:schemeClr>
-          </a:solidFill>
-          <a:ln>
-            <a:noFill/>
-          </a:ln>
-        </p:spPr>
-        <p:style>
-          <a:lnRef idx="2">
-            <a:schemeClr val="accent1">
-              <a:shade val="50000"/>
-            </a:schemeClr>
-          </a:lnRef>
-          <a:fillRef idx="1">
-            <a:schemeClr val="accent1"/>
-          </a:fillRef>
-          <a:effectRef idx="0">
-            <a:schemeClr val="accent1"/>
-          </a:effectRef>
-          <a:fontRef idx="minor">
-            <a:schemeClr val="lt1"/>
-          </a:fontRef>
-        </p:style>
-        <p:txBody>
-          <a:bodyPr rtlCol="0" anchor="ctr"/>
-          <a:lstStyle/>
-          <a:p>
-            <a:pPr algn="ctr"/>
-            <a:endParaRPr lang="ko-KR" altLang="en-US"/>
-          </a:p>
-        </p:txBody>
-      </p:sp>
-      <p:sp>
-        <p:nvSpPr>
-          <p:cNvPr id="48" name="직사각형 47">
-            <a:extLst>
-              <a:ext uri="{FF2B5EF4-FFF2-40B4-BE49-F238E27FC236}">
-                <a16:creationId xmlns:a16="http://schemas.microsoft.com/office/drawing/2014/main" id="{BA6492E3-3A16-4F11-BC8C-75576531EC17}"/>
-              </a:ext>
-            </a:extLst>
-          </p:cNvPr>
-          <p:cNvSpPr/>
-          <p:nvPr/>
-        </p:nvSpPr>
-        <p:spPr>
-          <a:xfrm>
-            <a:off x="5272604" y="1388479"/>
-            <a:ext cx="1705245" cy="2553205"/>
-          </a:xfrm>
-          <a:prstGeom prst="rect">
-            <a:avLst/>
-          </a:prstGeom>
-          <a:solidFill>
-            <a:schemeClr val="accent1">
-              <a:lumMod val="40000"/>
-              <a:lumOff val="60000"/>
-            </a:schemeClr>
-          </a:solidFill>
-          <a:ln>
-            <a:noFill/>
-          </a:ln>
-        </p:spPr>
-        <p:style>
-          <a:lnRef idx="2">
-            <a:schemeClr val="accent1">
-              <a:shade val="50000"/>
-            </a:schemeClr>
-          </a:lnRef>
-          <a:fillRef idx="1">
-            <a:schemeClr val="accent1"/>
-          </a:fillRef>
-          <a:effectRef idx="0">
-            <a:schemeClr val="accent1"/>
-          </a:effectRef>
-          <a:fontRef idx="minor">
-            <a:schemeClr val="lt1"/>
-          </a:fontRef>
-        </p:style>
-        <p:txBody>
-          <a:bodyPr rtlCol="0" anchor="ctr"/>
-          <a:lstStyle/>
-          <a:p>
-            <a:pPr algn="ctr"/>
-            <a:endParaRPr lang="ko-KR" altLang="en-US"/>
-          </a:p>
-        </p:txBody>
-      </p:sp>
-      <p:sp>
-        <p:nvSpPr>
-          <p:cNvPr id="8" name="사각형: 둥근 모서리 7">
-            <a:extLst>
-              <a:ext uri="{FF2B5EF4-FFF2-40B4-BE49-F238E27FC236}">
-                <a16:creationId xmlns:a16="http://schemas.microsoft.com/office/drawing/2014/main" id="{B66E9C52-6C43-4C86-872E-0B03E8A6708F}"/>
-              </a:ext>
-            </a:extLst>
-          </p:cNvPr>
-          <p:cNvSpPr/>
-          <p:nvPr/>
-        </p:nvSpPr>
-        <p:spPr>
-          <a:xfrm>
-            <a:off x="346231" y="1657906"/>
-            <a:ext cx="1065319" cy="559293"/>
-          </a:xfrm>
-          <a:prstGeom prst="roundRect">
+            <a:off x="5308842" y="4187307"/>
+            <a:ext cx="1538796" cy="878889"/>
+          </a:xfrm>
+          <a:prstGeom prst="flowChartDecision">
             <a:avLst/>
           </a:prstGeom>
           <a:ln w="28575">
             <a:solidFill>
-              <a:schemeClr val="accent5">
-                <a:lumMod val="75000"/>
-              </a:schemeClr>
+              <a:srgbClr val="0070C0"/>
             </a:solidFill>
           </a:ln>
         </p:spPr>
@@ -3539,34 +3427,30 @@
           <a:p>
             <a:pPr algn="ctr"/>
             <a:r>
-              <a:rPr lang="en-US" altLang="ko-KR" sz="1500" dirty="0"/>
-              <a:t>App</a:t>
-            </a:r>
-            <a:r>
-              <a:rPr lang="ko-KR" altLang="en-US" sz="1500" dirty="0"/>
-              <a:t>실행</a:t>
+              <a:rPr lang="ko-KR" altLang="en-US" dirty="0"/>
+              <a:t>캡처</a:t>
             </a:r>
           </a:p>
         </p:txBody>
       </p:sp>
       <p:cxnSp>
         <p:nvCxnSpPr>
-          <p:cNvPr id="10" name="직선 화살표 연결선 9">
-            <a:extLst>
-              <a:ext uri="{FF2B5EF4-FFF2-40B4-BE49-F238E27FC236}">
-                <a16:creationId xmlns:a16="http://schemas.microsoft.com/office/drawing/2014/main" id="{AED70781-86E5-42DA-96C2-B9E17E030158}"/>
+          <p:cNvPr id="68" name="직선 화살표 연결선 67">
+            <a:extLst>
+              <a:ext uri="{FF2B5EF4-FFF2-40B4-BE49-F238E27FC236}">
+                <a16:creationId xmlns:a16="http://schemas.microsoft.com/office/drawing/2014/main" id="{9E22A8C9-38E4-4ACA-A08C-CC108047F1A1}"/>
               </a:ext>
             </a:extLst>
           </p:cNvPr>
           <p:cNvCxnSpPr>
-            <a:stCxn id="8" idx="3"/>
+            <a:cxnSpLocks/>
           </p:cNvCxnSpPr>
           <p:nvPr/>
         </p:nvCxnSpPr>
         <p:spPr>
-          <a:xfrm flipV="1">
-            <a:off x="1411550" y="1937552"/>
-            <a:ext cx="594805" cy="1"/>
+          <a:xfrm>
+            <a:off x="6078240" y="5066196"/>
+            <a:ext cx="0" cy="531184"/>
           </a:xfrm>
           <a:prstGeom prst="straightConnector1">
             <a:avLst/>
@@ -3595,10 +3479,10 @@
       </p:cxnSp>
       <p:sp>
         <p:nvSpPr>
-          <p:cNvPr id="12" name="사각형: 둥근 모서리 11">
-            <a:extLst>
-              <a:ext uri="{FF2B5EF4-FFF2-40B4-BE49-F238E27FC236}">
-                <a16:creationId xmlns:a16="http://schemas.microsoft.com/office/drawing/2014/main" id="{FE0077B9-1FA8-49FA-9494-74DD5CB6D599}"/>
+          <p:cNvPr id="69" name="타원 68">
+            <a:extLst>
+              <a:ext uri="{FF2B5EF4-FFF2-40B4-BE49-F238E27FC236}">
+                <a16:creationId xmlns:a16="http://schemas.microsoft.com/office/drawing/2014/main" id="{275BAF30-DA26-4AF2-8359-52E6AAA63226}"/>
               </a:ext>
             </a:extLst>
           </p:cNvPr>
@@ -3607,17 +3491,118 @@
         </p:nvSpPr>
         <p:spPr>
           <a:xfrm>
-            <a:off x="3666479" y="1655686"/>
-            <a:ext cx="1065319" cy="559293"/>
-          </a:xfrm>
-          <a:prstGeom prst="roundRect">
+            <a:off x="5239307" y="5612176"/>
+            <a:ext cx="1677865" cy="813786"/>
+          </a:xfrm>
+          <a:prstGeom prst="ellipse">
+            <a:avLst/>
+          </a:prstGeom>
+          <a:ln w="28575"/>
+        </p:spPr>
+        <p:style>
+          <a:lnRef idx="2">
+            <a:schemeClr val="accent1"/>
+          </a:lnRef>
+          <a:fillRef idx="1">
+            <a:schemeClr val="lt1"/>
+          </a:fillRef>
+          <a:effectRef idx="0">
+            <a:schemeClr val="accent1"/>
+          </a:effectRef>
+          <a:fontRef idx="minor">
+            <a:schemeClr val="dk1"/>
+          </a:fontRef>
+        </p:style>
+        <p:txBody>
+          <a:bodyPr rtlCol="0" anchor="ctr"/>
+          <a:lstStyle/>
+          <a:p>
+            <a:pPr algn="ctr"/>
+            <a:r>
+              <a:rPr lang="ko-KR" altLang="en-US" dirty="0"/>
+              <a:t>화면 캡처</a:t>
+            </a:r>
+          </a:p>
+        </p:txBody>
+      </p:sp>
+      <p:sp>
+        <p:nvSpPr>
+          <p:cNvPr id="53" name="직사각형 52">
+            <a:extLst>
+              <a:ext uri="{FF2B5EF4-FFF2-40B4-BE49-F238E27FC236}">
+                <a16:creationId xmlns:a16="http://schemas.microsoft.com/office/drawing/2014/main" id="{B59F0DA7-8286-457D-AEF5-9924C9B448B6}"/>
+              </a:ext>
+            </a:extLst>
+          </p:cNvPr>
+          <p:cNvSpPr/>
+          <p:nvPr/>
+        </p:nvSpPr>
+        <p:spPr>
+          <a:xfrm>
+            <a:off x="7429884" y="1388479"/>
+            <a:ext cx="1705245" cy="2553205"/>
+          </a:xfrm>
+          <a:prstGeom prst="rect">
+            <a:avLst/>
+          </a:prstGeom>
+          <a:solidFill>
+            <a:schemeClr val="accent1">
+              <a:lumMod val="40000"/>
+              <a:lumOff val="60000"/>
+            </a:schemeClr>
+          </a:solidFill>
+          <a:ln>
+            <a:noFill/>
+          </a:ln>
+        </p:spPr>
+        <p:style>
+          <a:lnRef idx="2">
+            <a:schemeClr val="accent1">
+              <a:shade val="50000"/>
+            </a:schemeClr>
+          </a:lnRef>
+          <a:fillRef idx="1">
+            <a:schemeClr val="accent1"/>
+          </a:fillRef>
+          <a:effectRef idx="0">
+            <a:schemeClr val="accent1"/>
+          </a:effectRef>
+          <a:fontRef idx="minor">
+            <a:schemeClr val="lt1"/>
+          </a:fontRef>
+        </p:style>
+        <p:txBody>
+          <a:bodyPr rtlCol="0" anchor="ctr"/>
+          <a:lstStyle/>
+          <a:p>
+            <a:pPr algn="ctr"/>
+            <a:endParaRPr lang="ko-KR" altLang="en-US"/>
+          </a:p>
+        </p:txBody>
+      </p:sp>
+      <p:sp>
+        <p:nvSpPr>
+          <p:cNvPr id="54" name="순서도: 판단 53">
+            <a:extLst>
+              <a:ext uri="{FF2B5EF4-FFF2-40B4-BE49-F238E27FC236}">
+                <a16:creationId xmlns:a16="http://schemas.microsoft.com/office/drawing/2014/main" id="{603F108C-45DC-4419-9F64-762B762E0A9D}"/>
+              </a:ext>
+            </a:extLst>
+          </p:cNvPr>
+          <p:cNvSpPr/>
+          <p:nvPr/>
+        </p:nvSpPr>
+        <p:spPr>
+          <a:xfrm>
+            <a:off x="7483883" y="1495887"/>
+            <a:ext cx="1587624" cy="878889"/>
+          </a:xfrm>
+          <a:prstGeom prst="flowChartDecision">
             <a:avLst/>
           </a:prstGeom>
           <a:ln w="28575">
             <a:solidFill>
-              <a:schemeClr val="accent5">
-                <a:lumMod val="75000"/>
-              </a:schemeClr>
+              <a:srgbClr val="0070C0"/>
             </a:solidFill>
           </a:ln>
         </p:spPr>
@@ -3641,18 +3626,63 @@
           <a:p>
             <a:pPr algn="ctr"/>
             <a:r>
-              <a:rPr lang="ko-KR" altLang="en-US" sz="1500" dirty="0"/>
-              <a:t>동영상 시작</a:t>
-            </a:r>
-          </a:p>
-        </p:txBody>
-      </p:sp>
-      <p:sp>
-        <p:nvSpPr>
-          <p:cNvPr id="14" name="사각형: 둥근 모서리 13">
-            <a:extLst>
-              <a:ext uri="{FF2B5EF4-FFF2-40B4-BE49-F238E27FC236}">
-                <a16:creationId xmlns:a16="http://schemas.microsoft.com/office/drawing/2014/main" id="{2F2EC453-1355-4AEA-95C4-1A6950FF1071}"/>
+              <a:rPr lang="ko-KR" altLang="en-US"/>
+              <a:t>일시정지</a:t>
+            </a:r>
+            <a:endParaRPr lang="ko-KR" altLang="en-US" dirty="0"/>
+          </a:p>
+        </p:txBody>
+      </p:sp>
+      <p:cxnSp>
+        <p:nvCxnSpPr>
+          <p:cNvPr id="60" name="직선 화살표 연결선 59">
+            <a:extLst>
+              <a:ext uri="{FF2B5EF4-FFF2-40B4-BE49-F238E27FC236}">
+                <a16:creationId xmlns:a16="http://schemas.microsoft.com/office/drawing/2014/main" id="{F3FDABBA-EBA6-46F7-B6B4-5FFD880EABAD}"/>
+              </a:ext>
+            </a:extLst>
+          </p:cNvPr>
+          <p:cNvCxnSpPr>
+            <a:cxnSpLocks/>
+          </p:cNvCxnSpPr>
+          <p:nvPr/>
+        </p:nvCxnSpPr>
+        <p:spPr>
+          <a:xfrm>
+            <a:off x="8277695" y="2374775"/>
+            <a:ext cx="0" cy="531184"/>
+          </a:xfrm>
+          <a:prstGeom prst="straightConnector1">
+            <a:avLst/>
+          </a:prstGeom>
+          <a:ln>
+            <a:solidFill>
+              <a:srgbClr val="FF0000"/>
+            </a:solidFill>
+            <a:tailEnd type="triangle"/>
+          </a:ln>
+        </p:spPr>
+        <p:style>
+          <a:lnRef idx="1">
+            <a:schemeClr val="accent1"/>
+          </a:lnRef>
+          <a:fillRef idx="0">
+            <a:schemeClr val="accent1"/>
+          </a:fillRef>
+          <a:effectRef idx="0">
+            <a:schemeClr val="accent1"/>
+          </a:effectRef>
+          <a:fontRef idx="minor">
+            <a:schemeClr val="tx1"/>
+          </a:fontRef>
+        </p:style>
+      </p:cxnSp>
+      <p:sp>
+        <p:nvSpPr>
+          <p:cNvPr id="61" name="타원 60">
+            <a:extLst>
+              <a:ext uri="{FF2B5EF4-FFF2-40B4-BE49-F238E27FC236}">
+                <a16:creationId xmlns:a16="http://schemas.microsoft.com/office/drawing/2014/main" id="{39604BD0-678F-485A-B2E4-9E616C9F0F64}"/>
               </a:ext>
             </a:extLst>
           </p:cNvPr>
@@ -3661,7 +3691,200 @@
         </p:nvSpPr>
         <p:spPr>
           <a:xfrm>
-            <a:off x="2006355" y="1664564"/>
+            <a:off x="7438762" y="2905959"/>
+            <a:ext cx="1677865" cy="813786"/>
+          </a:xfrm>
+          <a:prstGeom prst="ellipse">
+            <a:avLst/>
+          </a:prstGeom>
+          <a:ln w="28575"/>
+        </p:spPr>
+        <p:style>
+          <a:lnRef idx="2">
+            <a:schemeClr val="accent1"/>
+          </a:lnRef>
+          <a:fillRef idx="1">
+            <a:schemeClr val="lt1"/>
+          </a:fillRef>
+          <a:effectRef idx="0">
+            <a:schemeClr val="accent1"/>
+          </a:effectRef>
+          <a:fontRef idx="minor">
+            <a:schemeClr val="dk1"/>
+          </a:fontRef>
+        </p:style>
+        <p:txBody>
+          <a:bodyPr rtlCol="0" anchor="ctr"/>
+          <a:lstStyle/>
+          <a:p>
+            <a:pPr algn="ctr"/>
+            <a:r>
+              <a:rPr lang="ko-KR" altLang="en-US" dirty="0"/>
+              <a:t>프로그램 일시 정지</a:t>
+            </a:r>
+          </a:p>
+        </p:txBody>
+      </p:sp>
+      <p:sp>
+        <p:nvSpPr>
+          <p:cNvPr id="62" name="TextBox 61">
+            <a:extLst>
+              <a:ext uri="{FF2B5EF4-FFF2-40B4-BE49-F238E27FC236}">
+                <a16:creationId xmlns:a16="http://schemas.microsoft.com/office/drawing/2014/main" id="{6FCB99E1-D117-48FB-88FE-A45213594D34}"/>
+              </a:ext>
+            </a:extLst>
+          </p:cNvPr>
+          <p:cNvSpPr txBox="1"/>
+          <p:nvPr/>
+        </p:nvSpPr>
+        <p:spPr>
+          <a:xfrm>
+            <a:off x="7453558" y="409283"/>
+            <a:ext cx="1587624" cy="784830"/>
+          </a:xfrm>
+          <a:prstGeom prst="rect">
+            <a:avLst/>
+          </a:prstGeom>
+          <a:noFill/>
+        </p:spPr>
+        <p:txBody>
+          <a:bodyPr wrap="square" rtlCol="0">
+            <a:spAutoFit/>
+          </a:bodyPr>
+          <a:lstStyle/>
+          <a:p>
+            <a:r>
+              <a:rPr lang="ko-KR" altLang="en-US" sz="1500" dirty="0"/>
+              <a:t>동영상 일시정지와 동시에 프로그램도 일시정시</a:t>
+            </a:r>
+          </a:p>
+        </p:txBody>
+      </p:sp>
+      <p:sp>
+        <p:nvSpPr>
+          <p:cNvPr id="55" name="직사각형 54">
+            <a:extLst>
+              <a:ext uri="{FF2B5EF4-FFF2-40B4-BE49-F238E27FC236}">
+                <a16:creationId xmlns:a16="http://schemas.microsoft.com/office/drawing/2014/main" id="{16A3F6FF-3263-49CA-A823-007175F57632}"/>
+              </a:ext>
+            </a:extLst>
+          </p:cNvPr>
+          <p:cNvSpPr/>
+          <p:nvPr/>
+        </p:nvSpPr>
+        <p:spPr>
+          <a:xfrm>
+            <a:off x="9630796" y="1388479"/>
+            <a:ext cx="1728169" cy="5127731"/>
+          </a:xfrm>
+          <a:prstGeom prst="rect">
+            <a:avLst/>
+          </a:prstGeom>
+          <a:solidFill>
+            <a:schemeClr val="accent1">
+              <a:lumMod val="40000"/>
+              <a:lumOff val="60000"/>
+            </a:schemeClr>
+          </a:solidFill>
+          <a:ln>
+            <a:noFill/>
+          </a:ln>
+        </p:spPr>
+        <p:style>
+          <a:lnRef idx="2">
+            <a:schemeClr val="accent1">
+              <a:shade val="50000"/>
+            </a:schemeClr>
+          </a:lnRef>
+          <a:fillRef idx="1">
+            <a:schemeClr val="accent1"/>
+          </a:fillRef>
+          <a:effectRef idx="0">
+            <a:schemeClr val="accent1"/>
+          </a:effectRef>
+          <a:fontRef idx="minor">
+            <a:schemeClr val="lt1"/>
+          </a:fontRef>
+        </p:style>
+        <p:txBody>
+          <a:bodyPr rtlCol="0" anchor="ctr"/>
+          <a:lstStyle/>
+          <a:p>
+            <a:pPr algn="ctr"/>
+            <a:endParaRPr lang="ko-KR" altLang="en-US"/>
+          </a:p>
+        </p:txBody>
+      </p:sp>
+      <p:sp>
+        <p:nvSpPr>
+          <p:cNvPr id="49" name="직사각형 48">
+            <a:extLst>
+              <a:ext uri="{FF2B5EF4-FFF2-40B4-BE49-F238E27FC236}">
+                <a16:creationId xmlns:a16="http://schemas.microsoft.com/office/drawing/2014/main" id="{97281921-B7CA-4FE2-A46C-4602948522C2}"/>
+              </a:ext>
+            </a:extLst>
+          </p:cNvPr>
+          <p:cNvSpPr/>
+          <p:nvPr/>
+        </p:nvSpPr>
+        <p:spPr>
+          <a:xfrm>
+            <a:off x="5218596" y="1388479"/>
+            <a:ext cx="1704505" cy="2553208"/>
+          </a:xfrm>
+          <a:prstGeom prst="rect">
+            <a:avLst/>
+          </a:prstGeom>
+          <a:solidFill>
+            <a:schemeClr val="accent1">
+              <a:lumMod val="40000"/>
+              <a:lumOff val="60000"/>
+            </a:schemeClr>
+          </a:solidFill>
+          <a:ln>
+            <a:noFill/>
+          </a:ln>
+        </p:spPr>
+        <p:style>
+          <a:lnRef idx="2">
+            <a:schemeClr val="accent1">
+              <a:shade val="50000"/>
+            </a:schemeClr>
+          </a:lnRef>
+          <a:fillRef idx="1">
+            <a:schemeClr val="accent1"/>
+          </a:fillRef>
+          <a:effectRef idx="0">
+            <a:schemeClr val="accent1"/>
+          </a:effectRef>
+          <a:fontRef idx="minor">
+            <a:schemeClr val="lt1"/>
+          </a:fontRef>
+        </p:style>
+        <p:txBody>
+          <a:bodyPr rtlCol="0" anchor="ctr"/>
+          <a:lstStyle/>
+          <a:p>
+            <a:pPr algn="ctr"/>
+            <a:endParaRPr lang="ko-KR" altLang="en-US"/>
+          </a:p>
+        </p:txBody>
+      </p:sp>
+      <p:sp>
+        <p:nvSpPr>
+          <p:cNvPr id="8" name="사각형: 둥근 모서리 7">
+            <a:extLst>
+              <a:ext uri="{FF2B5EF4-FFF2-40B4-BE49-F238E27FC236}">
+                <a16:creationId xmlns:a16="http://schemas.microsoft.com/office/drawing/2014/main" id="{B66E9C52-6C43-4C86-872E-0B03E8A6708F}"/>
+              </a:ext>
+            </a:extLst>
+          </p:cNvPr>
+          <p:cNvSpPr/>
+          <p:nvPr/>
+        </p:nvSpPr>
+        <p:spPr>
+          <a:xfrm>
+            <a:off x="346231" y="1657906"/>
             <a:ext cx="1065319" cy="559293"/>
           </a:xfrm>
           <a:prstGeom prst="roundRect">
@@ -3695,18 +3918,66 @@
           <a:p>
             <a:pPr algn="ctr"/>
             <a:r>
+              <a:rPr lang="en-US" altLang="ko-KR" sz="1500" dirty="0"/>
+              <a:t>App</a:t>
+            </a:r>
+            <a:r>
               <a:rPr lang="ko-KR" altLang="en-US" sz="1500" dirty="0"/>
-              <a:t>배속설정</a:t>
-            </a:r>
-          </a:p>
-        </p:txBody>
-      </p:sp>
-      <p:sp>
-        <p:nvSpPr>
-          <p:cNvPr id="15" name="순서도: 판단 14">
-            <a:extLst>
-              <a:ext uri="{FF2B5EF4-FFF2-40B4-BE49-F238E27FC236}">
-                <a16:creationId xmlns:a16="http://schemas.microsoft.com/office/drawing/2014/main" id="{DAF51FBC-7097-4649-BAD1-E0757880C60F}"/>
+              <a:t>실행</a:t>
+            </a:r>
+          </a:p>
+        </p:txBody>
+      </p:sp>
+      <p:cxnSp>
+        <p:nvCxnSpPr>
+          <p:cNvPr id="10" name="직선 화살표 연결선 9">
+            <a:extLst>
+              <a:ext uri="{FF2B5EF4-FFF2-40B4-BE49-F238E27FC236}">
+                <a16:creationId xmlns:a16="http://schemas.microsoft.com/office/drawing/2014/main" id="{AED70781-86E5-42DA-96C2-B9E17E030158}"/>
+              </a:ext>
+            </a:extLst>
+          </p:cNvPr>
+          <p:cNvCxnSpPr>
+            <a:stCxn id="8" idx="3"/>
+          </p:cNvCxnSpPr>
+          <p:nvPr/>
+        </p:nvCxnSpPr>
+        <p:spPr>
+          <a:xfrm flipV="1">
+            <a:off x="1411550" y="1937552"/>
+            <a:ext cx="594805" cy="1"/>
+          </a:xfrm>
+          <a:prstGeom prst="straightConnector1">
+            <a:avLst/>
+          </a:prstGeom>
+          <a:ln>
+            <a:solidFill>
+              <a:srgbClr val="FF0000"/>
+            </a:solidFill>
+            <a:tailEnd type="triangle"/>
+          </a:ln>
+        </p:spPr>
+        <p:style>
+          <a:lnRef idx="1">
+            <a:schemeClr val="accent1"/>
+          </a:lnRef>
+          <a:fillRef idx="0">
+            <a:schemeClr val="accent1"/>
+          </a:fillRef>
+          <a:effectRef idx="0">
+            <a:schemeClr val="accent1"/>
+          </a:effectRef>
+          <a:fontRef idx="minor">
+            <a:schemeClr val="tx1"/>
+          </a:fontRef>
+        </p:style>
+      </p:cxnSp>
+      <p:sp>
+        <p:nvSpPr>
+          <p:cNvPr id="12" name="사각형: 둥근 모서리 11">
+            <a:extLst>
+              <a:ext uri="{FF2B5EF4-FFF2-40B4-BE49-F238E27FC236}">
+                <a16:creationId xmlns:a16="http://schemas.microsoft.com/office/drawing/2014/main" id="{FE0077B9-1FA8-49FA-9494-74DD5CB6D599}"/>
               </a:ext>
             </a:extLst>
           </p:cNvPr>
@@ -3715,15 +3986,17 @@
         </p:nvSpPr>
         <p:spPr>
           <a:xfrm>
-            <a:off x="7509032" y="1495886"/>
-            <a:ext cx="1538796" cy="878889"/>
-          </a:xfrm>
-          <a:prstGeom prst="flowChartDecision">
+            <a:off x="3666479" y="1655686"/>
+            <a:ext cx="1065319" cy="559293"/>
+          </a:xfrm>
+          <a:prstGeom prst="roundRect">
             <a:avLst/>
           </a:prstGeom>
           <a:ln w="28575">
             <a:solidFill>
-              <a:srgbClr val="0070C0"/>
+              <a:schemeClr val="accent5">
+                <a:lumMod val="75000"/>
+              </a:schemeClr>
             </a:solidFill>
           </a:ln>
         </p:spPr>
@@ -3747,18 +4020,18 @@
           <a:p>
             <a:pPr algn="ctr"/>
             <a:r>
-              <a:rPr lang="ko-KR" altLang="en-US" dirty="0"/>
-              <a:t>촬영</a:t>
-            </a:r>
-          </a:p>
-        </p:txBody>
-      </p:sp>
-      <p:sp>
-        <p:nvSpPr>
-          <p:cNvPr id="16" name="순서도: 판단 15">
-            <a:extLst>
-              <a:ext uri="{FF2B5EF4-FFF2-40B4-BE49-F238E27FC236}">
-                <a16:creationId xmlns:a16="http://schemas.microsoft.com/office/drawing/2014/main" id="{0CB102A6-3264-4621-AF6F-AE2A2DBD01C0}"/>
+              <a:rPr lang="ko-KR" altLang="en-US" sz="1500" dirty="0"/>
+              <a:t>동영상 시작</a:t>
+            </a:r>
+          </a:p>
+        </p:txBody>
+      </p:sp>
+      <p:sp>
+        <p:nvSpPr>
+          <p:cNvPr id="14" name="사각형: 둥근 모서리 13">
+            <a:extLst>
+              <a:ext uri="{FF2B5EF4-FFF2-40B4-BE49-F238E27FC236}">
+                <a16:creationId xmlns:a16="http://schemas.microsoft.com/office/drawing/2014/main" id="{2F2EC453-1355-4AEA-95C4-1A6950FF1071}"/>
               </a:ext>
             </a:extLst>
           </p:cNvPr>
@@ -3767,15 +4040,17 @@
         </p:nvSpPr>
         <p:spPr>
           <a:xfrm>
-            <a:off x="5326603" y="1495887"/>
-            <a:ext cx="1587624" cy="878889"/>
-          </a:xfrm>
-          <a:prstGeom prst="flowChartDecision">
+            <a:off x="2006355" y="1664564"/>
+            <a:ext cx="1065319" cy="559293"/>
+          </a:xfrm>
+          <a:prstGeom prst="roundRect">
             <a:avLst/>
           </a:prstGeom>
           <a:ln w="28575">
             <a:solidFill>
-              <a:srgbClr val="0070C0"/>
+              <a:schemeClr val="accent5">
+                <a:lumMod val="75000"/>
+              </a:schemeClr>
             </a:solidFill>
           </a:ln>
         </p:spPr>
@@ -3799,423 +4074,18 @@
           <a:p>
             <a:pPr algn="ctr"/>
             <a:r>
-              <a:rPr lang="ko-KR" altLang="en-US"/>
-              <a:t>일시정지</a:t>
-            </a:r>
-            <a:endParaRPr lang="ko-KR" altLang="en-US" dirty="0"/>
-          </a:p>
-        </p:txBody>
-      </p:sp>
-      <p:cxnSp>
-        <p:nvCxnSpPr>
-          <p:cNvPr id="17" name="직선 화살표 연결선 16">
-            <a:extLst>
-              <a:ext uri="{FF2B5EF4-FFF2-40B4-BE49-F238E27FC236}">
-                <a16:creationId xmlns:a16="http://schemas.microsoft.com/office/drawing/2014/main" id="{A6139DD0-6301-4C9F-B5C8-C3FC4045C9F3}"/>
-              </a:ext>
-            </a:extLst>
-          </p:cNvPr>
-          <p:cNvCxnSpPr/>
-          <p:nvPr/>
-        </p:nvCxnSpPr>
-        <p:spPr>
-          <a:xfrm flipV="1">
-            <a:off x="3071674" y="1944210"/>
-            <a:ext cx="594805" cy="1"/>
-          </a:xfrm>
-          <a:prstGeom prst="straightConnector1">
-            <a:avLst/>
-          </a:prstGeom>
-          <a:ln>
-            <a:solidFill>
-              <a:srgbClr val="FF0000"/>
-            </a:solidFill>
-            <a:tailEnd type="triangle"/>
-          </a:ln>
-        </p:spPr>
-        <p:style>
-          <a:lnRef idx="1">
-            <a:schemeClr val="accent1"/>
-          </a:lnRef>
-          <a:fillRef idx="0">
-            <a:schemeClr val="accent1"/>
-          </a:fillRef>
-          <a:effectRef idx="0">
-            <a:schemeClr val="accent1"/>
-          </a:effectRef>
-          <a:fontRef idx="minor">
-            <a:schemeClr val="tx1"/>
-          </a:fontRef>
-        </p:style>
-      </p:cxnSp>
-      <p:cxnSp>
-        <p:nvCxnSpPr>
-          <p:cNvPr id="18" name="직선 화살표 연결선 17">
-            <a:extLst>
-              <a:ext uri="{FF2B5EF4-FFF2-40B4-BE49-F238E27FC236}">
-                <a16:creationId xmlns:a16="http://schemas.microsoft.com/office/drawing/2014/main" id="{88BFC087-25F7-491C-8731-BE94BD1D1B9D}"/>
-              </a:ext>
-            </a:extLst>
-          </p:cNvPr>
-          <p:cNvCxnSpPr/>
-          <p:nvPr/>
-        </p:nvCxnSpPr>
-        <p:spPr>
-          <a:xfrm flipV="1">
-            <a:off x="4731798" y="1944209"/>
-            <a:ext cx="594805" cy="1"/>
-          </a:xfrm>
-          <a:prstGeom prst="straightConnector1">
-            <a:avLst/>
-          </a:prstGeom>
-          <a:ln>
-            <a:solidFill>
-              <a:srgbClr val="FF0000"/>
-            </a:solidFill>
-            <a:tailEnd type="triangle"/>
-          </a:ln>
-        </p:spPr>
-        <p:style>
-          <a:lnRef idx="1">
-            <a:schemeClr val="accent1"/>
-          </a:lnRef>
-          <a:fillRef idx="0">
-            <a:schemeClr val="accent1"/>
-          </a:fillRef>
-          <a:effectRef idx="0">
-            <a:schemeClr val="accent1"/>
-          </a:effectRef>
-          <a:fontRef idx="minor">
-            <a:schemeClr val="tx1"/>
-          </a:fontRef>
-        </p:style>
-      </p:cxnSp>
-      <p:cxnSp>
-        <p:nvCxnSpPr>
-          <p:cNvPr id="19" name="직선 화살표 연결선 18">
-            <a:extLst>
-              <a:ext uri="{FF2B5EF4-FFF2-40B4-BE49-F238E27FC236}">
-                <a16:creationId xmlns:a16="http://schemas.microsoft.com/office/drawing/2014/main" id="{DC6EC1C4-4A08-47B6-AE68-E3AE4D8A6EFA}"/>
-              </a:ext>
-            </a:extLst>
-          </p:cNvPr>
-          <p:cNvCxnSpPr/>
-          <p:nvPr/>
-        </p:nvCxnSpPr>
-        <p:spPr>
-          <a:xfrm flipV="1">
-            <a:off x="6900909" y="1935329"/>
-            <a:ext cx="594805" cy="1"/>
-          </a:xfrm>
-          <a:prstGeom prst="straightConnector1">
-            <a:avLst/>
-          </a:prstGeom>
-          <a:ln>
-            <a:solidFill>
-              <a:srgbClr val="FF0000"/>
-            </a:solidFill>
-            <a:tailEnd type="triangle"/>
-          </a:ln>
-        </p:spPr>
-        <p:style>
-          <a:lnRef idx="1">
-            <a:schemeClr val="accent1"/>
-          </a:lnRef>
-          <a:fillRef idx="0">
-            <a:schemeClr val="accent1"/>
-          </a:fillRef>
-          <a:effectRef idx="0">
-            <a:schemeClr val="accent1"/>
-          </a:effectRef>
-          <a:fontRef idx="minor">
-            <a:schemeClr val="tx1"/>
-          </a:fontRef>
-        </p:style>
-      </p:cxnSp>
-      <p:sp>
-        <p:nvSpPr>
-          <p:cNvPr id="20" name="TextBox 19">
-            <a:extLst>
-              <a:ext uri="{FF2B5EF4-FFF2-40B4-BE49-F238E27FC236}">
-                <a16:creationId xmlns:a16="http://schemas.microsoft.com/office/drawing/2014/main" id="{2C9DB491-BB13-4338-B64C-FD1E750086DA}"/>
-              </a:ext>
-            </a:extLst>
-          </p:cNvPr>
-          <p:cNvSpPr txBox="1"/>
-          <p:nvPr/>
-        </p:nvSpPr>
-        <p:spPr>
-          <a:xfrm>
-            <a:off x="6940839" y="1519388"/>
-            <a:ext cx="585926" cy="369332"/>
-          </a:xfrm>
-          <a:prstGeom prst="rect">
-            <a:avLst/>
-          </a:prstGeom>
-          <a:noFill/>
-        </p:spPr>
-        <p:txBody>
-          <a:bodyPr wrap="square" rtlCol="0">
-            <a:spAutoFit/>
-          </a:bodyPr>
-          <a:lstStyle/>
-          <a:p>
-            <a:r>
-              <a:rPr lang="en-US" altLang="ko-KR" dirty="0"/>
-              <a:t>NO</a:t>
-            </a:r>
-            <a:endParaRPr lang="ko-KR" altLang="en-US" dirty="0"/>
-          </a:p>
-        </p:txBody>
-      </p:sp>
-      <p:sp>
-        <p:nvSpPr>
-          <p:cNvPr id="21" name="TextBox 20">
-            <a:extLst>
-              <a:ext uri="{FF2B5EF4-FFF2-40B4-BE49-F238E27FC236}">
-                <a16:creationId xmlns:a16="http://schemas.microsoft.com/office/drawing/2014/main" id="{CA9F54AC-2F72-4005-AAFD-5A352340C8C2}"/>
-              </a:ext>
-            </a:extLst>
-          </p:cNvPr>
-          <p:cNvSpPr txBox="1"/>
-          <p:nvPr/>
-        </p:nvSpPr>
-        <p:spPr>
-          <a:xfrm>
-            <a:off x="9101094" y="1513609"/>
-            <a:ext cx="585926" cy="369332"/>
-          </a:xfrm>
-          <a:prstGeom prst="rect">
-            <a:avLst/>
-          </a:prstGeom>
-          <a:noFill/>
-        </p:spPr>
-        <p:txBody>
-          <a:bodyPr wrap="square" rtlCol="0">
-            <a:spAutoFit/>
-          </a:bodyPr>
-          <a:lstStyle/>
-          <a:p>
-            <a:r>
-              <a:rPr lang="en-US" altLang="ko-KR" dirty="0"/>
-              <a:t>NO</a:t>
-            </a:r>
-            <a:endParaRPr lang="ko-KR" altLang="en-US" dirty="0"/>
-          </a:p>
-        </p:txBody>
-      </p:sp>
-      <p:cxnSp>
-        <p:nvCxnSpPr>
-          <p:cNvPr id="23" name="직선 화살표 연결선 22">
-            <a:extLst>
-              <a:ext uri="{FF2B5EF4-FFF2-40B4-BE49-F238E27FC236}">
-                <a16:creationId xmlns:a16="http://schemas.microsoft.com/office/drawing/2014/main" id="{4F69B105-436A-48D2-BBB7-5F2F159AAFDE}"/>
-              </a:ext>
-            </a:extLst>
-          </p:cNvPr>
-          <p:cNvCxnSpPr>
-            <a:cxnSpLocks/>
-            <a:stCxn id="15" idx="3"/>
-            <a:endCxn id="35" idx="1"/>
-          </p:cNvCxnSpPr>
-          <p:nvPr/>
-        </p:nvCxnSpPr>
-        <p:spPr>
-          <a:xfrm flipV="1">
-            <a:off x="9047828" y="1933565"/>
-            <a:ext cx="905527" cy="1766"/>
-          </a:xfrm>
-          <a:prstGeom prst="straightConnector1">
-            <a:avLst/>
-          </a:prstGeom>
-          <a:ln>
-            <a:solidFill>
-              <a:srgbClr val="FF0000"/>
-            </a:solidFill>
-            <a:tailEnd type="triangle"/>
-          </a:ln>
-        </p:spPr>
-        <p:style>
-          <a:lnRef idx="1">
-            <a:schemeClr val="accent1"/>
-          </a:lnRef>
-          <a:fillRef idx="0">
-            <a:schemeClr val="accent1"/>
-          </a:fillRef>
-          <a:effectRef idx="0">
-            <a:schemeClr val="accent1"/>
-          </a:effectRef>
-          <a:fontRef idx="minor">
-            <a:schemeClr val="tx1"/>
-          </a:fontRef>
-        </p:style>
-      </p:cxnSp>
-      <p:cxnSp>
-        <p:nvCxnSpPr>
-          <p:cNvPr id="24" name="직선 화살표 연결선 23">
-            <a:extLst>
-              <a:ext uri="{FF2B5EF4-FFF2-40B4-BE49-F238E27FC236}">
-                <a16:creationId xmlns:a16="http://schemas.microsoft.com/office/drawing/2014/main" id="{73AF9B12-115F-4C5D-92E9-E0FD0CF391E3}"/>
-              </a:ext>
-            </a:extLst>
-          </p:cNvPr>
-          <p:cNvCxnSpPr>
-            <a:cxnSpLocks/>
-          </p:cNvCxnSpPr>
-          <p:nvPr/>
-        </p:nvCxnSpPr>
-        <p:spPr>
-          <a:xfrm>
-            <a:off x="8278430" y="2374775"/>
-            <a:ext cx="0" cy="531184"/>
-          </a:xfrm>
-          <a:prstGeom prst="straightConnector1">
-            <a:avLst/>
-          </a:prstGeom>
-          <a:ln>
-            <a:solidFill>
-              <a:srgbClr val="FF0000"/>
-            </a:solidFill>
-            <a:tailEnd type="triangle"/>
-          </a:ln>
-        </p:spPr>
-        <p:style>
-          <a:lnRef idx="1">
-            <a:schemeClr val="accent1"/>
-          </a:lnRef>
-          <a:fillRef idx="0">
-            <a:schemeClr val="accent1"/>
-          </a:fillRef>
-          <a:effectRef idx="0">
-            <a:schemeClr val="accent1"/>
-          </a:effectRef>
-          <a:fontRef idx="minor">
-            <a:schemeClr val="tx1"/>
-          </a:fontRef>
-        </p:style>
-      </p:cxnSp>
-      <p:cxnSp>
-        <p:nvCxnSpPr>
-          <p:cNvPr id="26" name="직선 화살표 연결선 25">
-            <a:extLst>
-              <a:ext uri="{FF2B5EF4-FFF2-40B4-BE49-F238E27FC236}">
-                <a16:creationId xmlns:a16="http://schemas.microsoft.com/office/drawing/2014/main" id="{6DD79FD0-2691-4361-AB71-A6185B07036A}"/>
-              </a:ext>
-            </a:extLst>
-          </p:cNvPr>
-          <p:cNvCxnSpPr>
-            <a:cxnSpLocks/>
-          </p:cNvCxnSpPr>
-          <p:nvPr/>
-        </p:nvCxnSpPr>
-        <p:spPr>
-          <a:xfrm>
-            <a:off x="6120415" y="2374775"/>
-            <a:ext cx="0" cy="531184"/>
-          </a:xfrm>
-          <a:prstGeom prst="straightConnector1">
-            <a:avLst/>
-          </a:prstGeom>
-          <a:ln>
-            <a:solidFill>
-              <a:srgbClr val="FF0000"/>
-            </a:solidFill>
-            <a:tailEnd type="triangle"/>
-          </a:ln>
-        </p:spPr>
-        <p:style>
-          <a:lnRef idx="1">
-            <a:schemeClr val="accent1"/>
-          </a:lnRef>
-          <a:fillRef idx="0">
-            <a:schemeClr val="accent1"/>
-          </a:fillRef>
-          <a:effectRef idx="0">
-            <a:schemeClr val="accent1"/>
-          </a:effectRef>
-          <a:fontRef idx="minor">
-            <a:schemeClr val="tx1"/>
-          </a:fontRef>
-        </p:style>
-      </p:cxnSp>
-      <p:sp>
-        <p:nvSpPr>
-          <p:cNvPr id="27" name="TextBox 26">
-            <a:extLst>
-              <a:ext uri="{FF2B5EF4-FFF2-40B4-BE49-F238E27FC236}">
-                <a16:creationId xmlns:a16="http://schemas.microsoft.com/office/drawing/2014/main" id="{76600C0D-0E99-4728-8A75-B40DE25C32E1}"/>
-              </a:ext>
-            </a:extLst>
-          </p:cNvPr>
-          <p:cNvSpPr txBox="1"/>
-          <p:nvPr/>
-        </p:nvSpPr>
-        <p:spPr>
-          <a:xfrm>
-            <a:off x="6329781" y="2467994"/>
-            <a:ext cx="852253" cy="369332"/>
-          </a:xfrm>
-          <a:prstGeom prst="rect">
-            <a:avLst/>
-          </a:prstGeom>
-          <a:noFill/>
-        </p:spPr>
-        <p:txBody>
-          <a:bodyPr wrap="square" rtlCol="0">
-            <a:spAutoFit/>
-          </a:bodyPr>
-          <a:lstStyle/>
-          <a:p>
-            <a:r>
-              <a:rPr lang="en-US" altLang="ko-KR" dirty="0"/>
-              <a:t>YES</a:t>
-            </a:r>
-            <a:endParaRPr lang="ko-KR" altLang="en-US" dirty="0"/>
-          </a:p>
-        </p:txBody>
-      </p:sp>
-      <p:sp>
-        <p:nvSpPr>
-          <p:cNvPr id="28" name="TextBox 27">
-            <a:extLst>
-              <a:ext uri="{FF2B5EF4-FFF2-40B4-BE49-F238E27FC236}">
-                <a16:creationId xmlns:a16="http://schemas.microsoft.com/office/drawing/2014/main" id="{BF830DDD-15D1-4F39-938A-7528B255CACE}"/>
-              </a:ext>
-            </a:extLst>
-          </p:cNvPr>
-          <p:cNvSpPr txBox="1"/>
-          <p:nvPr/>
-        </p:nvSpPr>
-        <p:spPr>
-          <a:xfrm>
-            <a:off x="8577315" y="2467994"/>
-            <a:ext cx="852253" cy="369332"/>
-          </a:xfrm>
-          <a:prstGeom prst="rect">
-            <a:avLst/>
-          </a:prstGeom>
-          <a:noFill/>
-        </p:spPr>
-        <p:txBody>
-          <a:bodyPr wrap="square" rtlCol="0">
-            <a:spAutoFit/>
-          </a:bodyPr>
-          <a:lstStyle/>
-          <a:p>
-            <a:r>
-              <a:rPr lang="en-US" altLang="ko-KR" dirty="0"/>
-              <a:t>YES</a:t>
-            </a:r>
-            <a:endParaRPr lang="ko-KR" altLang="en-US" dirty="0"/>
-          </a:p>
-        </p:txBody>
-      </p:sp>
-      <p:sp>
-        <p:nvSpPr>
-          <p:cNvPr id="30" name="타원 29">
-            <a:extLst>
-              <a:ext uri="{FF2B5EF4-FFF2-40B4-BE49-F238E27FC236}">
-                <a16:creationId xmlns:a16="http://schemas.microsoft.com/office/drawing/2014/main" id="{110F006D-5E0E-4F37-8ED1-9D4D5226C936}"/>
+              <a:rPr lang="ko-KR" altLang="en-US" sz="1500" dirty="0"/>
+              <a:t>배속설정</a:t>
+            </a:r>
+          </a:p>
+        </p:txBody>
+      </p:sp>
+      <p:sp>
+        <p:nvSpPr>
+          <p:cNvPr id="15" name="순서도: 판단 14">
+            <a:extLst>
+              <a:ext uri="{FF2B5EF4-FFF2-40B4-BE49-F238E27FC236}">
+                <a16:creationId xmlns:a16="http://schemas.microsoft.com/office/drawing/2014/main" id="{DAF51FBC-7097-4649-BAD1-E0757880C60F}"/>
               </a:ext>
             </a:extLst>
           </p:cNvPr>
@@ -4224,113 +4094,15 @@
         </p:nvSpPr>
         <p:spPr>
           <a:xfrm>
-            <a:off x="7439497" y="2920755"/>
-            <a:ext cx="1677865" cy="813786"/>
-          </a:xfrm>
-          <a:prstGeom prst="ellipse">
-            <a:avLst/>
-          </a:prstGeom>
-          <a:ln w="28575"/>
-        </p:spPr>
-        <p:style>
-          <a:lnRef idx="2">
-            <a:schemeClr val="accent1"/>
-          </a:lnRef>
-          <a:fillRef idx="1">
-            <a:schemeClr val="lt1"/>
-          </a:fillRef>
-          <a:effectRef idx="0">
-            <a:schemeClr val="accent1"/>
-          </a:effectRef>
-          <a:fontRef idx="minor">
-            <a:schemeClr val="dk1"/>
-          </a:fontRef>
-        </p:style>
-        <p:txBody>
-          <a:bodyPr rtlCol="0" anchor="ctr"/>
-          <a:lstStyle/>
-          <a:p>
-            <a:pPr algn="ctr"/>
-            <a:r>
-              <a:rPr lang="ko-KR" altLang="en-US" dirty="0"/>
-              <a:t>사진 저장</a:t>
-            </a:r>
-          </a:p>
-        </p:txBody>
-      </p:sp>
-      <p:sp>
-        <p:nvSpPr>
-          <p:cNvPr id="31" name="타원 30">
-            <a:extLst>
-              <a:ext uri="{FF2B5EF4-FFF2-40B4-BE49-F238E27FC236}">
-                <a16:creationId xmlns:a16="http://schemas.microsoft.com/office/drawing/2014/main" id="{EA13883D-6EF3-4401-8E18-C81FA105B2DF}"/>
-              </a:ext>
-            </a:extLst>
-          </p:cNvPr>
-          <p:cNvSpPr/>
-          <p:nvPr/>
-        </p:nvSpPr>
-        <p:spPr>
-          <a:xfrm>
-            <a:off x="5281482" y="2905959"/>
-            <a:ext cx="1677865" cy="813786"/>
-          </a:xfrm>
-          <a:prstGeom prst="ellipse">
-            <a:avLst/>
-          </a:prstGeom>
-          <a:ln w="28575"/>
-        </p:spPr>
-        <p:style>
-          <a:lnRef idx="2">
-            <a:schemeClr val="accent1"/>
-          </a:lnRef>
-          <a:fillRef idx="1">
-            <a:schemeClr val="lt1"/>
-          </a:fillRef>
-          <a:effectRef idx="0">
-            <a:schemeClr val="accent1"/>
-          </a:effectRef>
-          <a:fontRef idx="minor">
-            <a:schemeClr val="dk1"/>
-          </a:fontRef>
-        </p:style>
-        <p:txBody>
-          <a:bodyPr rtlCol="0" anchor="ctr"/>
-          <a:lstStyle/>
-          <a:p>
-            <a:pPr algn="ctr"/>
-            <a:r>
-              <a:rPr lang="ko-KR" altLang="en-US" dirty="0"/>
-              <a:t>프로그램 일시 정지</a:t>
-            </a:r>
-          </a:p>
-        </p:txBody>
-      </p:sp>
-      <p:sp>
-        <p:nvSpPr>
-          <p:cNvPr id="35" name="사각형: 둥근 모서리 34">
-            <a:extLst>
-              <a:ext uri="{FF2B5EF4-FFF2-40B4-BE49-F238E27FC236}">
-                <a16:creationId xmlns:a16="http://schemas.microsoft.com/office/drawing/2014/main" id="{05E562B5-18C6-4D7B-8BF8-3C1A350FA0E7}"/>
-              </a:ext>
-            </a:extLst>
-          </p:cNvPr>
-          <p:cNvSpPr/>
-          <p:nvPr/>
-        </p:nvSpPr>
-        <p:spPr>
-          <a:xfrm>
-            <a:off x="9953355" y="1653918"/>
-            <a:ext cx="1065319" cy="559293"/>
-          </a:xfrm>
-          <a:prstGeom prst="roundRect">
+            <a:off x="5307363" y="1495886"/>
+            <a:ext cx="1538796" cy="878889"/>
+          </a:xfrm>
+          <a:prstGeom prst="flowChartDecision">
             <a:avLst/>
           </a:prstGeom>
           <a:ln w="28575">
             <a:solidFill>
-              <a:schemeClr val="accent5">
-                <a:lumMod val="75000"/>
-              </a:schemeClr>
+              <a:srgbClr val="0070C0"/>
             </a:solidFill>
           </a:ln>
         </p:spPr>
@@ -4354,31 +4126,102 @@
           <a:p>
             <a:pPr algn="ctr"/>
             <a:r>
-              <a:rPr lang="ko-KR" altLang="en-US" sz="1500" dirty="0"/>
-              <a:t>동영상 종료</a:t>
-            </a:r>
+              <a:rPr lang="ko-KR" altLang="en-US" dirty="0"/>
+              <a:t>촬영</a:t>
+            </a:r>
+          </a:p>
+        </p:txBody>
+      </p:sp>
+      <p:sp>
+        <p:nvSpPr>
+          <p:cNvPr id="20" name="TextBox 19">
+            <a:extLst>
+              <a:ext uri="{FF2B5EF4-FFF2-40B4-BE49-F238E27FC236}">
+                <a16:creationId xmlns:a16="http://schemas.microsoft.com/office/drawing/2014/main" id="{2C9DB491-BB13-4338-B64C-FD1E750086DA}"/>
+              </a:ext>
+            </a:extLst>
+          </p:cNvPr>
+          <p:cNvSpPr txBox="1"/>
+          <p:nvPr/>
+        </p:nvSpPr>
+        <p:spPr>
+          <a:xfrm>
+            <a:off x="6940839" y="1519388"/>
+            <a:ext cx="585926" cy="369332"/>
+          </a:xfrm>
+          <a:prstGeom prst="rect">
+            <a:avLst/>
+          </a:prstGeom>
+          <a:noFill/>
+        </p:spPr>
+        <p:txBody>
+          <a:bodyPr wrap="square" rtlCol="0">
+            <a:spAutoFit/>
+          </a:bodyPr>
+          <a:lstStyle/>
+          <a:p>
+            <a:r>
+              <a:rPr lang="en-US" altLang="ko-KR" dirty="0"/>
+              <a:t>NO</a:t>
+            </a:r>
+            <a:endParaRPr lang="ko-KR" altLang="en-US" dirty="0"/>
+          </a:p>
+        </p:txBody>
+      </p:sp>
+      <p:sp>
+        <p:nvSpPr>
+          <p:cNvPr id="21" name="TextBox 20">
+            <a:extLst>
+              <a:ext uri="{FF2B5EF4-FFF2-40B4-BE49-F238E27FC236}">
+                <a16:creationId xmlns:a16="http://schemas.microsoft.com/office/drawing/2014/main" id="{CA9F54AC-2F72-4005-AAFD-5A352340C8C2}"/>
+              </a:ext>
+            </a:extLst>
+          </p:cNvPr>
+          <p:cNvSpPr txBox="1"/>
+          <p:nvPr/>
+        </p:nvSpPr>
+        <p:spPr>
+          <a:xfrm>
+            <a:off x="9101094" y="1513609"/>
+            <a:ext cx="585926" cy="369332"/>
+          </a:xfrm>
+          <a:prstGeom prst="rect">
+            <a:avLst/>
+          </a:prstGeom>
+          <a:noFill/>
+        </p:spPr>
+        <p:txBody>
+          <a:bodyPr wrap="square" rtlCol="0">
+            <a:spAutoFit/>
+          </a:bodyPr>
+          <a:lstStyle/>
+          <a:p>
+            <a:r>
+              <a:rPr lang="en-US" altLang="ko-KR" dirty="0"/>
+              <a:t>NO</a:t>
+            </a:r>
+            <a:endParaRPr lang="ko-KR" altLang="en-US" dirty="0"/>
           </a:p>
         </p:txBody>
       </p:sp>
       <p:cxnSp>
         <p:nvCxnSpPr>
-          <p:cNvPr id="36" name="직선 화살표 연결선 35">
-            <a:extLst>
-              <a:ext uri="{FF2B5EF4-FFF2-40B4-BE49-F238E27FC236}">
-                <a16:creationId xmlns:a16="http://schemas.microsoft.com/office/drawing/2014/main" id="{0CBC6124-8A75-4A79-AD1E-C62D024A49BE}"/>
+          <p:cNvPr id="24" name="직선 화살표 연결선 23">
+            <a:extLst>
+              <a:ext uri="{FF2B5EF4-FFF2-40B4-BE49-F238E27FC236}">
+                <a16:creationId xmlns:a16="http://schemas.microsoft.com/office/drawing/2014/main" id="{73AF9B12-115F-4C5D-92E9-E0FD0CF391E3}"/>
               </a:ext>
             </a:extLst>
           </p:cNvPr>
           <p:cNvCxnSpPr>
             <a:cxnSpLocks/>
-            <a:stCxn id="35" idx="2"/>
           </p:cNvCxnSpPr>
           <p:nvPr/>
         </p:nvCxnSpPr>
         <p:spPr>
-          <a:xfrm flipH="1">
-            <a:off x="10484537" y="2213211"/>
-            <a:ext cx="1478" cy="666114"/>
+          <a:xfrm>
+            <a:off x="6076761" y="2374775"/>
+            <a:ext cx="0" cy="531184"/>
           </a:xfrm>
           <a:prstGeom prst="straightConnector1">
             <a:avLst/>
@@ -4407,10 +4250,82 @@
       </p:cxnSp>
       <p:sp>
         <p:nvSpPr>
-          <p:cNvPr id="38" name="타원 37">
-            <a:extLst>
-              <a:ext uri="{FF2B5EF4-FFF2-40B4-BE49-F238E27FC236}">
-                <a16:creationId xmlns:a16="http://schemas.microsoft.com/office/drawing/2014/main" id="{338C1FAF-BF55-4D29-B9CD-974EA1B5C620}"/>
+          <p:cNvPr id="27" name="TextBox 26">
+            <a:extLst>
+              <a:ext uri="{FF2B5EF4-FFF2-40B4-BE49-F238E27FC236}">
+                <a16:creationId xmlns:a16="http://schemas.microsoft.com/office/drawing/2014/main" id="{76600C0D-0E99-4728-8A75-B40DE25C32E1}"/>
+              </a:ext>
+            </a:extLst>
+          </p:cNvPr>
+          <p:cNvSpPr txBox="1"/>
+          <p:nvPr/>
+        </p:nvSpPr>
+        <p:spPr>
+          <a:xfrm>
+            <a:off x="6329781" y="2467994"/>
+            <a:ext cx="852253" cy="369332"/>
+          </a:xfrm>
+          <a:prstGeom prst="rect">
+            <a:avLst/>
+          </a:prstGeom>
+          <a:noFill/>
+        </p:spPr>
+        <p:txBody>
+          <a:bodyPr wrap="square" rtlCol="0">
+            <a:spAutoFit/>
+          </a:bodyPr>
+          <a:lstStyle/>
+          <a:p>
+            <a:r>
+              <a:rPr lang="en-US" altLang="ko-KR" dirty="0"/>
+              <a:t>YES</a:t>
+            </a:r>
+            <a:endParaRPr lang="ko-KR" altLang="en-US" dirty="0"/>
+          </a:p>
+        </p:txBody>
+      </p:sp>
+      <p:sp>
+        <p:nvSpPr>
+          <p:cNvPr id="28" name="TextBox 27">
+            <a:extLst>
+              <a:ext uri="{FF2B5EF4-FFF2-40B4-BE49-F238E27FC236}">
+                <a16:creationId xmlns:a16="http://schemas.microsoft.com/office/drawing/2014/main" id="{BF830DDD-15D1-4F39-938A-7528B255CACE}"/>
+              </a:ext>
+            </a:extLst>
+          </p:cNvPr>
+          <p:cNvSpPr txBox="1"/>
+          <p:nvPr/>
+        </p:nvSpPr>
+        <p:spPr>
+          <a:xfrm>
+            <a:off x="8577315" y="2467994"/>
+            <a:ext cx="852253" cy="369332"/>
+          </a:xfrm>
+          <a:prstGeom prst="rect">
+            <a:avLst/>
+          </a:prstGeom>
+          <a:noFill/>
+        </p:spPr>
+        <p:txBody>
+          <a:bodyPr wrap="square" rtlCol="0">
+            <a:spAutoFit/>
+          </a:bodyPr>
+          <a:lstStyle/>
+          <a:p>
+            <a:r>
+              <a:rPr lang="en-US" altLang="ko-KR" dirty="0"/>
+              <a:t>YES</a:t>
+            </a:r>
+            <a:endParaRPr lang="ko-KR" altLang="en-US" dirty="0"/>
+          </a:p>
+        </p:txBody>
+      </p:sp>
+      <p:sp>
+        <p:nvSpPr>
+          <p:cNvPr id="30" name="타원 29">
+            <a:extLst>
+              <a:ext uri="{FF2B5EF4-FFF2-40B4-BE49-F238E27FC236}">
+                <a16:creationId xmlns:a16="http://schemas.microsoft.com/office/drawing/2014/main" id="{110F006D-5E0E-4F37-8ED1-9D4D5226C936}"/>
               </a:ext>
             </a:extLst>
           </p:cNvPr>
@@ -4419,7 +4334,7 @@
         </p:nvSpPr>
         <p:spPr>
           <a:xfrm>
-            <a:off x="9657430" y="2894121"/>
+            <a:off x="5237828" y="2920755"/>
             <a:ext cx="1677865" cy="813786"/>
           </a:xfrm>
           <a:prstGeom prst="ellipse">
@@ -4448,6 +4363,153 @@
             <a:pPr algn="ctr"/>
             <a:r>
               <a:rPr lang="ko-KR" altLang="en-US" dirty="0"/>
+              <a:t>사진 저장</a:t>
+            </a:r>
+          </a:p>
+        </p:txBody>
+      </p:sp>
+      <p:sp>
+        <p:nvSpPr>
+          <p:cNvPr id="35" name="사각형: 둥근 모서리 34">
+            <a:extLst>
+              <a:ext uri="{FF2B5EF4-FFF2-40B4-BE49-F238E27FC236}">
+                <a16:creationId xmlns:a16="http://schemas.microsoft.com/office/drawing/2014/main" id="{05E562B5-18C6-4D7B-8BF8-3C1A350FA0E7}"/>
+              </a:ext>
+            </a:extLst>
+          </p:cNvPr>
+          <p:cNvSpPr/>
+          <p:nvPr/>
+        </p:nvSpPr>
+        <p:spPr>
+          <a:xfrm>
+            <a:off x="9953355" y="1653918"/>
+            <a:ext cx="1065319" cy="559293"/>
+          </a:xfrm>
+          <a:prstGeom prst="roundRect">
+            <a:avLst/>
+          </a:prstGeom>
+          <a:ln w="28575">
+            <a:solidFill>
+              <a:schemeClr val="accent5">
+                <a:lumMod val="75000"/>
+              </a:schemeClr>
+            </a:solidFill>
+          </a:ln>
+        </p:spPr>
+        <p:style>
+          <a:lnRef idx="2">
+            <a:schemeClr val="dk1"/>
+          </a:lnRef>
+          <a:fillRef idx="1">
+            <a:schemeClr val="lt1"/>
+          </a:fillRef>
+          <a:effectRef idx="0">
+            <a:schemeClr val="dk1"/>
+          </a:effectRef>
+          <a:fontRef idx="minor">
+            <a:schemeClr val="dk1"/>
+          </a:fontRef>
+        </p:style>
+        <p:txBody>
+          <a:bodyPr rtlCol="0" anchor="ctr"/>
+          <a:lstStyle/>
+          <a:p>
+            <a:pPr algn="ctr"/>
+            <a:r>
+              <a:rPr lang="ko-KR" altLang="en-US" sz="1500" dirty="0"/>
+              <a:t>동영상 종료</a:t>
+            </a:r>
+          </a:p>
+        </p:txBody>
+      </p:sp>
+      <p:cxnSp>
+        <p:nvCxnSpPr>
+          <p:cNvPr id="36" name="직선 화살표 연결선 35">
+            <a:extLst>
+              <a:ext uri="{FF2B5EF4-FFF2-40B4-BE49-F238E27FC236}">
+                <a16:creationId xmlns:a16="http://schemas.microsoft.com/office/drawing/2014/main" id="{0CBC6124-8A75-4A79-AD1E-C62D024A49BE}"/>
+              </a:ext>
+            </a:extLst>
+          </p:cNvPr>
+          <p:cNvCxnSpPr>
+            <a:cxnSpLocks/>
+            <a:stCxn id="35" idx="2"/>
+          </p:cNvCxnSpPr>
+          <p:nvPr/>
+        </p:nvCxnSpPr>
+        <p:spPr>
+          <a:xfrm flipH="1">
+            <a:off x="10484537" y="2213211"/>
+            <a:ext cx="1478" cy="666114"/>
+          </a:xfrm>
+          <a:prstGeom prst="straightConnector1">
+            <a:avLst/>
+          </a:prstGeom>
+          <a:ln>
+            <a:solidFill>
+              <a:srgbClr val="FF0000"/>
+            </a:solidFill>
+            <a:tailEnd type="triangle"/>
+          </a:ln>
+        </p:spPr>
+        <p:style>
+          <a:lnRef idx="1">
+            <a:schemeClr val="accent1"/>
+          </a:lnRef>
+          <a:fillRef idx="0">
+            <a:schemeClr val="accent1"/>
+          </a:fillRef>
+          <a:effectRef idx="0">
+            <a:schemeClr val="accent1"/>
+          </a:effectRef>
+          <a:fontRef idx="minor">
+            <a:schemeClr val="tx1"/>
+          </a:fontRef>
+        </p:style>
+      </p:cxnSp>
+      <p:sp>
+        <p:nvSpPr>
+          <p:cNvPr id="38" name="타원 37">
+            <a:extLst>
+              <a:ext uri="{FF2B5EF4-FFF2-40B4-BE49-F238E27FC236}">
+                <a16:creationId xmlns:a16="http://schemas.microsoft.com/office/drawing/2014/main" id="{338C1FAF-BF55-4D29-B9CD-974EA1B5C620}"/>
+              </a:ext>
+            </a:extLst>
+          </p:cNvPr>
+          <p:cNvSpPr/>
+          <p:nvPr/>
+        </p:nvSpPr>
+        <p:spPr>
+          <a:xfrm>
+            <a:off x="9657430" y="2894121"/>
+            <a:ext cx="1677865" cy="813786"/>
+          </a:xfrm>
+          <a:prstGeom prst="ellipse">
+            <a:avLst/>
+          </a:prstGeom>
+          <a:ln w="28575"/>
+        </p:spPr>
+        <p:style>
+          <a:lnRef idx="2">
+            <a:schemeClr val="accent1"/>
+          </a:lnRef>
+          <a:fillRef idx="1">
+            <a:schemeClr val="lt1"/>
+          </a:fillRef>
+          <a:effectRef idx="0">
+            <a:schemeClr val="accent1"/>
+          </a:effectRef>
+          <a:fontRef idx="minor">
+            <a:schemeClr val="dk1"/>
+          </a:fontRef>
+        </p:style>
+        <p:txBody>
+          <a:bodyPr rtlCol="0" anchor="ctr"/>
+          <a:lstStyle/>
+          <a:p>
+            <a:pPr algn="ctr"/>
+            <a:r>
+              <a:rPr lang="ko-KR" altLang="en-US" dirty="0"/>
               <a:t>텍스트화</a:t>
             </a:r>
           </a:p>
@@ -4463,15 +4525,15 @@
             </a:extLst>
           </p:cNvPr>
           <p:cNvCxnSpPr>
-            <a:stCxn id="31" idx="2"/>
-            <a:endCxn id="12" idx="2"/>
+            <a:cxnSpLocks/>
+            <a:stCxn id="30" idx="2"/>
           </p:cNvCxnSpPr>
           <p:nvPr/>
         </p:nvCxnSpPr>
         <p:spPr>
           <a:xfrm rot="10800000">
-            <a:off x="4199140" y="2214980"/>
-            <a:ext cx="1082343" cy="1097873"/>
+            <a:off x="4367814" y="2213212"/>
+            <a:ext cx="870014" cy="1114437"/>
           </a:xfrm>
           <a:prstGeom prst="curvedConnector2">
             <a:avLst/>
@@ -4704,10 +4766,10 @@
       </p:cxnSp>
       <p:sp>
         <p:nvSpPr>
-          <p:cNvPr id="56" name="TextBox 55">
-            <a:extLst>
-              <a:ext uri="{FF2B5EF4-FFF2-40B4-BE49-F238E27FC236}">
-                <a16:creationId xmlns:a16="http://schemas.microsoft.com/office/drawing/2014/main" id="{540209F5-7B3C-4D90-8E9D-42F383B5F9E9}"/>
+          <p:cNvPr id="57" name="TextBox 56">
+            <a:extLst>
+              <a:ext uri="{FF2B5EF4-FFF2-40B4-BE49-F238E27FC236}">
+                <a16:creationId xmlns:a16="http://schemas.microsoft.com/office/drawing/2014/main" id="{9A3F8E04-12FB-4703-9FA6-C616C6779328}"/>
               </a:ext>
             </a:extLst>
           </p:cNvPr>
@@ -4716,8 +4778,8 @@
         </p:nvSpPr>
         <p:spPr>
           <a:xfrm>
-            <a:off x="5296278" y="409283"/>
-            <a:ext cx="1587624" cy="784830"/>
+            <a:off x="5214148" y="409283"/>
+            <a:ext cx="1587624" cy="553998"/>
           </a:xfrm>
           <a:prstGeom prst="rect">
             <a:avLst/>
@@ -4732,17 +4794,17 @@
           <a:p>
             <a:r>
               <a:rPr lang="ko-KR" altLang="en-US" sz="1500" dirty="0"/>
-              <a:t>동영상 일시정지와 동시에 프로그램도 일시정시</a:t>
-            </a:r>
-          </a:p>
-        </p:txBody>
-      </p:sp>
-      <p:sp>
-        <p:nvSpPr>
-          <p:cNvPr id="57" name="TextBox 56">
-            <a:extLst>
-              <a:ext uri="{FF2B5EF4-FFF2-40B4-BE49-F238E27FC236}">
-                <a16:creationId xmlns:a16="http://schemas.microsoft.com/office/drawing/2014/main" id="{9A3F8E04-12FB-4703-9FA6-C616C6779328}"/>
+              <a:t>사진 촬영으로 판서 바로 촬영</a:t>
+            </a:r>
+          </a:p>
+        </p:txBody>
+      </p:sp>
+      <p:sp>
+        <p:nvSpPr>
+          <p:cNvPr id="58" name="TextBox 57">
+            <a:extLst>
+              <a:ext uri="{FF2B5EF4-FFF2-40B4-BE49-F238E27FC236}">
+                <a16:creationId xmlns:a16="http://schemas.microsoft.com/office/drawing/2014/main" id="{4063E82C-657E-4406-92D1-99A7A7F954B3}"/>
               </a:ext>
             </a:extLst>
           </p:cNvPr>
@@ -4751,8 +4813,8 @@
         </p:nvSpPr>
         <p:spPr>
           <a:xfrm>
-            <a:off x="7415817" y="409283"/>
-            <a:ext cx="1587624" cy="553998"/>
+            <a:off x="9686276" y="410367"/>
+            <a:ext cx="1587624" cy="784830"/>
           </a:xfrm>
           <a:prstGeom prst="rect">
             <a:avLst/>
@@ -4767,17 +4829,17 @@
           <a:p>
             <a:r>
               <a:rPr lang="ko-KR" altLang="en-US" sz="1500" dirty="0"/>
-              <a:t>사진 촬영으로 판서 바로 촬영</a:t>
-            </a:r>
-          </a:p>
-        </p:txBody>
-      </p:sp>
-      <p:sp>
-        <p:nvSpPr>
-          <p:cNvPr id="58" name="TextBox 57">
-            <a:extLst>
-              <a:ext uri="{FF2B5EF4-FFF2-40B4-BE49-F238E27FC236}">
-                <a16:creationId xmlns:a16="http://schemas.microsoft.com/office/drawing/2014/main" id="{4063E82C-657E-4406-92D1-99A7A7F954B3}"/>
+              <a:t>동영상이 종료되면 자막 파일이 생성됨</a:t>
+            </a:r>
+          </a:p>
+        </p:txBody>
+      </p:sp>
+      <p:sp>
+        <p:nvSpPr>
+          <p:cNvPr id="59" name="TextBox 58">
+            <a:extLst>
+              <a:ext uri="{FF2B5EF4-FFF2-40B4-BE49-F238E27FC236}">
+                <a16:creationId xmlns:a16="http://schemas.microsoft.com/office/drawing/2014/main" id="{FDDE399D-61F6-4831-9CAD-9477EC235242}"/>
               </a:ext>
             </a:extLst>
           </p:cNvPr>
@@ -4786,8 +4848,8 @@
         </p:nvSpPr>
         <p:spPr>
           <a:xfrm>
-            <a:off x="9686276" y="410367"/>
-            <a:ext cx="1587624" cy="784830"/>
+            <a:off x="745726" y="275209"/>
+            <a:ext cx="3524435" cy="707886"/>
           </a:xfrm>
           <a:prstGeom prst="rect">
             <a:avLst/>
@@ -4801,18 +4863,162 @@
           <a:lstStyle/>
           <a:p>
             <a:r>
+              <a:rPr lang="en-US" altLang="ko-KR" sz="4000" dirty="0"/>
+              <a:t>Task Flow</a:t>
+            </a:r>
+            <a:endParaRPr lang="ko-KR" altLang="en-US" sz="4000" dirty="0"/>
+          </a:p>
+        </p:txBody>
+      </p:sp>
+      <p:sp>
+        <p:nvSpPr>
+          <p:cNvPr id="37" name="순서도: 판단 36">
+            <a:extLst>
+              <a:ext uri="{FF2B5EF4-FFF2-40B4-BE49-F238E27FC236}">
+                <a16:creationId xmlns:a16="http://schemas.microsoft.com/office/drawing/2014/main" id="{F047CCEB-B7F1-4F5E-BA93-2AEF73492E40}"/>
+              </a:ext>
+            </a:extLst>
+          </p:cNvPr>
+          <p:cNvSpPr/>
+          <p:nvPr/>
+        </p:nvSpPr>
+        <p:spPr>
+          <a:xfrm>
+            <a:off x="1738566" y="2763917"/>
+            <a:ext cx="1587624" cy="878889"/>
+          </a:xfrm>
+          <a:prstGeom prst="flowChartDecision">
+            <a:avLst/>
+          </a:prstGeom>
+          <a:ln w="28575">
+            <a:solidFill>
+              <a:srgbClr val="0070C0"/>
+            </a:solidFill>
+          </a:ln>
+        </p:spPr>
+        <p:style>
+          <a:lnRef idx="2">
+            <a:schemeClr val="dk1"/>
+          </a:lnRef>
+          <a:fillRef idx="1">
+            <a:schemeClr val="lt1"/>
+          </a:fillRef>
+          <a:effectRef idx="0">
+            <a:schemeClr val="dk1"/>
+          </a:effectRef>
+          <a:fontRef idx="minor">
+            <a:schemeClr val="dk1"/>
+          </a:fontRef>
+        </p:style>
+        <p:txBody>
+          <a:bodyPr rtlCol="0" anchor="ctr"/>
+          <a:lstStyle/>
+          <a:p>
+            <a:pPr algn="ctr"/>
+            <a:r>
               <a:rPr lang="ko-KR" altLang="en-US" sz="1500" dirty="0"/>
-              <a:t>동영상이 종료되면 자막 파일이 생성됨</a:t>
-            </a:r>
-          </a:p>
-        </p:txBody>
-      </p:sp>
-      <p:sp>
-        <p:nvSpPr>
-          <p:cNvPr id="59" name="TextBox 58">
-            <a:extLst>
-              <a:ext uri="{FF2B5EF4-FFF2-40B4-BE49-F238E27FC236}">
-                <a16:creationId xmlns:a16="http://schemas.microsoft.com/office/drawing/2014/main" id="{FDDE399D-61F6-4831-9CAD-9477EC235242}"/>
+              <a:t>폰에서 실행</a:t>
+            </a:r>
+          </a:p>
+        </p:txBody>
+      </p:sp>
+      <p:cxnSp>
+        <p:nvCxnSpPr>
+          <p:cNvPr id="39" name="직선 화살표 연결선 38">
+            <a:extLst>
+              <a:ext uri="{FF2B5EF4-FFF2-40B4-BE49-F238E27FC236}">
+                <a16:creationId xmlns:a16="http://schemas.microsoft.com/office/drawing/2014/main" id="{CBA595C1-D233-4DBF-8848-C54CB472C4FA}"/>
+              </a:ext>
+            </a:extLst>
+          </p:cNvPr>
+          <p:cNvCxnSpPr>
+            <a:cxnSpLocks/>
+            <a:stCxn id="14" idx="2"/>
+            <a:endCxn id="37" idx="0"/>
+          </p:cNvCxnSpPr>
+          <p:nvPr/>
+        </p:nvCxnSpPr>
+        <p:spPr>
+          <a:xfrm flipH="1">
+            <a:off x="2532378" y="2223857"/>
+            <a:ext cx="6637" cy="540060"/>
+          </a:xfrm>
+          <a:prstGeom prst="straightConnector1">
+            <a:avLst/>
+          </a:prstGeom>
+          <a:ln>
+            <a:solidFill>
+              <a:srgbClr val="FF0000"/>
+            </a:solidFill>
+            <a:tailEnd type="triangle"/>
+          </a:ln>
+        </p:spPr>
+        <p:style>
+          <a:lnRef idx="1">
+            <a:schemeClr val="accent1"/>
+          </a:lnRef>
+          <a:fillRef idx="0">
+            <a:schemeClr val="accent1"/>
+          </a:fillRef>
+          <a:effectRef idx="0">
+            <a:schemeClr val="accent1"/>
+          </a:effectRef>
+          <a:fontRef idx="minor">
+            <a:schemeClr val="tx1"/>
+          </a:fontRef>
+        </p:style>
+      </p:cxnSp>
+      <p:cxnSp>
+        <p:nvCxnSpPr>
+          <p:cNvPr id="6" name="연결선: 구부러짐 5">
+            <a:extLst>
+              <a:ext uri="{FF2B5EF4-FFF2-40B4-BE49-F238E27FC236}">
+                <a16:creationId xmlns:a16="http://schemas.microsoft.com/office/drawing/2014/main" id="{FA80DEF1-BFFA-4497-A246-EE32B32C49C1}"/>
+              </a:ext>
+            </a:extLst>
+          </p:cNvPr>
+          <p:cNvCxnSpPr>
+            <a:cxnSpLocks/>
+            <a:stCxn id="37" idx="3"/>
+          </p:cNvCxnSpPr>
+          <p:nvPr/>
+        </p:nvCxnSpPr>
+        <p:spPr>
+          <a:xfrm flipV="1">
+            <a:off x="3326190" y="2223857"/>
+            <a:ext cx="686517" cy="979505"/>
+          </a:xfrm>
+          <a:prstGeom prst="curvedConnector2">
+            <a:avLst/>
+          </a:prstGeom>
+          <a:ln>
+            <a:solidFill>
+              <a:srgbClr val="FF0000"/>
+            </a:solidFill>
+            <a:tailEnd type="triangle"/>
+          </a:ln>
+        </p:spPr>
+        <p:style>
+          <a:lnRef idx="1">
+            <a:schemeClr val="accent1"/>
+          </a:lnRef>
+          <a:fillRef idx="0">
+            <a:schemeClr val="accent1"/>
+          </a:fillRef>
+          <a:effectRef idx="0">
+            <a:schemeClr val="accent1"/>
+          </a:effectRef>
+          <a:fontRef idx="minor">
+            <a:schemeClr val="tx1"/>
+          </a:fontRef>
+        </p:style>
+      </p:cxnSp>
+      <p:sp>
+        <p:nvSpPr>
+          <p:cNvPr id="45" name="TextBox 44">
+            <a:extLst>
+              <a:ext uri="{FF2B5EF4-FFF2-40B4-BE49-F238E27FC236}">
+                <a16:creationId xmlns:a16="http://schemas.microsoft.com/office/drawing/2014/main" id="{F9F5CF1C-30D3-4E79-9C72-CB52807FA438}"/>
               </a:ext>
             </a:extLst>
           </p:cNvPr>
@@ -4821,8 +5027,8 @@
         </p:nvSpPr>
         <p:spPr>
           <a:xfrm>
-            <a:off x="745726" y="275209"/>
-            <a:ext cx="3524435" cy="707886"/>
+            <a:off x="2762066" y="3674740"/>
+            <a:ext cx="852253" cy="369332"/>
           </a:xfrm>
           <a:prstGeom prst="rect">
             <a:avLst/>
@@ -4836,10 +5042,475 @@
           <a:lstStyle/>
           <a:p>
             <a:r>
-              <a:rPr lang="en-US" altLang="ko-KR" sz="4000" dirty="0"/>
-              <a:t>Task Flow</a:t>
-            </a:r>
-            <a:endParaRPr lang="ko-KR" altLang="en-US" sz="4000" dirty="0"/>
+              <a:rPr lang="en-US" altLang="ko-KR" dirty="0"/>
+              <a:t>YES</a:t>
+            </a:r>
+            <a:endParaRPr lang="ko-KR" altLang="en-US" dirty="0"/>
+          </a:p>
+        </p:txBody>
+      </p:sp>
+      <p:cxnSp>
+        <p:nvCxnSpPr>
+          <p:cNvPr id="50" name="직선 화살표 연결선 49">
+            <a:extLst>
+              <a:ext uri="{FF2B5EF4-FFF2-40B4-BE49-F238E27FC236}">
+                <a16:creationId xmlns:a16="http://schemas.microsoft.com/office/drawing/2014/main" id="{720AF0CF-1A59-4154-82AE-B92E6DB050D7}"/>
+              </a:ext>
+            </a:extLst>
+          </p:cNvPr>
+          <p:cNvCxnSpPr>
+            <a:cxnSpLocks/>
+            <a:stCxn id="37" idx="2"/>
+            <a:endCxn id="52" idx="0"/>
+          </p:cNvCxnSpPr>
+          <p:nvPr/>
+        </p:nvCxnSpPr>
+        <p:spPr>
+          <a:xfrm>
+            <a:off x="2532378" y="3642806"/>
+            <a:ext cx="0" cy="557816"/>
+          </a:xfrm>
+          <a:prstGeom prst="straightConnector1">
+            <a:avLst/>
+          </a:prstGeom>
+          <a:ln>
+            <a:solidFill>
+              <a:srgbClr val="FF0000"/>
+            </a:solidFill>
+            <a:tailEnd type="triangle"/>
+          </a:ln>
+        </p:spPr>
+        <p:style>
+          <a:lnRef idx="1">
+            <a:schemeClr val="accent1"/>
+          </a:lnRef>
+          <a:fillRef idx="0">
+            <a:schemeClr val="accent1"/>
+          </a:fillRef>
+          <a:effectRef idx="0">
+            <a:schemeClr val="accent1"/>
+          </a:effectRef>
+          <a:fontRef idx="minor">
+            <a:schemeClr val="tx1"/>
+          </a:fontRef>
+        </p:style>
+      </p:cxnSp>
+      <p:sp>
+        <p:nvSpPr>
+          <p:cNvPr id="51" name="TextBox 50">
+            <a:extLst>
+              <a:ext uri="{FF2B5EF4-FFF2-40B4-BE49-F238E27FC236}">
+                <a16:creationId xmlns:a16="http://schemas.microsoft.com/office/drawing/2014/main" id="{AEEC357D-60A1-45A7-9EEB-17783809413D}"/>
+              </a:ext>
+            </a:extLst>
+          </p:cNvPr>
+          <p:cNvSpPr txBox="1"/>
+          <p:nvPr/>
+        </p:nvSpPr>
+        <p:spPr>
+          <a:xfrm>
+            <a:off x="3088708" y="2640367"/>
+            <a:ext cx="585926" cy="369332"/>
+          </a:xfrm>
+          <a:prstGeom prst="rect">
+            <a:avLst/>
+          </a:prstGeom>
+          <a:noFill/>
+        </p:spPr>
+        <p:txBody>
+          <a:bodyPr wrap="square" rtlCol="0">
+            <a:spAutoFit/>
+          </a:bodyPr>
+          <a:lstStyle/>
+          <a:p>
+            <a:r>
+              <a:rPr lang="en-US" altLang="ko-KR" dirty="0"/>
+              <a:t>NO</a:t>
+            </a:r>
+            <a:endParaRPr lang="ko-KR" altLang="en-US" dirty="0"/>
+          </a:p>
+        </p:txBody>
+      </p:sp>
+      <p:sp>
+        <p:nvSpPr>
+          <p:cNvPr id="52" name="타원 51">
+            <a:extLst>
+              <a:ext uri="{FF2B5EF4-FFF2-40B4-BE49-F238E27FC236}">
+                <a16:creationId xmlns:a16="http://schemas.microsoft.com/office/drawing/2014/main" id="{7C23EE9A-203B-4667-8A64-219F0388697D}"/>
+              </a:ext>
+            </a:extLst>
+          </p:cNvPr>
+          <p:cNvSpPr/>
+          <p:nvPr/>
+        </p:nvSpPr>
+        <p:spPr>
+          <a:xfrm>
+            <a:off x="1693445" y="4200622"/>
+            <a:ext cx="1677865" cy="813786"/>
+          </a:xfrm>
+          <a:prstGeom prst="ellipse">
+            <a:avLst/>
+          </a:prstGeom>
+          <a:ln w="28575"/>
+        </p:spPr>
+        <p:style>
+          <a:lnRef idx="2">
+            <a:schemeClr val="accent1"/>
+          </a:lnRef>
+          <a:fillRef idx="1">
+            <a:schemeClr val="lt1"/>
+          </a:fillRef>
+          <a:effectRef idx="0">
+            <a:schemeClr val="accent1"/>
+          </a:effectRef>
+          <a:fontRef idx="minor">
+            <a:schemeClr val="dk1"/>
+          </a:fontRef>
+        </p:style>
+        <p:txBody>
+          <a:bodyPr rtlCol="0" anchor="ctr"/>
+          <a:lstStyle/>
+          <a:p>
+            <a:pPr algn="ctr"/>
+            <a:r>
+              <a:rPr lang="ko-KR" altLang="en-US" dirty="0"/>
+              <a:t>동영상 위에서 실행</a:t>
+            </a:r>
+          </a:p>
+        </p:txBody>
+      </p:sp>
+      <p:cxnSp>
+        <p:nvCxnSpPr>
+          <p:cNvPr id="63" name="직선 화살표 연결선 62">
+            <a:extLst>
+              <a:ext uri="{FF2B5EF4-FFF2-40B4-BE49-F238E27FC236}">
+                <a16:creationId xmlns:a16="http://schemas.microsoft.com/office/drawing/2014/main" id="{4D8B8CED-7541-44FC-AB15-04B26D041BDF}"/>
+              </a:ext>
+            </a:extLst>
+          </p:cNvPr>
+          <p:cNvCxnSpPr>
+            <a:cxnSpLocks/>
+            <a:endCxn id="15" idx="1"/>
+          </p:cNvCxnSpPr>
+          <p:nvPr/>
+        </p:nvCxnSpPr>
+        <p:spPr>
+          <a:xfrm flipV="1">
+            <a:off x="4722929" y="1935331"/>
+            <a:ext cx="584434" cy="6660"/>
+          </a:xfrm>
+          <a:prstGeom prst="straightConnector1">
+            <a:avLst/>
+          </a:prstGeom>
+          <a:ln>
+            <a:solidFill>
+              <a:srgbClr val="FF0000"/>
+            </a:solidFill>
+            <a:tailEnd type="triangle"/>
+          </a:ln>
+        </p:spPr>
+        <p:style>
+          <a:lnRef idx="1">
+            <a:schemeClr val="accent1"/>
+          </a:lnRef>
+          <a:fillRef idx="0">
+            <a:schemeClr val="accent1"/>
+          </a:fillRef>
+          <a:effectRef idx="0">
+            <a:schemeClr val="accent1"/>
+          </a:effectRef>
+          <a:fontRef idx="minor">
+            <a:schemeClr val="tx1"/>
+          </a:fontRef>
+        </p:style>
+      </p:cxnSp>
+      <p:cxnSp>
+        <p:nvCxnSpPr>
+          <p:cNvPr id="64" name="직선 화살표 연결선 63">
+            <a:extLst>
+              <a:ext uri="{FF2B5EF4-FFF2-40B4-BE49-F238E27FC236}">
+                <a16:creationId xmlns:a16="http://schemas.microsoft.com/office/drawing/2014/main" id="{B43CE7E5-3CB4-4F09-AB58-68AEB6F39D13}"/>
+              </a:ext>
+            </a:extLst>
+          </p:cNvPr>
+          <p:cNvCxnSpPr>
+            <a:cxnSpLocks/>
+            <a:stCxn id="15" idx="3"/>
+            <a:endCxn id="54" idx="1"/>
+          </p:cNvCxnSpPr>
+          <p:nvPr/>
+        </p:nvCxnSpPr>
+        <p:spPr>
+          <a:xfrm>
+            <a:off x="6846159" y="1935331"/>
+            <a:ext cx="637724" cy="1"/>
+          </a:xfrm>
+          <a:prstGeom prst="straightConnector1">
+            <a:avLst/>
+          </a:prstGeom>
+          <a:ln>
+            <a:solidFill>
+              <a:srgbClr val="FF0000"/>
+            </a:solidFill>
+            <a:tailEnd type="triangle"/>
+          </a:ln>
+        </p:spPr>
+        <p:style>
+          <a:lnRef idx="1">
+            <a:schemeClr val="accent1"/>
+          </a:lnRef>
+          <a:fillRef idx="0">
+            <a:schemeClr val="accent1"/>
+          </a:fillRef>
+          <a:effectRef idx="0">
+            <a:schemeClr val="accent1"/>
+          </a:effectRef>
+          <a:fontRef idx="minor">
+            <a:schemeClr val="tx1"/>
+          </a:fontRef>
+        </p:style>
+      </p:cxnSp>
+      <p:cxnSp>
+        <p:nvCxnSpPr>
+          <p:cNvPr id="65" name="직선 화살표 연결선 64">
+            <a:extLst>
+              <a:ext uri="{FF2B5EF4-FFF2-40B4-BE49-F238E27FC236}">
+                <a16:creationId xmlns:a16="http://schemas.microsoft.com/office/drawing/2014/main" id="{9311841C-65A2-4FC5-BE7E-669AF3019E2C}"/>
+              </a:ext>
+            </a:extLst>
+          </p:cNvPr>
+          <p:cNvCxnSpPr>
+            <a:cxnSpLocks/>
+            <a:stCxn id="54" idx="3"/>
+            <a:endCxn id="35" idx="1"/>
+          </p:cNvCxnSpPr>
+          <p:nvPr/>
+        </p:nvCxnSpPr>
+        <p:spPr>
+          <a:xfrm flipV="1">
+            <a:off x="9071507" y="1933565"/>
+            <a:ext cx="881848" cy="1767"/>
+          </a:xfrm>
+          <a:prstGeom prst="straightConnector1">
+            <a:avLst/>
+          </a:prstGeom>
+          <a:ln>
+            <a:solidFill>
+              <a:srgbClr val="FF0000"/>
+            </a:solidFill>
+            <a:tailEnd type="triangle"/>
+          </a:ln>
+        </p:spPr>
+        <p:style>
+          <a:lnRef idx="1">
+            <a:schemeClr val="accent1"/>
+          </a:lnRef>
+          <a:fillRef idx="0">
+            <a:schemeClr val="accent1"/>
+          </a:fillRef>
+          <a:effectRef idx="0">
+            <a:schemeClr val="accent1"/>
+          </a:effectRef>
+          <a:fontRef idx="minor">
+            <a:schemeClr val="tx1"/>
+          </a:fontRef>
+        </p:style>
+      </p:cxnSp>
+      <p:cxnSp>
+        <p:nvCxnSpPr>
+          <p:cNvPr id="71" name="직선 화살표 연결선 70">
+            <a:extLst>
+              <a:ext uri="{FF2B5EF4-FFF2-40B4-BE49-F238E27FC236}">
+                <a16:creationId xmlns:a16="http://schemas.microsoft.com/office/drawing/2014/main" id="{F7776DCA-2484-4ABD-87DC-AD7D2A041818}"/>
+              </a:ext>
+            </a:extLst>
+          </p:cNvPr>
+          <p:cNvCxnSpPr>
+            <a:cxnSpLocks/>
+            <a:stCxn id="52" idx="6"/>
+            <a:endCxn id="67" idx="1"/>
+          </p:cNvCxnSpPr>
+          <p:nvPr/>
+        </p:nvCxnSpPr>
+        <p:spPr>
+          <a:xfrm>
+            <a:off x="3371310" y="4607515"/>
+            <a:ext cx="1937532" cy="19237"/>
+          </a:xfrm>
+          <a:prstGeom prst="straightConnector1">
+            <a:avLst/>
+          </a:prstGeom>
+          <a:ln>
+            <a:solidFill>
+              <a:srgbClr val="FF0000"/>
+            </a:solidFill>
+            <a:tailEnd type="triangle"/>
+          </a:ln>
+        </p:spPr>
+        <p:style>
+          <a:lnRef idx="1">
+            <a:schemeClr val="accent1"/>
+          </a:lnRef>
+          <a:fillRef idx="0">
+            <a:schemeClr val="accent1"/>
+          </a:fillRef>
+          <a:effectRef idx="0">
+            <a:schemeClr val="accent1"/>
+          </a:effectRef>
+          <a:fontRef idx="minor">
+            <a:schemeClr val="tx1"/>
+          </a:fontRef>
+        </p:style>
+      </p:cxnSp>
+      <p:sp>
+        <p:nvSpPr>
+          <p:cNvPr id="72" name="TextBox 71">
+            <a:extLst>
+              <a:ext uri="{FF2B5EF4-FFF2-40B4-BE49-F238E27FC236}">
+                <a16:creationId xmlns:a16="http://schemas.microsoft.com/office/drawing/2014/main" id="{9F2CC18C-6A09-4F54-A2B3-481F353AC913}"/>
+              </a:ext>
+            </a:extLst>
+          </p:cNvPr>
+          <p:cNvSpPr txBox="1"/>
+          <p:nvPr/>
+        </p:nvSpPr>
+        <p:spPr>
+          <a:xfrm>
+            <a:off x="6312767" y="5121992"/>
+            <a:ext cx="852253" cy="369332"/>
+          </a:xfrm>
+          <a:prstGeom prst="rect">
+            <a:avLst/>
+          </a:prstGeom>
+          <a:noFill/>
+        </p:spPr>
+        <p:txBody>
+          <a:bodyPr wrap="square" rtlCol="0">
+            <a:spAutoFit/>
+          </a:bodyPr>
+          <a:lstStyle/>
+          <a:p>
+            <a:r>
+              <a:rPr lang="en-US" altLang="ko-KR" dirty="0"/>
+              <a:t>YES</a:t>
+            </a:r>
+            <a:endParaRPr lang="ko-KR" altLang="en-US" dirty="0"/>
+          </a:p>
+        </p:txBody>
+      </p:sp>
+      <p:sp>
+        <p:nvSpPr>
+          <p:cNvPr id="76" name="TextBox 75">
+            <a:extLst>
+              <a:ext uri="{FF2B5EF4-FFF2-40B4-BE49-F238E27FC236}">
+                <a16:creationId xmlns:a16="http://schemas.microsoft.com/office/drawing/2014/main" id="{75FC7D8A-0696-4557-9FD0-1829F6D3A918}"/>
+              </a:ext>
+            </a:extLst>
+          </p:cNvPr>
+          <p:cNvSpPr txBox="1"/>
+          <p:nvPr/>
+        </p:nvSpPr>
+        <p:spPr>
+          <a:xfrm>
+            <a:off x="6930140" y="4459550"/>
+            <a:ext cx="585926" cy="369332"/>
+          </a:xfrm>
+          <a:prstGeom prst="rect">
+            <a:avLst/>
+          </a:prstGeom>
+          <a:noFill/>
+        </p:spPr>
+        <p:txBody>
+          <a:bodyPr wrap="square" rtlCol="0">
+            <a:spAutoFit/>
+          </a:bodyPr>
+          <a:lstStyle/>
+          <a:p>
+            <a:r>
+              <a:rPr lang="en-US" altLang="ko-KR" dirty="0"/>
+              <a:t>NO</a:t>
+            </a:r>
+            <a:endParaRPr lang="ko-KR" altLang="en-US" dirty="0"/>
+          </a:p>
+        </p:txBody>
+      </p:sp>
+      <p:cxnSp>
+        <p:nvCxnSpPr>
+          <p:cNvPr id="77" name="연결선: 구부러짐 76">
+            <a:extLst>
+              <a:ext uri="{FF2B5EF4-FFF2-40B4-BE49-F238E27FC236}">
+                <a16:creationId xmlns:a16="http://schemas.microsoft.com/office/drawing/2014/main" id="{9C7D474B-64B7-428F-9E3F-B799448904FC}"/>
+              </a:ext>
+            </a:extLst>
+          </p:cNvPr>
+          <p:cNvCxnSpPr>
+            <a:cxnSpLocks/>
+            <a:stCxn id="67" idx="3"/>
+          </p:cNvCxnSpPr>
+          <p:nvPr/>
+        </p:nvCxnSpPr>
+        <p:spPr>
+          <a:xfrm flipV="1">
+            <a:off x="6847638" y="1992127"/>
+            <a:ext cx="679127" cy="2634625"/>
+          </a:xfrm>
+          <a:prstGeom prst="curvedConnector2">
+            <a:avLst/>
+          </a:prstGeom>
+          <a:ln>
+            <a:solidFill>
+              <a:srgbClr val="FF0000"/>
+            </a:solidFill>
+            <a:tailEnd type="triangle"/>
+          </a:ln>
+        </p:spPr>
+        <p:style>
+          <a:lnRef idx="1">
+            <a:schemeClr val="accent1"/>
+          </a:lnRef>
+          <a:fillRef idx="0">
+            <a:schemeClr val="accent1"/>
+          </a:fillRef>
+          <a:effectRef idx="0">
+            <a:schemeClr val="accent1"/>
+          </a:effectRef>
+          <a:fontRef idx="minor">
+            <a:schemeClr val="tx1"/>
+          </a:fontRef>
+        </p:style>
+      </p:cxnSp>
+      <p:sp>
+        <p:nvSpPr>
+          <p:cNvPr id="80" name="TextBox 79">
+            <a:extLst>
+              <a:ext uri="{FF2B5EF4-FFF2-40B4-BE49-F238E27FC236}">
+                <a16:creationId xmlns:a16="http://schemas.microsoft.com/office/drawing/2014/main" id="{ACAACB61-1F50-4ABE-8D60-0052D746DDF9}"/>
+              </a:ext>
+            </a:extLst>
+          </p:cNvPr>
+          <p:cNvSpPr txBox="1"/>
+          <p:nvPr/>
+        </p:nvSpPr>
+        <p:spPr>
+          <a:xfrm>
+            <a:off x="3531837" y="5187265"/>
+            <a:ext cx="1587624" cy="784830"/>
+          </a:xfrm>
+          <a:prstGeom prst="rect">
+            <a:avLst/>
+          </a:prstGeom>
+          <a:noFill/>
+        </p:spPr>
+        <p:txBody>
+          <a:bodyPr wrap="square" rtlCol="0">
+            <a:spAutoFit/>
+          </a:bodyPr>
+          <a:lstStyle/>
+          <a:p>
+            <a:r>
+              <a:rPr lang="ko-KR" altLang="en-US" sz="1500" dirty="0"/>
+              <a:t>동영상 위 캡처 버튼 누를 시 화면 캡처</a:t>
+            </a:r>
           </a:p>
         </p:txBody>
       </p:sp>

--- a/TaskFlow.pptx
+++ b/TaskFlow.pptx
@@ -5,22 +5,19 @@
     <p:sldMasterId id="2147483648" r:id="rId1"/>
   </p:sldMasterIdLst>
   <p:notesMasterIdLst>
-    <p:notesMasterId r:id="rId15"/>
+    <p:notesMasterId r:id="rId12"/>
   </p:notesMasterIdLst>
   <p:sldIdLst>
     <p:sldId id="260" r:id="rId2"/>
     <p:sldId id="262" r:id="rId3"/>
     <p:sldId id="263" r:id="rId4"/>
     <p:sldId id="265" r:id="rId5"/>
-    <p:sldId id="256" r:id="rId6"/>
-    <p:sldId id="266" r:id="rId7"/>
-    <p:sldId id="257" r:id="rId8"/>
-    <p:sldId id="258" r:id="rId9"/>
-    <p:sldId id="259" r:id="rId10"/>
-    <p:sldId id="264" r:id="rId11"/>
-    <p:sldId id="267" r:id="rId12"/>
-    <p:sldId id="268" r:id="rId13"/>
-    <p:sldId id="269" r:id="rId14"/>
+    <p:sldId id="266" r:id="rId6"/>
+    <p:sldId id="259" r:id="rId7"/>
+    <p:sldId id="264" r:id="rId8"/>
+    <p:sldId id="267" r:id="rId9"/>
+    <p:sldId id="268" r:id="rId10"/>
+    <p:sldId id="269" r:id="rId11"/>
   </p:sldIdLst>
   <p:sldSz cx="12192000" cy="6858000"/>
   <p:notesSz cx="6858000" cy="9144000"/>
@@ -3131,7 +3128,7 @@
           <a:p>
             <a:fld id="{66D30535-54D1-4F37-A54B-20042B0D1715}" type="datetimeFigureOut">
               <a:rPr lang="ko-KR" altLang="en-US" smtClean="0"/>
-              <a:t>2020-07-03</a:t>
+              <a:t>2020-07-04</a:t>
             </a:fld>
             <a:endParaRPr lang="ko-KR" altLang="en-US"/>
           </a:p>
@@ -3545,7 +3542,7 @@
           <a:p>
             <a:fld id="{65A53D74-9C52-4EA8-8C61-9F45DE6EDDC0}" type="datetimeFigureOut">
               <a:rPr lang="ko-KR" altLang="en-US" smtClean="0"/>
-              <a:t>2020-07-02</a:t>
+              <a:t>2020-07-04</a:t>
             </a:fld>
             <a:endParaRPr lang="ko-KR" altLang="en-US"/>
           </a:p>
@@ -3743,7 +3740,7 @@
           <a:p>
             <a:fld id="{65A53D74-9C52-4EA8-8C61-9F45DE6EDDC0}" type="datetimeFigureOut">
               <a:rPr lang="ko-KR" altLang="en-US" smtClean="0"/>
-              <a:t>2020-07-02</a:t>
+              <a:t>2020-07-04</a:t>
             </a:fld>
             <a:endParaRPr lang="ko-KR" altLang="en-US"/>
           </a:p>
@@ -3951,7 +3948,7 @@
           <a:p>
             <a:fld id="{65A53D74-9C52-4EA8-8C61-9F45DE6EDDC0}" type="datetimeFigureOut">
               <a:rPr lang="ko-KR" altLang="en-US" smtClean="0"/>
-              <a:t>2020-07-02</a:t>
+              <a:t>2020-07-04</a:t>
             </a:fld>
             <a:endParaRPr lang="ko-KR" altLang="en-US"/>
           </a:p>
@@ -4149,7 +4146,7 @@
           <a:p>
             <a:fld id="{65A53D74-9C52-4EA8-8C61-9F45DE6EDDC0}" type="datetimeFigureOut">
               <a:rPr lang="ko-KR" altLang="en-US" smtClean="0"/>
-              <a:t>2020-07-02</a:t>
+              <a:t>2020-07-04</a:t>
             </a:fld>
             <a:endParaRPr lang="ko-KR" altLang="en-US"/>
           </a:p>
@@ -4424,7 +4421,7 @@
           <a:p>
             <a:fld id="{65A53D74-9C52-4EA8-8C61-9F45DE6EDDC0}" type="datetimeFigureOut">
               <a:rPr lang="ko-KR" altLang="en-US" smtClean="0"/>
-              <a:t>2020-07-02</a:t>
+              <a:t>2020-07-04</a:t>
             </a:fld>
             <a:endParaRPr lang="ko-KR" altLang="en-US"/>
           </a:p>
@@ -4689,7 +4686,7 @@
           <a:p>
             <a:fld id="{65A53D74-9C52-4EA8-8C61-9F45DE6EDDC0}" type="datetimeFigureOut">
               <a:rPr lang="ko-KR" altLang="en-US" smtClean="0"/>
-              <a:t>2020-07-02</a:t>
+              <a:t>2020-07-04</a:t>
             </a:fld>
             <a:endParaRPr lang="ko-KR" altLang="en-US"/>
           </a:p>
@@ -5101,7 +5098,7 @@
           <a:p>
             <a:fld id="{65A53D74-9C52-4EA8-8C61-9F45DE6EDDC0}" type="datetimeFigureOut">
               <a:rPr lang="ko-KR" altLang="en-US" smtClean="0"/>
-              <a:t>2020-07-02</a:t>
+              <a:t>2020-07-04</a:t>
             </a:fld>
             <a:endParaRPr lang="ko-KR" altLang="en-US"/>
           </a:p>
@@ -5242,7 +5239,7 @@
           <a:p>
             <a:fld id="{65A53D74-9C52-4EA8-8C61-9F45DE6EDDC0}" type="datetimeFigureOut">
               <a:rPr lang="ko-KR" altLang="en-US" smtClean="0"/>
-              <a:t>2020-07-02</a:t>
+              <a:t>2020-07-04</a:t>
             </a:fld>
             <a:endParaRPr lang="ko-KR" altLang="en-US"/>
           </a:p>
@@ -5355,7 +5352,7 @@
           <a:p>
             <a:fld id="{65A53D74-9C52-4EA8-8C61-9F45DE6EDDC0}" type="datetimeFigureOut">
               <a:rPr lang="ko-KR" altLang="en-US" smtClean="0"/>
-              <a:t>2020-07-02</a:t>
+              <a:t>2020-07-04</a:t>
             </a:fld>
             <a:endParaRPr lang="ko-KR" altLang="en-US"/>
           </a:p>
@@ -5666,7 +5663,7 @@
           <a:p>
             <a:fld id="{65A53D74-9C52-4EA8-8C61-9F45DE6EDDC0}" type="datetimeFigureOut">
               <a:rPr lang="ko-KR" altLang="en-US" smtClean="0"/>
-              <a:t>2020-07-02</a:t>
+              <a:t>2020-07-04</a:t>
             </a:fld>
             <a:endParaRPr lang="ko-KR" altLang="en-US"/>
           </a:p>
@@ -5954,7 +5951,7 @@
           <a:p>
             <a:fld id="{65A53D74-9C52-4EA8-8C61-9F45DE6EDDC0}" type="datetimeFigureOut">
               <a:rPr lang="ko-KR" altLang="en-US" smtClean="0"/>
-              <a:t>2020-07-02</a:t>
+              <a:t>2020-07-04</a:t>
             </a:fld>
             <a:endParaRPr lang="ko-KR" altLang="en-US"/>
           </a:p>
@@ -6195,7 +6192,7 @@
           <a:p>
             <a:fld id="{65A53D74-9C52-4EA8-8C61-9F45DE6EDDC0}" type="datetimeFigureOut">
               <a:rPr lang="ko-KR" altLang="en-US" smtClean="0"/>
-              <a:t>2020-07-02</a:t>
+              <a:t>2020-07-04</a:t>
             </a:fld>
             <a:endParaRPr lang="ko-KR" altLang="en-US"/>
           </a:p>
@@ -6718,702 +6715,6 @@
 </file>
 
 <file path=ppt/slides/slide10.xml><?xml version="1.0" encoding="utf-8"?>
-<p:sld xmlns:a="http://schemas.openxmlformats.org/drawingml/2006/main" xmlns:r="http://schemas.openxmlformats.org/officeDocument/2006/relationships" xmlns:p="http://schemas.openxmlformats.org/presentationml/2006/main">
-  <p:cSld>
-    <p:spTree>
-      <p:nvGrpSpPr>
-        <p:cNvPr id="1" name=""/>
-        <p:cNvGrpSpPr/>
-        <p:nvPr/>
-      </p:nvGrpSpPr>
-      <p:grpSpPr>
-        <a:xfrm>
-          <a:off x="0" y="0"/>
-          <a:ext cx="0" cy="0"/>
-          <a:chOff x="0" y="0"/>
-          <a:chExt cx="0" cy="0"/>
-        </a:xfrm>
-      </p:grpSpPr>
-      <p:graphicFrame>
-        <p:nvGraphicFramePr>
-          <p:cNvPr id="14" name="표 14">
-            <a:extLst>
-              <a:ext uri="{FF2B5EF4-FFF2-40B4-BE49-F238E27FC236}">
-                <a16:creationId xmlns:a16="http://schemas.microsoft.com/office/drawing/2014/main" id="{B906D872-C1A2-4704-97CD-3923A1596511}"/>
-              </a:ext>
-            </a:extLst>
-          </p:cNvPr>
-          <p:cNvGraphicFramePr>
-            <a:graphicFrameLocks noGrp="1"/>
-          </p:cNvGraphicFramePr>
-          <p:nvPr>
-            <p:extLst>
-              <p:ext uri="{D42A27DB-BD31-4B8C-83A1-F6EECF244321}">
-                <p14:modId xmlns:p14="http://schemas.microsoft.com/office/powerpoint/2010/main" val="982766573"/>
-              </p:ext>
-            </p:extLst>
-          </p:nvPr>
-        </p:nvGraphicFramePr>
-        <p:xfrm>
-          <a:off x="4299355" y="1377497"/>
-          <a:ext cx="3593290" cy="1837494"/>
-        </p:xfrm>
-        <a:graphic>
-          <a:graphicData uri="http://schemas.openxmlformats.org/drawingml/2006/table">
-            <a:tbl>
-              <a:tblPr firstRow="1" bandRow="1">
-                <a:tableStyleId>{5940675A-B579-460E-94D1-54222C63F5DA}</a:tableStyleId>
-              </a:tblPr>
-              <a:tblGrid>
-                <a:gridCol w="3593290">
-                  <a:extLst>
-                    <a:ext uri="{9D8B030D-6E8A-4147-A177-3AD203B41FA5}">
-                      <a16:colId xmlns:a16="http://schemas.microsoft.com/office/drawing/2014/main" val="3206758967"/>
-                    </a:ext>
-                  </a:extLst>
-                </a:gridCol>
-              </a:tblGrid>
-              <a:tr h="666913">
-                <a:tc>
-                  <a:txBody>
-                    <a:bodyPr/>
-                    <a:lstStyle/>
-                    <a:p>
-                      <a:pPr algn="ctr" latinLnBrk="1"/>
-                      <a:r>
-                        <a:rPr lang="ko-KR" altLang="en-US" b="1" dirty="0"/>
-                        <a:t>책임 프로그래머</a:t>
-                      </a:r>
-                      <a:endParaRPr lang="en-US" altLang="ko-KR" b="0" dirty="0"/>
-                    </a:p>
-                    <a:p>
-                      <a:pPr algn="ctr" latinLnBrk="1"/>
-                      <a:r>
-                        <a:rPr lang="ko-KR" altLang="en-US" b="0" dirty="0"/>
-                        <a:t>강성범</a:t>
-                      </a:r>
-                    </a:p>
-                  </a:txBody>
-                  <a:tcPr>
-                    <a:noFill/>
-                  </a:tcPr>
-                </a:tc>
-                <a:extLst>
-                  <a:ext uri="{0D108BD9-81ED-4DB2-BD59-A6C34878D82A}">
-                    <a16:rowId xmlns:a16="http://schemas.microsoft.com/office/drawing/2014/main" val="881269885"/>
-                  </a:ext>
-                </a:extLst>
-              </a:tr>
-              <a:tr h="1170581">
-                <a:tc>
-                  <a:txBody>
-                    <a:bodyPr/>
-                    <a:lstStyle/>
-                    <a:p>
-                      <a:pPr algn="ctr" latinLnBrk="1"/>
-                      <a:r>
-                        <a:rPr lang="ko-KR" altLang="en-US" dirty="0"/>
-                        <a:t>주요 기능 및 인터페이스</a:t>
-                      </a:r>
-                      <a:endParaRPr lang="en-US" altLang="ko-KR" dirty="0"/>
-                    </a:p>
-                    <a:p>
-                      <a:pPr algn="ctr" latinLnBrk="1"/>
-                      <a:r>
-                        <a:rPr lang="ko-KR" altLang="en-US" dirty="0"/>
-                        <a:t>프로그래밍 </a:t>
-                      </a:r>
-                      <a:r>
-                        <a:rPr lang="en-US" altLang="ko-KR" dirty="0"/>
-                        <a:t> </a:t>
-                      </a:r>
-                      <a:endParaRPr lang="ko-KR" altLang="en-US" dirty="0"/>
-                    </a:p>
-                  </a:txBody>
-                  <a:tcPr>
-                    <a:noFill/>
-                  </a:tcPr>
-                </a:tc>
-                <a:extLst>
-                  <a:ext uri="{0D108BD9-81ED-4DB2-BD59-A6C34878D82A}">
-                    <a16:rowId xmlns:a16="http://schemas.microsoft.com/office/drawing/2014/main" val="369645993"/>
-                  </a:ext>
-                </a:extLst>
-              </a:tr>
-            </a:tbl>
-          </a:graphicData>
-        </a:graphic>
-      </p:graphicFrame>
-      <p:graphicFrame>
-        <p:nvGraphicFramePr>
-          <p:cNvPr id="17" name="표 14">
-            <a:extLst>
-              <a:ext uri="{FF2B5EF4-FFF2-40B4-BE49-F238E27FC236}">
-                <a16:creationId xmlns:a16="http://schemas.microsoft.com/office/drawing/2014/main" id="{46C70382-3432-4E83-86D1-32A30F771E4D}"/>
-              </a:ext>
-            </a:extLst>
-          </p:cNvPr>
-          <p:cNvGraphicFramePr>
-            <a:graphicFrameLocks noGrp="1"/>
-          </p:cNvGraphicFramePr>
-          <p:nvPr>
-            <p:extLst>
-              <p:ext uri="{D42A27DB-BD31-4B8C-83A1-F6EECF244321}">
-                <p14:modId xmlns:p14="http://schemas.microsoft.com/office/powerpoint/2010/main" val="1891190656"/>
-              </p:ext>
-            </p:extLst>
-          </p:nvPr>
-        </p:nvGraphicFramePr>
-        <p:xfrm>
-          <a:off x="6890707" y="3947081"/>
-          <a:ext cx="3593290" cy="1837494"/>
-        </p:xfrm>
-        <a:graphic>
-          <a:graphicData uri="http://schemas.openxmlformats.org/drawingml/2006/table">
-            <a:tbl>
-              <a:tblPr firstRow="1" bandRow="1">
-                <a:tableStyleId>{5940675A-B579-460E-94D1-54222C63F5DA}</a:tableStyleId>
-              </a:tblPr>
-              <a:tblGrid>
-                <a:gridCol w="3593290">
-                  <a:extLst>
-                    <a:ext uri="{9D8B030D-6E8A-4147-A177-3AD203B41FA5}">
-                      <a16:colId xmlns:a16="http://schemas.microsoft.com/office/drawing/2014/main" val="3206758967"/>
-                    </a:ext>
-                  </a:extLst>
-                </a:gridCol>
-              </a:tblGrid>
-              <a:tr h="666913">
-                <a:tc>
-                  <a:txBody>
-                    <a:bodyPr/>
-                    <a:lstStyle/>
-                    <a:p>
-                      <a:pPr algn="ctr" latinLnBrk="1"/>
-                      <a:r>
-                        <a:rPr lang="ko-KR" altLang="en-US" b="1" dirty="0"/>
-                        <a:t>프로젝트 매니저</a:t>
-                      </a:r>
-                      <a:r>
-                        <a:rPr lang="en-US" altLang="ko-KR" b="1" dirty="0"/>
-                        <a:t>, </a:t>
-                      </a:r>
-                      <a:r>
-                        <a:rPr lang="ko-KR" altLang="en-US" b="1" dirty="0"/>
-                        <a:t>프로그래머</a:t>
-                      </a:r>
-                      <a:endParaRPr lang="en-US" altLang="ko-KR" b="1" dirty="0"/>
-                    </a:p>
-                    <a:p>
-                      <a:pPr algn="ctr" latinLnBrk="1"/>
-                      <a:r>
-                        <a:rPr lang="ko-KR" altLang="en-US" b="0" dirty="0"/>
-                        <a:t>고대은</a:t>
-                      </a:r>
-                    </a:p>
-                  </a:txBody>
-                  <a:tcPr/>
-                </a:tc>
-                <a:extLst>
-                  <a:ext uri="{0D108BD9-81ED-4DB2-BD59-A6C34878D82A}">
-                    <a16:rowId xmlns:a16="http://schemas.microsoft.com/office/drawing/2014/main" val="881269885"/>
-                  </a:ext>
-                </a:extLst>
-              </a:tr>
-              <a:tr h="1170581">
-                <a:tc>
-                  <a:txBody>
-                    <a:bodyPr/>
-                    <a:lstStyle/>
-                    <a:p>
-                      <a:pPr algn="ctr" latinLnBrk="1"/>
-                      <a:r>
-                        <a:rPr lang="ko-KR" altLang="en-US" dirty="0"/>
-                        <a:t>세부 일정 관리 및 </a:t>
-                      </a:r>
-                      <a:endParaRPr lang="en-US" altLang="ko-KR" dirty="0"/>
-                    </a:p>
-                    <a:p>
-                      <a:pPr algn="ctr" latinLnBrk="1"/>
-                      <a:r>
-                        <a:rPr lang="ko-KR" altLang="en-US" dirty="0"/>
-                        <a:t>알고리즘 검토</a:t>
-                      </a:r>
-                    </a:p>
-                  </a:txBody>
-                  <a:tcPr/>
-                </a:tc>
-                <a:extLst>
-                  <a:ext uri="{0D108BD9-81ED-4DB2-BD59-A6C34878D82A}">
-                    <a16:rowId xmlns:a16="http://schemas.microsoft.com/office/drawing/2014/main" val="369645993"/>
-                  </a:ext>
-                </a:extLst>
-              </a:tr>
-            </a:tbl>
-          </a:graphicData>
-        </a:graphic>
-      </p:graphicFrame>
-      <p:graphicFrame>
-        <p:nvGraphicFramePr>
-          <p:cNvPr id="18" name="표 14">
-            <a:extLst>
-              <a:ext uri="{FF2B5EF4-FFF2-40B4-BE49-F238E27FC236}">
-                <a16:creationId xmlns:a16="http://schemas.microsoft.com/office/drawing/2014/main" id="{225326D9-9735-4D9B-BBE2-51895EBC9B78}"/>
-              </a:ext>
-            </a:extLst>
-          </p:cNvPr>
-          <p:cNvGraphicFramePr>
-            <a:graphicFrameLocks noGrp="1"/>
-          </p:cNvGraphicFramePr>
-          <p:nvPr>
-            <p:extLst>
-              <p:ext uri="{D42A27DB-BD31-4B8C-83A1-F6EECF244321}">
-                <p14:modId xmlns:p14="http://schemas.microsoft.com/office/powerpoint/2010/main" val="3408003826"/>
-              </p:ext>
-            </p:extLst>
-          </p:nvPr>
-        </p:nvGraphicFramePr>
-        <p:xfrm>
-          <a:off x="1708003" y="3957983"/>
-          <a:ext cx="3593290" cy="1837494"/>
-        </p:xfrm>
-        <a:graphic>
-          <a:graphicData uri="http://schemas.openxmlformats.org/drawingml/2006/table">
-            <a:tbl>
-              <a:tblPr firstRow="1" bandRow="1">
-                <a:tableStyleId>{5940675A-B579-460E-94D1-54222C63F5DA}</a:tableStyleId>
-              </a:tblPr>
-              <a:tblGrid>
-                <a:gridCol w="3593290">
-                  <a:extLst>
-                    <a:ext uri="{9D8B030D-6E8A-4147-A177-3AD203B41FA5}">
-                      <a16:colId xmlns:a16="http://schemas.microsoft.com/office/drawing/2014/main" val="3206758967"/>
-                    </a:ext>
-                  </a:extLst>
-                </a:gridCol>
-              </a:tblGrid>
-              <a:tr h="666913">
-                <a:tc>
-                  <a:txBody>
-                    <a:bodyPr/>
-                    <a:lstStyle/>
-                    <a:p>
-                      <a:pPr algn="ctr" latinLnBrk="1"/>
-                      <a:r>
-                        <a:rPr lang="ko-KR" altLang="en-US" b="1" dirty="0"/>
-                        <a:t>프로그래머</a:t>
-                      </a:r>
-                      <a:endParaRPr lang="en-US" altLang="ko-KR" b="1" dirty="0"/>
-                    </a:p>
-                    <a:p>
-                      <a:pPr algn="ctr" latinLnBrk="1"/>
-                      <a:r>
-                        <a:rPr lang="ko-KR" altLang="en-US" dirty="0"/>
-                        <a:t>고지훈</a:t>
-                      </a:r>
-                    </a:p>
-                  </a:txBody>
-                  <a:tcPr/>
-                </a:tc>
-                <a:extLst>
-                  <a:ext uri="{0D108BD9-81ED-4DB2-BD59-A6C34878D82A}">
-                    <a16:rowId xmlns:a16="http://schemas.microsoft.com/office/drawing/2014/main" val="881269885"/>
-                  </a:ext>
-                </a:extLst>
-              </a:tr>
-              <a:tr h="1170581">
-                <a:tc>
-                  <a:txBody>
-                    <a:bodyPr/>
-                    <a:lstStyle/>
-                    <a:p>
-                      <a:pPr algn="ctr" latinLnBrk="1"/>
-                      <a:endParaRPr lang="ko-KR" altLang="en-US" dirty="0"/>
-                    </a:p>
-                  </a:txBody>
-                  <a:tcPr/>
-                </a:tc>
-                <a:extLst>
-                  <a:ext uri="{0D108BD9-81ED-4DB2-BD59-A6C34878D82A}">
-                    <a16:rowId xmlns:a16="http://schemas.microsoft.com/office/drawing/2014/main" val="369645993"/>
-                  </a:ext>
-                </a:extLst>
-              </a:tr>
-            </a:tbl>
-          </a:graphicData>
-        </a:graphic>
-      </p:graphicFrame>
-      <p:sp>
-        <p:nvSpPr>
-          <p:cNvPr id="19" name="평행 사변형 18">
-            <a:extLst>
-              <a:ext uri="{FF2B5EF4-FFF2-40B4-BE49-F238E27FC236}">
-                <a16:creationId xmlns:a16="http://schemas.microsoft.com/office/drawing/2014/main" id="{8CC2A3D2-4719-455C-B0E5-D049DE0F4D27}"/>
-              </a:ext>
-            </a:extLst>
-          </p:cNvPr>
-          <p:cNvSpPr/>
-          <p:nvPr/>
-        </p:nvSpPr>
-        <p:spPr>
-          <a:xfrm rot="10800000">
-            <a:off x="-362552" y="-2"/>
-            <a:ext cx="8867357" cy="1046893"/>
-          </a:xfrm>
-          <a:prstGeom prst="parallelogram">
-            <a:avLst/>
-          </a:prstGeom>
-          <a:solidFill>
-            <a:srgbClr val="76DAD5">
-              <a:alpha val="80000"/>
-            </a:srgbClr>
-          </a:solidFill>
-          <a:ln>
-            <a:noFill/>
-          </a:ln>
-          <a:effectLst>
-            <a:softEdge rad="0"/>
-          </a:effectLst>
-        </p:spPr>
-        <p:style>
-          <a:lnRef idx="2">
-            <a:schemeClr val="accent1">
-              <a:shade val="50000"/>
-            </a:schemeClr>
-          </a:lnRef>
-          <a:fillRef idx="1">
-            <a:schemeClr val="accent1"/>
-          </a:fillRef>
-          <a:effectRef idx="0">
-            <a:schemeClr val="accent1"/>
-          </a:effectRef>
-          <a:fontRef idx="minor">
-            <a:schemeClr val="lt1"/>
-          </a:fontRef>
-        </p:style>
-        <p:txBody>
-          <a:bodyPr rtlCol="0" anchor="ctr"/>
-          <a:lstStyle/>
-          <a:p>
-            <a:pPr algn="ctr"/>
-            <a:endParaRPr lang="ko-KR" altLang="en-US"/>
-          </a:p>
-        </p:txBody>
-      </p:sp>
-      <p:sp>
-        <p:nvSpPr>
-          <p:cNvPr id="20" name="TextBox 19">
-            <a:extLst>
-              <a:ext uri="{FF2B5EF4-FFF2-40B4-BE49-F238E27FC236}">
-                <a16:creationId xmlns:a16="http://schemas.microsoft.com/office/drawing/2014/main" id="{DE99FD0A-5E30-4F56-99DB-28C5D8127283}"/>
-              </a:ext>
-            </a:extLst>
-          </p:cNvPr>
-          <p:cNvSpPr txBox="1"/>
-          <p:nvPr/>
-        </p:nvSpPr>
-        <p:spPr>
-          <a:xfrm>
-            <a:off x="745724" y="169501"/>
-            <a:ext cx="3524435" cy="707886"/>
-          </a:xfrm>
-          <a:prstGeom prst="rect">
-            <a:avLst/>
-          </a:prstGeom>
-          <a:noFill/>
-          <a:ln>
-            <a:noFill/>
-          </a:ln>
-        </p:spPr>
-        <p:txBody>
-          <a:bodyPr wrap="square" rtlCol="0">
-            <a:spAutoFit/>
-          </a:bodyPr>
-          <a:lstStyle/>
-          <a:p>
-            <a:r>
-              <a:rPr lang="ko-KR" altLang="en-US" sz="4000" dirty="0">
-                <a:solidFill>
-                  <a:schemeClr val="bg1"/>
-                </a:solidFill>
-              </a:rPr>
-              <a:t>인원</a:t>
-            </a:r>
-          </a:p>
-        </p:txBody>
-      </p:sp>
-    </p:spTree>
-    <p:extLst>
-      <p:ext uri="{BB962C8B-B14F-4D97-AF65-F5344CB8AC3E}">
-        <p14:creationId xmlns:p14="http://schemas.microsoft.com/office/powerpoint/2010/main" val="939377119"/>
-      </p:ext>
-    </p:extLst>
-  </p:cSld>
-  <p:clrMapOvr>
-    <a:masterClrMapping/>
-  </p:clrMapOvr>
-</p:sld>
-</file>
-
-<file path=ppt/slides/slide11.xml><?xml version="1.0" encoding="utf-8"?>
-<p:sld xmlns:a="http://schemas.openxmlformats.org/drawingml/2006/main" xmlns:r="http://schemas.openxmlformats.org/officeDocument/2006/relationships" xmlns:p="http://schemas.openxmlformats.org/presentationml/2006/main">
-  <p:cSld>
-    <p:spTree>
-      <p:nvGrpSpPr>
-        <p:cNvPr id="1" name=""/>
-        <p:cNvGrpSpPr/>
-        <p:nvPr/>
-      </p:nvGrpSpPr>
-      <p:grpSpPr>
-        <a:xfrm>
-          <a:off x="0" y="0"/>
-          <a:ext cx="0" cy="0"/>
-          <a:chOff x="0" y="0"/>
-          <a:chExt cx="0" cy="0"/>
-        </a:xfrm>
-      </p:grpSpPr>
-      <p:sp>
-        <p:nvSpPr>
-          <p:cNvPr id="56" name="평행 사변형 55">
-            <a:extLst>
-              <a:ext uri="{FF2B5EF4-FFF2-40B4-BE49-F238E27FC236}">
-                <a16:creationId xmlns:a16="http://schemas.microsoft.com/office/drawing/2014/main" id="{F5350391-9AF1-4CDF-A910-8447A3D858F5}"/>
-              </a:ext>
-            </a:extLst>
-          </p:cNvPr>
-          <p:cNvSpPr/>
-          <p:nvPr/>
-        </p:nvSpPr>
-        <p:spPr>
-          <a:xfrm rot="10800000">
-            <a:off x="-362552" y="-2"/>
-            <a:ext cx="8867357" cy="1046893"/>
-          </a:xfrm>
-          <a:prstGeom prst="parallelogram">
-            <a:avLst/>
-          </a:prstGeom>
-          <a:solidFill>
-            <a:srgbClr val="76DAD5">
-              <a:alpha val="80000"/>
-            </a:srgbClr>
-          </a:solidFill>
-          <a:ln>
-            <a:noFill/>
-          </a:ln>
-          <a:effectLst>
-            <a:softEdge rad="0"/>
-          </a:effectLst>
-        </p:spPr>
-        <p:style>
-          <a:lnRef idx="2">
-            <a:schemeClr val="accent1">
-              <a:shade val="50000"/>
-            </a:schemeClr>
-          </a:lnRef>
-          <a:fillRef idx="1">
-            <a:schemeClr val="accent1"/>
-          </a:fillRef>
-          <a:effectRef idx="0">
-            <a:schemeClr val="accent1"/>
-          </a:effectRef>
-          <a:fontRef idx="minor">
-            <a:schemeClr val="lt1"/>
-          </a:fontRef>
-        </p:style>
-        <p:txBody>
-          <a:bodyPr rtlCol="0" anchor="ctr"/>
-          <a:lstStyle/>
-          <a:p>
-            <a:pPr algn="ctr"/>
-            <a:endParaRPr lang="ko-KR" altLang="en-US"/>
-          </a:p>
-        </p:txBody>
-      </p:sp>
-      <p:sp>
-        <p:nvSpPr>
-          <p:cNvPr id="70" name="TextBox 69">
-            <a:extLst>
-              <a:ext uri="{FF2B5EF4-FFF2-40B4-BE49-F238E27FC236}">
-                <a16:creationId xmlns:a16="http://schemas.microsoft.com/office/drawing/2014/main" id="{186D8D9E-3300-485D-877E-70188844258C}"/>
-              </a:ext>
-            </a:extLst>
-          </p:cNvPr>
-          <p:cNvSpPr txBox="1"/>
-          <p:nvPr/>
-        </p:nvSpPr>
-        <p:spPr>
-          <a:xfrm>
-            <a:off x="745724" y="169501"/>
-            <a:ext cx="3524435" cy="707886"/>
-          </a:xfrm>
-          <a:prstGeom prst="rect">
-            <a:avLst/>
-          </a:prstGeom>
-          <a:noFill/>
-          <a:ln>
-            <a:noFill/>
-          </a:ln>
-        </p:spPr>
-        <p:txBody>
-          <a:bodyPr wrap="square" rtlCol="0">
-            <a:spAutoFit/>
-          </a:bodyPr>
-          <a:lstStyle/>
-          <a:p>
-            <a:r>
-              <a:rPr lang="ko-KR" altLang="en-US" sz="4000" dirty="0">
-                <a:solidFill>
-                  <a:schemeClr val="bg1"/>
-                </a:solidFill>
-              </a:rPr>
-              <a:t>세부 일정</a:t>
-            </a:r>
-          </a:p>
-        </p:txBody>
-      </p:sp>
-    </p:spTree>
-    <p:extLst>
-      <p:ext uri="{BB962C8B-B14F-4D97-AF65-F5344CB8AC3E}">
-        <p14:creationId xmlns:p14="http://schemas.microsoft.com/office/powerpoint/2010/main" val="1735267043"/>
-      </p:ext>
-    </p:extLst>
-  </p:cSld>
-  <p:clrMapOvr>
-    <a:masterClrMapping/>
-  </p:clrMapOvr>
-</p:sld>
-</file>
-
-<file path=ppt/slides/slide12.xml><?xml version="1.0" encoding="utf-8"?>
-<p:sld xmlns:a="http://schemas.openxmlformats.org/drawingml/2006/main" xmlns:r="http://schemas.openxmlformats.org/officeDocument/2006/relationships" xmlns:p="http://schemas.openxmlformats.org/presentationml/2006/main">
-  <p:cSld>
-    <p:spTree>
-      <p:nvGrpSpPr>
-        <p:cNvPr id="1" name=""/>
-        <p:cNvGrpSpPr/>
-        <p:nvPr/>
-      </p:nvGrpSpPr>
-      <p:grpSpPr>
-        <a:xfrm>
-          <a:off x="0" y="0"/>
-          <a:ext cx="0" cy="0"/>
-          <a:chOff x="0" y="0"/>
-          <a:chExt cx="0" cy="0"/>
-        </a:xfrm>
-      </p:grpSpPr>
-      <p:sp>
-        <p:nvSpPr>
-          <p:cNvPr id="56" name="평행 사변형 55">
-            <a:extLst>
-              <a:ext uri="{FF2B5EF4-FFF2-40B4-BE49-F238E27FC236}">
-                <a16:creationId xmlns:a16="http://schemas.microsoft.com/office/drawing/2014/main" id="{F5350391-9AF1-4CDF-A910-8447A3D858F5}"/>
-              </a:ext>
-            </a:extLst>
-          </p:cNvPr>
-          <p:cNvSpPr/>
-          <p:nvPr/>
-        </p:nvSpPr>
-        <p:spPr>
-          <a:xfrm rot="10800000">
-            <a:off x="-362552" y="-2"/>
-            <a:ext cx="8867357" cy="1046893"/>
-          </a:xfrm>
-          <a:prstGeom prst="parallelogram">
-            <a:avLst/>
-          </a:prstGeom>
-          <a:solidFill>
-            <a:srgbClr val="76DAD5">
-              <a:alpha val="80000"/>
-            </a:srgbClr>
-          </a:solidFill>
-          <a:ln>
-            <a:noFill/>
-          </a:ln>
-          <a:effectLst>
-            <a:softEdge rad="0"/>
-          </a:effectLst>
-        </p:spPr>
-        <p:style>
-          <a:lnRef idx="2">
-            <a:schemeClr val="accent1">
-              <a:shade val="50000"/>
-            </a:schemeClr>
-          </a:lnRef>
-          <a:fillRef idx="1">
-            <a:schemeClr val="accent1"/>
-          </a:fillRef>
-          <a:effectRef idx="0">
-            <a:schemeClr val="accent1"/>
-          </a:effectRef>
-          <a:fontRef idx="minor">
-            <a:schemeClr val="lt1"/>
-          </a:fontRef>
-        </p:style>
-        <p:txBody>
-          <a:bodyPr rtlCol="0" anchor="ctr"/>
-          <a:lstStyle/>
-          <a:p>
-            <a:pPr algn="ctr"/>
-            <a:endParaRPr lang="ko-KR" altLang="en-US"/>
-          </a:p>
-        </p:txBody>
-      </p:sp>
-      <p:sp>
-        <p:nvSpPr>
-          <p:cNvPr id="70" name="TextBox 69">
-            <a:extLst>
-              <a:ext uri="{FF2B5EF4-FFF2-40B4-BE49-F238E27FC236}">
-                <a16:creationId xmlns:a16="http://schemas.microsoft.com/office/drawing/2014/main" id="{186D8D9E-3300-485D-877E-70188844258C}"/>
-              </a:ext>
-            </a:extLst>
-          </p:cNvPr>
-          <p:cNvSpPr txBox="1"/>
-          <p:nvPr/>
-        </p:nvSpPr>
-        <p:spPr>
-          <a:xfrm>
-            <a:off x="745724" y="169501"/>
-            <a:ext cx="3524435" cy="707886"/>
-          </a:xfrm>
-          <a:prstGeom prst="rect">
-            <a:avLst/>
-          </a:prstGeom>
-          <a:noFill/>
-          <a:ln>
-            <a:noFill/>
-          </a:ln>
-        </p:spPr>
-        <p:txBody>
-          <a:bodyPr wrap="square" rtlCol="0">
-            <a:spAutoFit/>
-          </a:bodyPr>
-          <a:lstStyle/>
-          <a:p>
-            <a:r>
-              <a:rPr lang="ko-KR" altLang="en-US" sz="4000" dirty="0">
-                <a:solidFill>
-                  <a:schemeClr val="bg1"/>
-                </a:solidFill>
-              </a:rPr>
-              <a:t>세부 일정</a:t>
-            </a:r>
-          </a:p>
-        </p:txBody>
-      </p:sp>
-    </p:spTree>
-    <p:extLst>
-      <p:ext uri="{BB962C8B-B14F-4D97-AF65-F5344CB8AC3E}">
-        <p14:creationId xmlns:p14="http://schemas.microsoft.com/office/powerpoint/2010/main" val="554736061"/>
-      </p:ext>
-    </p:extLst>
-  </p:cSld>
-  <p:clrMapOvr>
-    <a:masterClrMapping/>
-  </p:clrMapOvr>
-</p:sld>
-</file>
-
-<file path=ppt/slides/slide13.xml><?xml version="1.0" encoding="utf-8"?>
 <p:sld xmlns:a="http://schemas.openxmlformats.org/drawingml/2006/main" xmlns:r="http://schemas.openxmlformats.org/officeDocument/2006/relationships" xmlns:p="http://schemas.openxmlformats.org/presentationml/2006/main">
   <p:cSld>
     <p:spTree>
@@ -8708,2326 +8009,6 @@
       </p:grpSpPr>
       <p:sp>
         <p:nvSpPr>
-          <p:cNvPr id="56" name="평행 사변형 55">
-            <a:extLst>
-              <a:ext uri="{FF2B5EF4-FFF2-40B4-BE49-F238E27FC236}">
-                <a16:creationId xmlns:a16="http://schemas.microsoft.com/office/drawing/2014/main" id="{39E18769-159C-4F69-850C-603DC9C48002}"/>
-              </a:ext>
-            </a:extLst>
-          </p:cNvPr>
-          <p:cNvSpPr/>
-          <p:nvPr/>
-        </p:nvSpPr>
-        <p:spPr>
-          <a:xfrm rot="10800000">
-            <a:off x="-362552" y="-2"/>
-            <a:ext cx="8867357" cy="1046893"/>
-          </a:xfrm>
-          <a:prstGeom prst="parallelogram">
-            <a:avLst/>
-          </a:prstGeom>
-          <a:solidFill>
-            <a:srgbClr val="76DAD5">
-              <a:alpha val="80000"/>
-            </a:srgbClr>
-          </a:solidFill>
-          <a:ln>
-            <a:noFill/>
-          </a:ln>
-          <a:effectLst>
-            <a:softEdge rad="0"/>
-          </a:effectLst>
-        </p:spPr>
-        <p:style>
-          <a:lnRef idx="2">
-            <a:schemeClr val="accent1">
-              <a:shade val="50000"/>
-            </a:schemeClr>
-          </a:lnRef>
-          <a:fillRef idx="1">
-            <a:schemeClr val="accent1"/>
-          </a:fillRef>
-          <a:effectRef idx="0">
-            <a:schemeClr val="accent1"/>
-          </a:effectRef>
-          <a:fontRef idx="minor">
-            <a:schemeClr val="lt1"/>
-          </a:fontRef>
-        </p:style>
-        <p:txBody>
-          <a:bodyPr rtlCol="0" anchor="ctr"/>
-          <a:lstStyle/>
-          <a:p>
-            <a:pPr algn="ctr"/>
-            <a:endParaRPr lang="ko-KR" altLang="en-US"/>
-          </a:p>
-        </p:txBody>
-      </p:sp>
-      <p:sp>
-        <p:nvSpPr>
-          <p:cNvPr id="70" name="TextBox 69">
-            <a:extLst>
-              <a:ext uri="{FF2B5EF4-FFF2-40B4-BE49-F238E27FC236}">
-                <a16:creationId xmlns:a16="http://schemas.microsoft.com/office/drawing/2014/main" id="{244702CB-9257-4F3B-BDBF-FCAC209B73F2}"/>
-              </a:ext>
-            </a:extLst>
-          </p:cNvPr>
-          <p:cNvSpPr txBox="1"/>
-          <p:nvPr/>
-        </p:nvSpPr>
-        <p:spPr>
-          <a:xfrm>
-            <a:off x="745724" y="169501"/>
-            <a:ext cx="3524435" cy="707886"/>
-          </a:xfrm>
-          <a:prstGeom prst="rect">
-            <a:avLst/>
-          </a:prstGeom>
-          <a:noFill/>
-          <a:ln>
-            <a:noFill/>
-          </a:ln>
-        </p:spPr>
-        <p:txBody>
-          <a:bodyPr wrap="square" rtlCol="0">
-            <a:spAutoFit/>
-          </a:bodyPr>
-          <a:lstStyle/>
-          <a:p>
-            <a:r>
-              <a:rPr lang="en-US" altLang="ko-KR" sz="4000" dirty="0">
-                <a:solidFill>
-                  <a:schemeClr val="bg1"/>
-                </a:solidFill>
-              </a:rPr>
-              <a:t>Task Flow</a:t>
-            </a:r>
-            <a:endParaRPr lang="ko-KR" altLang="en-US" sz="4000" dirty="0">
-              <a:solidFill>
-                <a:schemeClr val="bg1"/>
-              </a:solidFill>
-            </a:endParaRPr>
-          </a:p>
-        </p:txBody>
-      </p:sp>
-      <p:sp>
-        <p:nvSpPr>
-          <p:cNvPr id="66" name="직사각형 65">
-            <a:extLst>
-              <a:ext uri="{FF2B5EF4-FFF2-40B4-BE49-F238E27FC236}">
-                <a16:creationId xmlns:a16="http://schemas.microsoft.com/office/drawing/2014/main" id="{3C4B088E-0487-4627-80A7-28ABFD8293E8}"/>
-              </a:ext>
-            </a:extLst>
-          </p:cNvPr>
-          <p:cNvSpPr/>
-          <p:nvPr/>
-        </p:nvSpPr>
-        <p:spPr>
-          <a:xfrm>
-            <a:off x="5220075" y="4079900"/>
-            <a:ext cx="1704505" cy="2553208"/>
-          </a:xfrm>
-          <a:prstGeom prst="rect">
-            <a:avLst/>
-          </a:prstGeom>
-          <a:solidFill>
-            <a:srgbClr val="91E1DD"/>
-          </a:solidFill>
-          <a:ln>
-            <a:solidFill>
-              <a:schemeClr val="accent6">
-                <a:lumMod val="60000"/>
-                <a:lumOff val="40000"/>
-              </a:schemeClr>
-            </a:solidFill>
-          </a:ln>
-        </p:spPr>
-        <p:style>
-          <a:lnRef idx="2">
-            <a:schemeClr val="accent1">
-              <a:shade val="50000"/>
-            </a:schemeClr>
-          </a:lnRef>
-          <a:fillRef idx="1">
-            <a:schemeClr val="accent1"/>
-          </a:fillRef>
-          <a:effectRef idx="0">
-            <a:schemeClr val="accent1"/>
-          </a:effectRef>
-          <a:fontRef idx="minor">
-            <a:schemeClr val="lt1"/>
-          </a:fontRef>
-        </p:style>
-        <p:txBody>
-          <a:bodyPr rtlCol="0" anchor="ctr"/>
-          <a:lstStyle/>
-          <a:p>
-            <a:pPr algn="ctr"/>
-            <a:endParaRPr lang="ko-KR" altLang="en-US"/>
-          </a:p>
-        </p:txBody>
-      </p:sp>
-      <p:sp>
-        <p:nvSpPr>
-          <p:cNvPr id="67" name="순서도: 판단 66">
-            <a:extLst>
-              <a:ext uri="{FF2B5EF4-FFF2-40B4-BE49-F238E27FC236}">
-                <a16:creationId xmlns:a16="http://schemas.microsoft.com/office/drawing/2014/main" id="{F7F09DC3-0D52-4801-8537-C152D0939C8F}"/>
-              </a:ext>
-            </a:extLst>
-          </p:cNvPr>
-          <p:cNvSpPr/>
-          <p:nvPr/>
-        </p:nvSpPr>
-        <p:spPr>
-          <a:xfrm>
-            <a:off x="5308842" y="4187307"/>
-            <a:ext cx="1538796" cy="878889"/>
-          </a:xfrm>
-          <a:prstGeom prst="flowChartDecision">
-            <a:avLst/>
-          </a:prstGeom>
-          <a:ln w="28575">
-            <a:solidFill>
-              <a:schemeClr val="accent6">
-                <a:lumMod val="60000"/>
-                <a:lumOff val="40000"/>
-              </a:schemeClr>
-            </a:solidFill>
-          </a:ln>
-        </p:spPr>
-        <p:style>
-          <a:lnRef idx="2">
-            <a:schemeClr val="dk1"/>
-          </a:lnRef>
-          <a:fillRef idx="1">
-            <a:schemeClr val="lt1"/>
-          </a:fillRef>
-          <a:effectRef idx="0">
-            <a:schemeClr val="dk1"/>
-          </a:effectRef>
-          <a:fontRef idx="minor">
-            <a:schemeClr val="dk1"/>
-          </a:fontRef>
-        </p:style>
-        <p:txBody>
-          <a:bodyPr rtlCol="0" anchor="ctr"/>
-          <a:lstStyle/>
-          <a:p>
-            <a:pPr algn="ctr"/>
-            <a:r>
-              <a:rPr lang="ko-KR" altLang="en-US" dirty="0"/>
-              <a:t>캡처</a:t>
-            </a:r>
-          </a:p>
-        </p:txBody>
-      </p:sp>
-      <p:cxnSp>
-        <p:nvCxnSpPr>
-          <p:cNvPr id="68" name="직선 화살표 연결선 67">
-            <a:extLst>
-              <a:ext uri="{FF2B5EF4-FFF2-40B4-BE49-F238E27FC236}">
-                <a16:creationId xmlns:a16="http://schemas.microsoft.com/office/drawing/2014/main" id="{9E22A8C9-38E4-4ACA-A08C-CC108047F1A1}"/>
-              </a:ext>
-            </a:extLst>
-          </p:cNvPr>
-          <p:cNvCxnSpPr>
-            <a:cxnSpLocks/>
-          </p:cNvCxnSpPr>
-          <p:nvPr/>
-        </p:nvCxnSpPr>
-        <p:spPr>
-          <a:xfrm>
-            <a:off x="6078240" y="5066196"/>
-            <a:ext cx="0" cy="531184"/>
-          </a:xfrm>
-          <a:prstGeom prst="straightConnector1">
-            <a:avLst/>
-          </a:prstGeom>
-          <a:ln>
-            <a:solidFill>
-              <a:schemeClr val="accent6">
-                <a:lumMod val="60000"/>
-                <a:lumOff val="40000"/>
-              </a:schemeClr>
-            </a:solidFill>
-            <a:tailEnd type="triangle"/>
-          </a:ln>
-        </p:spPr>
-        <p:style>
-          <a:lnRef idx="1">
-            <a:schemeClr val="accent1"/>
-          </a:lnRef>
-          <a:fillRef idx="0">
-            <a:schemeClr val="accent1"/>
-          </a:fillRef>
-          <a:effectRef idx="0">
-            <a:schemeClr val="accent1"/>
-          </a:effectRef>
-          <a:fontRef idx="minor">
-            <a:schemeClr val="tx1"/>
-          </a:fontRef>
-        </p:style>
-      </p:cxnSp>
-      <p:sp>
-        <p:nvSpPr>
-          <p:cNvPr id="69" name="타원 68">
-            <a:extLst>
-              <a:ext uri="{FF2B5EF4-FFF2-40B4-BE49-F238E27FC236}">
-                <a16:creationId xmlns:a16="http://schemas.microsoft.com/office/drawing/2014/main" id="{275BAF30-DA26-4AF2-8359-52E6AAA63226}"/>
-              </a:ext>
-            </a:extLst>
-          </p:cNvPr>
-          <p:cNvSpPr/>
-          <p:nvPr/>
-        </p:nvSpPr>
-        <p:spPr>
-          <a:xfrm>
-            <a:off x="5239307" y="5612176"/>
-            <a:ext cx="1677865" cy="813786"/>
-          </a:xfrm>
-          <a:prstGeom prst="ellipse">
-            <a:avLst/>
-          </a:prstGeom>
-          <a:ln w="28575">
-            <a:solidFill>
-              <a:schemeClr val="accent6">
-                <a:lumMod val="60000"/>
-                <a:lumOff val="40000"/>
-              </a:schemeClr>
-            </a:solidFill>
-          </a:ln>
-        </p:spPr>
-        <p:style>
-          <a:lnRef idx="2">
-            <a:schemeClr val="accent1"/>
-          </a:lnRef>
-          <a:fillRef idx="1">
-            <a:schemeClr val="lt1"/>
-          </a:fillRef>
-          <a:effectRef idx="0">
-            <a:schemeClr val="accent1"/>
-          </a:effectRef>
-          <a:fontRef idx="minor">
-            <a:schemeClr val="dk1"/>
-          </a:fontRef>
-        </p:style>
-        <p:txBody>
-          <a:bodyPr rtlCol="0" anchor="ctr"/>
-          <a:lstStyle/>
-          <a:p>
-            <a:pPr algn="ctr"/>
-            <a:r>
-              <a:rPr lang="ko-KR" altLang="en-US" dirty="0"/>
-              <a:t>화면 캡처</a:t>
-            </a:r>
-          </a:p>
-        </p:txBody>
-      </p:sp>
-      <p:sp>
-        <p:nvSpPr>
-          <p:cNvPr id="53" name="직사각형 52">
-            <a:extLst>
-              <a:ext uri="{FF2B5EF4-FFF2-40B4-BE49-F238E27FC236}">
-                <a16:creationId xmlns:a16="http://schemas.microsoft.com/office/drawing/2014/main" id="{B59F0DA7-8286-457D-AEF5-9924C9B448B6}"/>
-              </a:ext>
-            </a:extLst>
-          </p:cNvPr>
-          <p:cNvSpPr/>
-          <p:nvPr/>
-        </p:nvSpPr>
-        <p:spPr>
-          <a:xfrm>
-            <a:off x="7429884" y="1388479"/>
-            <a:ext cx="1705245" cy="2553205"/>
-          </a:xfrm>
-          <a:prstGeom prst="rect">
-            <a:avLst/>
-          </a:prstGeom>
-          <a:solidFill>
-            <a:srgbClr val="91E1DD"/>
-          </a:solidFill>
-          <a:ln>
-            <a:solidFill>
-              <a:srgbClr val="76DAD5"/>
-            </a:solidFill>
-          </a:ln>
-        </p:spPr>
-        <p:style>
-          <a:lnRef idx="2">
-            <a:schemeClr val="accent1">
-              <a:shade val="50000"/>
-            </a:schemeClr>
-          </a:lnRef>
-          <a:fillRef idx="1">
-            <a:schemeClr val="accent1"/>
-          </a:fillRef>
-          <a:effectRef idx="0">
-            <a:schemeClr val="accent1"/>
-          </a:effectRef>
-          <a:fontRef idx="minor">
-            <a:schemeClr val="lt1"/>
-          </a:fontRef>
-        </p:style>
-        <p:txBody>
-          <a:bodyPr rtlCol="0" anchor="ctr"/>
-          <a:lstStyle/>
-          <a:p>
-            <a:pPr algn="ctr"/>
-            <a:endParaRPr lang="ko-KR" altLang="en-US"/>
-          </a:p>
-        </p:txBody>
-      </p:sp>
-      <p:sp>
-        <p:nvSpPr>
-          <p:cNvPr id="54" name="순서도: 판단 53">
-            <a:extLst>
-              <a:ext uri="{FF2B5EF4-FFF2-40B4-BE49-F238E27FC236}">
-                <a16:creationId xmlns:a16="http://schemas.microsoft.com/office/drawing/2014/main" id="{603F108C-45DC-4419-9F64-762B762E0A9D}"/>
-              </a:ext>
-            </a:extLst>
-          </p:cNvPr>
-          <p:cNvSpPr/>
-          <p:nvPr/>
-        </p:nvSpPr>
-        <p:spPr>
-          <a:xfrm>
-            <a:off x="7483883" y="1495887"/>
-            <a:ext cx="1587624" cy="878889"/>
-          </a:xfrm>
-          <a:prstGeom prst="flowChartDecision">
-            <a:avLst/>
-          </a:prstGeom>
-          <a:ln w="28575">
-            <a:solidFill>
-              <a:schemeClr val="accent6">
-                <a:lumMod val="60000"/>
-                <a:lumOff val="40000"/>
-              </a:schemeClr>
-            </a:solidFill>
-          </a:ln>
-        </p:spPr>
-        <p:style>
-          <a:lnRef idx="2">
-            <a:schemeClr val="dk1"/>
-          </a:lnRef>
-          <a:fillRef idx="1">
-            <a:schemeClr val="lt1"/>
-          </a:fillRef>
-          <a:effectRef idx="0">
-            <a:schemeClr val="dk1"/>
-          </a:effectRef>
-          <a:fontRef idx="minor">
-            <a:schemeClr val="dk1"/>
-          </a:fontRef>
-        </p:style>
-        <p:txBody>
-          <a:bodyPr rtlCol="0" anchor="ctr"/>
-          <a:lstStyle/>
-          <a:p>
-            <a:pPr algn="ctr"/>
-            <a:r>
-              <a:rPr lang="ko-KR" altLang="en-US"/>
-              <a:t>일시정지</a:t>
-            </a:r>
-            <a:endParaRPr lang="ko-KR" altLang="en-US" dirty="0"/>
-          </a:p>
-        </p:txBody>
-      </p:sp>
-      <p:cxnSp>
-        <p:nvCxnSpPr>
-          <p:cNvPr id="60" name="직선 화살표 연결선 59">
-            <a:extLst>
-              <a:ext uri="{FF2B5EF4-FFF2-40B4-BE49-F238E27FC236}">
-                <a16:creationId xmlns:a16="http://schemas.microsoft.com/office/drawing/2014/main" id="{F3FDABBA-EBA6-46F7-B6B4-5FFD880EABAD}"/>
-              </a:ext>
-            </a:extLst>
-          </p:cNvPr>
-          <p:cNvCxnSpPr>
-            <a:cxnSpLocks/>
-          </p:cNvCxnSpPr>
-          <p:nvPr/>
-        </p:nvCxnSpPr>
-        <p:spPr>
-          <a:xfrm>
-            <a:off x="8277695" y="2374775"/>
-            <a:ext cx="0" cy="531184"/>
-          </a:xfrm>
-          <a:prstGeom prst="straightConnector1">
-            <a:avLst/>
-          </a:prstGeom>
-          <a:ln>
-            <a:solidFill>
-              <a:schemeClr val="accent6">
-                <a:lumMod val="60000"/>
-                <a:lumOff val="40000"/>
-              </a:schemeClr>
-            </a:solidFill>
-            <a:tailEnd type="triangle"/>
-          </a:ln>
-        </p:spPr>
-        <p:style>
-          <a:lnRef idx="1">
-            <a:schemeClr val="accent1"/>
-          </a:lnRef>
-          <a:fillRef idx="0">
-            <a:schemeClr val="accent1"/>
-          </a:fillRef>
-          <a:effectRef idx="0">
-            <a:schemeClr val="accent1"/>
-          </a:effectRef>
-          <a:fontRef idx="minor">
-            <a:schemeClr val="tx1"/>
-          </a:fontRef>
-        </p:style>
-      </p:cxnSp>
-      <p:sp>
-        <p:nvSpPr>
-          <p:cNvPr id="61" name="타원 60">
-            <a:extLst>
-              <a:ext uri="{FF2B5EF4-FFF2-40B4-BE49-F238E27FC236}">
-                <a16:creationId xmlns:a16="http://schemas.microsoft.com/office/drawing/2014/main" id="{39604BD0-678F-485A-B2E4-9E616C9F0F64}"/>
-              </a:ext>
-            </a:extLst>
-          </p:cNvPr>
-          <p:cNvSpPr/>
-          <p:nvPr/>
-        </p:nvSpPr>
-        <p:spPr>
-          <a:xfrm>
-            <a:off x="7438762" y="2905959"/>
-            <a:ext cx="1677865" cy="813786"/>
-          </a:xfrm>
-          <a:prstGeom prst="ellipse">
-            <a:avLst/>
-          </a:prstGeom>
-          <a:ln w="28575">
-            <a:solidFill>
-              <a:schemeClr val="accent6">
-                <a:lumMod val="60000"/>
-                <a:lumOff val="40000"/>
-              </a:schemeClr>
-            </a:solidFill>
-          </a:ln>
-        </p:spPr>
-        <p:style>
-          <a:lnRef idx="2">
-            <a:schemeClr val="accent1"/>
-          </a:lnRef>
-          <a:fillRef idx="1">
-            <a:schemeClr val="lt1"/>
-          </a:fillRef>
-          <a:effectRef idx="0">
-            <a:schemeClr val="accent1"/>
-          </a:effectRef>
-          <a:fontRef idx="minor">
-            <a:schemeClr val="dk1"/>
-          </a:fontRef>
-        </p:style>
-        <p:txBody>
-          <a:bodyPr rtlCol="0" anchor="ctr"/>
-          <a:lstStyle/>
-          <a:p>
-            <a:pPr algn="ctr"/>
-            <a:r>
-              <a:rPr lang="ko-KR" altLang="en-US" dirty="0"/>
-              <a:t>프로그램 일시 정지</a:t>
-            </a:r>
-          </a:p>
-        </p:txBody>
-      </p:sp>
-      <p:sp>
-        <p:nvSpPr>
-          <p:cNvPr id="55" name="직사각형 54">
-            <a:extLst>
-              <a:ext uri="{FF2B5EF4-FFF2-40B4-BE49-F238E27FC236}">
-                <a16:creationId xmlns:a16="http://schemas.microsoft.com/office/drawing/2014/main" id="{16A3F6FF-3263-49CA-A823-007175F57632}"/>
-              </a:ext>
-            </a:extLst>
-          </p:cNvPr>
-          <p:cNvSpPr/>
-          <p:nvPr/>
-        </p:nvSpPr>
-        <p:spPr>
-          <a:xfrm>
-            <a:off x="9630796" y="1388479"/>
-            <a:ext cx="1728169" cy="5127731"/>
-          </a:xfrm>
-          <a:prstGeom prst="rect">
-            <a:avLst/>
-          </a:prstGeom>
-          <a:solidFill>
-            <a:srgbClr val="91E1DD"/>
-          </a:solidFill>
-          <a:ln>
-            <a:solidFill>
-              <a:srgbClr val="76DAD5"/>
-            </a:solidFill>
-          </a:ln>
-        </p:spPr>
-        <p:style>
-          <a:lnRef idx="2">
-            <a:schemeClr val="accent1">
-              <a:shade val="50000"/>
-            </a:schemeClr>
-          </a:lnRef>
-          <a:fillRef idx="1">
-            <a:schemeClr val="accent1"/>
-          </a:fillRef>
-          <a:effectRef idx="0">
-            <a:schemeClr val="accent1"/>
-          </a:effectRef>
-          <a:fontRef idx="minor">
-            <a:schemeClr val="lt1"/>
-          </a:fontRef>
-        </p:style>
-        <p:txBody>
-          <a:bodyPr rtlCol="0" anchor="ctr"/>
-          <a:lstStyle/>
-          <a:p>
-            <a:pPr algn="ctr"/>
-            <a:endParaRPr lang="ko-KR" altLang="en-US"/>
-          </a:p>
-        </p:txBody>
-      </p:sp>
-      <p:sp>
-        <p:nvSpPr>
-          <p:cNvPr id="49" name="직사각형 48">
-            <a:extLst>
-              <a:ext uri="{FF2B5EF4-FFF2-40B4-BE49-F238E27FC236}">
-                <a16:creationId xmlns:a16="http://schemas.microsoft.com/office/drawing/2014/main" id="{97281921-B7CA-4FE2-A46C-4602948522C2}"/>
-              </a:ext>
-            </a:extLst>
-          </p:cNvPr>
-          <p:cNvSpPr/>
-          <p:nvPr/>
-        </p:nvSpPr>
-        <p:spPr>
-          <a:xfrm>
-            <a:off x="5218596" y="1388479"/>
-            <a:ext cx="1704505" cy="2553208"/>
-          </a:xfrm>
-          <a:prstGeom prst="rect">
-            <a:avLst/>
-          </a:prstGeom>
-          <a:solidFill>
-            <a:srgbClr val="91E1DD"/>
-          </a:solidFill>
-          <a:ln>
-            <a:solidFill>
-              <a:srgbClr val="76DAD5"/>
-            </a:solidFill>
-          </a:ln>
-        </p:spPr>
-        <p:style>
-          <a:lnRef idx="2">
-            <a:schemeClr val="accent1">
-              <a:shade val="50000"/>
-            </a:schemeClr>
-          </a:lnRef>
-          <a:fillRef idx="1">
-            <a:schemeClr val="accent1"/>
-          </a:fillRef>
-          <a:effectRef idx="0">
-            <a:schemeClr val="accent1"/>
-          </a:effectRef>
-          <a:fontRef idx="minor">
-            <a:schemeClr val="lt1"/>
-          </a:fontRef>
-        </p:style>
-        <p:txBody>
-          <a:bodyPr rtlCol="0" anchor="ctr"/>
-          <a:lstStyle/>
-          <a:p>
-            <a:pPr algn="ctr"/>
-            <a:endParaRPr lang="ko-KR" altLang="en-US"/>
-          </a:p>
-        </p:txBody>
-      </p:sp>
-      <p:sp>
-        <p:nvSpPr>
-          <p:cNvPr id="8" name="사각형: 둥근 모서리 7">
-            <a:extLst>
-              <a:ext uri="{FF2B5EF4-FFF2-40B4-BE49-F238E27FC236}">
-                <a16:creationId xmlns:a16="http://schemas.microsoft.com/office/drawing/2014/main" id="{B66E9C52-6C43-4C86-872E-0B03E8A6708F}"/>
-              </a:ext>
-            </a:extLst>
-          </p:cNvPr>
-          <p:cNvSpPr/>
-          <p:nvPr/>
-        </p:nvSpPr>
-        <p:spPr>
-          <a:xfrm>
-            <a:off x="346231" y="1657906"/>
-            <a:ext cx="1065319" cy="559293"/>
-          </a:xfrm>
-          <a:prstGeom prst="roundRect">
-            <a:avLst/>
-          </a:prstGeom>
-          <a:ln w="28575">
-            <a:solidFill>
-              <a:schemeClr val="accent6">
-                <a:lumMod val="60000"/>
-                <a:lumOff val="40000"/>
-              </a:schemeClr>
-            </a:solidFill>
-          </a:ln>
-        </p:spPr>
-        <p:style>
-          <a:lnRef idx="2">
-            <a:schemeClr val="dk1"/>
-          </a:lnRef>
-          <a:fillRef idx="1">
-            <a:schemeClr val="lt1"/>
-          </a:fillRef>
-          <a:effectRef idx="0">
-            <a:schemeClr val="dk1"/>
-          </a:effectRef>
-          <a:fontRef idx="minor">
-            <a:schemeClr val="dk1"/>
-          </a:fontRef>
-        </p:style>
-        <p:txBody>
-          <a:bodyPr rtlCol="0" anchor="ctr"/>
-          <a:lstStyle/>
-          <a:p>
-            <a:pPr algn="ctr"/>
-            <a:r>
-              <a:rPr lang="en-US" altLang="ko-KR" sz="1500" dirty="0"/>
-              <a:t>App</a:t>
-            </a:r>
-            <a:r>
-              <a:rPr lang="ko-KR" altLang="en-US" sz="1500" dirty="0"/>
-              <a:t>실행</a:t>
-            </a:r>
-          </a:p>
-        </p:txBody>
-      </p:sp>
-      <p:cxnSp>
-        <p:nvCxnSpPr>
-          <p:cNvPr id="10" name="직선 화살표 연결선 9">
-            <a:extLst>
-              <a:ext uri="{FF2B5EF4-FFF2-40B4-BE49-F238E27FC236}">
-                <a16:creationId xmlns:a16="http://schemas.microsoft.com/office/drawing/2014/main" id="{AED70781-86E5-42DA-96C2-B9E17E030158}"/>
-              </a:ext>
-            </a:extLst>
-          </p:cNvPr>
-          <p:cNvCxnSpPr>
-            <a:stCxn id="8" idx="3"/>
-          </p:cNvCxnSpPr>
-          <p:nvPr/>
-        </p:nvCxnSpPr>
-        <p:spPr>
-          <a:xfrm flipV="1">
-            <a:off x="1411550" y="1937552"/>
-            <a:ext cx="594805" cy="1"/>
-          </a:xfrm>
-          <a:prstGeom prst="straightConnector1">
-            <a:avLst/>
-          </a:prstGeom>
-          <a:ln>
-            <a:solidFill>
-              <a:schemeClr val="accent6">
-                <a:lumMod val="60000"/>
-                <a:lumOff val="40000"/>
-              </a:schemeClr>
-            </a:solidFill>
-            <a:tailEnd type="triangle"/>
-          </a:ln>
-        </p:spPr>
-        <p:style>
-          <a:lnRef idx="1">
-            <a:schemeClr val="accent1"/>
-          </a:lnRef>
-          <a:fillRef idx="0">
-            <a:schemeClr val="accent1"/>
-          </a:fillRef>
-          <a:effectRef idx="0">
-            <a:schemeClr val="accent1"/>
-          </a:effectRef>
-          <a:fontRef idx="minor">
-            <a:schemeClr val="tx1"/>
-          </a:fontRef>
-        </p:style>
-      </p:cxnSp>
-      <p:sp>
-        <p:nvSpPr>
-          <p:cNvPr id="12" name="사각형: 둥근 모서리 11">
-            <a:extLst>
-              <a:ext uri="{FF2B5EF4-FFF2-40B4-BE49-F238E27FC236}">
-                <a16:creationId xmlns:a16="http://schemas.microsoft.com/office/drawing/2014/main" id="{FE0077B9-1FA8-49FA-9494-74DD5CB6D599}"/>
-              </a:ext>
-            </a:extLst>
-          </p:cNvPr>
-          <p:cNvSpPr/>
-          <p:nvPr/>
-        </p:nvSpPr>
-        <p:spPr>
-          <a:xfrm>
-            <a:off x="3666479" y="1655686"/>
-            <a:ext cx="1065319" cy="559293"/>
-          </a:xfrm>
-          <a:prstGeom prst="roundRect">
-            <a:avLst/>
-          </a:prstGeom>
-          <a:ln w="28575">
-            <a:solidFill>
-              <a:schemeClr val="accent6">
-                <a:lumMod val="60000"/>
-                <a:lumOff val="40000"/>
-              </a:schemeClr>
-            </a:solidFill>
-          </a:ln>
-        </p:spPr>
-        <p:style>
-          <a:lnRef idx="2">
-            <a:schemeClr val="dk1"/>
-          </a:lnRef>
-          <a:fillRef idx="1">
-            <a:schemeClr val="lt1"/>
-          </a:fillRef>
-          <a:effectRef idx="0">
-            <a:schemeClr val="dk1"/>
-          </a:effectRef>
-          <a:fontRef idx="minor">
-            <a:schemeClr val="dk1"/>
-          </a:fontRef>
-        </p:style>
-        <p:txBody>
-          <a:bodyPr rtlCol="0" anchor="ctr"/>
-          <a:lstStyle/>
-          <a:p>
-            <a:pPr algn="ctr"/>
-            <a:r>
-              <a:rPr lang="ko-KR" altLang="en-US" sz="1500" dirty="0"/>
-              <a:t>동영상 시작</a:t>
-            </a:r>
-          </a:p>
-        </p:txBody>
-      </p:sp>
-      <p:sp>
-        <p:nvSpPr>
-          <p:cNvPr id="14" name="사각형: 둥근 모서리 13">
-            <a:extLst>
-              <a:ext uri="{FF2B5EF4-FFF2-40B4-BE49-F238E27FC236}">
-                <a16:creationId xmlns:a16="http://schemas.microsoft.com/office/drawing/2014/main" id="{2F2EC453-1355-4AEA-95C4-1A6950FF1071}"/>
-              </a:ext>
-            </a:extLst>
-          </p:cNvPr>
-          <p:cNvSpPr/>
-          <p:nvPr/>
-        </p:nvSpPr>
-        <p:spPr>
-          <a:xfrm>
-            <a:off x="2006355" y="1664564"/>
-            <a:ext cx="1065319" cy="559293"/>
-          </a:xfrm>
-          <a:prstGeom prst="roundRect">
-            <a:avLst/>
-          </a:prstGeom>
-          <a:ln w="28575">
-            <a:solidFill>
-              <a:schemeClr val="accent6">
-                <a:lumMod val="60000"/>
-                <a:lumOff val="40000"/>
-              </a:schemeClr>
-            </a:solidFill>
-          </a:ln>
-        </p:spPr>
-        <p:style>
-          <a:lnRef idx="2">
-            <a:schemeClr val="dk1"/>
-          </a:lnRef>
-          <a:fillRef idx="1">
-            <a:schemeClr val="lt1"/>
-          </a:fillRef>
-          <a:effectRef idx="0">
-            <a:schemeClr val="dk1"/>
-          </a:effectRef>
-          <a:fontRef idx="minor">
-            <a:schemeClr val="dk1"/>
-          </a:fontRef>
-        </p:style>
-        <p:txBody>
-          <a:bodyPr rtlCol="0" anchor="ctr"/>
-          <a:lstStyle/>
-          <a:p>
-            <a:pPr algn="ctr"/>
-            <a:r>
-              <a:rPr lang="ko-KR" altLang="en-US" sz="1500" dirty="0"/>
-              <a:t>배속설정</a:t>
-            </a:r>
-          </a:p>
-        </p:txBody>
-      </p:sp>
-      <p:sp>
-        <p:nvSpPr>
-          <p:cNvPr id="15" name="순서도: 판단 14">
-            <a:extLst>
-              <a:ext uri="{FF2B5EF4-FFF2-40B4-BE49-F238E27FC236}">
-                <a16:creationId xmlns:a16="http://schemas.microsoft.com/office/drawing/2014/main" id="{DAF51FBC-7097-4649-BAD1-E0757880C60F}"/>
-              </a:ext>
-            </a:extLst>
-          </p:cNvPr>
-          <p:cNvSpPr/>
-          <p:nvPr/>
-        </p:nvSpPr>
-        <p:spPr>
-          <a:xfrm>
-            <a:off x="5307363" y="1495886"/>
-            <a:ext cx="1538796" cy="878889"/>
-          </a:xfrm>
-          <a:prstGeom prst="flowChartDecision">
-            <a:avLst/>
-          </a:prstGeom>
-          <a:ln w="28575">
-            <a:solidFill>
-              <a:schemeClr val="accent6">
-                <a:lumMod val="60000"/>
-                <a:lumOff val="40000"/>
-              </a:schemeClr>
-            </a:solidFill>
-          </a:ln>
-        </p:spPr>
-        <p:style>
-          <a:lnRef idx="2">
-            <a:schemeClr val="dk1"/>
-          </a:lnRef>
-          <a:fillRef idx="1">
-            <a:schemeClr val="lt1"/>
-          </a:fillRef>
-          <a:effectRef idx="0">
-            <a:schemeClr val="dk1"/>
-          </a:effectRef>
-          <a:fontRef idx="minor">
-            <a:schemeClr val="dk1"/>
-          </a:fontRef>
-        </p:style>
-        <p:txBody>
-          <a:bodyPr rtlCol="0" anchor="ctr"/>
-          <a:lstStyle/>
-          <a:p>
-            <a:pPr algn="ctr"/>
-            <a:r>
-              <a:rPr lang="ko-KR" altLang="en-US" dirty="0"/>
-              <a:t>촬영</a:t>
-            </a:r>
-          </a:p>
-        </p:txBody>
-      </p:sp>
-      <p:sp>
-        <p:nvSpPr>
-          <p:cNvPr id="20" name="TextBox 19">
-            <a:extLst>
-              <a:ext uri="{FF2B5EF4-FFF2-40B4-BE49-F238E27FC236}">
-                <a16:creationId xmlns:a16="http://schemas.microsoft.com/office/drawing/2014/main" id="{2C9DB491-BB13-4338-B64C-FD1E750086DA}"/>
-              </a:ext>
-            </a:extLst>
-          </p:cNvPr>
-          <p:cNvSpPr txBox="1"/>
-          <p:nvPr/>
-        </p:nvSpPr>
-        <p:spPr>
-          <a:xfrm>
-            <a:off x="6940839" y="1519388"/>
-            <a:ext cx="585926" cy="369332"/>
-          </a:xfrm>
-          <a:prstGeom prst="rect">
-            <a:avLst/>
-          </a:prstGeom>
-          <a:noFill/>
-          <a:ln>
-            <a:noFill/>
-          </a:ln>
-        </p:spPr>
-        <p:txBody>
-          <a:bodyPr wrap="square" rtlCol="0">
-            <a:spAutoFit/>
-          </a:bodyPr>
-          <a:lstStyle/>
-          <a:p>
-            <a:r>
-              <a:rPr lang="en-US" altLang="ko-KR" dirty="0"/>
-              <a:t>NO</a:t>
-            </a:r>
-            <a:endParaRPr lang="ko-KR" altLang="en-US" dirty="0"/>
-          </a:p>
-        </p:txBody>
-      </p:sp>
-      <p:sp>
-        <p:nvSpPr>
-          <p:cNvPr id="21" name="TextBox 20">
-            <a:extLst>
-              <a:ext uri="{FF2B5EF4-FFF2-40B4-BE49-F238E27FC236}">
-                <a16:creationId xmlns:a16="http://schemas.microsoft.com/office/drawing/2014/main" id="{CA9F54AC-2F72-4005-AAFD-5A352340C8C2}"/>
-              </a:ext>
-            </a:extLst>
-          </p:cNvPr>
-          <p:cNvSpPr txBox="1"/>
-          <p:nvPr/>
-        </p:nvSpPr>
-        <p:spPr>
-          <a:xfrm>
-            <a:off x="9101094" y="1513609"/>
-            <a:ext cx="585926" cy="369332"/>
-          </a:xfrm>
-          <a:prstGeom prst="rect">
-            <a:avLst/>
-          </a:prstGeom>
-          <a:noFill/>
-          <a:ln>
-            <a:noFill/>
-          </a:ln>
-        </p:spPr>
-        <p:txBody>
-          <a:bodyPr wrap="square" rtlCol="0">
-            <a:spAutoFit/>
-          </a:bodyPr>
-          <a:lstStyle/>
-          <a:p>
-            <a:r>
-              <a:rPr lang="en-US" altLang="ko-KR" dirty="0"/>
-              <a:t>NO</a:t>
-            </a:r>
-            <a:endParaRPr lang="ko-KR" altLang="en-US" dirty="0"/>
-          </a:p>
-        </p:txBody>
-      </p:sp>
-      <p:cxnSp>
-        <p:nvCxnSpPr>
-          <p:cNvPr id="24" name="직선 화살표 연결선 23">
-            <a:extLst>
-              <a:ext uri="{FF2B5EF4-FFF2-40B4-BE49-F238E27FC236}">
-                <a16:creationId xmlns:a16="http://schemas.microsoft.com/office/drawing/2014/main" id="{73AF9B12-115F-4C5D-92E9-E0FD0CF391E3}"/>
-              </a:ext>
-            </a:extLst>
-          </p:cNvPr>
-          <p:cNvCxnSpPr>
-            <a:cxnSpLocks/>
-          </p:cNvCxnSpPr>
-          <p:nvPr/>
-        </p:nvCxnSpPr>
-        <p:spPr>
-          <a:xfrm>
-            <a:off x="6076761" y="2374775"/>
-            <a:ext cx="0" cy="531184"/>
-          </a:xfrm>
-          <a:prstGeom prst="straightConnector1">
-            <a:avLst/>
-          </a:prstGeom>
-          <a:ln>
-            <a:solidFill>
-              <a:schemeClr val="accent6">
-                <a:lumMod val="60000"/>
-                <a:lumOff val="40000"/>
-              </a:schemeClr>
-            </a:solidFill>
-            <a:tailEnd type="triangle"/>
-          </a:ln>
-        </p:spPr>
-        <p:style>
-          <a:lnRef idx="1">
-            <a:schemeClr val="accent1"/>
-          </a:lnRef>
-          <a:fillRef idx="0">
-            <a:schemeClr val="accent1"/>
-          </a:fillRef>
-          <a:effectRef idx="0">
-            <a:schemeClr val="accent1"/>
-          </a:effectRef>
-          <a:fontRef idx="minor">
-            <a:schemeClr val="tx1"/>
-          </a:fontRef>
-        </p:style>
-      </p:cxnSp>
-      <p:sp>
-        <p:nvSpPr>
-          <p:cNvPr id="27" name="TextBox 26">
-            <a:extLst>
-              <a:ext uri="{FF2B5EF4-FFF2-40B4-BE49-F238E27FC236}">
-                <a16:creationId xmlns:a16="http://schemas.microsoft.com/office/drawing/2014/main" id="{76600C0D-0E99-4728-8A75-B40DE25C32E1}"/>
-              </a:ext>
-            </a:extLst>
-          </p:cNvPr>
-          <p:cNvSpPr txBox="1"/>
-          <p:nvPr/>
-        </p:nvSpPr>
-        <p:spPr>
-          <a:xfrm>
-            <a:off x="6329781" y="2467994"/>
-            <a:ext cx="852253" cy="369332"/>
-          </a:xfrm>
-          <a:prstGeom prst="rect">
-            <a:avLst/>
-          </a:prstGeom>
-          <a:noFill/>
-          <a:ln>
-            <a:noFill/>
-          </a:ln>
-        </p:spPr>
-        <p:txBody>
-          <a:bodyPr wrap="square" rtlCol="0">
-            <a:spAutoFit/>
-          </a:bodyPr>
-          <a:lstStyle/>
-          <a:p>
-            <a:r>
-              <a:rPr lang="en-US" altLang="ko-KR" dirty="0"/>
-              <a:t>YES</a:t>
-            </a:r>
-            <a:endParaRPr lang="ko-KR" altLang="en-US" dirty="0"/>
-          </a:p>
-        </p:txBody>
-      </p:sp>
-      <p:sp>
-        <p:nvSpPr>
-          <p:cNvPr id="28" name="TextBox 27">
-            <a:extLst>
-              <a:ext uri="{FF2B5EF4-FFF2-40B4-BE49-F238E27FC236}">
-                <a16:creationId xmlns:a16="http://schemas.microsoft.com/office/drawing/2014/main" id="{BF830DDD-15D1-4F39-938A-7528B255CACE}"/>
-              </a:ext>
-            </a:extLst>
-          </p:cNvPr>
-          <p:cNvSpPr txBox="1"/>
-          <p:nvPr/>
-        </p:nvSpPr>
-        <p:spPr>
-          <a:xfrm>
-            <a:off x="8577315" y="2467994"/>
-            <a:ext cx="852253" cy="369332"/>
-          </a:xfrm>
-          <a:prstGeom prst="rect">
-            <a:avLst/>
-          </a:prstGeom>
-          <a:noFill/>
-          <a:ln>
-            <a:noFill/>
-          </a:ln>
-        </p:spPr>
-        <p:txBody>
-          <a:bodyPr wrap="square" rtlCol="0">
-            <a:spAutoFit/>
-          </a:bodyPr>
-          <a:lstStyle/>
-          <a:p>
-            <a:r>
-              <a:rPr lang="en-US" altLang="ko-KR" dirty="0"/>
-              <a:t>YES</a:t>
-            </a:r>
-            <a:endParaRPr lang="ko-KR" altLang="en-US" dirty="0"/>
-          </a:p>
-        </p:txBody>
-      </p:sp>
-      <p:sp>
-        <p:nvSpPr>
-          <p:cNvPr id="30" name="타원 29">
-            <a:extLst>
-              <a:ext uri="{FF2B5EF4-FFF2-40B4-BE49-F238E27FC236}">
-                <a16:creationId xmlns:a16="http://schemas.microsoft.com/office/drawing/2014/main" id="{110F006D-5E0E-4F37-8ED1-9D4D5226C936}"/>
-              </a:ext>
-            </a:extLst>
-          </p:cNvPr>
-          <p:cNvSpPr/>
-          <p:nvPr/>
-        </p:nvSpPr>
-        <p:spPr>
-          <a:xfrm>
-            <a:off x="5237828" y="2920755"/>
-            <a:ext cx="1677865" cy="813786"/>
-          </a:xfrm>
-          <a:prstGeom prst="ellipse">
-            <a:avLst/>
-          </a:prstGeom>
-          <a:ln w="28575">
-            <a:solidFill>
-              <a:schemeClr val="accent6">
-                <a:lumMod val="60000"/>
-                <a:lumOff val="40000"/>
-              </a:schemeClr>
-            </a:solidFill>
-          </a:ln>
-        </p:spPr>
-        <p:style>
-          <a:lnRef idx="2">
-            <a:schemeClr val="accent1"/>
-          </a:lnRef>
-          <a:fillRef idx="1">
-            <a:schemeClr val="lt1"/>
-          </a:fillRef>
-          <a:effectRef idx="0">
-            <a:schemeClr val="accent1"/>
-          </a:effectRef>
-          <a:fontRef idx="minor">
-            <a:schemeClr val="dk1"/>
-          </a:fontRef>
-        </p:style>
-        <p:txBody>
-          <a:bodyPr rtlCol="0" anchor="ctr"/>
-          <a:lstStyle/>
-          <a:p>
-            <a:pPr algn="ctr"/>
-            <a:r>
-              <a:rPr lang="ko-KR" altLang="en-US" dirty="0"/>
-              <a:t>사진 저장</a:t>
-            </a:r>
-          </a:p>
-        </p:txBody>
-      </p:sp>
-      <p:sp>
-        <p:nvSpPr>
-          <p:cNvPr id="35" name="사각형: 둥근 모서리 34">
-            <a:extLst>
-              <a:ext uri="{FF2B5EF4-FFF2-40B4-BE49-F238E27FC236}">
-                <a16:creationId xmlns:a16="http://schemas.microsoft.com/office/drawing/2014/main" id="{05E562B5-18C6-4D7B-8BF8-3C1A350FA0E7}"/>
-              </a:ext>
-            </a:extLst>
-          </p:cNvPr>
-          <p:cNvSpPr/>
-          <p:nvPr/>
-        </p:nvSpPr>
-        <p:spPr>
-          <a:xfrm>
-            <a:off x="9953355" y="1653918"/>
-            <a:ext cx="1065319" cy="559293"/>
-          </a:xfrm>
-          <a:prstGeom prst="roundRect">
-            <a:avLst/>
-          </a:prstGeom>
-          <a:ln w="28575">
-            <a:solidFill>
-              <a:schemeClr val="accent6">
-                <a:lumMod val="60000"/>
-                <a:lumOff val="40000"/>
-              </a:schemeClr>
-            </a:solidFill>
-          </a:ln>
-        </p:spPr>
-        <p:style>
-          <a:lnRef idx="2">
-            <a:schemeClr val="dk1"/>
-          </a:lnRef>
-          <a:fillRef idx="1">
-            <a:schemeClr val="lt1"/>
-          </a:fillRef>
-          <a:effectRef idx="0">
-            <a:schemeClr val="dk1"/>
-          </a:effectRef>
-          <a:fontRef idx="minor">
-            <a:schemeClr val="dk1"/>
-          </a:fontRef>
-        </p:style>
-        <p:txBody>
-          <a:bodyPr rtlCol="0" anchor="ctr"/>
-          <a:lstStyle/>
-          <a:p>
-            <a:pPr algn="ctr"/>
-            <a:r>
-              <a:rPr lang="ko-KR" altLang="en-US" sz="1500" dirty="0"/>
-              <a:t>동영상 종료</a:t>
-            </a:r>
-          </a:p>
-        </p:txBody>
-      </p:sp>
-      <p:cxnSp>
-        <p:nvCxnSpPr>
-          <p:cNvPr id="36" name="직선 화살표 연결선 35">
-            <a:extLst>
-              <a:ext uri="{FF2B5EF4-FFF2-40B4-BE49-F238E27FC236}">
-                <a16:creationId xmlns:a16="http://schemas.microsoft.com/office/drawing/2014/main" id="{0CBC6124-8A75-4A79-AD1E-C62D024A49BE}"/>
-              </a:ext>
-            </a:extLst>
-          </p:cNvPr>
-          <p:cNvCxnSpPr>
-            <a:cxnSpLocks/>
-            <a:stCxn id="35" idx="2"/>
-          </p:cNvCxnSpPr>
-          <p:nvPr/>
-        </p:nvCxnSpPr>
-        <p:spPr>
-          <a:xfrm flipH="1">
-            <a:off x="10484537" y="2213211"/>
-            <a:ext cx="1478" cy="666114"/>
-          </a:xfrm>
-          <a:prstGeom prst="straightConnector1">
-            <a:avLst/>
-          </a:prstGeom>
-          <a:ln>
-            <a:solidFill>
-              <a:schemeClr val="accent6">
-                <a:lumMod val="60000"/>
-                <a:lumOff val="40000"/>
-              </a:schemeClr>
-            </a:solidFill>
-            <a:tailEnd type="triangle"/>
-          </a:ln>
-        </p:spPr>
-        <p:style>
-          <a:lnRef idx="1">
-            <a:schemeClr val="accent1"/>
-          </a:lnRef>
-          <a:fillRef idx="0">
-            <a:schemeClr val="accent1"/>
-          </a:fillRef>
-          <a:effectRef idx="0">
-            <a:schemeClr val="accent1"/>
-          </a:effectRef>
-          <a:fontRef idx="minor">
-            <a:schemeClr val="tx1"/>
-          </a:fontRef>
-        </p:style>
-      </p:cxnSp>
-      <p:sp>
-        <p:nvSpPr>
-          <p:cNvPr id="38" name="타원 37">
-            <a:extLst>
-              <a:ext uri="{FF2B5EF4-FFF2-40B4-BE49-F238E27FC236}">
-                <a16:creationId xmlns:a16="http://schemas.microsoft.com/office/drawing/2014/main" id="{338C1FAF-BF55-4D29-B9CD-974EA1B5C620}"/>
-              </a:ext>
-            </a:extLst>
-          </p:cNvPr>
-          <p:cNvSpPr/>
-          <p:nvPr/>
-        </p:nvSpPr>
-        <p:spPr>
-          <a:xfrm>
-            <a:off x="9657430" y="2894121"/>
-            <a:ext cx="1677865" cy="813786"/>
-          </a:xfrm>
-          <a:prstGeom prst="ellipse">
-            <a:avLst/>
-          </a:prstGeom>
-          <a:ln w="28575">
-            <a:solidFill>
-              <a:schemeClr val="accent6">
-                <a:lumMod val="60000"/>
-                <a:lumOff val="40000"/>
-              </a:schemeClr>
-            </a:solidFill>
-          </a:ln>
-        </p:spPr>
-        <p:style>
-          <a:lnRef idx="2">
-            <a:schemeClr val="accent1"/>
-          </a:lnRef>
-          <a:fillRef idx="1">
-            <a:schemeClr val="lt1"/>
-          </a:fillRef>
-          <a:effectRef idx="0">
-            <a:schemeClr val="accent1"/>
-          </a:effectRef>
-          <a:fontRef idx="minor">
-            <a:schemeClr val="dk1"/>
-          </a:fontRef>
-        </p:style>
-        <p:txBody>
-          <a:bodyPr rtlCol="0" anchor="ctr"/>
-          <a:lstStyle/>
-          <a:p>
-            <a:pPr algn="ctr"/>
-            <a:r>
-              <a:rPr lang="ko-KR" altLang="en-US" dirty="0"/>
-              <a:t>텍스트화</a:t>
-            </a:r>
-          </a:p>
-        </p:txBody>
-      </p:sp>
-      <p:cxnSp>
-        <p:nvCxnSpPr>
-          <p:cNvPr id="42" name="연결선: 구부러짐 41">
-            <a:extLst>
-              <a:ext uri="{FF2B5EF4-FFF2-40B4-BE49-F238E27FC236}">
-                <a16:creationId xmlns:a16="http://schemas.microsoft.com/office/drawing/2014/main" id="{40DEB45E-F581-42D8-B2B7-D02CF34E4C0A}"/>
-              </a:ext>
-            </a:extLst>
-          </p:cNvPr>
-          <p:cNvCxnSpPr>
-            <a:cxnSpLocks/>
-            <a:stCxn id="30" idx="2"/>
-          </p:cNvCxnSpPr>
-          <p:nvPr/>
-        </p:nvCxnSpPr>
-        <p:spPr>
-          <a:xfrm rot="10800000">
-            <a:off x="4367814" y="2213212"/>
-            <a:ext cx="870014" cy="1114437"/>
-          </a:xfrm>
-          <a:prstGeom prst="curvedConnector2">
-            <a:avLst/>
-          </a:prstGeom>
-          <a:ln>
-            <a:solidFill>
-              <a:schemeClr val="accent6">
-                <a:lumMod val="60000"/>
-                <a:lumOff val="40000"/>
-              </a:schemeClr>
-            </a:solidFill>
-            <a:tailEnd type="triangle"/>
-          </a:ln>
-        </p:spPr>
-        <p:style>
-          <a:lnRef idx="1">
-            <a:schemeClr val="accent1"/>
-          </a:lnRef>
-          <a:fillRef idx="0">
-            <a:schemeClr val="accent1"/>
-          </a:fillRef>
-          <a:effectRef idx="0">
-            <a:schemeClr val="accent1"/>
-          </a:effectRef>
-          <a:fontRef idx="minor">
-            <a:schemeClr val="tx1"/>
-          </a:fontRef>
-        </p:style>
-      </p:cxnSp>
-      <p:sp>
-        <p:nvSpPr>
-          <p:cNvPr id="43" name="타원 42">
-            <a:extLst>
-              <a:ext uri="{FF2B5EF4-FFF2-40B4-BE49-F238E27FC236}">
-                <a16:creationId xmlns:a16="http://schemas.microsoft.com/office/drawing/2014/main" id="{275C3CEC-24F8-4214-98E4-3D3D251476BF}"/>
-              </a:ext>
-            </a:extLst>
-          </p:cNvPr>
-          <p:cNvSpPr/>
-          <p:nvPr/>
-        </p:nvSpPr>
-        <p:spPr>
-          <a:xfrm>
-            <a:off x="9645604" y="4219975"/>
-            <a:ext cx="1677865" cy="813786"/>
-          </a:xfrm>
-          <a:prstGeom prst="ellipse">
-            <a:avLst/>
-          </a:prstGeom>
-          <a:ln w="28575">
-            <a:solidFill>
-              <a:schemeClr val="accent6">
-                <a:lumMod val="60000"/>
-                <a:lumOff val="40000"/>
-              </a:schemeClr>
-            </a:solidFill>
-          </a:ln>
-        </p:spPr>
-        <p:style>
-          <a:lnRef idx="2">
-            <a:schemeClr val="accent1"/>
-          </a:lnRef>
-          <a:fillRef idx="1">
-            <a:schemeClr val="lt1"/>
-          </a:fillRef>
-          <a:effectRef idx="0">
-            <a:schemeClr val="accent1"/>
-          </a:effectRef>
-          <a:fontRef idx="minor">
-            <a:schemeClr val="dk1"/>
-          </a:fontRef>
-        </p:style>
-        <p:txBody>
-          <a:bodyPr rtlCol="0" anchor="ctr"/>
-          <a:lstStyle/>
-          <a:p>
-            <a:pPr algn="ctr"/>
-            <a:r>
-              <a:rPr lang="ko-KR" altLang="en-US" dirty="0"/>
-              <a:t>키워드</a:t>
-            </a:r>
-            <a:endParaRPr lang="en-US" altLang="ko-KR" dirty="0"/>
-          </a:p>
-          <a:p>
-            <a:pPr algn="ctr"/>
-            <a:r>
-              <a:rPr lang="ko-KR" altLang="en-US" dirty="0"/>
-              <a:t>강조</a:t>
-            </a:r>
-            <a:endParaRPr lang="en-US" altLang="ko-KR" dirty="0"/>
-          </a:p>
-        </p:txBody>
-      </p:sp>
-      <p:cxnSp>
-        <p:nvCxnSpPr>
-          <p:cNvPr id="44" name="직선 화살표 연결선 43">
-            <a:extLst>
-              <a:ext uri="{FF2B5EF4-FFF2-40B4-BE49-F238E27FC236}">
-                <a16:creationId xmlns:a16="http://schemas.microsoft.com/office/drawing/2014/main" id="{0D0CFDF9-C764-4E17-896F-95D1416C083C}"/>
-              </a:ext>
-            </a:extLst>
-          </p:cNvPr>
-          <p:cNvCxnSpPr>
-            <a:cxnSpLocks/>
-            <a:endCxn id="43" idx="0"/>
-          </p:cNvCxnSpPr>
-          <p:nvPr/>
-        </p:nvCxnSpPr>
-        <p:spPr>
-          <a:xfrm flipH="1">
-            <a:off x="10484537" y="3722703"/>
-            <a:ext cx="1478" cy="497272"/>
-          </a:xfrm>
-          <a:prstGeom prst="straightConnector1">
-            <a:avLst/>
-          </a:prstGeom>
-          <a:ln>
-            <a:solidFill>
-              <a:schemeClr val="accent6">
-                <a:lumMod val="60000"/>
-                <a:lumOff val="40000"/>
-              </a:schemeClr>
-            </a:solidFill>
-            <a:tailEnd type="triangle"/>
-          </a:ln>
-        </p:spPr>
-        <p:style>
-          <a:lnRef idx="1">
-            <a:schemeClr val="accent1"/>
-          </a:lnRef>
-          <a:fillRef idx="0">
-            <a:schemeClr val="accent1"/>
-          </a:fillRef>
-          <a:effectRef idx="0">
-            <a:schemeClr val="accent1"/>
-          </a:effectRef>
-          <a:fontRef idx="minor">
-            <a:schemeClr val="tx1"/>
-          </a:fontRef>
-        </p:style>
-      </p:cxnSp>
-      <p:sp>
-        <p:nvSpPr>
-          <p:cNvPr id="46" name="타원 45">
-            <a:extLst>
-              <a:ext uri="{FF2B5EF4-FFF2-40B4-BE49-F238E27FC236}">
-                <a16:creationId xmlns:a16="http://schemas.microsoft.com/office/drawing/2014/main" id="{7E446DD2-A1DE-4207-824E-BA867C070DEE}"/>
-              </a:ext>
-            </a:extLst>
-          </p:cNvPr>
-          <p:cNvSpPr/>
-          <p:nvPr/>
-        </p:nvSpPr>
-        <p:spPr>
-          <a:xfrm>
-            <a:off x="9645604" y="5579680"/>
-            <a:ext cx="1677865" cy="813786"/>
-          </a:xfrm>
-          <a:prstGeom prst="ellipse">
-            <a:avLst/>
-          </a:prstGeom>
-          <a:ln w="28575">
-            <a:solidFill>
-              <a:schemeClr val="accent6">
-                <a:lumMod val="60000"/>
-                <a:lumOff val="40000"/>
-              </a:schemeClr>
-            </a:solidFill>
-          </a:ln>
-        </p:spPr>
-        <p:style>
-          <a:lnRef idx="2">
-            <a:schemeClr val="accent1"/>
-          </a:lnRef>
-          <a:fillRef idx="1">
-            <a:schemeClr val="lt1"/>
-          </a:fillRef>
-          <a:effectRef idx="0">
-            <a:schemeClr val="accent1"/>
-          </a:effectRef>
-          <a:fontRef idx="minor">
-            <a:schemeClr val="dk1"/>
-          </a:fontRef>
-        </p:style>
-        <p:txBody>
-          <a:bodyPr rtlCol="0" anchor="ctr"/>
-          <a:lstStyle/>
-          <a:p>
-            <a:pPr algn="ctr"/>
-            <a:r>
-              <a:rPr lang="ko-KR" altLang="en-US" dirty="0"/>
-              <a:t>텍스트 </a:t>
-            </a:r>
-            <a:endParaRPr lang="en-US" altLang="ko-KR" dirty="0"/>
-          </a:p>
-          <a:p>
-            <a:pPr algn="ctr"/>
-            <a:r>
-              <a:rPr lang="ko-KR" altLang="en-US" dirty="0"/>
-              <a:t>파일 저장</a:t>
-            </a:r>
-            <a:endParaRPr lang="en-US" altLang="ko-KR" dirty="0"/>
-          </a:p>
-        </p:txBody>
-      </p:sp>
-      <p:cxnSp>
-        <p:nvCxnSpPr>
-          <p:cNvPr id="47" name="직선 화살표 연결선 46">
-            <a:extLst>
-              <a:ext uri="{FF2B5EF4-FFF2-40B4-BE49-F238E27FC236}">
-                <a16:creationId xmlns:a16="http://schemas.microsoft.com/office/drawing/2014/main" id="{B037B2EB-CC45-4D4C-8A38-9A5E8FAD1993}"/>
-              </a:ext>
-            </a:extLst>
-          </p:cNvPr>
-          <p:cNvCxnSpPr>
-            <a:cxnSpLocks/>
-            <a:endCxn id="46" idx="0"/>
-          </p:cNvCxnSpPr>
-          <p:nvPr/>
-        </p:nvCxnSpPr>
-        <p:spPr>
-          <a:xfrm flipH="1">
-            <a:off x="10484537" y="5086905"/>
-            <a:ext cx="17746" cy="492775"/>
-          </a:xfrm>
-          <a:prstGeom prst="straightConnector1">
-            <a:avLst/>
-          </a:prstGeom>
-          <a:ln>
-            <a:solidFill>
-              <a:schemeClr val="accent6">
-                <a:lumMod val="60000"/>
-                <a:lumOff val="40000"/>
-              </a:schemeClr>
-            </a:solidFill>
-            <a:tailEnd type="triangle"/>
-          </a:ln>
-        </p:spPr>
-        <p:style>
-          <a:lnRef idx="1">
-            <a:schemeClr val="accent1"/>
-          </a:lnRef>
-          <a:fillRef idx="0">
-            <a:schemeClr val="accent1"/>
-          </a:fillRef>
-          <a:effectRef idx="0">
-            <a:schemeClr val="accent1"/>
-          </a:effectRef>
-          <a:fontRef idx="minor">
-            <a:schemeClr val="tx1"/>
-          </a:fontRef>
-        </p:style>
-      </p:cxnSp>
-      <p:sp>
-        <p:nvSpPr>
-          <p:cNvPr id="37" name="순서도: 판단 36">
-            <a:extLst>
-              <a:ext uri="{FF2B5EF4-FFF2-40B4-BE49-F238E27FC236}">
-                <a16:creationId xmlns:a16="http://schemas.microsoft.com/office/drawing/2014/main" id="{F047CCEB-B7F1-4F5E-BA93-2AEF73492E40}"/>
-              </a:ext>
-            </a:extLst>
-          </p:cNvPr>
-          <p:cNvSpPr/>
-          <p:nvPr/>
-        </p:nvSpPr>
-        <p:spPr>
-          <a:xfrm>
-            <a:off x="1738566" y="2763917"/>
-            <a:ext cx="1587624" cy="878889"/>
-          </a:xfrm>
-          <a:prstGeom prst="flowChartDecision">
-            <a:avLst/>
-          </a:prstGeom>
-          <a:ln w="28575">
-            <a:solidFill>
-              <a:schemeClr val="accent6">
-                <a:lumMod val="60000"/>
-                <a:lumOff val="40000"/>
-              </a:schemeClr>
-            </a:solidFill>
-          </a:ln>
-        </p:spPr>
-        <p:style>
-          <a:lnRef idx="2">
-            <a:schemeClr val="dk1"/>
-          </a:lnRef>
-          <a:fillRef idx="1">
-            <a:schemeClr val="lt1"/>
-          </a:fillRef>
-          <a:effectRef idx="0">
-            <a:schemeClr val="dk1"/>
-          </a:effectRef>
-          <a:fontRef idx="minor">
-            <a:schemeClr val="dk1"/>
-          </a:fontRef>
-        </p:style>
-        <p:txBody>
-          <a:bodyPr rtlCol="0" anchor="ctr"/>
-          <a:lstStyle/>
-          <a:p>
-            <a:pPr algn="ctr"/>
-            <a:r>
-              <a:rPr lang="ko-KR" altLang="en-US" sz="1500" dirty="0"/>
-              <a:t>폰에서 실행</a:t>
-            </a:r>
-          </a:p>
-        </p:txBody>
-      </p:sp>
-      <p:cxnSp>
-        <p:nvCxnSpPr>
-          <p:cNvPr id="39" name="직선 화살표 연결선 38">
-            <a:extLst>
-              <a:ext uri="{FF2B5EF4-FFF2-40B4-BE49-F238E27FC236}">
-                <a16:creationId xmlns:a16="http://schemas.microsoft.com/office/drawing/2014/main" id="{CBA595C1-D233-4DBF-8848-C54CB472C4FA}"/>
-              </a:ext>
-            </a:extLst>
-          </p:cNvPr>
-          <p:cNvCxnSpPr>
-            <a:cxnSpLocks/>
-            <a:stCxn id="14" idx="2"/>
-            <a:endCxn id="37" idx="0"/>
-          </p:cNvCxnSpPr>
-          <p:nvPr/>
-        </p:nvCxnSpPr>
-        <p:spPr>
-          <a:xfrm flipH="1">
-            <a:off x="2532378" y="2223857"/>
-            <a:ext cx="6637" cy="540060"/>
-          </a:xfrm>
-          <a:prstGeom prst="straightConnector1">
-            <a:avLst/>
-          </a:prstGeom>
-          <a:ln>
-            <a:solidFill>
-              <a:schemeClr val="accent6">
-                <a:lumMod val="60000"/>
-                <a:lumOff val="40000"/>
-              </a:schemeClr>
-            </a:solidFill>
-            <a:tailEnd type="triangle"/>
-          </a:ln>
-        </p:spPr>
-        <p:style>
-          <a:lnRef idx="1">
-            <a:schemeClr val="accent1"/>
-          </a:lnRef>
-          <a:fillRef idx="0">
-            <a:schemeClr val="accent1"/>
-          </a:fillRef>
-          <a:effectRef idx="0">
-            <a:schemeClr val="accent1"/>
-          </a:effectRef>
-          <a:fontRef idx="minor">
-            <a:schemeClr val="tx1"/>
-          </a:fontRef>
-        </p:style>
-      </p:cxnSp>
-      <p:cxnSp>
-        <p:nvCxnSpPr>
-          <p:cNvPr id="6" name="연결선: 구부러짐 5">
-            <a:extLst>
-              <a:ext uri="{FF2B5EF4-FFF2-40B4-BE49-F238E27FC236}">
-                <a16:creationId xmlns:a16="http://schemas.microsoft.com/office/drawing/2014/main" id="{FA80DEF1-BFFA-4497-A246-EE32B32C49C1}"/>
-              </a:ext>
-            </a:extLst>
-          </p:cNvPr>
-          <p:cNvCxnSpPr>
-            <a:cxnSpLocks/>
-            <a:stCxn id="37" idx="3"/>
-          </p:cNvCxnSpPr>
-          <p:nvPr/>
-        </p:nvCxnSpPr>
-        <p:spPr>
-          <a:xfrm flipV="1">
-            <a:off x="3326190" y="2223857"/>
-            <a:ext cx="686517" cy="979505"/>
-          </a:xfrm>
-          <a:prstGeom prst="curvedConnector2">
-            <a:avLst/>
-          </a:prstGeom>
-          <a:ln>
-            <a:solidFill>
-              <a:schemeClr val="accent6">
-                <a:lumMod val="60000"/>
-                <a:lumOff val="40000"/>
-              </a:schemeClr>
-            </a:solidFill>
-            <a:tailEnd type="triangle"/>
-          </a:ln>
-        </p:spPr>
-        <p:style>
-          <a:lnRef idx="1">
-            <a:schemeClr val="accent1"/>
-          </a:lnRef>
-          <a:fillRef idx="0">
-            <a:schemeClr val="accent1"/>
-          </a:fillRef>
-          <a:effectRef idx="0">
-            <a:schemeClr val="accent1"/>
-          </a:effectRef>
-          <a:fontRef idx="minor">
-            <a:schemeClr val="tx1"/>
-          </a:fontRef>
-        </p:style>
-      </p:cxnSp>
-      <p:sp>
-        <p:nvSpPr>
-          <p:cNvPr id="45" name="TextBox 44">
-            <a:extLst>
-              <a:ext uri="{FF2B5EF4-FFF2-40B4-BE49-F238E27FC236}">
-                <a16:creationId xmlns:a16="http://schemas.microsoft.com/office/drawing/2014/main" id="{F9F5CF1C-30D3-4E79-9C72-CB52807FA438}"/>
-              </a:ext>
-            </a:extLst>
-          </p:cNvPr>
-          <p:cNvSpPr txBox="1"/>
-          <p:nvPr/>
-        </p:nvSpPr>
-        <p:spPr>
-          <a:xfrm>
-            <a:off x="2762066" y="3674740"/>
-            <a:ext cx="852253" cy="369332"/>
-          </a:xfrm>
-          <a:prstGeom prst="rect">
-            <a:avLst/>
-          </a:prstGeom>
-          <a:noFill/>
-          <a:ln>
-            <a:noFill/>
-          </a:ln>
-        </p:spPr>
-        <p:txBody>
-          <a:bodyPr wrap="square" rtlCol="0">
-            <a:spAutoFit/>
-          </a:bodyPr>
-          <a:lstStyle/>
-          <a:p>
-            <a:r>
-              <a:rPr lang="en-US" altLang="ko-KR" dirty="0"/>
-              <a:t>YES</a:t>
-            </a:r>
-            <a:endParaRPr lang="ko-KR" altLang="en-US" dirty="0"/>
-          </a:p>
-        </p:txBody>
-      </p:sp>
-      <p:cxnSp>
-        <p:nvCxnSpPr>
-          <p:cNvPr id="50" name="직선 화살표 연결선 49">
-            <a:extLst>
-              <a:ext uri="{FF2B5EF4-FFF2-40B4-BE49-F238E27FC236}">
-                <a16:creationId xmlns:a16="http://schemas.microsoft.com/office/drawing/2014/main" id="{720AF0CF-1A59-4154-82AE-B92E6DB050D7}"/>
-              </a:ext>
-            </a:extLst>
-          </p:cNvPr>
-          <p:cNvCxnSpPr>
-            <a:cxnSpLocks/>
-            <a:stCxn id="37" idx="2"/>
-            <a:endCxn id="52" idx="0"/>
-          </p:cNvCxnSpPr>
-          <p:nvPr/>
-        </p:nvCxnSpPr>
-        <p:spPr>
-          <a:xfrm>
-            <a:off x="2532378" y="3642806"/>
-            <a:ext cx="0" cy="557816"/>
-          </a:xfrm>
-          <a:prstGeom prst="straightConnector1">
-            <a:avLst/>
-          </a:prstGeom>
-          <a:ln>
-            <a:solidFill>
-              <a:schemeClr val="accent6">
-                <a:lumMod val="60000"/>
-                <a:lumOff val="40000"/>
-              </a:schemeClr>
-            </a:solidFill>
-            <a:tailEnd type="triangle"/>
-          </a:ln>
-        </p:spPr>
-        <p:style>
-          <a:lnRef idx="1">
-            <a:schemeClr val="accent1"/>
-          </a:lnRef>
-          <a:fillRef idx="0">
-            <a:schemeClr val="accent1"/>
-          </a:fillRef>
-          <a:effectRef idx="0">
-            <a:schemeClr val="accent1"/>
-          </a:effectRef>
-          <a:fontRef idx="minor">
-            <a:schemeClr val="tx1"/>
-          </a:fontRef>
-        </p:style>
-      </p:cxnSp>
-      <p:sp>
-        <p:nvSpPr>
-          <p:cNvPr id="51" name="TextBox 50">
-            <a:extLst>
-              <a:ext uri="{FF2B5EF4-FFF2-40B4-BE49-F238E27FC236}">
-                <a16:creationId xmlns:a16="http://schemas.microsoft.com/office/drawing/2014/main" id="{AEEC357D-60A1-45A7-9EEB-17783809413D}"/>
-              </a:ext>
-            </a:extLst>
-          </p:cNvPr>
-          <p:cNvSpPr txBox="1"/>
-          <p:nvPr/>
-        </p:nvSpPr>
-        <p:spPr>
-          <a:xfrm>
-            <a:off x="3088708" y="2640367"/>
-            <a:ext cx="585926" cy="369332"/>
-          </a:xfrm>
-          <a:prstGeom prst="rect">
-            <a:avLst/>
-          </a:prstGeom>
-          <a:noFill/>
-          <a:ln>
-            <a:noFill/>
-          </a:ln>
-        </p:spPr>
-        <p:txBody>
-          <a:bodyPr wrap="square" rtlCol="0">
-            <a:spAutoFit/>
-          </a:bodyPr>
-          <a:lstStyle/>
-          <a:p>
-            <a:r>
-              <a:rPr lang="en-US" altLang="ko-KR" dirty="0"/>
-              <a:t>NO</a:t>
-            </a:r>
-            <a:endParaRPr lang="ko-KR" altLang="en-US" dirty="0"/>
-          </a:p>
-        </p:txBody>
-      </p:sp>
-      <p:sp>
-        <p:nvSpPr>
-          <p:cNvPr id="52" name="타원 51">
-            <a:extLst>
-              <a:ext uri="{FF2B5EF4-FFF2-40B4-BE49-F238E27FC236}">
-                <a16:creationId xmlns:a16="http://schemas.microsoft.com/office/drawing/2014/main" id="{7C23EE9A-203B-4667-8A64-219F0388697D}"/>
-              </a:ext>
-            </a:extLst>
-          </p:cNvPr>
-          <p:cNvSpPr/>
-          <p:nvPr/>
-        </p:nvSpPr>
-        <p:spPr>
-          <a:xfrm>
-            <a:off x="1693445" y="4200622"/>
-            <a:ext cx="1677865" cy="813786"/>
-          </a:xfrm>
-          <a:prstGeom prst="ellipse">
-            <a:avLst/>
-          </a:prstGeom>
-          <a:ln w="28575">
-            <a:solidFill>
-              <a:schemeClr val="accent6">
-                <a:lumMod val="60000"/>
-                <a:lumOff val="40000"/>
-              </a:schemeClr>
-            </a:solidFill>
-          </a:ln>
-        </p:spPr>
-        <p:style>
-          <a:lnRef idx="2">
-            <a:schemeClr val="accent1"/>
-          </a:lnRef>
-          <a:fillRef idx="1">
-            <a:schemeClr val="lt1"/>
-          </a:fillRef>
-          <a:effectRef idx="0">
-            <a:schemeClr val="accent1"/>
-          </a:effectRef>
-          <a:fontRef idx="minor">
-            <a:schemeClr val="dk1"/>
-          </a:fontRef>
-        </p:style>
-        <p:txBody>
-          <a:bodyPr rtlCol="0" anchor="ctr"/>
-          <a:lstStyle/>
-          <a:p>
-            <a:pPr algn="ctr"/>
-            <a:r>
-              <a:rPr lang="ko-KR" altLang="en-US" dirty="0"/>
-              <a:t>동영상 위에서 실행</a:t>
-            </a:r>
-          </a:p>
-        </p:txBody>
-      </p:sp>
-      <p:cxnSp>
-        <p:nvCxnSpPr>
-          <p:cNvPr id="63" name="직선 화살표 연결선 62">
-            <a:extLst>
-              <a:ext uri="{FF2B5EF4-FFF2-40B4-BE49-F238E27FC236}">
-                <a16:creationId xmlns:a16="http://schemas.microsoft.com/office/drawing/2014/main" id="{4D8B8CED-7541-44FC-AB15-04B26D041BDF}"/>
-              </a:ext>
-            </a:extLst>
-          </p:cNvPr>
-          <p:cNvCxnSpPr>
-            <a:cxnSpLocks/>
-            <a:endCxn id="15" idx="1"/>
-          </p:cNvCxnSpPr>
-          <p:nvPr/>
-        </p:nvCxnSpPr>
-        <p:spPr>
-          <a:xfrm flipV="1">
-            <a:off x="4722929" y="1935331"/>
-            <a:ext cx="584434" cy="6660"/>
-          </a:xfrm>
-          <a:prstGeom prst="straightConnector1">
-            <a:avLst/>
-          </a:prstGeom>
-          <a:ln>
-            <a:solidFill>
-              <a:schemeClr val="accent6">
-                <a:lumMod val="60000"/>
-                <a:lumOff val="40000"/>
-              </a:schemeClr>
-            </a:solidFill>
-            <a:tailEnd type="triangle"/>
-          </a:ln>
-        </p:spPr>
-        <p:style>
-          <a:lnRef idx="1">
-            <a:schemeClr val="accent1"/>
-          </a:lnRef>
-          <a:fillRef idx="0">
-            <a:schemeClr val="accent1"/>
-          </a:fillRef>
-          <a:effectRef idx="0">
-            <a:schemeClr val="accent1"/>
-          </a:effectRef>
-          <a:fontRef idx="minor">
-            <a:schemeClr val="tx1"/>
-          </a:fontRef>
-        </p:style>
-      </p:cxnSp>
-      <p:cxnSp>
-        <p:nvCxnSpPr>
-          <p:cNvPr id="64" name="직선 화살표 연결선 63">
-            <a:extLst>
-              <a:ext uri="{FF2B5EF4-FFF2-40B4-BE49-F238E27FC236}">
-                <a16:creationId xmlns:a16="http://schemas.microsoft.com/office/drawing/2014/main" id="{B43CE7E5-3CB4-4F09-AB58-68AEB6F39D13}"/>
-              </a:ext>
-            </a:extLst>
-          </p:cNvPr>
-          <p:cNvCxnSpPr>
-            <a:cxnSpLocks/>
-            <a:stCxn id="15" idx="3"/>
-            <a:endCxn id="54" idx="1"/>
-          </p:cNvCxnSpPr>
-          <p:nvPr/>
-        </p:nvCxnSpPr>
-        <p:spPr>
-          <a:xfrm>
-            <a:off x="6846159" y="1935331"/>
-            <a:ext cx="637724" cy="1"/>
-          </a:xfrm>
-          <a:prstGeom prst="straightConnector1">
-            <a:avLst/>
-          </a:prstGeom>
-          <a:ln>
-            <a:solidFill>
-              <a:schemeClr val="accent6">
-                <a:lumMod val="60000"/>
-                <a:lumOff val="40000"/>
-              </a:schemeClr>
-            </a:solidFill>
-            <a:tailEnd type="triangle"/>
-          </a:ln>
-        </p:spPr>
-        <p:style>
-          <a:lnRef idx="1">
-            <a:schemeClr val="accent1"/>
-          </a:lnRef>
-          <a:fillRef idx="0">
-            <a:schemeClr val="accent1"/>
-          </a:fillRef>
-          <a:effectRef idx="0">
-            <a:schemeClr val="accent1"/>
-          </a:effectRef>
-          <a:fontRef idx="minor">
-            <a:schemeClr val="tx1"/>
-          </a:fontRef>
-        </p:style>
-      </p:cxnSp>
-      <p:cxnSp>
-        <p:nvCxnSpPr>
-          <p:cNvPr id="65" name="직선 화살표 연결선 64">
-            <a:extLst>
-              <a:ext uri="{FF2B5EF4-FFF2-40B4-BE49-F238E27FC236}">
-                <a16:creationId xmlns:a16="http://schemas.microsoft.com/office/drawing/2014/main" id="{9311841C-65A2-4FC5-BE7E-669AF3019E2C}"/>
-              </a:ext>
-            </a:extLst>
-          </p:cNvPr>
-          <p:cNvCxnSpPr>
-            <a:cxnSpLocks/>
-            <a:stCxn id="54" idx="3"/>
-            <a:endCxn id="35" idx="1"/>
-          </p:cNvCxnSpPr>
-          <p:nvPr/>
-        </p:nvCxnSpPr>
-        <p:spPr>
-          <a:xfrm flipV="1">
-            <a:off x="9071507" y="1933565"/>
-            <a:ext cx="881848" cy="1767"/>
-          </a:xfrm>
-          <a:prstGeom prst="straightConnector1">
-            <a:avLst/>
-          </a:prstGeom>
-          <a:ln>
-            <a:solidFill>
-              <a:schemeClr val="accent6">
-                <a:lumMod val="60000"/>
-                <a:lumOff val="40000"/>
-              </a:schemeClr>
-            </a:solidFill>
-            <a:tailEnd type="triangle"/>
-          </a:ln>
-        </p:spPr>
-        <p:style>
-          <a:lnRef idx="1">
-            <a:schemeClr val="accent1"/>
-          </a:lnRef>
-          <a:fillRef idx="0">
-            <a:schemeClr val="accent1"/>
-          </a:fillRef>
-          <a:effectRef idx="0">
-            <a:schemeClr val="accent1"/>
-          </a:effectRef>
-          <a:fontRef idx="minor">
-            <a:schemeClr val="tx1"/>
-          </a:fontRef>
-        </p:style>
-      </p:cxnSp>
-      <p:cxnSp>
-        <p:nvCxnSpPr>
-          <p:cNvPr id="71" name="직선 화살표 연결선 70">
-            <a:extLst>
-              <a:ext uri="{FF2B5EF4-FFF2-40B4-BE49-F238E27FC236}">
-                <a16:creationId xmlns:a16="http://schemas.microsoft.com/office/drawing/2014/main" id="{F7776DCA-2484-4ABD-87DC-AD7D2A041818}"/>
-              </a:ext>
-            </a:extLst>
-          </p:cNvPr>
-          <p:cNvCxnSpPr>
-            <a:cxnSpLocks/>
-            <a:stCxn id="52" idx="6"/>
-            <a:endCxn id="67" idx="1"/>
-          </p:cNvCxnSpPr>
-          <p:nvPr/>
-        </p:nvCxnSpPr>
-        <p:spPr>
-          <a:xfrm>
-            <a:off x="3371310" y="4607515"/>
-            <a:ext cx="1937532" cy="19237"/>
-          </a:xfrm>
-          <a:prstGeom prst="straightConnector1">
-            <a:avLst/>
-          </a:prstGeom>
-          <a:ln>
-            <a:solidFill>
-              <a:schemeClr val="accent6">
-                <a:lumMod val="60000"/>
-                <a:lumOff val="40000"/>
-              </a:schemeClr>
-            </a:solidFill>
-            <a:tailEnd type="triangle"/>
-          </a:ln>
-        </p:spPr>
-        <p:style>
-          <a:lnRef idx="1">
-            <a:schemeClr val="accent1"/>
-          </a:lnRef>
-          <a:fillRef idx="0">
-            <a:schemeClr val="accent1"/>
-          </a:fillRef>
-          <a:effectRef idx="0">
-            <a:schemeClr val="accent1"/>
-          </a:effectRef>
-          <a:fontRef idx="minor">
-            <a:schemeClr val="tx1"/>
-          </a:fontRef>
-        </p:style>
-      </p:cxnSp>
-      <p:sp>
-        <p:nvSpPr>
-          <p:cNvPr id="72" name="TextBox 71">
-            <a:extLst>
-              <a:ext uri="{FF2B5EF4-FFF2-40B4-BE49-F238E27FC236}">
-                <a16:creationId xmlns:a16="http://schemas.microsoft.com/office/drawing/2014/main" id="{9F2CC18C-6A09-4F54-A2B3-481F353AC913}"/>
-              </a:ext>
-            </a:extLst>
-          </p:cNvPr>
-          <p:cNvSpPr txBox="1"/>
-          <p:nvPr/>
-        </p:nvSpPr>
-        <p:spPr>
-          <a:xfrm>
-            <a:off x="6312767" y="5121992"/>
-            <a:ext cx="852253" cy="369332"/>
-          </a:xfrm>
-          <a:prstGeom prst="rect">
-            <a:avLst/>
-          </a:prstGeom>
-          <a:noFill/>
-          <a:ln>
-            <a:noFill/>
-          </a:ln>
-        </p:spPr>
-        <p:txBody>
-          <a:bodyPr wrap="square" rtlCol="0">
-            <a:spAutoFit/>
-          </a:bodyPr>
-          <a:lstStyle/>
-          <a:p>
-            <a:r>
-              <a:rPr lang="en-US" altLang="ko-KR" dirty="0"/>
-              <a:t>YES</a:t>
-            </a:r>
-            <a:endParaRPr lang="ko-KR" altLang="en-US" dirty="0"/>
-          </a:p>
-        </p:txBody>
-      </p:sp>
-      <p:sp>
-        <p:nvSpPr>
-          <p:cNvPr id="76" name="TextBox 75">
-            <a:extLst>
-              <a:ext uri="{FF2B5EF4-FFF2-40B4-BE49-F238E27FC236}">
-                <a16:creationId xmlns:a16="http://schemas.microsoft.com/office/drawing/2014/main" id="{75FC7D8A-0696-4557-9FD0-1829F6D3A918}"/>
-              </a:ext>
-            </a:extLst>
-          </p:cNvPr>
-          <p:cNvSpPr txBox="1"/>
-          <p:nvPr/>
-        </p:nvSpPr>
-        <p:spPr>
-          <a:xfrm>
-            <a:off x="6930140" y="4459550"/>
-            <a:ext cx="585926" cy="369332"/>
-          </a:xfrm>
-          <a:prstGeom prst="rect">
-            <a:avLst/>
-          </a:prstGeom>
-          <a:noFill/>
-          <a:ln>
-            <a:noFill/>
-          </a:ln>
-        </p:spPr>
-        <p:txBody>
-          <a:bodyPr wrap="square" rtlCol="0">
-            <a:spAutoFit/>
-          </a:bodyPr>
-          <a:lstStyle/>
-          <a:p>
-            <a:r>
-              <a:rPr lang="en-US" altLang="ko-KR" dirty="0"/>
-              <a:t>NO</a:t>
-            </a:r>
-            <a:endParaRPr lang="ko-KR" altLang="en-US" dirty="0"/>
-          </a:p>
-        </p:txBody>
-      </p:sp>
-      <p:cxnSp>
-        <p:nvCxnSpPr>
-          <p:cNvPr id="77" name="연결선: 구부러짐 76">
-            <a:extLst>
-              <a:ext uri="{FF2B5EF4-FFF2-40B4-BE49-F238E27FC236}">
-                <a16:creationId xmlns:a16="http://schemas.microsoft.com/office/drawing/2014/main" id="{9C7D474B-64B7-428F-9E3F-B799448904FC}"/>
-              </a:ext>
-            </a:extLst>
-          </p:cNvPr>
-          <p:cNvCxnSpPr>
-            <a:cxnSpLocks/>
-            <a:stCxn id="67" idx="3"/>
-          </p:cNvCxnSpPr>
-          <p:nvPr/>
-        </p:nvCxnSpPr>
-        <p:spPr>
-          <a:xfrm flipV="1">
-            <a:off x="6847638" y="1992127"/>
-            <a:ext cx="679127" cy="2634625"/>
-          </a:xfrm>
-          <a:prstGeom prst="curvedConnector2">
-            <a:avLst/>
-          </a:prstGeom>
-          <a:ln>
-            <a:solidFill>
-              <a:schemeClr val="accent6">
-                <a:lumMod val="60000"/>
-                <a:lumOff val="40000"/>
-              </a:schemeClr>
-            </a:solidFill>
-            <a:tailEnd type="triangle"/>
-          </a:ln>
-        </p:spPr>
-        <p:style>
-          <a:lnRef idx="1">
-            <a:schemeClr val="accent1"/>
-          </a:lnRef>
-          <a:fillRef idx="0">
-            <a:schemeClr val="accent1"/>
-          </a:fillRef>
-          <a:effectRef idx="0">
-            <a:schemeClr val="accent1"/>
-          </a:effectRef>
-          <a:fontRef idx="minor">
-            <a:schemeClr val="tx1"/>
-          </a:fontRef>
-        </p:style>
-      </p:cxnSp>
-      <p:sp>
-        <p:nvSpPr>
-          <p:cNvPr id="80" name="TextBox 79">
-            <a:extLst>
-              <a:ext uri="{FF2B5EF4-FFF2-40B4-BE49-F238E27FC236}">
-                <a16:creationId xmlns:a16="http://schemas.microsoft.com/office/drawing/2014/main" id="{ACAACB61-1F50-4ABE-8D60-0052D746DDF9}"/>
-              </a:ext>
-            </a:extLst>
-          </p:cNvPr>
-          <p:cNvSpPr txBox="1"/>
-          <p:nvPr/>
-        </p:nvSpPr>
-        <p:spPr>
-          <a:xfrm>
-            <a:off x="3531837" y="5187265"/>
-            <a:ext cx="1587624" cy="784830"/>
-          </a:xfrm>
-          <a:prstGeom prst="rect">
-            <a:avLst/>
-          </a:prstGeom>
-          <a:noFill/>
-          <a:ln>
-            <a:noFill/>
-          </a:ln>
-        </p:spPr>
-        <p:txBody>
-          <a:bodyPr wrap="square" rtlCol="0">
-            <a:spAutoFit/>
-          </a:bodyPr>
-          <a:lstStyle/>
-          <a:p>
-            <a:r>
-              <a:rPr lang="ko-KR" altLang="en-US" sz="1500" dirty="0"/>
-              <a:t>동영상 위 캡처 버튼 누를 시 화면 캡처</a:t>
-            </a:r>
-          </a:p>
-        </p:txBody>
-      </p:sp>
-    </p:spTree>
-    <p:extLst>
-      <p:ext uri="{BB962C8B-B14F-4D97-AF65-F5344CB8AC3E}">
-        <p14:creationId xmlns:p14="http://schemas.microsoft.com/office/powerpoint/2010/main" val="598466654"/>
-      </p:ext>
-    </p:extLst>
-  </p:cSld>
-  <p:clrMapOvr>
-    <a:masterClrMapping/>
-  </p:clrMapOvr>
-</p:sld>
-</file>
-
-<file path=ppt/slides/slide6.xml><?xml version="1.0" encoding="utf-8"?>
-<p:sld xmlns:a="http://schemas.openxmlformats.org/drawingml/2006/main" xmlns:r="http://schemas.openxmlformats.org/officeDocument/2006/relationships" xmlns:p="http://schemas.openxmlformats.org/presentationml/2006/main">
-  <p:cSld>
-    <p:spTree>
-      <p:nvGrpSpPr>
-        <p:cNvPr id="1" name=""/>
-        <p:cNvGrpSpPr/>
-        <p:nvPr/>
-      </p:nvGrpSpPr>
-      <p:grpSpPr>
-        <a:xfrm>
-          <a:off x="0" y="0"/>
-          <a:ext cx="0" cy="0"/>
-          <a:chOff x="0" y="0"/>
-          <a:chExt cx="0" cy="0"/>
-        </a:xfrm>
-      </p:grpSpPr>
-      <p:sp>
-        <p:nvSpPr>
           <p:cNvPr id="4" name="평행 사변형 3">
             <a:extLst>
               <a:ext uri="{FF2B5EF4-FFF2-40B4-BE49-F238E27FC236}">
@@ -11130,10 +8111,1785 @@
           </a:p>
         </p:txBody>
       </p:sp>
+      <p:grpSp>
+        <p:nvGrpSpPr>
+          <p:cNvPr id="113" name="그룹 112">
+            <a:extLst>
+              <a:ext uri="{FF2B5EF4-FFF2-40B4-BE49-F238E27FC236}">
+                <a16:creationId xmlns:a16="http://schemas.microsoft.com/office/drawing/2014/main" id="{60C75669-E346-4571-B0F5-E5E67EA4262F}"/>
+              </a:ext>
+            </a:extLst>
+          </p:cNvPr>
+          <p:cNvGrpSpPr/>
+          <p:nvPr/>
+        </p:nvGrpSpPr>
+        <p:grpSpPr>
+          <a:xfrm>
+            <a:off x="1730147" y="1453078"/>
+            <a:ext cx="8731705" cy="4576444"/>
+            <a:chOff x="1592454" y="1216395"/>
+            <a:chExt cx="8731705" cy="4576444"/>
+          </a:xfrm>
+        </p:grpSpPr>
+        <p:sp>
+          <p:nvSpPr>
+            <p:cNvPr id="6" name="사각형: 둥근 모서리 5">
+              <a:extLst>
+                <a:ext uri="{FF2B5EF4-FFF2-40B4-BE49-F238E27FC236}">
+                  <a16:creationId xmlns:a16="http://schemas.microsoft.com/office/drawing/2014/main" id="{4B147DEE-E464-442B-AB49-F95F9F4CDB9B}"/>
+                </a:ext>
+              </a:extLst>
+            </p:cNvPr>
+            <p:cNvSpPr/>
+            <p:nvPr/>
+          </p:nvSpPr>
+          <p:spPr>
+            <a:xfrm>
+              <a:off x="1592455" y="1216396"/>
+              <a:ext cx="1065319" cy="559293"/>
+            </a:xfrm>
+            <a:prstGeom prst="roundRect">
+              <a:avLst/>
+            </a:prstGeom>
+            <a:solidFill>
+              <a:srgbClr val="A9D18E"/>
+            </a:solidFill>
+            <a:ln w="28575">
+              <a:solidFill>
+                <a:schemeClr val="accent6">
+                  <a:lumMod val="60000"/>
+                  <a:lumOff val="40000"/>
+                </a:schemeClr>
+              </a:solidFill>
+            </a:ln>
+          </p:spPr>
+          <p:style>
+            <a:lnRef idx="2">
+              <a:schemeClr val="dk1"/>
+            </a:lnRef>
+            <a:fillRef idx="1">
+              <a:schemeClr val="lt1"/>
+            </a:fillRef>
+            <a:effectRef idx="0">
+              <a:schemeClr val="dk1"/>
+            </a:effectRef>
+            <a:fontRef idx="minor">
+              <a:schemeClr val="dk1"/>
+            </a:fontRef>
+          </p:style>
+          <p:txBody>
+            <a:bodyPr rtlCol="0" anchor="ctr"/>
+            <a:lstStyle/>
+            <a:p>
+              <a:pPr algn="ctr"/>
+              <a:r>
+                <a:rPr lang="en-US" altLang="ko-KR" sz="1500" dirty="0">
+                  <a:solidFill>
+                    <a:schemeClr val="bg1"/>
+                  </a:solidFill>
+                </a:rPr>
+                <a:t>App</a:t>
+              </a:r>
+              <a:r>
+                <a:rPr lang="ko-KR" altLang="en-US" sz="1500" dirty="0">
+                  <a:solidFill>
+                    <a:schemeClr val="bg1"/>
+                  </a:solidFill>
+                </a:rPr>
+                <a:t>실행</a:t>
+              </a:r>
+            </a:p>
+          </p:txBody>
+        </p:sp>
+        <p:sp>
+          <p:nvSpPr>
+            <p:cNvPr id="9" name="사각형: 둥근 모서리 8">
+              <a:extLst>
+                <a:ext uri="{FF2B5EF4-FFF2-40B4-BE49-F238E27FC236}">
+                  <a16:creationId xmlns:a16="http://schemas.microsoft.com/office/drawing/2014/main" id="{34B866B7-98AE-4955-AEF3-6EA3C889DC8B}"/>
+                </a:ext>
+              </a:extLst>
+            </p:cNvPr>
+            <p:cNvSpPr/>
+            <p:nvPr/>
+          </p:nvSpPr>
+          <p:spPr>
+            <a:xfrm>
+              <a:off x="5195463" y="1216395"/>
+              <a:ext cx="1065319" cy="559293"/>
+            </a:xfrm>
+            <a:prstGeom prst="roundRect">
+              <a:avLst/>
+            </a:prstGeom>
+            <a:solidFill>
+              <a:srgbClr val="A9D18E"/>
+            </a:solidFill>
+            <a:ln w="28575">
+              <a:solidFill>
+                <a:schemeClr val="accent6">
+                  <a:lumMod val="60000"/>
+                  <a:lumOff val="40000"/>
+                </a:schemeClr>
+              </a:solidFill>
+            </a:ln>
+          </p:spPr>
+          <p:style>
+            <a:lnRef idx="2">
+              <a:schemeClr val="dk1"/>
+            </a:lnRef>
+            <a:fillRef idx="1">
+              <a:schemeClr val="lt1"/>
+            </a:fillRef>
+            <a:effectRef idx="0">
+              <a:schemeClr val="dk1"/>
+            </a:effectRef>
+            <a:fontRef idx="minor">
+              <a:schemeClr val="dk1"/>
+            </a:fontRef>
+          </p:style>
+          <p:txBody>
+            <a:bodyPr rtlCol="0" anchor="ctr"/>
+            <a:lstStyle/>
+            <a:p>
+              <a:pPr algn="ctr"/>
+              <a:r>
+                <a:rPr lang="en-US" altLang="ko-KR" sz="1500" dirty="0">
+                  <a:solidFill>
+                    <a:schemeClr val="bg1"/>
+                  </a:solidFill>
+                </a:rPr>
+                <a:t>Main</a:t>
+              </a:r>
+              <a:endParaRPr lang="ko-KR" altLang="en-US" sz="1500" dirty="0">
+                <a:solidFill>
+                  <a:schemeClr val="bg1"/>
+                </a:solidFill>
+              </a:endParaRPr>
+            </a:p>
+          </p:txBody>
+        </p:sp>
+        <p:sp>
+          <p:nvSpPr>
+            <p:cNvPr id="10" name="사각형: 둥근 모서리 9">
+              <a:extLst>
+                <a:ext uri="{FF2B5EF4-FFF2-40B4-BE49-F238E27FC236}">
+                  <a16:creationId xmlns:a16="http://schemas.microsoft.com/office/drawing/2014/main" id="{1F0CB5CC-8408-4FDA-B91B-ABACF4C00CE7}"/>
+                </a:ext>
+              </a:extLst>
+            </p:cNvPr>
+            <p:cNvSpPr/>
+            <p:nvPr/>
+          </p:nvSpPr>
+          <p:spPr>
+            <a:xfrm>
+              <a:off x="9258840" y="1216395"/>
+              <a:ext cx="1065319" cy="559293"/>
+            </a:xfrm>
+            <a:prstGeom prst="roundRect">
+              <a:avLst/>
+            </a:prstGeom>
+            <a:solidFill>
+              <a:srgbClr val="A9D18E"/>
+            </a:solidFill>
+            <a:ln w="28575">
+              <a:solidFill>
+                <a:schemeClr val="accent6">
+                  <a:lumMod val="60000"/>
+                  <a:lumOff val="40000"/>
+                </a:schemeClr>
+              </a:solidFill>
+            </a:ln>
+          </p:spPr>
+          <p:style>
+            <a:lnRef idx="2">
+              <a:schemeClr val="dk1"/>
+            </a:lnRef>
+            <a:fillRef idx="1">
+              <a:schemeClr val="lt1"/>
+            </a:fillRef>
+            <a:effectRef idx="0">
+              <a:schemeClr val="dk1"/>
+            </a:effectRef>
+            <a:fontRef idx="minor">
+              <a:schemeClr val="dk1"/>
+            </a:fontRef>
+          </p:style>
+          <p:txBody>
+            <a:bodyPr rtlCol="0" anchor="ctr"/>
+            <a:lstStyle/>
+            <a:p>
+              <a:pPr algn="ctr"/>
+              <a:r>
+                <a:rPr lang="ko-KR" altLang="en-US" sz="1500" dirty="0">
+                  <a:solidFill>
+                    <a:schemeClr val="bg1"/>
+                  </a:solidFill>
+                </a:rPr>
+                <a:t>파일관리</a:t>
+              </a:r>
+            </a:p>
+          </p:txBody>
+        </p:sp>
+        <p:sp>
+          <p:nvSpPr>
+            <p:cNvPr id="11" name="사각형: 둥근 모서리 10">
+              <a:extLst>
+                <a:ext uri="{FF2B5EF4-FFF2-40B4-BE49-F238E27FC236}">
+                  <a16:creationId xmlns:a16="http://schemas.microsoft.com/office/drawing/2014/main" id="{621674C8-FA2A-4920-9826-2FF24CD83F1F}"/>
+                </a:ext>
+              </a:extLst>
+            </p:cNvPr>
+            <p:cNvSpPr/>
+            <p:nvPr/>
+          </p:nvSpPr>
+          <p:spPr>
+            <a:xfrm>
+              <a:off x="5195462" y="2340160"/>
+              <a:ext cx="1065319" cy="559293"/>
+            </a:xfrm>
+            <a:prstGeom prst="roundRect">
+              <a:avLst/>
+            </a:prstGeom>
+            <a:ln w="28575">
+              <a:solidFill>
+                <a:schemeClr val="accent6">
+                  <a:lumMod val="60000"/>
+                  <a:lumOff val="40000"/>
+                </a:schemeClr>
+              </a:solidFill>
+            </a:ln>
+          </p:spPr>
+          <p:style>
+            <a:lnRef idx="2">
+              <a:schemeClr val="dk1"/>
+            </a:lnRef>
+            <a:fillRef idx="1">
+              <a:schemeClr val="lt1"/>
+            </a:fillRef>
+            <a:effectRef idx="0">
+              <a:schemeClr val="dk1"/>
+            </a:effectRef>
+            <a:fontRef idx="minor">
+              <a:schemeClr val="dk1"/>
+            </a:fontRef>
+          </p:style>
+          <p:txBody>
+            <a:bodyPr rtlCol="0" anchor="ctr"/>
+            <a:lstStyle/>
+            <a:p>
+              <a:pPr algn="ctr"/>
+              <a:r>
+                <a:rPr lang="ko-KR" altLang="en-US" sz="1400" dirty="0"/>
+                <a:t>현재 </a:t>
+              </a:r>
+              <a:endParaRPr lang="en-US" altLang="ko-KR" sz="1400" dirty="0"/>
+            </a:p>
+            <a:p>
+              <a:pPr algn="ctr"/>
+              <a:r>
+                <a:rPr lang="ko-KR" altLang="en-US" sz="1400" dirty="0"/>
+                <a:t>텍스트</a:t>
+              </a:r>
+            </a:p>
+          </p:txBody>
+        </p:sp>
+        <p:sp>
+          <p:nvSpPr>
+            <p:cNvPr id="12" name="사각형: 둥근 모서리 11">
+              <a:extLst>
+                <a:ext uri="{FF2B5EF4-FFF2-40B4-BE49-F238E27FC236}">
+                  <a16:creationId xmlns:a16="http://schemas.microsoft.com/office/drawing/2014/main" id="{C1D42E85-D3E9-4AE3-B703-44893BA7F91E}"/>
+                </a:ext>
+              </a:extLst>
+            </p:cNvPr>
+            <p:cNvSpPr/>
+            <p:nvPr/>
+          </p:nvSpPr>
+          <p:spPr>
+            <a:xfrm>
+              <a:off x="5195461" y="3229751"/>
+              <a:ext cx="1065319" cy="559293"/>
+            </a:xfrm>
+            <a:prstGeom prst="roundRect">
+              <a:avLst/>
+            </a:prstGeom>
+            <a:ln w="28575">
+              <a:solidFill>
+                <a:schemeClr val="accent6">
+                  <a:lumMod val="60000"/>
+                  <a:lumOff val="40000"/>
+                </a:schemeClr>
+              </a:solidFill>
+            </a:ln>
+          </p:spPr>
+          <p:style>
+            <a:lnRef idx="2">
+              <a:schemeClr val="dk1"/>
+            </a:lnRef>
+            <a:fillRef idx="1">
+              <a:schemeClr val="lt1"/>
+            </a:fillRef>
+            <a:effectRef idx="0">
+              <a:schemeClr val="dk1"/>
+            </a:effectRef>
+            <a:fontRef idx="minor">
+              <a:schemeClr val="dk1"/>
+            </a:fontRef>
+          </p:style>
+          <p:txBody>
+            <a:bodyPr rtlCol="0" anchor="ctr"/>
+            <a:lstStyle/>
+            <a:p>
+              <a:pPr algn="ctr"/>
+              <a:r>
+                <a:rPr lang="ko-KR" altLang="en-US" sz="1400" dirty="0"/>
+                <a:t>녹음 시작</a:t>
+              </a:r>
+            </a:p>
+          </p:txBody>
+        </p:sp>
+        <p:sp>
+          <p:nvSpPr>
+            <p:cNvPr id="13" name="사각형: 둥근 모서리 12">
+              <a:extLst>
+                <a:ext uri="{FF2B5EF4-FFF2-40B4-BE49-F238E27FC236}">
+                  <a16:creationId xmlns:a16="http://schemas.microsoft.com/office/drawing/2014/main" id="{A754AA36-FE50-4851-8F72-9DD2220AC62D}"/>
+                </a:ext>
+              </a:extLst>
+            </p:cNvPr>
+            <p:cNvSpPr/>
+            <p:nvPr/>
+          </p:nvSpPr>
+          <p:spPr>
+            <a:xfrm>
+              <a:off x="5195461" y="4124521"/>
+              <a:ext cx="1065319" cy="559293"/>
+            </a:xfrm>
+            <a:prstGeom prst="roundRect">
+              <a:avLst/>
+            </a:prstGeom>
+            <a:ln w="28575">
+              <a:solidFill>
+                <a:schemeClr val="accent6">
+                  <a:lumMod val="60000"/>
+                  <a:lumOff val="40000"/>
+                </a:schemeClr>
+              </a:solidFill>
+            </a:ln>
+          </p:spPr>
+          <p:style>
+            <a:lnRef idx="2">
+              <a:schemeClr val="dk1"/>
+            </a:lnRef>
+            <a:fillRef idx="1">
+              <a:schemeClr val="lt1"/>
+            </a:fillRef>
+            <a:effectRef idx="0">
+              <a:schemeClr val="dk1"/>
+            </a:effectRef>
+            <a:fontRef idx="minor">
+              <a:schemeClr val="dk1"/>
+            </a:fontRef>
+          </p:style>
+          <p:txBody>
+            <a:bodyPr rtlCol="0" anchor="ctr"/>
+            <a:lstStyle/>
+            <a:p>
+              <a:pPr algn="ctr"/>
+              <a:r>
+                <a:rPr lang="ko-KR" altLang="en-US" sz="1400" dirty="0"/>
+                <a:t>녹음 종료</a:t>
+              </a:r>
+            </a:p>
+          </p:txBody>
+        </p:sp>
+        <p:sp>
+          <p:nvSpPr>
+            <p:cNvPr id="23" name="TextBox 22">
+              <a:extLst>
+                <a:ext uri="{FF2B5EF4-FFF2-40B4-BE49-F238E27FC236}">
+                  <a16:creationId xmlns:a16="http://schemas.microsoft.com/office/drawing/2014/main" id="{5BFBF287-BEEE-4B56-AC70-88B284A38615}"/>
+                </a:ext>
+              </a:extLst>
+            </p:cNvPr>
+            <p:cNvSpPr txBox="1"/>
+            <p:nvPr/>
+          </p:nvSpPr>
+          <p:spPr>
+            <a:xfrm>
+              <a:off x="6317707" y="2306117"/>
+              <a:ext cx="1265848" cy="276999"/>
+            </a:xfrm>
+            <a:prstGeom prst="rect">
+              <a:avLst/>
+            </a:prstGeom>
+            <a:noFill/>
+          </p:spPr>
+          <p:txBody>
+            <a:bodyPr wrap="square" rtlCol="0">
+              <a:spAutoFit/>
+            </a:bodyPr>
+            <a:lstStyle/>
+            <a:p>
+              <a:r>
+                <a:rPr lang="ko-KR" altLang="en-US" sz="1200" dirty="0"/>
+                <a:t>텍스트 생성</a:t>
+              </a:r>
+            </a:p>
+          </p:txBody>
+        </p:sp>
+        <p:cxnSp>
+          <p:nvCxnSpPr>
+            <p:cNvPr id="28" name="연결선: 꺾임 27">
+              <a:extLst>
+                <a:ext uri="{FF2B5EF4-FFF2-40B4-BE49-F238E27FC236}">
+                  <a16:creationId xmlns:a16="http://schemas.microsoft.com/office/drawing/2014/main" id="{4926DB29-3581-4F22-BC9F-7919B323157F}"/>
+                </a:ext>
+              </a:extLst>
+            </p:cNvPr>
+            <p:cNvCxnSpPr>
+              <a:cxnSpLocks/>
+              <a:stCxn id="12" idx="3"/>
+              <a:endCxn id="11" idx="3"/>
+            </p:cNvCxnSpPr>
+            <p:nvPr/>
+          </p:nvCxnSpPr>
+          <p:spPr>
+            <a:xfrm flipV="1">
+              <a:off x="6260780" y="2619807"/>
+              <a:ext cx="1" cy="889591"/>
+            </a:xfrm>
+            <a:prstGeom prst="bentConnector3">
+              <a:avLst>
+                <a:gd name="adj1" fmla="val 22860100000"/>
+              </a:avLst>
+            </a:prstGeom>
+            <a:ln w="22225">
+              <a:solidFill>
+                <a:srgbClr val="A9D18E"/>
+              </a:solidFill>
+              <a:tailEnd type="triangle"/>
+            </a:ln>
+          </p:spPr>
+          <p:style>
+            <a:lnRef idx="1">
+              <a:schemeClr val="accent1"/>
+            </a:lnRef>
+            <a:fillRef idx="0">
+              <a:schemeClr val="accent1"/>
+            </a:fillRef>
+            <a:effectRef idx="0">
+              <a:schemeClr val="accent1"/>
+            </a:effectRef>
+            <a:fontRef idx="minor">
+              <a:schemeClr val="tx1"/>
+            </a:fontRef>
+          </p:style>
+        </p:cxnSp>
+        <p:cxnSp>
+          <p:nvCxnSpPr>
+            <p:cNvPr id="31" name="연결선: 꺾임 30">
+              <a:extLst>
+                <a:ext uri="{FF2B5EF4-FFF2-40B4-BE49-F238E27FC236}">
+                  <a16:creationId xmlns:a16="http://schemas.microsoft.com/office/drawing/2014/main" id="{0627E646-EFE7-46FE-968C-32CD76BDF771}"/>
+                </a:ext>
+              </a:extLst>
+            </p:cNvPr>
+            <p:cNvCxnSpPr>
+              <a:cxnSpLocks/>
+              <a:stCxn id="13" idx="3"/>
+              <a:endCxn id="57" idx="1"/>
+            </p:cNvCxnSpPr>
+            <p:nvPr/>
+          </p:nvCxnSpPr>
+          <p:spPr>
+            <a:xfrm flipV="1">
+              <a:off x="6260780" y="4113473"/>
+              <a:ext cx="689851" cy="290695"/>
+            </a:xfrm>
+            <a:prstGeom prst="bentConnector3">
+              <a:avLst>
+                <a:gd name="adj1" fmla="val 50000"/>
+              </a:avLst>
+            </a:prstGeom>
+            <a:ln w="22225">
+              <a:solidFill>
+                <a:srgbClr val="A9D18E"/>
+              </a:solidFill>
+              <a:tailEnd type="triangle"/>
+            </a:ln>
+          </p:spPr>
+          <p:style>
+            <a:lnRef idx="1">
+              <a:schemeClr val="accent1"/>
+            </a:lnRef>
+            <a:fillRef idx="0">
+              <a:schemeClr val="accent1"/>
+            </a:fillRef>
+            <a:effectRef idx="0">
+              <a:schemeClr val="accent1"/>
+            </a:effectRef>
+            <a:fontRef idx="minor">
+              <a:schemeClr val="tx1"/>
+            </a:fontRef>
+          </p:style>
+        </p:cxnSp>
+        <p:cxnSp>
+          <p:nvCxnSpPr>
+            <p:cNvPr id="41" name="직선 연결선 40">
+              <a:extLst>
+                <a:ext uri="{FF2B5EF4-FFF2-40B4-BE49-F238E27FC236}">
+                  <a16:creationId xmlns:a16="http://schemas.microsoft.com/office/drawing/2014/main" id="{90950D53-D757-4363-8B54-3DB0AA262FFD}"/>
+                </a:ext>
+              </a:extLst>
+            </p:cNvPr>
+            <p:cNvCxnSpPr>
+              <a:cxnSpLocks/>
+              <a:stCxn id="9" idx="2"/>
+              <a:endCxn id="11" idx="0"/>
+            </p:cNvCxnSpPr>
+            <p:nvPr/>
+          </p:nvCxnSpPr>
+          <p:spPr>
+            <a:xfrm flipH="1">
+              <a:off x="5728122" y="1775688"/>
+              <a:ext cx="1" cy="564472"/>
+            </a:xfrm>
+            <a:prstGeom prst="line">
+              <a:avLst/>
+            </a:prstGeom>
+            <a:ln w="25400">
+              <a:solidFill>
+                <a:srgbClr val="A9D18E">
+                  <a:alpha val="99000"/>
+                </a:srgbClr>
+              </a:solidFill>
+            </a:ln>
+          </p:spPr>
+          <p:style>
+            <a:lnRef idx="1">
+              <a:schemeClr val="accent1"/>
+            </a:lnRef>
+            <a:fillRef idx="0">
+              <a:schemeClr val="accent1"/>
+            </a:fillRef>
+            <a:effectRef idx="0">
+              <a:schemeClr val="accent1"/>
+            </a:effectRef>
+            <a:fontRef idx="minor">
+              <a:schemeClr val="tx1"/>
+            </a:fontRef>
+          </p:style>
+        </p:cxnSp>
+        <p:sp>
+          <p:nvSpPr>
+            <p:cNvPr id="44" name="사각형: 둥근 모서리 43">
+              <a:extLst>
+                <a:ext uri="{FF2B5EF4-FFF2-40B4-BE49-F238E27FC236}">
+                  <a16:creationId xmlns:a16="http://schemas.microsoft.com/office/drawing/2014/main" id="{E07FA82A-8EE2-4BA8-B00C-C002498AB616}"/>
+                </a:ext>
+              </a:extLst>
+            </p:cNvPr>
+            <p:cNvSpPr/>
+            <p:nvPr/>
+          </p:nvSpPr>
+          <p:spPr>
+            <a:xfrm>
+              <a:off x="9258839" y="2340160"/>
+              <a:ext cx="1065319" cy="559293"/>
+            </a:xfrm>
+            <a:prstGeom prst="roundRect">
+              <a:avLst/>
+            </a:prstGeom>
+            <a:ln w="28575">
+              <a:solidFill>
+                <a:schemeClr val="accent6">
+                  <a:lumMod val="60000"/>
+                  <a:lumOff val="40000"/>
+                </a:schemeClr>
+              </a:solidFill>
+            </a:ln>
+          </p:spPr>
+          <p:style>
+            <a:lnRef idx="2">
+              <a:schemeClr val="dk1"/>
+            </a:lnRef>
+            <a:fillRef idx="1">
+              <a:schemeClr val="lt1"/>
+            </a:fillRef>
+            <a:effectRef idx="0">
+              <a:schemeClr val="dk1"/>
+            </a:effectRef>
+            <a:fontRef idx="minor">
+              <a:schemeClr val="dk1"/>
+            </a:fontRef>
+          </p:style>
+          <p:txBody>
+            <a:bodyPr rtlCol="0" anchor="ctr"/>
+            <a:lstStyle/>
+            <a:p>
+              <a:pPr algn="ctr"/>
+              <a:r>
+                <a:rPr lang="ko-KR" altLang="en-US" sz="1400" dirty="0"/>
+                <a:t>파일 목록</a:t>
+              </a:r>
+            </a:p>
+          </p:txBody>
+        </p:sp>
+        <p:sp>
+          <p:nvSpPr>
+            <p:cNvPr id="57" name="사각형: 둥근 모서리 56">
+              <a:extLst>
+                <a:ext uri="{FF2B5EF4-FFF2-40B4-BE49-F238E27FC236}">
+                  <a16:creationId xmlns:a16="http://schemas.microsoft.com/office/drawing/2014/main" id="{DD90CC3D-11F1-426D-AB6B-2BD3C89C1964}"/>
+                </a:ext>
+              </a:extLst>
+            </p:cNvPr>
+            <p:cNvSpPr/>
+            <p:nvPr/>
+          </p:nvSpPr>
+          <p:spPr>
+            <a:xfrm>
+              <a:off x="6950631" y="3833826"/>
+              <a:ext cx="1065319" cy="559293"/>
+            </a:xfrm>
+            <a:prstGeom prst="roundRect">
+              <a:avLst/>
+            </a:prstGeom>
+            <a:ln w="28575">
+              <a:solidFill>
+                <a:schemeClr val="accent6">
+                  <a:lumMod val="60000"/>
+                  <a:lumOff val="40000"/>
+                </a:schemeClr>
+              </a:solidFill>
+            </a:ln>
+          </p:spPr>
+          <p:style>
+            <a:lnRef idx="2">
+              <a:schemeClr val="dk1"/>
+            </a:lnRef>
+            <a:fillRef idx="1">
+              <a:schemeClr val="lt1"/>
+            </a:fillRef>
+            <a:effectRef idx="0">
+              <a:schemeClr val="dk1"/>
+            </a:effectRef>
+            <a:fontRef idx="minor">
+              <a:schemeClr val="dk1"/>
+            </a:fontRef>
+          </p:style>
+          <p:txBody>
+            <a:bodyPr rtlCol="0" anchor="ctr"/>
+            <a:lstStyle/>
+            <a:p>
+              <a:pPr algn="ctr"/>
+              <a:r>
+                <a:rPr lang="ko-KR" altLang="en-US" sz="1400"/>
+                <a:t>파일 저장</a:t>
+              </a:r>
+              <a:endParaRPr lang="ko-KR" altLang="en-US" sz="1400" dirty="0"/>
+            </a:p>
+          </p:txBody>
+        </p:sp>
+        <p:cxnSp>
+          <p:nvCxnSpPr>
+            <p:cNvPr id="58" name="직선 연결선 57">
+              <a:extLst>
+                <a:ext uri="{FF2B5EF4-FFF2-40B4-BE49-F238E27FC236}">
+                  <a16:creationId xmlns:a16="http://schemas.microsoft.com/office/drawing/2014/main" id="{90D52DC5-8B51-4077-B557-829AEC4966E3}"/>
+                </a:ext>
+              </a:extLst>
+            </p:cNvPr>
+            <p:cNvCxnSpPr>
+              <a:cxnSpLocks/>
+              <a:stCxn id="11" idx="2"/>
+              <a:endCxn id="12" idx="0"/>
+            </p:cNvCxnSpPr>
+            <p:nvPr/>
+          </p:nvCxnSpPr>
+          <p:spPr>
+            <a:xfrm flipH="1">
+              <a:off x="5728121" y="2899453"/>
+              <a:ext cx="1" cy="330298"/>
+            </a:xfrm>
+            <a:prstGeom prst="line">
+              <a:avLst/>
+            </a:prstGeom>
+            <a:ln w="25400">
+              <a:solidFill>
+                <a:srgbClr val="A9D18E">
+                  <a:alpha val="99000"/>
+                </a:srgbClr>
+              </a:solidFill>
+            </a:ln>
+          </p:spPr>
+          <p:style>
+            <a:lnRef idx="1">
+              <a:schemeClr val="accent1"/>
+            </a:lnRef>
+            <a:fillRef idx="0">
+              <a:schemeClr val="accent1"/>
+            </a:fillRef>
+            <a:effectRef idx="0">
+              <a:schemeClr val="accent1"/>
+            </a:effectRef>
+            <a:fontRef idx="minor">
+              <a:schemeClr val="tx1"/>
+            </a:fontRef>
+          </p:style>
+        </p:cxnSp>
+        <p:cxnSp>
+          <p:nvCxnSpPr>
+            <p:cNvPr id="61" name="직선 연결선 60">
+              <a:extLst>
+                <a:ext uri="{FF2B5EF4-FFF2-40B4-BE49-F238E27FC236}">
+                  <a16:creationId xmlns:a16="http://schemas.microsoft.com/office/drawing/2014/main" id="{CB85AAE1-1F2D-49BF-B8E2-42D661BD2D38}"/>
+                </a:ext>
+              </a:extLst>
+            </p:cNvPr>
+            <p:cNvCxnSpPr>
+              <a:cxnSpLocks/>
+              <a:stCxn id="12" idx="2"/>
+              <a:endCxn id="13" idx="0"/>
+            </p:cNvCxnSpPr>
+            <p:nvPr/>
+          </p:nvCxnSpPr>
+          <p:spPr>
+            <a:xfrm>
+              <a:off x="5728121" y="3789044"/>
+              <a:ext cx="0" cy="335477"/>
+            </a:xfrm>
+            <a:prstGeom prst="line">
+              <a:avLst/>
+            </a:prstGeom>
+            <a:ln w="25400">
+              <a:solidFill>
+                <a:srgbClr val="A9D18E">
+                  <a:alpha val="99000"/>
+                </a:srgbClr>
+              </a:solidFill>
+            </a:ln>
+          </p:spPr>
+          <p:style>
+            <a:lnRef idx="1">
+              <a:schemeClr val="accent1"/>
+            </a:lnRef>
+            <a:fillRef idx="0">
+              <a:schemeClr val="accent1"/>
+            </a:fillRef>
+            <a:effectRef idx="0">
+              <a:schemeClr val="accent1"/>
+            </a:effectRef>
+            <a:fontRef idx="minor">
+              <a:schemeClr val="tx1"/>
+            </a:fontRef>
+          </p:style>
+        </p:cxnSp>
+        <p:cxnSp>
+          <p:nvCxnSpPr>
+            <p:cNvPr id="69" name="연결선: 꺾임 68">
+              <a:extLst>
+                <a:ext uri="{FF2B5EF4-FFF2-40B4-BE49-F238E27FC236}">
+                  <a16:creationId xmlns:a16="http://schemas.microsoft.com/office/drawing/2014/main" id="{0FC79AAF-2830-4DAC-8B44-13607EB374CE}"/>
+                </a:ext>
+              </a:extLst>
+            </p:cNvPr>
+            <p:cNvCxnSpPr>
+              <a:cxnSpLocks/>
+              <a:stCxn id="57" idx="3"/>
+              <a:endCxn id="44" idx="1"/>
+            </p:cNvCxnSpPr>
+            <p:nvPr/>
+          </p:nvCxnSpPr>
+          <p:spPr>
+            <a:xfrm flipV="1">
+              <a:off x="8015950" y="2619807"/>
+              <a:ext cx="1242889" cy="1493666"/>
+            </a:xfrm>
+            <a:prstGeom prst="bentConnector3">
+              <a:avLst>
+                <a:gd name="adj1" fmla="val 50000"/>
+              </a:avLst>
+            </a:prstGeom>
+            <a:ln w="22225">
+              <a:solidFill>
+                <a:srgbClr val="A9D18E"/>
+              </a:solidFill>
+              <a:tailEnd type="triangle"/>
+            </a:ln>
+          </p:spPr>
+          <p:style>
+            <a:lnRef idx="1">
+              <a:schemeClr val="accent1"/>
+            </a:lnRef>
+            <a:fillRef idx="0">
+              <a:schemeClr val="accent1"/>
+            </a:fillRef>
+            <a:effectRef idx="0">
+              <a:schemeClr val="accent1"/>
+            </a:effectRef>
+            <a:fontRef idx="minor">
+              <a:schemeClr val="tx1"/>
+            </a:fontRef>
+          </p:style>
+        </p:cxnSp>
+        <p:cxnSp>
+          <p:nvCxnSpPr>
+            <p:cNvPr id="73" name="직선 연결선 72">
+              <a:extLst>
+                <a:ext uri="{FF2B5EF4-FFF2-40B4-BE49-F238E27FC236}">
+                  <a16:creationId xmlns:a16="http://schemas.microsoft.com/office/drawing/2014/main" id="{E5B0C906-B26A-49BB-A176-A6A8E2ABB999}"/>
+                </a:ext>
+              </a:extLst>
+            </p:cNvPr>
+            <p:cNvCxnSpPr>
+              <a:cxnSpLocks/>
+              <a:stCxn id="10" idx="2"/>
+              <a:endCxn id="44" idx="0"/>
+            </p:cNvCxnSpPr>
+            <p:nvPr/>
+          </p:nvCxnSpPr>
+          <p:spPr>
+            <a:xfrm flipH="1">
+              <a:off x="9791499" y="1775688"/>
+              <a:ext cx="1" cy="564472"/>
+            </a:xfrm>
+            <a:prstGeom prst="line">
+              <a:avLst/>
+            </a:prstGeom>
+            <a:ln w="25400">
+              <a:solidFill>
+                <a:srgbClr val="A9D18E">
+                  <a:alpha val="99000"/>
+                </a:srgbClr>
+              </a:solidFill>
+            </a:ln>
+          </p:spPr>
+          <p:style>
+            <a:lnRef idx="1">
+              <a:schemeClr val="accent1"/>
+            </a:lnRef>
+            <a:fillRef idx="0">
+              <a:schemeClr val="accent1"/>
+            </a:fillRef>
+            <a:effectRef idx="0">
+              <a:schemeClr val="accent1"/>
+            </a:effectRef>
+            <a:fontRef idx="minor">
+              <a:schemeClr val="tx1"/>
+            </a:fontRef>
+          </p:style>
+        </p:cxnSp>
+        <p:sp>
+          <p:nvSpPr>
+            <p:cNvPr id="76" name="사각형: 둥근 모서리 75">
+              <a:extLst>
+                <a:ext uri="{FF2B5EF4-FFF2-40B4-BE49-F238E27FC236}">
+                  <a16:creationId xmlns:a16="http://schemas.microsoft.com/office/drawing/2014/main" id="{AE1A383E-1B83-4B9D-B224-170C41ECDA70}"/>
+                </a:ext>
+              </a:extLst>
+            </p:cNvPr>
+            <p:cNvSpPr/>
+            <p:nvPr/>
+          </p:nvSpPr>
+          <p:spPr>
+            <a:xfrm>
+              <a:off x="9258839" y="3225240"/>
+              <a:ext cx="1065319" cy="559293"/>
+            </a:xfrm>
+            <a:prstGeom prst="roundRect">
+              <a:avLst/>
+            </a:prstGeom>
+            <a:ln w="28575">
+              <a:solidFill>
+                <a:schemeClr val="accent6">
+                  <a:lumMod val="60000"/>
+                  <a:lumOff val="40000"/>
+                </a:schemeClr>
+              </a:solidFill>
+            </a:ln>
+          </p:spPr>
+          <p:style>
+            <a:lnRef idx="2">
+              <a:schemeClr val="dk1"/>
+            </a:lnRef>
+            <a:fillRef idx="1">
+              <a:schemeClr val="lt1"/>
+            </a:fillRef>
+            <a:effectRef idx="0">
+              <a:schemeClr val="dk1"/>
+            </a:effectRef>
+            <a:fontRef idx="minor">
+              <a:schemeClr val="dk1"/>
+            </a:fontRef>
+          </p:style>
+          <p:txBody>
+            <a:bodyPr rtlCol="0" anchor="ctr"/>
+            <a:lstStyle/>
+            <a:p>
+              <a:pPr algn="ctr"/>
+              <a:r>
+                <a:rPr lang="ko-KR" altLang="en-US" sz="1400" dirty="0"/>
+                <a:t>파일 수정</a:t>
+              </a:r>
+            </a:p>
+          </p:txBody>
+        </p:sp>
+        <p:sp>
+          <p:nvSpPr>
+            <p:cNvPr id="77" name="사각형: 둥근 모서리 76">
+              <a:extLst>
+                <a:ext uri="{FF2B5EF4-FFF2-40B4-BE49-F238E27FC236}">
+                  <a16:creationId xmlns:a16="http://schemas.microsoft.com/office/drawing/2014/main" id="{DBB29CDB-3720-4580-A531-04D7B61998D1}"/>
+                </a:ext>
+              </a:extLst>
+            </p:cNvPr>
+            <p:cNvSpPr/>
+            <p:nvPr/>
+          </p:nvSpPr>
+          <p:spPr>
+            <a:xfrm>
+              <a:off x="9258839" y="4124521"/>
+              <a:ext cx="1065319" cy="559293"/>
+            </a:xfrm>
+            <a:prstGeom prst="roundRect">
+              <a:avLst/>
+            </a:prstGeom>
+            <a:ln w="28575">
+              <a:solidFill>
+                <a:schemeClr val="accent6">
+                  <a:lumMod val="60000"/>
+                  <a:lumOff val="40000"/>
+                </a:schemeClr>
+              </a:solidFill>
+            </a:ln>
+          </p:spPr>
+          <p:style>
+            <a:lnRef idx="2">
+              <a:schemeClr val="dk1"/>
+            </a:lnRef>
+            <a:fillRef idx="1">
+              <a:schemeClr val="lt1"/>
+            </a:fillRef>
+            <a:effectRef idx="0">
+              <a:schemeClr val="dk1"/>
+            </a:effectRef>
+            <a:fontRef idx="minor">
+              <a:schemeClr val="dk1"/>
+            </a:fontRef>
+          </p:style>
+          <p:txBody>
+            <a:bodyPr rtlCol="0" anchor="ctr"/>
+            <a:lstStyle/>
+            <a:p>
+              <a:pPr algn="ctr"/>
+              <a:r>
+                <a:rPr lang="ko-KR" altLang="en-US" sz="1400" dirty="0"/>
+                <a:t>파일 목록</a:t>
+              </a:r>
+            </a:p>
+          </p:txBody>
+        </p:sp>
+        <p:cxnSp>
+          <p:nvCxnSpPr>
+            <p:cNvPr id="78" name="직선 연결선 77">
+              <a:extLst>
+                <a:ext uri="{FF2B5EF4-FFF2-40B4-BE49-F238E27FC236}">
+                  <a16:creationId xmlns:a16="http://schemas.microsoft.com/office/drawing/2014/main" id="{D3C047A1-B3A6-47B3-86F0-5E653EC6F6AD}"/>
+                </a:ext>
+              </a:extLst>
+            </p:cNvPr>
+            <p:cNvCxnSpPr>
+              <a:cxnSpLocks/>
+              <a:stCxn id="44" idx="2"/>
+              <a:endCxn id="76" idx="0"/>
+            </p:cNvCxnSpPr>
+            <p:nvPr/>
+          </p:nvCxnSpPr>
+          <p:spPr>
+            <a:xfrm>
+              <a:off x="9791499" y="2899453"/>
+              <a:ext cx="0" cy="325787"/>
+            </a:xfrm>
+            <a:prstGeom prst="line">
+              <a:avLst/>
+            </a:prstGeom>
+            <a:ln w="25400">
+              <a:solidFill>
+                <a:srgbClr val="A9D18E">
+                  <a:alpha val="99000"/>
+                </a:srgbClr>
+              </a:solidFill>
+            </a:ln>
+          </p:spPr>
+          <p:style>
+            <a:lnRef idx="1">
+              <a:schemeClr val="accent1"/>
+            </a:lnRef>
+            <a:fillRef idx="0">
+              <a:schemeClr val="accent1"/>
+            </a:fillRef>
+            <a:effectRef idx="0">
+              <a:schemeClr val="accent1"/>
+            </a:effectRef>
+            <a:fontRef idx="minor">
+              <a:schemeClr val="tx1"/>
+            </a:fontRef>
+          </p:style>
+        </p:cxnSp>
+        <p:cxnSp>
+          <p:nvCxnSpPr>
+            <p:cNvPr id="81" name="직선 연결선 80">
+              <a:extLst>
+                <a:ext uri="{FF2B5EF4-FFF2-40B4-BE49-F238E27FC236}">
+                  <a16:creationId xmlns:a16="http://schemas.microsoft.com/office/drawing/2014/main" id="{EFCFC585-CEA3-4AF8-9C05-AFDB3CF8E2C1}"/>
+                </a:ext>
+              </a:extLst>
+            </p:cNvPr>
+            <p:cNvCxnSpPr>
+              <a:cxnSpLocks/>
+              <a:stCxn id="77" idx="0"/>
+              <a:endCxn id="76" idx="2"/>
+            </p:cNvCxnSpPr>
+            <p:nvPr/>
+          </p:nvCxnSpPr>
+          <p:spPr>
+            <a:xfrm flipV="1">
+              <a:off x="9791499" y="3784533"/>
+              <a:ext cx="0" cy="339988"/>
+            </a:xfrm>
+            <a:prstGeom prst="line">
+              <a:avLst/>
+            </a:prstGeom>
+            <a:ln w="25400">
+              <a:solidFill>
+                <a:srgbClr val="A9D18E">
+                  <a:alpha val="99000"/>
+                </a:srgbClr>
+              </a:solidFill>
+            </a:ln>
+          </p:spPr>
+          <p:style>
+            <a:lnRef idx="1">
+              <a:schemeClr val="accent1"/>
+            </a:lnRef>
+            <a:fillRef idx="0">
+              <a:schemeClr val="accent1"/>
+            </a:fillRef>
+            <a:effectRef idx="0">
+              <a:schemeClr val="accent1"/>
+            </a:effectRef>
+            <a:fontRef idx="minor">
+              <a:schemeClr val="tx1"/>
+            </a:fontRef>
+          </p:style>
+        </p:cxnSp>
+        <p:cxnSp>
+          <p:nvCxnSpPr>
+            <p:cNvPr id="84" name="연결선: 꺾임 83">
+              <a:extLst>
+                <a:ext uri="{FF2B5EF4-FFF2-40B4-BE49-F238E27FC236}">
+                  <a16:creationId xmlns:a16="http://schemas.microsoft.com/office/drawing/2014/main" id="{E1957F4B-851F-477B-A84D-22CEF18F7F65}"/>
+                </a:ext>
+              </a:extLst>
+            </p:cNvPr>
+            <p:cNvCxnSpPr>
+              <a:cxnSpLocks/>
+              <a:endCxn id="57" idx="0"/>
+            </p:cNvCxnSpPr>
+            <p:nvPr/>
+          </p:nvCxnSpPr>
+          <p:spPr>
+            <a:xfrm>
+              <a:off x="6260780" y="2799233"/>
+              <a:ext cx="1222511" cy="1034593"/>
+            </a:xfrm>
+            <a:prstGeom prst="bentConnector2">
+              <a:avLst/>
+            </a:prstGeom>
+            <a:ln w="22225">
+              <a:solidFill>
+                <a:srgbClr val="A9D18E"/>
+              </a:solidFill>
+              <a:tailEnd type="triangle"/>
+            </a:ln>
+          </p:spPr>
+          <p:style>
+            <a:lnRef idx="1">
+              <a:schemeClr val="accent1"/>
+            </a:lnRef>
+            <a:fillRef idx="0">
+              <a:schemeClr val="accent1"/>
+            </a:fillRef>
+            <a:effectRef idx="0">
+              <a:schemeClr val="accent1"/>
+            </a:effectRef>
+            <a:fontRef idx="minor">
+              <a:schemeClr val="tx1"/>
+            </a:fontRef>
+          </p:style>
+        </p:cxnSp>
+        <p:sp>
+          <p:nvSpPr>
+            <p:cNvPr id="88" name="사각형: 둥근 모서리 87">
+              <a:extLst>
+                <a:ext uri="{FF2B5EF4-FFF2-40B4-BE49-F238E27FC236}">
+                  <a16:creationId xmlns:a16="http://schemas.microsoft.com/office/drawing/2014/main" id="{4F729779-2B20-4D13-AA81-B76AD5880837}"/>
+                </a:ext>
+              </a:extLst>
+            </p:cNvPr>
+            <p:cNvSpPr/>
+            <p:nvPr/>
+          </p:nvSpPr>
+          <p:spPr>
+            <a:xfrm>
+              <a:off x="5195460" y="5009753"/>
+              <a:ext cx="1065319" cy="559293"/>
+            </a:xfrm>
+            <a:prstGeom prst="roundRect">
+              <a:avLst/>
+            </a:prstGeom>
+            <a:ln w="28575">
+              <a:solidFill>
+                <a:schemeClr val="accent6">
+                  <a:lumMod val="60000"/>
+                  <a:lumOff val="40000"/>
+                </a:schemeClr>
+              </a:solidFill>
+            </a:ln>
+          </p:spPr>
+          <p:style>
+            <a:lnRef idx="2">
+              <a:schemeClr val="dk1"/>
+            </a:lnRef>
+            <a:fillRef idx="1">
+              <a:schemeClr val="lt1"/>
+            </a:fillRef>
+            <a:effectRef idx="0">
+              <a:schemeClr val="dk1"/>
+            </a:effectRef>
+            <a:fontRef idx="minor">
+              <a:schemeClr val="dk1"/>
+            </a:fontRef>
+          </p:style>
+          <p:txBody>
+            <a:bodyPr rtlCol="0" anchor="ctr"/>
+            <a:lstStyle/>
+            <a:p>
+              <a:pPr algn="ctr"/>
+              <a:r>
+                <a:rPr lang="ko-KR" altLang="en-US" sz="1400" dirty="0"/>
+                <a:t>키워드</a:t>
+              </a:r>
+              <a:endParaRPr lang="en-US" altLang="ko-KR" sz="1400" dirty="0"/>
+            </a:p>
+            <a:p>
+              <a:pPr algn="ctr"/>
+              <a:r>
+                <a:rPr lang="ko-KR" altLang="en-US" sz="1400" dirty="0"/>
+                <a:t>강조</a:t>
+              </a:r>
+              <a:endParaRPr lang="en-US" altLang="ko-KR" sz="1400" dirty="0"/>
+            </a:p>
+          </p:txBody>
+        </p:sp>
+        <p:cxnSp>
+          <p:nvCxnSpPr>
+            <p:cNvPr id="89" name="직선 연결선 88">
+              <a:extLst>
+                <a:ext uri="{FF2B5EF4-FFF2-40B4-BE49-F238E27FC236}">
+                  <a16:creationId xmlns:a16="http://schemas.microsoft.com/office/drawing/2014/main" id="{FC12264A-A6C4-4DEF-8CCC-751D7E3ED425}"/>
+                </a:ext>
+              </a:extLst>
+            </p:cNvPr>
+            <p:cNvCxnSpPr>
+              <a:cxnSpLocks/>
+              <a:stCxn id="13" idx="2"/>
+              <a:endCxn id="88" idx="0"/>
+            </p:cNvCxnSpPr>
+            <p:nvPr/>
+          </p:nvCxnSpPr>
+          <p:spPr>
+            <a:xfrm flipH="1">
+              <a:off x="5728120" y="4683814"/>
+              <a:ext cx="1" cy="325939"/>
+            </a:xfrm>
+            <a:prstGeom prst="line">
+              <a:avLst/>
+            </a:prstGeom>
+            <a:ln w="25400">
+              <a:solidFill>
+                <a:srgbClr val="A9D18E">
+                  <a:alpha val="99000"/>
+                </a:srgbClr>
+              </a:solidFill>
+            </a:ln>
+          </p:spPr>
+          <p:style>
+            <a:lnRef idx="1">
+              <a:schemeClr val="accent1"/>
+            </a:lnRef>
+            <a:fillRef idx="0">
+              <a:schemeClr val="accent1"/>
+            </a:fillRef>
+            <a:effectRef idx="0">
+              <a:schemeClr val="accent1"/>
+            </a:effectRef>
+            <a:fontRef idx="minor">
+              <a:schemeClr val="tx1"/>
+            </a:fontRef>
+          </p:style>
+        </p:cxnSp>
+        <p:cxnSp>
+          <p:nvCxnSpPr>
+            <p:cNvPr id="92" name="연결선: 꺾임 91">
+              <a:extLst>
+                <a:ext uri="{FF2B5EF4-FFF2-40B4-BE49-F238E27FC236}">
+                  <a16:creationId xmlns:a16="http://schemas.microsoft.com/office/drawing/2014/main" id="{319B1DF2-4C89-4329-AF0B-34EE38304FC1}"/>
+                </a:ext>
+              </a:extLst>
+            </p:cNvPr>
+            <p:cNvCxnSpPr>
+              <a:cxnSpLocks/>
+              <a:stCxn id="88" idx="3"/>
+              <a:endCxn id="57" idx="2"/>
+            </p:cNvCxnSpPr>
+            <p:nvPr/>
+          </p:nvCxnSpPr>
+          <p:spPr>
+            <a:xfrm flipV="1">
+              <a:off x="6260779" y="4393119"/>
+              <a:ext cx="1222512" cy="896281"/>
+            </a:xfrm>
+            <a:prstGeom prst="bentConnector2">
+              <a:avLst/>
+            </a:prstGeom>
+            <a:ln w="22225">
+              <a:solidFill>
+                <a:srgbClr val="A9D18E"/>
+              </a:solidFill>
+              <a:tailEnd type="triangle"/>
+            </a:ln>
+          </p:spPr>
+          <p:style>
+            <a:lnRef idx="1">
+              <a:schemeClr val="accent1"/>
+            </a:lnRef>
+            <a:fillRef idx="0">
+              <a:schemeClr val="accent1"/>
+            </a:fillRef>
+            <a:effectRef idx="0">
+              <a:schemeClr val="accent1"/>
+            </a:effectRef>
+            <a:fontRef idx="minor">
+              <a:schemeClr val="tx1"/>
+            </a:fontRef>
+          </p:style>
+        </p:cxnSp>
+        <p:sp>
+          <p:nvSpPr>
+            <p:cNvPr id="40" name="TextBox 39">
+              <a:extLst>
+                <a:ext uri="{FF2B5EF4-FFF2-40B4-BE49-F238E27FC236}">
+                  <a16:creationId xmlns:a16="http://schemas.microsoft.com/office/drawing/2014/main" id="{A7514A7B-3A8A-49B2-A838-74A96F354567}"/>
+                </a:ext>
+              </a:extLst>
+            </p:cNvPr>
+            <p:cNvSpPr txBox="1"/>
+            <p:nvPr/>
+          </p:nvSpPr>
+          <p:spPr>
+            <a:xfrm>
+              <a:off x="6510361" y="3520136"/>
+              <a:ext cx="1460378" cy="276999"/>
+            </a:xfrm>
+            <a:prstGeom prst="rect">
+              <a:avLst/>
+            </a:prstGeom>
+            <a:noFill/>
+          </p:spPr>
+          <p:txBody>
+            <a:bodyPr wrap="square" rtlCol="0">
+              <a:spAutoFit/>
+            </a:bodyPr>
+            <a:lstStyle/>
+            <a:p>
+              <a:r>
+                <a:rPr lang="ko-KR" altLang="en-US" sz="1200" dirty="0"/>
+                <a:t>녹음 종료 및 저장</a:t>
+              </a:r>
+            </a:p>
+          </p:txBody>
+        </p:sp>
+        <p:sp>
+          <p:nvSpPr>
+            <p:cNvPr id="95" name="TextBox 94">
+              <a:extLst>
+                <a:ext uri="{FF2B5EF4-FFF2-40B4-BE49-F238E27FC236}">
+                  <a16:creationId xmlns:a16="http://schemas.microsoft.com/office/drawing/2014/main" id="{FAB91042-5C7E-4E49-AAF9-F4B367B308C8}"/>
+                </a:ext>
+              </a:extLst>
+            </p:cNvPr>
+            <p:cNvSpPr txBox="1"/>
+            <p:nvPr/>
+          </p:nvSpPr>
+          <p:spPr>
+            <a:xfrm>
+              <a:off x="6510360" y="5331174"/>
+              <a:ext cx="1728571" cy="461665"/>
+            </a:xfrm>
+            <a:prstGeom prst="rect">
+              <a:avLst/>
+            </a:prstGeom>
+            <a:noFill/>
+          </p:spPr>
+          <p:txBody>
+            <a:bodyPr wrap="square" rtlCol="0">
+              <a:spAutoFit/>
+            </a:bodyPr>
+            <a:lstStyle/>
+            <a:p>
+              <a:r>
+                <a:rPr lang="ko-KR" altLang="en-US" sz="1200" dirty="0"/>
+                <a:t>자주 나오거나 강조된 키워드 </a:t>
+              </a:r>
+              <a:r>
+                <a:rPr lang="ko-KR" altLang="en-US" sz="1200" dirty="0" err="1"/>
+                <a:t>하이라이팅</a:t>
+              </a:r>
+              <a:endParaRPr lang="ko-KR" altLang="en-US" sz="1200" dirty="0"/>
+            </a:p>
+          </p:txBody>
+        </p:sp>
+        <p:sp>
+          <p:nvSpPr>
+            <p:cNvPr id="96" name="사각형: 둥근 모서리 95">
+              <a:extLst>
+                <a:ext uri="{FF2B5EF4-FFF2-40B4-BE49-F238E27FC236}">
+                  <a16:creationId xmlns:a16="http://schemas.microsoft.com/office/drawing/2014/main" id="{00AFE93E-250B-4991-BE6E-D9DEF9851865}"/>
+                </a:ext>
+              </a:extLst>
+            </p:cNvPr>
+            <p:cNvSpPr/>
+            <p:nvPr/>
+          </p:nvSpPr>
+          <p:spPr>
+            <a:xfrm>
+              <a:off x="1592454" y="2343775"/>
+              <a:ext cx="1065319" cy="559293"/>
+            </a:xfrm>
+            <a:prstGeom prst="roundRect">
+              <a:avLst/>
+            </a:prstGeom>
+            <a:ln w="28575">
+              <a:solidFill>
+                <a:schemeClr val="accent6">
+                  <a:lumMod val="60000"/>
+                  <a:lumOff val="40000"/>
+                </a:schemeClr>
+              </a:solidFill>
+            </a:ln>
+          </p:spPr>
+          <p:style>
+            <a:lnRef idx="2">
+              <a:schemeClr val="dk1"/>
+            </a:lnRef>
+            <a:fillRef idx="1">
+              <a:schemeClr val="lt1"/>
+            </a:fillRef>
+            <a:effectRef idx="0">
+              <a:schemeClr val="dk1"/>
+            </a:effectRef>
+            <a:fontRef idx="minor">
+              <a:schemeClr val="dk1"/>
+            </a:fontRef>
+          </p:style>
+          <p:txBody>
+            <a:bodyPr rtlCol="0" anchor="ctr"/>
+            <a:lstStyle/>
+            <a:p>
+              <a:pPr algn="ctr"/>
+              <a:r>
+                <a:rPr lang="ko-KR" altLang="en-US" sz="1400" dirty="0"/>
+                <a:t>로그인</a:t>
+              </a:r>
+              <a:endParaRPr lang="en-US" altLang="ko-KR" sz="1400" dirty="0"/>
+            </a:p>
+          </p:txBody>
+        </p:sp>
+        <p:cxnSp>
+          <p:nvCxnSpPr>
+            <p:cNvPr id="97" name="직선 연결선 96">
+              <a:extLst>
+                <a:ext uri="{FF2B5EF4-FFF2-40B4-BE49-F238E27FC236}">
+                  <a16:creationId xmlns:a16="http://schemas.microsoft.com/office/drawing/2014/main" id="{44C3FE5B-A71A-4564-8128-480471563760}"/>
+                </a:ext>
+              </a:extLst>
+            </p:cNvPr>
+            <p:cNvCxnSpPr>
+              <a:cxnSpLocks/>
+              <a:stCxn id="6" idx="2"/>
+              <a:endCxn id="96" idx="0"/>
+            </p:cNvCxnSpPr>
+            <p:nvPr/>
+          </p:nvCxnSpPr>
+          <p:spPr>
+            <a:xfrm flipH="1">
+              <a:off x="2125114" y="1775689"/>
+              <a:ext cx="1" cy="568086"/>
+            </a:xfrm>
+            <a:prstGeom prst="line">
+              <a:avLst/>
+            </a:prstGeom>
+            <a:ln w="25400">
+              <a:solidFill>
+                <a:srgbClr val="A9D18E">
+                  <a:alpha val="99000"/>
+                </a:srgbClr>
+              </a:solidFill>
+            </a:ln>
+          </p:spPr>
+          <p:style>
+            <a:lnRef idx="1">
+              <a:schemeClr val="accent1"/>
+            </a:lnRef>
+            <a:fillRef idx="0">
+              <a:schemeClr val="accent1"/>
+            </a:fillRef>
+            <a:effectRef idx="0">
+              <a:schemeClr val="accent1"/>
+            </a:effectRef>
+            <a:fontRef idx="minor">
+              <a:schemeClr val="tx1"/>
+            </a:fontRef>
+          </p:style>
+        </p:cxnSp>
+        <p:sp>
+          <p:nvSpPr>
+            <p:cNvPr id="100" name="사각형: 둥근 모서리 99">
+              <a:extLst>
+                <a:ext uri="{FF2B5EF4-FFF2-40B4-BE49-F238E27FC236}">
+                  <a16:creationId xmlns:a16="http://schemas.microsoft.com/office/drawing/2014/main" id="{ED5A4FEC-F37F-4D21-B857-B7E75445657E}"/>
+                </a:ext>
+              </a:extLst>
+            </p:cNvPr>
+            <p:cNvSpPr/>
+            <p:nvPr/>
+          </p:nvSpPr>
+          <p:spPr>
+            <a:xfrm>
+              <a:off x="1592454" y="3225239"/>
+              <a:ext cx="1065319" cy="559293"/>
+            </a:xfrm>
+            <a:prstGeom prst="roundRect">
+              <a:avLst/>
+            </a:prstGeom>
+            <a:ln w="28575">
+              <a:solidFill>
+                <a:schemeClr val="accent6">
+                  <a:lumMod val="60000"/>
+                  <a:lumOff val="40000"/>
+                </a:schemeClr>
+              </a:solidFill>
+            </a:ln>
+          </p:spPr>
+          <p:style>
+            <a:lnRef idx="2">
+              <a:schemeClr val="dk1"/>
+            </a:lnRef>
+            <a:fillRef idx="1">
+              <a:schemeClr val="lt1"/>
+            </a:fillRef>
+            <a:effectRef idx="0">
+              <a:schemeClr val="dk1"/>
+            </a:effectRef>
+            <a:fontRef idx="minor">
+              <a:schemeClr val="dk1"/>
+            </a:fontRef>
+          </p:style>
+          <p:txBody>
+            <a:bodyPr rtlCol="0" anchor="ctr"/>
+            <a:lstStyle/>
+            <a:p>
+              <a:pPr algn="ctr"/>
+              <a:r>
+                <a:rPr lang="ko-KR" altLang="en-US" sz="1400" dirty="0"/>
+                <a:t>배속설정</a:t>
+              </a:r>
+              <a:endParaRPr lang="en-US" altLang="ko-KR" sz="1400" dirty="0"/>
+            </a:p>
+          </p:txBody>
+        </p:sp>
+        <p:cxnSp>
+          <p:nvCxnSpPr>
+            <p:cNvPr id="101" name="직선 연결선 100">
+              <a:extLst>
+                <a:ext uri="{FF2B5EF4-FFF2-40B4-BE49-F238E27FC236}">
+                  <a16:creationId xmlns:a16="http://schemas.microsoft.com/office/drawing/2014/main" id="{8719D925-9B38-4262-AE54-458132F53CEF}"/>
+                </a:ext>
+              </a:extLst>
+            </p:cNvPr>
+            <p:cNvCxnSpPr>
+              <a:cxnSpLocks/>
+              <a:stCxn id="96" idx="2"/>
+              <a:endCxn id="100" idx="0"/>
+            </p:cNvCxnSpPr>
+            <p:nvPr/>
+          </p:nvCxnSpPr>
+          <p:spPr>
+            <a:xfrm>
+              <a:off x="2125114" y="2903068"/>
+              <a:ext cx="0" cy="322171"/>
+            </a:xfrm>
+            <a:prstGeom prst="line">
+              <a:avLst/>
+            </a:prstGeom>
+            <a:ln w="25400">
+              <a:solidFill>
+                <a:srgbClr val="A9D18E">
+                  <a:alpha val="99000"/>
+                </a:srgbClr>
+              </a:solidFill>
+            </a:ln>
+          </p:spPr>
+          <p:style>
+            <a:lnRef idx="1">
+              <a:schemeClr val="accent1"/>
+            </a:lnRef>
+            <a:fillRef idx="0">
+              <a:schemeClr val="accent1"/>
+            </a:fillRef>
+            <a:effectRef idx="0">
+              <a:schemeClr val="accent1"/>
+            </a:effectRef>
+            <a:fontRef idx="minor">
+              <a:schemeClr val="tx1"/>
+            </a:fontRef>
+          </p:style>
+        </p:cxnSp>
+        <p:cxnSp>
+          <p:nvCxnSpPr>
+            <p:cNvPr id="107" name="연결선: 꺾임 106">
+              <a:extLst>
+                <a:ext uri="{FF2B5EF4-FFF2-40B4-BE49-F238E27FC236}">
+                  <a16:creationId xmlns:a16="http://schemas.microsoft.com/office/drawing/2014/main" id="{04EA31F5-D4A7-478C-B9FC-B7AB79B29F05}"/>
+                </a:ext>
+              </a:extLst>
+            </p:cNvPr>
+            <p:cNvCxnSpPr>
+              <a:cxnSpLocks/>
+              <a:stCxn id="100" idx="3"/>
+              <a:endCxn id="11" idx="1"/>
+            </p:cNvCxnSpPr>
+            <p:nvPr/>
+          </p:nvCxnSpPr>
+          <p:spPr>
+            <a:xfrm flipV="1">
+              <a:off x="2657773" y="2619807"/>
+              <a:ext cx="2537689" cy="885079"/>
+            </a:xfrm>
+            <a:prstGeom prst="bentConnector3">
+              <a:avLst>
+                <a:gd name="adj1" fmla="val 50000"/>
+              </a:avLst>
+            </a:prstGeom>
+            <a:ln w="22225">
+              <a:solidFill>
+                <a:srgbClr val="A9D18E"/>
+              </a:solidFill>
+              <a:tailEnd type="triangle"/>
+            </a:ln>
+          </p:spPr>
+          <p:style>
+            <a:lnRef idx="1">
+              <a:schemeClr val="accent1"/>
+            </a:lnRef>
+            <a:fillRef idx="0">
+              <a:schemeClr val="accent1"/>
+            </a:fillRef>
+            <a:effectRef idx="0">
+              <a:schemeClr val="accent1"/>
+            </a:effectRef>
+            <a:fontRef idx="minor">
+              <a:schemeClr val="tx1"/>
+            </a:fontRef>
+          </p:style>
+        </p:cxnSp>
+        <p:sp>
+          <p:nvSpPr>
+            <p:cNvPr id="110" name="TextBox 109">
+              <a:extLst>
+                <a:ext uri="{FF2B5EF4-FFF2-40B4-BE49-F238E27FC236}">
+                  <a16:creationId xmlns:a16="http://schemas.microsoft.com/office/drawing/2014/main" id="{FF949F6B-6E51-4EF9-A068-9B4D1B4FD889}"/>
+                </a:ext>
+              </a:extLst>
+            </p:cNvPr>
+            <p:cNvSpPr txBox="1"/>
+            <p:nvPr/>
+          </p:nvSpPr>
+          <p:spPr>
+            <a:xfrm>
+              <a:off x="2823688" y="3757836"/>
+              <a:ext cx="1344439" cy="646331"/>
+            </a:xfrm>
+            <a:prstGeom prst="rect">
+              <a:avLst/>
+            </a:prstGeom>
+            <a:noFill/>
+          </p:spPr>
+          <p:txBody>
+            <a:bodyPr wrap="square" rtlCol="0">
+              <a:spAutoFit/>
+            </a:bodyPr>
+            <a:lstStyle/>
+            <a:p>
+              <a:r>
+                <a:rPr lang="ko-KR" altLang="en-US" sz="1200" dirty="0"/>
+                <a:t>영상의 배속에 따라 녹음 파일의 시간 설정</a:t>
+              </a:r>
+            </a:p>
+          </p:txBody>
+        </p:sp>
+      </p:grpSp>
     </p:spTree>
     <p:extLst>
       <p:ext uri="{BB962C8B-B14F-4D97-AF65-F5344CB8AC3E}">
         <p14:creationId xmlns:p14="http://schemas.microsoft.com/office/powerpoint/2010/main" val="2027198737"/>
+      </p:ext>
+    </p:extLst>
+  </p:cSld>
+  <p:clrMapOvr>
+    <a:masterClrMapping/>
+  </p:clrMapOvr>
+</p:sld>
+</file>
+
+<file path=ppt/slides/slide6.xml><?xml version="1.0" encoding="utf-8"?>
+<p:sld xmlns:a="http://schemas.openxmlformats.org/drawingml/2006/main" xmlns:r="http://schemas.openxmlformats.org/officeDocument/2006/relationships" xmlns:p="http://schemas.openxmlformats.org/presentationml/2006/main">
+  <p:cSld>
+    <p:spTree>
+      <p:nvGrpSpPr>
+        <p:cNvPr id="1" name=""/>
+        <p:cNvGrpSpPr/>
+        <p:nvPr/>
+      </p:nvGrpSpPr>
+      <p:grpSpPr>
+        <a:xfrm>
+          <a:off x="0" y="0"/>
+          <a:ext cx="0" cy="0"/>
+          <a:chOff x="0" y="0"/>
+          <a:chExt cx="0" cy="0"/>
+        </a:xfrm>
+      </p:grpSpPr>
+      <p:sp>
+        <p:nvSpPr>
+          <p:cNvPr id="56" name="평행 사변형 55">
+            <a:extLst>
+              <a:ext uri="{FF2B5EF4-FFF2-40B4-BE49-F238E27FC236}">
+                <a16:creationId xmlns:a16="http://schemas.microsoft.com/office/drawing/2014/main" id="{F5350391-9AF1-4CDF-A910-8447A3D858F5}"/>
+              </a:ext>
+            </a:extLst>
+          </p:cNvPr>
+          <p:cNvSpPr/>
+          <p:nvPr/>
+        </p:nvSpPr>
+        <p:spPr>
+          <a:xfrm rot="10800000">
+            <a:off x="-362552" y="-2"/>
+            <a:ext cx="8867357" cy="1046893"/>
+          </a:xfrm>
+          <a:prstGeom prst="parallelogram">
+            <a:avLst/>
+          </a:prstGeom>
+          <a:solidFill>
+            <a:srgbClr val="76DAD5">
+              <a:alpha val="80000"/>
+            </a:srgbClr>
+          </a:solidFill>
+          <a:ln>
+            <a:noFill/>
+          </a:ln>
+          <a:effectLst>
+            <a:softEdge rad="0"/>
+          </a:effectLst>
+        </p:spPr>
+        <p:style>
+          <a:lnRef idx="2">
+            <a:schemeClr val="accent1">
+              <a:shade val="50000"/>
+            </a:schemeClr>
+          </a:lnRef>
+          <a:fillRef idx="1">
+            <a:schemeClr val="accent1"/>
+          </a:fillRef>
+          <a:effectRef idx="0">
+            <a:schemeClr val="accent1"/>
+          </a:effectRef>
+          <a:fontRef idx="minor">
+            <a:schemeClr val="lt1"/>
+          </a:fontRef>
+        </p:style>
+        <p:txBody>
+          <a:bodyPr rtlCol="0" anchor="ctr"/>
+          <a:lstStyle/>
+          <a:p>
+            <a:pPr algn="ctr"/>
+            <a:endParaRPr lang="ko-KR" altLang="en-US"/>
+          </a:p>
+        </p:txBody>
+      </p:sp>
+      <p:sp>
+        <p:nvSpPr>
+          <p:cNvPr id="70" name="TextBox 69">
+            <a:extLst>
+              <a:ext uri="{FF2B5EF4-FFF2-40B4-BE49-F238E27FC236}">
+                <a16:creationId xmlns:a16="http://schemas.microsoft.com/office/drawing/2014/main" id="{186D8D9E-3300-485D-877E-70188844258C}"/>
+              </a:ext>
+            </a:extLst>
+          </p:cNvPr>
+          <p:cNvSpPr txBox="1"/>
+          <p:nvPr/>
+        </p:nvSpPr>
+        <p:spPr>
+          <a:xfrm>
+            <a:off x="745724" y="169501"/>
+            <a:ext cx="3524435" cy="707886"/>
+          </a:xfrm>
+          <a:prstGeom prst="rect">
+            <a:avLst/>
+          </a:prstGeom>
+          <a:noFill/>
+          <a:ln>
+            <a:noFill/>
+          </a:ln>
+        </p:spPr>
+        <p:txBody>
+          <a:bodyPr wrap="square" rtlCol="0">
+            <a:spAutoFit/>
+          </a:bodyPr>
+          <a:lstStyle/>
+          <a:p>
+            <a:r>
+              <a:rPr lang="en-US" altLang="ko-KR" sz="4000" dirty="0">
+                <a:solidFill>
+                  <a:schemeClr val="bg1"/>
+                </a:solidFill>
+              </a:rPr>
+              <a:t>Wireframe</a:t>
+            </a:r>
+            <a:endParaRPr lang="ko-KR" altLang="en-US" sz="4000" dirty="0">
+              <a:solidFill>
+                <a:schemeClr val="bg1"/>
+              </a:solidFill>
+            </a:endParaRPr>
+          </a:p>
+        </p:txBody>
+      </p:sp>
+    </p:spTree>
+    <p:extLst>
+      <p:ext uri="{BB962C8B-B14F-4D97-AF65-F5344CB8AC3E}">
+        <p14:creationId xmlns:p14="http://schemas.microsoft.com/office/powerpoint/2010/main" val="3947569836"/>
       </p:ext>
     </p:extLst>
   </p:cSld>
@@ -11160,12 +9916,321 @@
           <a:chExt cx="0" cy="0"/>
         </a:xfrm>
       </p:grpSpPr>
+      <p:graphicFrame>
+        <p:nvGraphicFramePr>
+          <p:cNvPr id="14" name="표 14">
+            <a:extLst>
+              <a:ext uri="{FF2B5EF4-FFF2-40B4-BE49-F238E27FC236}">
+                <a16:creationId xmlns:a16="http://schemas.microsoft.com/office/drawing/2014/main" id="{B906D872-C1A2-4704-97CD-3923A1596511}"/>
+              </a:ext>
+            </a:extLst>
+          </p:cNvPr>
+          <p:cNvGraphicFramePr>
+            <a:graphicFrameLocks noGrp="1"/>
+          </p:cNvGraphicFramePr>
+          <p:nvPr>
+            <p:extLst>
+              <p:ext uri="{D42A27DB-BD31-4B8C-83A1-F6EECF244321}">
+                <p14:modId xmlns:p14="http://schemas.microsoft.com/office/powerpoint/2010/main" val="982766573"/>
+              </p:ext>
+            </p:extLst>
+          </p:nvPr>
+        </p:nvGraphicFramePr>
+        <p:xfrm>
+          <a:off x="4299355" y="1377497"/>
+          <a:ext cx="3593290" cy="1837494"/>
+        </p:xfrm>
+        <a:graphic>
+          <a:graphicData uri="http://schemas.openxmlformats.org/drawingml/2006/table">
+            <a:tbl>
+              <a:tblPr firstRow="1" bandRow="1">
+                <a:tableStyleId>{5940675A-B579-460E-94D1-54222C63F5DA}</a:tableStyleId>
+              </a:tblPr>
+              <a:tblGrid>
+                <a:gridCol w="3593290">
+                  <a:extLst>
+                    <a:ext uri="{9D8B030D-6E8A-4147-A177-3AD203B41FA5}">
+                      <a16:colId xmlns:a16="http://schemas.microsoft.com/office/drawing/2014/main" val="3206758967"/>
+                    </a:ext>
+                  </a:extLst>
+                </a:gridCol>
+              </a:tblGrid>
+              <a:tr h="666913">
+                <a:tc>
+                  <a:txBody>
+                    <a:bodyPr/>
+                    <a:lstStyle/>
+                    <a:p>
+                      <a:pPr algn="ctr" latinLnBrk="1"/>
+                      <a:r>
+                        <a:rPr lang="ko-KR" altLang="en-US" b="1" dirty="0"/>
+                        <a:t>책임 프로그래머</a:t>
+                      </a:r>
+                      <a:endParaRPr lang="en-US" altLang="ko-KR" b="0" dirty="0"/>
+                    </a:p>
+                    <a:p>
+                      <a:pPr algn="ctr" latinLnBrk="1"/>
+                      <a:r>
+                        <a:rPr lang="ko-KR" altLang="en-US" b="0" dirty="0"/>
+                        <a:t>강성범</a:t>
+                      </a:r>
+                    </a:p>
+                  </a:txBody>
+                  <a:tcPr>
+                    <a:noFill/>
+                  </a:tcPr>
+                </a:tc>
+                <a:extLst>
+                  <a:ext uri="{0D108BD9-81ED-4DB2-BD59-A6C34878D82A}">
+                    <a16:rowId xmlns:a16="http://schemas.microsoft.com/office/drawing/2014/main" val="881269885"/>
+                  </a:ext>
+                </a:extLst>
+              </a:tr>
+              <a:tr h="1170581">
+                <a:tc>
+                  <a:txBody>
+                    <a:bodyPr/>
+                    <a:lstStyle/>
+                    <a:p>
+                      <a:pPr algn="ctr" latinLnBrk="1"/>
+                      <a:r>
+                        <a:rPr lang="ko-KR" altLang="en-US" dirty="0"/>
+                        <a:t>주요 기능 및 인터페이스</a:t>
+                      </a:r>
+                      <a:endParaRPr lang="en-US" altLang="ko-KR" dirty="0"/>
+                    </a:p>
+                    <a:p>
+                      <a:pPr algn="ctr" latinLnBrk="1"/>
+                      <a:r>
+                        <a:rPr lang="ko-KR" altLang="en-US" dirty="0"/>
+                        <a:t>프로그래밍 </a:t>
+                      </a:r>
+                      <a:r>
+                        <a:rPr lang="en-US" altLang="ko-KR" dirty="0"/>
+                        <a:t> </a:t>
+                      </a:r>
+                      <a:endParaRPr lang="ko-KR" altLang="en-US" dirty="0"/>
+                    </a:p>
+                  </a:txBody>
+                  <a:tcPr>
+                    <a:noFill/>
+                  </a:tcPr>
+                </a:tc>
+                <a:extLst>
+                  <a:ext uri="{0D108BD9-81ED-4DB2-BD59-A6C34878D82A}">
+                    <a16:rowId xmlns:a16="http://schemas.microsoft.com/office/drawing/2014/main" val="369645993"/>
+                  </a:ext>
+                </a:extLst>
+              </a:tr>
+            </a:tbl>
+          </a:graphicData>
+        </a:graphic>
+      </p:graphicFrame>
+      <p:graphicFrame>
+        <p:nvGraphicFramePr>
+          <p:cNvPr id="17" name="표 14">
+            <a:extLst>
+              <a:ext uri="{FF2B5EF4-FFF2-40B4-BE49-F238E27FC236}">
+                <a16:creationId xmlns:a16="http://schemas.microsoft.com/office/drawing/2014/main" id="{46C70382-3432-4E83-86D1-32A30F771E4D}"/>
+              </a:ext>
+            </a:extLst>
+          </p:cNvPr>
+          <p:cNvGraphicFramePr>
+            <a:graphicFrameLocks noGrp="1"/>
+          </p:cNvGraphicFramePr>
+          <p:nvPr>
+            <p:extLst>
+              <p:ext uri="{D42A27DB-BD31-4B8C-83A1-F6EECF244321}">
+                <p14:modId xmlns:p14="http://schemas.microsoft.com/office/powerpoint/2010/main" val="1891190656"/>
+              </p:ext>
+            </p:extLst>
+          </p:nvPr>
+        </p:nvGraphicFramePr>
+        <p:xfrm>
+          <a:off x="6890707" y="3947081"/>
+          <a:ext cx="3593290" cy="1837494"/>
+        </p:xfrm>
+        <a:graphic>
+          <a:graphicData uri="http://schemas.openxmlformats.org/drawingml/2006/table">
+            <a:tbl>
+              <a:tblPr firstRow="1" bandRow="1">
+                <a:tableStyleId>{5940675A-B579-460E-94D1-54222C63F5DA}</a:tableStyleId>
+              </a:tblPr>
+              <a:tblGrid>
+                <a:gridCol w="3593290">
+                  <a:extLst>
+                    <a:ext uri="{9D8B030D-6E8A-4147-A177-3AD203B41FA5}">
+                      <a16:colId xmlns:a16="http://schemas.microsoft.com/office/drawing/2014/main" val="3206758967"/>
+                    </a:ext>
+                  </a:extLst>
+                </a:gridCol>
+              </a:tblGrid>
+              <a:tr h="666913">
+                <a:tc>
+                  <a:txBody>
+                    <a:bodyPr/>
+                    <a:lstStyle/>
+                    <a:p>
+                      <a:pPr algn="ctr" latinLnBrk="1"/>
+                      <a:r>
+                        <a:rPr lang="ko-KR" altLang="en-US" b="1" dirty="0"/>
+                        <a:t>프로젝트 매니저</a:t>
+                      </a:r>
+                      <a:r>
+                        <a:rPr lang="en-US" altLang="ko-KR" b="1" dirty="0"/>
+                        <a:t>, </a:t>
+                      </a:r>
+                      <a:r>
+                        <a:rPr lang="ko-KR" altLang="en-US" b="1" dirty="0"/>
+                        <a:t>프로그래머</a:t>
+                      </a:r>
+                      <a:endParaRPr lang="en-US" altLang="ko-KR" b="1" dirty="0"/>
+                    </a:p>
+                    <a:p>
+                      <a:pPr algn="ctr" latinLnBrk="1"/>
+                      <a:r>
+                        <a:rPr lang="ko-KR" altLang="en-US" b="0" dirty="0"/>
+                        <a:t>고대은</a:t>
+                      </a:r>
+                    </a:p>
+                  </a:txBody>
+                  <a:tcPr/>
+                </a:tc>
+                <a:extLst>
+                  <a:ext uri="{0D108BD9-81ED-4DB2-BD59-A6C34878D82A}">
+                    <a16:rowId xmlns:a16="http://schemas.microsoft.com/office/drawing/2014/main" val="881269885"/>
+                  </a:ext>
+                </a:extLst>
+              </a:tr>
+              <a:tr h="1170581">
+                <a:tc>
+                  <a:txBody>
+                    <a:bodyPr/>
+                    <a:lstStyle/>
+                    <a:p>
+                      <a:pPr algn="ctr" latinLnBrk="1"/>
+                      <a:r>
+                        <a:rPr lang="ko-KR" altLang="en-US" dirty="0"/>
+                        <a:t>세부 일정 관리 및 </a:t>
+                      </a:r>
+                      <a:endParaRPr lang="en-US" altLang="ko-KR" dirty="0"/>
+                    </a:p>
+                    <a:p>
+                      <a:pPr algn="ctr" latinLnBrk="1"/>
+                      <a:r>
+                        <a:rPr lang="ko-KR" altLang="en-US" dirty="0"/>
+                        <a:t>알고리즘 검토</a:t>
+                      </a:r>
+                    </a:p>
+                  </a:txBody>
+                  <a:tcPr/>
+                </a:tc>
+                <a:extLst>
+                  <a:ext uri="{0D108BD9-81ED-4DB2-BD59-A6C34878D82A}">
+                    <a16:rowId xmlns:a16="http://schemas.microsoft.com/office/drawing/2014/main" val="369645993"/>
+                  </a:ext>
+                </a:extLst>
+              </a:tr>
+            </a:tbl>
+          </a:graphicData>
+        </a:graphic>
+      </p:graphicFrame>
+      <p:graphicFrame>
+        <p:nvGraphicFramePr>
+          <p:cNvPr id="18" name="표 14">
+            <a:extLst>
+              <a:ext uri="{FF2B5EF4-FFF2-40B4-BE49-F238E27FC236}">
+                <a16:creationId xmlns:a16="http://schemas.microsoft.com/office/drawing/2014/main" id="{225326D9-9735-4D9B-BBE2-51895EBC9B78}"/>
+              </a:ext>
+            </a:extLst>
+          </p:cNvPr>
+          <p:cNvGraphicFramePr>
+            <a:graphicFrameLocks noGrp="1"/>
+          </p:cNvGraphicFramePr>
+          <p:nvPr>
+            <p:extLst>
+              <p:ext uri="{D42A27DB-BD31-4B8C-83A1-F6EECF244321}">
+                <p14:modId xmlns:p14="http://schemas.microsoft.com/office/powerpoint/2010/main" val="3408003826"/>
+              </p:ext>
+            </p:extLst>
+          </p:nvPr>
+        </p:nvGraphicFramePr>
+        <p:xfrm>
+          <a:off x="1708003" y="3957983"/>
+          <a:ext cx="3593290" cy="1837494"/>
+        </p:xfrm>
+        <a:graphic>
+          <a:graphicData uri="http://schemas.openxmlformats.org/drawingml/2006/table">
+            <a:tbl>
+              <a:tblPr firstRow="1" bandRow="1">
+                <a:tableStyleId>{5940675A-B579-460E-94D1-54222C63F5DA}</a:tableStyleId>
+              </a:tblPr>
+              <a:tblGrid>
+                <a:gridCol w="3593290">
+                  <a:extLst>
+                    <a:ext uri="{9D8B030D-6E8A-4147-A177-3AD203B41FA5}">
+                      <a16:colId xmlns:a16="http://schemas.microsoft.com/office/drawing/2014/main" val="3206758967"/>
+                    </a:ext>
+                  </a:extLst>
+                </a:gridCol>
+              </a:tblGrid>
+              <a:tr h="666913">
+                <a:tc>
+                  <a:txBody>
+                    <a:bodyPr/>
+                    <a:lstStyle/>
+                    <a:p>
+                      <a:pPr algn="ctr" latinLnBrk="1"/>
+                      <a:r>
+                        <a:rPr lang="ko-KR" altLang="en-US" b="1" dirty="0"/>
+                        <a:t>프로그래머</a:t>
+                      </a:r>
+                      <a:endParaRPr lang="en-US" altLang="ko-KR" b="1" dirty="0"/>
+                    </a:p>
+                    <a:p>
+                      <a:pPr algn="ctr" latinLnBrk="1"/>
+                      <a:r>
+                        <a:rPr lang="ko-KR" altLang="en-US" dirty="0"/>
+                        <a:t>고지훈</a:t>
+                      </a:r>
+                    </a:p>
+                  </a:txBody>
+                  <a:tcPr/>
+                </a:tc>
+                <a:extLst>
+                  <a:ext uri="{0D108BD9-81ED-4DB2-BD59-A6C34878D82A}">
+                    <a16:rowId xmlns:a16="http://schemas.microsoft.com/office/drawing/2014/main" val="881269885"/>
+                  </a:ext>
+                </a:extLst>
+              </a:tr>
+              <a:tr h="1170581">
+                <a:tc>
+                  <a:txBody>
+                    <a:bodyPr/>
+                    <a:lstStyle/>
+                    <a:p>
+                      <a:pPr algn="ctr" latinLnBrk="1"/>
+                      <a:endParaRPr lang="ko-KR" altLang="en-US" dirty="0"/>
+                    </a:p>
+                  </a:txBody>
+                  <a:tcPr/>
+                </a:tc>
+                <a:extLst>
+                  <a:ext uri="{0D108BD9-81ED-4DB2-BD59-A6C34878D82A}">
+                    <a16:rowId xmlns:a16="http://schemas.microsoft.com/office/drawing/2014/main" val="369645993"/>
+                  </a:ext>
+                </a:extLst>
+              </a:tr>
+            </a:tbl>
+          </a:graphicData>
+        </a:graphic>
+      </p:graphicFrame>
       <p:sp>
         <p:nvSpPr>
-          <p:cNvPr id="66" name="직사각형 65">
+          <p:cNvPr id="19" name="평행 사변형 18">
             <a:extLst>
               <a:ext uri="{FF2B5EF4-FFF2-40B4-BE49-F238E27FC236}">
-                <a16:creationId xmlns:a16="http://schemas.microsoft.com/office/drawing/2014/main" id="{3C4B088E-0487-4627-80A7-28ABFD8293E8}"/>
+                <a16:creationId xmlns:a16="http://schemas.microsoft.com/office/drawing/2014/main" id="{8CC2A3D2-4719-455C-B0E5-D049DE0F4D27}"/>
               </a:ext>
             </a:extLst>
           </p:cNvPr>
@@ -11173,22 +10238,24 @@
           <p:nvPr/>
         </p:nvSpPr>
         <p:spPr>
-          <a:xfrm>
-            <a:off x="5220075" y="4079900"/>
-            <a:ext cx="1704505" cy="2553208"/>
+          <a:xfrm rot="10800000">
+            <a:off x="-362552" y="-2"/>
+            <a:ext cx="8867357" cy="1046893"/>
           </a:xfrm>
-          <a:prstGeom prst="rect">
+          <a:prstGeom prst="parallelogram">
             <a:avLst/>
           </a:prstGeom>
           <a:solidFill>
-            <a:schemeClr val="accent1">
-              <a:lumMod val="40000"/>
-              <a:lumOff val="60000"/>
-            </a:schemeClr>
+            <a:srgbClr val="76DAD5">
+              <a:alpha val="80000"/>
+            </a:srgbClr>
           </a:solidFill>
           <a:ln>
             <a:noFill/>
           </a:ln>
+          <a:effectLst>
+            <a:softEdge rad="0"/>
+          </a:effectLst>
         </p:spPr>
         <p:style>
           <a:lnRef idx="2">
@@ -11217,354 +10284,10 @@
       </p:sp>
       <p:sp>
         <p:nvSpPr>
-          <p:cNvPr id="67" name="순서도: 판단 66">
+          <p:cNvPr id="20" name="TextBox 19">
             <a:extLst>
               <a:ext uri="{FF2B5EF4-FFF2-40B4-BE49-F238E27FC236}">
-                <a16:creationId xmlns:a16="http://schemas.microsoft.com/office/drawing/2014/main" id="{F7F09DC3-0D52-4801-8537-C152D0939C8F}"/>
-              </a:ext>
-            </a:extLst>
-          </p:cNvPr>
-          <p:cNvSpPr/>
-          <p:nvPr/>
-        </p:nvSpPr>
-        <p:spPr>
-          <a:xfrm>
-            <a:off x="5308842" y="4187307"/>
-            <a:ext cx="1538796" cy="878889"/>
-          </a:xfrm>
-          <a:prstGeom prst="flowChartDecision">
-            <a:avLst/>
-          </a:prstGeom>
-          <a:ln w="28575">
-            <a:solidFill>
-              <a:srgbClr val="0070C0"/>
-            </a:solidFill>
-          </a:ln>
-        </p:spPr>
-        <p:style>
-          <a:lnRef idx="2">
-            <a:schemeClr val="dk1"/>
-          </a:lnRef>
-          <a:fillRef idx="1">
-            <a:schemeClr val="lt1"/>
-          </a:fillRef>
-          <a:effectRef idx="0">
-            <a:schemeClr val="dk1"/>
-          </a:effectRef>
-          <a:fontRef idx="minor">
-            <a:schemeClr val="dk1"/>
-          </a:fontRef>
-        </p:style>
-        <p:txBody>
-          <a:bodyPr rtlCol="0" anchor="ctr"/>
-          <a:lstStyle/>
-          <a:p>
-            <a:pPr algn="ctr"/>
-            <a:r>
-              <a:rPr lang="ko-KR" altLang="en-US" dirty="0"/>
-              <a:t>캡처</a:t>
-            </a:r>
-          </a:p>
-        </p:txBody>
-      </p:sp>
-      <p:cxnSp>
-        <p:nvCxnSpPr>
-          <p:cNvPr id="68" name="직선 화살표 연결선 67">
-            <a:extLst>
-              <a:ext uri="{FF2B5EF4-FFF2-40B4-BE49-F238E27FC236}">
-                <a16:creationId xmlns:a16="http://schemas.microsoft.com/office/drawing/2014/main" id="{9E22A8C9-38E4-4ACA-A08C-CC108047F1A1}"/>
-              </a:ext>
-            </a:extLst>
-          </p:cNvPr>
-          <p:cNvCxnSpPr>
-            <a:cxnSpLocks/>
-          </p:cNvCxnSpPr>
-          <p:nvPr/>
-        </p:nvCxnSpPr>
-        <p:spPr>
-          <a:xfrm>
-            <a:off x="6078240" y="5066196"/>
-            <a:ext cx="0" cy="531184"/>
-          </a:xfrm>
-          <a:prstGeom prst="straightConnector1">
-            <a:avLst/>
-          </a:prstGeom>
-          <a:ln>
-            <a:solidFill>
-              <a:srgbClr val="FF0000"/>
-            </a:solidFill>
-            <a:tailEnd type="triangle"/>
-          </a:ln>
-        </p:spPr>
-        <p:style>
-          <a:lnRef idx="1">
-            <a:schemeClr val="accent1"/>
-          </a:lnRef>
-          <a:fillRef idx="0">
-            <a:schemeClr val="accent1"/>
-          </a:fillRef>
-          <a:effectRef idx="0">
-            <a:schemeClr val="accent1"/>
-          </a:effectRef>
-          <a:fontRef idx="minor">
-            <a:schemeClr val="tx1"/>
-          </a:fontRef>
-        </p:style>
-      </p:cxnSp>
-      <p:sp>
-        <p:nvSpPr>
-          <p:cNvPr id="69" name="타원 68">
-            <a:extLst>
-              <a:ext uri="{FF2B5EF4-FFF2-40B4-BE49-F238E27FC236}">
-                <a16:creationId xmlns:a16="http://schemas.microsoft.com/office/drawing/2014/main" id="{275BAF30-DA26-4AF2-8359-52E6AAA63226}"/>
-              </a:ext>
-            </a:extLst>
-          </p:cNvPr>
-          <p:cNvSpPr/>
-          <p:nvPr/>
-        </p:nvSpPr>
-        <p:spPr>
-          <a:xfrm>
-            <a:off x="5239307" y="5612176"/>
-            <a:ext cx="1677865" cy="813786"/>
-          </a:xfrm>
-          <a:prstGeom prst="ellipse">
-            <a:avLst/>
-          </a:prstGeom>
-          <a:ln w="28575"/>
-        </p:spPr>
-        <p:style>
-          <a:lnRef idx="2">
-            <a:schemeClr val="accent1"/>
-          </a:lnRef>
-          <a:fillRef idx="1">
-            <a:schemeClr val="lt1"/>
-          </a:fillRef>
-          <a:effectRef idx="0">
-            <a:schemeClr val="accent1"/>
-          </a:effectRef>
-          <a:fontRef idx="minor">
-            <a:schemeClr val="dk1"/>
-          </a:fontRef>
-        </p:style>
-        <p:txBody>
-          <a:bodyPr rtlCol="0" anchor="ctr"/>
-          <a:lstStyle/>
-          <a:p>
-            <a:pPr algn="ctr"/>
-            <a:r>
-              <a:rPr lang="ko-KR" altLang="en-US" dirty="0"/>
-              <a:t>화면 캡처</a:t>
-            </a:r>
-          </a:p>
-        </p:txBody>
-      </p:sp>
-      <p:sp>
-        <p:nvSpPr>
-          <p:cNvPr id="53" name="직사각형 52">
-            <a:extLst>
-              <a:ext uri="{FF2B5EF4-FFF2-40B4-BE49-F238E27FC236}">
-                <a16:creationId xmlns:a16="http://schemas.microsoft.com/office/drawing/2014/main" id="{B59F0DA7-8286-457D-AEF5-9924C9B448B6}"/>
-              </a:ext>
-            </a:extLst>
-          </p:cNvPr>
-          <p:cNvSpPr/>
-          <p:nvPr/>
-        </p:nvSpPr>
-        <p:spPr>
-          <a:xfrm>
-            <a:off x="7429884" y="1388479"/>
-            <a:ext cx="1705245" cy="2553205"/>
-          </a:xfrm>
-          <a:prstGeom prst="rect">
-            <a:avLst/>
-          </a:prstGeom>
-          <a:solidFill>
-            <a:schemeClr val="accent1">
-              <a:lumMod val="40000"/>
-              <a:lumOff val="60000"/>
-            </a:schemeClr>
-          </a:solidFill>
-          <a:ln>
-            <a:noFill/>
-          </a:ln>
-        </p:spPr>
-        <p:style>
-          <a:lnRef idx="2">
-            <a:schemeClr val="accent1">
-              <a:shade val="50000"/>
-            </a:schemeClr>
-          </a:lnRef>
-          <a:fillRef idx="1">
-            <a:schemeClr val="accent1"/>
-          </a:fillRef>
-          <a:effectRef idx="0">
-            <a:schemeClr val="accent1"/>
-          </a:effectRef>
-          <a:fontRef idx="minor">
-            <a:schemeClr val="lt1"/>
-          </a:fontRef>
-        </p:style>
-        <p:txBody>
-          <a:bodyPr rtlCol="0" anchor="ctr"/>
-          <a:lstStyle/>
-          <a:p>
-            <a:pPr algn="ctr"/>
-            <a:endParaRPr lang="ko-KR" altLang="en-US"/>
-          </a:p>
-        </p:txBody>
-      </p:sp>
-      <p:sp>
-        <p:nvSpPr>
-          <p:cNvPr id="54" name="순서도: 판단 53">
-            <a:extLst>
-              <a:ext uri="{FF2B5EF4-FFF2-40B4-BE49-F238E27FC236}">
-                <a16:creationId xmlns:a16="http://schemas.microsoft.com/office/drawing/2014/main" id="{603F108C-45DC-4419-9F64-762B762E0A9D}"/>
-              </a:ext>
-            </a:extLst>
-          </p:cNvPr>
-          <p:cNvSpPr/>
-          <p:nvPr/>
-        </p:nvSpPr>
-        <p:spPr>
-          <a:xfrm>
-            <a:off x="7483883" y="1495887"/>
-            <a:ext cx="1587624" cy="878889"/>
-          </a:xfrm>
-          <a:prstGeom prst="flowChartDecision">
-            <a:avLst/>
-          </a:prstGeom>
-          <a:ln w="28575">
-            <a:solidFill>
-              <a:srgbClr val="0070C0"/>
-            </a:solidFill>
-          </a:ln>
-        </p:spPr>
-        <p:style>
-          <a:lnRef idx="2">
-            <a:schemeClr val="dk1"/>
-          </a:lnRef>
-          <a:fillRef idx="1">
-            <a:schemeClr val="lt1"/>
-          </a:fillRef>
-          <a:effectRef idx="0">
-            <a:schemeClr val="dk1"/>
-          </a:effectRef>
-          <a:fontRef idx="minor">
-            <a:schemeClr val="dk1"/>
-          </a:fontRef>
-        </p:style>
-        <p:txBody>
-          <a:bodyPr rtlCol="0" anchor="ctr"/>
-          <a:lstStyle/>
-          <a:p>
-            <a:pPr algn="ctr"/>
-            <a:r>
-              <a:rPr lang="ko-KR" altLang="en-US"/>
-              <a:t>일시정지</a:t>
-            </a:r>
-            <a:endParaRPr lang="ko-KR" altLang="en-US" dirty="0"/>
-          </a:p>
-        </p:txBody>
-      </p:sp>
-      <p:cxnSp>
-        <p:nvCxnSpPr>
-          <p:cNvPr id="60" name="직선 화살표 연결선 59">
-            <a:extLst>
-              <a:ext uri="{FF2B5EF4-FFF2-40B4-BE49-F238E27FC236}">
-                <a16:creationId xmlns:a16="http://schemas.microsoft.com/office/drawing/2014/main" id="{F3FDABBA-EBA6-46F7-B6B4-5FFD880EABAD}"/>
-              </a:ext>
-            </a:extLst>
-          </p:cNvPr>
-          <p:cNvCxnSpPr>
-            <a:cxnSpLocks/>
-          </p:cNvCxnSpPr>
-          <p:nvPr/>
-        </p:nvCxnSpPr>
-        <p:spPr>
-          <a:xfrm>
-            <a:off x="8277695" y="2374775"/>
-            <a:ext cx="0" cy="531184"/>
-          </a:xfrm>
-          <a:prstGeom prst="straightConnector1">
-            <a:avLst/>
-          </a:prstGeom>
-          <a:ln>
-            <a:solidFill>
-              <a:srgbClr val="FF0000"/>
-            </a:solidFill>
-            <a:tailEnd type="triangle"/>
-          </a:ln>
-        </p:spPr>
-        <p:style>
-          <a:lnRef idx="1">
-            <a:schemeClr val="accent1"/>
-          </a:lnRef>
-          <a:fillRef idx="0">
-            <a:schemeClr val="accent1"/>
-          </a:fillRef>
-          <a:effectRef idx="0">
-            <a:schemeClr val="accent1"/>
-          </a:effectRef>
-          <a:fontRef idx="minor">
-            <a:schemeClr val="tx1"/>
-          </a:fontRef>
-        </p:style>
-      </p:cxnSp>
-      <p:sp>
-        <p:nvSpPr>
-          <p:cNvPr id="61" name="타원 60">
-            <a:extLst>
-              <a:ext uri="{FF2B5EF4-FFF2-40B4-BE49-F238E27FC236}">
-                <a16:creationId xmlns:a16="http://schemas.microsoft.com/office/drawing/2014/main" id="{39604BD0-678F-485A-B2E4-9E616C9F0F64}"/>
-              </a:ext>
-            </a:extLst>
-          </p:cNvPr>
-          <p:cNvSpPr/>
-          <p:nvPr/>
-        </p:nvSpPr>
-        <p:spPr>
-          <a:xfrm>
-            <a:off x="7438762" y="2905959"/>
-            <a:ext cx="1677865" cy="813786"/>
-          </a:xfrm>
-          <a:prstGeom prst="ellipse">
-            <a:avLst/>
-          </a:prstGeom>
-          <a:ln w="28575"/>
-        </p:spPr>
-        <p:style>
-          <a:lnRef idx="2">
-            <a:schemeClr val="accent1"/>
-          </a:lnRef>
-          <a:fillRef idx="1">
-            <a:schemeClr val="lt1"/>
-          </a:fillRef>
-          <a:effectRef idx="0">
-            <a:schemeClr val="accent1"/>
-          </a:effectRef>
-          <a:fontRef idx="minor">
-            <a:schemeClr val="dk1"/>
-          </a:fontRef>
-        </p:style>
-        <p:txBody>
-          <a:bodyPr rtlCol="0" anchor="ctr"/>
-          <a:lstStyle/>
-          <a:p>
-            <a:pPr algn="ctr"/>
-            <a:r>
-              <a:rPr lang="ko-KR" altLang="en-US" dirty="0"/>
-              <a:t>프로그램 일시 정지</a:t>
-            </a:r>
-          </a:p>
-        </p:txBody>
-      </p:sp>
-      <p:sp>
-        <p:nvSpPr>
-          <p:cNvPr id="62" name="TextBox 61">
-            <a:extLst>
-              <a:ext uri="{FF2B5EF4-FFF2-40B4-BE49-F238E27FC236}">
-                <a16:creationId xmlns:a16="http://schemas.microsoft.com/office/drawing/2014/main" id="{6FCB99E1-D117-48FB-88FE-A45213594D34}"/>
+                <a16:creationId xmlns:a16="http://schemas.microsoft.com/office/drawing/2014/main" id="{DE99FD0A-5E30-4F56-99DB-28C5D8127283}"/>
               </a:ext>
             </a:extLst>
           </p:cNvPr>
@@ -11573,13 +10296,16 @@
         </p:nvSpPr>
         <p:spPr>
           <a:xfrm>
-            <a:off x="7453558" y="409283"/>
-            <a:ext cx="1587624" cy="784830"/>
+            <a:off x="745724" y="169501"/>
+            <a:ext cx="3524435" cy="707886"/>
           </a:xfrm>
           <a:prstGeom prst="rect">
             <a:avLst/>
           </a:prstGeom>
           <a:noFill/>
+          <a:ln>
+            <a:noFill/>
+          </a:ln>
         </p:spPr>
         <p:txBody>
           <a:bodyPr wrap="square" rtlCol="0">
@@ -11588,1766 +10314,12 @@
           <a:lstStyle/>
           <a:p>
             <a:r>
-              <a:rPr lang="ko-KR" altLang="en-US" sz="1500" dirty="0"/>
-              <a:t>동영상 일시정지와 동시에 프로그램도 일시정시</a:t>
-            </a:r>
-          </a:p>
-        </p:txBody>
-      </p:sp>
-      <p:sp>
-        <p:nvSpPr>
-          <p:cNvPr id="55" name="직사각형 54">
-            <a:extLst>
-              <a:ext uri="{FF2B5EF4-FFF2-40B4-BE49-F238E27FC236}">
-                <a16:creationId xmlns:a16="http://schemas.microsoft.com/office/drawing/2014/main" id="{16A3F6FF-3263-49CA-A823-007175F57632}"/>
-              </a:ext>
-            </a:extLst>
-          </p:cNvPr>
-          <p:cNvSpPr/>
-          <p:nvPr/>
-        </p:nvSpPr>
-        <p:spPr>
-          <a:xfrm>
-            <a:off x="9630796" y="1388479"/>
-            <a:ext cx="1728169" cy="5127731"/>
-          </a:xfrm>
-          <a:prstGeom prst="rect">
-            <a:avLst/>
-          </a:prstGeom>
-          <a:solidFill>
-            <a:schemeClr val="accent1">
-              <a:lumMod val="40000"/>
-              <a:lumOff val="60000"/>
-            </a:schemeClr>
-          </a:solidFill>
-          <a:ln>
-            <a:noFill/>
-          </a:ln>
-        </p:spPr>
-        <p:style>
-          <a:lnRef idx="2">
-            <a:schemeClr val="accent1">
-              <a:shade val="50000"/>
-            </a:schemeClr>
-          </a:lnRef>
-          <a:fillRef idx="1">
-            <a:schemeClr val="accent1"/>
-          </a:fillRef>
-          <a:effectRef idx="0">
-            <a:schemeClr val="accent1"/>
-          </a:effectRef>
-          <a:fontRef idx="minor">
-            <a:schemeClr val="lt1"/>
-          </a:fontRef>
-        </p:style>
-        <p:txBody>
-          <a:bodyPr rtlCol="0" anchor="ctr"/>
-          <a:lstStyle/>
-          <a:p>
-            <a:pPr algn="ctr"/>
-            <a:endParaRPr lang="ko-KR" altLang="en-US"/>
-          </a:p>
-        </p:txBody>
-      </p:sp>
-      <p:sp>
-        <p:nvSpPr>
-          <p:cNvPr id="49" name="직사각형 48">
-            <a:extLst>
-              <a:ext uri="{FF2B5EF4-FFF2-40B4-BE49-F238E27FC236}">
-                <a16:creationId xmlns:a16="http://schemas.microsoft.com/office/drawing/2014/main" id="{97281921-B7CA-4FE2-A46C-4602948522C2}"/>
-              </a:ext>
-            </a:extLst>
-          </p:cNvPr>
-          <p:cNvSpPr/>
-          <p:nvPr/>
-        </p:nvSpPr>
-        <p:spPr>
-          <a:xfrm>
-            <a:off x="5218596" y="1388479"/>
-            <a:ext cx="1704505" cy="2553208"/>
-          </a:xfrm>
-          <a:prstGeom prst="rect">
-            <a:avLst/>
-          </a:prstGeom>
-          <a:solidFill>
-            <a:schemeClr val="accent1">
-              <a:lumMod val="40000"/>
-              <a:lumOff val="60000"/>
-            </a:schemeClr>
-          </a:solidFill>
-          <a:ln>
-            <a:noFill/>
-          </a:ln>
-        </p:spPr>
-        <p:style>
-          <a:lnRef idx="2">
-            <a:schemeClr val="accent1">
-              <a:shade val="50000"/>
-            </a:schemeClr>
-          </a:lnRef>
-          <a:fillRef idx="1">
-            <a:schemeClr val="accent1"/>
-          </a:fillRef>
-          <a:effectRef idx="0">
-            <a:schemeClr val="accent1"/>
-          </a:effectRef>
-          <a:fontRef idx="minor">
-            <a:schemeClr val="lt1"/>
-          </a:fontRef>
-        </p:style>
-        <p:txBody>
-          <a:bodyPr rtlCol="0" anchor="ctr"/>
-          <a:lstStyle/>
-          <a:p>
-            <a:pPr algn="ctr"/>
-            <a:endParaRPr lang="ko-KR" altLang="en-US"/>
-          </a:p>
-        </p:txBody>
-      </p:sp>
-      <p:sp>
-        <p:nvSpPr>
-          <p:cNvPr id="8" name="사각형: 둥근 모서리 7">
-            <a:extLst>
-              <a:ext uri="{FF2B5EF4-FFF2-40B4-BE49-F238E27FC236}">
-                <a16:creationId xmlns:a16="http://schemas.microsoft.com/office/drawing/2014/main" id="{B66E9C52-6C43-4C86-872E-0B03E8A6708F}"/>
-              </a:ext>
-            </a:extLst>
-          </p:cNvPr>
-          <p:cNvSpPr/>
-          <p:nvPr/>
-        </p:nvSpPr>
-        <p:spPr>
-          <a:xfrm>
-            <a:off x="346231" y="1657906"/>
-            <a:ext cx="1065319" cy="559293"/>
-          </a:xfrm>
-          <a:prstGeom prst="roundRect">
-            <a:avLst/>
-          </a:prstGeom>
-          <a:ln w="28575">
-            <a:solidFill>
-              <a:schemeClr val="accent5">
-                <a:lumMod val="75000"/>
-              </a:schemeClr>
-            </a:solidFill>
-          </a:ln>
-        </p:spPr>
-        <p:style>
-          <a:lnRef idx="2">
-            <a:schemeClr val="dk1"/>
-          </a:lnRef>
-          <a:fillRef idx="1">
-            <a:schemeClr val="lt1"/>
-          </a:fillRef>
-          <a:effectRef idx="0">
-            <a:schemeClr val="dk1"/>
-          </a:effectRef>
-          <a:fontRef idx="minor">
-            <a:schemeClr val="dk1"/>
-          </a:fontRef>
-        </p:style>
-        <p:txBody>
-          <a:bodyPr rtlCol="0" anchor="ctr"/>
-          <a:lstStyle/>
-          <a:p>
-            <a:pPr algn="ctr"/>
-            <a:r>
-              <a:rPr lang="en-US" altLang="ko-KR" sz="1500" dirty="0"/>
-              <a:t>App</a:t>
-            </a:r>
-            <a:r>
-              <a:rPr lang="ko-KR" altLang="en-US" sz="1500" dirty="0"/>
-              <a:t>실행</a:t>
-            </a:r>
-          </a:p>
-        </p:txBody>
-      </p:sp>
-      <p:cxnSp>
-        <p:nvCxnSpPr>
-          <p:cNvPr id="10" name="직선 화살표 연결선 9">
-            <a:extLst>
-              <a:ext uri="{FF2B5EF4-FFF2-40B4-BE49-F238E27FC236}">
-                <a16:creationId xmlns:a16="http://schemas.microsoft.com/office/drawing/2014/main" id="{AED70781-86E5-42DA-96C2-B9E17E030158}"/>
-              </a:ext>
-            </a:extLst>
-          </p:cNvPr>
-          <p:cNvCxnSpPr>
-            <a:stCxn id="8" idx="3"/>
-          </p:cNvCxnSpPr>
-          <p:nvPr/>
-        </p:nvCxnSpPr>
-        <p:spPr>
-          <a:xfrm flipV="1">
-            <a:off x="1411550" y="1937552"/>
-            <a:ext cx="594805" cy="1"/>
-          </a:xfrm>
-          <a:prstGeom prst="straightConnector1">
-            <a:avLst/>
-          </a:prstGeom>
-          <a:ln>
-            <a:solidFill>
-              <a:srgbClr val="FF0000"/>
-            </a:solidFill>
-            <a:tailEnd type="triangle"/>
-          </a:ln>
-        </p:spPr>
-        <p:style>
-          <a:lnRef idx="1">
-            <a:schemeClr val="accent1"/>
-          </a:lnRef>
-          <a:fillRef idx="0">
-            <a:schemeClr val="accent1"/>
-          </a:fillRef>
-          <a:effectRef idx="0">
-            <a:schemeClr val="accent1"/>
-          </a:effectRef>
-          <a:fontRef idx="minor">
-            <a:schemeClr val="tx1"/>
-          </a:fontRef>
-        </p:style>
-      </p:cxnSp>
-      <p:sp>
-        <p:nvSpPr>
-          <p:cNvPr id="12" name="사각형: 둥근 모서리 11">
-            <a:extLst>
-              <a:ext uri="{FF2B5EF4-FFF2-40B4-BE49-F238E27FC236}">
-                <a16:creationId xmlns:a16="http://schemas.microsoft.com/office/drawing/2014/main" id="{FE0077B9-1FA8-49FA-9494-74DD5CB6D599}"/>
-              </a:ext>
-            </a:extLst>
-          </p:cNvPr>
-          <p:cNvSpPr/>
-          <p:nvPr/>
-        </p:nvSpPr>
-        <p:spPr>
-          <a:xfrm>
-            <a:off x="3666479" y="1655686"/>
-            <a:ext cx="1065319" cy="559293"/>
-          </a:xfrm>
-          <a:prstGeom prst="roundRect">
-            <a:avLst/>
-          </a:prstGeom>
-          <a:ln w="28575">
-            <a:solidFill>
-              <a:schemeClr val="accent5">
-                <a:lumMod val="75000"/>
-              </a:schemeClr>
-            </a:solidFill>
-          </a:ln>
-        </p:spPr>
-        <p:style>
-          <a:lnRef idx="2">
-            <a:schemeClr val="dk1"/>
-          </a:lnRef>
-          <a:fillRef idx="1">
-            <a:schemeClr val="lt1"/>
-          </a:fillRef>
-          <a:effectRef idx="0">
-            <a:schemeClr val="dk1"/>
-          </a:effectRef>
-          <a:fontRef idx="minor">
-            <a:schemeClr val="dk1"/>
-          </a:fontRef>
-        </p:style>
-        <p:txBody>
-          <a:bodyPr rtlCol="0" anchor="ctr"/>
-          <a:lstStyle/>
-          <a:p>
-            <a:pPr algn="ctr"/>
-            <a:r>
-              <a:rPr lang="ko-KR" altLang="en-US" sz="1500" dirty="0"/>
-              <a:t>동영상 시작</a:t>
-            </a:r>
-          </a:p>
-        </p:txBody>
-      </p:sp>
-      <p:sp>
-        <p:nvSpPr>
-          <p:cNvPr id="14" name="사각형: 둥근 모서리 13">
-            <a:extLst>
-              <a:ext uri="{FF2B5EF4-FFF2-40B4-BE49-F238E27FC236}">
-                <a16:creationId xmlns:a16="http://schemas.microsoft.com/office/drawing/2014/main" id="{2F2EC453-1355-4AEA-95C4-1A6950FF1071}"/>
-              </a:ext>
-            </a:extLst>
-          </p:cNvPr>
-          <p:cNvSpPr/>
-          <p:nvPr/>
-        </p:nvSpPr>
-        <p:spPr>
-          <a:xfrm>
-            <a:off x="2006355" y="1664564"/>
-            <a:ext cx="1065319" cy="559293"/>
-          </a:xfrm>
-          <a:prstGeom prst="roundRect">
-            <a:avLst/>
-          </a:prstGeom>
-          <a:ln w="28575">
-            <a:solidFill>
-              <a:schemeClr val="accent5">
-                <a:lumMod val="75000"/>
-              </a:schemeClr>
-            </a:solidFill>
-          </a:ln>
-        </p:spPr>
-        <p:style>
-          <a:lnRef idx="2">
-            <a:schemeClr val="dk1"/>
-          </a:lnRef>
-          <a:fillRef idx="1">
-            <a:schemeClr val="lt1"/>
-          </a:fillRef>
-          <a:effectRef idx="0">
-            <a:schemeClr val="dk1"/>
-          </a:effectRef>
-          <a:fontRef idx="minor">
-            <a:schemeClr val="dk1"/>
-          </a:fontRef>
-        </p:style>
-        <p:txBody>
-          <a:bodyPr rtlCol="0" anchor="ctr"/>
-          <a:lstStyle/>
-          <a:p>
-            <a:pPr algn="ctr"/>
-            <a:r>
-              <a:rPr lang="ko-KR" altLang="en-US" sz="1500" dirty="0"/>
-              <a:t>배속설정</a:t>
-            </a:r>
-          </a:p>
-        </p:txBody>
-      </p:sp>
-      <p:sp>
-        <p:nvSpPr>
-          <p:cNvPr id="15" name="순서도: 판단 14">
-            <a:extLst>
-              <a:ext uri="{FF2B5EF4-FFF2-40B4-BE49-F238E27FC236}">
-                <a16:creationId xmlns:a16="http://schemas.microsoft.com/office/drawing/2014/main" id="{DAF51FBC-7097-4649-BAD1-E0757880C60F}"/>
-              </a:ext>
-            </a:extLst>
-          </p:cNvPr>
-          <p:cNvSpPr/>
-          <p:nvPr/>
-        </p:nvSpPr>
-        <p:spPr>
-          <a:xfrm>
-            <a:off x="5307363" y="1495886"/>
-            <a:ext cx="1538796" cy="878889"/>
-          </a:xfrm>
-          <a:prstGeom prst="flowChartDecision">
-            <a:avLst/>
-          </a:prstGeom>
-          <a:ln w="28575">
-            <a:solidFill>
-              <a:srgbClr val="0070C0"/>
-            </a:solidFill>
-          </a:ln>
-        </p:spPr>
-        <p:style>
-          <a:lnRef idx="2">
-            <a:schemeClr val="dk1"/>
-          </a:lnRef>
-          <a:fillRef idx="1">
-            <a:schemeClr val="lt1"/>
-          </a:fillRef>
-          <a:effectRef idx="0">
-            <a:schemeClr val="dk1"/>
-          </a:effectRef>
-          <a:fontRef idx="minor">
-            <a:schemeClr val="dk1"/>
-          </a:fontRef>
-        </p:style>
-        <p:txBody>
-          <a:bodyPr rtlCol="0" anchor="ctr"/>
-          <a:lstStyle/>
-          <a:p>
-            <a:pPr algn="ctr"/>
-            <a:r>
-              <a:rPr lang="ko-KR" altLang="en-US" dirty="0"/>
-              <a:t>촬영</a:t>
-            </a:r>
-          </a:p>
-        </p:txBody>
-      </p:sp>
-      <p:sp>
-        <p:nvSpPr>
-          <p:cNvPr id="20" name="TextBox 19">
-            <a:extLst>
-              <a:ext uri="{FF2B5EF4-FFF2-40B4-BE49-F238E27FC236}">
-                <a16:creationId xmlns:a16="http://schemas.microsoft.com/office/drawing/2014/main" id="{2C9DB491-BB13-4338-B64C-FD1E750086DA}"/>
-              </a:ext>
-            </a:extLst>
-          </p:cNvPr>
-          <p:cNvSpPr txBox="1"/>
-          <p:nvPr/>
-        </p:nvSpPr>
-        <p:spPr>
-          <a:xfrm>
-            <a:off x="6940839" y="1519388"/>
-            <a:ext cx="585926" cy="369332"/>
-          </a:xfrm>
-          <a:prstGeom prst="rect">
-            <a:avLst/>
-          </a:prstGeom>
-          <a:noFill/>
-        </p:spPr>
-        <p:txBody>
-          <a:bodyPr wrap="square" rtlCol="0">
-            <a:spAutoFit/>
-          </a:bodyPr>
-          <a:lstStyle/>
-          <a:p>
-            <a:r>
-              <a:rPr lang="en-US" altLang="ko-KR" dirty="0"/>
-              <a:t>NO</a:t>
-            </a:r>
-            <a:endParaRPr lang="ko-KR" altLang="en-US" dirty="0"/>
-          </a:p>
-        </p:txBody>
-      </p:sp>
-      <p:sp>
-        <p:nvSpPr>
-          <p:cNvPr id="21" name="TextBox 20">
-            <a:extLst>
-              <a:ext uri="{FF2B5EF4-FFF2-40B4-BE49-F238E27FC236}">
-                <a16:creationId xmlns:a16="http://schemas.microsoft.com/office/drawing/2014/main" id="{CA9F54AC-2F72-4005-AAFD-5A352340C8C2}"/>
-              </a:ext>
-            </a:extLst>
-          </p:cNvPr>
-          <p:cNvSpPr txBox="1"/>
-          <p:nvPr/>
-        </p:nvSpPr>
-        <p:spPr>
-          <a:xfrm>
-            <a:off x="9101094" y="1513609"/>
-            <a:ext cx="585926" cy="369332"/>
-          </a:xfrm>
-          <a:prstGeom prst="rect">
-            <a:avLst/>
-          </a:prstGeom>
-          <a:noFill/>
-        </p:spPr>
-        <p:txBody>
-          <a:bodyPr wrap="square" rtlCol="0">
-            <a:spAutoFit/>
-          </a:bodyPr>
-          <a:lstStyle/>
-          <a:p>
-            <a:r>
-              <a:rPr lang="en-US" altLang="ko-KR" dirty="0"/>
-              <a:t>NO</a:t>
-            </a:r>
-            <a:endParaRPr lang="ko-KR" altLang="en-US" dirty="0"/>
-          </a:p>
-        </p:txBody>
-      </p:sp>
-      <p:cxnSp>
-        <p:nvCxnSpPr>
-          <p:cNvPr id="24" name="직선 화살표 연결선 23">
-            <a:extLst>
-              <a:ext uri="{FF2B5EF4-FFF2-40B4-BE49-F238E27FC236}">
-                <a16:creationId xmlns:a16="http://schemas.microsoft.com/office/drawing/2014/main" id="{73AF9B12-115F-4C5D-92E9-E0FD0CF391E3}"/>
-              </a:ext>
-            </a:extLst>
-          </p:cNvPr>
-          <p:cNvCxnSpPr>
-            <a:cxnSpLocks/>
-          </p:cNvCxnSpPr>
-          <p:nvPr/>
-        </p:nvCxnSpPr>
-        <p:spPr>
-          <a:xfrm>
-            <a:off x="6076761" y="2374775"/>
-            <a:ext cx="0" cy="531184"/>
-          </a:xfrm>
-          <a:prstGeom prst="straightConnector1">
-            <a:avLst/>
-          </a:prstGeom>
-          <a:ln>
-            <a:solidFill>
-              <a:srgbClr val="FF0000"/>
-            </a:solidFill>
-            <a:tailEnd type="triangle"/>
-          </a:ln>
-        </p:spPr>
-        <p:style>
-          <a:lnRef idx="1">
-            <a:schemeClr val="accent1"/>
-          </a:lnRef>
-          <a:fillRef idx="0">
-            <a:schemeClr val="accent1"/>
-          </a:fillRef>
-          <a:effectRef idx="0">
-            <a:schemeClr val="accent1"/>
-          </a:effectRef>
-          <a:fontRef idx="minor">
-            <a:schemeClr val="tx1"/>
-          </a:fontRef>
-        </p:style>
-      </p:cxnSp>
-      <p:sp>
-        <p:nvSpPr>
-          <p:cNvPr id="27" name="TextBox 26">
-            <a:extLst>
-              <a:ext uri="{FF2B5EF4-FFF2-40B4-BE49-F238E27FC236}">
-                <a16:creationId xmlns:a16="http://schemas.microsoft.com/office/drawing/2014/main" id="{76600C0D-0E99-4728-8A75-B40DE25C32E1}"/>
-              </a:ext>
-            </a:extLst>
-          </p:cNvPr>
-          <p:cNvSpPr txBox="1"/>
-          <p:nvPr/>
-        </p:nvSpPr>
-        <p:spPr>
-          <a:xfrm>
-            <a:off x="6329781" y="2467994"/>
-            <a:ext cx="852253" cy="369332"/>
-          </a:xfrm>
-          <a:prstGeom prst="rect">
-            <a:avLst/>
-          </a:prstGeom>
-          <a:noFill/>
-        </p:spPr>
-        <p:txBody>
-          <a:bodyPr wrap="square" rtlCol="0">
-            <a:spAutoFit/>
-          </a:bodyPr>
-          <a:lstStyle/>
-          <a:p>
-            <a:r>
-              <a:rPr lang="en-US" altLang="ko-KR" dirty="0"/>
-              <a:t>YES</a:t>
-            </a:r>
-            <a:endParaRPr lang="ko-KR" altLang="en-US" dirty="0"/>
-          </a:p>
-        </p:txBody>
-      </p:sp>
-      <p:sp>
-        <p:nvSpPr>
-          <p:cNvPr id="28" name="TextBox 27">
-            <a:extLst>
-              <a:ext uri="{FF2B5EF4-FFF2-40B4-BE49-F238E27FC236}">
-                <a16:creationId xmlns:a16="http://schemas.microsoft.com/office/drawing/2014/main" id="{BF830DDD-15D1-4F39-938A-7528B255CACE}"/>
-              </a:ext>
-            </a:extLst>
-          </p:cNvPr>
-          <p:cNvSpPr txBox="1"/>
-          <p:nvPr/>
-        </p:nvSpPr>
-        <p:spPr>
-          <a:xfrm>
-            <a:off x="8577315" y="2467994"/>
-            <a:ext cx="852253" cy="369332"/>
-          </a:xfrm>
-          <a:prstGeom prst="rect">
-            <a:avLst/>
-          </a:prstGeom>
-          <a:noFill/>
-        </p:spPr>
-        <p:txBody>
-          <a:bodyPr wrap="square" rtlCol="0">
-            <a:spAutoFit/>
-          </a:bodyPr>
-          <a:lstStyle/>
-          <a:p>
-            <a:r>
-              <a:rPr lang="en-US" altLang="ko-KR" dirty="0"/>
-              <a:t>YES</a:t>
-            </a:r>
-            <a:endParaRPr lang="ko-KR" altLang="en-US" dirty="0"/>
-          </a:p>
-        </p:txBody>
-      </p:sp>
-      <p:sp>
-        <p:nvSpPr>
-          <p:cNvPr id="30" name="타원 29">
-            <a:extLst>
-              <a:ext uri="{FF2B5EF4-FFF2-40B4-BE49-F238E27FC236}">
-                <a16:creationId xmlns:a16="http://schemas.microsoft.com/office/drawing/2014/main" id="{110F006D-5E0E-4F37-8ED1-9D4D5226C936}"/>
-              </a:ext>
-            </a:extLst>
-          </p:cNvPr>
-          <p:cNvSpPr/>
-          <p:nvPr/>
-        </p:nvSpPr>
-        <p:spPr>
-          <a:xfrm>
-            <a:off x="5237828" y="2920755"/>
-            <a:ext cx="1677865" cy="813786"/>
-          </a:xfrm>
-          <a:prstGeom prst="ellipse">
-            <a:avLst/>
-          </a:prstGeom>
-          <a:ln w="28575"/>
-        </p:spPr>
-        <p:style>
-          <a:lnRef idx="2">
-            <a:schemeClr val="accent1"/>
-          </a:lnRef>
-          <a:fillRef idx="1">
-            <a:schemeClr val="lt1"/>
-          </a:fillRef>
-          <a:effectRef idx="0">
-            <a:schemeClr val="accent1"/>
-          </a:effectRef>
-          <a:fontRef idx="minor">
-            <a:schemeClr val="dk1"/>
-          </a:fontRef>
-        </p:style>
-        <p:txBody>
-          <a:bodyPr rtlCol="0" anchor="ctr"/>
-          <a:lstStyle/>
-          <a:p>
-            <a:pPr algn="ctr"/>
-            <a:r>
-              <a:rPr lang="ko-KR" altLang="en-US" dirty="0"/>
-              <a:t>사진 저장</a:t>
-            </a:r>
-          </a:p>
-        </p:txBody>
-      </p:sp>
-      <p:sp>
-        <p:nvSpPr>
-          <p:cNvPr id="35" name="사각형: 둥근 모서리 34">
-            <a:extLst>
-              <a:ext uri="{FF2B5EF4-FFF2-40B4-BE49-F238E27FC236}">
-                <a16:creationId xmlns:a16="http://schemas.microsoft.com/office/drawing/2014/main" id="{05E562B5-18C6-4D7B-8BF8-3C1A350FA0E7}"/>
-              </a:ext>
-            </a:extLst>
-          </p:cNvPr>
-          <p:cNvSpPr/>
-          <p:nvPr/>
-        </p:nvSpPr>
-        <p:spPr>
-          <a:xfrm>
-            <a:off x="9953355" y="1653918"/>
-            <a:ext cx="1065319" cy="559293"/>
-          </a:xfrm>
-          <a:prstGeom prst="roundRect">
-            <a:avLst/>
-          </a:prstGeom>
-          <a:ln w="28575">
-            <a:solidFill>
-              <a:schemeClr val="accent5">
-                <a:lumMod val="75000"/>
-              </a:schemeClr>
-            </a:solidFill>
-          </a:ln>
-        </p:spPr>
-        <p:style>
-          <a:lnRef idx="2">
-            <a:schemeClr val="dk1"/>
-          </a:lnRef>
-          <a:fillRef idx="1">
-            <a:schemeClr val="lt1"/>
-          </a:fillRef>
-          <a:effectRef idx="0">
-            <a:schemeClr val="dk1"/>
-          </a:effectRef>
-          <a:fontRef idx="minor">
-            <a:schemeClr val="dk1"/>
-          </a:fontRef>
-        </p:style>
-        <p:txBody>
-          <a:bodyPr rtlCol="0" anchor="ctr"/>
-          <a:lstStyle/>
-          <a:p>
-            <a:pPr algn="ctr"/>
-            <a:r>
-              <a:rPr lang="ko-KR" altLang="en-US" sz="1500" dirty="0"/>
-              <a:t>동영상 종료</a:t>
-            </a:r>
-          </a:p>
-        </p:txBody>
-      </p:sp>
-      <p:cxnSp>
-        <p:nvCxnSpPr>
-          <p:cNvPr id="36" name="직선 화살표 연결선 35">
-            <a:extLst>
-              <a:ext uri="{FF2B5EF4-FFF2-40B4-BE49-F238E27FC236}">
-                <a16:creationId xmlns:a16="http://schemas.microsoft.com/office/drawing/2014/main" id="{0CBC6124-8A75-4A79-AD1E-C62D024A49BE}"/>
-              </a:ext>
-            </a:extLst>
-          </p:cNvPr>
-          <p:cNvCxnSpPr>
-            <a:cxnSpLocks/>
-            <a:stCxn id="35" idx="2"/>
-          </p:cNvCxnSpPr>
-          <p:nvPr/>
-        </p:nvCxnSpPr>
-        <p:spPr>
-          <a:xfrm flipH="1">
-            <a:off x="10484537" y="2213211"/>
-            <a:ext cx="1478" cy="666114"/>
-          </a:xfrm>
-          <a:prstGeom prst="straightConnector1">
-            <a:avLst/>
-          </a:prstGeom>
-          <a:ln>
-            <a:solidFill>
-              <a:srgbClr val="FF0000"/>
-            </a:solidFill>
-            <a:tailEnd type="triangle"/>
-          </a:ln>
-        </p:spPr>
-        <p:style>
-          <a:lnRef idx="1">
-            <a:schemeClr val="accent1"/>
-          </a:lnRef>
-          <a:fillRef idx="0">
-            <a:schemeClr val="accent1"/>
-          </a:fillRef>
-          <a:effectRef idx="0">
-            <a:schemeClr val="accent1"/>
-          </a:effectRef>
-          <a:fontRef idx="minor">
-            <a:schemeClr val="tx1"/>
-          </a:fontRef>
-        </p:style>
-      </p:cxnSp>
-      <p:sp>
-        <p:nvSpPr>
-          <p:cNvPr id="38" name="타원 37">
-            <a:extLst>
-              <a:ext uri="{FF2B5EF4-FFF2-40B4-BE49-F238E27FC236}">
-                <a16:creationId xmlns:a16="http://schemas.microsoft.com/office/drawing/2014/main" id="{338C1FAF-BF55-4D29-B9CD-974EA1B5C620}"/>
-              </a:ext>
-            </a:extLst>
-          </p:cNvPr>
-          <p:cNvSpPr/>
-          <p:nvPr/>
-        </p:nvSpPr>
-        <p:spPr>
-          <a:xfrm>
-            <a:off x="9657430" y="2894121"/>
-            <a:ext cx="1677865" cy="813786"/>
-          </a:xfrm>
-          <a:prstGeom prst="ellipse">
-            <a:avLst/>
-          </a:prstGeom>
-          <a:ln w="28575"/>
-        </p:spPr>
-        <p:style>
-          <a:lnRef idx="2">
-            <a:schemeClr val="accent1"/>
-          </a:lnRef>
-          <a:fillRef idx="1">
-            <a:schemeClr val="lt1"/>
-          </a:fillRef>
-          <a:effectRef idx="0">
-            <a:schemeClr val="accent1"/>
-          </a:effectRef>
-          <a:fontRef idx="minor">
-            <a:schemeClr val="dk1"/>
-          </a:fontRef>
-        </p:style>
-        <p:txBody>
-          <a:bodyPr rtlCol="0" anchor="ctr"/>
-          <a:lstStyle/>
-          <a:p>
-            <a:pPr algn="ctr"/>
-            <a:r>
-              <a:rPr lang="ko-KR" altLang="en-US" dirty="0"/>
-              <a:t>텍스트화</a:t>
-            </a:r>
-          </a:p>
-        </p:txBody>
-      </p:sp>
-      <p:cxnSp>
-        <p:nvCxnSpPr>
-          <p:cNvPr id="42" name="연결선: 구부러짐 41">
-            <a:extLst>
-              <a:ext uri="{FF2B5EF4-FFF2-40B4-BE49-F238E27FC236}">
-                <a16:creationId xmlns:a16="http://schemas.microsoft.com/office/drawing/2014/main" id="{40DEB45E-F581-42D8-B2B7-D02CF34E4C0A}"/>
-              </a:ext>
-            </a:extLst>
-          </p:cNvPr>
-          <p:cNvCxnSpPr>
-            <a:cxnSpLocks/>
-            <a:stCxn id="30" idx="2"/>
-          </p:cNvCxnSpPr>
-          <p:nvPr/>
-        </p:nvCxnSpPr>
-        <p:spPr>
-          <a:xfrm rot="10800000">
-            <a:off x="4367814" y="2213212"/>
-            <a:ext cx="870014" cy="1114437"/>
-          </a:xfrm>
-          <a:prstGeom prst="curvedConnector2">
-            <a:avLst/>
-          </a:prstGeom>
-          <a:ln>
-            <a:solidFill>
-              <a:srgbClr val="FF0000"/>
-            </a:solidFill>
-            <a:tailEnd type="triangle"/>
-          </a:ln>
-        </p:spPr>
-        <p:style>
-          <a:lnRef idx="1">
-            <a:schemeClr val="accent1"/>
-          </a:lnRef>
-          <a:fillRef idx="0">
-            <a:schemeClr val="accent1"/>
-          </a:fillRef>
-          <a:effectRef idx="0">
-            <a:schemeClr val="accent1"/>
-          </a:effectRef>
-          <a:fontRef idx="minor">
-            <a:schemeClr val="tx1"/>
-          </a:fontRef>
-        </p:style>
-      </p:cxnSp>
-      <p:sp>
-        <p:nvSpPr>
-          <p:cNvPr id="43" name="타원 42">
-            <a:extLst>
-              <a:ext uri="{FF2B5EF4-FFF2-40B4-BE49-F238E27FC236}">
-                <a16:creationId xmlns:a16="http://schemas.microsoft.com/office/drawing/2014/main" id="{275C3CEC-24F8-4214-98E4-3D3D251476BF}"/>
-              </a:ext>
-            </a:extLst>
-          </p:cNvPr>
-          <p:cNvSpPr/>
-          <p:nvPr/>
-        </p:nvSpPr>
-        <p:spPr>
-          <a:xfrm>
-            <a:off x="9645604" y="4219975"/>
-            <a:ext cx="1677865" cy="813786"/>
-          </a:xfrm>
-          <a:prstGeom prst="ellipse">
-            <a:avLst/>
-          </a:prstGeom>
-          <a:ln w="28575"/>
-        </p:spPr>
-        <p:style>
-          <a:lnRef idx="2">
-            <a:schemeClr val="accent1"/>
-          </a:lnRef>
-          <a:fillRef idx="1">
-            <a:schemeClr val="lt1"/>
-          </a:fillRef>
-          <a:effectRef idx="0">
-            <a:schemeClr val="accent1"/>
-          </a:effectRef>
-          <a:fontRef idx="minor">
-            <a:schemeClr val="dk1"/>
-          </a:fontRef>
-        </p:style>
-        <p:txBody>
-          <a:bodyPr rtlCol="0" anchor="ctr"/>
-          <a:lstStyle/>
-          <a:p>
-            <a:pPr algn="ctr"/>
-            <a:r>
-              <a:rPr lang="ko-KR" altLang="en-US" dirty="0"/>
-              <a:t>키워드</a:t>
-            </a:r>
-            <a:endParaRPr lang="en-US" altLang="ko-KR" dirty="0"/>
-          </a:p>
-          <a:p>
-            <a:pPr algn="ctr"/>
-            <a:r>
-              <a:rPr lang="ko-KR" altLang="en-US" dirty="0"/>
-              <a:t>강조</a:t>
-            </a:r>
-            <a:endParaRPr lang="en-US" altLang="ko-KR" dirty="0"/>
-          </a:p>
-        </p:txBody>
-      </p:sp>
-      <p:cxnSp>
-        <p:nvCxnSpPr>
-          <p:cNvPr id="44" name="직선 화살표 연결선 43">
-            <a:extLst>
-              <a:ext uri="{FF2B5EF4-FFF2-40B4-BE49-F238E27FC236}">
-                <a16:creationId xmlns:a16="http://schemas.microsoft.com/office/drawing/2014/main" id="{0D0CFDF9-C764-4E17-896F-95D1416C083C}"/>
-              </a:ext>
-            </a:extLst>
-          </p:cNvPr>
-          <p:cNvCxnSpPr>
-            <a:cxnSpLocks/>
-            <a:endCxn id="43" idx="0"/>
-          </p:cNvCxnSpPr>
-          <p:nvPr/>
-        </p:nvCxnSpPr>
-        <p:spPr>
-          <a:xfrm flipH="1">
-            <a:off x="10484537" y="3722703"/>
-            <a:ext cx="1478" cy="497272"/>
-          </a:xfrm>
-          <a:prstGeom prst="straightConnector1">
-            <a:avLst/>
-          </a:prstGeom>
-          <a:ln>
-            <a:solidFill>
-              <a:srgbClr val="FF0000"/>
-            </a:solidFill>
-            <a:tailEnd type="triangle"/>
-          </a:ln>
-        </p:spPr>
-        <p:style>
-          <a:lnRef idx="1">
-            <a:schemeClr val="accent1"/>
-          </a:lnRef>
-          <a:fillRef idx="0">
-            <a:schemeClr val="accent1"/>
-          </a:fillRef>
-          <a:effectRef idx="0">
-            <a:schemeClr val="accent1"/>
-          </a:effectRef>
-          <a:fontRef idx="minor">
-            <a:schemeClr val="tx1"/>
-          </a:fontRef>
-        </p:style>
-      </p:cxnSp>
-      <p:sp>
-        <p:nvSpPr>
-          <p:cNvPr id="46" name="타원 45">
-            <a:extLst>
-              <a:ext uri="{FF2B5EF4-FFF2-40B4-BE49-F238E27FC236}">
-                <a16:creationId xmlns:a16="http://schemas.microsoft.com/office/drawing/2014/main" id="{7E446DD2-A1DE-4207-824E-BA867C070DEE}"/>
-              </a:ext>
-            </a:extLst>
-          </p:cNvPr>
-          <p:cNvSpPr/>
-          <p:nvPr/>
-        </p:nvSpPr>
-        <p:spPr>
-          <a:xfrm>
-            <a:off x="9645604" y="5579680"/>
-            <a:ext cx="1677865" cy="813786"/>
-          </a:xfrm>
-          <a:prstGeom prst="ellipse">
-            <a:avLst/>
-          </a:prstGeom>
-          <a:ln w="28575"/>
-        </p:spPr>
-        <p:style>
-          <a:lnRef idx="2">
-            <a:schemeClr val="accent1"/>
-          </a:lnRef>
-          <a:fillRef idx="1">
-            <a:schemeClr val="lt1"/>
-          </a:fillRef>
-          <a:effectRef idx="0">
-            <a:schemeClr val="accent1"/>
-          </a:effectRef>
-          <a:fontRef idx="minor">
-            <a:schemeClr val="dk1"/>
-          </a:fontRef>
-        </p:style>
-        <p:txBody>
-          <a:bodyPr rtlCol="0" anchor="ctr"/>
-          <a:lstStyle/>
-          <a:p>
-            <a:pPr algn="ctr"/>
-            <a:r>
-              <a:rPr lang="ko-KR" altLang="en-US" dirty="0"/>
-              <a:t>텍스트 </a:t>
-            </a:r>
-            <a:endParaRPr lang="en-US" altLang="ko-KR" dirty="0"/>
-          </a:p>
-          <a:p>
-            <a:pPr algn="ctr"/>
-            <a:r>
-              <a:rPr lang="ko-KR" altLang="en-US" dirty="0"/>
-              <a:t>파일 저장</a:t>
-            </a:r>
-            <a:endParaRPr lang="en-US" altLang="ko-KR" dirty="0"/>
-          </a:p>
-        </p:txBody>
-      </p:sp>
-      <p:cxnSp>
-        <p:nvCxnSpPr>
-          <p:cNvPr id="47" name="직선 화살표 연결선 46">
-            <a:extLst>
-              <a:ext uri="{FF2B5EF4-FFF2-40B4-BE49-F238E27FC236}">
-                <a16:creationId xmlns:a16="http://schemas.microsoft.com/office/drawing/2014/main" id="{B037B2EB-CC45-4D4C-8A38-9A5E8FAD1993}"/>
-              </a:ext>
-            </a:extLst>
-          </p:cNvPr>
-          <p:cNvCxnSpPr>
-            <a:cxnSpLocks/>
-            <a:endCxn id="46" idx="0"/>
-          </p:cNvCxnSpPr>
-          <p:nvPr/>
-        </p:nvCxnSpPr>
-        <p:spPr>
-          <a:xfrm flipH="1">
-            <a:off x="10484537" y="5086905"/>
-            <a:ext cx="17746" cy="492775"/>
-          </a:xfrm>
-          <a:prstGeom prst="straightConnector1">
-            <a:avLst/>
-          </a:prstGeom>
-          <a:ln>
-            <a:solidFill>
-              <a:srgbClr val="FF0000"/>
-            </a:solidFill>
-            <a:tailEnd type="triangle"/>
-          </a:ln>
-        </p:spPr>
-        <p:style>
-          <a:lnRef idx="1">
-            <a:schemeClr val="accent1"/>
-          </a:lnRef>
-          <a:fillRef idx="0">
-            <a:schemeClr val="accent1"/>
-          </a:fillRef>
-          <a:effectRef idx="0">
-            <a:schemeClr val="accent1"/>
-          </a:effectRef>
-          <a:fontRef idx="minor">
-            <a:schemeClr val="tx1"/>
-          </a:fontRef>
-        </p:style>
-      </p:cxnSp>
-      <p:sp>
-        <p:nvSpPr>
-          <p:cNvPr id="57" name="TextBox 56">
-            <a:extLst>
-              <a:ext uri="{FF2B5EF4-FFF2-40B4-BE49-F238E27FC236}">
-                <a16:creationId xmlns:a16="http://schemas.microsoft.com/office/drawing/2014/main" id="{9A3F8E04-12FB-4703-9FA6-C616C6779328}"/>
-              </a:ext>
-            </a:extLst>
-          </p:cNvPr>
-          <p:cNvSpPr txBox="1"/>
-          <p:nvPr/>
-        </p:nvSpPr>
-        <p:spPr>
-          <a:xfrm>
-            <a:off x="5214148" y="409283"/>
-            <a:ext cx="1587624" cy="553998"/>
-          </a:xfrm>
-          <a:prstGeom prst="rect">
-            <a:avLst/>
-          </a:prstGeom>
-          <a:noFill/>
-        </p:spPr>
-        <p:txBody>
-          <a:bodyPr wrap="square" rtlCol="0">
-            <a:spAutoFit/>
-          </a:bodyPr>
-          <a:lstStyle/>
-          <a:p>
-            <a:r>
-              <a:rPr lang="ko-KR" altLang="en-US" sz="1500" dirty="0"/>
-              <a:t>사진 촬영으로 판서 바로 촬영</a:t>
-            </a:r>
-          </a:p>
-        </p:txBody>
-      </p:sp>
-      <p:sp>
-        <p:nvSpPr>
-          <p:cNvPr id="58" name="TextBox 57">
-            <a:extLst>
-              <a:ext uri="{FF2B5EF4-FFF2-40B4-BE49-F238E27FC236}">
-                <a16:creationId xmlns:a16="http://schemas.microsoft.com/office/drawing/2014/main" id="{4063E82C-657E-4406-92D1-99A7A7F954B3}"/>
-              </a:ext>
-            </a:extLst>
-          </p:cNvPr>
-          <p:cNvSpPr txBox="1"/>
-          <p:nvPr/>
-        </p:nvSpPr>
-        <p:spPr>
-          <a:xfrm>
-            <a:off x="9686276" y="410367"/>
-            <a:ext cx="1587624" cy="784830"/>
-          </a:xfrm>
-          <a:prstGeom prst="rect">
-            <a:avLst/>
-          </a:prstGeom>
-          <a:noFill/>
-        </p:spPr>
-        <p:txBody>
-          <a:bodyPr wrap="square" rtlCol="0">
-            <a:spAutoFit/>
-          </a:bodyPr>
-          <a:lstStyle/>
-          <a:p>
-            <a:r>
-              <a:rPr lang="ko-KR" altLang="en-US" sz="1500" dirty="0"/>
-              <a:t>동영상이 종료되면 자막 파일이 생성됨</a:t>
-            </a:r>
-          </a:p>
-        </p:txBody>
-      </p:sp>
-      <p:sp>
-        <p:nvSpPr>
-          <p:cNvPr id="59" name="TextBox 58">
-            <a:extLst>
-              <a:ext uri="{FF2B5EF4-FFF2-40B4-BE49-F238E27FC236}">
-                <a16:creationId xmlns:a16="http://schemas.microsoft.com/office/drawing/2014/main" id="{FDDE399D-61F6-4831-9CAD-9477EC235242}"/>
-              </a:ext>
-            </a:extLst>
-          </p:cNvPr>
-          <p:cNvSpPr txBox="1"/>
-          <p:nvPr/>
-        </p:nvSpPr>
-        <p:spPr>
-          <a:xfrm>
-            <a:off x="745726" y="275209"/>
-            <a:ext cx="3710864" cy="707886"/>
-          </a:xfrm>
-          <a:prstGeom prst="rect">
-            <a:avLst/>
-          </a:prstGeom>
-          <a:noFill/>
-        </p:spPr>
-        <p:txBody>
-          <a:bodyPr wrap="square" rtlCol="0">
-            <a:spAutoFit/>
-          </a:bodyPr>
-          <a:lstStyle/>
-          <a:p>
-            <a:r>
-              <a:rPr lang="en-US" altLang="ko-KR" sz="4000" dirty="0"/>
-              <a:t>Task Flow </a:t>
-            </a:r>
-            <a:r>
-              <a:rPr lang="en-US" altLang="ko-KR" dirty="0"/>
-              <a:t>at mobile</a:t>
-            </a:r>
-            <a:endParaRPr lang="ko-KR" altLang="en-US" dirty="0"/>
-          </a:p>
-        </p:txBody>
-      </p:sp>
-      <p:sp>
-        <p:nvSpPr>
-          <p:cNvPr id="37" name="순서도: 판단 36">
-            <a:extLst>
-              <a:ext uri="{FF2B5EF4-FFF2-40B4-BE49-F238E27FC236}">
-                <a16:creationId xmlns:a16="http://schemas.microsoft.com/office/drawing/2014/main" id="{F047CCEB-B7F1-4F5E-BA93-2AEF73492E40}"/>
-              </a:ext>
-            </a:extLst>
-          </p:cNvPr>
-          <p:cNvSpPr/>
-          <p:nvPr/>
-        </p:nvSpPr>
-        <p:spPr>
-          <a:xfrm>
-            <a:off x="1738566" y="2763917"/>
-            <a:ext cx="1587624" cy="878889"/>
-          </a:xfrm>
-          <a:prstGeom prst="flowChartDecision">
-            <a:avLst/>
-          </a:prstGeom>
-          <a:ln w="28575">
-            <a:solidFill>
-              <a:srgbClr val="0070C0"/>
-            </a:solidFill>
-          </a:ln>
-        </p:spPr>
-        <p:style>
-          <a:lnRef idx="2">
-            <a:schemeClr val="dk1"/>
-          </a:lnRef>
-          <a:fillRef idx="1">
-            <a:schemeClr val="lt1"/>
-          </a:fillRef>
-          <a:effectRef idx="0">
-            <a:schemeClr val="dk1"/>
-          </a:effectRef>
-          <a:fontRef idx="minor">
-            <a:schemeClr val="dk1"/>
-          </a:fontRef>
-        </p:style>
-        <p:txBody>
-          <a:bodyPr rtlCol="0" anchor="ctr"/>
-          <a:lstStyle/>
-          <a:p>
-            <a:pPr algn="ctr"/>
-            <a:r>
-              <a:rPr lang="ko-KR" altLang="en-US" sz="1500" dirty="0"/>
-              <a:t>폰에서 실행</a:t>
-            </a:r>
-          </a:p>
-        </p:txBody>
-      </p:sp>
-      <p:cxnSp>
-        <p:nvCxnSpPr>
-          <p:cNvPr id="39" name="직선 화살표 연결선 38">
-            <a:extLst>
-              <a:ext uri="{FF2B5EF4-FFF2-40B4-BE49-F238E27FC236}">
-                <a16:creationId xmlns:a16="http://schemas.microsoft.com/office/drawing/2014/main" id="{CBA595C1-D233-4DBF-8848-C54CB472C4FA}"/>
-              </a:ext>
-            </a:extLst>
-          </p:cNvPr>
-          <p:cNvCxnSpPr>
-            <a:cxnSpLocks/>
-            <a:stCxn id="14" idx="2"/>
-            <a:endCxn id="37" idx="0"/>
-          </p:cNvCxnSpPr>
-          <p:nvPr/>
-        </p:nvCxnSpPr>
-        <p:spPr>
-          <a:xfrm flipH="1">
-            <a:off x="2532378" y="2223857"/>
-            <a:ext cx="6637" cy="540060"/>
-          </a:xfrm>
-          <a:prstGeom prst="straightConnector1">
-            <a:avLst/>
-          </a:prstGeom>
-          <a:ln>
-            <a:solidFill>
-              <a:srgbClr val="FF0000"/>
-            </a:solidFill>
-            <a:tailEnd type="triangle"/>
-          </a:ln>
-        </p:spPr>
-        <p:style>
-          <a:lnRef idx="1">
-            <a:schemeClr val="accent1"/>
-          </a:lnRef>
-          <a:fillRef idx="0">
-            <a:schemeClr val="accent1"/>
-          </a:fillRef>
-          <a:effectRef idx="0">
-            <a:schemeClr val="accent1"/>
-          </a:effectRef>
-          <a:fontRef idx="minor">
-            <a:schemeClr val="tx1"/>
-          </a:fontRef>
-        </p:style>
-      </p:cxnSp>
-      <p:cxnSp>
-        <p:nvCxnSpPr>
-          <p:cNvPr id="6" name="연결선: 구부러짐 5">
-            <a:extLst>
-              <a:ext uri="{FF2B5EF4-FFF2-40B4-BE49-F238E27FC236}">
-                <a16:creationId xmlns:a16="http://schemas.microsoft.com/office/drawing/2014/main" id="{FA80DEF1-BFFA-4497-A246-EE32B32C49C1}"/>
-              </a:ext>
-            </a:extLst>
-          </p:cNvPr>
-          <p:cNvCxnSpPr>
-            <a:cxnSpLocks/>
-            <a:stCxn id="37" idx="3"/>
-          </p:cNvCxnSpPr>
-          <p:nvPr/>
-        </p:nvCxnSpPr>
-        <p:spPr>
-          <a:xfrm flipV="1">
-            <a:off x="3326190" y="2223857"/>
-            <a:ext cx="686517" cy="979505"/>
-          </a:xfrm>
-          <a:prstGeom prst="curvedConnector2">
-            <a:avLst/>
-          </a:prstGeom>
-          <a:ln>
-            <a:solidFill>
-              <a:srgbClr val="FF0000"/>
-            </a:solidFill>
-            <a:tailEnd type="triangle"/>
-          </a:ln>
-        </p:spPr>
-        <p:style>
-          <a:lnRef idx="1">
-            <a:schemeClr val="accent1"/>
-          </a:lnRef>
-          <a:fillRef idx="0">
-            <a:schemeClr val="accent1"/>
-          </a:fillRef>
-          <a:effectRef idx="0">
-            <a:schemeClr val="accent1"/>
-          </a:effectRef>
-          <a:fontRef idx="minor">
-            <a:schemeClr val="tx1"/>
-          </a:fontRef>
-        </p:style>
-      </p:cxnSp>
-      <p:sp>
-        <p:nvSpPr>
-          <p:cNvPr id="45" name="TextBox 44">
-            <a:extLst>
-              <a:ext uri="{FF2B5EF4-FFF2-40B4-BE49-F238E27FC236}">
-                <a16:creationId xmlns:a16="http://schemas.microsoft.com/office/drawing/2014/main" id="{F9F5CF1C-30D3-4E79-9C72-CB52807FA438}"/>
-              </a:ext>
-            </a:extLst>
-          </p:cNvPr>
-          <p:cNvSpPr txBox="1"/>
-          <p:nvPr/>
-        </p:nvSpPr>
-        <p:spPr>
-          <a:xfrm>
-            <a:off x="2762066" y="3674740"/>
-            <a:ext cx="852253" cy="369332"/>
-          </a:xfrm>
-          <a:prstGeom prst="rect">
-            <a:avLst/>
-          </a:prstGeom>
-          <a:noFill/>
-        </p:spPr>
-        <p:txBody>
-          <a:bodyPr wrap="square" rtlCol="0">
-            <a:spAutoFit/>
-          </a:bodyPr>
-          <a:lstStyle/>
-          <a:p>
-            <a:r>
-              <a:rPr lang="en-US" altLang="ko-KR" dirty="0"/>
-              <a:t>YES</a:t>
-            </a:r>
-            <a:endParaRPr lang="ko-KR" altLang="en-US" dirty="0"/>
-          </a:p>
-        </p:txBody>
-      </p:sp>
-      <p:cxnSp>
-        <p:nvCxnSpPr>
-          <p:cNvPr id="50" name="직선 화살표 연결선 49">
-            <a:extLst>
-              <a:ext uri="{FF2B5EF4-FFF2-40B4-BE49-F238E27FC236}">
-                <a16:creationId xmlns:a16="http://schemas.microsoft.com/office/drawing/2014/main" id="{720AF0CF-1A59-4154-82AE-B92E6DB050D7}"/>
-              </a:ext>
-            </a:extLst>
-          </p:cNvPr>
-          <p:cNvCxnSpPr>
-            <a:cxnSpLocks/>
-            <a:stCxn id="37" idx="2"/>
-            <a:endCxn id="52" idx="0"/>
-          </p:cNvCxnSpPr>
-          <p:nvPr/>
-        </p:nvCxnSpPr>
-        <p:spPr>
-          <a:xfrm>
-            <a:off x="2532378" y="3642806"/>
-            <a:ext cx="0" cy="557816"/>
-          </a:xfrm>
-          <a:prstGeom prst="straightConnector1">
-            <a:avLst/>
-          </a:prstGeom>
-          <a:ln>
-            <a:solidFill>
-              <a:srgbClr val="FF0000"/>
-            </a:solidFill>
-            <a:tailEnd type="triangle"/>
-          </a:ln>
-        </p:spPr>
-        <p:style>
-          <a:lnRef idx="1">
-            <a:schemeClr val="accent1"/>
-          </a:lnRef>
-          <a:fillRef idx="0">
-            <a:schemeClr val="accent1"/>
-          </a:fillRef>
-          <a:effectRef idx="0">
-            <a:schemeClr val="accent1"/>
-          </a:effectRef>
-          <a:fontRef idx="minor">
-            <a:schemeClr val="tx1"/>
-          </a:fontRef>
-        </p:style>
-      </p:cxnSp>
-      <p:sp>
-        <p:nvSpPr>
-          <p:cNvPr id="51" name="TextBox 50">
-            <a:extLst>
-              <a:ext uri="{FF2B5EF4-FFF2-40B4-BE49-F238E27FC236}">
-                <a16:creationId xmlns:a16="http://schemas.microsoft.com/office/drawing/2014/main" id="{AEEC357D-60A1-45A7-9EEB-17783809413D}"/>
-              </a:ext>
-            </a:extLst>
-          </p:cNvPr>
-          <p:cNvSpPr txBox="1"/>
-          <p:nvPr/>
-        </p:nvSpPr>
-        <p:spPr>
-          <a:xfrm>
-            <a:off x="3088708" y="2640367"/>
-            <a:ext cx="585926" cy="369332"/>
-          </a:xfrm>
-          <a:prstGeom prst="rect">
-            <a:avLst/>
-          </a:prstGeom>
-          <a:noFill/>
-        </p:spPr>
-        <p:txBody>
-          <a:bodyPr wrap="square" rtlCol="0">
-            <a:spAutoFit/>
-          </a:bodyPr>
-          <a:lstStyle/>
-          <a:p>
-            <a:r>
-              <a:rPr lang="en-US" altLang="ko-KR" dirty="0"/>
-              <a:t>NO</a:t>
-            </a:r>
-            <a:endParaRPr lang="ko-KR" altLang="en-US" dirty="0"/>
-          </a:p>
-        </p:txBody>
-      </p:sp>
-      <p:sp>
-        <p:nvSpPr>
-          <p:cNvPr id="52" name="타원 51">
-            <a:extLst>
-              <a:ext uri="{FF2B5EF4-FFF2-40B4-BE49-F238E27FC236}">
-                <a16:creationId xmlns:a16="http://schemas.microsoft.com/office/drawing/2014/main" id="{7C23EE9A-203B-4667-8A64-219F0388697D}"/>
-              </a:ext>
-            </a:extLst>
-          </p:cNvPr>
-          <p:cNvSpPr/>
-          <p:nvPr/>
-        </p:nvSpPr>
-        <p:spPr>
-          <a:xfrm>
-            <a:off x="1693445" y="4200622"/>
-            <a:ext cx="1677865" cy="813786"/>
-          </a:xfrm>
-          <a:prstGeom prst="ellipse">
-            <a:avLst/>
-          </a:prstGeom>
-          <a:ln w="28575"/>
-        </p:spPr>
-        <p:style>
-          <a:lnRef idx="2">
-            <a:schemeClr val="accent1"/>
-          </a:lnRef>
-          <a:fillRef idx="1">
-            <a:schemeClr val="lt1"/>
-          </a:fillRef>
-          <a:effectRef idx="0">
-            <a:schemeClr val="accent1"/>
-          </a:effectRef>
-          <a:fontRef idx="minor">
-            <a:schemeClr val="dk1"/>
-          </a:fontRef>
-        </p:style>
-        <p:txBody>
-          <a:bodyPr rtlCol="0" anchor="ctr"/>
-          <a:lstStyle/>
-          <a:p>
-            <a:pPr algn="ctr"/>
-            <a:r>
-              <a:rPr lang="ko-KR" altLang="en-US" dirty="0"/>
-              <a:t>동영상 위에서 실행</a:t>
-            </a:r>
-          </a:p>
-        </p:txBody>
-      </p:sp>
-      <p:cxnSp>
-        <p:nvCxnSpPr>
-          <p:cNvPr id="63" name="직선 화살표 연결선 62">
-            <a:extLst>
-              <a:ext uri="{FF2B5EF4-FFF2-40B4-BE49-F238E27FC236}">
-                <a16:creationId xmlns:a16="http://schemas.microsoft.com/office/drawing/2014/main" id="{4D8B8CED-7541-44FC-AB15-04B26D041BDF}"/>
-              </a:ext>
-            </a:extLst>
-          </p:cNvPr>
-          <p:cNvCxnSpPr>
-            <a:cxnSpLocks/>
-            <a:endCxn id="15" idx="1"/>
-          </p:cNvCxnSpPr>
-          <p:nvPr/>
-        </p:nvCxnSpPr>
-        <p:spPr>
-          <a:xfrm flipV="1">
-            <a:off x="4722929" y="1935331"/>
-            <a:ext cx="584434" cy="6660"/>
-          </a:xfrm>
-          <a:prstGeom prst="straightConnector1">
-            <a:avLst/>
-          </a:prstGeom>
-          <a:ln>
-            <a:solidFill>
-              <a:srgbClr val="FF0000"/>
-            </a:solidFill>
-            <a:tailEnd type="triangle"/>
-          </a:ln>
-        </p:spPr>
-        <p:style>
-          <a:lnRef idx="1">
-            <a:schemeClr val="accent1"/>
-          </a:lnRef>
-          <a:fillRef idx="0">
-            <a:schemeClr val="accent1"/>
-          </a:fillRef>
-          <a:effectRef idx="0">
-            <a:schemeClr val="accent1"/>
-          </a:effectRef>
-          <a:fontRef idx="minor">
-            <a:schemeClr val="tx1"/>
-          </a:fontRef>
-        </p:style>
-      </p:cxnSp>
-      <p:cxnSp>
-        <p:nvCxnSpPr>
-          <p:cNvPr id="64" name="직선 화살표 연결선 63">
-            <a:extLst>
-              <a:ext uri="{FF2B5EF4-FFF2-40B4-BE49-F238E27FC236}">
-                <a16:creationId xmlns:a16="http://schemas.microsoft.com/office/drawing/2014/main" id="{B43CE7E5-3CB4-4F09-AB58-68AEB6F39D13}"/>
-              </a:ext>
-            </a:extLst>
-          </p:cNvPr>
-          <p:cNvCxnSpPr>
-            <a:cxnSpLocks/>
-            <a:stCxn id="15" idx="3"/>
-            <a:endCxn id="54" idx="1"/>
-          </p:cNvCxnSpPr>
-          <p:nvPr/>
-        </p:nvCxnSpPr>
-        <p:spPr>
-          <a:xfrm>
-            <a:off x="6846159" y="1935331"/>
-            <a:ext cx="637724" cy="1"/>
-          </a:xfrm>
-          <a:prstGeom prst="straightConnector1">
-            <a:avLst/>
-          </a:prstGeom>
-          <a:ln>
-            <a:solidFill>
-              <a:srgbClr val="FF0000"/>
-            </a:solidFill>
-            <a:tailEnd type="triangle"/>
-          </a:ln>
-        </p:spPr>
-        <p:style>
-          <a:lnRef idx="1">
-            <a:schemeClr val="accent1"/>
-          </a:lnRef>
-          <a:fillRef idx="0">
-            <a:schemeClr val="accent1"/>
-          </a:fillRef>
-          <a:effectRef idx="0">
-            <a:schemeClr val="accent1"/>
-          </a:effectRef>
-          <a:fontRef idx="minor">
-            <a:schemeClr val="tx1"/>
-          </a:fontRef>
-        </p:style>
-      </p:cxnSp>
-      <p:cxnSp>
-        <p:nvCxnSpPr>
-          <p:cNvPr id="65" name="직선 화살표 연결선 64">
-            <a:extLst>
-              <a:ext uri="{FF2B5EF4-FFF2-40B4-BE49-F238E27FC236}">
-                <a16:creationId xmlns:a16="http://schemas.microsoft.com/office/drawing/2014/main" id="{9311841C-65A2-4FC5-BE7E-669AF3019E2C}"/>
-              </a:ext>
-            </a:extLst>
-          </p:cNvPr>
-          <p:cNvCxnSpPr>
-            <a:cxnSpLocks/>
-            <a:stCxn id="54" idx="3"/>
-            <a:endCxn id="35" idx="1"/>
-          </p:cNvCxnSpPr>
-          <p:nvPr/>
-        </p:nvCxnSpPr>
-        <p:spPr>
-          <a:xfrm flipV="1">
-            <a:off x="9071507" y="1933565"/>
-            <a:ext cx="881848" cy="1767"/>
-          </a:xfrm>
-          <a:prstGeom prst="straightConnector1">
-            <a:avLst/>
-          </a:prstGeom>
-          <a:ln>
-            <a:solidFill>
-              <a:srgbClr val="FF0000"/>
-            </a:solidFill>
-            <a:tailEnd type="triangle"/>
-          </a:ln>
-        </p:spPr>
-        <p:style>
-          <a:lnRef idx="1">
-            <a:schemeClr val="accent1"/>
-          </a:lnRef>
-          <a:fillRef idx="0">
-            <a:schemeClr val="accent1"/>
-          </a:fillRef>
-          <a:effectRef idx="0">
-            <a:schemeClr val="accent1"/>
-          </a:effectRef>
-          <a:fontRef idx="minor">
-            <a:schemeClr val="tx1"/>
-          </a:fontRef>
-        </p:style>
-      </p:cxnSp>
-      <p:cxnSp>
-        <p:nvCxnSpPr>
-          <p:cNvPr id="71" name="직선 화살표 연결선 70">
-            <a:extLst>
-              <a:ext uri="{FF2B5EF4-FFF2-40B4-BE49-F238E27FC236}">
-                <a16:creationId xmlns:a16="http://schemas.microsoft.com/office/drawing/2014/main" id="{F7776DCA-2484-4ABD-87DC-AD7D2A041818}"/>
-              </a:ext>
-            </a:extLst>
-          </p:cNvPr>
-          <p:cNvCxnSpPr>
-            <a:cxnSpLocks/>
-            <a:stCxn id="52" idx="6"/>
-            <a:endCxn id="67" idx="1"/>
-          </p:cNvCxnSpPr>
-          <p:nvPr/>
-        </p:nvCxnSpPr>
-        <p:spPr>
-          <a:xfrm>
-            <a:off x="3371310" y="4607515"/>
-            <a:ext cx="1937532" cy="19237"/>
-          </a:xfrm>
-          <a:prstGeom prst="straightConnector1">
-            <a:avLst/>
-          </a:prstGeom>
-          <a:ln>
-            <a:solidFill>
-              <a:srgbClr val="FF0000"/>
-            </a:solidFill>
-            <a:tailEnd type="triangle"/>
-          </a:ln>
-        </p:spPr>
-        <p:style>
-          <a:lnRef idx="1">
-            <a:schemeClr val="accent1"/>
-          </a:lnRef>
-          <a:fillRef idx="0">
-            <a:schemeClr val="accent1"/>
-          </a:fillRef>
-          <a:effectRef idx="0">
-            <a:schemeClr val="accent1"/>
-          </a:effectRef>
-          <a:fontRef idx="minor">
-            <a:schemeClr val="tx1"/>
-          </a:fontRef>
-        </p:style>
-      </p:cxnSp>
-      <p:sp>
-        <p:nvSpPr>
-          <p:cNvPr id="72" name="TextBox 71">
-            <a:extLst>
-              <a:ext uri="{FF2B5EF4-FFF2-40B4-BE49-F238E27FC236}">
-                <a16:creationId xmlns:a16="http://schemas.microsoft.com/office/drawing/2014/main" id="{9F2CC18C-6A09-4F54-A2B3-481F353AC913}"/>
-              </a:ext>
-            </a:extLst>
-          </p:cNvPr>
-          <p:cNvSpPr txBox="1"/>
-          <p:nvPr/>
-        </p:nvSpPr>
-        <p:spPr>
-          <a:xfrm>
-            <a:off x="6312767" y="5121992"/>
-            <a:ext cx="852253" cy="369332"/>
-          </a:xfrm>
-          <a:prstGeom prst="rect">
-            <a:avLst/>
-          </a:prstGeom>
-          <a:noFill/>
-        </p:spPr>
-        <p:txBody>
-          <a:bodyPr wrap="square" rtlCol="0">
-            <a:spAutoFit/>
-          </a:bodyPr>
-          <a:lstStyle/>
-          <a:p>
-            <a:r>
-              <a:rPr lang="en-US" altLang="ko-KR" dirty="0"/>
-              <a:t>YES</a:t>
-            </a:r>
-            <a:endParaRPr lang="ko-KR" altLang="en-US" dirty="0"/>
-          </a:p>
-        </p:txBody>
-      </p:sp>
-      <p:sp>
-        <p:nvSpPr>
-          <p:cNvPr id="76" name="TextBox 75">
-            <a:extLst>
-              <a:ext uri="{FF2B5EF4-FFF2-40B4-BE49-F238E27FC236}">
-                <a16:creationId xmlns:a16="http://schemas.microsoft.com/office/drawing/2014/main" id="{75FC7D8A-0696-4557-9FD0-1829F6D3A918}"/>
-              </a:ext>
-            </a:extLst>
-          </p:cNvPr>
-          <p:cNvSpPr txBox="1"/>
-          <p:nvPr/>
-        </p:nvSpPr>
-        <p:spPr>
-          <a:xfrm>
-            <a:off x="6930140" y="4459550"/>
-            <a:ext cx="585926" cy="369332"/>
-          </a:xfrm>
-          <a:prstGeom prst="rect">
-            <a:avLst/>
-          </a:prstGeom>
-          <a:noFill/>
-        </p:spPr>
-        <p:txBody>
-          <a:bodyPr wrap="square" rtlCol="0">
-            <a:spAutoFit/>
-          </a:bodyPr>
-          <a:lstStyle/>
-          <a:p>
-            <a:r>
-              <a:rPr lang="en-US" altLang="ko-KR" dirty="0"/>
-              <a:t>NO</a:t>
-            </a:r>
-            <a:endParaRPr lang="ko-KR" altLang="en-US" dirty="0"/>
-          </a:p>
-        </p:txBody>
-      </p:sp>
-      <p:cxnSp>
-        <p:nvCxnSpPr>
-          <p:cNvPr id="77" name="연결선: 구부러짐 76">
-            <a:extLst>
-              <a:ext uri="{FF2B5EF4-FFF2-40B4-BE49-F238E27FC236}">
-                <a16:creationId xmlns:a16="http://schemas.microsoft.com/office/drawing/2014/main" id="{9C7D474B-64B7-428F-9E3F-B799448904FC}"/>
-              </a:ext>
-            </a:extLst>
-          </p:cNvPr>
-          <p:cNvCxnSpPr>
-            <a:cxnSpLocks/>
-            <a:stCxn id="67" idx="3"/>
-          </p:cNvCxnSpPr>
-          <p:nvPr/>
-        </p:nvCxnSpPr>
-        <p:spPr>
-          <a:xfrm flipV="1">
-            <a:off x="6847638" y="1992127"/>
-            <a:ext cx="679127" cy="2634625"/>
-          </a:xfrm>
-          <a:prstGeom prst="curvedConnector2">
-            <a:avLst/>
-          </a:prstGeom>
-          <a:ln>
-            <a:solidFill>
-              <a:srgbClr val="FF0000"/>
-            </a:solidFill>
-            <a:tailEnd type="triangle"/>
-          </a:ln>
-        </p:spPr>
-        <p:style>
-          <a:lnRef idx="1">
-            <a:schemeClr val="accent1"/>
-          </a:lnRef>
-          <a:fillRef idx="0">
-            <a:schemeClr val="accent1"/>
-          </a:fillRef>
-          <a:effectRef idx="0">
-            <a:schemeClr val="accent1"/>
-          </a:effectRef>
-          <a:fontRef idx="minor">
-            <a:schemeClr val="tx1"/>
-          </a:fontRef>
-        </p:style>
-      </p:cxnSp>
-      <p:sp>
-        <p:nvSpPr>
-          <p:cNvPr id="80" name="TextBox 79">
-            <a:extLst>
-              <a:ext uri="{FF2B5EF4-FFF2-40B4-BE49-F238E27FC236}">
-                <a16:creationId xmlns:a16="http://schemas.microsoft.com/office/drawing/2014/main" id="{ACAACB61-1F50-4ABE-8D60-0052D746DDF9}"/>
-              </a:ext>
-            </a:extLst>
-          </p:cNvPr>
-          <p:cNvSpPr txBox="1"/>
-          <p:nvPr/>
-        </p:nvSpPr>
-        <p:spPr>
-          <a:xfrm>
-            <a:off x="3531837" y="5187265"/>
-            <a:ext cx="1587624" cy="784830"/>
-          </a:xfrm>
-          <a:prstGeom prst="rect">
-            <a:avLst/>
-          </a:prstGeom>
-          <a:noFill/>
-        </p:spPr>
-        <p:txBody>
-          <a:bodyPr wrap="square" rtlCol="0">
-            <a:spAutoFit/>
-          </a:bodyPr>
-          <a:lstStyle/>
-          <a:p>
-            <a:r>
-              <a:rPr lang="ko-KR" altLang="en-US" sz="1500" dirty="0"/>
-              <a:t>동영상 위 캡처 버튼 누를 시 화면 캡처</a:t>
+              <a:rPr lang="ko-KR" altLang="en-US" sz="4000" dirty="0">
+                <a:solidFill>
+                  <a:schemeClr val="bg1"/>
+                </a:solidFill>
+              </a:rPr>
+              <a:t>인원</a:t>
             </a:r>
           </a:p>
         </p:txBody>
@@ -13355,7 +10327,7 @@
     </p:spTree>
     <p:extLst>
       <p:ext uri="{BB962C8B-B14F-4D97-AF65-F5344CB8AC3E}">
-        <p14:creationId xmlns:p14="http://schemas.microsoft.com/office/powerpoint/2010/main" val="3400894997"/>
+        <p14:creationId xmlns:p14="http://schemas.microsoft.com/office/powerpoint/2010/main" val="939377119"/>
       </p:ext>
     </p:extLst>
   </p:cSld>
@@ -13384,10 +10356,10 @@
       </p:grpSpPr>
       <p:sp>
         <p:nvSpPr>
-          <p:cNvPr id="66" name="직사각형 65">
+          <p:cNvPr id="56" name="평행 사변형 55">
             <a:extLst>
               <a:ext uri="{FF2B5EF4-FFF2-40B4-BE49-F238E27FC236}">
-                <a16:creationId xmlns:a16="http://schemas.microsoft.com/office/drawing/2014/main" id="{3C4B088E-0487-4627-80A7-28ABFD8293E8}"/>
+                <a16:creationId xmlns:a16="http://schemas.microsoft.com/office/drawing/2014/main" id="{F5350391-9AF1-4CDF-A910-8447A3D858F5}"/>
               </a:ext>
             </a:extLst>
           </p:cNvPr>
@@ -13395,22 +10367,24 @@
           <p:nvPr/>
         </p:nvSpPr>
         <p:spPr>
-          <a:xfrm>
-            <a:off x="5220075" y="4079900"/>
-            <a:ext cx="1704505" cy="2553208"/>
+          <a:xfrm rot="10800000">
+            <a:off x="-362552" y="-2"/>
+            <a:ext cx="8867357" cy="1046893"/>
           </a:xfrm>
-          <a:prstGeom prst="rect">
+          <a:prstGeom prst="parallelogram">
             <a:avLst/>
           </a:prstGeom>
           <a:solidFill>
-            <a:schemeClr val="accent1">
-              <a:lumMod val="40000"/>
-              <a:lumOff val="60000"/>
-            </a:schemeClr>
+            <a:srgbClr val="76DAD5">
+              <a:alpha val="80000"/>
+            </a:srgbClr>
           </a:solidFill>
           <a:ln>
             <a:noFill/>
           </a:ln>
+          <a:effectLst>
+            <a:softEdge rad="0"/>
+          </a:effectLst>
         </p:spPr>
         <p:style>
           <a:lnRef idx="2">
@@ -13439,354 +10413,10 @@
       </p:sp>
       <p:sp>
         <p:nvSpPr>
-          <p:cNvPr id="67" name="순서도: 판단 66">
+          <p:cNvPr id="70" name="TextBox 69">
             <a:extLst>
               <a:ext uri="{FF2B5EF4-FFF2-40B4-BE49-F238E27FC236}">
-                <a16:creationId xmlns:a16="http://schemas.microsoft.com/office/drawing/2014/main" id="{F7F09DC3-0D52-4801-8537-C152D0939C8F}"/>
-              </a:ext>
-            </a:extLst>
-          </p:cNvPr>
-          <p:cNvSpPr/>
-          <p:nvPr/>
-        </p:nvSpPr>
-        <p:spPr>
-          <a:xfrm>
-            <a:off x="5308842" y="4187307"/>
-            <a:ext cx="1538796" cy="878889"/>
-          </a:xfrm>
-          <a:prstGeom prst="flowChartDecision">
-            <a:avLst/>
-          </a:prstGeom>
-          <a:ln w="28575">
-            <a:solidFill>
-              <a:srgbClr val="0070C0"/>
-            </a:solidFill>
-          </a:ln>
-        </p:spPr>
-        <p:style>
-          <a:lnRef idx="2">
-            <a:schemeClr val="dk1"/>
-          </a:lnRef>
-          <a:fillRef idx="1">
-            <a:schemeClr val="lt1"/>
-          </a:fillRef>
-          <a:effectRef idx="0">
-            <a:schemeClr val="dk1"/>
-          </a:effectRef>
-          <a:fontRef idx="minor">
-            <a:schemeClr val="dk1"/>
-          </a:fontRef>
-        </p:style>
-        <p:txBody>
-          <a:bodyPr rtlCol="0" anchor="ctr"/>
-          <a:lstStyle/>
-          <a:p>
-            <a:pPr algn="ctr"/>
-            <a:r>
-              <a:rPr lang="ko-KR" altLang="en-US" dirty="0"/>
-              <a:t>캡처</a:t>
-            </a:r>
-          </a:p>
-        </p:txBody>
-      </p:sp>
-      <p:cxnSp>
-        <p:nvCxnSpPr>
-          <p:cNvPr id="68" name="직선 화살표 연결선 67">
-            <a:extLst>
-              <a:ext uri="{FF2B5EF4-FFF2-40B4-BE49-F238E27FC236}">
-                <a16:creationId xmlns:a16="http://schemas.microsoft.com/office/drawing/2014/main" id="{9E22A8C9-38E4-4ACA-A08C-CC108047F1A1}"/>
-              </a:ext>
-            </a:extLst>
-          </p:cNvPr>
-          <p:cNvCxnSpPr>
-            <a:cxnSpLocks/>
-          </p:cNvCxnSpPr>
-          <p:nvPr/>
-        </p:nvCxnSpPr>
-        <p:spPr>
-          <a:xfrm>
-            <a:off x="6078240" y="5066196"/>
-            <a:ext cx="0" cy="531184"/>
-          </a:xfrm>
-          <a:prstGeom prst="straightConnector1">
-            <a:avLst/>
-          </a:prstGeom>
-          <a:ln>
-            <a:solidFill>
-              <a:srgbClr val="FF0000"/>
-            </a:solidFill>
-            <a:tailEnd type="triangle"/>
-          </a:ln>
-        </p:spPr>
-        <p:style>
-          <a:lnRef idx="1">
-            <a:schemeClr val="accent1"/>
-          </a:lnRef>
-          <a:fillRef idx="0">
-            <a:schemeClr val="accent1"/>
-          </a:fillRef>
-          <a:effectRef idx="0">
-            <a:schemeClr val="accent1"/>
-          </a:effectRef>
-          <a:fontRef idx="minor">
-            <a:schemeClr val="tx1"/>
-          </a:fontRef>
-        </p:style>
-      </p:cxnSp>
-      <p:sp>
-        <p:nvSpPr>
-          <p:cNvPr id="69" name="타원 68">
-            <a:extLst>
-              <a:ext uri="{FF2B5EF4-FFF2-40B4-BE49-F238E27FC236}">
-                <a16:creationId xmlns:a16="http://schemas.microsoft.com/office/drawing/2014/main" id="{275BAF30-DA26-4AF2-8359-52E6AAA63226}"/>
-              </a:ext>
-            </a:extLst>
-          </p:cNvPr>
-          <p:cNvSpPr/>
-          <p:nvPr/>
-        </p:nvSpPr>
-        <p:spPr>
-          <a:xfrm>
-            <a:off x="5239307" y="5612176"/>
-            <a:ext cx="1677865" cy="813786"/>
-          </a:xfrm>
-          <a:prstGeom prst="ellipse">
-            <a:avLst/>
-          </a:prstGeom>
-          <a:ln w="28575"/>
-        </p:spPr>
-        <p:style>
-          <a:lnRef idx="2">
-            <a:schemeClr val="accent1"/>
-          </a:lnRef>
-          <a:fillRef idx="1">
-            <a:schemeClr val="lt1"/>
-          </a:fillRef>
-          <a:effectRef idx="0">
-            <a:schemeClr val="accent1"/>
-          </a:effectRef>
-          <a:fontRef idx="minor">
-            <a:schemeClr val="dk1"/>
-          </a:fontRef>
-        </p:style>
-        <p:txBody>
-          <a:bodyPr rtlCol="0" anchor="ctr"/>
-          <a:lstStyle/>
-          <a:p>
-            <a:pPr algn="ctr"/>
-            <a:r>
-              <a:rPr lang="ko-KR" altLang="en-US" dirty="0"/>
-              <a:t>화면 캡처</a:t>
-            </a:r>
-          </a:p>
-        </p:txBody>
-      </p:sp>
-      <p:sp>
-        <p:nvSpPr>
-          <p:cNvPr id="53" name="직사각형 52">
-            <a:extLst>
-              <a:ext uri="{FF2B5EF4-FFF2-40B4-BE49-F238E27FC236}">
-                <a16:creationId xmlns:a16="http://schemas.microsoft.com/office/drawing/2014/main" id="{B59F0DA7-8286-457D-AEF5-9924C9B448B6}"/>
-              </a:ext>
-            </a:extLst>
-          </p:cNvPr>
-          <p:cNvSpPr/>
-          <p:nvPr/>
-        </p:nvSpPr>
-        <p:spPr>
-          <a:xfrm>
-            <a:off x="7429884" y="1388479"/>
-            <a:ext cx="1705245" cy="2553205"/>
-          </a:xfrm>
-          <a:prstGeom prst="rect">
-            <a:avLst/>
-          </a:prstGeom>
-          <a:solidFill>
-            <a:schemeClr val="accent1">
-              <a:lumMod val="40000"/>
-              <a:lumOff val="60000"/>
-            </a:schemeClr>
-          </a:solidFill>
-          <a:ln>
-            <a:noFill/>
-          </a:ln>
-        </p:spPr>
-        <p:style>
-          <a:lnRef idx="2">
-            <a:schemeClr val="accent1">
-              <a:shade val="50000"/>
-            </a:schemeClr>
-          </a:lnRef>
-          <a:fillRef idx="1">
-            <a:schemeClr val="accent1"/>
-          </a:fillRef>
-          <a:effectRef idx="0">
-            <a:schemeClr val="accent1"/>
-          </a:effectRef>
-          <a:fontRef idx="minor">
-            <a:schemeClr val="lt1"/>
-          </a:fontRef>
-        </p:style>
-        <p:txBody>
-          <a:bodyPr rtlCol="0" anchor="ctr"/>
-          <a:lstStyle/>
-          <a:p>
-            <a:pPr algn="ctr"/>
-            <a:endParaRPr lang="ko-KR" altLang="en-US"/>
-          </a:p>
-        </p:txBody>
-      </p:sp>
-      <p:sp>
-        <p:nvSpPr>
-          <p:cNvPr id="54" name="순서도: 판단 53">
-            <a:extLst>
-              <a:ext uri="{FF2B5EF4-FFF2-40B4-BE49-F238E27FC236}">
-                <a16:creationId xmlns:a16="http://schemas.microsoft.com/office/drawing/2014/main" id="{603F108C-45DC-4419-9F64-762B762E0A9D}"/>
-              </a:ext>
-            </a:extLst>
-          </p:cNvPr>
-          <p:cNvSpPr/>
-          <p:nvPr/>
-        </p:nvSpPr>
-        <p:spPr>
-          <a:xfrm>
-            <a:off x="7483883" y="1495887"/>
-            <a:ext cx="1587624" cy="878889"/>
-          </a:xfrm>
-          <a:prstGeom prst="flowChartDecision">
-            <a:avLst/>
-          </a:prstGeom>
-          <a:ln w="28575">
-            <a:solidFill>
-              <a:srgbClr val="0070C0"/>
-            </a:solidFill>
-          </a:ln>
-        </p:spPr>
-        <p:style>
-          <a:lnRef idx="2">
-            <a:schemeClr val="dk1"/>
-          </a:lnRef>
-          <a:fillRef idx="1">
-            <a:schemeClr val="lt1"/>
-          </a:fillRef>
-          <a:effectRef idx="0">
-            <a:schemeClr val="dk1"/>
-          </a:effectRef>
-          <a:fontRef idx="minor">
-            <a:schemeClr val="dk1"/>
-          </a:fontRef>
-        </p:style>
-        <p:txBody>
-          <a:bodyPr rtlCol="0" anchor="ctr"/>
-          <a:lstStyle/>
-          <a:p>
-            <a:pPr algn="ctr"/>
-            <a:r>
-              <a:rPr lang="ko-KR" altLang="en-US"/>
-              <a:t>일시정지</a:t>
-            </a:r>
-            <a:endParaRPr lang="ko-KR" altLang="en-US" dirty="0"/>
-          </a:p>
-        </p:txBody>
-      </p:sp>
-      <p:cxnSp>
-        <p:nvCxnSpPr>
-          <p:cNvPr id="60" name="직선 화살표 연결선 59">
-            <a:extLst>
-              <a:ext uri="{FF2B5EF4-FFF2-40B4-BE49-F238E27FC236}">
-                <a16:creationId xmlns:a16="http://schemas.microsoft.com/office/drawing/2014/main" id="{F3FDABBA-EBA6-46F7-B6B4-5FFD880EABAD}"/>
-              </a:ext>
-            </a:extLst>
-          </p:cNvPr>
-          <p:cNvCxnSpPr>
-            <a:cxnSpLocks/>
-          </p:cNvCxnSpPr>
-          <p:nvPr/>
-        </p:nvCxnSpPr>
-        <p:spPr>
-          <a:xfrm>
-            <a:off x="8277695" y="2374775"/>
-            <a:ext cx="0" cy="531184"/>
-          </a:xfrm>
-          <a:prstGeom prst="straightConnector1">
-            <a:avLst/>
-          </a:prstGeom>
-          <a:ln>
-            <a:solidFill>
-              <a:srgbClr val="FF0000"/>
-            </a:solidFill>
-            <a:tailEnd type="triangle"/>
-          </a:ln>
-        </p:spPr>
-        <p:style>
-          <a:lnRef idx="1">
-            <a:schemeClr val="accent1"/>
-          </a:lnRef>
-          <a:fillRef idx="0">
-            <a:schemeClr val="accent1"/>
-          </a:fillRef>
-          <a:effectRef idx="0">
-            <a:schemeClr val="accent1"/>
-          </a:effectRef>
-          <a:fontRef idx="minor">
-            <a:schemeClr val="tx1"/>
-          </a:fontRef>
-        </p:style>
-      </p:cxnSp>
-      <p:sp>
-        <p:nvSpPr>
-          <p:cNvPr id="61" name="타원 60">
-            <a:extLst>
-              <a:ext uri="{FF2B5EF4-FFF2-40B4-BE49-F238E27FC236}">
-                <a16:creationId xmlns:a16="http://schemas.microsoft.com/office/drawing/2014/main" id="{39604BD0-678F-485A-B2E4-9E616C9F0F64}"/>
-              </a:ext>
-            </a:extLst>
-          </p:cNvPr>
-          <p:cNvSpPr/>
-          <p:nvPr/>
-        </p:nvSpPr>
-        <p:spPr>
-          <a:xfrm>
-            <a:off x="7438762" y="2905959"/>
-            <a:ext cx="1677865" cy="813786"/>
-          </a:xfrm>
-          <a:prstGeom prst="ellipse">
-            <a:avLst/>
-          </a:prstGeom>
-          <a:ln w="28575"/>
-        </p:spPr>
-        <p:style>
-          <a:lnRef idx="2">
-            <a:schemeClr val="accent1"/>
-          </a:lnRef>
-          <a:fillRef idx="1">
-            <a:schemeClr val="lt1"/>
-          </a:fillRef>
-          <a:effectRef idx="0">
-            <a:schemeClr val="accent1"/>
-          </a:effectRef>
-          <a:fontRef idx="minor">
-            <a:schemeClr val="dk1"/>
-          </a:fontRef>
-        </p:style>
-        <p:txBody>
-          <a:bodyPr rtlCol="0" anchor="ctr"/>
-          <a:lstStyle/>
-          <a:p>
-            <a:pPr algn="ctr"/>
-            <a:r>
-              <a:rPr lang="ko-KR" altLang="en-US" dirty="0"/>
-              <a:t>프로그램 일시 정지</a:t>
-            </a:r>
-          </a:p>
-        </p:txBody>
-      </p:sp>
-      <p:sp>
-        <p:nvSpPr>
-          <p:cNvPr id="62" name="TextBox 61">
-            <a:extLst>
-              <a:ext uri="{FF2B5EF4-FFF2-40B4-BE49-F238E27FC236}">
-                <a16:creationId xmlns:a16="http://schemas.microsoft.com/office/drawing/2014/main" id="{6FCB99E1-D117-48FB-88FE-A45213594D34}"/>
+                <a16:creationId xmlns:a16="http://schemas.microsoft.com/office/drawing/2014/main" id="{186D8D9E-3300-485D-877E-70188844258C}"/>
               </a:ext>
             </a:extLst>
           </p:cNvPr>
@@ -13795,13 +10425,16 @@
         </p:nvSpPr>
         <p:spPr>
           <a:xfrm>
-            <a:off x="7453558" y="409283"/>
-            <a:ext cx="1587624" cy="784830"/>
+            <a:off x="745724" y="169501"/>
+            <a:ext cx="3524435" cy="707886"/>
           </a:xfrm>
           <a:prstGeom prst="rect">
             <a:avLst/>
           </a:prstGeom>
           <a:noFill/>
+          <a:ln>
+            <a:noFill/>
+          </a:ln>
         </p:spPr>
         <p:txBody>
           <a:bodyPr wrap="square" rtlCol="0">
@@ -13810,1810 +10443,12 @@
           <a:lstStyle/>
           <a:p>
             <a:r>
-              <a:rPr lang="ko-KR" altLang="en-US" sz="1500" dirty="0"/>
-              <a:t>동영상 일시정지와 동시에 프로그램도 일시정시</a:t>
-            </a:r>
-          </a:p>
-        </p:txBody>
-      </p:sp>
-      <p:sp>
-        <p:nvSpPr>
-          <p:cNvPr id="55" name="직사각형 54">
-            <a:extLst>
-              <a:ext uri="{FF2B5EF4-FFF2-40B4-BE49-F238E27FC236}">
-                <a16:creationId xmlns:a16="http://schemas.microsoft.com/office/drawing/2014/main" id="{16A3F6FF-3263-49CA-A823-007175F57632}"/>
-              </a:ext>
-            </a:extLst>
-          </p:cNvPr>
-          <p:cNvSpPr/>
-          <p:nvPr/>
-        </p:nvSpPr>
-        <p:spPr>
-          <a:xfrm>
-            <a:off x="9630796" y="1388479"/>
-            <a:ext cx="1728169" cy="5127731"/>
-          </a:xfrm>
-          <a:prstGeom prst="rect">
-            <a:avLst/>
-          </a:prstGeom>
-          <a:solidFill>
-            <a:schemeClr val="accent1">
-              <a:lumMod val="40000"/>
-              <a:lumOff val="60000"/>
-            </a:schemeClr>
-          </a:solidFill>
-          <a:ln>
-            <a:noFill/>
-          </a:ln>
-        </p:spPr>
-        <p:style>
-          <a:lnRef idx="2">
-            <a:schemeClr val="accent1">
-              <a:shade val="50000"/>
-            </a:schemeClr>
-          </a:lnRef>
-          <a:fillRef idx="1">
-            <a:schemeClr val="accent1"/>
-          </a:fillRef>
-          <a:effectRef idx="0">
-            <a:schemeClr val="accent1"/>
-          </a:effectRef>
-          <a:fontRef idx="minor">
-            <a:schemeClr val="lt1"/>
-          </a:fontRef>
-        </p:style>
-        <p:txBody>
-          <a:bodyPr rtlCol="0" anchor="ctr"/>
-          <a:lstStyle/>
-          <a:p>
-            <a:pPr algn="ctr"/>
-            <a:endParaRPr lang="ko-KR" altLang="en-US"/>
-          </a:p>
-        </p:txBody>
-      </p:sp>
-      <p:sp>
-        <p:nvSpPr>
-          <p:cNvPr id="49" name="직사각형 48">
-            <a:extLst>
-              <a:ext uri="{FF2B5EF4-FFF2-40B4-BE49-F238E27FC236}">
-                <a16:creationId xmlns:a16="http://schemas.microsoft.com/office/drawing/2014/main" id="{97281921-B7CA-4FE2-A46C-4602948522C2}"/>
-              </a:ext>
-            </a:extLst>
-          </p:cNvPr>
-          <p:cNvSpPr/>
-          <p:nvPr/>
-        </p:nvSpPr>
-        <p:spPr>
-          <a:xfrm>
-            <a:off x="5218596" y="1388479"/>
-            <a:ext cx="1704505" cy="2553208"/>
-          </a:xfrm>
-          <a:prstGeom prst="rect">
-            <a:avLst/>
-          </a:prstGeom>
-          <a:solidFill>
-            <a:schemeClr val="accent1">
-              <a:lumMod val="40000"/>
-              <a:lumOff val="60000"/>
-            </a:schemeClr>
-          </a:solidFill>
-          <a:ln>
-            <a:noFill/>
-          </a:ln>
-        </p:spPr>
-        <p:style>
-          <a:lnRef idx="2">
-            <a:schemeClr val="accent1">
-              <a:shade val="50000"/>
-            </a:schemeClr>
-          </a:lnRef>
-          <a:fillRef idx="1">
-            <a:schemeClr val="accent1"/>
-          </a:fillRef>
-          <a:effectRef idx="0">
-            <a:schemeClr val="accent1"/>
-          </a:effectRef>
-          <a:fontRef idx="minor">
-            <a:schemeClr val="lt1"/>
-          </a:fontRef>
-        </p:style>
-        <p:txBody>
-          <a:bodyPr rtlCol="0" anchor="ctr"/>
-          <a:lstStyle/>
-          <a:p>
-            <a:pPr algn="ctr"/>
-            <a:endParaRPr lang="ko-KR" altLang="en-US"/>
-          </a:p>
-        </p:txBody>
-      </p:sp>
-      <p:sp>
-        <p:nvSpPr>
-          <p:cNvPr id="8" name="사각형: 둥근 모서리 7">
-            <a:extLst>
-              <a:ext uri="{FF2B5EF4-FFF2-40B4-BE49-F238E27FC236}">
-                <a16:creationId xmlns:a16="http://schemas.microsoft.com/office/drawing/2014/main" id="{B66E9C52-6C43-4C86-872E-0B03E8A6708F}"/>
-              </a:ext>
-            </a:extLst>
-          </p:cNvPr>
-          <p:cNvSpPr/>
-          <p:nvPr/>
-        </p:nvSpPr>
-        <p:spPr>
-          <a:xfrm>
-            <a:off x="346231" y="1657906"/>
-            <a:ext cx="1065319" cy="559293"/>
-          </a:xfrm>
-          <a:prstGeom prst="roundRect">
-            <a:avLst/>
-          </a:prstGeom>
-          <a:ln w="28575">
-            <a:solidFill>
-              <a:schemeClr val="accent5">
-                <a:lumMod val="75000"/>
-              </a:schemeClr>
-            </a:solidFill>
-          </a:ln>
-        </p:spPr>
-        <p:style>
-          <a:lnRef idx="2">
-            <a:schemeClr val="dk1"/>
-          </a:lnRef>
-          <a:fillRef idx="1">
-            <a:schemeClr val="lt1"/>
-          </a:fillRef>
-          <a:effectRef idx="0">
-            <a:schemeClr val="dk1"/>
-          </a:effectRef>
-          <a:fontRef idx="minor">
-            <a:schemeClr val="dk1"/>
-          </a:fontRef>
-        </p:style>
-        <p:txBody>
-          <a:bodyPr rtlCol="0" anchor="ctr"/>
-          <a:lstStyle/>
-          <a:p>
-            <a:pPr algn="ctr"/>
-            <a:r>
-              <a:rPr lang="en-US" altLang="ko-KR" sz="1500" dirty="0"/>
-              <a:t>App</a:t>
-            </a:r>
-            <a:r>
-              <a:rPr lang="ko-KR" altLang="en-US" sz="1500" dirty="0"/>
-              <a:t>실행</a:t>
-            </a:r>
-          </a:p>
-        </p:txBody>
-      </p:sp>
-      <p:cxnSp>
-        <p:nvCxnSpPr>
-          <p:cNvPr id="10" name="직선 화살표 연결선 9">
-            <a:extLst>
-              <a:ext uri="{FF2B5EF4-FFF2-40B4-BE49-F238E27FC236}">
-                <a16:creationId xmlns:a16="http://schemas.microsoft.com/office/drawing/2014/main" id="{AED70781-86E5-42DA-96C2-B9E17E030158}"/>
-              </a:ext>
-            </a:extLst>
-          </p:cNvPr>
-          <p:cNvCxnSpPr>
-            <a:stCxn id="8" idx="3"/>
-          </p:cNvCxnSpPr>
-          <p:nvPr/>
-        </p:nvCxnSpPr>
-        <p:spPr>
-          <a:xfrm flipV="1">
-            <a:off x="1411550" y="1937552"/>
-            <a:ext cx="594805" cy="1"/>
-          </a:xfrm>
-          <a:prstGeom prst="straightConnector1">
-            <a:avLst/>
-          </a:prstGeom>
-          <a:ln>
-            <a:solidFill>
-              <a:srgbClr val="FF0000"/>
-            </a:solidFill>
-            <a:tailEnd type="triangle"/>
-          </a:ln>
-        </p:spPr>
-        <p:style>
-          <a:lnRef idx="1">
-            <a:schemeClr val="accent1"/>
-          </a:lnRef>
-          <a:fillRef idx="0">
-            <a:schemeClr val="accent1"/>
-          </a:fillRef>
-          <a:effectRef idx="0">
-            <a:schemeClr val="accent1"/>
-          </a:effectRef>
-          <a:fontRef idx="minor">
-            <a:schemeClr val="tx1"/>
-          </a:fontRef>
-        </p:style>
-      </p:cxnSp>
-      <p:sp>
-        <p:nvSpPr>
-          <p:cNvPr id="12" name="사각형: 둥근 모서리 11">
-            <a:extLst>
-              <a:ext uri="{FF2B5EF4-FFF2-40B4-BE49-F238E27FC236}">
-                <a16:creationId xmlns:a16="http://schemas.microsoft.com/office/drawing/2014/main" id="{FE0077B9-1FA8-49FA-9494-74DD5CB6D599}"/>
-              </a:ext>
-            </a:extLst>
-          </p:cNvPr>
-          <p:cNvSpPr/>
-          <p:nvPr/>
-        </p:nvSpPr>
-        <p:spPr>
-          <a:xfrm>
-            <a:off x="3666479" y="1655686"/>
-            <a:ext cx="1065319" cy="559293"/>
-          </a:xfrm>
-          <a:prstGeom prst="roundRect">
-            <a:avLst/>
-          </a:prstGeom>
-          <a:ln w="28575">
-            <a:solidFill>
-              <a:schemeClr val="accent5">
-                <a:lumMod val="75000"/>
-              </a:schemeClr>
-            </a:solidFill>
-          </a:ln>
-        </p:spPr>
-        <p:style>
-          <a:lnRef idx="2">
-            <a:schemeClr val="dk1"/>
-          </a:lnRef>
-          <a:fillRef idx="1">
-            <a:schemeClr val="lt1"/>
-          </a:fillRef>
-          <a:effectRef idx="0">
-            <a:schemeClr val="dk1"/>
-          </a:effectRef>
-          <a:fontRef idx="minor">
-            <a:schemeClr val="dk1"/>
-          </a:fontRef>
-        </p:style>
-        <p:txBody>
-          <a:bodyPr rtlCol="0" anchor="ctr"/>
-          <a:lstStyle/>
-          <a:p>
-            <a:pPr algn="ctr"/>
-            <a:r>
-              <a:rPr lang="ko-KR" altLang="en-US" sz="1500" dirty="0"/>
-              <a:t>동영상 시작</a:t>
-            </a:r>
-          </a:p>
-        </p:txBody>
-      </p:sp>
-      <p:sp>
-        <p:nvSpPr>
-          <p:cNvPr id="14" name="사각형: 둥근 모서리 13">
-            <a:extLst>
-              <a:ext uri="{FF2B5EF4-FFF2-40B4-BE49-F238E27FC236}">
-                <a16:creationId xmlns:a16="http://schemas.microsoft.com/office/drawing/2014/main" id="{2F2EC453-1355-4AEA-95C4-1A6950FF1071}"/>
-              </a:ext>
-            </a:extLst>
-          </p:cNvPr>
-          <p:cNvSpPr/>
-          <p:nvPr/>
-        </p:nvSpPr>
-        <p:spPr>
-          <a:xfrm>
-            <a:off x="2006355" y="1664564"/>
-            <a:ext cx="1065319" cy="559293"/>
-          </a:xfrm>
-          <a:prstGeom prst="roundRect">
-            <a:avLst/>
-          </a:prstGeom>
-          <a:ln w="28575">
-            <a:solidFill>
-              <a:schemeClr val="accent5">
-                <a:lumMod val="75000"/>
-              </a:schemeClr>
-            </a:solidFill>
-          </a:ln>
-        </p:spPr>
-        <p:style>
-          <a:lnRef idx="2">
-            <a:schemeClr val="dk1"/>
-          </a:lnRef>
-          <a:fillRef idx="1">
-            <a:schemeClr val="lt1"/>
-          </a:fillRef>
-          <a:effectRef idx="0">
-            <a:schemeClr val="dk1"/>
-          </a:effectRef>
-          <a:fontRef idx="minor">
-            <a:schemeClr val="dk1"/>
-          </a:fontRef>
-        </p:style>
-        <p:txBody>
-          <a:bodyPr rtlCol="0" anchor="ctr"/>
-          <a:lstStyle/>
-          <a:p>
-            <a:pPr algn="ctr"/>
-            <a:r>
-              <a:rPr lang="ko-KR" altLang="en-US" sz="1500" dirty="0"/>
-              <a:t>배속설정</a:t>
-            </a:r>
-          </a:p>
-        </p:txBody>
-      </p:sp>
-      <p:sp>
-        <p:nvSpPr>
-          <p:cNvPr id="15" name="순서도: 판단 14">
-            <a:extLst>
-              <a:ext uri="{FF2B5EF4-FFF2-40B4-BE49-F238E27FC236}">
-                <a16:creationId xmlns:a16="http://schemas.microsoft.com/office/drawing/2014/main" id="{DAF51FBC-7097-4649-BAD1-E0757880C60F}"/>
-              </a:ext>
-            </a:extLst>
-          </p:cNvPr>
-          <p:cNvSpPr/>
-          <p:nvPr/>
-        </p:nvSpPr>
-        <p:spPr>
-          <a:xfrm>
-            <a:off x="5307363" y="1495886"/>
-            <a:ext cx="1538796" cy="878889"/>
-          </a:xfrm>
-          <a:prstGeom prst="flowChartDecision">
-            <a:avLst/>
-          </a:prstGeom>
-          <a:ln w="28575">
-            <a:solidFill>
-              <a:srgbClr val="0070C0"/>
-            </a:solidFill>
-          </a:ln>
-        </p:spPr>
-        <p:style>
-          <a:lnRef idx="2">
-            <a:schemeClr val="dk1"/>
-          </a:lnRef>
-          <a:fillRef idx="1">
-            <a:schemeClr val="lt1"/>
-          </a:fillRef>
-          <a:effectRef idx="0">
-            <a:schemeClr val="dk1"/>
-          </a:effectRef>
-          <a:fontRef idx="minor">
-            <a:schemeClr val="dk1"/>
-          </a:fontRef>
-        </p:style>
-        <p:txBody>
-          <a:bodyPr rtlCol="0" anchor="ctr"/>
-          <a:lstStyle/>
-          <a:p>
-            <a:pPr algn="ctr"/>
-            <a:r>
-              <a:rPr lang="ko-KR" altLang="en-US" dirty="0"/>
-              <a:t>촬영</a:t>
-            </a:r>
-          </a:p>
-        </p:txBody>
-      </p:sp>
-      <p:sp>
-        <p:nvSpPr>
-          <p:cNvPr id="20" name="TextBox 19">
-            <a:extLst>
-              <a:ext uri="{FF2B5EF4-FFF2-40B4-BE49-F238E27FC236}">
-                <a16:creationId xmlns:a16="http://schemas.microsoft.com/office/drawing/2014/main" id="{2C9DB491-BB13-4338-B64C-FD1E750086DA}"/>
-              </a:ext>
-            </a:extLst>
-          </p:cNvPr>
-          <p:cNvSpPr txBox="1"/>
-          <p:nvPr/>
-        </p:nvSpPr>
-        <p:spPr>
-          <a:xfrm>
-            <a:off x="6940839" y="1519388"/>
-            <a:ext cx="585926" cy="369332"/>
-          </a:xfrm>
-          <a:prstGeom prst="rect">
-            <a:avLst/>
-          </a:prstGeom>
-          <a:noFill/>
-        </p:spPr>
-        <p:txBody>
-          <a:bodyPr wrap="square" rtlCol="0">
-            <a:spAutoFit/>
-          </a:bodyPr>
-          <a:lstStyle/>
-          <a:p>
-            <a:r>
-              <a:rPr lang="en-US" altLang="ko-KR" dirty="0"/>
-              <a:t>NO</a:t>
-            </a:r>
-            <a:endParaRPr lang="ko-KR" altLang="en-US" dirty="0"/>
-          </a:p>
-        </p:txBody>
-      </p:sp>
-      <p:sp>
-        <p:nvSpPr>
-          <p:cNvPr id="21" name="TextBox 20">
-            <a:extLst>
-              <a:ext uri="{FF2B5EF4-FFF2-40B4-BE49-F238E27FC236}">
-                <a16:creationId xmlns:a16="http://schemas.microsoft.com/office/drawing/2014/main" id="{CA9F54AC-2F72-4005-AAFD-5A352340C8C2}"/>
-              </a:ext>
-            </a:extLst>
-          </p:cNvPr>
-          <p:cNvSpPr txBox="1"/>
-          <p:nvPr/>
-        </p:nvSpPr>
-        <p:spPr>
-          <a:xfrm>
-            <a:off x="9101094" y="1513609"/>
-            <a:ext cx="585926" cy="369332"/>
-          </a:xfrm>
-          <a:prstGeom prst="rect">
-            <a:avLst/>
-          </a:prstGeom>
-          <a:noFill/>
-        </p:spPr>
-        <p:txBody>
-          <a:bodyPr wrap="square" rtlCol="0">
-            <a:spAutoFit/>
-          </a:bodyPr>
-          <a:lstStyle/>
-          <a:p>
-            <a:r>
-              <a:rPr lang="en-US" altLang="ko-KR" dirty="0"/>
-              <a:t>NO</a:t>
-            </a:r>
-            <a:endParaRPr lang="ko-KR" altLang="en-US" dirty="0"/>
-          </a:p>
-        </p:txBody>
-      </p:sp>
-      <p:cxnSp>
-        <p:nvCxnSpPr>
-          <p:cNvPr id="24" name="직선 화살표 연결선 23">
-            <a:extLst>
-              <a:ext uri="{FF2B5EF4-FFF2-40B4-BE49-F238E27FC236}">
-                <a16:creationId xmlns:a16="http://schemas.microsoft.com/office/drawing/2014/main" id="{73AF9B12-115F-4C5D-92E9-E0FD0CF391E3}"/>
-              </a:ext>
-            </a:extLst>
-          </p:cNvPr>
-          <p:cNvCxnSpPr>
-            <a:cxnSpLocks/>
-          </p:cNvCxnSpPr>
-          <p:nvPr/>
-        </p:nvCxnSpPr>
-        <p:spPr>
-          <a:xfrm>
-            <a:off x="6076761" y="2374775"/>
-            <a:ext cx="0" cy="531184"/>
-          </a:xfrm>
-          <a:prstGeom prst="straightConnector1">
-            <a:avLst/>
-          </a:prstGeom>
-          <a:ln>
-            <a:solidFill>
-              <a:srgbClr val="FF0000"/>
-            </a:solidFill>
-            <a:tailEnd type="triangle"/>
-          </a:ln>
-        </p:spPr>
-        <p:style>
-          <a:lnRef idx="1">
-            <a:schemeClr val="accent1"/>
-          </a:lnRef>
-          <a:fillRef idx="0">
-            <a:schemeClr val="accent1"/>
-          </a:fillRef>
-          <a:effectRef idx="0">
-            <a:schemeClr val="accent1"/>
-          </a:effectRef>
-          <a:fontRef idx="minor">
-            <a:schemeClr val="tx1"/>
-          </a:fontRef>
-        </p:style>
-      </p:cxnSp>
-      <p:sp>
-        <p:nvSpPr>
-          <p:cNvPr id="27" name="TextBox 26">
-            <a:extLst>
-              <a:ext uri="{FF2B5EF4-FFF2-40B4-BE49-F238E27FC236}">
-                <a16:creationId xmlns:a16="http://schemas.microsoft.com/office/drawing/2014/main" id="{76600C0D-0E99-4728-8A75-B40DE25C32E1}"/>
-              </a:ext>
-            </a:extLst>
-          </p:cNvPr>
-          <p:cNvSpPr txBox="1"/>
-          <p:nvPr/>
-        </p:nvSpPr>
-        <p:spPr>
-          <a:xfrm>
-            <a:off x="6329781" y="2467994"/>
-            <a:ext cx="852253" cy="369332"/>
-          </a:xfrm>
-          <a:prstGeom prst="rect">
-            <a:avLst/>
-          </a:prstGeom>
-          <a:noFill/>
-        </p:spPr>
-        <p:txBody>
-          <a:bodyPr wrap="square" rtlCol="0">
-            <a:spAutoFit/>
-          </a:bodyPr>
-          <a:lstStyle/>
-          <a:p>
-            <a:r>
-              <a:rPr lang="en-US" altLang="ko-KR" dirty="0"/>
-              <a:t>YES</a:t>
-            </a:r>
-            <a:endParaRPr lang="ko-KR" altLang="en-US" dirty="0"/>
-          </a:p>
-        </p:txBody>
-      </p:sp>
-      <p:sp>
-        <p:nvSpPr>
-          <p:cNvPr id="28" name="TextBox 27">
-            <a:extLst>
-              <a:ext uri="{FF2B5EF4-FFF2-40B4-BE49-F238E27FC236}">
-                <a16:creationId xmlns:a16="http://schemas.microsoft.com/office/drawing/2014/main" id="{BF830DDD-15D1-4F39-938A-7528B255CACE}"/>
-              </a:ext>
-            </a:extLst>
-          </p:cNvPr>
-          <p:cNvSpPr txBox="1"/>
-          <p:nvPr/>
-        </p:nvSpPr>
-        <p:spPr>
-          <a:xfrm>
-            <a:off x="8577315" y="2467994"/>
-            <a:ext cx="852253" cy="369332"/>
-          </a:xfrm>
-          <a:prstGeom prst="rect">
-            <a:avLst/>
-          </a:prstGeom>
-          <a:noFill/>
-        </p:spPr>
-        <p:txBody>
-          <a:bodyPr wrap="square" rtlCol="0">
-            <a:spAutoFit/>
-          </a:bodyPr>
-          <a:lstStyle/>
-          <a:p>
-            <a:r>
-              <a:rPr lang="en-US" altLang="ko-KR" dirty="0"/>
-              <a:t>YES</a:t>
-            </a:r>
-            <a:endParaRPr lang="ko-KR" altLang="en-US" dirty="0"/>
-          </a:p>
-        </p:txBody>
-      </p:sp>
-      <p:sp>
-        <p:nvSpPr>
-          <p:cNvPr id="30" name="타원 29">
-            <a:extLst>
-              <a:ext uri="{FF2B5EF4-FFF2-40B4-BE49-F238E27FC236}">
-                <a16:creationId xmlns:a16="http://schemas.microsoft.com/office/drawing/2014/main" id="{110F006D-5E0E-4F37-8ED1-9D4D5226C936}"/>
-              </a:ext>
-            </a:extLst>
-          </p:cNvPr>
-          <p:cNvSpPr/>
-          <p:nvPr/>
-        </p:nvSpPr>
-        <p:spPr>
-          <a:xfrm>
-            <a:off x="5237828" y="2920755"/>
-            <a:ext cx="1677865" cy="813786"/>
-          </a:xfrm>
-          <a:prstGeom prst="ellipse">
-            <a:avLst/>
-          </a:prstGeom>
-          <a:ln w="28575"/>
-        </p:spPr>
-        <p:style>
-          <a:lnRef idx="2">
-            <a:schemeClr val="accent1"/>
-          </a:lnRef>
-          <a:fillRef idx="1">
-            <a:schemeClr val="lt1"/>
-          </a:fillRef>
-          <a:effectRef idx="0">
-            <a:schemeClr val="accent1"/>
-          </a:effectRef>
-          <a:fontRef idx="minor">
-            <a:schemeClr val="dk1"/>
-          </a:fontRef>
-        </p:style>
-        <p:txBody>
-          <a:bodyPr rtlCol="0" anchor="ctr"/>
-          <a:lstStyle/>
-          <a:p>
-            <a:pPr algn="ctr"/>
-            <a:r>
-              <a:rPr lang="ko-KR" altLang="en-US" dirty="0"/>
-              <a:t>사진 저장</a:t>
-            </a:r>
-          </a:p>
-        </p:txBody>
-      </p:sp>
-      <p:sp>
-        <p:nvSpPr>
-          <p:cNvPr id="35" name="사각형: 둥근 모서리 34">
-            <a:extLst>
-              <a:ext uri="{FF2B5EF4-FFF2-40B4-BE49-F238E27FC236}">
-                <a16:creationId xmlns:a16="http://schemas.microsoft.com/office/drawing/2014/main" id="{05E562B5-18C6-4D7B-8BF8-3C1A350FA0E7}"/>
-              </a:ext>
-            </a:extLst>
-          </p:cNvPr>
-          <p:cNvSpPr/>
-          <p:nvPr/>
-        </p:nvSpPr>
-        <p:spPr>
-          <a:xfrm>
-            <a:off x="9953355" y="1653918"/>
-            <a:ext cx="1065319" cy="559293"/>
-          </a:xfrm>
-          <a:prstGeom prst="roundRect">
-            <a:avLst/>
-          </a:prstGeom>
-          <a:ln w="28575">
-            <a:solidFill>
-              <a:schemeClr val="accent5">
-                <a:lumMod val="75000"/>
-              </a:schemeClr>
-            </a:solidFill>
-          </a:ln>
-        </p:spPr>
-        <p:style>
-          <a:lnRef idx="2">
-            <a:schemeClr val="dk1"/>
-          </a:lnRef>
-          <a:fillRef idx="1">
-            <a:schemeClr val="lt1"/>
-          </a:fillRef>
-          <a:effectRef idx="0">
-            <a:schemeClr val="dk1"/>
-          </a:effectRef>
-          <a:fontRef idx="minor">
-            <a:schemeClr val="dk1"/>
-          </a:fontRef>
-        </p:style>
-        <p:txBody>
-          <a:bodyPr rtlCol="0" anchor="ctr"/>
-          <a:lstStyle/>
-          <a:p>
-            <a:pPr algn="ctr"/>
-            <a:r>
-              <a:rPr lang="ko-KR" altLang="en-US" sz="1500" dirty="0"/>
-              <a:t>동영상 종료</a:t>
-            </a:r>
-          </a:p>
-        </p:txBody>
-      </p:sp>
-      <p:cxnSp>
-        <p:nvCxnSpPr>
-          <p:cNvPr id="36" name="직선 화살표 연결선 35">
-            <a:extLst>
-              <a:ext uri="{FF2B5EF4-FFF2-40B4-BE49-F238E27FC236}">
-                <a16:creationId xmlns:a16="http://schemas.microsoft.com/office/drawing/2014/main" id="{0CBC6124-8A75-4A79-AD1E-C62D024A49BE}"/>
-              </a:ext>
-            </a:extLst>
-          </p:cNvPr>
-          <p:cNvCxnSpPr>
-            <a:cxnSpLocks/>
-            <a:stCxn id="35" idx="2"/>
-          </p:cNvCxnSpPr>
-          <p:nvPr/>
-        </p:nvCxnSpPr>
-        <p:spPr>
-          <a:xfrm flipH="1">
-            <a:off x="10484537" y="2213211"/>
-            <a:ext cx="1478" cy="666114"/>
-          </a:xfrm>
-          <a:prstGeom prst="straightConnector1">
-            <a:avLst/>
-          </a:prstGeom>
-          <a:ln>
-            <a:solidFill>
-              <a:srgbClr val="FF0000"/>
-            </a:solidFill>
-            <a:tailEnd type="triangle"/>
-          </a:ln>
-        </p:spPr>
-        <p:style>
-          <a:lnRef idx="1">
-            <a:schemeClr val="accent1"/>
-          </a:lnRef>
-          <a:fillRef idx="0">
-            <a:schemeClr val="accent1"/>
-          </a:fillRef>
-          <a:effectRef idx="0">
-            <a:schemeClr val="accent1"/>
-          </a:effectRef>
-          <a:fontRef idx="minor">
-            <a:schemeClr val="tx1"/>
-          </a:fontRef>
-        </p:style>
-      </p:cxnSp>
-      <p:sp>
-        <p:nvSpPr>
-          <p:cNvPr id="38" name="타원 37">
-            <a:extLst>
-              <a:ext uri="{FF2B5EF4-FFF2-40B4-BE49-F238E27FC236}">
-                <a16:creationId xmlns:a16="http://schemas.microsoft.com/office/drawing/2014/main" id="{338C1FAF-BF55-4D29-B9CD-974EA1B5C620}"/>
-              </a:ext>
-            </a:extLst>
-          </p:cNvPr>
-          <p:cNvSpPr/>
-          <p:nvPr/>
-        </p:nvSpPr>
-        <p:spPr>
-          <a:xfrm>
-            <a:off x="9657430" y="2894121"/>
-            <a:ext cx="1677865" cy="813786"/>
-          </a:xfrm>
-          <a:prstGeom prst="ellipse">
-            <a:avLst/>
-          </a:prstGeom>
-          <a:ln w="28575"/>
-        </p:spPr>
-        <p:style>
-          <a:lnRef idx="2">
-            <a:schemeClr val="accent1"/>
-          </a:lnRef>
-          <a:fillRef idx="1">
-            <a:schemeClr val="lt1"/>
-          </a:fillRef>
-          <a:effectRef idx="0">
-            <a:schemeClr val="accent1"/>
-          </a:effectRef>
-          <a:fontRef idx="minor">
-            <a:schemeClr val="dk1"/>
-          </a:fontRef>
-        </p:style>
-        <p:txBody>
-          <a:bodyPr rtlCol="0" anchor="ctr"/>
-          <a:lstStyle/>
-          <a:p>
-            <a:pPr algn="ctr"/>
-            <a:r>
-              <a:rPr lang="ko-KR" altLang="en-US" dirty="0"/>
-              <a:t>텍스트화</a:t>
-            </a:r>
-          </a:p>
-        </p:txBody>
-      </p:sp>
-      <p:cxnSp>
-        <p:nvCxnSpPr>
-          <p:cNvPr id="42" name="연결선: 구부러짐 41">
-            <a:extLst>
-              <a:ext uri="{FF2B5EF4-FFF2-40B4-BE49-F238E27FC236}">
-                <a16:creationId xmlns:a16="http://schemas.microsoft.com/office/drawing/2014/main" id="{40DEB45E-F581-42D8-B2B7-D02CF34E4C0A}"/>
-              </a:ext>
-            </a:extLst>
-          </p:cNvPr>
-          <p:cNvCxnSpPr>
-            <a:cxnSpLocks/>
-            <a:stCxn id="30" idx="2"/>
-          </p:cNvCxnSpPr>
-          <p:nvPr/>
-        </p:nvCxnSpPr>
-        <p:spPr>
-          <a:xfrm rot="10800000">
-            <a:off x="4367814" y="2213212"/>
-            <a:ext cx="870014" cy="1114437"/>
-          </a:xfrm>
-          <a:prstGeom prst="curvedConnector2">
-            <a:avLst/>
-          </a:prstGeom>
-          <a:ln>
-            <a:solidFill>
-              <a:srgbClr val="FF0000"/>
-            </a:solidFill>
-            <a:tailEnd type="triangle"/>
-          </a:ln>
-        </p:spPr>
-        <p:style>
-          <a:lnRef idx="1">
-            <a:schemeClr val="accent1"/>
-          </a:lnRef>
-          <a:fillRef idx="0">
-            <a:schemeClr val="accent1"/>
-          </a:fillRef>
-          <a:effectRef idx="0">
-            <a:schemeClr val="accent1"/>
-          </a:effectRef>
-          <a:fontRef idx="minor">
-            <a:schemeClr val="tx1"/>
-          </a:fontRef>
-        </p:style>
-      </p:cxnSp>
-      <p:sp>
-        <p:nvSpPr>
-          <p:cNvPr id="43" name="타원 42">
-            <a:extLst>
-              <a:ext uri="{FF2B5EF4-FFF2-40B4-BE49-F238E27FC236}">
-                <a16:creationId xmlns:a16="http://schemas.microsoft.com/office/drawing/2014/main" id="{275C3CEC-24F8-4214-98E4-3D3D251476BF}"/>
-              </a:ext>
-            </a:extLst>
-          </p:cNvPr>
-          <p:cNvSpPr/>
-          <p:nvPr/>
-        </p:nvSpPr>
-        <p:spPr>
-          <a:xfrm>
-            <a:off x="9645604" y="4219975"/>
-            <a:ext cx="1677865" cy="813786"/>
-          </a:xfrm>
-          <a:prstGeom prst="ellipse">
-            <a:avLst/>
-          </a:prstGeom>
-          <a:ln w="28575"/>
-        </p:spPr>
-        <p:style>
-          <a:lnRef idx="2">
-            <a:schemeClr val="accent1"/>
-          </a:lnRef>
-          <a:fillRef idx="1">
-            <a:schemeClr val="lt1"/>
-          </a:fillRef>
-          <a:effectRef idx="0">
-            <a:schemeClr val="accent1"/>
-          </a:effectRef>
-          <a:fontRef idx="minor">
-            <a:schemeClr val="dk1"/>
-          </a:fontRef>
-        </p:style>
-        <p:txBody>
-          <a:bodyPr rtlCol="0" anchor="ctr"/>
-          <a:lstStyle/>
-          <a:p>
-            <a:pPr algn="ctr"/>
-            <a:r>
-              <a:rPr lang="ko-KR" altLang="en-US" dirty="0"/>
-              <a:t>키워드</a:t>
-            </a:r>
-            <a:endParaRPr lang="en-US" altLang="ko-KR" dirty="0"/>
-          </a:p>
-          <a:p>
-            <a:pPr algn="ctr"/>
-            <a:r>
-              <a:rPr lang="ko-KR" altLang="en-US" dirty="0"/>
-              <a:t>강조</a:t>
-            </a:r>
-            <a:endParaRPr lang="en-US" altLang="ko-KR" dirty="0"/>
-          </a:p>
-        </p:txBody>
-      </p:sp>
-      <p:cxnSp>
-        <p:nvCxnSpPr>
-          <p:cNvPr id="44" name="직선 화살표 연결선 43">
-            <a:extLst>
-              <a:ext uri="{FF2B5EF4-FFF2-40B4-BE49-F238E27FC236}">
-                <a16:creationId xmlns:a16="http://schemas.microsoft.com/office/drawing/2014/main" id="{0D0CFDF9-C764-4E17-896F-95D1416C083C}"/>
-              </a:ext>
-            </a:extLst>
-          </p:cNvPr>
-          <p:cNvCxnSpPr>
-            <a:cxnSpLocks/>
-            <a:endCxn id="43" idx="0"/>
-          </p:cNvCxnSpPr>
-          <p:nvPr/>
-        </p:nvCxnSpPr>
-        <p:spPr>
-          <a:xfrm flipH="1">
-            <a:off x="10484537" y="3722703"/>
-            <a:ext cx="1478" cy="497272"/>
-          </a:xfrm>
-          <a:prstGeom prst="straightConnector1">
-            <a:avLst/>
-          </a:prstGeom>
-          <a:ln>
-            <a:solidFill>
-              <a:srgbClr val="FF0000"/>
-            </a:solidFill>
-            <a:tailEnd type="triangle"/>
-          </a:ln>
-        </p:spPr>
-        <p:style>
-          <a:lnRef idx="1">
-            <a:schemeClr val="accent1"/>
-          </a:lnRef>
-          <a:fillRef idx="0">
-            <a:schemeClr val="accent1"/>
-          </a:fillRef>
-          <a:effectRef idx="0">
-            <a:schemeClr val="accent1"/>
-          </a:effectRef>
-          <a:fontRef idx="minor">
-            <a:schemeClr val="tx1"/>
-          </a:fontRef>
-        </p:style>
-      </p:cxnSp>
-      <p:sp>
-        <p:nvSpPr>
-          <p:cNvPr id="46" name="타원 45">
-            <a:extLst>
-              <a:ext uri="{FF2B5EF4-FFF2-40B4-BE49-F238E27FC236}">
-                <a16:creationId xmlns:a16="http://schemas.microsoft.com/office/drawing/2014/main" id="{7E446DD2-A1DE-4207-824E-BA867C070DEE}"/>
-              </a:ext>
-            </a:extLst>
-          </p:cNvPr>
-          <p:cNvSpPr/>
-          <p:nvPr/>
-        </p:nvSpPr>
-        <p:spPr>
-          <a:xfrm>
-            <a:off x="9645604" y="5579680"/>
-            <a:ext cx="1677865" cy="813786"/>
-          </a:xfrm>
-          <a:prstGeom prst="ellipse">
-            <a:avLst/>
-          </a:prstGeom>
-          <a:ln w="28575"/>
-        </p:spPr>
-        <p:style>
-          <a:lnRef idx="2">
-            <a:schemeClr val="accent1"/>
-          </a:lnRef>
-          <a:fillRef idx="1">
-            <a:schemeClr val="lt1"/>
-          </a:fillRef>
-          <a:effectRef idx="0">
-            <a:schemeClr val="accent1"/>
-          </a:effectRef>
-          <a:fontRef idx="minor">
-            <a:schemeClr val="dk1"/>
-          </a:fontRef>
-        </p:style>
-        <p:txBody>
-          <a:bodyPr rtlCol="0" anchor="ctr"/>
-          <a:lstStyle/>
-          <a:p>
-            <a:pPr algn="ctr"/>
-            <a:r>
-              <a:rPr lang="ko-KR" altLang="en-US" dirty="0"/>
-              <a:t>텍스트 </a:t>
-            </a:r>
-            <a:endParaRPr lang="en-US" altLang="ko-KR" dirty="0"/>
-          </a:p>
-          <a:p>
-            <a:pPr algn="ctr"/>
-            <a:r>
-              <a:rPr lang="ko-KR" altLang="en-US" dirty="0"/>
-              <a:t>파일 저장</a:t>
-            </a:r>
-            <a:endParaRPr lang="en-US" altLang="ko-KR" dirty="0"/>
-          </a:p>
-        </p:txBody>
-      </p:sp>
-      <p:cxnSp>
-        <p:nvCxnSpPr>
-          <p:cNvPr id="47" name="직선 화살표 연결선 46">
-            <a:extLst>
-              <a:ext uri="{FF2B5EF4-FFF2-40B4-BE49-F238E27FC236}">
-                <a16:creationId xmlns:a16="http://schemas.microsoft.com/office/drawing/2014/main" id="{B037B2EB-CC45-4D4C-8A38-9A5E8FAD1993}"/>
-              </a:ext>
-            </a:extLst>
-          </p:cNvPr>
-          <p:cNvCxnSpPr>
-            <a:cxnSpLocks/>
-            <a:endCxn id="46" idx="0"/>
-          </p:cNvCxnSpPr>
-          <p:nvPr/>
-        </p:nvCxnSpPr>
-        <p:spPr>
-          <a:xfrm flipH="1">
-            <a:off x="10484537" y="5086905"/>
-            <a:ext cx="17746" cy="492775"/>
-          </a:xfrm>
-          <a:prstGeom prst="straightConnector1">
-            <a:avLst/>
-          </a:prstGeom>
-          <a:ln>
-            <a:solidFill>
-              <a:srgbClr val="FF0000"/>
-            </a:solidFill>
-            <a:tailEnd type="triangle"/>
-          </a:ln>
-        </p:spPr>
-        <p:style>
-          <a:lnRef idx="1">
-            <a:schemeClr val="accent1"/>
-          </a:lnRef>
-          <a:fillRef idx="0">
-            <a:schemeClr val="accent1"/>
-          </a:fillRef>
-          <a:effectRef idx="0">
-            <a:schemeClr val="accent1"/>
-          </a:effectRef>
-          <a:fontRef idx="minor">
-            <a:schemeClr val="tx1"/>
-          </a:fontRef>
-        </p:style>
-      </p:cxnSp>
-      <p:sp>
-        <p:nvSpPr>
-          <p:cNvPr id="57" name="TextBox 56">
-            <a:extLst>
-              <a:ext uri="{FF2B5EF4-FFF2-40B4-BE49-F238E27FC236}">
-                <a16:creationId xmlns:a16="http://schemas.microsoft.com/office/drawing/2014/main" id="{9A3F8E04-12FB-4703-9FA6-C616C6779328}"/>
-              </a:ext>
-            </a:extLst>
-          </p:cNvPr>
-          <p:cNvSpPr txBox="1"/>
-          <p:nvPr/>
-        </p:nvSpPr>
-        <p:spPr>
-          <a:xfrm>
-            <a:off x="5214148" y="409283"/>
-            <a:ext cx="1587624" cy="553998"/>
-          </a:xfrm>
-          <a:prstGeom prst="rect">
-            <a:avLst/>
-          </a:prstGeom>
-          <a:noFill/>
-        </p:spPr>
-        <p:txBody>
-          <a:bodyPr wrap="square" rtlCol="0">
-            <a:spAutoFit/>
-          </a:bodyPr>
-          <a:lstStyle/>
-          <a:p>
-            <a:r>
-              <a:rPr lang="ko-KR" altLang="en-US" sz="1500" dirty="0"/>
-              <a:t>사진 촬영으로 판서 바로 촬영</a:t>
-            </a:r>
-          </a:p>
-        </p:txBody>
-      </p:sp>
-      <p:sp>
-        <p:nvSpPr>
-          <p:cNvPr id="58" name="TextBox 57">
-            <a:extLst>
-              <a:ext uri="{FF2B5EF4-FFF2-40B4-BE49-F238E27FC236}">
-                <a16:creationId xmlns:a16="http://schemas.microsoft.com/office/drawing/2014/main" id="{4063E82C-657E-4406-92D1-99A7A7F954B3}"/>
-              </a:ext>
-            </a:extLst>
-          </p:cNvPr>
-          <p:cNvSpPr txBox="1"/>
-          <p:nvPr/>
-        </p:nvSpPr>
-        <p:spPr>
-          <a:xfrm>
-            <a:off x="9686276" y="410367"/>
-            <a:ext cx="1587624" cy="784830"/>
-          </a:xfrm>
-          <a:prstGeom prst="rect">
-            <a:avLst/>
-          </a:prstGeom>
-          <a:noFill/>
-        </p:spPr>
-        <p:txBody>
-          <a:bodyPr wrap="square" rtlCol="0">
-            <a:spAutoFit/>
-          </a:bodyPr>
-          <a:lstStyle/>
-          <a:p>
-            <a:r>
-              <a:rPr lang="ko-KR" altLang="en-US" sz="1500" dirty="0"/>
-              <a:t>동영상이 종료되면 자막 파일이 생성됨</a:t>
-            </a:r>
-          </a:p>
-        </p:txBody>
-      </p:sp>
-      <p:sp>
-        <p:nvSpPr>
-          <p:cNvPr id="59" name="TextBox 58">
-            <a:extLst>
-              <a:ext uri="{FF2B5EF4-FFF2-40B4-BE49-F238E27FC236}">
-                <a16:creationId xmlns:a16="http://schemas.microsoft.com/office/drawing/2014/main" id="{FDDE399D-61F6-4831-9CAD-9477EC235242}"/>
-              </a:ext>
-            </a:extLst>
-          </p:cNvPr>
-          <p:cNvSpPr txBox="1"/>
-          <p:nvPr/>
-        </p:nvSpPr>
-        <p:spPr>
-          <a:xfrm>
-            <a:off x="745726" y="275209"/>
-            <a:ext cx="3524435" cy="707886"/>
-          </a:xfrm>
-          <a:prstGeom prst="rect">
-            <a:avLst/>
-          </a:prstGeom>
-          <a:noFill/>
-        </p:spPr>
-        <p:txBody>
-          <a:bodyPr wrap="square" rtlCol="0">
-            <a:spAutoFit/>
-          </a:bodyPr>
-          <a:lstStyle/>
-          <a:p>
-            <a:r>
-              <a:rPr lang="en-US" altLang="ko-KR" sz="4000" dirty="0"/>
-              <a:t>Task Flow</a:t>
-            </a:r>
-            <a:endParaRPr lang="ko-KR" altLang="en-US" sz="4000" dirty="0"/>
-          </a:p>
-        </p:txBody>
-      </p:sp>
-      <p:sp>
-        <p:nvSpPr>
-          <p:cNvPr id="37" name="순서도: 판단 36">
-            <a:extLst>
-              <a:ext uri="{FF2B5EF4-FFF2-40B4-BE49-F238E27FC236}">
-                <a16:creationId xmlns:a16="http://schemas.microsoft.com/office/drawing/2014/main" id="{F047CCEB-B7F1-4F5E-BA93-2AEF73492E40}"/>
-              </a:ext>
-            </a:extLst>
-          </p:cNvPr>
-          <p:cNvSpPr/>
-          <p:nvPr/>
-        </p:nvSpPr>
-        <p:spPr>
-          <a:xfrm>
-            <a:off x="1738566" y="2763917"/>
-            <a:ext cx="1587624" cy="878889"/>
-          </a:xfrm>
-          <a:prstGeom prst="flowChartDecision">
-            <a:avLst/>
-          </a:prstGeom>
-          <a:ln w="28575">
-            <a:solidFill>
-              <a:srgbClr val="0070C0"/>
-            </a:solidFill>
-          </a:ln>
-        </p:spPr>
-        <p:style>
-          <a:lnRef idx="2">
-            <a:schemeClr val="dk1"/>
-          </a:lnRef>
-          <a:fillRef idx="1">
-            <a:schemeClr val="lt1"/>
-          </a:fillRef>
-          <a:effectRef idx="0">
-            <a:schemeClr val="dk1"/>
-          </a:effectRef>
-          <a:fontRef idx="minor">
-            <a:schemeClr val="dk1"/>
-          </a:fontRef>
-        </p:style>
-        <p:txBody>
-          <a:bodyPr rtlCol="0" anchor="ctr"/>
-          <a:lstStyle/>
-          <a:p>
-            <a:pPr algn="ctr"/>
-            <a:r>
-              <a:rPr lang="ko-KR" altLang="en-US" sz="1500" dirty="0"/>
-              <a:t>폰에서 실행</a:t>
-            </a:r>
-          </a:p>
-        </p:txBody>
-      </p:sp>
-      <p:cxnSp>
-        <p:nvCxnSpPr>
-          <p:cNvPr id="39" name="직선 화살표 연결선 38">
-            <a:extLst>
-              <a:ext uri="{FF2B5EF4-FFF2-40B4-BE49-F238E27FC236}">
-                <a16:creationId xmlns:a16="http://schemas.microsoft.com/office/drawing/2014/main" id="{CBA595C1-D233-4DBF-8848-C54CB472C4FA}"/>
-              </a:ext>
-            </a:extLst>
-          </p:cNvPr>
-          <p:cNvCxnSpPr>
-            <a:cxnSpLocks/>
-            <a:stCxn id="14" idx="2"/>
-            <a:endCxn id="37" idx="0"/>
-          </p:cNvCxnSpPr>
-          <p:nvPr/>
-        </p:nvCxnSpPr>
-        <p:spPr>
-          <a:xfrm flipH="1">
-            <a:off x="2532378" y="2223857"/>
-            <a:ext cx="6637" cy="540060"/>
-          </a:xfrm>
-          <a:prstGeom prst="straightConnector1">
-            <a:avLst/>
-          </a:prstGeom>
-          <a:ln>
-            <a:solidFill>
-              <a:srgbClr val="FF0000"/>
-            </a:solidFill>
-            <a:tailEnd type="triangle"/>
-          </a:ln>
-        </p:spPr>
-        <p:style>
-          <a:lnRef idx="1">
-            <a:schemeClr val="accent1"/>
-          </a:lnRef>
-          <a:fillRef idx="0">
-            <a:schemeClr val="accent1"/>
-          </a:fillRef>
-          <a:effectRef idx="0">
-            <a:schemeClr val="accent1"/>
-          </a:effectRef>
-          <a:fontRef idx="minor">
-            <a:schemeClr val="tx1"/>
-          </a:fontRef>
-        </p:style>
-      </p:cxnSp>
-      <p:cxnSp>
-        <p:nvCxnSpPr>
-          <p:cNvPr id="6" name="연결선: 구부러짐 5">
-            <a:extLst>
-              <a:ext uri="{FF2B5EF4-FFF2-40B4-BE49-F238E27FC236}">
-                <a16:creationId xmlns:a16="http://schemas.microsoft.com/office/drawing/2014/main" id="{FA80DEF1-BFFA-4497-A246-EE32B32C49C1}"/>
-              </a:ext>
-            </a:extLst>
-          </p:cNvPr>
-          <p:cNvCxnSpPr>
-            <a:cxnSpLocks/>
-            <a:stCxn id="37" idx="3"/>
-          </p:cNvCxnSpPr>
-          <p:nvPr/>
-        </p:nvCxnSpPr>
-        <p:spPr>
-          <a:xfrm flipV="1">
-            <a:off x="3326190" y="2223857"/>
-            <a:ext cx="686517" cy="979505"/>
-          </a:xfrm>
-          <a:prstGeom prst="curvedConnector2">
-            <a:avLst/>
-          </a:prstGeom>
-          <a:ln>
-            <a:solidFill>
-              <a:srgbClr val="FF0000"/>
-            </a:solidFill>
-            <a:tailEnd type="triangle"/>
-          </a:ln>
-        </p:spPr>
-        <p:style>
-          <a:lnRef idx="1">
-            <a:schemeClr val="accent1"/>
-          </a:lnRef>
-          <a:fillRef idx="0">
-            <a:schemeClr val="accent1"/>
-          </a:fillRef>
-          <a:effectRef idx="0">
-            <a:schemeClr val="accent1"/>
-          </a:effectRef>
-          <a:fontRef idx="minor">
-            <a:schemeClr val="tx1"/>
-          </a:fontRef>
-        </p:style>
-      </p:cxnSp>
-      <p:sp>
-        <p:nvSpPr>
-          <p:cNvPr id="45" name="TextBox 44">
-            <a:extLst>
-              <a:ext uri="{FF2B5EF4-FFF2-40B4-BE49-F238E27FC236}">
-                <a16:creationId xmlns:a16="http://schemas.microsoft.com/office/drawing/2014/main" id="{F9F5CF1C-30D3-4E79-9C72-CB52807FA438}"/>
-              </a:ext>
-            </a:extLst>
-          </p:cNvPr>
-          <p:cNvSpPr txBox="1"/>
-          <p:nvPr/>
-        </p:nvSpPr>
-        <p:spPr>
-          <a:xfrm>
-            <a:off x="2762066" y="3674740"/>
-            <a:ext cx="852253" cy="369332"/>
-          </a:xfrm>
-          <a:prstGeom prst="rect">
-            <a:avLst/>
-          </a:prstGeom>
-          <a:noFill/>
-        </p:spPr>
-        <p:txBody>
-          <a:bodyPr wrap="square" rtlCol="0">
-            <a:spAutoFit/>
-          </a:bodyPr>
-          <a:lstStyle/>
-          <a:p>
-            <a:r>
-              <a:rPr lang="en-US" altLang="ko-KR" dirty="0"/>
-              <a:t>YES</a:t>
-            </a:r>
-            <a:endParaRPr lang="ko-KR" altLang="en-US" dirty="0"/>
-          </a:p>
-        </p:txBody>
-      </p:sp>
-      <p:cxnSp>
-        <p:nvCxnSpPr>
-          <p:cNvPr id="50" name="직선 화살표 연결선 49">
-            <a:extLst>
-              <a:ext uri="{FF2B5EF4-FFF2-40B4-BE49-F238E27FC236}">
-                <a16:creationId xmlns:a16="http://schemas.microsoft.com/office/drawing/2014/main" id="{720AF0CF-1A59-4154-82AE-B92E6DB050D7}"/>
-              </a:ext>
-            </a:extLst>
-          </p:cNvPr>
-          <p:cNvCxnSpPr>
-            <a:cxnSpLocks/>
-            <a:stCxn id="37" idx="2"/>
-            <a:endCxn id="52" idx="0"/>
-          </p:cNvCxnSpPr>
-          <p:nvPr/>
-        </p:nvCxnSpPr>
-        <p:spPr>
-          <a:xfrm>
-            <a:off x="2532378" y="3642806"/>
-            <a:ext cx="0" cy="557816"/>
-          </a:xfrm>
-          <a:prstGeom prst="straightConnector1">
-            <a:avLst/>
-          </a:prstGeom>
-          <a:ln>
-            <a:solidFill>
-              <a:srgbClr val="FF0000"/>
-            </a:solidFill>
-            <a:tailEnd type="triangle"/>
-          </a:ln>
-        </p:spPr>
-        <p:style>
-          <a:lnRef idx="1">
-            <a:schemeClr val="accent1"/>
-          </a:lnRef>
-          <a:fillRef idx="0">
-            <a:schemeClr val="accent1"/>
-          </a:fillRef>
-          <a:effectRef idx="0">
-            <a:schemeClr val="accent1"/>
-          </a:effectRef>
-          <a:fontRef idx="minor">
-            <a:schemeClr val="tx1"/>
-          </a:fontRef>
-        </p:style>
-      </p:cxnSp>
-      <p:sp>
-        <p:nvSpPr>
-          <p:cNvPr id="51" name="TextBox 50">
-            <a:extLst>
-              <a:ext uri="{FF2B5EF4-FFF2-40B4-BE49-F238E27FC236}">
-                <a16:creationId xmlns:a16="http://schemas.microsoft.com/office/drawing/2014/main" id="{AEEC357D-60A1-45A7-9EEB-17783809413D}"/>
-              </a:ext>
-            </a:extLst>
-          </p:cNvPr>
-          <p:cNvSpPr txBox="1"/>
-          <p:nvPr/>
-        </p:nvSpPr>
-        <p:spPr>
-          <a:xfrm>
-            <a:off x="3088708" y="2640367"/>
-            <a:ext cx="585926" cy="369332"/>
-          </a:xfrm>
-          <a:prstGeom prst="rect">
-            <a:avLst/>
-          </a:prstGeom>
-          <a:noFill/>
-        </p:spPr>
-        <p:txBody>
-          <a:bodyPr wrap="square" rtlCol="0">
-            <a:spAutoFit/>
-          </a:bodyPr>
-          <a:lstStyle/>
-          <a:p>
-            <a:r>
-              <a:rPr lang="en-US" altLang="ko-KR" dirty="0"/>
-              <a:t>NO</a:t>
-            </a:r>
-            <a:endParaRPr lang="ko-KR" altLang="en-US" dirty="0"/>
-          </a:p>
-        </p:txBody>
-      </p:sp>
-      <p:sp>
-        <p:nvSpPr>
-          <p:cNvPr id="52" name="타원 51">
-            <a:extLst>
-              <a:ext uri="{FF2B5EF4-FFF2-40B4-BE49-F238E27FC236}">
-                <a16:creationId xmlns:a16="http://schemas.microsoft.com/office/drawing/2014/main" id="{7C23EE9A-203B-4667-8A64-219F0388697D}"/>
-              </a:ext>
-            </a:extLst>
-          </p:cNvPr>
-          <p:cNvSpPr/>
-          <p:nvPr/>
-        </p:nvSpPr>
-        <p:spPr>
-          <a:xfrm>
-            <a:off x="1693445" y="4200622"/>
-            <a:ext cx="1677865" cy="813786"/>
-          </a:xfrm>
-          <a:prstGeom prst="ellipse">
-            <a:avLst/>
-          </a:prstGeom>
-          <a:ln w="28575"/>
-        </p:spPr>
-        <p:style>
-          <a:lnRef idx="2">
-            <a:schemeClr val="accent1"/>
-          </a:lnRef>
-          <a:fillRef idx="1">
-            <a:schemeClr val="lt1"/>
-          </a:fillRef>
-          <a:effectRef idx="0">
-            <a:schemeClr val="accent1"/>
-          </a:effectRef>
-          <a:fontRef idx="minor">
-            <a:schemeClr val="dk1"/>
-          </a:fontRef>
-        </p:style>
-        <p:txBody>
-          <a:bodyPr rtlCol="0" anchor="ctr"/>
-          <a:lstStyle/>
-          <a:p>
-            <a:pPr algn="ctr"/>
-            <a:r>
-              <a:rPr lang="ko-KR" altLang="en-US" dirty="0"/>
-              <a:t>동영상 위에서 실행</a:t>
-            </a:r>
-          </a:p>
-        </p:txBody>
-      </p:sp>
-      <p:cxnSp>
-        <p:nvCxnSpPr>
-          <p:cNvPr id="63" name="직선 화살표 연결선 62">
-            <a:extLst>
-              <a:ext uri="{FF2B5EF4-FFF2-40B4-BE49-F238E27FC236}">
-                <a16:creationId xmlns:a16="http://schemas.microsoft.com/office/drawing/2014/main" id="{4D8B8CED-7541-44FC-AB15-04B26D041BDF}"/>
-              </a:ext>
-            </a:extLst>
-          </p:cNvPr>
-          <p:cNvCxnSpPr>
-            <a:cxnSpLocks/>
-            <a:endCxn id="15" idx="1"/>
-          </p:cNvCxnSpPr>
-          <p:nvPr/>
-        </p:nvCxnSpPr>
-        <p:spPr>
-          <a:xfrm flipV="1">
-            <a:off x="4722929" y="1935331"/>
-            <a:ext cx="584434" cy="6660"/>
-          </a:xfrm>
-          <a:prstGeom prst="straightConnector1">
-            <a:avLst/>
-          </a:prstGeom>
-          <a:ln>
-            <a:solidFill>
-              <a:srgbClr val="FF0000"/>
-            </a:solidFill>
-            <a:tailEnd type="triangle"/>
-          </a:ln>
-        </p:spPr>
-        <p:style>
-          <a:lnRef idx="1">
-            <a:schemeClr val="accent1"/>
-          </a:lnRef>
-          <a:fillRef idx="0">
-            <a:schemeClr val="accent1"/>
-          </a:fillRef>
-          <a:effectRef idx="0">
-            <a:schemeClr val="accent1"/>
-          </a:effectRef>
-          <a:fontRef idx="minor">
-            <a:schemeClr val="tx1"/>
-          </a:fontRef>
-        </p:style>
-      </p:cxnSp>
-      <p:cxnSp>
-        <p:nvCxnSpPr>
-          <p:cNvPr id="64" name="직선 화살표 연결선 63">
-            <a:extLst>
-              <a:ext uri="{FF2B5EF4-FFF2-40B4-BE49-F238E27FC236}">
-                <a16:creationId xmlns:a16="http://schemas.microsoft.com/office/drawing/2014/main" id="{B43CE7E5-3CB4-4F09-AB58-68AEB6F39D13}"/>
-              </a:ext>
-            </a:extLst>
-          </p:cNvPr>
-          <p:cNvCxnSpPr>
-            <a:cxnSpLocks/>
-            <a:stCxn id="15" idx="3"/>
-            <a:endCxn id="54" idx="1"/>
-          </p:cNvCxnSpPr>
-          <p:nvPr/>
-        </p:nvCxnSpPr>
-        <p:spPr>
-          <a:xfrm>
-            <a:off x="6846159" y="1935331"/>
-            <a:ext cx="637724" cy="1"/>
-          </a:xfrm>
-          <a:prstGeom prst="straightConnector1">
-            <a:avLst/>
-          </a:prstGeom>
-          <a:ln>
-            <a:solidFill>
-              <a:srgbClr val="FF0000"/>
-            </a:solidFill>
-            <a:tailEnd type="triangle"/>
-          </a:ln>
-        </p:spPr>
-        <p:style>
-          <a:lnRef idx="1">
-            <a:schemeClr val="accent1"/>
-          </a:lnRef>
-          <a:fillRef idx="0">
-            <a:schemeClr val="accent1"/>
-          </a:fillRef>
-          <a:effectRef idx="0">
-            <a:schemeClr val="accent1"/>
-          </a:effectRef>
-          <a:fontRef idx="minor">
-            <a:schemeClr val="tx1"/>
-          </a:fontRef>
-        </p:style>
-      </p:cxnSp>
-      <p:cxnSp>
-        <p:nvCxnSpPr>
-          <p:cNvPr id="65" name="직선 화살표 연결선 64">
-            <a:extLst>
-              <a:ext uri="{FF2B5EF4-FFF2-40B4-BE49-F238E27FC236}">
-                <a16:creationId xmlns:a16="http://schemas.microsoft.com/office/drawing/2014/main" id="{9311841C-65A2-4FC5-BE7E-669AF3019E2C}"/>
-              </a:ext>
-            </a:extLst>
-          </p:cNvPr>
-          <p:cNvCxnSpPr>
-            <a:cxnSpLocks/>
-            <a:stCxn id="54" idx="3"/>
-            <a:endCxn id="35" idx="1"/>
-          </p:cNvCxnSpPr>
-          <p:nvPr/>
-        </p:nvCxnSpPr>
-        <p:spPr>
-          <a:xfrm flipV="1">
-            <a:off x="9071507" y="1933565"/>
-            <a:ext cx="881848" cy="1767"/>
-          </a:xfrm>
-          <a:prstGeom prst="straightConnector1">
-            <a:avLst/>
-          </a:prstGeom>
-          <a:ln>
-            <a:solidFill>
-              <a:srgbClr val="FF0000"/>
-            </a:solidFill>
-            <a:tailEnd type="triangle"/>
-          </a:ln>
-        </p:spPr>
-        <p:style>
-          <a:lnRef idx="1">
-            <a:schemeClr val="accent1"/>
-          </a:lnRef>
-          <a:fillRef idx="0">
-            <a:schemeClr val="accent1"/>
-          </a:fillRef>
-          <a:effectRef idx="0">
-            <a:schemeClr val="accent1"/>
-          </a:effectRef>
-          <a:fontRef idx="minor">
-            <a:schemeClr val="tx1"/>
-          </a:fontRef>
-        </p:style>
-      </p:cxnSp>
-      <p:cxnSp>
-        <p:nvCxnSpPr>
-          <p:cNvPr id="71" name="직선 화살표 연결선 70">
-            <a:extLst>
-              <a:ext uri="{FF2B5EF4-FFF2-40B4-BE49-F238E27FC236}">
-                <a16:creationId xmlns:a16="http://schemas.microsoft.com/office/drawing/2014/main" id="{F7776DCA-2484-4ABD-87DC-AD7D2A041818}"/>
-              </a:ext>
-            </a:extLst>
-          </p:cNvPr>
-          <p:cNvCxnSpPr>
-            <a:cxnSpLocks/>
-            <a:stCxn id="52" idx="6"/>
-            <a:endCxn id="67" idx="1"/>
-          </p:cNvCxnSpPr>
-          <p:nvPr/>
-        </p:nvCxnSpPr>
-        <p:spPr>
-          <a:xfrm>
-            <a:off x="3371310" y="4607515"/>
-            <a:ext cx="1937532" cy="19237"/>
-          </a:xfrm>
-          <a:prstGeom prst="straightConnector1">
-            <a:avLst/>
-          </a:prstGeom>
-          <a:ln>
-            <a:solidFill>
-              <a:srgbClr val="FF0000"/>
-            </a:solidFill>
-            <a:tailEnd type="triangle"/>
-          </a:ln>
-        </p:spPr>
-        <p:style>
-          <a:lnRef idx="1">
-            <a:schemeClr val="accent1"/>
-          </a:lnRef>
-          <a:fillRef idx="0">
-            <a:schemeClr val="accent1"/>
-          </a:fillRef>
-          <a:effectRef idx="0">
-            <a:schemeClr val="accent1"/>
-          </a:effectRef>
-          <a:fontRef idx="minor">
-            <a:schemeClr val="tx1"/>
-          </a:fontRef>
-        </p:style>
-      </p:cxnSp>
-      <p:sp>
-        <p:nvSpPr>
-          <p:cNvPr id="72" name="TextBox 71">
-            <a:extLst>
-              <a:ext uri="{FF2B5EF4-FFF2-40B4-BE49-F238E27FC236}">
-                <a16:creationId xmlns:a16="http://schemas.microsoft.com/office/drawing/2014/main" id="{9F2CC18C-6A09-4F54-A2B3-481F353AC913}"/>
-              </a:ext>
-            </a:extLst>
-          </p:cNvPr>
-          <p:cNvSpPr txBox="1"/>
-          <p:nvPr/>
-        </p:nvSpPr>
-        <p:spPr>
-          <a:xfrm>
-            <a:off x="6312767" y="5121992"/>
-            <a:ext cx="852253" cy="369332"/>
-          </a:xfrm>
-          <a:prstGeom prst="rect">
-            <a:avLst/>
-          </a:prstGeom>
-          <a:noFill/>
-        </p:spPr>
-        <p:txBody>
-          <a:bodyPr wrap="square" rtlCol="0">
-            <a:spAutoFit/>
-          </a:bodyPr>
-          <a:lstStyle/>
-          <a:p>
-            <a:r>
-              <a:rPr lang="en-US" altLang="ko-KR" dirty="0"/>
-              <a:t>YES</a:t>
-            </a:r>
-            <a:endParaRPr lang="ko-KR" altLang="en-US" dirty="0"/>
-          </a:p>
-        </p:txBody>
-      </p:sp>
-      <p:sp>
-        <p:nvSpPr>
-          <p:cNvPr id="76" name="TextBox 75">
-            <a:extLst>
-              <a:ext uri="{FF2B5EF4-FFF2-40B4-BE49-F238E27FC236}">
-                <a16:creationId xmlns:a16="http://schemas.microsoft.com/office/drawing/2014/main" id="{75FC7D8A-0696-4557-9FD0-1829F6D3A918}"/>
-              </a:ext>
-            </a:extLst>
-          </p:cNvPr>
-          <p:cNvSpPr txBox="1"/>
-          <p:nvPr/>
-        </p:nvSpPr>
-        <p:spPr>
-          <a:xfrm>
-            <a:off x="6930140" y="4459550"/>
-            <a:ext cx="585926" cy="369332"/>
-          </a:xfrm>
-          <a:prstGeom prst="rect">
-            <a:avLst/>
-          </a:prstGeom>
-          <a:noFill/>
-        </p:spPr>
-        <p:txBody>
-          <a:bodyPr wrap="square" rtlCol="0">
-            <a:spAutoFit/>
-          </a:bodyPr>
-          <a:lstStyle/>
-          <a:p>
-            <a:r>
-              <a:rPr lang="en-US" altLang="ko-KR" dirty="0"/>
-              <a:t>NO</a:t>
-            </a:r>
-            <a:endParaRPr lang="ko-KR" altLang="en-US" dirty="0"/>
-          </a:p>
-        </p:txBody>
-      </p:sp>
-      <p:cxnSp>
-        <p:nvCxnSpPr>
-          <p:cNvPr id="77" name="연결선: 구부러짐 76">
-            <a:extLst>
-              <a:ext uri="{FF2B5EF4-FFF2-40B4-BE49-F238E27FC236}">
-                <a16:creationId xmlns:a16="http://schemas.microsoft.com/office/drawing/2014/main" id="{9C7D474B-64B7-428F-9E3F-B799448904FC}"/>
-              </a:ext>
-            </a:extLst>
-          </p:cNvPr>
-          <p:cNvCxnSpPr>
-            <a:cxnSpLocks/>
-            <a:stCxn id="67" idx="3"/>
-          </p:cNvCxnSpPr>
-          <p:nvPr/>
-        </p:nvCxnSpPr>
-        <p:spPr>
-          <a:xfrm flipV="1">
-            <a:off x="6847638" y="1992127"/>
-            <a:ext cx="679127" cy="2634625"/>
-          </a:xfrm>
-          <a:prstGeom prst="curvedConnector2">
-            <a:avLst/>
-          </a:prstGeom>
-          <a:ln>
-            <a:solidFill>
-              <a:srgbClr val="FF0000"/>
-            </a:solidFill>
-            <a:tailEnd type="triangle"/>
-          </a:ln>
-        </p:spPr>
-        <p:style>
-          <a:lnRef idx="1">
-            <a:schemeClr val="accent1"/>
-          </a:lnRef>
-          <a:fillRef idx="0">
-            <a:schemeClr val="accent1"/>
-          </a:fillRef>
-          <a:effectRef idx="0">
-            <a:schemeClr val="accent1"/>
-          </a:effectRef>
-          <a:fontRef idx="minor">
-            <a:schemeClr val="tx1"/>
-          </a:fontRef>
-        </p:style>
-      </p:cxnSp>
-      <p:sp>
-        <p:nvSpPr>
-          <p:cNvPr id="80" name="TextBox 79">
-            <a:extLst>
-              <a:ext uri="{FF2B5EF4-FFF2-40B4-BE49-F238E27FC236}">
-                <a16:creationId xmlns:a16="http://schemas.microsoft.com/office/drawing/2014/main" id="{ACAACB61-1F50-4ABE-8D60-0052D746DDF9}"/>
-              </a:ext>
-            </a:extLst>
-          </p:cNvPr>
-          <p:cNvSpPr txBox="1"/>
-          <p:nvPr/>
-        </p:nvSpPr>
-        <p:spPr>
-          <a:xfrm>
-            <a:off x="3531837" y="5187265"/>
-            <a:ext cx="1587624" cy="784830"/>
-          </a:xfrm>
-          <a:prstGeom prst="rect">
-            <a:avLst/>
-          </a:prstGeom>
-          <a:noFill/>
-        </p:spPr>
-        <p:txBody>
-          <a:bodyPr wrap="square" rtlCol="0">
-            <a:spAutoFit/>
-          </a:bodyPr>
-          <a:lstStyle/>
-          <a:p>
-            <a:r>
-              <a:rPr lang="ko-KR" altLang="en-US" sz="1500" dirty="0"/>
-              <a:t>동영상 위 캡처 버튼 누를 시 화면 캡처</a:t>
-            </a:r>
-          </a:p>
-        </p:txBody>
-      </p:sp>
-      <p:sp>
-        <p:nvSpPr>
-          <p:cNvPr id="56" name="타원 55">
-            <a:extLst>
-              <a:ext uri="{FF2B5EF4-FFF2-40B4-BE49-F238E27FC236}">
-                <a16:creationId xmlns:a16="http://schemas.microsoft.com/office/drawing/2014/main" id="{A19FDCDF-30F2-4074-B107-DE296F75FF30}"/>
-              </a:ext>
-            </a:extLst>
-          </p:cNvPr>
-          <p:cNvSpPr/>
-          <p:nvPr/>
-        </p:nvSpPr>
-        <p:spPr>
-          <a:xfrm>
-            <a:off x="1665145" y="5565202"/>
-            <a:ext cx="1677865" cy="813786"/>
-          </a:xfrm>
-          <a:prstGeom prst="ellipse">
-            <a:avLst/>
-          </a:prstGeom>
-          <a:ln w="28575"/>
-        </p:spPr>
-        <p:style>
-          <a:lnRef idx="2">
-            <a:schemeClr val="accent1"/>
-          </a:lnRef>
-          <a:fillRef idx="1">
-            <a:schemeClr val="lt1"/>
-          </a:fillRef>
-          <a:effectRef idx="0">
-            <a:schemeClr val="accent1"/>
-          </a:effectRef>
-          <a:fontRef idx="minor">
-            <a:schemeClr val="dk1"/>
-          </a:fontRef>
-        </p:style>
-        <p:txBody>
-          <a:bodyPr rtlCol="0" anchor="ctr"/>
-          <a:lstStyle/>
-          <a:p>
-            <a:pPr algn="ctr"/>
-            <a:r>
-              <a:rPr lang="ko-KR" altLang="en-US" dirty="0"/>
-              <a:t>음성 녹음</a:t>
+              <a:rPr lang="ko-KR" altLang="en-US" sz="4000" dirty="0">
+                <a:solidFill>
+                  <a:schemeClr val="bg1"/>
+                </a:solidFill>
+              </a:rPr>
+              <a:t>세부 일정</a:t>
             </a:r>
           </a:p>
         </p:txBody>
@@ -15621,7 +10456,7 @@
     </p:spTree>
     <p:extLst>
       <p:ext uri="{BB962C8B-B14F-4D97-AF65-F5344CB8AC3E}">
-        <p14:creationId xmlns:p14="http://schemas.microsoft.com/office/powerpoint/2010/main" val="3101388216"/>
+        <p14:creationId xmlns:p14="http://schemas.microsoft.com/office/powerpoint/2010/main" val="1735267043"/>
       </p:ext>
     </p:extLst>
   </p:cSld>
@@ -15737,25 +10572,20 @@
           <a:lstStyle/>
           <a:p>
             <a:r>
-              <a:rPr lang="en-US" altLang="ko-KR" sz="4000" dirty="0">
+              <a:rPr lang="ko-KR" altLang="en-US" sz="4000" dirty="0">
                 <a:solidFill>
                   <a:schemeClr val="bg1"/>
                 </a:solidFill>
               </a:rPr>
-              <a:t>Wireframe</a:t>
+              <a:t>세부 일정</a:t>
             </a:r>
-            <a:endParaRPr lang="ko-KR" altLang="en-US" sz="4000" dirty="0">
-              <a:solidFill>
-                <a:schemeClr val="bg1"/>
-              </a:solidFill>
-            </a:endParaRPr>
           </a:p>
         </p:txBody>
       </p:sp>
     </p:spTree>
     <p:extLst>
       <p:ext uri="{BB962C8B-B14F-4D97-AF65-F5344CB8AC3E}">
-        <p14:creationId xmlns:p14="http://schemas.microsoft.com/office/powerpoint/2010/main" val="3947569836"/>
+        <p14:creationId xmlns:p14="http://schemas.microsoft.com/office/powerpoint/2010/main" val="554736061"/>
       </p:ext>
     </p:extLst>
   </p:cSld>

--- a/TaskFlow.pptx
+++ b/TaskFlow.pptx
@@ -897,6 +897,753 @@
   <dgm:styleLbl name="fgShp">
     <dgm:fillClrLst meth="repeat">
       <a:schemeClr val="dk1">
+        <a:tint val="60000"/>
+      </a:schemeClr>
+    </dgm:fillClrLst>
+    <dgm:linClrLst meth="repeat">
+      <a:schemeClr val="lt1"/>
+    </dgm:linClrLst>
+    <dgm:effectClrLst/>
+    <dgm:txLinClrLst/>
+    <dgm:txFillClrLst meth="repeat">
+      <a:schemeClr val="dk1"/>
+    </dgm:txFillClrLst>
+    <dgm:txEffectClrLst/>
+  </dgm:styleLbl>
+  <dgm:styleLbl name="revTx">
+    <dgm:fillClrLst meth="repeat">
+      <a:schemeClr val="lt1">
+        <a:alpha val="0"/>
+      </a:schemeClr>
+    </dgm:fillClrLst>
+    <dgm:linClrLst meth="repeat">
+      <a:schemeClr val="dk1">
+        <a:alpha val="0"/>
+      </a:schemeClr>
+    </dgm:linClrLst>
+    <dgm:effectClrLst/>
+    <dgm:txLinClrLst/>
+    <dgm:txFillClrLst meth="repeat">
+      <a:schemeClr val="tx1"/>
+    </dgm:txFillClrLst>
+    <dgm:txEffectClrLst/>
+  </dgm:styleLbl>
+</dgm:colorsDef>
+</file>
+
+<file path=ppt/diagrams/colors2.xml><?xml version="1.0" encoding="utf-8"?>
+<dgm:colorsDef xmlns:dgm="http://schemas.openxmlformats.org/drawingml/2006/diagram" xmlns:a="http://schemas.openxmlformats.org/drawingml/2006/main" uniqueId="urn:microsoft.com/office/officeart/2005/8/colors/accent1_2">
+  <dgm:title val=""/>
+  <dgm:desc val=""/>
+  <dgm:catLst>
+    <dgm:cat type="accent1" pri="11200"/>
+  </dgm:catLst>
+  <dgm:styleLbl name="node0">
+    <dgm:fillClrLst meth="repeat">
+      <a:schemeClr val="accent1"/>
+    </dgm:fillClrLst>
+    <dgm:linClrLst meth="repeat">
+      <a:schemeClr val="lt1"/>
+    </dgm:linClrLst>
+    <dgm:effectClrLst/>
+    <dgm:txLinClrLst/>
+    <dgm:txFillClrLst/>
+    <dgm:txEffectClrLst/>
+  </dgm:styleLbl>
+  <dgm:styleLbl name="alignNode1">
+    <dgm:fillClrLst meth="repeat">
+      <a:schemeClr val="accent1"/>
+    </dgm:fillClrLst>
+    <dgm:linClrLst meth="repeat">
+      <a:schemeClr val="accent1"/>
+    </dgm:linClrLst>
+    <dgm:effectClrLst/>
+    <dgm:txLinClrLst/>
+    <dgm:txFillClrLst/>
+    <dgm:txEffectClrLst/>
+  </dgm:styleLbl>
+  <dgm:styleLbl name="node1">
+    <dgm:fillClrLst meth="repeat">
+      <a:schemeClr val="accent1"/>
+    </dgm:fillClrLst>
+    <dgm:linClrLst meth="repeat">
+      <a:schemeClr val="lt1"/>
+    </dgm:linClrLst>
+    <dgm:effectClrLst/>
+    <dgm:txLinClrLst/>
+    <dgm:txFillClrLst/>
+    <dgm:txEffectClrLst/>
+  </dgm:styleLbl>
+  <dgm:styleLbl name="lnNode1">
+    <dgm:fillClrLst meth="repeat">
+      <a:schemeClr val="accent1"/>
+    </dgm:fillClrLst>
+    <dgm:linClrLst meth="repeat">
+      <a:schemeClr val="lt1"/>
+    </dgm:linClrLst>
+    <dgm:effectClrLst/>
+    <dgm:txLinClrLst/>
+    <dgm:txFillClrLst/>
+    <dgm:txEffectClrLst/>
+  </dgm:styleLbl>
+  <dgm:styleLbl name="vennNode1">
+    <dgm:fillClrLst meth="repeat">
+      <a:schemeClr val="accent1">
+        <a:alpha val="50000"/>
+      </a:schemeClr>
+    </dgm:fillClrLst>
+    <dgm:linClrLst meth="repeat">
+      <a:schemeClr val="lt1"/>
+    </dgm:linClrLst>
+    <dgm:effectClrLst/>
+    <dgm:txLinClrLst/>
+    <dgm:txFillClrLst/>
+    <dgm:txEffectClrLst/>
+  </dgm:styleLbl>
+  <dgm:styleLbl name="node2">
+    <dgm:fillClrLst meth="repeat">
+      <a:schemeClr val="accent1"/>
+    </dgm:fillClrLst>
+    <dgm:linClrLst meth="repeat">
+      <a:schemeClr val="lt1"/>
+    </dgm:linClrLst>
+    <dgm:effectClrLst/>
+    <dgm:txLinClrLst/>
+    <dgm:txFillClrLst/>
+    <dgm:txEffectClrLst/>
+  </dgm:styleLbl>
+  <dgm:styleLbl name="node3">
+    <dgm:fillClrLst meth="repeat">
+      <a:schemeClr val="accent1"/>
+    </dgm:fillClrLst>
+    <dgm:linClrLst meth="repeat">
+      <a:schemeClr val="lt1"/>
+    </dgm:linClrLst>
+    <dgm:effectClrLst/>
+    <dgm:txLinClrLst/>
+    <dgm:txFillClrLst/>
+    <dgm:txEffectClrLst/>
+  </dgm:styleLbl>
+  <dgm:styleLbl name="node4">
+    <dgm:fillClrLst meth="repeat">
+      <a:schemeClr val="accent1"/>
+    </dgm:fillClrLst>
+    <dgm:linClrLst meth="repeat">
+      <a:schemeClr val="lt1"/>
+    </dgm:linClrLst>
+    <dgm:effectClrLst/>
+    <dgm:txLinClrLst/>
+    <dgm:txFillClrLst/>
+    <dgm:txEffectClrLst/>
+  </dgm:styleLbl>
+  <dgm:styleLbl name="fgImgPlace1">
+    <dgm:fillClrLst meth="repeat">
+      <a:schemeClr val="accent1">
+        <a:tint val="50000"/>
+      </a:schemeClr>
+    </dgm:fillClrLst>
+    <dgm:linClrLst meth="repeat">
+      <a:schemeClr val="lt1"/>
+    </dgm:linClrLst>
+    <dgm:effectClrLst/>
+    <dgm:txLinClrLst/>
+    <dgm:txFillClrLst meth="repeat">
+      <a:schemeClr val="lt1"/>
+    </dgm:txFillClrLst>
+    <dgm:txEffectClrLst/>
+  </dgm:styleLbl>
+  <dgm:styleLbl name="alignImgPlace1">
+    <dgm:fillClrLst meth="repeat">
+      <a:schemeClr val="accent1">
+        <a:tint val="50000"/>
+      </a:schemeClr>
+    </dgm:fillClrLst>
+    <dgm:linClrLst meth="repeat">
+      <a:schemeClr val="lt1"/>
+    </dgm:linClrLst>
+    <dgm:effectClrLst/>
+    <dgm:txLinClrLst/>
+    <dgm:txFillClrLst meth="repeat">
+      <a:schemeClr val="lt1"/>
+    </dgm:txFillClrLst>
+    <dgm:txEffectClrLst/>
+  </dgm:styleLbl>
+  <dgm:styleLbl name="bgImgPlace1">
+    <dgm:fillClrLst meth="repeat">
+      <a:schemeClr val="accent1">
+        <a:tint val="50000"/>
+      </a:schemeClr>
+    </dgm:fillClrLst>
+    <dgm:linClrLst meth="repeat">
+      <a:schemeClr val="lt1"/>
+    </dgm:linClrLst>
+    <dgm:effectClrLst/>
+    <dgm:txLinClrLst/>
+    <dgm:txFillClrLst meth="repeat">
+      <a:schemeClr val="lt1"/>
+    </dgm:txFillClrLst>
+    <dgm:txEffectClrLst/>
+  </dgm:styleLbl>
+  <dgm:styleLbl name="sibTrans2D1">
+    <dgm:fillClrLst meth="repeat">
+      <a:schemeClr val="accent1">
+        <a:tint val="60000"/>
+      </a:schemeClr>
+    </dgm:fillClrLst>
+    <dgm:linClrLst meth="repeat">
+      <a:schemeClr val="accent1">
+        <a:tint val="60000"/>
+      </a:schemeClr>
+    </dgm:linClrLst>
+    <dgm:effectClrLst/>
+    <dgm:txLinClrLst/>
+    <dgm:txFillClrLst/>
+    <dgm:txEffectClrLst/>
+  </dgm:styleLbl>
+  <dgm:styleLbl name="fgSibTrans2D1">
+    <dgm:fillClrLst meth="repeat">
+      <a:schemeClr val="accent1">
+        <a:tint val="60000"/>
+      </a:schemeClr>
+    </dgm:fillClrLst>
+    <dgm:linClrLst meth="repeat">
+      <a:schemeClr val="accent1">
+        <a:tint val="60000"/>
+      </a:schemeClr>
+    </dgm:linClrLst>
+    <dgm:effectClrLst/>
+    <dgm:txLinClrLst/>
+    <dgm:txFillClrLst/>
+    <dgm:txEffectClrLst/>
+  </dgm:styleLbl>
+  <dgm:styleLbl name="bgSibTrans2D1">
+    <dgm:fillClrLst meth="repeat">
+      <a:schemeClr val="accent1">
+        <a:tint val="60000"/>
+      </a:schemeClr>
+    </dgm:fillClrLst>
+    <dgm:linClrLst meth="repeat">
+      <a:schemeClr val="accent1">
+        <a:tint val="60000"/>
+      </a:schemeClr>
+    </dgm:linClrLst>
+    <dgm:effectClrLst/>
+    <dgm:txLinClrLst/>
+    <dgm:txFillClrLst/>
+    <dgm:txEffectClrLst/>
+  </dgm:styleLbl>
+  <dgm:styleLbl name="sibTrans1D1">
+    <dgm:fillClrLst meth="repeat">
+      <a:schemeClr val="accent1"/>
+    </dgm:fillClrLst>
+    <dgm:linClrLst meth="repeat">
+      <a:schemeClr val="accent1"/>
+    </dgm:linClrLst>
+    <dgm:effectClrLst/>
+    <dgm:txLinClrLst/>
+    <dgm:txFillClrLst meth="repeat">
+      <a:schemeClr val="tx1"/>
+    </dgm:txFillClrLst>
+    <dgm:txEffectClrLst/>
+  </dgm:styleLbl>
+  <dgm:styleLbl name="callout">
+    <dgm:fillClrLst meth="repeat">
+      <a:schemeClr val="accent1"/>
+    </dgm:fillClrLst>
+    <dgm:linClrLst meth="repeat">
+      <a:schemeClr val="accent1">
+        <a:tint val="50000"/>
+      </a:schemeClr>
+    </dgm:linClrLst>
+    <dgm:effectClrLst/>
+    <dgm:txLinClrLst/>
+    <dgm:txFillClrLst meth="repeat">
+      <a:schemeClr val="tx1"/>
+    </dgm:txFillClrLst>
+    <dgm:txEffectClrLst/>
+  </dgm:styleLbl>
+  <dgm:styleLbl name="asst0">
+    <dgm:fillClrLst meth="repeat">
+      <a:schemeClr val="accent1"/>
+    </dgm:fillClrLst>
+    <dgm:linClrLst meth="repeat">
+      <a:schemeClr val="lt1"/>
+    </dgm:linClrLst>
+    <dgm:effectClrLst/>
+    <dgm:txLinClrLst/>
+    <dgm:txFillClrLst/>
+    <dgm:txEffectClrLst/>
+  </dgm:styleLbl>
+  <dgm:styleLbl name="asst1">
+    <dgm:fillClrLst meth="repeat">
+      <a:schemeClr val="accent1"/>
+    </dgm:fillClrLst>
+    <dgm:linClrLst meth="repeat">
+      <a:schemeClr val="lt1"/>
+    </dgm:linClrLst>
+    <dgm:effectClrLst/>
+    <dgm:txLinClrLst/>
+    <dgm:txFillClrLst/>
+    <dgm:txEffectClrLst/>
+  </dgm:styleLbl>
+  <dgm:styleLbl name="asst2">
+    <dgm:fillClrLst meth="repeat">
+      <a:schemeClr val="accent1"/>
+    </dgm:fillClrLst>
+    <dgm:linClrLst meth="repeat">
+      <a:schemeClr val="lt1"/>
+    </dgm:linClrLst>
+    <dgm:effectClrLst/>
+    <dgm:txLinClrLst/>
+    <dgm:txFillClrLst/>
+    <dgm:txEffectClrLst/>
+  </dgm:styleLbl>
+  <dgm:styleLbl name="asst3">
+    <dgm:fillClrLst meth="repeat">
+      <a:schemeClr val="accent1"/>
+    </dgm:fillClrLst>
+    <dgm:linClrLst meth="repeat">
+      <a:schemeClr val="lt1"/>
+    </dgm:linClrLst>
+    <dgm:effectClrLst/>
+    <dgm:txLinClrLst/>
+    <dgm:txFillClrLst/>
+    <dgm:txEffectClrLst/>
+  </dgm:styleLbl>
+  <dgm:styleLbl name="asst4">
+    <dgm:fillClrLst meth="repeat">
+      <a:schemeClr val="accent1"/>
+    </dgm:fillClrLst>
+    <dgm:linClrLst meth="repeat">
+      <a:schemeClr val="lt1"/>
+    </dgm:linClrLst>
+    <dgm:effectClrLst/>
+    <dgm:txLinClrLst/>
+    <dgm:txFillClrLst/>
+    <dgm:txEffectClrLst/>
+  </dgm:styleLbl>
+  <dgm:styleLbl name="parChTrans2D1">
+    <dgm:fillClrLst meth="repeat">
+      <a:schemeClr val="accent1">
+        <a:tint val="60000"/>
+      </a:schemeClr>
+    </dgm:fillClrLst>
+    <dgm:linClrLst meth="repeat">
+      <a:schemeClr val="accent1">
+        <a:tint val="60000"/>
+      </a:schemeClr>
+    </dgm:linClrLst>
+    <dgm:effectClrLst/>
+    <dgm:txLinClrLst/>
+    <dgm:txFillClrLst meth="repeat">
+      <a:schemeClr val="lt1"/>
+    </dgm:txFillClrLst>
+    <dgm:txEffectClrLst/>
+  </dgm:styleLbl>
+  <dgm:styleLbl name="parChTrans2D2">
+    <dgm:fillClrLst meth="repeat">
+      <a:schemeClr val="accent1"/>
+    </dgm:fillClrLst>
+    <dgm:linClrLst meth="repeat">
+      <a:schemeClr val="accent1"/>
+    </dgm:linClrLst>
+    <dgm:effectClrLst/>
+    <dgm:txLinClrLst/>
+    <dgm:txFillClrLst meth="repeat">
+      <a:schemeClr val="lt1"/>
+    </dgm:txFillClrLst>
+    <dgm:txEffectClrLst/>
+  </dgm:styleLbl>
+  <dgm:styleLbl name="parChTrans2D3">
+    <dgm:fillClrLst meth="repeat">
+      <a:schemeClr val="accent1"/>
+    </dgm:fillClrLst>
+    <dgm:linClrLst meth="repeat">
+      <a:schemeClr val="accent1"/>
+    </dgm:linClrLst>
+    <dgm:effectClrLst/>
+    <dgm:txLinClrLst/>
+    <dgm:txFillClrLst meth="repeat">
+      <a:schemeClr val="lt1"/>
+    </dgm:txFillClrLst>
+    <dgm:txEffectClrLst/>
+  </dgm:styleLbl>
+  <dgm:styleLbl name="parChTrans2D4">
+    <dgm:fillClrLst meth="repeat">
+      <a:schemeClr val="accent1"/>
+    </dgm:fillClrLst>
+    <dgm:linClrLst meth="repeat">
+      <a:schemeClr val="accent1"/>
+    </dgm:linClrLst>
+    <dgm:effectClrLst/>
+    <dgm:txLinClrLst/>
+    <dgm:txFillClrLst meth="repeat">
+      <a:schemeClr val="lt1"/>
+    </dgm:txFillClrLst>
+    <dgm:txEffectClrLst/>
+  </dgm:styleLbl>
+  <dgm:styleLbl name="parChTrans1D1">
+    <dgm:fillClrLst meth="repeat">
+      <a:schemeClr val="accent1"/>
+    </dgm:fillClrLst>
+    <dgm:linClrLst meth="repeat">
+      <a:schemeClr val="accent1">
+        <a:shade val="60000"/>
+      </a:schemeClr>
+    </dgm:linClrLst>
+    <dgm:effectClrLst/>
+    <dgm:txLinClrLst/>
+    <dgm:txFillClrLst meth="repeat">
+      <a:schemeClr val="tx1"/>
+    </dgm:txFillClrLst>
+    <dgm:txEffectClrLst/>
+  </dgm:styleLbl>
+  <dgm:styleLbl name="parChTrans1D2">
+    <dgm:fillClrLst meth="repeat">
+      <a:schemeClr val="accent1"/>
+    </dgm:fillClrLst>
+    <dgm:linClrLst meth="repeat">
+      <a:schemeClr val="accent1">
+        <a:shade val="60000"/>
+      </a:schemeClr>
+    </dgm:linClrLst>
+    <dgm:effectClrLst/>
+    <dgm:txLinClrLst/>
+    <dgm:txFillClrLst meth="repeat">
+      <a:schemeClr val="tx1"/>
+    </dgm:txFillClrLst>
+    <dgm:txEffectClrLst/>
+  </dgm:styleLbl>
+  <dgm:styleLbl name="parChTrans1D3">
+    <dgm:fillClrLst meth="repeat">
+      <a:schemeClr val="accent1"/>
+    </dgm:fillClrLst>
+    <dgm:linClrLst meth="repeat">
+      <a:schemeClr val="accent1">
+        <a:shade val="80000"/>
+      </a:schemeClr>
+    </dgm:linClrLst>
+    <dgm:effectClrLst/>
+    <dgm:txLinClrLst/>
+    <dgm:txFillClrLst meth="repeat">
+      <a:schemeClr val="tx1"/>
+    </dgm:txFillClrLst>
+    <dgm:txEffectClrLst/>
+  </dgm:styleLbl>
+  <dgm:styleLbl name="parChTrans1D4">
+    <dgm:fillClrLst meth="repeat">
+      <a:schemeClr val="accent1"/>
+    </dgm:fillClrLst>
+    <dgm:linClrLst meth="repeat">
+      <a:schemeClr val="accent1">
+        <a:shade val="80000"/>
+      </a:schemeClr>
+    </dgm:linClrLst>
+    <dgm:effectClrLst/>
+    <dgm:txLinClrLst/>
+    <dgm:txFillClrLst meth="repeat">
+      <a:schemeClr val="tx1"/>
+    </dgm:txFillClrLst>
+    <dgm:txEffectClrLst/>
+  </dgm:styleLbl>
+  <dgm:styleLbl name="fgAcc1">
+    <dgm:fillClrLst meth="repeat">
+      <a:schemeClr val="lt1">
+        <a:alpha val="90000"/>
+      </a:schemeClr>
+    </dgm:fillClrLst>
+    <dgm:linClrLst meth="repeat">
+      <a:schemeClr val="accent1"/>
+    </dgm:linClrLst>
+    <dgm:effectClrLst/>
+    <dgm:txLinClrLst/>
+    <dgm:txFillClrLst meth="repeat">
+      <a:schemeClr val="dk1"/>
+    </dgm:txFillClrLst>
+    <dgm:txEffectClrLst/>
+  </dgm:styleLbl>
+  <dgm:styleLbl name="conFgAcc1">
+    <dgm:fillClrLst meth="repeat">
+      <a:schemeClr val="lt1">
+        <a:alpha val="90000"/>
+      </a:schemeClr>
+    </dgm:fillClrLst>
+    <dgm:linClrLst meth="repeat">
+      <a:schemeClr val="accent1"/>
+    </dgm:linClrLst>
+    <dgm:effectClrLst/>
+    <dgm:txLinClrLst/>
+    <dgm:txFillClrLst meth="repeat">
+      <a:schemeClr val="dk1"/>
+    </dgm:txFillClrLst>
+    <dgm:txEffectClrLst/>
+  </dgm:styleLbl>
+  <dgm:styleLbl name="alignAcc1">
+    <dgm:fillClrLst meth="repeat">
+      <a:schemeClr val="lt1">
+        <a:alpha val="90000"/>
+      </a:schemeClr>
+    </dgm:fillClrLst>
+    <dgm:linClrLst meth="repeat">
+      <a:schemeClr val="accent1"/>
+    </dgm:linClrLst>
+    <dgm:effectClrLst/>
+    <dgm:txLinClrLst/>
+    <dgm:txFillClrLst meth="repeat">
+      <a:schemeClr val="dk1"/>
+    </dgm:txFillClrLst>
+    <dgm:txEffectClrLst/>
+  </dgm:styleLbl>
+  <dgm:styleLbl name="trAlignAcc1">
+    <dgm:fillClrLst meth="repeat">
+      <a:schemeClr val="lt1">
+        <a:alpha val="40000"/>
+      </a:schemeClr>
+    </dgm:fillClrLst>
+    <dgm:linClrLst meth="repeat">
+      <a:schemeClr val="accent1"/>
+    </dgm:linClrLst>
+    <dgm:effectClrLst/>
+    <dgm:txLinClrLst/>
+    <dgm:txFillClrLst meth="repeat">
+      <a:schemeClr val="dk1"/>
+    </dgm:txFillClrLst>
+    <dgm:txEffectClrLst/>
+  </dgm:styleLbl>
+  <dgm:styleLbl name="bgAcc1">
+    <dgm:fillClrLst meth="repeat">
+      <a:schemeClr val="lt1">
+        <a:alpha val="90000"/>
+      </a:schemeClr>
+    </dgm:fillClrLst>
+    <dgm:linClrLst meth="repeat">
+      <a:schemeClr val="accent1"/>
+    </dgm:linClrLst>
+    <dgm:effectClrLst/>
+    <dgm:txLinClrLst/>
+    <dgm:txFillClrLst meth="repeat">
+      <a:schemeClr val="dk1"/>
+    </dgm:txFillClrLst>
+    <dgm:txEffectClrLst/>
+  </dgm:styleLbl>
+  <dgm:styleLbl name="solidFgAcc1">
+    <dgm:fillClrLst meth="repeat">
+      <a:schemeClr val="lt1"/>
+    </dgm:fillClrLst>
+    <dgm:linClrLst meth="repeat">
+      <a:schemeClr val="accent1"/>
+    </dgm:linClrLst>
+    <dgm:effectClrLst/>
+    <dgm:txLinClrLst/>
+    <dgm:txFillClrLst meth="repeat">
+      <a:schemeClr val="dk1"/>
+    </dgm:txFillClrLst>
+    <dgm:txEffectClrLst/>
+  </dgm:styleLbl>
+  <dgm:styleLbl name="solidAlignAcc1">
+    <dgm:fillClrLst meth="repeat">
+      <a:schemeClr val="lt1"/>
+    </dgm:fillClrLst>
+    <dgm:linClrLst meth="repeat">
+      <a:schemeClr val="accent1"/>
+    </dgm:linClrLst>
+    <dgm:effectClrLst/>
+    <dgm:txLinClrLst/>
+    <dgm:txFillClrLst meth="repeat">
+      <a:schemeClr val="dk1"/>
+    </dgm:txFillClrLst>
+    <dgm:txEffectClrLst/>
+  </dgm:styleLbl>
+  <dgm:styleLbl name="solidBgAcc1">
+    <dgm:fillClrLst meth="repeat">
+      <a:schemeClr val="lt1"/>
+    </dgm:fillClrLst>
+    <dgm:linClrLst meth="repeat">
+      <a:schemeClr val="accent1"/>
+    </dgm:linClrLst>
+    <dgm:effectClrLst/>
+    <dgm:txLinClrLst/>
+    <dgm:txFillClrLst meth="repeat">
+      <a:schemeClr val="dk1"/>
+    </dgm:txFillClrLst>
+    <dgm:txEffectClrLst/>
+  </dgm:styleLbl>
+  <dgm:styleLbl name="fgAccFollowNode1">
+    <dgm:fillClrLst meth="repeat">
+      <a:schemeClr val="accent1">
+        <a:alpha val="90000"/>
+        <a:tint val="40000"/>
+      </a:schemeClr>
+    </dgm:fillClrLst>
+    <dgm:linClrLst meth="repeat">
+      <a:schemeClr val="accent1">
+        <a:alpha val="90000"/>
+        <a:tint val="40000"/>
+      </a:schemeClr>
+    </dgm:linClrLst>
+    <dgm:effectClrLst/>
+    <dgm:txLinClrLst/>
+    <dgm:txFillClrLst meth="repeat">
+      <a:schemeClr val="dk1"/>
+    </dgm:txFillClrLst>
+    <dgm:txEffectClrLst/>
+  </dgm:styleLbl>
+  <dgm:styleLbl name="alignAccFollowNode1">
+    <dgm:fillClrLst meth="repeat">
+      <a:schemeClr val="accent1">
+        <a:alpha val="90000"/>
+        <a:tint val="40000"/>
+      </a:schemeClr>
+    </dgm:fillClrLst>
+    <dgm:linClrLst meth="repeat">
+      <a:schemeClr val="accent1">
+        <a:alpha val="90000"/>
+        <a:tint val="40000"/>
+      </a:schemeClr>
+    </dgm:linClrLst>
+    <dgm:effectClrLst/>
+    <dgm:txLinClrLst/>
+    <dgm:txFillClrLst meth="repeat">
+      <a:schemeClr val="dk1"/>
+    </dgm:txFillClrLst>
+    <dgm:txEffectClrLst/>
+  </dgm:styleLbl>
+  <dgm:styleLbl name="bgAccFollowNode1">
+    <dgm:fillClrLst meth="repeat">
+      <a:schemeClr val="accent1">
+        <a:alpha val="90000"/>
+        <a:tint val="40000"/>
+      </a:schemeClr>
+    </dgm:fillClrLst>
+    <dgm:linClrLst meth="repeat">
+      <a:schemeClr val="accent1">
+        <a:alpha val="90000"/>
+        <a:tint val="40000"/>
+      </a:schemeClr>
+    </dgm:linClrLst>
+    <dgm:effectClrLst/>
+    <dgm:txLinClrLst/>
+    <dgm:txFillClrLst meth="repeat">
+      <a:schemeClr val="dk1"/>
+    </dgm:txFillClrLst>
+    <dgm:txEffectClrLst/>
+  </dgm:styleLbl>
+  <dgm:styleLbl name="fgAcc0">
+    <dgm:fillClrLst meth="repeat">
+      <a:schemeClr val="lt1">
+        <a:alpha val="90000"/>
+      </a:schemeClr>
+    </dgm:fillClrLst>
+    <dgm:linClrLst meth="repeat">
+      <a:schemeClr val="accent1"/>
+    </dgm:linClrLst>
+    <dgm:effectClrLst/>
+    <dgm:txLinClrLst/>
+    <dgm:txFillClrLst meth="repeat">
+      <a:schemeClr val="dk1"/>
+    </dgm:txFillClrLst>
+    <dgm:txEffectClrLst/>
+  </dgm:styleLbl>
+  <dgm:styleLbl name="fgAcc2">
+    <dgm:fillClrLst meth="repeat">
+      <a:schemeClr val="lt1">
+        <a:alpha val="90000"/>
+      </a:schemeClr>
+    </dgm:fillClrLst>
+    <dgm:linClrLst meth="repeat">
+      <a:schemeClr val="accent1"/>
+    </dgm:linClrLst>
+    <dgm:effectClrLst/>
+    <dgm:txLinClrLst/>
+    <dgm:txFillClrLst meth="repeat">
+      <a:schemeClr val="dk1"/>
+    </dgm:txFillClrLst>
+    <dgm:txEffectClrLst/>
+  </dgm:styleLbl>
+  <dgm:styleLbl name="fgAcc3">
+    <dgm:fillClrLst meth="repeat">
+      <a:schemeClr val="lt1">
+        <a:alpha val="90000"/>
+      </a:schemeClr>
+    </dgm:fillClrLst>
+    <dgm:linClrLst meth="repeat">
+      <a:schemeClr val="accent1"/>
+    </dgm:linClrLst>
+    <dgm:effectClrLst/>
+    <dgm:txLinClrLst/>
+    <dgm:txFillClrLst meth="repeat">
+      <a:schemeClr val="dk1"/>
+    </dgm:txFillClrLst>
+    <dgm:txEffectClrLst/>
+  </dgm:styleLbl>
+  <dgm:styleLbl name="fgAcc4">
+    <dgm:fillClrLst meth="repeat">
+      <a:schemeClr val="lt1">
+        <a:alpha val="90000"/>
+      </a:schemeClr>
+    </dgm:fillClrLst>
+    <dgm:linClrLst meth="repeat">
+      <a:schemeClr val="accent1"/>
+    </dgm:linClrLst>
+    <dgm:effectClrLst/>
+    <dgm:txLinClrLst/>
+    <dgm:txFillClrLst meth="repeat">
+      <a:schemeClr val="dk1"/>
+    </dgm:txFillClrLst>
+    <dgm:txEffectClrLst/>
+  </dgm:styleLbl>
+  <dgm:styleLbl name="bgShp">
+    <dgm:fillClrLst meth="repeat">
+      <a:schemeClr val="accent1">
+        <a:tint val="40000"/>
+      </a:schemeClr>
+    </dgm:fillClrLst>
+    <dgm:linClrLst meth="repeat">
+      <a:schemeClr val="accent1"/>
+    </dgm:linClrLst>
+    <dgm:effectClrLst/>
+    <dgm:txLinClrLst/>
+    <dgm:txFillClrLst meth="repeat">
+      <a:schemeClr val="dk1"/>
+    </dgm:txFillClrLst>
+    <dgm:txEffectClrLst/>
+  </dgm:styleLbl>
+  <dgm:styleLbl name="dkBgShp">
+    <dgm:fillClrLst meth="repeat">
+      <a:schemeClr val="accent1">
+        <a:shade val="80000"/>
+      </a:schemeClr>
+    </dgm:fillClrLst>
+    <dgm:linClrLst meth="repeat">
+      <a:schemeClr val="accent1"/>
+    </dgm:linClrLst>
+    <dgm:effectClrLst/>
+    <dgm:txLinClrLst/>
+    <dgm:txFillClrLst meth="repeat">
+      <a:schemeClr val="lt1"/>
+    </dgm:txFillClrLst>
+    <dgm:txEffectClrLst/>
+  </dgm:styleLbl>
+  <dgm:styleLbl name="trBgShp">
+    <dgm:fillClrLst meth="repeat">
+      <a:schemeClr val="accent1">
+        <a:tint val="50000"/>
+        <a:alpha val="40000"/>
+      </a:schemeClr>
+    </dgm:fillClrLst>
+    <dgm:linClrLst meth="repeat">
+      <a:schemeClr val="accent1"/>
+    </dgm:linClrLst>
+    <dgm:effectClrLst/>
+    <dgm:txLinClrLst/>
+    <dgm:txFillClrLst meth="repeat">
+      <a:schemeClr val="lt1"/>
+    </dgm:txFillClrLst>
+    <dgm:txEffectClrLst/>
+  </dgm:styleLbl>
+  <dgm:styleLbl name="fgShp">
+    <dgm:fillClrLst meth="repeat">
+      <a:schemeClr val="accent1">
         <a:tint val="60000"/>
       </a:schemeClr>
     </dgm:fillClrLst>
@@ -1273,6 +2020,215 @@
     <dgm:cxn modelId="{BAF6F294-0501-4DD4-ADDF-534EA8776394}" type="presParOf" srcId="{B2D343B6-05D2-4C23-B709-B4A43A0DFA1D}" destId="{FB356ABC-E4B8-4DDB-AE74-14186D6E9F73}" srcOrd="9" destOrd="0" presId="urn:microsoft.com/office/officeart/2005/8/layout/cycle5"/>
     <dgm:cxn modelId="{DB847860-868B-4C19-A9FA-B69ECCF05A2A}" type="presParOf" srcId="{B2D343B6-05D2-4C23-B709-B4A43A0DFA1D}" destId="{E03F8233-7BC4-4812-B2ED-7F13E882C388}" srcOrd="10" destOrd="0" presId="urn:microsoft.com/office/officeart/2005/8/layout/cycle5"/>
     <dgm:cxn modelId="{D1F447BC-8754-435C-884C-E25B09045318}" type="presParOf" srcId="{B2D343B6-05D2-4C23-B709-B4A43A0DFA1D}" destId="{FB15D4D8-33CA-4F75-BAAA-2CEAF0FBE112}" srcOrd="11" destOrd="0" presId="urn:microsoft.com/office/officeart/2005/8/layout/cycle5"/>
+  </dgm:cxnLst>
+  <dgm:bg/>
+  <dgm:whole/>
+  <dgm:extLst>
+    <a:ext uri="http://schemas.microsoft.com/office/drawing/2008/diagram">
+      <dsp:dataModelExt xmlns:dsp="http://schemas.microsoft.com/office/drawing/2008/diagram" relId="rId6" minVer="http://schemas.openxmlformats.org/drawingml/2006/diagram"/>
+    </a:ext>
+  </dgm:extLst>
+</dgm:dataModel>
+</file>
+
+<file path=ppt/diagrams/data2.xml><?xml version="1.0" encoding="utf-8"?>
+<dgm:dataModel xmlns:dgm="http://schemas.openxmlformats.org/drawingml/2006/diagram" xmlns:a="http://schemas.openxmlformats.org/drawingml/2006/main">
+  <dgm:ptLst>
+    <dgm:pt modelId="{3E284090-BBD6-4169-B06B-8B4614F4CFD0}" type="doc">
+      <dgm:prSet loTypeId="urn:microsoft.com/office/officeart/2005/8/layout/chevron1" loCatId="process" qsTypeId="urn:microsoft.com/office/officeart/2005/8/quickstyle/simple1" qsCatId="simple" csTypeId="urn:microsoft.com/office/officeart/2005/8/colors/accent1_2" csCatId="accent1" phldr="1"/>
+      <dgm:spPr/>
+    </dgm:pt>
+    <dgm:pt modelId="{C0834A39-0753-44C5-AB2F-31EFAEFED9DA}">
+      <dgm:prSet phldrT="[텍스트]"/>
+      <dgm:spPr>
+        <a:solidFill>
+          <a:srgbClr val="A9D18E"/>
+        </a:solidFill>
+      </dgm:spPr>
+      <dgm:t>
+        <a:bodyPr/>
+        <a:lstStyle/>
+        <a:p>
+          <a:pPr latinLnBrk="1"/>
+          <a:r>
+            <a:rPr lang="ko-KR" altLang="en-US" dirty="0"/>
+            <a:t>로그인</a:t>
+          </a:r>
+        </a:p>
+      </dgm:t>
+    </dgm:pt>
+    <dgm:pt modelId="{DA3692A7-093E-41E3-BF76-9A032BF36AF4}" type="parTrans" cxnId="{DA819266-F122-461F-87B3-BADC0DD23E8F}">
+      <dgm:prSet/>
+      <dgm:spPr/>
+      <dgm:t>
+        <a:bodyPr/>
+        <a:lstStyle/>
+        <a:p>
+          <a:pPr latinLnBrk="1"/>
+          <a:endParaRPr lang="ko-KR" altLang="en-US"/>
+        </a:p>
+      </dgm:t>
+    </dgm:pt>
+    <dgm:pt modelId="{8EF8F605-DA94-474D-8B57-AF5DEF53D554}" type="sibTrans" cxnId="{DA819266-F122-461F-87B3-BADC0DD23E8F}">
+      <dgm:prSet/>
+      <dgm:spPr/>
+      <dgm:t>
+        <a:bodyPr/>
+        <a:lstStyle/>
+        <a:p>
+          <a:pPr latinLnBrk="1"/>
+          <a:endParaRPr lang="ko-KR" altLang="en-US"/>
+        </a:p>
+      </dgm:t>
+    </dgm:pt>
+    <dgm:pt modelId="{3D63657E-3DDA-46F7-AC41-4BE0852BCBA3}">
+      <dgm:prSet phldrT="[텍스트]"/>
+      <dgm:spPr>
+        <a:solidFill>
+          <a:srgbClr val="A9D18E"/>
+        </a:solidFill>
+      </dgm:spPr>
+      <dgm:t>
+        <a:bodyPr/>
+        <a:lstStyle/>
+        <a:p>
+          <a:pPr latinLnBrk="1"/>
+          <a:r>
+            <a:rPr lang="ko-KR" altLang="en-US" dirty="0"/>
+            <a:t>메인</a:t>
+          </a:r>
+        </a:p>
+      </dgm:t>
+    </dgm:pt>
+    <dgm:pt modelId="{338C076F-A185-4DAF-9692-FEAA3AE67940}" type="parTrans" cxnId="{4219B186-4D22-484A-9FFD-1F059D982D89}">
+      <dgm:prSet/>
+      <dgm:spPr/>
+      <dgm:t>
+        <a:bodyPr/>
+        <a:lstStyle/>
+        <a:p>
+          <a:pPr latinLnBrk="1"/>
+          <a:endParaRPr lang="ko-KR" altLang="en-US"/>
+        </a:p>
+      </dgm:t>
+    </dgm:pt>
+    <dgm:pt modelId="{B0092A1A-4560-4294-B722-F0C18BBF24F4}" type="sibTrans" cxnId="{4219B186-4D22-484A-9FFD-1F059D982D89}">
+      <dgm:prSet/>
+      <dgm:spPr/>
+      <dgm:t>
+        <a:bodyPr/>
+        <a:lstStyle/>
+        <a:p>
+          <a:pPr latinLnBrk="1"/>
+          <a:endParaRPr lang="ko-KR" altLang="en-US"/>
+        </a:p>
+      </dgm:t>
+    </dgm:pt>
+    <dgm:pt modelId="{9FA64E6A-5B86-4DF4-8F04-2B2AE5FA1CA6}">
+      <dgm:prSet phldrT="[텍스트]"/>
+      <dgm:spPr>
+        <a:solidFill>
+          <a:srgbClr val="A9D18E"/>
+        </a:solidFill>
+      </dgm:spPr>
+      <dgm:t>
+        <a:bodyPr/>
+        <a:lstStyle/>
+        <a:p>
+          <a:pPr latinLnBrk="1"/>
+          <a:r>
+            <a:rPr lang="ko-KR" altLang="en-US" dirty="0"/>
+            <a:t>파일관리</a:t>
+          </a:r>
+        </a:p>
+      </dgm:t>
+    </dgm:pt>
+    <dgm:pt modelId="{275705AF-F4A5-4FB2-BD6D-9931DD738B20}" type="parTrans" cxnId="{9E32A5B3-C71A-48B7-B9DF-4F6B0C3A8675}">
+      <dgm:prSet/>
+      <dgm:spPr/>
+      <dgm:t>
+        <a:bodyPr/>
+        <a:lstStyle/>
+        <a:p>
+          <a:pPr latinLnBrk="1"/>
+          <a:endParaRPr lang="ko-KR" altLang="en-US"/>
+        </a:p>
+      </dgm:t>
+    </dgm:pt>
+    <dgm:pt modelId="{719FAFFC-2350-400D-A835-D3391A14CC07}" type="sibTrans" cxnId="{9E32A5B3-C71A-48B7-B9DF-4F6B0C3A8675}">
+      <dgm:prSet/>
+      <dgm:spPr/>
+      <dgm:t>
+        <a:bodyPr/>
+        <a:lstStyle/>
+        <a:p>
+          <a:pPr latinLnBrk="1"/>
+          <a:endParaRPr lang="ko-KR" altLang="en-US"/>
+        </a:p>
+      </dgm:t>
+    </dgm:pt>
+    <dgm:pt modelId="{F558CD66-E230-4D1E-A4B7-92F82E1C230A}" type="pres">
+      <dgm:prSet presAssocID="{3E284090-BBD6-4169-B06B-8B4614F4CFD0}" presName="Name0" presStyleCnt="0">
+        <dgm:presLayoutVars>
+          <dgm:dir/>
+          <dgm:animLvl val="lvl"/>
+          <dgm:resizeHandles val="exact"/>
+        </dgm:presLayoutVars>
+      </dgm:prSet>
+      <dgm:spPr/>
+    </dgm:pt>
+    <dgm:pt modelId="{8DA15D4A-2011-4013-AB91-1198B9AD9F60}" type="pres">
+      <dgm:prSet presAssocID="{C0834A39-0753-44C5-AB2F-31EFAEFED9DA}" presName="parTxOnly" presStyleLbl="node1" presStyleIdx="0" presStyleCnt="3">
+        <dgm:presLayoutVars>
+          <dgm:chMax val="0"/>
+          <dgm:chPref val="0"/>
+          <dgm:bulletEnabled val="1"/>
+        </dgm:presLayoutVars>
+      </dgm:prSet>
+      <dgm:spPr/>
+    </dgm:pt>
+    <dgm:pt modelId="{F70B182A-28EC-4317-BA4A-005DBC65BA29}" type="pres">
+      <dgm:prSet presAssocID="{8EF8F605-DA94-474D-8B57-AF5DEF53D554}" presName="parTxOnlySpace" presStyleCnt="0"/>
+      <dgm:spPr/>
+    </dgm:pt>
+    <dgm:pt modelId="{521FE411-6446-44CB-8094-C9D4FA36107A}" type="pres">
+      <dgm:prSet presAssocID="{3D63657E-3DDA-46F7-AC41-4BE0852BCBA3}" presName="parTxOnly" presStyleLbl="node1" presStyleIdx="1" presStyleCnt="3">
+        <dgm:presLayoutVars>
+          <dgm:chMax val="0"/>
+          <dgm:chPref val="0"/>
+          <dgm:bulletEnabled val="1"/>
+        </dgm:presLayoutVars>
+      </dgm:prSet>
+      <dgm:spPr/>
+    </dgm:pt>
+    <dgm:pt modelId="{D9D3F3A6-9AA1-4C85-926B-A457D384C809}" type="pres">
+      <dgm:prSet presAssocID="{B0092A1A-4560-4294-B722-F0C18BBF24F4}" presName="parTxOnlySpace" presStyleCnt="0"/>
+      <dgm:spPr/>
+    </dgm:pt>
+    <dgm:pt modelId="{CE3FA430-3B21-483F-A60F-5ADD8D8727C6}" type="pres">
+      <dgm:prSet presAssocID="{9FA64E6A-5B86-4DF4-8F04-2B2AE5FA1CA6}" presName="parTxOnly" presStyleLbl="node1" presStyleIdx="2" presStyleCnt="3" custLinFactX="13645" custLinFactNeighborX="100000" custLinFactNeighborY="-2000">
+        <dgm:presLayoutVars>
+          <dgm:chMax val="0"/>
+          <dgm:chPref val="0"/>
+          <dgm:bulletEnabled val="1"/>
+        </dgm:presLayoutVars>
+      </dgm:prSet>
+      <dgm:spPr/>
+    </dgm:pt>
+  </dgm:ptLst>
+  <dgm:cxnLst>
+    <dgm:cxn modelId="{8970DA37-2AB2-42A6-B7F2-F516567923FF}" type="presOf" srcId="{9FA64E6A-5B86-4DF4-8F04-2B2AE5FA1CA6}" destId="{CE3FA430-3B21-483F-A60F-5ADD8D8727C6}" srcOrd="0" destOrd="0" presId="urn:microsoft.com/office/officeart/2005/8/layout/chevron1"/>
+    <dgm:cxn modelId="{DA819266-F122-461F-87B3-BADC0DD23E8F}" srcId="{3E284090-BBD6-4169-B06B-8B4614F4CFD0}" destId="{C0834A39-0753-44C5-AB2F-31EFAEFED9DA}" srcOrd="0" destOrd="0" parTransId="{DA3692A7-093E-41E3-BF76-9A032BF36AF4}" sibTransId="{8EF8F605-DA94-474D-8B57-AF5DEF53D554}"/>
+    <dgm:cxn modelId="{7CA0696F-71A7-4C52-92E1-55CF14039541}" type="presOf" srcId="{C0834A39-0753-44C5-AB2F-31EFAEFED9DA}" destId="{8DA15D4A-2011-4013-AB91-1198B9AD9F60}" srcOrd="0" destOrd="0" presId="urn:microsoft.com/office/officeart/2005/8/layout/chevron1"/>
+    <dgm:cxn modelId="{4219B186-4D22-484A-9FFD-1F059D982D89}" srcId="{3E284090-BBD6-4169-B06B-8B4614F4CFD0}" destId="{3D63657E-3DDA-46F7-AC41-4BE0852BCBA3}" srcOrd="1" destOrd="0" parTransId="{338C076F-A185-4DAF-9692-FEAA3AE67940}" sibTransId="{B0092A1A-4560-4294-B722-F0C18BBF24F4}"/>
+    <dgm:cxn modelId="{9E32A5B3-C71A-48B7-B9DF-4F6B0C3A8675}" srcId="{3E284090-BBD6-4169-B06B-8B4614F4CFD0}" destId="{9FA64E6A-5B86-4DF4-8F04-2B2AE5FA1CA6}" srcOrd="2" destOrd="0" parTransId="{275705AF-F4A5-4FB2-BD6D-9931DD738B20}" sibTransId="{719FAFFC-2350-400D-A835-D3391A14CC07}"/>
+    <dgm:cxn modelId="{96D351C7-3AC3-4B3D-866E-7ED29F791B77}" type="presOf" srcId="{3E284090-BBD6-4169-B06B-8B4614F4CFD0}" destId="{F558CD66-E230-4D1E-A4B7-92F82E1C230A}" srcOrd="0" destOrd="0" presId="urn:microsoft.com/office/officeart/2005/8/layout/chevron1"/>
+    <dgm:cxn modelId="{84E29AE9-1456-4870-9461-DDDAF42C1B87}" type="presOf" srcId="{3D63657E-3DDA-46F7-AC41-4BE0852BCBA3}" destId="{521FE411-6446-44CB-8094-C9D4FA36107A}" srcOrd="0" destOrd="0" presId="urn:microsoft.com/office/officeart/2005/8/layout/chevron1"/>
+    <dgm:cxn modelId="{49668ECF-F8DE-4DCE-9269-490618B9B41D}" type="presParOf" srcId="{F558CD66-E230-4D1E-A4B7-92F82E1C230A}" destId="{8DA15D4A-2011-4013-AB91-1198B9AD9F60}" srcOrd="0" destOrd="0" presId="urn:microsoft.com/office/officeart/2005/8/layout/chevron1"/>
+    <dgm:cxn modelId="{E32B1ADF-7BF9-4420-842C-8BF54C150465}" type="presParOf" srcId="{F558CD66-E230-4D1E-A4B7-92F82E1C230A}" destId="{F70B182A-28EC-4317-BA4A-005DBC65BA29}" srcOrd="1" destOrd="0" presId="urn:microsoft.com/office/officeart/2005/8/layout/chevron1"/>
+    <dgm:cxn modelId="{FCCAFF6D-07D0-4A4D-96CD-2D98DB91A07A}" type="presParOf" srcId="{F558CD66-E230-4D1E-A4B7-92F82E1C230A}" destId="{521FE411-6446-44CB-8094-C9D4FA36107A}" srcOrd="2" destOrd="0" presId="urn:microsoft.com/office/officeart/2005/8/layout/chevron1"/>
+    <dgm:cxn modelId="{33768A4B-4034-4EEB-8773-184923A0CE92}" type="presParOf" srcId="{F558CD66-E230-4D1E-A4B7-92F82E1C230A}" destId="{D9D3F3A6-9AA1-4C85-926B-A457D384C809}" srcOrd="3" destOrd="0" presId="urn:microsoft.com/office/officeart/2005/8/layout/chevron1"/>
+    <dgm:cxn modelId="{73883035-822B-4E34-851E-B68A15AF2543}" type="presParOf" srcId="{F558CD66-E230-4D1E-A4B7-92F82E1C230A}" destId="{CE3FA430-3B21-483F-A60F-5ADD8D8727C6}" srcOrd="4" destOrd="0" presId="urn:microsoft.com/office/officeart/2005/8/layout/chevron1"/>
   </dgm:cxnLst>
   <dgm:bg/>
   <dgm:whole/>
@@ -1804,6 +2760,237 @@
 </dsp:drawing>
 </file>
 
+<file path=ppt/diagrams/drawing2.xml><?xml version="1.0" encoding="utf-8"?>
+<dsp:drawing xmlns:dgm="http://schemas.openxmlformats.org/drawingml/2006/diagram" xmlns:dsp="http://schemas.microsoft.com/office/drawing/2008/diagram" xmlns:a="http://schemas.openxmlformats.org/drawingml/2006/main">
+  <dsp:spTree>
+    <dsp:nvGrpSpPr>
+      <dsp:cNvPr id="0" name=""/>
+      <dsp:cNvGrpSpPr/>
+    </dsp:nvGrpSpPr>
+    <dsp:grpSpPr/>
+    <dsp:sp modelId="{8DA15D4A-2011-4013-AB91-1198B9AD9F60}">
+      <dsp:nvSpPr>
+        <dsp:cNvPr id="0" name=""/>
+        <dsp:cNvSpPr/>
+      </dsp:nvSpPr>
+      <dsp:spPr>
+        <a:xfrm>
+          <a:off x="2947" y="0"/>
+          <a:ext cx="3590921" cy="466535"/>
+        </a:xfrm>
+        <a:prstGeom prst="chevron">
+          <a:avLst/>
+        </a:prstGeom>
+        <a:solidFill>
+          <a:srgbClr val="A9D18E"/>
+        </a:solidFill>
+        <a:ln w="12700" cap="flat" cmpd="sng" algn="ctr">
+          <a:solidFill>
+            <a:schemeClr val="lt1">
+              <a:hueOff val="0"/>
+              <a:satOff val="0"/>
+              <a:lumOff val="0"/>
+              <a:alphaOff val="0"/>
+            </a:schemeClr>
+          </a:solidFill>
+          <a:prstDash val="solid"/>
+          <a:miter lim="800000"/>
+        </a:ln>
+        <a:effectLst/>
+      </dsp:spPr>
+      <dsp:style>
+        <a:lnRef idx="2">
+          <a:scrgbClr r="0" g="0" b="0"/>
+        </a:lnRef>
+        <a:fillRef idx="1">
+          <a:scrgbClr r="0" g="0" b="0"/>
+        </a:fillRef>
+        <a:effectRef idx="0">
+          <a:scrgbClr r="0" g="0" b="0"/>
+        </a:effectRef>
+        <a:fontRef idx="minor">
+          <a:schemeClr val="lt1"/>
+        </a:fontRef>
+      </dsp:style>
+      <dsp:txBody>
+        <a:bodyPr spcFirstLastPara="0" vert="horz" wrap="square" lIns="80010" tIns="26670" rIns="26670" bIns="26670" numCol="1" spcCol="1270" anchor="ctr" anchorCtr="0">
+          <a:noAutofit/>
+        </a:bodyPr>
+        <a:lstStyle/>
+        <a:p>
+          <a:pPr marL="0" lvl="0" indent="0" algn="ctr" defTabSz="889000" latinLnBrk="1">
+            <a:lnSpc>
+              <a:spcPct val="90000"/>
+            </a:lnSpc>
+            <a:spcBef>
+              <a:spcPct val="0"/>
+            </a:spcBef>
+            <a:spcAft>
+              <a:spcPct val="35000"/>
+            </a:spcAft>
+            <a:buNone/>
+          </a:pPr>
+          <a:r>
+            <a:rPr lang="ko-KR" altLang="en-US" sz="2000" kern="1200" dirty="0"/>
+            <a:t>로그인</a:t>
+          </a:r>
+        </a:p>
+      </dsp:txBody>
+      <dsp:txXfrm>
+        <a:off x="236215" y="0"/>
+        <a:ext cx="3124386" cy="466535"/>
+      </dsp:txXfrm>
+    </dsp:sp>
+    <dsp:sp modelId="{521FE411-6446-44CB-8094-C9D4FA36107A}">
+      <dsp:nvSpPr>
+        <dsp:cNvPr id="0" name=""/>
+        <dsp:cNvSpPr/>
+      </dsp:nvSpPr>
+      <dsp:spPr>
+        <a:xfrm>
+          <a:off x="3234776" y="0"/>
+          <a:ext cx="3590921" cy="466535"/>
+        </a:xfrm>
+        <a:prstGeom prst="chevron">
+          <a:avLst/>
+        </a:prstGeom>
+        <a:solidFill>
+          <a:srgbClr val="A9D18E"/>
+        </a:solidFill>
+        <a:ln w="12700" cap="flat" cmpd="sng" algn="ctr">
+          <a:solidFill>
+            <a:schemeClr val="lt1">
+              <a:hueOff val="0"/>
+              <a:satOff val="0"/>
+              <a:lumOff val="0"/>
+              <a:alphaOff val="0"/>
+            </a:schemeClr>
+          </a:solidFill>
+          <a:prstDash val="solid"/>
+          <a:miter lim="800000"/>
+        </a:ln>
+        <a:effectLst/>
+      </dsp:spPr>
+      <dsp:style>
+        <a:lnRef idx="2">
+          <a:scrgbClr r="0" g="0" b="0"/>
+        </a:lnRef>
+        <a:fillRef idx="1">
+          <a:scrgbClr r="0" g="0" b="0"/>
+        </a:fillRef>
+        <a:effectRef idx="0">
+          <a:scrgbClr r="0" g="0" b="0"/>
+        </a:effectRef>
+        <a:fontRef idx="minor">
+          <a:schemeClr val="lt1"/>
+        </a:fontRef>
+      </dsp:style>
+      <dsp:txBody>
+        <a:bodyPr spcFirstLastPara="0" vert="horz" wrap="square" lIns="80010" tIns="26670" rIns="26670" bIns="26670" numCol="1" spcCol="1270" anchor="ctr" anchorCtr="0">
+          <a:noAutofit/>
+        </a:bodyPr>
+        <a:lstStyle/>
+        <a:p>
+          <a:pPr marL="0" lvl="0" indent="0" algn="ctr" defTabSz="889000" latinLnBrk="1">
+            <a:lnSpc>
+              <a:spcPct val="90000"/>
+            </a:lnSpc>
+            <a:spcBef>
+              <a:spcPct val="0"/>
+            </a:spcBef>
+            <a:spcAft>
+              <a:spcPct val="35000"/>
+            </a:spcAft>
+            <a:buNone/>
+          </a:pPr>
+          <a:r>
+            <a:rPr lang="ko-KR" altLang="en-US" sz="2000" kern="1200" dirty="0"/>
+            <a:t>메인</a:t>
+          </a:r>
+        </a:p>
+      </dsp:txBody>
+      <dsp:txXfrm>
+        <a:off x="3468044" y="0"/>
+        <a:ext cx="3124386" cy="466535"/>
+      </dsp:txXfrm>
+    </dsp:sp>
+    <dsp:sp modelId="{CE3FA430-3B21-483F-A60F-5ADD8D8727C6}">
+      <dsp:nvSpPr>
+        <dsp:cNvPr id="0" name=""/>
+        <dsp:cNvSpPr/>
+      </dsp:nvSpPr>
+      <dsp:spPr>
+        <a:xfrm>
+          <a:off x="6469552" y="0"/>
+          <a:ext cx="3590921" cy="466535"/>
+        </a:xfrm>
+        <a:prstGeom prst="chevron">
+          <a:avLst/>
+        </a:prstGeom>
+        <a:solidFill>
+          <a:srgbClr val="A9D18E"/>
+        </a:solidFill>
+        <a:ln w="12700" cap="flat" cmpd="sng" algn="ctr">
+          <a:solidFill>
+            <a:schemeClr val="lt1">
+              <a:hueOff val="0"/>
+              <a:satOff val="0"/>
+              <a:lumOff val="0"/>
+              <a:alphaOff val="0"/>
+            </a:schemeClr>
+          </a:solidFill>
+          <a:prstDash val="solid"/>
+          <a:miter lim="800000"/>
+        </a:ln>
+        <a:effectLst/>
+      </dsp:spPr>
+      <dsp:style>
+        <a:lnRef idx="2">
+          <a:scrgbClr r="0" g="0" b="0"/>
+        </a:lnRef>
+        <a:fillRef idx="1">
+          <a:scrgbClr r="0" g="0" b="0"/>
+        </a:fillRef>
+        <a:effectRef idx="0">
+          <a:scrgbClr r="0" g="0" b="0"/>
+        </a:effectRef>
+        <a:fontRef idx="minor">
+          <a:schemeClr val="lt1"/>
+        </a:fontRef>
+      </dsp:style>
+      <dsp:txBody>
+        <a:bodyPr spcFirstLastPara="0" vert="horz" wrap="square" lIns="80010" tIns="26670" rIns="26670" bIns="26670" numCol="1" spcCol="1270" anchor="ctr" anchorCtr="0">
+          <a:noAutofit/>
+        </a:bodyPr>
+        <a:lstStyle/>
+        <a:p>
+          <a:pPr marL="0" lvl="0" indent="0" algn="ctr" defTabSz="889000" latinLnBrk="1">
+            <a:lnSpc>
+              <a:spcPct val="90000"/>
+            </a:lnSpc>
+            <a:spcBef>
+              <a:spcPct val="0"/>
+            </a:spcBef>
+            <a:spcAft>
+              <a:spcPct val="35000"/>
+            </a:spcAft>
+            <a:buNone/>
+          </a:pPr>
+          <a:r>
+            <a:rPr lang="ko-KR" altLang="en-US" sz="2000" kern="1200" dirty="0"/>
+            <a:t>파일관리</a:t>
+          </a:r>
+        </a:p>
+      </dsp:txBody>
+      <dsp:txXfrm>
+        <a:off x="6702820" y="0"/>
+        <a:ext cx="3124386" cy="466535"/>
+      </dsp:txXfrm>
+    </dsp:sp>
+  </dsp:spTree>
+</dsp:drawing>
+</file>
+
 <file path=ppt/diagrams/layout1.xml><?xml version="1.0" encoding="utf-8"?>
 <dgm:layoutDef xmlns:dgm="http://schemas.openxmlformats.org/drawingml/2006/diagram" xmlns:a="http://schemas.openxmlformats.org/drawingml/2006/main" uniqueId="urn:microsoft.com/office/officeart/2005/8/layout/cycle5">
   <dgm:title val=""/>
@@ -2012,7 +3199,1324 @@
 </dgm:layoutDef>
 </file>
 
+<file path=ppt/diagrams/layout2.xml><?xml version="1.0" encoding="utf-8"?>
+<dgm:layoutDef xmlns:dgm="http://schemas.openxmlformats.org/drawingml/2006/diagram" xmlns:a="http://schemas.openxmlformats.org/drawingml/2006/main" uniqueId="urn:microsoft.com/office/officeart/2005/8/layout/chevron1">
+  <dgm:title val=""/>
+  <dgm:desc val=""/>
+  <dgm:catLst>
+    <dgm:cat type="process" pri="9000"/>
+  </dgm:catLst>
+  <dgm:sampData useDef="1">
+    <dgm:dataModel>
+      <dgm:ptLst/>
+      <dgm:bg/>
+      <dgm:whole/>
+    </dgm:dataModel>
+  </dgm:sampData>
+  <dgm:styleData>
+    <dgm:dataModel>
+      <dgm:ptLst>
+        <dgm:pt modelId="0" type="doc"/>
+        <dgm:pt modelId="1"/>
+        <dgm:pt modelId="2"/>
+      </dgm:ptLst>
+      <dgm:cxnLst>
+        <dgm:cxn modelId="3" srcId="0" destId="1" srcOrd="0" destOrd="0"/>
+        <dgm:cxn modelId="4" srcId="0" destId="2" srcOrd="1" destOrd="0"/>
+      </dgm:cxnLst>
+      <dgm:bg/>
+      <dgm:whole/>
+    </dgm:dataModel>
+  </dgm:styleData>
+  <dgm:clrData>
+    <dgm:dataModel>
+      <dgm:ptLst>
+        <dgm:pt modelId="0" type="doc"/>
+        <dgm:pt modelId="1"/>
+        <dgm:pt modelId="2"/>
+        <dgm:pt modelId="3"/>
+        <dgm:pt modelId="4"/>
+      </dgm:ptLst>
+      <dgm:cxnLst>
+        <dgm:cxn modelId="5" srcId="0" destId="1" srcOrd="0" destOrd="0"/>
+        <dgm:cxn modelId="6" srcId="0" destId="2" srcOrd="1" destOrd="0"/>
+        <dgm:cxn modelId="7" srcId="0" destId="3" srcOrd="2" destOrd="0"/>
+        <dgm:cxn modelId="8" srcId="0" destId="4" srcOrd="3" destOrd="0"/>
+      </dgm:cxnLst>
+      <dgm:bg/>
+      <dgm:whole/>
+    </dgm:dataModel>
+  </dgm:clrData>
+  <dgm:layoutNode name="Name0">
+    <dgm:varLst>
+      <dgm:dir/>
+      <dgm:animLvl val="lvl"/>
+      <dgm:resizeHandles val="exact"/>
+    </dgm:varLst>
+    <dgm:choose name="Name1">
+      <dgm:if name="Name2" func="var" arg="dir" op="equ" val="norm">
+        <dgm:alg type="lin"/>
+      </dgm:if>
+      <dgm:else name="Name3">
+        <dgm:alg type="lin">
+          <dgm:param type="linDir" val="fromR"/>
+        </dgm:alg>
+      </dgm:else>
+    </dgm:choose>
+    <dgm:shape xmlns:r="http://schemas.openxmlformats.org/officeDocument/2006/relationships" r:blip="">
+      <dgm:adjLst/>
+    </dgm:shape>
+    <dgm:presOf/>
+    <dgm:choose name="Name4">
+      <dgm:if name="Name5" axis="des" func="maxDepth" op="gte" val="2">
+        <dgm:constrLst>
+          <dgm:constr type="h" for="ch" forName="composite" refType="h"/>
+          <dgm:constr type="w" for="ch" forName="composite" refType="w"/>
+          <dgm:constr type="w" for="des" forName="parTx"/>
+          <dgm:constr type="h" for="des" forName="parTx" op="equ"/>
+          <dgm:constr type="w" for="des" forName="desTx"/>
+          <dgm:constr type="h" for="des" forName="desTx" op="equ"/>
+          <dgm:constr type="primFontSz" for="des" forName="parTx" val="65"/>
+          <dgm:constr type="secFontSz" for="des" forName="desTx" refType="primFontSz" refFor="des" refForName="parTx" op="equ"/>
+          <dgm:constr type="h" for="des" forName="parTx" refType="primFontSz" refFor="des" refForName="parTx" fact="1.5"/>
+          <dgm:constr type="h" for="des" forName="desTx" refType="primFontSz" refFor="des" refForName="parTx" fact="0.5"/>
+          <dgm:constr type="w" for="ch" forName="space" op="equ" val="-6"/>
+        </dgm:constrLst>
+        <dgm:ruleLst>
+          <dgm:rule type="w" for="ch" forName="composite" val="0" fact="NaN" max="NaN"/>
+          <dgm:rule type="primFontSz" for="des" forName="parTx" val="5" fact="NaN" max="NaN"/>
+        </dgm:ruleLst>
+        <dgm:forEach name="Name6" axis="ch" ptType="node">
+          <dgm:layoutNode name="composite">
+            <dgm:alg type="composite"/>
+            <dgm:shape xmlns:r="http://schemas.openxmlformats.org/officeDocument/2006/relationships" r:blip="">
+              <dgm:adjLst/>
+            </dgm:shape>
+            <dgm:presOf/>
+            <dgm:choose name="Name7">
+              <dgm:if name="Name8" func="var" arg="dir" op="equ" val="norm">
+                <dgm:constrLst>
+                  <dgm:constr type="l" for="ch" forName="parTx"/>
+                  <dgm:constr type="w" for="ch" forName="parTx" refType="w"/>
+                  <dgm:constr type="t" for="ch" forName="parTx"/>
+                  <dgm:constr type="l" for="ch" forName="desTx"/>
+                  <dgm:constr type="w" for="ch" forName="desTx" refType="w" refFor="ch" refForName="parTx" fact="0.8"/>
+                  <dgm:constr type="t" for="ch" forName="desTx" refType="h" refFor="ch" refForName="parTx" fact="1.125"/>
+                </dgm:constrLst>
+              </dgm:if>
+              <dgm:else name="Name9">
+                <dgm:constrLst>
+                  <dgm:constr type="l" for="ch" forName="parTx"/>
+                  <dgm:constr type="w" for="ch" forName="parTx" refType="w"/>
+                  <dgm:constr type="t" for="ch" forName="parTx"/>
+                  <dgm:constr type="l" for="ch" forName="desTx" refType="w" fact="0.2"/>
+                  <dgm:constr type="w" for="ch" forName="desTx" refType="w" refFor="ch" refForName="parTx" fact="0.8"/>
+                  <dgm:constr type="t" for="ch" forName="desTx" refType="h" refFor="ch" refForName="parTx" fact="1.125"/>
+                </dgm:constrLst>
+              </dgm:else>
+            </dgm:choose>
+            <dgm:ruleLst>
+              <dgm:rule type="h" val="INF" fact="NaN" max="NaN"/>
+            </dgm:ruleLst>
+            <dgm:layoutNode name="parTx">
+              <dgm:varLst>
+                <dgm:chMax val="0"/>
+                <dgm:chPref val="0"/>
+                <dgm:bulletEnabled val="1"/>
+              </dgm:varLst>
+              <dgm:alg type="tx"/>
+              <dgm:choose name="Name10">
+                <dgm:if name="Name11" func="var" arg="dir" op="equ" val="norm">
+                  <dgm:shape xmlns:r="http://schemas.openxmlformats.org/officeDocument/2006/relationships" type="chevron" r:blip="">
+                    <dgm:adjLst/>
+                  </dgm:shape>
+                </dgm:if>
+                <dgm:else name="Name12">
+                  <dgm:shape xmlns:r="http://schemas.openxmlformats.org/officeDocument/2006/relationships" rot="180" type="chevron" r:blip="">
+                    <dgm:adjLst/>
+                  </dgm:shape>
+                </dgm:else>
+              </dgm:choose>
+              <dgm:presOf axis="self" ptType="node"/>
+              <dgm:choose name="Name13">
+                <dgm:if name="Name14" func="var" arg="dir" op="equ" val="norm">
+                  <dgm:constrLst>
+                    <dgm:constr type="h" refType="w" op="lte" fact="0.4"/>
+                    <dgm:constr type="h"/>
+                    <dgm:constr type="tMarg" refType="primFontSz" fact="0.105"/>
+                    <dgm:constr type="bMarg" refType="primFontSz" fact="0.105"/>
+                    <dgm:constr type="lMarg" refType="primFontSz" fact="0.315"/>
+                    <dgm:constr type="rMarg" refType="primFontSz" fact="0.105"/>
+                  </dgm:constrLst>
+                </dgm:if>
+                <dgm:else name="Name15">
+                  <dgm:constrLst>
+                    <dgm:constr type="h" refType="w" op="lte" fact="0.4"/>
+                    <dgm:constr type="h"/>
+                    <dgm:constr type="tMarg" refType="primFontSz" fact="0.105"/>
+                    <dgm:constr type="bMarg" refType="primFontSz" fact="0.105"/>
+                    <dgm:constr type="lMarg" refType="primFontSz" fact="0.105"/>
+                    <dgm:constr type="rMarg" refType="primFontSz" fact="0.315"/>
+                  </dgm:constrLst>
+                </dgm:else>
+              </dgm:choose>
+              <dgm:ruleLst>
+                <dgm:rule type="h" val="INF" fact="NaN" max="NaN"/>
+              </dgm:ruleLst>
+            </dgm:layoutNode>
+            <dgm:layoutNode name="desTx" styleLbl="revTx">
+              <dgm:varLst>
+                <dgm:bulletEnabled val="1"/>
+              </dgm:varLst>
+              <dgm:alg type="tx">
+                <dgm:param type="stBulletLvl" val="1"/>
+              </dgm:alg>
+              <dgm:choose name="Name16">
+                <dgm:if name="Name17" axis="ch" ptType="node" func="cnt" op="gte" val="1">
+                  <dgm:shape xmlns:r="http://schemas.openxmlformats.org/officeDocument/2006/relationships" type="rect" r:blip="">
+                    <dgm:adjLst/>
+                  </dgm:shape>
+                </dgm:if>
+                <dgm:else name="Name18">
+                  <dgm:shape xmlns:r="http://schemas.openxmlformats.org/officeDocument/2006/relationships" type="rect" r:blip="" hideGeom="1">
+                    <dgm:adjLst/>
+                  </dgm:shape>
+                </dgm:else>
+              </dgm:choose>
+              <dgm:presOf axis="des" ptType="node"/>
+              <dgm:constrLst>
+                <dgm:constr type="secFontSz" val="65"/>
+                <dgm:constr type="primFontSz" refType="secFontSz"/>
+                <dgm:constr type="h"/>
+                <dgm:constr type="tMarg"/>
+                <dgm:constr type="bMarg"/>
+                <dgm:constr type="rMarg"/>
+                <dgm:constr type="lMarg"/>
+              </dgm:constrLst>
+              <dgm:ruleLst>
+                <dgm:rule type="h" val="INF" fact="NaN" max="NaN"/>
+              </dgm:ruleLst>
+            </dgm:layoutNode>
+          </dgm:layoutNode>
+          <dgm:forEach name="Name19" axis="followSib" ptType="sibTrans" cnt="1">
+            <dgm:layoutNode name="space">
+              <dgm:alg type="sp"/>
+              <dgm:shape xmlns:r="http://schemas.openxmlformats.org/officeDocument/2006/relationships" r:blip="">
+                <dgm:adjLst/>
+              </dgm:shape>
+              <dgm:presOf/>
+              <dgm:constrLst/>
+              <dgm:ruleLst/>
+            </dgm:layoutNode>
+          </dgm:forEach>
+        </dgm:forEach>
+      </dgm:if>
+      <dgm:else name="Name20">
+        <dgm:constrLst>
+          <dgm:constr type="w" for="ch" forName="parTxOnly" refType="w"/>
+          <dgm:constr type="h" for="des" forName="parTxOnly" op="equ"/>
+          <dgm:constr type="primFontSz" for="des" forName="parTxOnly" op="equ" val="65"/>
+          <dgm:constr type="w" for="ch" forName="parTxOnlySpace" refType="w" refFor="ch" refForName="parTxOnly" fact="-0.1"/>
+        </dgm:constrLst>
+        <dgm:ruleLst/>
+        <dgm:forEach name="Name21" axis="ch" ptType="node">
+          <dgm:layoutNode name="parTxOnly">
+            <dgm:varLst>
+              <dgm:chMax val="0"/>
+              <dgm:chPref val="0"/>
+              <dgm:bulletEnabled val="1"/>
+            </dgm:varLst>
+            <dgm:alg type="tx"/>
+            <dgm:choose name="Name22">
+              <dgm:if name="Name23" func="var" arg="dir" op="equ" val="norm">
+                <dgm:shape xmlns:r="http://schemas.openxmlformats.org/officeDocument/2006/relationships" type="chevron" r:blip="">
+                  <dgm:adjLst/>
+                </dgm:shape>
+              </dgm:if>
+              <dgm:else name="Name24">
+                <dgm:shape xmlns:r="http://schemas.openxmlformats.org/officeDocument/2006/relationships" rot="180" type="chevron" r:blip="">
+                  <dgm:adjLst/>
+                </dgm:shape>
+              </dgm:else>
+            </dgm:choose>
+            <dgm:presOf axis="self" ptType="node"/>
+            <dgm:choose name="Name25">
+              <dgm:if name="Name26" func="var" arg="dir" op="equ" val="norm">
+                <dgm:constrLst>
+                  <dgm:constr type="h" refType="w" op="equ" fact="0.4"/>
+                  <dgm:constr type="tMarg" refType="primFontSz" fact="0.105"/>
+                  <dgm:constr type="bMarg" refType="primFontSz" fact="0.105"/>
+                  <dgm:constr type="lMarg" refType="primFontSz" fact="0.315"/>
+                  <dgm:constr type="rMarg" refType="primFontSz" fact="0.105"/>
+                </dgm:constrLst>
+              </dgm:if>
+              <dgm:else name="Name27">
+                <dgm:constrLst>
+                  <dgm:constr type="h" refType="w" op="equ" fact="0.4"/>
+                  <dgm:constr type="tMarg" refType="primFontSz" fact="0.105"/>
+                  <dgm:constr type="bMarg" refType="primFontSz" fact="0.105"/>
+                  <dgm:constr type="lMarg" refType="primFontSz" fact="0.105"/>
+                  <dgm:constr type="rMarg" refType="primFontSz" fact="0.315"/>
+                </dgm:constrLst>
+              </dgm:else>
+            </dgm:choose>
+            <dgm:ruleLst>
+              <dgm:rule type="primFontSz" val="5" fact="NaN" max="NaN"/>
+            </dgm:ruleLst>
+          </dgm:layoutNode>
+          <dgm:forEach name="Name28" axis="followSib" ptType="sibTrans" cnt="1">
+            <dgm:layoutNode name="parTxOnlySpace">
+              <dgm:alg type="sp"/>
+              <dgm:shape xmlns:r="http://schemas.openxmlformats.org/officeDocument/2006/relationships" r:blip="">
+                <dgm:adjLst/>
+              </dgm:shape>
+              <dgm:presOf/>
+              <dgm:constrLst/>
+              <dgm:ruleLst/>
+            </dgm:layoutNode>
+          </dgm:forEach>
+        </dgm:forEach>
+      </dgm:else>
+    </dgm:choose>
+  </dgm:layoutNode>
+</dgm:layoutDef>
+</file>
+
 <file path=ppt/diagrams/quickStyle1.xml><?xml version="1.0" encoding="utf-8"?>
+<dgm:styleDef xmlns:dgm="http://schemas.openxmlformats.org/drawingml/2006/diagram" xmlns:a="http://schemas.openxmlformats.org/drawingml/2006/main" uniqueId="urn:microsoft.com/office/officeart/2005/8/quickstyle/simple1">
+  <dgm:title val=""/>
+  <dgm:desc val=""/>
+  <dgm:catLst>
+    <dgm:cat type="simple" pri="10100"/>
+  </dgm:catLst>
+  <dgm:scene3d>
+    <a:camera prst="orthographicFront"/>
+    <a:lightRig rig="threePt" dir="t"/>
+  </dgm:scene3d>
+  <dgm:styleLbl name="node0">
+    <dgm:scene3d>
+      <a:camera prst="orthographicFront"/>
+      <a:lightRig rig="threePt" dir="t"/>
+    </dgm:scene3d>
+    <dgm:sp3d/>
+    <dgm:txPr/>
+    <dgm:style>
+      <a:lnRef idx="2">
+        <a:scrgbClr r="0" g="0" b="0"/>
+      </a:lnRef>
+      <a:fillRef idx="1">
+        <a:scrgbClr r="0" g="0" b="0"/>
+      </a:fillRef>
+      <a:effectRef idx="0">
+        <a:scrgbClr r="0" g="0" b="0"/>
+      </a:effectRef>
+      <a:fontRef idx="minor">
+        <a:schemeClr val="lt1"/>
+      </a:fontRef>
+    </dgm:style>
+  </dgm:styleLbl>
+  <dgm:styleLbl name="lnNode1">
+    <dgm:scene3d>
+      <a:camera prst="orthographicFront"/>
+      <a:lightRig rig="threePt" dir="t"/>
+    </dgm:scene3d>
+    <dgm:sp3d/>
+    <dgm:txPr/>
+    <dgm:style>
+      <a:lnRef idx="2">
+        <a:scrgbClr r="0" g="0" b="0"/>
+      </a:lnRef>
+      <a:fillRef idx="1">
+        <a:scrgbClr r="0" g="0" b="0"/>
+      </a:fillRef>
+      <a:effectRef idx="0">
+        <a:scrgbClr r="0" g="0" b="0"/>
+      </a:effectRef>
+      <a:fontRef idx="minor">
+        <a:schemeClr val="lt1"/>
+      </a:fontRef>
+    </dgm:style>
+  </dgm:styleLbl>
+  <dgm:styleLbl name="vennNode1">
+    <dgm:scene3d>
+      <a:camera prst="orthographicFront"/>
+      <a:lightRig rig="threePt" dir="t"/>
+    </dgm:scene3d>
+    <dgm:sp3d/>
+    <dgm:txPr/>
+    <dgm:style>
+      <a:lnRef idx="2">
+        <a:scrgbClr r="0" g="0" b="0"/>
+      </a:lnRef>
+      <a:fillRef idx="1">
+        <a:scrgbClr r="0" g="0" b="0"/>
+      </a:fillRef>
+      <a:effectRef idx="0">
+        <a:scrgbClr r="0" g="0" b="0"/>
+      </a:effectRef>
+      <a:fontRef idx="minor">
+        <a:schemeClr val="tx1"/>
+      </a:fontRef>
+    </dgm:style>
+  </dgm:styleLbl>
+  <dgm:styleLbl name="alignNode1">
+    <dgm:scene3d>
+      <a:camera prst="orthographicFront"/>
+      <a:lightRig rig="threePt" dir="t"/>
+    </dgm:scene3d>
+    <dgm:sp3d/>
+    <dgm:txPr/>
+    <dgm:style>
+      <a:lnRef idx="2">
+        <a:scrgbClr r="0" g="0" b="0"/>
+      </a:lnRef>
+      <a:fillRef idx="1">
+        <a:scrgbClr r="0" g="0" b="0"/>
+      </a:fillRef>
+      <a:effectRef idx="0">
+        <a:scrgbClr r="0" g="0" b="0"/>
+      </a:effectRef>
+      <a:fontRef idx="minor">
+        <a:schemeClr val="lt1"/>
+      </a:fontRef>
+    </dgm:style>
+  </dgm:styleLbl>
+  <dgm:styleLbl name="node1">
+    <dgm:scene3d>
+      <a:camera prst="orthographicFront"/>
+      <a:lightRig rig="threePt" dir="t"/>
+    </dgm:scene3d>
+    <dgm:sp3d/>
+    <dgm:txPr/>
+    <dgm:style>
+      <a:lnRef idx="2">
+        <a:scrgbClr r="0" g="0" b="0"/>
+      </a:lnRef>
+      <a:fillRef idx="1">
+        <a:scrgbClr r="0" g="0" b="0"/>
+      </a:fillRef>
+      <a:effectRef idx="0">
+        <a:scrgbClr r="0" g="0" b="0"/>
+      </a:effectRef>
+      <a:fontRef idx="minor">
+        <a:schemeClr val="lt1"/>
+      </a:fontRef>
+    </dgm:style>
+  </dgm:styleLbl>
+  <dgm:styleLbl name="node2">
+    <dgm:scene3d>
+      <a:camera prst="orthographicFront"/>
+      <a:lightRig rig="threePt" dir="t"/>
+    </dgm:scene3d>
+    <dgm:sp3d/>
+    <dgm:txPr/>
+    <dgm:style>
+      <a:lnRef idx="2">
+        <a:scrgbClr r="0" g="0" b="0"/>
+      </a:lnRef>
+      <a:fillRef idx="1">
+        <a:scrgbClr r="0" g="0" b="0"/>
+      </a:fillRef>
+      <a:effectRef idx="0">
+        <a:scrgbClr r="0" g="0" b="0"/>
+      </a:effectRef>
+      <a:fontRef idx="minor">
+        <a:schemeClr val="lt1"/>
+      </a:fontRef>
+    </dgm:style>
+  </dgm:styleLbl>
+  <dgm:styleLbl name="node3">
+    <dgm:scene3d>
+      <a:camera prst="orthographicFront"/>
+      <a:lightRig rig="threePt" dir="t"/>
+    </dgm:scene3d>
+    <dgm:sp3d/>
+    <dgm:txPr/>
+    <dgm:style>
+      <a:lnRef idx="2">
+        <a:scrgbClr r="0" g="0" b="0"/>
+      </a:lnRef>
+      <a:fillRef idx="1">
+        <a:scrgbClr r="0" g="0" b="0"/>
+      </a:fillRef>
+      <a:effectRef idx="0">
+        <a:scrgbClr r="0" g="0" b="0"/>
+      </a:effectRef>
+      <a:fontRef idx="minor">
+        <a:schemeClr val="lt1"/>
+      </a:fontRef>
+    </dgm:style>
+  </dgm:styleLbl>
+  <dgm:styleLbl name="node4">
+    <dgm:scene3d>
+      <a:camera prst="orthographicFront"/>
+      <a:lightRig rig="threePt" dir="t"/>
+    </dgm:scene3d>
+    <dgm:sp3d/>
+    <dgm:txPr/>
+    <dgm:style>
+      <a:lnRef idx="2">
+        <a:scrgbClr r="0" g="0" b="0"/>
+      </a:lnRef>
+      <a:fillRef idx="1">
+        <a:scrgbClr r="0" g="0" b="0"/>
+      </a:fillRef>
+      <a:effectRef idx="0">
+        <a:scrgbClr r="0" g="0" b="0"/>
+      </a:effectRef>
+      <a:fontRef idx="minor">
+        <a:schemeClr val="lt1"/>
+      </a:fontRef>
+    </dgm:style>
+  </dgm:styleLbl>
+  <dgm:styleLbl name="fgImgPlace1">
+    <dgm:scene3d>
+      <a:camera prst="orthographicFront"/>
+      <a:lightRig rig="threePt" dir="t"/>
+    </dgm:scene3d>
+    <dgm:sp3d/>
+    <dgm:txPr/>
+    <dgm:style>
+      <a:lnRef idx="2">
+        <a:scrgbClr r="0" g="0" b="0"/>
+      </a:lnRef>
+      <a:fillRef idx="1">
+        <a:scrgbClr r="0" g="0" b="0"/>
+      </a:fillRef>
+      <a:effectRef idx="0">
+        <a:scrgbClr r="0" g="0" b="0"/>
+      </a:effectRef>
+      <a:fontRef idx="minor"/>
+    </dgm:style>
+  </dgm:styleLbl>
+  <dgm:styleLbl name="alignImgPlace1">
+    <dgm:scene3d>
+      <a:camera prst="orthographicFront"/>
+      <a:lightRig rig="threePt" dir="t"/>
+    </dgm:scene3d>
+    <dgm:sp3d/>
+    <dgm:txPr/>
+    <dgm:style>
+      <a:lnRef idx="2">
+        <a:scrgbClr r="0" g="0" b="0"/>
+      </a:lnRef>
+      <a:fillRef idx="1">
+        <a:scrgbClr r="0" g="0" b="0"/>
+      </a:fillRef>
+      <a:effectRef idx="0">
+        <a:scrgbClr r="0" g="0" b="0"/>
+      </a:effectRef>
+      <a:fontRef idx="minor"/>
+    </dgm:style>
+  </dgm:styleLbl>
+  <dgm:styleLbl name="bgImgPlace1">
+    <dgm:scene3d>
+      <a:camera prst="orthographicFront"/>
+      <a:lightRig rig="threePt" dir="t"/>
+    </dgm:scene3d>
+    <dgm:sp3d/>
+    <dgm:txPr/>
+    <dgm:style>
+      <a:lnRef idx="2">
+        <a:scrgbClr r="0" g="0" b="0"/>
+      </a:lnRef>
+      <a:fillRef idx="1">
+        <a:scrgbClr r="0" g="0" b="0"/>
+      </a:fillRef>
+      <a:effectRef idx="0">
+        <a:scrgbClr r="0" g="0" b="0"/>
+      </a:effectRef>
+      <a:fontRef idx="minor"/>
+    </dgm:style>
+  </dgm:styleLbl>
+  <dgm:styleLbl name="sibTrans2D1">
+    <dgm:scene3d>
+      <a:camera prst="orthographicFront"/>
+      <a:lightRig rig="threePt" dir="t"/>
+    </dgm:scene3d>
+    <dgm:sp3d/>
+    <dgm:txPr/>
+    <dgm:style>
+      <a:lnRef idx="0">
+        <a:scrgbClr r="0" g="0" b="0"/>
+      </a:lnRef>
+      <a:fillRef idx="1">
+        <a:scrgbClr r="0" g="0" b="0"/>
+      </a:fillRef>
+      <a:effectRef idx="0">
+        <a:scrgbClr r="0" g="0" b="0"/>
+      </a:effectRef>
+      <a:fontRef idx="minor">
+        <a:schemeClr val="lt1"/>
+      </a:fontRef>
+    </dgm:style>
+  </dgm:styleLbl>
+  <dgm:styleLbl name="fgSibTrans2D1">
+    <dgm:scene3d>
+      <a:camera prst="orthographicFront"/>
+      <a:lightRig rig="threePt" dir="t"/>
+    </dgm:scene3d>
+    <dgm:sp3d/>
+    <dgm:txPr/>
+    <dgm:style>
+      <a:lnRef idx="0">
+        <a:scrgbClr r="0" g="0" b="0"/>
+      </a:lnRef>
+      <a:fillRef idx="1">
+        <a:scrgbClr r="0" g="0" b="0"/>
+      </a:fillRef>
+      <a:effectRef idx="0">
+        <a:scrgbClr r="0" g="0" b="0"/>
+      </a:effectRef>
+      <a:fontRef idx="minor">
+        <a:schemeClr val="lt1"/>
+      </a:fontRef>
+    </dgm:style>
+  </dgm:styleLbl>
+  <dgm:styleLbl name="bgSibTrans2D1">
+    <dgm:scene3d>
+      <a:camera prst="orthographicFront"/>
+      <a:lightRig rig="threePt" dir="t"/>
+    </dgm:scene3d>
+    <dgm:sp3d/>
+    <dgm:txPr/>
+    <dgm:style>
+      <a:lnRef idx="0">
+        <a:scrgbClr r="0" g="0" b="0"/>
+      </a:lnRef>
+      <a:fillRef idx="1">
+        <a:scrgbClr r="0" g="0" b="0"/>
+      </a:fillRef>
+      <a:effectRef idx="0">
+        <a:scrgbClr r="0" g="0" b="0"/>
+      </a:effectRef>
+      <a:fontRef idx="minor">
+        <a:schemeClr val="lt1"/>
+      </a:fontRef>
+    </dgm:style>
+  </dgm:styleLbl>
+  <dgm:styleLbl name="sibTrans1D1">
+    <dgm:scene3d>
+      <a:camera prst="orthographicFront"/>
+      <a:lightRig rig="threePt" dir="t"/>
+    </dgm:scene3d>
+    <dgm:sp3d/>
+    <dgm:txPr/>
+    <dgm:style>
+      <a:lnRef idx="1">
+        <a:scrgbClr r="0" g="0" b="0"/>
+      </a:lnRef>
+      <a:fillRef idx="0">
+        <a:scrgbClr r="0" g="0" b="0"/>
+      </a:fillRef>
+      <a:effectRef idx="0">
+        <a:scrgbClr r="0" g="0" b="0"/>
+      </a:effectRef>
+      <a:fontRef idx="minor"/>
+    </dgm:style>
+  </dgm:styleLbl>
+  <dgm:styleLbl name="callout">
+    <dgm:scene3d>
+      <a:camera prst="orthographicFront"/>
+      <a:lightRig rig="threePt" dir="t"/>
+    </dgm:scene3d>
+    <dgm:sp3d/>
+    <dgm:txPr/>
+    <dgm:style>
+      <a:lnRef idx="2">
+        <a:scrgbClr r="0" g="0" b="0"/>
+      </a:lnRef>
+      <a:fillRef idx="1">
+        <a:scrgbClr r="0" g="0" b="0"/>
+      </a:fillRef>
+      <a:effectRef idx="0">
+        <a:scrgbClr r="0" g="0" b="0"/>
+      </a:effectRef>
+      <a:fontRef idx="minor"/>
+    </dgm:style>
+  </dgm:styleLbl>
+  <dgm:styleLbl name="asst0">
+    <dgm:scene3d>
+      <a:camera prst="orthographicFront"/>
+      <a:lightRig rig="threePt" dir="t"/>
+    </dgm:scene3d>
+    <dgm:sp3d/>
+    <dgm:txPr/>
+    <dgm:style>
+      <a:lnRef idx="2">
+        <a:scrgbClr r="0" g="0" b="0"/>
+      </a:lnRef>
+      <a:fillRef idx="1">
+        <a:scrgbClr r="0" g="0" b="0"/>
+      </a:fillRef>
+      <a:effectRef idx="0">
+        <a:scrgbClr r="0" g="0" b="0"/>
+      </a:effectRef>
+      <a:fontRef idx="minor">
+        <a:schemeClr val="lt1"/>
+      </a:fontRef>
+    </dgm:style>
+  </dgm:styleLbl>
+  <dgm:styleLbl name="asst1">
+    <dgm:scene3d>
+      <a:camera prst="orthographicFront"/>
+      <a:lightRig rig="threePt" dir="t"/>
+    </dgm:scene3d>
+    <dgm:sp3d/>
+    <dgm:txPr/>
+    <dgm:style>
+      <a:lnRef idx="2">
+        <a:scrgbClr r="0" g="0" b="0"/>
+      </a:lnRef>
+      <a:fillRef idx="1">
+        <a:scrgbClr r="0" g="0" b="0"/>
+      </a:fillRef>
+      <a:effectRef idx="0">
+        <a:scrgbClr r="0" g="0" b="0"/>
+      </a:effectRef>
+      <a:fontRef idx="minor">
+        <a:schemeClr val="lt1"/>
+      </a:fontRef>
+    </dgm:style>
+  </dgm:styleLbl>
+  <dgm:styleLbl name="asst2">
+    <dgm:scene3d>
+      <a:camera prst="orthographicFront"/>
+      <a:lightRig rig="threePt" dir="t"/>
+    </dgm:scene3d>
+    <dgm:sp3d/>
+    <dgm:txPr/>
+    <dgm:style>
+      <a:lnRef idx="2">
+        <a:scrgbClr r="0" g="0" b="0"/>
+      </a:lnRef>
+      <a:fillRef idx="1">
+        <a:scrgbClr r="0" g="0" b="0"/>
+      </a:fillRef>
+      <a:effectRef idx="0">
+        <a:scrgbClr r="0" g="0" b="0"/>
+      </a:effectRef>
+      <a:fontRef idx="minor">
+        <a:schemeClr val="lt1"/>
+      </a:fontRef>
+    </dgm:style>
+  </dgm:styleLbl>
+  <dgm:styleLbl name="asst3">
+    <dgm:scene3d>
+      <a:camera prst="orthographicFront"/>
+      <a:lightRig rig="threePt" dir="t"/>
+    </dgm:scene3d>
+    <dgm:sp3d/>
+    <dgm:txPr/>
+    <dgm:style>
+      <a:lnRef idx="2">
+        <a:scrgbClr r="0" g="0" b="0"/>
+      </a:lnRef>
+      <a:fillRef idx="1">
+        <a:scrgbClr r="0" g="0" b="0"/>
+      </a:fillRef>
+      <a:effectRef idx="0">
+        <a:scrgbClr r="0" g="0" b="0"/>
+      </a:effectRef>
+      <a:fontRef idx="minor">
+        <a:schemeClr val="lt1"/>
+      </a:fontRef>
+    </dgm:style>
+  </dgm:styleLbl>
+  <dgm:styleLbl name="asst4">
+    <dgm:scene3d>
+      <a:camera prst="orthographicFront"/>
+      <a:lightRig rig="threePt" dir="t"/>
+    </dgm:scene3d>
+    <dgm:sp3d/>
+    <dgm:txPr/>
+    <dgm:style>
+      <a:lnRef idx="2">
+        <a:scrgbClr r="0" g="0" b="0"/>
+      </a:lnRef>
+      <a:fillRef idx="1">
+        <a:scrgbClr r="0" g="0" b="0"/>
+      </a:fillRef>
+      <a:effectRef idx="0">
+        <a:scrgbClr r="0" g="0" b="0"/>
+      </a:effectRef>
+      <a:fontRef idx="minor">
+        <a:schemeClr val="lt1"/>
+      </a:fontRef>
+    </dgm:style>
+  </dgm:styleLbl>
+  <dgm:styleLbl name="parChTrans2D1">
+    <dgm:scene3d>
+      <a:camera prst="orthographicFront"/>
+      <a:lightRig rig="threePt" dir="t"/>
+    </dgm:scene3d>
+    <dgm:sp3d/>
+    <dgm:txPr/>
+    <dgm:style>
+      <a:lnRef idx="2">
+        <a:scrgbClr r="0" g="0" b="0"/>
+      </a:lnRef>
+      <a:fillRef idx="1">
+        <a:scrgbClr r="0" g="0" b="0"/>
+      </a:fillRef>
+      <a:effectRef idx="0">
+        <a:scrgbClr r="0" g="0" b="0"/>
+      </a:effectRef>
+      <a:fontRef idx="minor">
+        <a:schemeClr val="lt1"/>
+      </a:fontRef>
+    </dgm:style>
+  </dgm:styleLbl>
+  <dgm:styleLbl name="parChTrans2D2">
+    <dgm:scene3d>
+      <a:camera prst="orthographicFront"/>
+      <a:lightRig rig="threePt" dir="t"/>
+    </dgm:scene3d>
+    <dgm:sp3d/>
+    <dgm:txPr/>
+    <dgm:style>
+      <a:lnRef idx="2">
+        <a:scrgbClr r="0" g="0" b="0"/>
+      </a:lnRef>
+      <a:fillRef idx="1">
+        <a:scrgbClr r="0" g="0" b="0"/>
+      </a:fillRef>
+      <a:effectRef idx="0">
+        <a:scrgbClr r="0" g="0" b="0"/>
+      </a:effectRef>
+      <a:fontRef idx="minor">
+        <a:schemeClr val="lt1"/>
+      </a:fontRef>
+    </dgm:style>
+  </dgm:styleLbl>
+  <dgm:styleLbl name="parChTrans2D3">
+    <dgm:scene3d>
+      <a:camera prst="orthographicFront"/>
+      <a:lightRig rig="threePt" dir="t"/>
+    </dgm:scene3d>
+    <dgm:sp3d/>
+    <dgm:txPr/>
+    <dgm:style>
+      <a:lnRef idx="2">
+        <a:scrgbClr r="0" g="0" b="0"/>
+      </a:lnRef>
+      <a:fillRef idx="1">
+        <a:scrgbClr r="0" g="0" b="0"/>
+      </a:fillRef>
+      <a:effectRef idx="0">
+        <a:scrgbClr r="0" g="0" b="0"/>
+      </a:effectRef>
+      <a:fontRef idx="minor">
+        <a:schemeClr val="lt1"/>
+      </a:fontRef>
+    </dgm:style>
+  </dgm:styleLbl>
+  <dgm:styleLbl name="parChTrans2D4">
+    <dgm:scene3d>
+      <a:camera prst="orthographicFront"/>
+      <a:lightRig rig="threePt" dir="t"/>
+    </dgm:scene3d>
+    <dgm:sp3d/>
+    <dgm:txPr/>
+    <dgm:style>
+      <a:lnRef idx="2">
+        <a:scrgbClr r="0" g="0" b="0"/>
+      </a:lnRef>
+      <a:fillRef idx="1">
+        <a:scrgbClr r="0" g="0" b="0"/>
+      </a:fillRef>
+      <a:effectRef idx="0">
+        <a:scrgbClr r="0" g="0" b="0"/>
+      </a:effectRef>
+      <a:fontRef idx="minor">
+        <a:schemeClr val="lt1"/>
+      </a:fontRef>
+    </dgm:style>
+  </dgm:styleLbl>
+  <dgm:styleLbl name="parChTrans1D1">
+    <dgm:scene3d>
+      <a:camera prst="orthographicFront"/>
+      <a:lightRig rig="threePt" dir="t"/>
+    </dgm:scene3d>
+    <dgm:sp3d/>
+    <dgm:txPr/>
+    <dgm:style>
+      <a:lnRef idx="2">
+        <a:scrgbClr r="0" g="0" b="0"/>
+      </a:lnRef>
+      <a:fillRef idx="0">
+        <a:scrgbClr r="0" g="0" b="0"/>
+      </a:fillRef>
+      <a:effectRef idx="0">
+        <a:scrgbClr r="0" g="0" b="0"/>
+      </a:effectRef>
+      <a:fontRef idx="minor"/>
+    </dgm:style>
+  </dgm:styleLbl>
+  <dgm:styleLbl name="parChTrans1D2">
+    <dgm:scene3d>
+      <a:camera prst="orthographicFront"/>
+      <a:lightRig rig="threePt" dir="t"/>
+    </dgm:scene3d>
+    <dgm:sp3d/>
+    <dgm:txPr/>
+    <dgm:style>
+      <a:lnRef idx="2">
+        <a:scrgbClr r="0" g="0" b="0"/>
+      </a:lnRef>
+      <a:fillRef idx="0">
+        <a:scrgbClr r="0" g="0" b="0"/>
+      </a:fillRef>
+      <a:effectRef idx="0">
+        <a:scrgbClr r="0" g="0" b="0"/>
+      </a:effectRef>
+      <a:fontRef idx="minor"/>
+    </dgm:style>
+  </dgm:styleLbl>
+  <dgm:styleLbl name="parChTrans1D3">
+    <dgm:scene3d>
+      <a:camera prst="orthographicFront"/>
+      <a:lightRig rig="threePt" dir="t"/>
+    </dgm:scene3d>
+    <dgm:sp3d/>
+    <dgm:txPr/>
+    <dgm:style>
+      <a:lnRef idx="2">
+        <a:scrgbClr r="0" g="0" b="0"/>
+      </a:lnRef>
+      <a:fillRef idx="0">
+        <a:scrgbClr r="0" g="0" b="0"/>
+      </a:fillRef>
+      <a:effectRef idx="0">
+        <a:scrgbClr r="0" g="0" b="0"/>
+      </a:effectRef>
+      <a:fontRef idx="minor"/>
+    </dgm:style>
+  </dgm:styleLbl>
+  <dgm:styleLbl name="parChTrans1D4">
+    <dgm:scene3d>
+      <a:camera prst="orthographicFront"/>
+      <a:lightRig rig="threePt" dir="t"/>
+    </dgm:scene3d>
+    <dgm:sp3d/>
+    <dgm:txPr/>
+    <dgm:style>
+      <a:lnRef idx="2">
+        <a:scrgbClr r="0" g="0" b="0"/>
+      </a:lnRef>
+      <a:fillRef idx="0">
+        <a:scrgbClr r="0" g="0" b="0"/>
+      </a:fillRef>
+      <a:effectRef idx="0">
+        <a:scrgbClr r="0" g="0" b="0"/>
+      </a:effectRef>
+      <a:fontRef idx="minor"/>
+    </dgm:style>
+  </dgm:styleLbl>
+  <dgm:styleLbl name="fgAcc1">
+    <dgm:scene3d>
+      <a:camera prst="orthographicFront"/>
+      <a:lightRig rig="threePt" dir="t"/>
+    </dgm:scene3d>
+    <dgm:sp3d/>
+    <dgm:txPr/>
+    <dgm:style>
+      <a:lnRef idx="2">
+        <a:scrgbClr r="0" g="0" b="0"/>
+      </a:lnRef>
+      <a:fillRef idx="1">
+        <a:scrgbClr r="0" g="0" b="0"/>
+      </a:fillRef>
+      <a:effectRef idx="0">
+        <a:scrgbClr r="0" g="0" b="0"/>
+      </a:effectRef>
+      <a:fontRef idx="minor"/>
+    </dgm:style>
+  </dgm:styleLbl>
+  <dgm:styleLbl name="conFgAcc1">
+    <dgm:scene3d>
+      <a:camera prst="orthographicFront"/>
+      <a:lightRig rig="threePt" dir="t"/>
+    </dgm:scene3d>
+    <dgm:sp3d/>
+    <dgm:txPr/>
+    <dgm:style>
+      <a:lnRef idx="2">
+        <a:scrgbClr r="0" g="0" b="0"/>
+      </a:lnRef>
+      <a:fillRef idx="1">
+        <a:scrgbClr r="0" g="0" b="0"/>
+      </a:fillRef>
+      <a:effectRef idx="0">
+        <a:scrgbClr r="0" g="0" b="0"/>
+      </a:effectRef>
+      <a:fontRef idx="minor"/>
+    </dgm:style>
+  </dgm:styleLbl>
+  <dgm:styleLbl name="alignAcc1">
+    <dgm:scene3d>
+      <a:camera prst="orthographicFront"/>
+      <a:lightRig rig="threePt" dir="t"/>
+    </dgm:scene3d>
+    <dgm:sp3d/>
+    <dgm:txPr/>
+    <dgm:style>
+      <a:lnRef idx="2">
+        <a:scrgbClr r="0" g="0" b="0"/>
+      </a:lnRef>
+      <a:fillRef idx="1">
+        <a:scrgbClr r="0" g="0" b="0"/>
+      </a:fillRef>
+      <a:effectRef idx="0">
+        <a:scrgbClr r="0" g="0" b="0"/>
+      </a:effectRef>
+      <a:fontRef idx="minor"/>
+    </dgm:style>
+  </dgm:styleLbl>
+  <dgm:styleLbl name="trAlignAcc1">
+    <dgm:scene3d>
+      <a:camera prst="orthographicFront"/>
+      <a:lightRig rig="threePt" dir="t"/>
+    </dgm:scene3d>
+    <dgm:sp3d/>
+    <dgm:txPr/>
+    <dgm:style>
+      <a:lnRef idx="1">
+        <a:scrgbClr r="0" g="0" b="0"/>
+      </a:lnRef>
+      <a:fillRef idx="1">
+        <a:scrgbClr r="0" g="0" b="0"/>
+      </a:fillRef>
+      <a:effectRef idx="0">
+        <a:scrgbClr r="0" g="0" b="0"/>
+      </a:effectRef>
+      <a:fontRef idx="minor"/>
+    </dgm:style>
+  </dgm:styleLbl>
+  <dgm:styleLbl name="bgAcc1">
+    <dgm:scene3d>
+      <a:camera prst="orthographicFront"/>
+      <a:lightRig rig="threePt" dir="t"/>
+    </dgm:scene3d>
+    <dgm:sp3d/>
+    <dgm:txPr/>
+    <dgm:style>
+      <a:lnRef idx="2">
+        <a:scrgbClr r="0" g="0" b="0"/>
+      </a:lnRef>
+      <a:fillRef idx="1">
+        <a:scrgbClr r="0" g="0" b="0"/>
+      </a:fillRef>
+      <a:effectRef idx="0">
+        <a:scrgbClr r="0" g="0" b="0"/>
+      </a:effectRef>
+      <a:fontRef idx="minor"/>
+    </dgm:style>
+  </dgm:styleLbl>
+  <dgm:styleLbl name="solidFgAcc1">
+    <dgm:scene3d>
+      <a:camera prst="orthographicFront"/>
+      <a:lightRig rig="threePt" dir="t"/>
+    </dgm:scene3d>
+    <dgm:sp3d/>
+    <dgm:txPr/>
+    <dgm:style>
+      <a:lnRef idx="2">
+        <a:scrgbClr r="0" g="0" b="0"/>
+      </a:lnRef>
+      <a:fillRef idx="1">
+        <a:scrgbClr r="0" g="0" b="0"/>
+      </a:fillRef>
+      <a:effectRef idx="0">
+        <a:scrgbClr r="0" g="0" b="0"/>
+      </a:effectRef>
+      <a:fontRef idx="minor"/>
+    </dgm:style>
+  </dgm:styleLbl>
+  <dgm:styleLbl name="solidAlignAcc1">
+    <dgm:scene3d>
+      <a:camera prst="orthographicFront"/>
+      <a:lightRig rig="threePt" dir="t"/>
+    </dgm:scene3d>
+    <dgm:sp3d/>
+    <dgm:txPr/>
+    <dgm:style>
+      <a:lnRef idx="2">
+        <a:scrgbClr r="0" g="0" b="0"/>
+      </a:lnRef>
+      <a:fillRef idx="1">
+        <a:scrgbClr r="0" g="0" b="0"/>
+      </a:fillRef>
+      <a:effectRef idx="0">
+        <a:scrgbClr r="0" g="0" b="0"/>
+      </a:effectRef>
+      <a:fontRef idx="minor"/>
+    </dgm:style>
+  </dgm:styleLbl>
+  <dgm:styleLbl name="solidBgAcc1">
+    <dgm:scene3d>
+      <a:camera prst="orthographicFront"/>
+      <a:lightRig rig="threePt" dir="t"/>
+    </dgm:scene3d>
+    <dgm:sp3d/>
+    <dgm:txPr/>
+    <dgm:style>
+      <a:lnRef idx="2">
+        <a:scrgbClr r="0" g="0" b="0"/>
+      </a:lnRef>
+      <a:fillRef idx="1">
+        <a:scrgbClr r="0" g="0" b="0"/>
+      </a:fillRef>
+      <a:effectRef idx="0">
+        <a:scrgbClr r="0" g="0" b="0"/>
+      </a:effectRef>
+      <a:fontRef idx="minor"/>
+    </dgm:style>
+  </dgm:styleLbl>
+  <dgm:styleLbl name="fgAccFollowNode1">
+    <dgm:scene3d>
+      <a:camera prst="orthographicFront"/>
+      <a:lightRig rig="threePt" dir="t"/>
+    </dgm:scene3d>
+    <dgm:sp3d/>
+    <dgm:txPr/>
+    <dgm:style>
+      <a:lnRef idx="2">
+        <a:scrgbClr r="0" g="0" b="0"/>
+      </a:lnRef>
+      <a:fillRef idx="1">
+        <a:scrgbClr r="0" g="0" b="0"/>
+      </a:fillRef>
+      <a:effectRef idx="0">
+        <a:scrgbClr r="0" g="0" b="0"/>
+      </a:effectRef>
+      <a:fontRef idx="minor"/>
+    </dgm:style>
+  </dgm:styleLbl>
+  <dgm:styleLbl name="alignAccFollowNode1">
+    <dgm:scene3d>
+      <a:camera prst="orthographicFront"/>
+      <a:lightRig rig="threePt" dir="t"/>
+    </dgm:scene3d>
+    <dgm:sp3d/>
+    <dgm:txPr/>
+    <dgm:style>
+      <a:lnRef idx="2">
+        <a:scrgbClr r="0" g="0" b="0"/>
+      </a:lnRef>
+      <a:fillRef idx="1">
+        <a:scrgbClr r="0" g="0" b="0"/>
+      </a:fillRef>
+      <a:effectRef idx="0">
+        <a:scrgbClr r="0" g="0" b="0"/>
+      </a:effectRef>
+      <a:fontRef idx="minor"/>
+    </dgm:style>
+  </dgm:styleLbl>
+  <dgm:styleLbl name="bgAccFollowNode1">
+    <dgm:scene3d>
+      <a:camera prst="orthographicFront"/>
+      <a:lightRig rig="threePt" dir="t"/>
+    </dgm:scene3d>
+    <dgm:sp3d/>
+    <dgm:txPr/>
+    <dgm:style>
+      <a:lnRef idx="2">
+        <a:scrgbClr r="0" g="0" b="0"/>
+      </a:lnRef>
+      <a:fillRef idx="1">
+        <a:scrgbClr r="0" g="0" b="0"/>
+      </a:fillRef>
+      <a:effectRef idx="0">
+        <a:scrgbClr r="0" g="0" b="0"/>
+      </a:effectRef>
+      <a:fontRef idx="minor"/>
+    </dgm:style>
+  </dgm:styleLbl>
+  <dgm:styleLbl name="fgAcc0">
+    <dgm:scene3d>
+      <a:camera prst="orthographicFront"/>
+      <a:lightRig rig="threePt" dir="t"/>
+    </dgm:scene3d>
+    <dgm:sp3d/>
+    <dgm:txPr/>
+    <dgm:style>
+      <a:lnRef idx="2">
+        <a:scrgbClr r="0" g="0" b="0"/>
+      </a:lnRef>
+      <a:fillRef idx="1">
+        <a:scrgbClr r="0" g="0" b="0"/>
+      </a:fillRef>
+      <a:effectRef idx="0">
+        <a:scrgbClr r="0" g="0" b="0"/>
+      </a:effectRef>
+      <a:fontRef idx="minor"/>
+    </dgm:style>
+  </dgm:styleLbl>
+  <dgm:styleLbl name="fgAcc2">
+    <dgm:scene3d>
+      <a:camera prst="orthographicFront"/>
+      <a:lightRig rig="threePt" dir="t"/>
+    </dgm:scene3d>
+    <dgm:sp3d/>
+    <dgm:txPr/>
+    <dgm:style>
+      <a:lnRef idx="2">
+        <a:scrgbClr r="0" g="0" b="0"/>
+      </a:lnRef>
+      <a:fillRef idx="1">
+        <a:scrgbClr r="0" g="0" b="0"/>
+      </a:fillRef>
+      <a:effectRef idx="0">
+        <a:scrgbClr r="0" g="0" b="0"/>
+      </a:effectRef>
+      <a:fontRef idx="minor"/>
+    </dgm:style>
+  </dgm:styleLbl>
+  <dgm:styleLbl name="fgAcc3">
+    <dgm:scene3d>
+      <a:camera prst="orthographicFront"/>
+      <a:lightRig rig="threePt" dir="t"/>
+    </dgm:scene3d>
+    <dgm:sp3d/>
+    <dgm:txPr/>
+    <dgm:style>
+      <a:lnRef idx="2">
+        <a:scrgbClr r="0" g="0" b="0"/>
+      </a:lnRef>
+      <a:fillRef idx="1">
+        <a:scrgbClr r="0" g="0" b="0"/>
+      </a:fillRef>
+      <a:effectRef idx="0">
+        <a:scrgbClr r="0" g="0" b="0"/>
+      </a:effectRef>
+      <a:fontRef idx="minor"/>
+    </dgm:style>
+  </dgm:styleLbl>
+  <dgm:styleLbl name="fgAcc4">
+    <dgm:scene3d>
+      <a:camera prst="orthographicFront"/>
+      <a:lightRig rig="threePt" dir="t"/>
+    </dgm:scene3d>
+    <dgm:sp3d/>
+    <dgm:txPr/>
+    <dgm:style>
+      <a:lnRef idx="2">
+        <a:scrgbClr r="0" g="0" b="0"/>
+      </a:lnRef>
+      <a:fillRef idx="1">
+        <a:scrgbClr r="0" g="0" b="0"/>
+      </a:fillRef>
+      <a:effectRef idx="0">
+        <a:scrgbClr r="0" g="0" b="0"/>
+      </a:effectRef>
+      <a:fontRef idx="minor"/>
+    </dgm:style>
+  </dgm:styleLbl>
+  <dgm:styleLbl name="bgShp">
+    <dgm:scene3d>
+      <a:camera prst="orthographicFront"/>
+      <a:lightRig rig="threePt" dir="t"/>
+    </dgm:scene3d>
+    <dgm:sp3d/>
+    <dgm:txPr/>
+    <dgm:style>
+      <a:lnRef idx="0">
+        <a:scrgbClr r="0" g="0" b="0"/>
+      </a:lnRef>
+      <a:fillRef idx="1">
+        <a:scrgbClr r="0" g="0" b="0"/>
+      </a:fillRef>
+      <a:effectRef idx="0">
+        <a:scrgbClr r="0" g="0" b="0"/>
+      </a:effectRef>
+      <a:fontRef idx="minor"/>
+    </dgm:style>
+  </dgm:styleLbl>
+  <dgm:styleLbl name="dkBgShp">
+    <dgm:scene3d>
+      <a:camera prst="orthographicFront"/>
+      <a:lightRig rig="threePt" dir="t"/>
+    </dgm:scene3d>
+    <dgm:sp3d/>
+    <dgm:txPr/>
+    <dgm:style>
+      <a:lnRef idx="0">
+        <a:scrgbClr r="0" g="0" b="0"/>
+      </a:lnRef>
+      <a:fillRef idx="1">
+        <a:scrgbClr r="0" g="0" b="0"/>
+      </a:fillRef>
+      <a:effectRef idx="0">
+        <a:scrgbClr r="0" g="0" b="0"/>
+      </a:effectRef>
+      <a:fontRef idx="minor"/>
+    </dgm:style>
+  </dgm:styleLbl>
+  <dgm:styleLbl name="trBgShp">
+    <dgm:scene3d>
+      <a:camera prst="orthographicFront"/>
+      <a:lightRig rig="threePt" dir="t"/>
+    </dgm:scene3d>
+    <dgm:sp3d/>
+    <dgm:txPr/>
+    <dgm:style>
+      <a:lnRef idx="0">
+        <a:scrgbClr r="0" g="0" b="0"/>
+      </a:lnRef>
+      <a:fillRef idx="1">
+        <a:scrgbClr r="0" g="0" b="0"/>
+      </a:fillRef>
+      <a:effectRef idx="0">
+        <a:scrgbClr r="0" g="0" b="0"/>
+      </a:effectRef>
+      <a:fontRef idx="minor"/>
+    </dgm:style>
+  </dgm:styleLbl>
+  <dgm:styleLbl name="fgShp">
+    <dgm:scene3d>
+      <a:camera prst="orthographicFront"/>
+      <a:lightRig rig="threePt" dir="t"/>
+    </dgm:scene3d>
+    <dgm:sp3d/>
+    <dgm:txPr/>
+    <dgm:style>
+      <a:lnRef idx="2">
+        <a:scrgbClr r="0" g="0" b="0"/>
+      </a:lnRef>
+      <a:fillRef idx="1">
+        <a:scrgbClr r="0" g="0" b="0"/>
+      </a:fillRef>
+      <a:effectRef idx="0">
+        <a:scrgbClr r="0" g="0" b="0"/>
+      </a:effectRef>
+      <a:fontRef idx="minor"/>
+    </dgm:style>
+  </dgm:styleLbl>
+  <dgm:styleLbl name="revTx">
+    <dgm:scene3d>
+      <a:camera prst="orthographicFront"/>
+      <a:lightRig rig="threePt" dir="t"/>
+    </dgm:scene3d>
+    <dgm:sp3d/>
+    <dgm:txPr/>
+    <dgm:style>
+      <a:lnRef idx="0">
+        <a:scrgbClr r="0" g="0" b="0"/>
+      </a:lnRef>
+      <a:fillRef idx="0">
+        <a:scrgbClr r="0" g="0" b="0"/>
+      </a:fillRef>
+      <a:effectRef idx="0">
+        <a:scrgbClr r="0" g="0" b="0"/>
+      </a:effectRef>
+      <a:fontRef idx="minor"/>
+    </dgm:style>
+  </dgm:styleLbl>
+</dgm:styleDef>
+</file>
+
+<file path=ppt/diagrams/quickStyle2.xml><?xml version="1.0" encoding="utf-8"?>
 <dgm:styleDef xmlns:dgm="http://schemas.openxmlformats.org/drawingml/2006/diagram" xmlns:a="http://schemas.openxmlformats.org/drawingml/2006/main" uniqueId="urn:microsoft.com/office/officeart/2005/8/quickstyle/simple1">
   <dgm:title val=""/>
   <dgm:desc val=""/>
@@ -9086,7 +11590,7 @@
               <a:pPr algn="ctr"/>
               <a:r>
                 <a:rPr lang="ko-KR" altLang="en-US" sz="1400" dirty="0"/>
-                <a:t>파일 목록</a:t>
+                <a:t>파일 공유</a:t>
               </a:r>
             </a:p>
           </p:txBody>
@@ -9796,8 +12300,8 @@
         </p:nvSpPr>
         <p:spPr>
           <a:xfrm rot="10800000">
-            <a:off x="-362552" y="-2"/>
-            <a:ext cx="8867357" cy="1046893"/>
+            <a:off x="-362553" y="-3"/>
+            <a:ext cx="8867357" cy="466533"/>
           </a:xfrm>
           <a:prstGeom prst="parallelogram">
             <a:avLst/>
@@ -9853,8 +12357,8 @@
         </p:nvSpPr>
         <p:spPr>
           <a:xfrm>
-            <a:off x="745724" y="169501"/>
-            <a:ext cx="3524435" cy="707886"/>
+            <a:off x="783047" y="33208"/>
+            <a:ext cx="3524435" cy="400110"/>
           </a:xfrm>
           <a:prstGeom prst="rect">
             <a:avLst/>
@@ -9871,14 +12375,14 @@
           <a:lstStyle/>
           <a:p>
             <a:r>
-              <a:rPr lang="en-US" altLang="ko-KR" sz="4000" dirty="0">
+              <a:rPr lang="en-US" altLang="ko-KR" sz="2000" dirty="0">
                 <a:solidFill>
                   <a:schemeClr val="bg1"/>
                 </a:solidFill>
               </a:rPr>
               <a:t>Wireframe</a:t>
             </a:r>
-            <a:endParaRPr lang="ko-KR" altLang="en-US" sz="4000" dirty="0">
+            <a:endParaRPr lang="ko-KR" altLang="en-US" sz="2000" dirty="0">
               <a:solidFill>
                 <a:schemeClr val="bg1"/>
               </a:solidFill>
@@ -9886,6 +12390,501 @@
           </a:p>
         </p:txBody>
       </p:sp>
+      <p:graphicFrame>
+        <p:nvGraphicFramePr>
+          <p:cNvPr id="2" name="다이어그램 1">
+            <a:extLst>
+              <a:ext uri="{FF2B5EF4-FFF2-40B4-BE49-F238E27FC236}">
+                <a16:creationId xmlns:a16="http://schemas.microsoft.com/office/drawing/2014/main" id="{83F58C3D-665B-4FF6-AC3A-773513B275ED}"/>
+              </a:ext>
+            </a:extLst>
+          </p:cNvPr>
+          <p:cNvGraphicFramePr/>
+          <p:nvPr>
+            <p:extLst>
+              <p:ext uri="{D42A27DB-BD31-4B8C-83A1-F6EECF244321}">
+                <p14:modId xmlns:p14="http://schemas.microsoft.com/office/powerpoint/2010/main" val="3687819253"/>
+              </p:ext>
+            </p:extLst>
+          </p:nvPr>
+        </p:nvGraphicFramePr>
+        <p:xfrm>
+          <a:off x="1065763" y="691676"/>
+          <a:ext cx="10060474" cy="466535"/>
+        </p:xfrm>
+        <a:graphic>
+          <a:graphicData uri="http://schemas.openxmlformats.org/drawingml/2006/diagram">
+            <dgm:relIds xmlns:dgm="http://schemas.openxmlformats.org/drawingml/2006/diagram" xmlns:r="http://schemas.openxmlformats.org/officeDocument/2006/relationships" r:dm="rId2" r:lo="rId3" r:qs="rId4" r:cs="rId5"/>
+          </a:graphicData>
+        </a:graphic>
+      </p:graphicFrame>
+      <p:grpSp>
+        <p:nvGrpSpPr>
+          <p:cNvPr id="22" name="그룹 21">
+            <a:extLst>
+              <a:ext uri="{FF2B5EF4-FFF2-40B4-BE49-F238E27FC236}">
+                <a16:creationId xmlns:a16="http://schemas.microsoft.com/office/drawing/2014/main" id="{43C8DF1C-EF18-417D-9952-B272D18E36BA}"/>
+              </a:ext>
+            </a:extLst>
+          </p:cNvPr>
+          <p:cNvGrpSpPr/>
+          <p:nvPr/>
+        </p:nvGrpSpPr>
+        <p:grpSpPr>
+          <a:xfrm>
+            <a:off x="385582" y="2297425"/>
+            <a:ext cx="11420835" cy="2641764"/>
+            <a:chOff x="1124247" y="2279670"/>
+            <a:chExt cx="11420835" cy="2641764"/>
+          </a:xfrm>
+        </p:grpSpPr>
+        <p:pic>
+          <p:nvPicPr>
+            <p:cNvPr id="4" name="그림 3">
+              <a:extLst>
+                <a:ext uri="{FF2B5EF4-FFF2-40B4-BE49-F238E27FC236}">
+                  <a16:creationId xmlns:a16="http://schemas.microsoft.com/office/drawing/2014/main" id="{CA6444B8-ADC5-4FBC-B7F1-C42FDAA00899}"/>
+                </a:ext>
+              </a:extLst>
+            </p:cNvPr>
+            <p:cNvPicPr>
+              <a:picLocks noChangeAspect="1"/>
+            </p:cNvPicPr>
+            <p:nvPr/>
+          </p:nvPicPr>
+          <p:blipFill>
+            <a:blip r:embed="rId7">
+              <a:extLst>
+                <a:ext uri="{28A0092B-C50C-407E-A947-70E740481C1C}">
+                  <a14:useLocalDpi xmlns:a14="http://schemas.microsoft.com/office/drawing/2010/main" val="0"/>
+                </a:ext>
+              </a:extLst>
+            </a:blip>
+            <a:stretch>
+              <a:fillRect/>
+            </a:stretch>
+          </p:blipFill>
+          <p:spPr>
+            <a:xfrm>
+              <a:off x="4513829" y="2279670"/>
+              <a:ext cx="1252086" cy="2641764"/>
+            </a:xfrm>
+            <a:prstGeom prst="rect">
+              <a:avLst/>
+            </a:prstGeom>
+          </p:spPr>
+        </p:pic>
+        <p:pic>
+          <p:nvPicPr>
+            <p:cNvPr id="6" name="그림 5">
+              <a:extLst>
+                <a:ext uri="{FF2B5EF4-FFF2-40B4-BE49-F238E27FC236}">
+                  <a16:creationId xmlns:a16="http://schemas.microsoft.com/office/drawing/2014/main" id="{60D11A73-8DDC-4C04-B6AA-66993239F6ED}"/>
+                </a:ext>
+              </a:extLst>
+            </p:cNvPr>
+            <p:cNvPicPr>
+              <a:picLocks noChangeAspect="1"/>
+            </p:cNvPicPr>
+            <p:nvPr/>
+          </p:nvPicPr>
+          <p:blipFill>
+            <a:blip r:embed="rId8">
+              <a:extLst>
+                <a:ext uri="{28A0092B-C50C-407E-A947-70E740481C1C}">
+                  <a14:useLocalDpi xmlns:a14="http://schemas.microsoft.com/office/drawing/2010/main" val="0"/>
+                </a:ext>
+              </a:extLst>
+            </a:blip>
+            <a:stretch>
+              <a:fillRect/>
+            </a:stretch>
+          </p:blipFill>
+          <p:spPr>
+            <a:xfrm>
+              <a:off x="2819038" y="2279670"/>
+              <a:ext cx="1252086" cy="2641764"/>
+            </a:xfrm>
+            <a:prstGeom prst="rect">
+              <a:avLst/>
+            </a:prstGeom>
+          </p:spPr>
+        </p:pic>
+        <p:pic>
+          <p:nvPicPr>
+            <p:cNvPr id="8" name="그림 7">
+              <a:extLst>
+                <a:ext uri="{FF2B5EF4-FFF2-40B4-BE49-F238E27FC236}">
+                  <a16:creationId xmlns:a16="http://schemas.microsoft.com/office/drawing/2014/main" id="{067E348C-493E-46E6-8432-DD2C9703A173}"/>
+                </a:ext>
+              </a:extLst>
+            </p:cNvPr>
+            <p:cNvPicPr>
+              <a:picLocks noChangeAspect="1"/>
+            </p:cNvPicPr>
+            <p:nvPr/>
+          </p:nvPicPr>
+          <p:blipFill>
+            <a:blip r:embed="rId9">
+              <a:extLst>
+                <a:ext uri="{28A0092B-C50C-407E-A947-70E740481C1C}">
+                  <a14:useLocalDpi xmlns:a14="http://schemas.microsoft.com/office/drawing/2010/main" val="0"/>
+                </a:ext>
+              </a:extLst>
+            </a:blip>
+            <a:stretch>
+              <a:fillRect/>
+            </a:stretch>
+          </p:blipFill>
+          <p:spPr>
+            <a:xfrm>
+              <a:off x="1124247" y="2279670"/>
+              <a:ext cx="1252086" cy="2641764"/>
+            </a:xfrm>
+            <a:prstGeom prst="rect">
+              <a:avLst/>
+            </a:prstGeom>
+          </p:spPr>
+        </p:pic>
+        <p:pic>
+          <p:nvPicPr>
+            <p:cNvPr id="10" name="그림 9">
+              <a:extLst>
+                <a:ext uri="{FF2B5EF4-FFF2-40B4-BE49-F238E27FC236}">
+                  <a16:creationId xmlns:a16="http://schemas.microsoft.com/office/drawing/2014/main" id="{ABAD49A3-2224-454E-957D-9746ECADD801}"/>
+                </a:ext>
+              </a:extLst>
+            </p:cNvPr>
+            <p:cNvPicPr>
+              <a:picLocks noChangeAspect="1"/>
+            </p:cNvPicPr>
+            <p:nvPr/>
+          </p:nvPicPr>
+          <p:blipFill>
+            <a:blip r:embed="rId10">
+              <a:extLst>
+                <a:ext uri="{28A0092B-C50C-407E-A947-70E740481C1C}">
+                  <a14:useLocalDpi xmlns:a14="http://schemas.microsoft.com/office/drawing/2010/main" val="0"/>
+                </a:ext>
+              </a:extLst>
+            </a:blip>
+            <a:stretch>
+              <a:fillRect/>
+            </a:stretch>
+          </p:blipFill>
+          <p:spPr>
+            <a:xfrm>
+              <a:off x="11292996" y="2279670"/>
+              <a:ext cx="1252086" cy="2641764"/>
+            </a:xfrm>
+            <a:prstGeom prst="rect">
+              <a:avLst/>
+            </a:prstGeom>
+          </p:spPr>
+        </p:pic>
+        <p:pic>
+          <p:nvPicPr>
+            <p:cNvPr id="12" name="그림 11">
+              <a:extLst>
+                <a:ext uri="{FF2B5EF4-FFF2-40B4-BE49-F238E27FC236}">
+                  <a16:creationId xmlns:a16="http://schemas.microsoft.com/office/drawing/2014/main" id="{A270BDEF-2CB7-4F39-86F4-2BF270315D64}"/>
+                </a:ext>
+              </a:extLst>
+            </p:cNvPr>
+            <p:cNvPicPr>
+              <a:picLocks noChangeAspect="1"/>
+            </p:cNvPicPr>
+            <p:nvPr/>
+          </p:nvPicPr>
+          <p:blipFill>
+            <a:blip r:embed="rId11">
+              <a:extLst>
+                <a:ext uri="{28A0092B-C50C-407E-A947-70E740481C1C}">
+                  <a14:useLocalDpi xmlns:a14="http://schemas.microsoft.com/office/drawing/2010/main" val="0"/>
+                </a:ext>
+              </a:extLst>
+            </a:blip>
+            <a:stretch>
+              <a:fillRect/>
+            </a:stretch>
+          </p:blipFill>
+          <p:spPr>
+            <a:xfrm>
+              <a:off x="7903411" y="2279670"/>
+              <a:ext cx="1252086" cy="2641764"/>
+            </a:xfrm>
+            <a:prstGeom prst="rect">
+              <a:avLst/>
+            </a:prstGeom>
+          </p:spPr>
+        </p:pic>
+        <p:pic>
+          <p:nvPicPr>
+            <p:cNvPr id="14" name="그림 13">
+              <a:extLst>
+                <a:ext uri="{FF2B5EF4-FFF2-40B4-BE49-F238E27FC236}">
+                  <a16:creationId xmlns:a16="http://schemas.microsoft.com/office/drawing/2014/main" id="{AE54D993-1BFB-473C-81F3-6C777D5C9B0C}"/>
+                </a:ext>
+              </a:extLst>
+            </p:cNvPr>
+            <p:cNvPicPr>
+              <a:picLocks noChangeAspect="1"/>
+            </p:cNvPicPr>
+            <p:nvPr/>
+          </p:nvPicPr>
+          <p:blipFill>
+            <a:blip r:embed="rId12">
+              <a:extLst>
+                <a:ext uri="{28A0092B-C50C-407E-A947-70E740481C1C}">
+                  <a14:useLocalDpi xmlns:a14="http://schemas.microsoft.com/office/drawing/2010/main" val="0"/>
+                </a:ext>
+              </a:extLst>
+            </a:blip>
+            <a:stretch>
+              <a:fillRect/>
+            </a:stretch>
+          </p:blipFill>
+          <p:spPr>
+            <a:xfrm>
+              <a:off x="9598202" y="2279670"/>
+              <a:ext cx="1252086" cy="2641764"/>
+            </a:xfrm>
+            <a:prstGeom prst="rect">
+              <a:avLst/>
+            </a:prstGeom>
+          </p:spPr>
+        </p:pic>
+        <p:pic>
+          <p:nvPicPr>
+            <p:cNvPr id="18" name="그림 17">
+              <a:extLst>
+                <a:ext uri="{FF2B5EF4-FFF2-40B4-BE49-F238E27FC236}">
+                  <a16:creationId xmlns:a16="http://schemas.microsoft.com/office/drawing/2014/main" id="{51F8AA52-283D-459A-AFCA-BDE9D184F337}"/>
+                </a:ext>
+              </a:extLst>
+            </p:cNvPr>
+            <p:cNvPicPr>
+              <a:picLocks noChangeAspect="1"/>
+            </p:cNvPicPr>
+            <p:nvPr/>
+          </p:nvPicPr>
+          <p:blipFill>
+            <a:blip r:embed="rId13">
+              <a:extLst>
+                <a:ext uri="{28A0092B-C50C-407E-A947-70E740481C1C}">
+                  <a14:useLocalDpi xmlns:a14="http://schemas.microsoft.com/office/drawing/2010/main" val="0"/>
+                </a:ext>
+              </a:extLst>
+            </a:blip>
+            <a:stretch>
+              <a:fillRect/>
+            </a:stretch>
+          </p:blipFill>
+          <p:spPr>
+            <a:xfrm>
+              <a:off x="6208620" y="2279670"/>
+              <a:ext cx="1252086" cy="2641764"/>
+            </a:xfrm>
+            <a:prstGeom prst="rect">
+              <a:avLst/>
+            </a:prstGeom>
+          </p:spPr>
+        </p:pic>
+      </p:grpSp>
+      <p:sp>
+        <p:nvSpPr>
+          <p:cNvPr id="23" name="직사각형 22">
+            <a:extLst>
+              <a:ext uri="{FF2B5EF4-FFF2-40B4-BE49-F238E27FC236}">
+                <a16:creationId xmlns:a16="http://schemas.microsoft.com/office/drawing/2014/main" id="{314A4D6D-0F36-4389-A5D5-BEA62BA7561D}"/>
+              </a:ext>
+            </a:extLst>
+          </p:cNvPr>
+          <p:cNvSpPr/>
+          <p:nvPr/>
+        </p:nvSpPr>
+        <p:spPr>
+          <a:xfrm>
+            <a:off x="2188071" y="4040803"/>
+            <a:ext cx="588986" cy="209615"/>
+          </a:xfrm>
+          <a:prstGeom prst="rect">
+            <a:avLst/>
+          </a:prstGeom>
+          <a:noFill/>
+          <a:ln w="25400">
+            <a:solidFill>
+              <a:srgbClr val="FF0000"/>
+            </a:solidFill>
+          </a:ln>
+        </p:spPr>
+        <p:style>
+          <a:lnRef idx="2">
+            <a:schemeClr val="dk1"/>
+          </a:lnRef>
+          <a:fillRef idx="1">
+            <a:schemeClr val="lt1"/>
+          </a:fillRef>
+          <a:effectRef idx="0">
+            <a:schemeClr val="dk1"/>
+          </a:effectRef>
+          <a:fontRef idx="minor">
+            <a:schemeClr val="dk1"/>
+          </a:fontRef>
+        </p:style>
+        <p:txBody>
+          <a:bodyPr rtlCol="0" anchor="ctr"/>
+          <a:lstStyle/>
+          <a:p>
+            <a:pPr algn="ctr"/>
+            <a:endParaRPr lang="ko-KR" altLang="en-US" dirty="0"/>
+          </a:p>
+        </p:txBody>
+      </p:sp>
+      <p:cxnSp>
+        <p:nvCxnSpPr>
+          <p:cNvPr id="25" name="연결선: 꺾임 24">
+            <a:extLst>
+              <a:ext uri="{FF2B5EF4-FFF2-40B4-BE49-F238E27FC236}">
+                <a16:creationId xmlns:a16="http://schemas.microsoft.com/office/drawing/2014/main" id="{1212AEC8-9901-4C84-8658-CFE4B11A38B2}"/>
+              </a:ext>
+            </a:extLst>
+          </p:cNvPr>
+          <p:cNvCxnSpPr>
+            <a:cxnSpLocks/>
+            <a:stCxn id="23" idx="0"/>
+            <a:endCxn id="4" idx="1"/>
+          </p:cNvCxnSpPr>
+          <p:nvPr/>
+        </p:nvCxnSpPr>
+        <p:spPr>
+          <a:xfrm rot="5400000" flipH="1" flipV="1">
+            <a:off x="2917616" y="3183255"/>
+            <a:ext cx="422496" cy="1292600"/>
+          </a:xfrm>
+          <a:prstGeom prst="bentConnector2">
+            <a:avLst/>
+          </a:prstGeom>
+          <a:ln w="19050">
+            <a:solidFill>
+              <a:srgbClr val="FF0000"/>
+            </a:solidFill>
+            <a:tailEnd type="triangle"/>
+          </a:ln>
+        </p:spPr>
+        <p:style>
+          <a:lnRef idx="1">
+            <a:schemeClr val="accent1"/>
+          </a:lnRef>
+          <a:fillRef idx="0">
+            <a:schemeClr val="accent1"/>
+          </a:fillRef>
+          <a:effectRef idx="0">
+            <a:schemeClr val="accent1"/>
+          </a:effectRef>
+          <a:fontRef idx="minor">
+            <a:schemeClr val="tx1"/>
+          </a:fontRef>
+        </p:style>
+      </p:cxnSp>
+      <p:sp>
+        <p:nvSpPr>
+          <p:cNvPr id="31" name="직사각형 30">
+            <a:extLst>
+              <a:ext uri="{FF2B5EF4-FFF2-40B4-BE49-F238E27FC236}">
+                <a16:creationId xmlns:a16="http://schemas.microsoft.com/office/drawing/2014/main" id="{EB445385-C9ED-43F9-8654-671A3E6234D8}"/>
+              </a:ext>
+            </a:extLst>
+          </p:cNvPr>
+          <p:cNvSpPr/>
+          <p:nvPr/>
+        </p:nvSpPr>
+        <p:spPr>
+          <a:xfrm>
+            <a:off x="6016727" y="4519778"/>
+            <a:ext cx="588986" cy="209615"/>
+          </a:xfrm>
+          <a:prstGeom prst="rect">
+            <a:avLst/>
+          </a:prstGeom>
+          <a:noFill/>
+          <a:ln w="25400">
+            <a:solidFill>
+              <a:srgbClr val="FF0000"/>
+            </a:solidFill>
+          </a:ln>
+        </p:spPr>
+        <p:style>
+          <a:lnRef idx="2">
+            <a:schemeClr val="dk1"/>
+          </a:lnRef>
+          <a:fillRef idx="1">
+            <a:schemeClr val="lt1"/>
+          </a:fillRef>
+          <a:effectRef idx="0">
+            <a:schemeClr val="dk1"/>
+          </a:effectRef>
+          <a:fontRef idx="minor">
+            <a:schemeClr val="dk1"/>
+          </a:fontRef>
+        </p:style>
+        <p:txBody>
+          <a:bodyPr rtlCol="0" anchor="ctr"/>
+          <a:lstStyle/>
+          <a:p>
+            <a:pPr algn="ctr"/>
+            <a:endParaRPr lang="ko-KR" altLang="en-US" dirty="0"/>
+          </a:p>
+        </p:txBody>
+      </p:sp>
+      <p:cxnSp>
+        <p:nvCxnSpPr>
+          <p:cNvPr id="32" name="연결선: 꺾임 31">
+            <a:extLst>
+              <a:ext uri="{FF2B5EF4-FFF2-40B4-BE49-F238E27FC236}">
+                <a16:creationId xmlns:a16="http://schemas.microsoft.com/office/drawing/2014/main" id="{04DCC571-4874-475C-9BF1-D73C48156A51}"/>
+              </a:ext>
+            </a:extLst>
+          </p:cNvPr>
+          <p:cNvCxnSpPr>
+            <a:cxnSpLocks/>
+            <a:stCxn id="31" idx="3"/>
+            <a:endCxn id="12" idx="1"/>
+          </p:cNvCxnSpPr>
+          <p:nvPr/>
+        </p:nvCxnSpPr>
+        <p:spPr>
+          <a:xfrm flipV="1">
+            <a:off x="6605713" y="3618307"/>
+            <a:ext cx="559033" cy="1006279"/>
+          </a:xfrm>
+          <a:prstGeom prst="bentConnector3">
+            <a:avLst>
+              <a:gd name="adj1" fmla="val 50000"/>
+            </a:avLst>
+          </a:prstGeom>
+          <a:ln w="19050">
+            <a:solidFill>
+              <a:srgbClr val="FF0000"/>
+            </a:solidFill>
+            <a:tailEnd type="triangle"/>
+          </a:ln>
+        </p:spPr>
+        <p:style>
+          <a:lnRef idx="1">
+            <a:schemeClr val="accent1"/>
+          </a:lnRef>
+          <a:fillRef idx="0">
+            <a:schemeClr val="accent1"/>
+          </a:fillRef>
+          <a:effectRef idx="0">
+            <a:schemeClr val="accent1"/>
+          </a:effectRef>
+          <a:fontRef idx="minor">
+            <a:schemeClr val="tx1"/>
+          </a:fontRef>
+        </p:style>
+      </p:cxnSp>
     </p:spTree>
     <p:extLst>
       <p:ext uri="{BB962C8B-B14F-4D97-AF65-F5344CB8AC3E}">

--- a/TaskFlow.pptx
+++ b/TaskFlow.pptx
@@ -13452,6 +13452,69 @@
           </a:p>
         </p:txBody>
       </p:sp>
+      <p:graphicFrame>
+        <p:nvGraphicFramePr>
+          <p:cNvPr id="5" name="개체 4">
+            <a:extLst>
+              <a:ext uri="{FF2B5EF4-FFF2-40B4-BE49-F238E27FC236}">
+                <a16:creationId xmlns:a16="http://schemas.microsoft.com/office/drawing/2014/main" id="{6969260A-380E-478A-ABCF-A9522E3D0620}"/>
+              </a:ext>
+            </a:extLst>
+          </p:cNvPr>
+          <p:cNvGraphicFramePr>
+            <a:graphicFrameLocks noChangeAspect="1"/>
+          </p:cNvGraphicFramePr>
+          <p:nvPr>
+            <p:extLst>
+              <p:ext uri="{D42A27DB-BD31-4B8C-83A1-F6EECF244321}">
+                <p14:modId xmlns:p14="http://schemas.microsoft.com/office/powerpoint/2010/main" val="3687601858"/>
+              </p:ext>
+            </p:extLst>
+          </p:nvPr>
+        </p:nvGraphicFramePr>
+        <p:xfrm>
+          <a:off x="2151063" y="1458913"/>
+          <a:ext cx="6713537" cy="2814637"/>
+        </p:xfrm>
+        <a:graphic>
+          <a:graphicData uri="http://schemas.openxmlformats.org/presentationml/2006/ole">
+            <mc:AlternateContent xmlns:mc="http://schemas.openxmlformats.org/markup-compatibility/2006">
+              <mc:Choice xmlns:v="urn:schemas-microsoft-com:vml" Requires="v">
+                <p:oleObj spid="_x0000_s1027" name="Worksheet" r:id="rId3" imgW="6713397" imgH="2636441" progId="Excel.Sheet.12">
+                  <p:embed/>
+                </p:oleObj>
+              </mc:Choice>
+              <mc:Fallback>
+                <p:oleObj name="Worksheet" r:id="rId3" imgW="6713397" imgH="2636441" progId="Excel.Sheet.12">
+                  <p:embed/>
+                  <p:pic>
+                    <p:nvPicPr>
+                      <p:cNvPr id="0" name=""/>
+                      <p:cNvPicPr/>
+                      <p:nvPr/>
+                    </p:nvPicPr>
+                    <p:blipFill>
+                      <a:blip r:embed="rId4"/>
+                      <a:stretch>
+                        <a:fillRect/>
+                      </a:stretch>
+                    </p:blipFill>
+                    <p:spPr>
+                      <a:xfrm>
+                        <a:off x="2151063" y="1458913"/>
+                        <a:ext cx="6713537" cy="2814637"/>
+                      </a:xfrm>
+                      <a:prstGeom prst="rect">
+                        <a:avLst/>
+                      </a:prstGeom>
+                    </p:spPr>
+                  </p:pic>
+                </p:oleObj>
+              </mc:Fallback>
+            </mc:AlternateContent>
+          </a:graphicData>
+        </a:graphic>
+      </p:graphicFrame>
     </p:spTree>
     <p:extLst>
       <p:ext uri="{BB962C8B-B14F-4D97-AF65-F5344CB8AC3E}">

--- a/TaskFlow.pptx
+++ b/TaskFlow.pptx
@@ -5,7 +5,7 @@
     <p:sldMasterId id="2147483648" r:id="rId1"/>
   </p:sldMasterIdLst>
   <p:notesMasterIdLst>
-    <p:notesMasterId r:id="rId12"/>
+    <p:notesMasterId r:id="rId11"/>
   </p:notesMasterIdLst>
   <p:sldIdLst>
     <p:sldId id="260" r:id="rId2"/>
@@ -17,7 +17,6 @@
     <p:sldId id="264" r:id="rId8"/>
     <p:sldId id="267" r:id="rId9"/>
     <p:sldId id="268" r:id="rId10"/>
-    <p:sldId id="269" r:id="rId11"/>
   </p:sldIdLst>
   <p:sldSz cx="12192000" cy="6858000"/>
   <p:notesSz cx="6858000" cy="9144000"/>
@@ -5632,7 +5631,7 @@
           <a:p>
             <a:fld id="{66D30535-54D1-4F37-A54B-20042B0D1715}" type="datetimeFigureOut">
               <a:rPr lang="ko-KR" altLang="en-US" smtClean="0"/>
-              <a:t>2020-07-04</a:t>
+              <a:t>2020-07-05</a:t>
             </a:fld>
             <a:endParaRPr lang="ko-KR" altLang="en-US"/>
           </a:p>
@@ -6046,7 +6045,7 @@
           <a:p>
             <a:fld id="{65A53D74-9C52-4EA8-8C61-9F45DE6EDDC0}" type="datetimeFigureOut">
               <a:rPr lang="ko-KR" altLang="en-US" smtClean="0"/>
-              <a:t>2020-07-04</a:t>
+              <a:t>2020-07-05</a:t>
             </a:fld>
             <a:endParaRPr lang="ko-KR" altLang="en-US"/>
           </a:p>
@@ -6244,7 +6243,7 @@
           <a:p>
             <a:fld id="{65A53D74-9C52-4EA8-8C61-9F45DE6EDDC0}" type="datetimeFigureOut">
               <a:rPr lang="ko-KR" altLang="en-US" smtClean="0"/>
-              <a:t>2020-07-04</a:t>
+              <a:t>2020-07-05</a:t>
             </a:fld>
             <a:endParaRPr lang="ko-KR" altLang="en-US"/>
           </a:p>
@@ -6452,7 +6451,7 @@
           <a:p>
             <a:fld id="{65A53D74-9C52-4EA8-8C61-9F45DE6EDDC0}" type="datetimeFigureOut">
               <a:rPr lang="ko-KR" altLang="en-US" smtClean="0"/>
-              <a:t>2020-07-04</a:t>
+              <a:t>2020-07-05</a:t>
             </a:fld>
             <a:endParaRPr lang="ko-KR" altLang="en-US"/>
           </a:p>
@@ -6650,7 +6649,7 @@
           <a:p>
             <a:fld id="{65A53D74-9C52-4EA8-8C61-9F45DE6EDDC0}" type="datetimeFigureOut">
               <a:rPr lang="ko-KR" altLang="en-US" smtClean="0"/>
-              <a:t>2020-07-04</a:t>
+              <a:t>2020-07-05</a:t>
             </a:fld>
             <a:endParaRPr lang="ko-KR" altLang="en-US"/>
           </a:p>
@@ -6925,7 +6924,7 @@
           <a:p>
             <a:fld id="{65A53D74-9C52-4EA8-8C61-9F45DE6EDDC0}" type="datetimeFigureOut">
               <a:rPr lang="ko-KR" altLang="en-US" smtClean="0"/>
-              <a:t>2020-07-04</a:t>
+              <a:t>2020-07-05</a:t>
             </a:fld>
             <a:endParaRPr lang="ko-KR" altLang="en-US"/>
           </a:p>
@@ -7190,7 +7189,7 @@
           <a:p>
             <a:fld id="{65A53D74-9C52-4EA8-8C61-9F45DE6EDDC0}" type="datetimeFigureOut">
               <a:rPr lang="ko-KR" altLang="en-US" smtClean="0"/>
-              <a:t>2020-07-04</a:t>
+              <a:t>2020-07-05</a:t>
             </a:fld>
             <a:endParaRPr lang="ko-KR" altLang="en-US"/>
           </a:p>
@@ -7602,7 +7601,7 @@
           <a:p>
             <a:fld id="{65A53D74-9C52-4EA8-8C61-9F45DE6EDDC0}" type="datetimeFigureOut">
               <a:rPr lang="ko-KR" altLang="en-US" smtClean="0"/>
-              <a:t>2020-07-04</a:t>
+              <a:t>2020-07-05</a:t>
             </a:fld>
             <a:endParaRPr lang="ko-KR" altLang="en-US"/>
           </a:p>
@@ -7743,7 +7742,7 @@
           <a:p>
             <a:fld id="{65A53D74-9C52-4EA8-8C61-9F45DE6EDDC0}" type="datetimeFigureOut">
               <a:rPr lang="ko-KR" altLang="en-US" smtClean="0"/>
-              <a:t>2020-07-04</a:t>
+              <a:t>2020-07-05</a:t>
             </a:fld>
             <a:endParaRPr lang="ko-KR" altLang="en-US"/>
           </a:p>
@@ -7856,7 +7855,7 @@
           <a:p>
             <a:fld id="{65A53D74-9C52-4EA8-8C61-9F45DE6EDDC0}" type="datetimeFigureOut">
               <a:rPr lang="ko-KR" altLang="en-US" smtClean="0"/>
-              <a:t>2020-07-04</a:t>
+              <a:t>2020-07-05</a:t>
             </a:fld>
             <a:endParaRPr lang="ko-KR" altLang="en-US"/>
           </a:p>
@@ -8167,7 +8166,7 @@
           <a:p>
             <a:fld id="{65A53D74-9C52-4EA8-8C61-9F45DE6EDDC0}" type="datetimeFigureOut">
               <a:rPr lang="ko-KR" altLang="en-US" smtClean="0"/>
-              <a:t>2020-07-04</a:t>
+              <a:t>2020-07-05</a:t>
             </a:fld>
             <a:endParaRPr lang="ko-KR" altLang="en-US"/>
           </a:p>
@@ -8455,7 +8454,7 @@
           <a:p>
             <a:fld id="{65A53D74-9C52-4EA8-8C61-9F45DE6EDDC0}" type="datetimeFigureOut">
               <a:rPr lang="ko-KR" altLang="en-US" smtClean="0"/>
-              <a:t>2020-07-04</a:t>
+              <a:t>2020-07-05</a:t>
             </a:fld>
             <a:endParaRPr lang="ko-KR" altLang="en-US"/>
           </a:p>
@@ -8696,7 +8695,7 @@
           <a:p>
             <a:fld id="{65A53D74-9C52-4EA8-8C61-9F45DE6EDDC0}" type="datetimeFigureOut">
               <a:rPr lang="ko-KR" altLang="en-US" smtClean="0"/>
-              <a:t>2020-07-04</a:t>
+              <a:t>2020-07-05</a:t>
             </a:fld>
             <a:endParaRPr lang="ko-KR" altLang="en-US"/>
           </a:p>
@@ -9209,140 +9208,6 @@
     <p:extLst>
       <p:ext uri="{BB962C8B-B14F-4D97-AF65-F5344CB8AC3E}">
         <p14:creationId xmlns:p14="http://schemas.microsoft.com/office/powerpoint/2010/main" val="1865542100"/>
-      </p:ext>
-    </p:extLst>
-  </p:cSld>
-  <p:clrMapOvr>
-    <a:masterClrMapping/>
-  </p:clrMapOvr>
-</p:sld>
-</file>
-
-<file path=ppt/slides/slide10.xml><?xml version="1.0" encoding="utf-8"?>
-<p:sld xmlns:a="http://schemas.openxmlformats.org/drawingml/2006/main" xmlns:r="http://schemas.openxmlformats.org/officeDocument/2006/relationships" xmlns:p="http://schemas.openxmlformats.org/presentationml/2006/main">
-  <p:cSld>
-    <p:spTree>
-      <p:nvGrpSpPr>
-        <p:cNvPr id="1" name=""/>
-        <p:cNvGrpSpPr/>
-        <p:nvPr/>
-      </p:nvGrpSpPr>
-      <p:grpSpPr>
-        <a:xfrm>
-          <a:off x="0" y="0"/>
-          <a:ext cx="0" cy="0"/>
-          <a:chOff x="0" y="0"/>
-          <a:chExt cx="0" cy="0"/>
-        </a:xfrm>
-      </p:grpSpPr>
-      <p:sp>
-        <p:nvSpPr>
-          <p:cNvPr id="56" name="평행 사변형 55">
-            <a:extLst>
-              <a:ext uri="{FF2B5EF4-FFF2-40B4-BE49-F238E27FC236}">
-                <a16:creationId xmlns:a16="http://schemas.microsoft.com/office/drawing/2014/main" id="{F5350391-9AF1-4CDF-A910-8447A3D858F5}"/>
-              </a:ext>
-            </a:extLst>
-          </p:cNvPr>
-          <p:cNvSpPr/>
-          <p:nvPr/>
-        </p:nvSpPr>
-        <p:spPr>
-          <a:xfrm rot="10800000">
-            <a:off x="-362552" y="-2"/>
-            <a:ext cx="8867357" cy="1046893"/>
-          </a:xfrm>
-          <a:prstGeom prst="parallelogram">
-            <a:avLst/>
-          </a:prstGeom>
-          <a:solidFill>
-            <a:srgbClr val="76DAD5">
-              <a:alpha val="80000"/>
-            </a:srgbClr>
-          </a:solidFill>
-          <a:ln>
-            <a:noFill/>
-          </a:ln>
-          <a:effectLst>
-            <a:softEdge rad="0"/>
-          </a:effectLst>
-        </p:spPr>
-        <p:style>
-          <a:lnRef idx="2">
-            <a:schemeClr val="accent1">
-              <a:shade val="50000"/>
-            </a:schemeClr>
-          </a:lnRef>
-          <a:fillRef idx="1">
-            <a:schemeClr val="accent1"/>
-          </a:fillRef>
-          <a:effectRef idx="0">
-            <a:schemeClr val="accent1"/>
-          </a:effectRef>
-          <a:fontRef idx="minor">
-            <a:schemeClr val="lt1"/>
-          </a:fontRef>
-        </p:style>
-        <p:txBody>
-          <a:bodyPr rtlCol="0" anchor="ctr"/>
-          <a:lstStyle/>
-          <a:p>
-            <a:pPr algn="ctr"/>
-            <a:endParaRPr lang="ko-KR" altLang="en-US"/>
-          </a:p>
-        </p:txBody>
-      </p:sp>
-      <p:sp>
-        <p:nvSpPr>
-          <p:cNvPr id="70" name="TextBox 69">
-            <a:extLst>
-              <a:ext uri="{FF2B5EF4-FFF2-40B4-BE49-F238E27FC236}">
-                <a16:creationId xmlns:a16="http://schemas.microsoft.com/office/drawing/2014/main" id="{186D8D9E-3300-485D-877E-70188844258C}"/>
-              </a:ext>
-            </a:extLst>
-          </p:cNvPr>
-          <p:cNvSpPr txBox="1"/>
-          <p:nvPr/>
-        </p:nvSpPr>
-        <p:spPr>
-          <a:xfrm>
-            <a:off x="745724" y="169501"/>
-            <a:ext cx="4208831" cy="707886"/>
-          </a:xfrm>
-          <a:prstGeom prst="rect">
-            <a:avLst/>
-          </a:prstGeom>
-          <a:noFill/>
-          <a:ln>
-            <a:noFill/>
-          </a:ln>
-        </p:spPr>
-        <p:txBody>
-          <a:bodyPr wrap="square" rtlCol="0">
-            <a:spAutoFit/>
-          </a:bodyPr>
-          <a:lstStyle/>
-          <a:p>
-            <a:r>
-              <a:rPr lang="ko-KR" altLang="en-US" sz="4000">
-                <a:solidFill>
-                  <a:schemeClr val="bg1"/>
-                </a:solidFill>
-              </a:rPr>
-              <a:t>홍보 및 마케팅</a:t>
-            </a:r>
-            <a:endParaRPr lang="ko-KR" altLang="en-US" sz="4000" dirty="0">
-              <a:solidFill>
-                <a:schemeClr val="bg1"/>
-              </a:solidFill>
-            </a:endParaRPr>
-          </a:p>
-        </p:txBody>
-      </p:sp>
-    </p:spTree>
-    <p:extLst>
-      <p:ext uri="{BB962C8B-B14F-4D97-AF65-F5344CB8AC3E}">
-        <p14:creationId xmlns:p14="http://schemas.microsoft.com/office/powerpoint/2010/main" val="3603825037"/>
       </p:ext>
     </p:extLst>
   </p:cSld>
@@ -13452,69 +13317,486 @@
           </a:p>
         </p:txBody>
       </p:sp>
-      <p:graphicFrame>
-        <p:nvGraphicFramePr>
-          <p:cNvPr id="5" name="개체 4">
+      <p:grpSp>
+        <p:nvGrpSpPr>
+          <p:cNvPr id="27" name="그룹 26">
             <a:extLst>
               <a:ext uri="{FF2B5EF4-FFF2-40B4-BE49-F238E27FC236}">
-                <a16:creationId xmlns:a16="http://schemas.microsoft.com/office/drawing/2014/main" id="{6969260A-380E-478A-ABCF-A9522E3D0620}"/>
+                <a16:creationId xmlns:a16="http://schemas.microsoft.com/office/drawing/2014/main" id="{41DB05E9-85DD-4DA6-A903-3EFF5465D4D4}"/>
               </a:ext>
             </a:extLst>
           </p:cNvPr>
-          <p:cNvGraphicFramePr>
-            <a:graphicFrameLocks noChangeAspect="1"/>
-          </p:cNvGraphicFramePr>
-          <p:nvPr>
-            <p:extLst>
-              <p:ext uri="{D42A27DB-BD31-4B8C-83A1-F6EECF244321}">
-                <p14:modId xmlns:p14="http://schemas.microsoft.com/office/powerpoint/2010/main" val="3687601858"/>
-              </p:ext>
-            </p:extLst>
-          </p:nvPr>
-        </p:nvGraphicFramePr>
-        <p:xfrm>
-          <a:off x="2151063" y="1458913"/>
-          <a:ext cx="6713537" cy="2814637"/>
-        </p:xfrm>
-        <a:graphic>
-          <a:graphicData uri="http://schemas.openxmlformats.org/presentationml/2006/ole">
-            <mc:AlternateContent xmlns:mc="http://schemas.openxmlformats.org/markup-compatibility/2006">
-              <mc:Choice xmlns:v="urn:schemas-microsoft-com:vml" Requires="v">
-                <p:oleObj spid="_x0000_s1027" name="Worksheet" r:id="rId3" imgW="6713397" imgH="2636441" progId="Excel.Sheet.12">
-                  <p:embed/>
-                </p:oleObj>
-              </mc:Choice>
-              <mc:Fallback>
-                <p:oleObj name="Worksheet" r:id="rId3" imgW="6713397" imgH="2636441" progId="Excel.Sheet.12">
-                  <p:embed/>
-                  <p:pic>
-                    <p:nvPicPr>
-                      <p:cNvPr id="0" name=""/>
-                      <p:cNvPicPr/>
-                      <p:nvPr/>
-                    </p:nvPicPr>
-                    <p:blipFill>
-                      <a:blip r:embed="rId4"/>
-                      <a:stretch>
-                        <a:fillRect/>
-                      </a:stretch>
-                    </p:blipFill>
-                    <p:spPr>
-                      <a:xfrm>
-                        <a:off x="2151063" y="1458913"/>
-                        <a:ext cx="6713537" cy="2814637"/>
-                      </a:xfrm>
-                      <a:prstGeom prst="rect">
-                        <a:avLst/>
-                      </a:prstGeom>
-                    </p:spPr>
-                  </p:pic>
-                </p:oleObj>
-              </mc:Fallback>
-            </mc:AlternateContent>
-          </a:graphicData>
-        </a:graphic>
-      </p:graphicFrame>
+          <p:cNvGrpSpPr/>
+          <p:nvPr/>
+        </p:nvGrpSpPr>
+        <p:grpSpPr>
+          <a:xfrm>
+            <a:off x="1795349" y="1684566"/>
+            <a:ext cx="8601302" cy="4132263"/>
+            <a:chOff x="1795349" y="1684566"/>
+            <a:chExt cx="8601302" cy="4132263"/>
+          </a:xfrm>
+        </p:grpSpPr>
+        <p:graphicFrame>
+          <p:nvGraphicFramePr>
+            <p:cNvPr id="5" name="개체 4">
+              <a:extLst>
+                <a:ext uri="{FF2B5EF4-FFF2-40B4-BE49-F238E27FC236}">
+                  <a16:creationId xmlns:a16="http://schemas.microsoft.com/office/drawing/2014/main" id="{6969260A-380E-478A-ABCF-A9522E3D0620}"/>
+                </a:ext>
+              </a:extLst>
+            </p:cNvPr>
+            <p:cNvGraphicFramePr>
+              <a:graphicFrameLocks noChangeAspect="1"/>
+            </p:cNvGraphicFramePr>
+            <p:nvPr>
+              <p:extLst>
+                <p:ext uri="{D42A27DB-BD31-4B8C-83A1-F6EECF244321}">
+                  <p14:modId xmlns:p14="http://schemas.microsoft.com/office/powerpoint/2010/main" val="1300917244"/>
+                </p:ext>
+              </p:extLst>
+            </p:nvPr>
+          </p:nvGraphicFramePr>
+          <p:xfrm>
+            <a:off x="1795349" y="1684566"/>
+            <a:ext cx="8601075" cy="4132263"/>
+          </p:xfrm>
+          <a:graphic>
+            <a:graphicData uri="http://schemas.openxmlformats.org/presentationml/2006/ole">
+              <mc:AlternateContent xmlns:mc="http://schemas.openxmlformats.org/markup-compatibility/2006">
+                <mc:Choice xmlns:v="urn:schemas-microsoft-com:vml" Requires="v">
+                  <p:oleObj spid="_x0000_s1031" name="Worksheet" r:id="rId3" imgW="5371994" imgH="2415430" progId="Excel.Sheet.12">
+                    <p:embed/>
+                  </p:oleObj>
+                </mc:Choice>
+                <mc:Fallback>
+                  <p:oleObj name="Worksheet" r:id="rId3" imgW="5371994" imgH="2415430" progId="Excel.Sheet.12">
+                    <p:embed/>
+                    <p:pic>
+                      <p:nvPicPr>
+                        <p:cNvPr id="0" name=""/>
+                        <p:cNvPicPr/>
+                        <p:nvPr/>
+                      </p:nvPicPr>
+                      <p:blipFill>
+                        <a:blip r:embed="rId4"/>
+                        <a:stretch>
+                          <a:fillRect/>
+                        </a:stretch>
+                      </p:blipFill>
+                      <p:spPr>
+                        <a:xfrm>
+                          <a:off x="1795349" y="1684566"/>
+                          <a:ext cx="8601075" cy="4132263"/>
+                        </a:xfrm>
+                        <a:prstGeom prst="rect">
+                          <a:avLst/>
+                        </a:prstGeom>
+                      </p:spPr>
+                    </p:pic>
+                  </p:oleObj>
+                </mc:Fallback>
+              </mc:AlternateContent>
+            </a:graphicData>
+          </a:graphic>
+        </p:graphicFrame>
+        <p:cxnSp>
+          <p:nvCxnSpPr>
+            <p:cNvPr id="3" name="직선 화살표 연결선 2">
+              <a:extLst>
+                <a:ext uri="{FF2B5EF4-FFF2-40B4-BE49-F238E27FC236}">
+                  <a16:creationId xmlns:a16="http://schemas.microsoft.com/office/drawing/2014/main" id="{8D2D1E58-EA11-468D-863F-C9BF32D54E13}"/>
+                </a:ext>
+              </a:extLst>
+            </p:cNvPr>
+            <p:cNvCxnSpPr>
+              <a:cxnSpLocks/>
+            </p:cNvCxnSpPr>
+            <p:nvPr/>
+          </p:nvCxnSpPr>
+          <p:spPr>
+            <a:xfrm>
+              <a:off x="5006938" y="2985526"/>
+              <a:ext cx="563551" cy="0"/>
+            </a:xfrm>
+            <a:prstGeom prst="straightConnector1">
+              <a:avLst/>
+            </a:prstGeom>
+            <a:ln w="50800">
+              <a:solidFill>
+                <a:srgbClr val="A9D08E"/>
+              </a:solidFill>
+              <a:tailEnd type="triangle"/>
+            </a:ln>
+          </p:spPr>
+          <p:style>
+            <a:lnRef idx="1">
+              <a:schemeClr val="accent1"/>
+            </a:lnRef>
+            <a:fillRef idx="0">
+              <a:schemeClr val="accent1"/>
+            </a:fillRef>
+            <a:effectRef idx="0">
+              <a:schemeClr val="accent1"/>
+            </a:effectRef>
+            <a:fontRef idx="minor">
+              <a:schemeClr val="tx1"/>
+            </a:fontRef>
+          </p:style>
+        </p:cxnSp>
+        <p:cxnSp>
+          <p:nvCxnSpPr>
+            <p:cNvPr id="8" name="직선 화살표 연결선 7">
+              <a:extLst>
+                <a:ext uri="{FF2B5EF4-FFF2-40B4-BE49-F238E27FC236}">
+                  <a16:creationId xmlns:a16="http://schemas.microsoft.com/office/drawing/2014/main" id="{83673A9E-EA61-451F-9277-BC0F11353880}"/>
+                </a:ext>
+              </a:extLst>
+            </p:cNvPr>
+            <p:cNvCxnSpPr>
+              <a:cxnSpLocks/>
+            </p:cNvCxnSpPr>
+            <p:nvPr/>
+          </p:nvCxnSpPr>
+          <p:spPr>
+            <a:xfrm>
+              <a:off x="5006939" y="3358479"/>
+              <a:ext cx="563551" cy="0"/>
+            </a:xfrm>
+            <a:prstGeom prst="straightConnector1">
+              <a:avLst/>
+            </a:prstGeom>
+            <a:ln w="50800">
+              <a:solidFill>
+                <a:srgbClr val="A9D08E"/>
+              </a:solidFill>
+              <a:tailEnd type="triangle"/>
+            </a:ln>
+          </p:spPr>
+          <p:style>
+            <a:lnRef idx="1">
+              <a:schemeClr val="accent1"/>
+            </a:lnRef>
+            <a:fillRef idx="0">
+              <a:schemeClr val="accent1"/>
+            </a:fillRef>
+            <a:effectRef idx="0">
+              <a:schemeClr val="accent1"/>
+            </a:effectRef>
+            <a:fontRef idx="minor">
+              <a:schemeClr val="tx1"/>
+            </a:fontRef>
+          </p:style>
+        </p:cxnSp>
+        <p:cxnSp>
+          <p:nvCxnSpPr>
+            <p:cNvPr id="9" name="직선 화살표 연결선 8">
+              <a:extLst>
+                <a:ext uri="{FF2B5EF4-FFF2-40B4-BE49-F238E27FC236}">
+                  <a16:creationId xmlns:a16="http://schemas.microsoft.com/office/drawing/2014/main" id="{192DD606-BF84-40D9-A823-E50C4BE46F3C}"/>
+                </a:ext>
+              </a:extLst>
+            </p:cNvPr>
+            <p:cNvCxnSpPr>
+              <a:cxnSpLocks/>
+            </p:cNvCxnSpPr>
+            <p:nvPr/>
+          </p:nvCxnSpPr>
+          <p:spPr>
+            <a:xfrm>
+              <a:off x="5532562" y="3728864"/>
+              <a:ext cx="563551" cy="0"/>
+            </a:xfrm>
+            <a:prstGeom prst="straightConnector1">
+              <a:avLst/>
+            </a:prstGeom>
+            <a:ln w="50800">
+              <a:solidFill>
+                <a:srgbClr val="A9D08E"/>
+              </a:solidFill>
+              <a:tailEnd type="triangle"/>
+            </a:ln>
+          </p:spPr>
+          <p:style>
+            <a:lnRef idx="1">
+              <a:schemeClr val="accent1"/>
+            </a:lnRef>
+            <a:fillRef idx="0">
+              <a:schemeClr val="accent1"/>
+            </a:fillRef>
+            <a:effectRef idx="0">
+              <a:schemeClr val="accent1"/>
+            </a:effectRef>
+            <a:fontRef idx="minor">
+              <a:schemeClr val="tx1"/>
+            </a:fontRef>
+          </p:style>
+        </p:cxnSp>
+        <p:cxnSp>
+          <p:nvCxnSpPr>
+            <p:cNvPr id="10" name="직선 화살표 연결선 9">
+              <a:extLst>
+                <a:ext uri="{FF2B5EF4-FFF2-40B4-BE49-F238E27FC236}">
+                  <a16:creationId xmlns:a16="http://schemas.microsoft.com/office/drawing/2014/main" id="{745DF355-8C57-42F2-B0C6-B0A7E5793F98}"/>
+                </a:ext>
+              </a:extLst>
+            </p:cNvPr>
+            <p:cNvCxnSpPr>
+              <a:cxnSpLocks/>
+            </p:cNvCxnSpPr>
+            <p:nvPr/>
+          </p:nvCxnSpPr>
+          <p:spPr>
+            <a:xfrm>
+              <a:off x="5006937" y="2615411"/>
+              <a:ext cx="1089176" cy="0"/>
+            </a:xfrm>
+            <a:prstGeom prst="straightConnector1">
+              <a:avLst/>
+            </a:prstGeom>
+            <a:ln w="50800">
+              <a:solidFill>
+                <a:schemeClr val="tx1"/>
+              </a:solidFill>
+              <a:tailEnd type="triangle"/>
+            </a:ln>
+          </p:spPr>
+          <p:style>
+            <a:lnRef idx="1">
+              <a:schemeClr val="accent1"/>
+            </a:lnRef>
+            <a:fillRef idx="0">
+              <a:schemeClr val="accent1"/>
+            </a:fillRef>
+            <a:effectRef idx="0">
+              <a:schemeClr val="accent1"/>
+            </a:effectRef>
+            <a:fontRef idx="minor">
+              <a:schemeClr val="tx1"/>
+            </a:fontRef>
+          </p:style>
+        </p:cxnSp>
+        <p:cxnSp>
+          <p:nvCxnSpPr>
+            <p:cNvPr id="12" name="직선 화살표 연결선 11">
+              <a:extLst>
+                <a:ext uri="{FF2B5EF4-FFF2-40B4-BE49-F238E27FC236}">
+                  <a16:creationId xmlns:a16="http://schemas.microsoft.com/office/drawing/2014/main" id="{CC203496-C764-49CF-93FB-F105D96348B6}"/>
+                </a:ext>
+              </a:extLst>
+            </p:cNvPr>
+            <p:cNvCxnSpPr>
+              <a:cxnSpLocks/>
+            </p:cNvCxnSpPr>
+            <p:nvPr/>
+          </p:nvCxnSpPr>
+          <p:spPr>
+            <a:xfrm>
+              <a:off x="6096113" y="4130080"/>
+              <a:ext cx="4300538" cy="0"/>
+            </a:xfrm>
+            <a:prstGeom prst="straightConnector1">
+              <a:avLst/>
+            </a:prstGeom>
+            <a:ln w="50800">
+              <a:solidFill>
+                <a:schemeClr val="tx1"/>
+              </a:solidFill>
+              <a:tailEnd type="triangle"/>
+            </a:ln>
+          </p:spPr>
+          <p:style>
+            <a:lnRef idx="1">
+              <a:schemeClr val="accent1"/>
+            </a:lnRef>
+            <a:fillRef idx="0">
+              <a:schemeClr val="accent1"/>
+            </a:fillRef>
+            <a:effectRef idx="0">
+              <a:schemeClr val="accent1"/>
+            </a:effectRef>
+            <a:fontRef idx="minor">
+              <a:schemeClr val="tx1"/>
+            </a:fontRef>
+          </p:style>
+        </p:cxnSp>
+        <p:cxnSp>
+          <p:nvCxnSpPr>
+            <p:cNvPr id="14" name="직선 화살표 연결선 13">
+              <a:extLst>
+                <a:ext uri="{FF2B5EF4-FFF2-40B4-BE49-F238E27FC236}">
+                  <a16:creationId xmlns:a16="http://schemas.microsoft.com/office/drawing/2014/main" id="{A8945541-D26F-4822-B081-F51595EC6FB8}"/>
+                </a:ext>
+              </a:extLst>
+            </p:cNvPr>
+            <p:cNvCxnSpPr>
+              <a:cxnSpLocks/>
+            </p:cNvCxnSpPr>
+            <p:nvPr/>
+          </p:nvCxnSpPr>
+          <p:spPr>
+            <a:xfrm>
+              <a:off x="6096113" y="4506415"/>
+              <a:ext cx="1079242" cy="0"/>
+            </a:xfrm>
+            <a:prstGeom prst="straightConnector1">
+              <a:avLst/>
+            </a:prstGeom>
+            <a:ln w="50800">
+              <a:solidFill>
+                <a:srgbClr val="A9D08E"/>
+              </a:solidFill>
+              <a:tailEnd type="triangle"/>
+            </a:ln>
+          </p:spPr>
+          <p:style>
+            <a:lnRef idx="1">
+              <a:schemeClr val="accent1"/>
+            </a:lnRef>
+            <a:fillRef idx="0">
+              <a:schemeClr val="accent1"/>
+            </a:fillRef>
+            <a:effectRef idx="0">
+              <a:schemeClr val="accent1"/>
+            </a:effectRef>
+            <a:fontRef idx="minor">
+              <a:schemeClr val="tx1"/>
+            </a:fontRef>
+          </p:style>
+        </p:cxnSp>
+        <p:cxnSp>
+          <p:nvCxnSpPr>
+            <p:cNvPr id="16" name="직선 화살표 연결선 15">
+              <a:extLst>
+                <a:ext uri="{FF2B5EF4-FFF2-40B4-BE49-F238E27FC236}">
+                  <a16:creationId xmlns:a16="http://schemas.microsoft.com/office/drawing/2014/main" id="{185EFF83-8E61-4B58-BD98-AB94503A4858}"/>
+                </a:ext>
+              </a:extLst>
+            </p:cNvPr>
+            <p:cNvCxnSpPr>
+              <a:cxnSpLocks/>
+            </p:cNvCxnSpPr>
+            <p:nvPr/>
+          </p:nvCxnSpPr>
+          <p:spPr>
+            <a:xfrm>
+              <a:off x="7175355" y="4845427"/>
+              <a:ext cx="3221296" cy="0"/>
+            </a:xfrm>
+            <a:prstGeom prst="straightConnector1">
+              <a:avLst/>
+            </a:prstGeom>
+            <a:ln w="50800">
+              <a:solidFill>
+                <a:srgbClr val="A9D08E"/>
+              </a:solidFill>
+              <a:tailEnd type="triangle"/>
+            </a:ln>
+          </p:spPr>
+          <p:style>
+            <a:lnRef idx="1">
+              <a:schemeClr val="accent1"/>
+            </a:lnRef>
+            <a:fillRef idx="0">
+              <a:schemeClr val="accent1"/>
+            </a:fillRef>
+            <a:effectRef idx="0">
+              <a:schemeClr val="accent1"/>
+            </a:effectRef>
+            <a:fontRef idx="minor">
+              <a:schemeClr val="tx1"/>
+            </a:fontRef>
+          </p:style>
+        </p:cxnSp>
+        <p:cxnSp>
+          <p:nvCxnSpPr>
+            <p:cNvPr id="19" name="직선 화살표 연결선 18">
+              <a:extLst>
+                <a:ext uri="{FF2B5EF4-FFF2-40B4-BE49-F238E27FC236}">
+                  <a16:creationId xmlns:a16="http://schemas.microsoft.com/office/drawing/2014/main" id="{50C551E9-6FF8-46B2-A324-641B694BEF6D}"/>
+                </a:ext>
+              </a:extLst>
+            </p:cNvPr>
+            <p:cNvCxnSpPr>
+              <a:cxnSpLocks/>
+            </p:cNvCxnSpPr>
+            <p:nvPr/>
+          </p:nvCxnSpPr>
+          <p:spPr>
+            <a:xfrm flipV="1">
+              <a:off x="8640260" y="5245088"/>
+              <a:ext cx="550507" cy="1"/>
+            </a:xfrm>
+            <a:prstGeom prst="straightConnector1">
+              <a:avLst/>
+            </a:prstGeom>
+            <a:ln w="50800">
+              <a:solidFill>
+                <a:srgbClr val="A9D08E"/>
+              </a:solidFill>
+              <a:tailEnd type="triangle"/>
+            </a:ln>
+          </p:spPr>
+          <p:style>
+            <a:lnRef idx="1">
+              <a:schemeClr val="accent1"/>
+            </a:lnRef>
+            <a:fillRef idx="0">
+              <a:schemeClr val="accent1"/>
+            </a:fillRef>
+            <a:effectRef idx="0">
+              <a:schemeClr val="accent1"/>
+            </a:effectRef>
+            <a:fontRef idx="minor">
+              <a:schemeClr val="tx1"/>
+            </a:fontRef>
+          </p:style>
+        </p:cxnSp>
+        <p:cxnSp>
+          <p:nvCxnSpPr>
+            <p:cNvPr id="26" name="직선 화살표 연결선 25">
+              <a:extLst>
+                <a:ext uri="{FF2B5EF4-FFF2-40B4-BE49-F238E27FC236}">
+                  <a16:creationId xmlns:a16="http://schemas.microsoft.com/office/drawing/2014/main" id="{22517847-942F-4DFB-AC6B-30F62851E69C}"/>
+                </a:ext>
+              </a:extLst>
+            </p:cNvPr>
+            <p:cNvCxnSpPr>
+              <a:cxnSpLocks/>
+            </p:cNvCxnSpPr>
+            <p:nvPr/>
+          </p:nvCxnSpPr>
+          <p:spPr>
+            <a:xfrm>
+              <a:off x="8640260" y="5644748"/>
+              <a:ext cx="1756164" cy="1"/>
+            </a:xfrm>
+            <a:prstGeom prst="straightConnector1">
+              <a:avLst/>
+            </a:prstGeom>
+            <a:ln w="50800">
+              <a:solidFill>
+                <a:srgbClr val="A9D08E"/>
+              </a:solidFill>
+              <a:tailEnd type="triangle"/>
+            </a:ln>
+          </p:spPr>
+          <p:style>
+            <a:lnRef idx="1">
+              <a:schemeClr val="accent1"/>
+            </a:lnRef>
+            <a:fillRef idx="0">
+              <a:schemeClr val="accent1"/>
+            </a:fillRef>
+            <a:effectRef idx="0">
+              <a:schemeClr val="accent1"/>
+            </a:effectRef>
+            <a:fontRef idx="minor">
+              <a:schemeClr val="tx1"/>
+            </a:fontRef>
+          </p:style>
+        </p:cxnSp>
+      </p:grpSp>
     </p:spTree>
     <p:extLst>
       <p:ext uri="{BB962C8B-B14F-4D97-AF65-F5344CB8AC3E}">
@@ -13644,6 +13926,404 @@
           </a:p>
         </p:txBody>
       </p:sp>
+      <p:grpSp>
+        <p:nvGrpSpPr>
+          <p:cNvPr id="15" name="그룹 14">
+            <a:extLst>
+              <a:ext uri="{FF2B5EF4-FFF2-40B4-BE49-F238E27FC236}">
+                <a16:creationId xmlns:a16="http://schemas.microsoft.com/office/drawing/2014/main" id="{6A64A6B4-FD3F-4143-847C-D225F92A7658}"/>
+              </a:ext>
+            </a:extLst>
+          </p:cNvPr>
+          <p:cNvGrpSpPr/>
+          <p:nvPr/>
+        </p:nvGrpSpPr>
+        <p:grpSpPr>
+          <a:xfrm>
+            <a:off x="2332038" y="2101850"/>
+            <a:ext cx="7527925" cy="3378200"/>
+            <a:chOff x="2332038" y="2101850"/>
+            <a:chExt cx="7527925" cy="3378200"/>
+          </a:xfrm>
+        </p:grpSpPr>
+        <p:graphicFrame>
+          <p:nvGraphicFramePr>
+            <p:cNvPr id="4" name="개체 3">
+              <a:extLst>
+                <a:ext uri="{FF2B5EF4-FFF2-40B4-BE49-F238E27FC236}">
+                  <a16:creationId xmlns:a16="http://schemas.microsoft.com/office/drawing/2014/main" id="{D2834489-9E8D-405F-AC65-40194F6E7136}"/>
+                </a:ext>
+              </a:extLst>
+            </p:cNvPr>
+            <p:cNvGraphicFramePr>
+              <a:graphicFrameLocks noChangeAspect="1"/>
+            </p:cNvGraphicFramePr>
+            <p:nvPr>
+              <p:extLst>
+                <p:ext uri="{D42A27DB-BD31-4B8C-83A1-F6EECF244321}">
+                  <p14:modId xmlns:p14="http://schemas.microsoft.com/office/powerpoint/2010/main" val="1374730633"/>
+                </p:ext>
+              </p:extLst>
+            </p:nvPr>
+          </p:nvGraphicFramePr>
+          <p:xfrm>
+            <a:off x="2332038" y="2101850"/>
+            <a:ext cx="7527925" cy="3378200"/>
+          </p:xfrm>
+          <a:graphic>
+            <a:graphicData uri="http://schemas.openxmlformats.org/presentationml/2006/ole">
+              <mc:AlternateContent xmlns:mc="http://schemas.openxmlformats.org/markup-compatibility/2006">
+                <mc:Choice xmlns:v="urn:schemas-microsoft-com:vml" Requires="v">
+                  <p:oleObj spid="_x0000_s2052" name="Worksheet" r:id="rId3" imgW="4701717" imgH="1973407" progId="Excel.Sheet.12">
+                    <p:embed/>
+                  </p:oleObj>
+                </mc:Choice>
+                <mc:Fallback>
+                  <p:oleObj name="Worksheet" r:id="rId3" imgW="4701717" imgH="1973407" progId="Excel.Sheet.12">
+                    <p:embed/>
+                    <p:pic>
+                      <p:nvPicPr>
+                        <p:cNvPr id="5" name="개체 4">
+                          <a:extLst>
+                            <a:ext uri="{FF2B5EF4-FFF2-40B4-BE49-F238E27FC236}">
+                              <a16:creationId xmlns:a16="http://schemas.microsoft.com/office/drawing/2014/main" id="{6969260A-380E-478A-ABCF-A9522E3D0620}"/>
+                            </a:ext>
+                          </a:extLst>
+                        </p:cNvPr>
+                        <p:cNvPicPr/>
+                        <p:nvPr/>
+                      </p:nvPicPr>
+                      <p:blipFill>
+                        <a:blip r:embed="rId4"/>
+                        <a:stretch>
+                          <a:fillRect/>
+                        </a:stretch>
+                      </p:blipFill>
+                      <p:spPr>
+                        <a:xfrm>
+                          <a:off x="2332038" y="2101850"/>
+                          <a:ext cx="7527925" cy="3378200"/>
+                        </a:xfrm>
+                        <a:prstGeom prst="rect">
+                          <a:avLst/>
+                        </a:prstGeom>
+                      </p:spPr>
+                    </p:pic>
+                  </p:oleObj>
+                </mc:Fallback>
+              </mc:AlternateContent>
+            </a:graphicData>
+          </a:graphic>
+        </p:graphicFrame>
+        <p:cxnSp>
+          <p:nvCxnSpPr>
+            <p:cNvPr id="5" name="직선 화살표 연결선 4">
+              <a:extLst>
+                <a:ext uri="{FF2B5EF4-FFF2-40B4-BE49-F238E27FC236}">
+                  <a16:creationId xmlns:a16="http://schemas.microsoft.com/office/drawing/2014/main" id="{4FF0F73D-CC44-4D7D-94BE-AE74E990B310}"/>
+                </a:ext>
+              </a:extLst>
+            </p:cNvPr>
+            <p:cNvCxnSpPr>
+              <a:cxnSpLocks/>
+            </p:cNvCxnSpPr>
+            <p:nvPr/>
+          </p:nvCxnSpPr>
+          <p:spPr>
+            <a:xfrm>
+              <a:off x="5551412" y="3007297"/>
+              <a:ext cx="2127682" cy="0"/>
+            </a:xfrm>
+            <a:prstGeom prst="straightConnector1">
+              <a:avLst/>
+            </a:prstGeom>
+            <a:ln w="50800">
+              <a:solidFill>
+                <a:schemeClr val="tx1"/>
+              </a:solidFill>
+              <a:tailEnd type="triangle"/>
+            </a:ln>
+          </p:spPr>
+          <p:style>
+            <a:lnRef idx="1">
+              <a:schemeClr val="accent1"/>
+            </a:lnRef>
+            <a:fillRef idx="0">
+              <a:schemeClr val="accent1"/>
+            </a:fillRef>
+            <a:effectRef idx="0">
+              <a:schemeClr val="accent1"/>
+            </a:effectRef>
+            <a:fontRef idx="minor">
+              <a:schemeClr val="tx1"/>
+            </a:fontRef>
+          </p:style>
+        </p:cxnSp>
+        <p:cxnSp>
+          <p:nvCxnSpPr>
+            <p:cNvPr id="7" name="직선 화살표 연결선 6">
+              <a:extLst>
+                <a:ext uri="{FF2B5EF4-FFF2-40B4-BE49-F238E27FC236}">
+                  <a16:creationId xmlns:a16="http://schemas.microsoft.com/office/drawing/2014/main" id="{ED936BB3-3DE5-43CE-A1A2-F6AC942F093F}"/>
+                </a:ext>
+              </a:extLst>
+            </p:cNvPr>
+            <p:cNvCxnSpPr>
+              <a:cxnSpLocks/>
+            </p:cNvCxnSpPr>
+            <p:nvPr/>
+          </p:nvCxnSpPr>
+          <p:spPr>
+            <a:xfrm>
+              <a:off x="5556379" y="3424064"/>
+              <a:ext cx="1079242" cy="0"/>
+            </a:xfrm>
+            <a:prstGeom prst="straightConnector1">
+              <a:avLst/>
+            </a:prstGeom>
+            <a:ln w="50800">
+              <a:solidFill>
+                <a:srgbClr val="A9D08E"/>
+              </a:solidFill>
+              <a:tailEnd type="triangle"/>
+            </a:ln>
+          </p:spPr>
+          <p:style>
+            <a:lnRef idx="1">
+              <a:schemeClr val="accent1"/>
+            </a:lnRef>
+            <a:fillRef idx="0">
+              <a:schemeClr val="accent1"/>
+            </a:fillRef>
+            <a:effectRef idx="0">
+              <a:schemeClr val="accent1"/>
+            </a:effectRef>
+            <a:fontRef idx="minor">
+              <a:schemeClr val="tx1"/>
+            </a:fontRef>
+          </p:style>
+        </p:cxnSp>
+        <p:cxnSp>
+          <p:nvCxnSpPr>
+            <p:cNvPr id="8" name="직선 화살표 연결선 7">
+              <a:extLst>
+                <a:ext uri="{FF2B5EF4-FFF2-40B4-BE49-F238E27FC236}">
+                  <a16:creationId xmlns:a16="http://schemas.microsoft.com/office/drawing/2014/main" id="{0FCB7E63-8AB2-4DDA-B168-F956A15B3DDA}"/>
+                </a:ext>
+              </a:extLst>
+            </p:cNvPr>
+            <p:cNvCxnSpPr>
+              <a:cxnSpLocks/>
+            </p:cNvCxnSpPr>
+            <p:nvPr/>
+          </p:nvCxnSpPr>
+          <p:spPr>
+            <a:xfrm>
+              <a:off x="6635621" y="3769297"/>
+              <a:ext cx="1079242" cy="0"/>
+            </a:xfrm>
+            <a:prstGeom prst="straightConnector1">
+              <a:avLst/>
+            </a:prstGeom>
+            <a:ln w="50800">
+              <a:solidFill>
+                <a:srgbClr val="A9D08E"/>
+              </a:solidFill>
+              <a:tailEnd type="triangle"/>
+            </a:ln>
+          </p:spPr>
+          <p:style>
+            <a:lnRef idx="1">
+              <a:schemeClr val="accent1"/>
+            </a:lnRef>
+            <a:fillRef idx="0">
+              <a:schemeClr val="accent1"/>
+            </a:fillRef>
+            <a:effectRef idx="0">
+              <a:schemeClr val="accent1"/>
+            </a:effectRef>
+            <a:fontRef idx="minor">
+              <a:schemeClr val="tx1"/>
+            </a:fontRef>
+          </p:style>
+        </p:cxnSp>
+        <p:cxnSp>
+          <p:nvCxnSpPr>
+            <p:cNvPr id="9" name="직선 화살표 연결선 8">
+              <a:extLst>
+                <a:ext uri="{FF2B5EF4-FFF2-40B4-BE49-F238E27FC236}">
+                  <a16:creationId xmlns:a16="http://schemas.microsoft.com/office/drawing/2014/main" id="{59509560-90B5-47EC-8424-4706AB7823A8}"/>
+                </a:ext>
+              </a:extLst>
+            </p:cNvPr>
+            <p:cNvCxnSpPr>
+              <a:cxnSpLocks/>
+            </p:cNvCxnSpPr>
+            <p:nvPr/>
+          </p:nvCxnSpPr>
+          <p:spPr>
+            <a:xfrm>
+              <a:off x="7714863" y="4544008"/>
+              <a:ext cx="580051" cy="0"/>
+            </a:xfrm>
+            <a:prstGeom prst="straightConnector1">
+              <a:avLst/>
+            </a:prstGeom>
+            <a:ln w="50800">
+              <a:solidFill>
+                <a:srgbClr val="A9D08E"/>
+              </a:solidFill>
+              <a:tailEnd type="triangle"/>
+            </a:ln>
+          </p:spPr>
+          <p:style>
+            <a:lnRef idx="1">
+              <a:schemeClr val="accent1"/>
+            </a:lnRef>
+            <a:fillRef idx="0">
+              <a:schemeClr val="accent1"/>
+            </a:fillRef>
+            <a:effectRef idx="0">
+              <a:schemeClr val="accent1"/>
+            </a:effectRef>
+            <a:fontRef idx="minor">
+              <a:schemeClr val="tx1"/>
+            </a:fontRef>
+          </p:style>
+        </p:cxnSp>
+        <p:cxnSp>
+          <p:nvCxnSpPr>
+            <p:cNvPr id="12" name="직선 화살표 연결선 11">
+              <a:extLst>
+                <a:ext uri="{FF2B5EF4-FFF2-40B4-BE49-F238E27FC236}">
+                  <a16:creationId xmlns:a16="http://schemas.microsoft.com/office/drawing/2014/main" id="{D905D987-9AE1-4D27-AA89-B0B60A4424D3}"/>
+                </a:ext>
+              </a:extLst>
+            </p:cNvPr>
+            <p:cNvCxnSpPr>
+              <a:cxnSpLocks/>
+            </p:cNvCxnSpPr>
+            <p:nvPr/>
+          </p:nvCxnSpPr>
+          <p:spPr>
+            <a:xfrm>
+              <a:off x="8294914" y="4873690"/>
+              <a:ext cx="475862" cy="0"/>
+            </a:xfrm>
+            <a:prstGeom prst="straightConnector1">
+              <a:avLst/>
+            </a:prstGeom>
+            <a:ln w="50800">
+              <a:solidFill>
+                <a:srgbClr val="A9D08E"/>
+              </a:solidFill>
+              <a:tailEnd type="triangle"/>
+            </a:ln>
+          </p:spPr>
+          <p:style>
+            <a:lnRef idx="1">
+              <a:schemeClr val="accent1"/>
+            </a:lnRef>
+            <a:fillRef idx="0">
+              <a:schemeClr val="accent1"/>
+            </a:fillRef>
+            <a:effectRef idx="0">
+              <a:schemeClr val="accent1"/>
+            </a:effectRef>
+            <a:fontRef idx="minor">
+              <a:schemeClr val="tx1"/>
+            </a:fontRef>
+          </p:style>
+        </p:cxnSp>
+        <p:cxnSp>
+          <p:nvCxnSpPr>
+            <p:cNvPr id="16" name="직선 화살표 연결선 15">
+              <a:extLst>
+                <a:ext uri="{FF2B5EF4-FFF2-40B4-BE49-F238E27FC236}">
+                  <a16:creationId xmlns:a16="http://schemas.microsoft.com/office/drawing/2014/main" id="{C17D6C7F-26FA-432F-92C1-19B09AF7E3C5}"/>
+                </a:ext>
+              </a:extLst>
+            </p:cNvPr>
+            <p:cNvCxnSpPr>
+              <a:cxnSpLocks/>
+            </p:cNvCxnSpPr>
+            <p:nvPr/>
+          </p:nvCxnSpPr>
+          <p:spPr>
+            <a:xfrm>
+              <a:off x="8770776" y="5274906"/>
+              <a:ext cx="1089187" cy="0"/>
+            </a:xfrm>
+            <a:prstGeom prst="straightConnector1">
+              <a:avLst/>
+            </a:prstGeom>
+            <a:ln w="50800">
+              <a:solidFill>
+                <a:srgbClr val="A9D08E"/>
+              </a:solidFill>
+              <a:tailEnd type="triangle"/>
+            </a:ln>
+          </p:spPr>
+          <p:style>
+            <a:lnRef idx="1">
+              <a:schemeClr val="accent1"/>
+            </a:lnRef>
+            <a:fillRef idx="0">
+              <a:schemeClr val="accent1"/>
+            </a:fillRef>
+            <a:effectRef idx="0">
+              <a:schemeClr val="accent1"/>
+            </a:effectRef>
+            <a:fontRef idx="minor">
+              <a:schemeClr val="tx1"/>
+            </a:fontRef>
+          </p:style>
+        </p:cxnSp>
+        <p:cxnSp>
+          <p:nvCxnSpPr>
+            <p:cNvPr id="18" name="직선 화살표 연결선 17">
+              <a:extLst>
+                <a:ext uri="{FF2B5EF4-FFF2-40B4-BE49-F238E27FC236}">
+                  <a16:creationId xmlns:a16="http://schemas.microsoft.com/office/drawing/2014/main" id="{7CA5568D-7EF9-424E-A4A2-AE9E3BE835F5}"/>
+                </a:ext>
+              </a:extLst>
+            </p:cNvPr>
+            <p:cNvCxnSpPr>
+              <a:cxnSpLocks/>
+            </p:cNvCxnSpPr>
+            <p:nvPr/>
+          </p:nvCxnSpPr>
+          <p:spPr>
+            <a:xfrm>
+              <a:off x="7706935" y="4139411"/>
+              <a:ext cx="2127682" cy="0"/>
+            </a:xfrm>
+            <a:prstGeom prst="straightConnector1">
+              <a:avLst/>
+            </a:prstGeom>
+            <a:ln w="50800">
+              <a:solidFill>
+                <a:schemeClr val="tx1"/>
+              </a:solidFill>
+              <a:tailEnd type="triangle"/>
+            </a:ln>
+          </p:spPr>
+          <p:style>
+            <a:lnRef idx="1">
+              <a:schemeClr val="accent1"/>
+            </a:lnRef>
+            <a:fillRef idx="0">
+              <a:schemeClr val="accent1"/>
+            </a:fillRef>
+            <a:effectRef idx="0">
+              <a:schemeClr val="accent1"/>
+            </a:effectRef>
+            <a:fontRef idx="minor">
+              <a:schemeClr val="tx1"/>
+            </a:fontRef>
+          </p:style>
+        </p:cxnSp>
+      </p:grpSp>
     </p:spTree>
     <p:extLst>
       <p:ext uri="{BB962C8B-B14F-4D97-AF65-F5344CB8AC3E}">

--- a/TaskFlow.pptx
+++ b/TaskFlow.pptx
@@ -5,7 +5,7 @@
     <p:sldMasterId id="2147483648" r:id="rId1"/>
   </p:sldMasterIdLst>
   <p:notesMasterIdLst>
-    <p:notesMasterId r:id="rId11"/>
+    <p:notesMasterId r:id="rId12"/>
   </p:notesMasterIdLst>
   <p:sldIdLst>
     <p:sldId id="260" r:id="rId2"/>
@@ -17,6 +17,7 @@
     <p:sldId id="264" r:id="rId8"/>
     <p:sldId id="267" r:id="rId9"/>
     <p:sldId id="268" r:id="rId10"/>
+    <p:sldId id="269" r:id="rId11"/>
   </p:sldIdLst>
   <p:sldSz cx="12192000" cy="6858000"/>
   <p:notesSz cx="6858000" cy="9144000"/>
@@ -9217,6 +9218,137 @@
 </p:sld>
 </file>
 
+<file path=ppt/slides/slide10.xml><?xml version="1.0" encoding="utf-8"?>
+<p:sld xmlns:a="http://schemas.openxmlformats.org/drawingml/2006/main" xmlns:r="http://schemas.openxmlformats.org/officeDocument/2006/relationships" xmlns:p="http://schemas.openxmlformats.org/presentationml/2006/main">
+  <p:cSld>
+    <p:spTree>
+      <p:nvGrpSpPr>
+        <p:cNvPr id="1" name=""/>
+        <p:cNvGrpSpPr/>
+        <p:nvPr/>
+      </p:nvGrpSpPr>
+      <p:grpSpPr>
+        <a:xfrm>
+          <a:off x="0" y="0"/>
+          <a:ext cx="0" cy="0"/>
+          <a:chOff x="0" y="0"/>
+          <a:chExt cx="0" cy="0"/>
+        </a:xfrm>
+      </p:grpSpPr>
+      <p:sp>
+        <p:nvSpPr>
+          <p:cNvPr id="6" name="평행 사변형 5">
+            <a:extLst>
+              <a:ext uri="{FF2B5EF4-FFF2-40B4-BE49-F238E27FC236}">
+                <a16:creationId xmlns:a16="http://schemas.microsoft.com/office/drawing/2014/main" id="{1188D74E-CB44-41F8-82D2-80B555A321E2}"/>
+              </a:ext>
+            </a:extLst>
+          </p:cNvPr>
+          <p:cNvSpPr/>
+          <p:nvPr/>
+        </p:nvSpPr>
+        <p:spPr>
+          <a:xfrm rot="10800000">
+            <a:off x="-362552" y="-2"/>
+            <a:ext cx="8867357" cy="1046893"/>
+          </a:xfrm>
+          <a:prstGeom prst="parallelogram">
+            <a:avLst/>
+          </a:prstGeom>
+          <a:solidFill>
+            <a:srgbClr val="76DAD5">
+              <a:alpha val="80000"/>
+            </a:srgbClr>
+          </a:solidFill>
+          <a:ln>
+            <a:noFill/>
+          </a:ln>
+          <a:effectLst>
+            <a:softEdge rad="0"/>
+          </a:effectLst>
+        </p:spPr>
+        <p:style>
+          <a:lnRef idx="2">
+            <a:schemeClr val="accent1">
+              <a:shade val="50000"/>
+            </a:schemeClr>
+          </a:lnRef>
+          <a:fillRef idx="1">
+            <a:schemeClr val="accent1"/>
+          </a:fillRef>
+          <a:effectRef idx="0">
+            <a:schemeClr val="accent1"/>
+          </a:effectRef>
+          <a:fontRef idx="minor">
+            <a:schemeClr val="lt1"/>
+          </a:fontRef>
+        </p:style>
+        <p:txBody>
+          <a:bodyPr rtlCol="0" anchor="ctr"/>
+          <a:lstStyle/>
+          <a:p>
+            <a:pPr algn="ctr"/>
+            <a:endParaRPr lang="ko-KR" altLang="en-US"/>
+          </a:p>
+        </p:txBody>
+      </p:sp>
+      <p:sp>
+        <p:nvSpPr>
+          <p:cNvPr id="7" name="TextBox 6">
+            <a:extLst>
+              <a:ext uri="{FF2B5EF4-FFF2-40B4-BE49-F238E27FC236}">
+                <a16:creationId xmlns:a16="http://schemas.microsoft.com/office/drawing/2014/main" id="{21FEF897-6971-4E9B-AC81-5595C8E0A59B}"/>
+              </a:ext>
+            </a:extLst>
+          </p:cNvPr>
+          <p:cNvSpPr txBox="1"/>
+          <p:nvPr/>
+        </p:nvSpPr>
+        <p:spPr>
+          <a:xfrm>
+            <a:off x="1383319" y="169501"/>
+            <a:ext cx="3952161" cy="707886"/>
+          </a:xfrm>
+          <a:prstGeom prst="rect">
+            <a:avLst/>
+          </a:prstGeom>
+          <a:noFill/>
+        </p:spPr>
+        <p:txBody>
+          <a:bodyPr wrap="square" rtlCol="0">
+            <a:spAutoFit/>
+          </a:bodyPr>
+          <a:lstStyle/>
+          <a:p>
+            <a:r>
+              <a:rPr lang="ko-KR" altLang="en-US" sz="4000">
+                <a:solidFill>
+                  <a:schemeClr val="bg1"/>
+                </a:solidFill>
+              </a:rPr>
+              <a:t>홍보 및 마케팅</a:t>
+            </a:r>
+            <a:endParaRPr lang="ko-KR" altLang="en-US" sz="4000" dirty="0">
+              <a:solidFill>
+                <a:schemeClr val="bg1"/>
+              </a:solidFill>
+            </a:endParaRPr>
+          </a:p>
+        </p:txBody>
+      </p:sp>
+    </p:spTree>
+    <p:extLst>
+      <p:ext uri="{BB962C8B-B14F-4D97-AF65-F5344CB8AC3E}">
+        <p14:creationId xmlns:p14="http://schemas.microsoft.com/office/powerpoint/2010/main" val="1292842297"/>
+      </p:ext>
+    </p:extLst>
+  </p:cSld>
+  <p:clrMapOvr>
+    <a:masterClrMapping/>
+  </p:clrMapOvr>
+</p:sld>
+</file>
+
 <file path=ppt/slides/slide2.xml><?xml version="1.0" encoding="utf-8"?>
 <p:sld xmlns:a="http://schemas.openxmlformats.org/drawingml/2006/main" xmlns:r="http://schemas.openxmlformats.org/officeDocument/2006/relationships" xmlns:p="http://schemas.openxmlformats.org/presentationml/2006/main">
   <p:cSld>
@@ -9407,7 +9539,7 @@
             </a:pPr>
             <a:r>
               <a:rPr lang="ko-KR" altLang="en-US" sz="2400" dirty="0"/>
-              <a:t>인력</a:t>
+              <a:t>인원</a:t>
             </a:r>
             <a:endParaRPr lang="en-US" altLang="ko-KR" sz="2400" dirty="0"/>
           </a:p>
@@ -12750,6 +12882,96 @@
           </a:fontRef>
         </p:style>
       </p:cxnSp>
+      <p:cxnSp>
+        <p:nvCxnSpPr>
+          <p:cNvPr id="9" name="직선 화살표 연결선 8">
+            <a:extLst>
+              <a:ext uri="{FF2B5EF4-FFF2-40B4-BE49-F238E27FC236}">
+                <a16:creationId xmlns:a16="http://schemas.microsoft.com/office/drawing/2014/main" id="{66D4E217-8035-4871-BCB6-700898961823}"/>
+              </a:ext>
+            </a:extLst>
+          </p:cNvPr>
+          <p:cNvCxnSpPr>
+            <a:cxnSpLocks/>
+            <a:stCxn id="12" idx="3"/>
+            <a:endCxn id="14" idx="1"/>
+          </p:cNvCxnSpPr>
+          <p:nvPr/>
+        </p:nvCxnSpPr>
+        <p:spPr>
+          <a:xfrm>
+            <a:off x="8416832" y="3618307"/>
+            <a:ext cx="442705" cy="0"/>
+          </a:xfrm>
+          <a:prstGeom prst="straightConnector1">
+            <a:avLst/>
+          </a:prstGeom>
+          <a:ln w="19050">
+            <a:solidFill>
+              <a:srgbClr val="FF0000"/>
+            </a:solidFill>
+            <a:tailEnd type="triangle"/>
+          </a:ln>
+        </p:spPr>
+        <p:style>
+          <a:lnRef idx="1">
+            <a:schemeClr val="accent1"/>
+          </a:lnRef>
+          <a:fillRef idx="0">
+            <a:schemeClr val="accent1"/>
+          </a:fillRef>
+          <a:effectRef idx="0">
+            <a:schemeClr val="accent1"/>
+          </a:effectRef>
+          <a:fontRef idx="minor">
+            <a:schemeClr val="tx1"/>
+          </a:fontRef>
+        </p:style>
+      </p:cxnSp>
+      <p:cxnSp>
+        <p:nvCxnSpPr>
+          <p:cNvPr id="24" name="직선 화살표 연결선 23">
+            <a:extLst>
+              <a:ext uri="{FF2B5EF4-FFF2-40B4-BE49-F238E27FC236}">
+                <a16:creationId xmlns:a16="http://schemas.microsoft.com/office/drawing/2014/main" id="{8CD27C31-7310-4C15-8A31-25898C42689B}"/>
+              </a:ext>
+            </a:extLst>
+          </p:cNvPr>
+          <p:cNvCxnSpPr>
+            <a:cxnSpLocks/>
+          </p:cNvCxnSpPr>
+          <p:nvPr/>
+        </p:nvCxnSpPr>
+        <p:spPr>
+          <a:xfrm>
+            <a:off x="10111626" y="3618306"/>
+            <a:ext cx="442705" cy="0"/>
+          </a:xfrm>
+          <a:prstGeom prst="straightConnector1">
+            <a:avLst/>
+          </a:prstGeom>
+          <a:ln w="19050">
+            <a:solidFill>
+              <a:srgbClr val="FF0000"/>
+            </a:solidFill>
+            <a:tailEnd type="triangle"/>
+          </a:ln>
+        </p:spPr>
+        <p:style>
+          <a:lnRef idx="1">
+            <a:schemeClr val="accent1"/>
+          </a:lnRef>
+          <a:fillRef idx="0">
+            <a:schemeClr val="accent1"/>
+          </a:fillRef>
+          <a:effectRef idx="0">
+            <a:schemeClr val="accent1"/>
+          </a:effectRef>
+          <a:fontRef idx="minor">
+            <a:schemeClr val="tx1"/>
+          </a:fontRef>
+        </p:style>
+      </p:cxnSp>
     </p:spTree>
     <p:extLst>
       <p:ext uri="{BB962C8B-B14F-4D97-AF65-F5344CB8AC3E}">
@@ -13365,7 +13587,7 @@
             <a:graphicData uri="http://schemas.openxmlformats.org/presentationml/2006/ole">
               <mc:AlternateContent xmlns:mc="http://schemas.openxmlformats.org/markup-compatibility/2006">
                 <mc:Choice xmlns:v="urn:schemas-microsoft-com:vml" Requires="v">
-                  <p:oleObj spid="_x0000_s1031" name="Worksheet" r:id="rId3" imgW="5371994" imgH="2415430" progId="Excel.Sheet.12">
+                  <p:oleObj spid="_x0000_s1037" name="Worksheet" r:id="rId3" imgW="5371994" imgH="2415430" progId="Excel.Sheet.12">
                     <p:embed/>
                   </p:oleObj>
                 </mc:Choice>
@@ -13974,7 +14196,7 @@
             <a:graphicData uri="http://schemas.openxmlformats.org/presentationml/2006/ole">
               <mc:AlternateContent xmlns:mc="http://schemas.openxmlformats.org/markup-compatibility/2006">
                 <mc:Choice xmlns:v="urn:schemas-microsoft-com:vml" Requires="v">
-                  <p:oleObj spid="_x0000_s2052" name="Worksheet" r:id="rId3" imgW="4701717" imgH="1973407" progId="Excel.Sheet.12">
+                  <p:oleObj spid="_x0000_s2058" name="Worksheet" r:id="rId3" imgW="4701717" imgH="1973407" progId="Excel.Sheet.12">
                     <p:embed/>
                   </p:oleObj>
                 </mc:Choice>

--- a/TaskFlow.pptx
+++ b/TaskFlow.pptx
@@ -2234,7 +2234,7 @@
   <dgm:whole/>
   <dgm:extLst>
     <a:ext uri="http://schemas.microsoft.com/office/drawing/2008/diagram">
-      <dsp:dataModelExt xmlns:dsp="http://schemas.microsoft.com/office/drawing/2008/diagram" relId="rId6" minVer="http://schemas.openxmlformats.org/drawingml/2006/diagram"/>
+      <dsp:dataModelExt xmlns:dsp="http://schemas.microsoft.com/office/drawing/2008/diagram" relId="rId7" minVer="http://schemas.openxmlformats.org/drawingml/2006/diagram"/>
     </a:ext>
   </dgm:extLst>
 </dgm:dataModel>
@@ -9635,73 +9635,6 @@
       </p:grpSpPr>
       <p:sp>
         <p:nvSpPr>
-          <p:cNvPr id="3" name="TextBox 2">
-            <a:extLst>
-              <a:ext uri="{FF2B5EF4-FFF2-40B4-BE49-F238E27FC236}">
-                <a16:creationId xmlns:a16="http://schemas.microsoft.com/office/drawing/2014/main" id="{1E230BF9-EE66-4673-AF87-3102AE4AA5FD}"/>
-              </a:ext>
-            </a:extLst>
-          </p:cNvPr>
-          <p:cNvSpPr txBox="1"/>
-          <p:nvPr/>
-        </p:nvSpPr>
-        <p:spPr>
-          <a:xfrm>
-            <a:off x="1517515" y="1731523"/>
-            <a:ext cx="9503923" cy="731290"/>
-          </a:xfrm>
-          <a:prstGeom prst="rect">
-            <a:avLst/>
-          </a:prstGeom>
-          <a:noFill/>
-        </p:spPr>
-        <p:txBody>
-          <a:bodyPr wrap="square" rtlCol="0">
-            <a:spAutoFit/>
-          </a:bodyPr>
-          <a:lstStyle/>
-          <a:p>
-            <a:pPr marL="342900" indent="-342900">
-              <a:buAutoNum type="arabicPeriod"/>
-            </a:pPr>
-            <a:r>
-              <a:rPr lang="ko-KR" altLang="en-US" dirty="0"/>
-              <a:t>불편한 점</a:t>
-            </a:r>
-            <a:endParaRPr lang="en-US" altLang="ko-KR" dirty="0"/>
-          </a:p>
-          <a:p>
-            <a:pPr>
-              <a:lnSpc>
-                <a:spcPct val="150000"/>
-              </a:lnSpc>
-            </a:pPr>
-            <a:r>
-              <a:rPr lang="en-US" altLang="ko-KR" dirty="0"/>
-              <a:t>  </a:t>
-            </a:r>
-            <a:r>
-              <a:rPr lang="ko-KR" altLang="en-US" dirty="0"/>
-              <a:t>다시 듣기는 귀찮고 찾아보기 힘든 강의들</a:t>
-            </a:r>
-            <a:r>
-              <a:rPr lang="en-US" altLang="ko-KR" dirty="0"/>
-              <a:t>, </a:t>
-            </a:r>
-            <a:r>
-              <a:rPr lang="ko-KR" altLang="en-US" dirty="0"/>
-              <a:t>전부 글로 적는다면 어떨까</a:t>
-            </a:r>
-            <a:r>
-              <a:rPr lang="en-US" altLang="ko-KR" dirty="0"/>
-              <a:t>?</a:t>
-            </a:r>
-            <a:endParaRPr lang="ko-KR" altLang="en-US" dirty="0"/>
-          </a:p>
-        </p:txBody>
-      </p:sp>
-      <p:sp>
-        <p:nvSpPr>
           <p:cNvPr id="6" name="평행 사변형 5">
             <a:extLst>
               <a:ext uri="{FF2B5EF4-FFF2-40B4-BE49-F238E27FC236}">
@@ -9793,6 +9726,154 @@
               </a:rPr>
               <a:t>개요</a:t>
             </a:r>
+          </a:p>
+        </p:txBody>
+      </p:sp>
+      <p:pic>
+        <p:nvPicPr>
+          <p:cNvPr id="4" name="그림 3">
+            <a:extLst>
+              <a:ext uri="{FF2B5EF4-FFF2-40B4-BE49-F238E27FC236}">
+                <a16:creationId xmlns:a16="http://schemas.microsoft.com/office/drawing/2014/main" id="{EC90E3D3-8049-4EFA-95AE-AE034C23F9EC}"/>
+              </a:ext>
+            </a:extLst>
+          </p:cNvPr>
+          <p:cNvPicPr>
+            <a:picLocks noChangeAspect="1"/>
+          </p:cNvPicPr>
+          <p:nvPr/>
+        </p:nvPicPr>
+        <p:blipFill>
+          <a:blip r:embed="rId2">
+            <a:extLst>
+              <a:ext uri="{28A0092B-C50C-407E-A947-70E740481C1C}">
+                <a14:useLocalDpi xmlns:a14="http://schemas.microsoft.com/office/drawing/2010/main" val="0"/>
+              </a:ext>
+            </a:extLst>
+          </a:blip>
+          <a:stretch>
+            <a:fillRect/>
+          </a:stretch>
+        </p:blipFill>
+        <p:spPr>
+          <a:xfrm>
+            <a:off x="2411118" y="1927536"/>
+            <a:ext cx="2687468" cy="3002927"/>
+          </a:xfrm>
+          <a:prstGeom prst="rect">
+            <a:avLst/>
+          </a:prstGeom>
+        </p:spPr>
+      </p:pic>
+      <p:sp>
+        <p:nvSpPr>
+          <p:cNvPr id="5" name="TextBox 4">
+            <a:extLst>
+              <a:ext uri="{FF2B5EF4-FFF2-40B4-BE49-F238E27FC236}">
+                <a16:creationId xmlns:a16="http://schemas.microsoft.com/office/drawing/2014/main" id="{A77A9F5F-4F60-465E-8955-5E164AFD72D6}"/>
+              </a:ext>
+            </a:extLst>
+          </p:cNvPr>
+          <p:cNvSpPr txBox="1"/>
+          <p:nvPr/>
+        </p:nvSpPr>
+        <p:spPr>
+          <a:xfrm>
+            <a:off x="1838960" y="1411430"/>
+            <a:ext cx="3596640" cy="584775"/>
+          </a:xfrm>
+          <a:prstGeom prst="rect">
+            <a:avLst/>
+          </a:prstGeom>
+          <a:noFill/>
+        </p:spPr>
+        <p:txBody>
+          <a:bodyPr wrap="square" rtlCol="0">
+            <a:spAutoFit/>
+          </a:bodyPr>
+          <a:lstStyle/>
+          <a:p>
+            <a:pPr algn="ctr"/>
+            <a:r>
+              <a:rPr lang="ko-KR" altLang="en-US" sz="3200" dirty="0"/>
+              <a:t>목표</a:t>
+            </a:r>
+          </a:p>
+        </p:txBody>
+      </p:sp>
+      <p:sp>
+        <p:nvSpPr>
+          <p:cNvPr id="8" name="TextBox 7">
+            <a:extLst>
+              <a:ext uri="{FF2B5EF4-FFF2-40B4-BE49-F238E27FC236}">
+                <a16:creationId xmlns:a16="http://schemas.microsoft.com/office/drawing/2014/main" id="{A4AD671D-0625-469E-95D4-6BAA8EFD04B7}"/>
+              </a:ext>
+            </a:extLst>
+          </p:cNvPr>
+          <p:cNvSpPr txBox="1"/>
+          <p:nvPr/>
+        </p:nvSpPr>
+        <p:spPr>
+          <a:xfrm>
+            <a:off x="6756402" y="1411429"/>
+            <a:ext cx="3596640" cy="584775"/>
+          </a:xfrm>
+          <a:prstGeom prst="rect">
+            <a:avLst/>
+          </a:prstGeom>
+          <a:noFill/>
+        </p:spPr>
+        <p:txBody>
+          <a:bodyPr wrap="square" rtlCol="0">
+            <a:spAutoFit/>
+          </a:bodyPr>
+          <a:lstStyle/>
+          <a:p>
+            <a:pPr algn="ctr"/>
+            <a:r>
+              <a:rPr lang="ko-KR" altLang="en-US" sz="3200" dirty="0"/>
+              <a:t>타겟층</a:t>
+            </a:r>
+          </a:p>
+        </p:txBody>
+      </p:sp>
+      <p:sp>
+        <p:nvSpPr>
+          <p:cNvPr id="9" name="TextBox 8">
+            <a:extLst>
+              <a:ext uri="{FF2B5EF4-FFF2-40B4-BE49-F238E27FC236}">
+                <a16:creationId xmlns:a16="http://schemas.microsoft.com/office/drawing/2014/main" id="{91280C82-0B8D-4427-9A24-17013A9EEB50}"/>
+              </a:ext>
+            </a:extLst>
+          </p:cNvPr>
+          <p:cNvSpPr txBox="1"/>
+          <p:nvPr/>
+        </p:nvSpPr>
+        <p:spPr>
+          <a:xfrm>
+            <a:off x="1571475" y="5292383"/>
+            <a:ext cx="4366754" cy="646331"/>
+          </a:xfrm>
+          <a:prstGeom prst="rect">
+            <a:avLst/>
+          </a:prstGeom>
+          <a:noFill/>
+        </p:spPr>
+        <p:txBody>
+          <a:bodyPr wrap="square" rtlCol="0">
+            <a:spAutoFit/>
+          </a:bodyPr>
+          <a:lstStyle/>
+          <a:p>
+            <a:r>
+              <a:rPr lang="ko-KR" altLang="en-US" dirty="0"/>
+              <a:t>손 아픈 필기 텍스트화 </a:t>
+            </a:r>
+            <a:r>
+              <a:rPr lang="ko-KR" altLang="en-US"/>
+              <a:t>및 키워드 추출로 간단한 복습</a:t>
+            </a:r>
+            <a:endParaRPr lang="ko-KR" altLang="en-US" dirty="0"/>
           </a:p>
         </p:txBody>
       </p:sp>
@@ -10614,10 +10695,10 @@
       </p:sp>
       <p:grpSp>
         <p:nvGrpSpPr>
-          <p:cNvPr id="113" name="그룹 112">
+          <p:cNvPr id="22" name="그룹 21">
             <a:extLst>
               <a:ext uri="{FF2B5EF4-FFF2-40B4-BE49-F238E27FC236}">
-                <a16:creationId xmlns:a16="http://schemas.microsoft.com/office/drawing/2014/main" id="{60C75669-E346-4571-B0F5-E5E67EA4262F}"/>
+                <a16:creationId xmlns:a16="http://schemas.microsoft.com/office/drawing/2014/main" id="{A422BEBE-DC5C-49FA-BD98-698ADDEA6145}"/>
               </a:ext>
             </a:extLst>
           </p:cNvPr>
@@ -10626,18 +10707,1659 @@
         </p:nvGrpSpPr>
         <p:grpSpPr>
           <a:xfrm>
-            <a:off x="1730147" y="1453078"/>
-            <a:ext cx="8731705" cy="4576444"/>
-            <a:chOff x="1592454" y="1216395"/>
-            <a:chExt cx="8731705" cy="4576444"/>
+            <a:off x="1730147" y="1231128"/>
+            <a:ext cx="10070072" cy="5247421"/>
+            <a:chOff x="1730147" y="1231128"/>
+            <a:chExt cx="10070072" cy="5247421"/>
           </a:xfrm>
         </p:grpSpPr>
+        <p:grpSp>
+          <p:nvGrpSpPr>
+            <p:cNvPr id="113" name="그룹 112">
+              <a:extLst>
+                <a:ext uri="{FF2B5EF4-FFF2-40B4-BE49-F238E27FC236}">
+                  <a16:creationId xmlns:a16="http://schemas.microsoft.com/office/drawing/2014/main" id="{60C75669-E346-4571-B0F5-E5E67EA4262F}"/>
+                </a:ext>
+              </a:extLst>
+            </p:cNvPr>
+            <p:cNvGrpSpPr/>
+            <p:nvPr/>
+          </p:nvGrpSpPr>
+          <p:grpSpPr>
+            <a:xfrm>
+              <a:off x="1730147" y="1231128"/>
+              <a:ext cx="8731705" cy="4576444"/>
+              <a:chOff x="1592454" y="1216395"/>
+              <a:chExt cx="8731705" cy="4576444"/>
+            </a:xfrm>
+          </p:grpSpPr>
+          <p:sp>
+            <p:nvSpPr>
+              <p:cNvPr id="6" name="사각형: 둥근 모서리 5">
+                <a:extLst>
+                  <a:ext uri="{FF2B5EF4-FFF2-40B4-BE49-F238E27FC236}">
+                    <a16:creationId xmlns:a16="http://schemas.microsoft.com/office/drawing/2014/main" id="{4B147DEE-E464-442B-AB49-F95F9F4CDB9B}"/>
+                  </a:ext>
+                </a:extLst>
+              </p:cNvPr>
+              <p:cNvSpPr/>
+              <p:nvPr/>
+            </p:nvSpPr>
+            <p:spPr>
+              <a:xfrm>
+                <a:off x="1592455" y="1216396"/>
+                <a:ext cx="1065319" cy="559293"/>
+              </a:xfrm>
+              <a:prstGeom prst="roundRect">
+                <a:avLst/>
+              </a:prstGeom>
+              <a:solidFill>
+                <a:srgbClr val="A9D18E"/>
+              </a:solidFill>
+              <a:ln w="28575">
+                <a:solidFill>
+                  <a:schemeClr val="accent6">
+                    <a:lumMod val="60000"/>
+                    <a:lumOff val="40000"/>
+                  </a:schemeClr>
+                </a:solidFill>
+              </a:ln>
+            </p:spPr>
+            <p:style>
+              <a:lnRef idx="2">
+                <a:schemeClr val="dk1"/>
+              </a:lnRef>
+              <a:fillRef idx="1">
+                <a:schemeClr val="lt1"/>
+              </a:fillRef>
+              <a:effectRef idx="0">
+                <a:schemeClr val="dk1"/>
+              </a:effectRef>
+              <a:fontRef idx="minor">
+                <a:schemeClr val="dk1"/>
+              </a:fontRef>
+            </p:style>
+            <p:txBody>
+              <a:bodyPr rtlCol="0" anchor="ctr"/>
+              <a:lstStyle/>
+              <a:p>
+                <a:pPr algn="ctr"/>
+                <a:r>
+                  <a:rPr lang="en-US" altLang="ko-KR" sz="1500" dirty="0">
+                    <a:solidFill>
+                      <a:schemeClr val="bg1"/>
+                    </a:solidFill>
+                  </a:rPr>
+                  <a:t>App</a:t>
+                </a:r>
+                <a:r>
+                  <a:rPr lang="ko-KR" altLang="en-US" sz="1500" dirty="0">
+                    <a:solidFill>
+                      <a:schemeClr val="bg1"/>
+                    </a:solidFill>
+                  </a:rPr>
+                  <a:t>실행</a:t>
+                </a:r>
+              </a:p>
+            </p:txBody>
+          </p:sp>
+          <p:sp>
+            <p:nvSpPr>
+              <p:cNvPr id="9" name="사각형: 둥근 모서리 8">
+                <a:extLst>
+                  <a:ext uri="{FF2B5EF4-FFF2-40B4-BE49-F238E27FC236}">
+                    <a16:creationId xmlns:a16="http://schemas.microsoft.com/office/drawing/2014/main" id="{34B866B7-98AE-4955-AEF3-6EA3C889DC8B}"/>
+                  </a:ext>
+                </a:extLst>
+              </p:cNvPr>
+              <p:cNvSpPr/>
+              <p:nvPr/>
+            </p:nvSpPr>
+            <p:spPr>
+              <a:xfrm>
+                <a:off x="5195463" y="1216395"/>
+                <a:ext cx="1065319" cy="559293"/>
+              </a:xfrm>
+              <a:prstGeom prst="roundRect">
+                <a:avLst/>
+              </a:prstGeom>
+              <a:solidFill>
+                <a:srgbClr val="A9D18E"/>
+              </a:solidFill>
+              <a:ln w="28575">
+                <a:solidFill>
+                  <a:schemeClr val="accent6">
+                    <a:lumMod val="60000"/>
+                    <a:lumOff val="40000"/>
+                  </a:schemeClr>
+                </a:solidFill>
+              </a:ln>
+            </p:spPr>
+            <p:style>
+              <a:lnRef idx="2">
+                <a:schemeClr val="dk1"/>
+              </a:lnRef>
+              <a:fillRef idx="1">
+                <a:schemeClr val="lt1"/>
+              </a:fillRef>
+              <a:effectRef idx="0">
+                <a:schemeClr val="dk1"/>
+              </a:effectRef>
+              <a:fontRef idx="minor">
+                <a:schemeClr val="dk1"/>
+              </a:fontRef>
+            </p:style>
+            <p:txBody>
+              <a:bodyPr rtlCol="0" anchor="ctr"/>
+              <a:lstStyle/>
+              <a:p>
+                <a:pPr algn="ctr"/>
+                <a:r>
+                  <a:rPr lang="en-US" altLang="ko-KR" sz="1500" dirty="0">
+                    <a:solidFill>
+                      <a:schemeClr val="bg1"/>
+                    </a:solidFill>
+                  </a:rPr>
+                  <a:t>Main</a:t>
+                </a:r>
+                <a:endParaRPr lang="ko-KR" altLang="en-US" sz="1500" dirty="0">
+                  <a:solidFill>
+                    <a:schemeClr val="bg1"/>
+                  </a:solidFill>
+                </a:endParaRPr>
+              </a:p>
+            </p:txBody>
+          </p:sp>
+          <p:sp>
+            <p:nvSpPr>
+              <p:cNvPr id="10" name="사각형: 둥근 모서리 9">
+                <a:extLst>
+                  <a:ext uri="{FF2B5EF4-FFF2-40B4-BE49-F238E27FC236}">
+                    <a16:creationId xmlns:a16="http://schemas.microsoft.com/office/drawing/2014/main" id="{1F0CB5CC-8408-4FDA-B91B-ABACF4C00CE7}"/>
+                  </a:ext>
+                </a:extLst>
+              </p:cNvPr>
+              <p:cNvSpPr/>
+              <p:nvPr/>
+            </p:nvSpPr>
+            <p:spPr>
+              <a:xfrm>
+                <a:off x="9258840" y="1216395"/>
+                <a:ext cx="1065319" cy="559293"/>
+              </a:xfrm>
+              <a:prstGeom prst="roundRect">
+                <a:avLst/>
+              </a:prstGeom>
+              <a:solidFill>
+                <a:srgbClr val="A9D18E"/>
+              </a:solidFill>
+              <a:ln w="28575">
+                <a:solidFill>
+                  <a:schemeClr val="accent6">
+                    <a:lumMod val="60000"/>
+                    <a:lumOff val="40000"/>
+                  </a:schemeClr>
+                </a:solidFill>
+              </a:ln>
+            </p:spPr>
+            <p:style>
+              <a:lnRef idx="2">
+                <a:schemeClr val="dk1"/>
+              </a:lnRef>
+              <a:fillRef idx="1">
+                <a:schemeClr val="lt1"/>
+              </a:fillRef>
+              <a:effectRef idx="0">
+                <a:schemeClr val="dk1"/>
+              </a:effectRef>
+              <a:fontRef idx="minor">
+                <a:schemeClr val="dk1"/>
+              </a:fontRef>
+            </p:style>
+            <p:txBody>
+              <a:bodyPr rtlCol="0" anchor="ctr"/>
+              <a:lstStyle/>
+              <a:p>
+                <a:pPr algn="ctr"/>
+                <a:r>
+                  <a:rPr lang="ko-KR" altLang="en-US" sz="1500" dirty="0">
+                    <a:solidFill>
+                      <a:schemeClr val="bg1"/>
+                    </a:solidFill>
+                  </a:rPr>
+                  <a:t>파일관리</a:t>
+                </a:r>
+              </a:p>
+            </p:txBody>
+          </p:sp>
+          <p:sp>
+            <p:nvSpPr>
+              <p:cNvPr id="11" name="사각형: 둥근 모서리 10">
+                <a:extLst>
+                  <a:ext uri="{FF2B5EF4-FFF2-40B4-BE49-F238E27FC236}">
+                    <a16:creationId xmlns:a16="http://schemas.microsoft.com/office/drawing/2014/main" id="{621674C8-FA2A-4920-9826-2FF24CD83F1F}"/>
+                  </a:ext>
+                </a:extLst>
+              </p:cNvPr>
+              <p:cNvSpPr/>
+              <p:nvPr/>
+            </p:nvSpPr>
+            <p:spPr>
+              <a:xfrm>
+                <a:off x="5195462" y="2340160"/>
+                <a:ext cx="1065319" cy="559293"/>
+              </a:xfrm>
+              <a:prstGeom prst="roundRect">
+                <a:avLst/>
+              </a:prstGeom>
+              <a:ln w="28575">
+                <a:solidFill>
+                  <a:schemeClr val="accent6">
+                    <a:lumMod val="60000"/>
+                    <a:lumOff val="40000"/>
+                  </a:schemeClr>
+                </a:solidFill>
+              </a:ln>
+            </p:spPr>
+            <p:style>
+              <a:lnRef idx="2">
+                <a:schemeClr val="dk1"/>
+              </a:lnRef>
+              <a:fillRef idx="1">
+                <a:schemeClr val="lt1"/>
+              </a:fillRef>
+              <a:effectRef idx="0">
+                <a:schemeClr val="dk1"/>
+              </a:effectRef>
+              <a:fontRef idx="minor">
+                <a:schemeClr val="dk1"/>
+              </a:fontRef>
+            </p:style>
+            <p:txBody>
+              <a:bodyPr rtlCol="0" anchor="ctr"/>
+              <a:lstStyle/>
+              <a:p>
+                <a:pPr algn="ctr"/>
+                <a:r>
+                  <a:rPr lang="ko-KR" altLang="en-US" sz="1400" dirty="0"/>
+                  <a:t>현재 </a:t>
+                </a:r>
+                <a:endParaRPr lang="en-US" altLang="ko-KR" sz="1400" dirty="0"/>
+              </a:p>
+              <a:p>
+                <a:pPr algn="ctr"/>
+                <a:r>
+                  <a:rPr lang="ko-KR" altLang="en-US" sz="1400" dirty="0"/>
+                  <a:t>텍스트</a:t>
+                </a:r>
+              </a:p>
+            </p:txBody>
+          </p:sp>
+          <p:sp>
+            <p:nvSpPr>
+              <p:cNvPr id="12" name="사각형: 둥근 모서리 11">
+                <a:extLst>
+                  <a:ext uri="{FF2B5EF4-FFF2-40B4-BE49-F238E27FC236}">
+                    <a16:creationId xmlns:a16="http://schemas.microsoft.com/office/drawing/2014/main" id="{C1D42E85-D3E9-4AE3-B703-44893BA7F91E}"/>
+                  </a:ext>
+                </a:extLst>
+              </p:cNvPr>
+              <p:cNvSpPr/>
+              <p:nvPr/>
+            </p:nvSpPr>
+            <p:spPr>
+              <a:xfrm>
+                <a:off x="5195461" y="3229751"/>
+                <a:ext cx="1065319" cy="559293"/>
+              </a:xfrm>
+              <a:prstGeom prst="roundRect">
+                <a:avLst/>
+              </a:prstGeom>
+              <a:ln w="28575">
+                <a:solidFill>
+                  <a:schemeClr val="accent6">
+                    <a:lumMod val="60000"/>
+                    <a:lumOff val="40000"/>
+                  </a:schemeClr>
+                </a:solidFill>
+              </a:ln>
+            </p:spPr>
+            <p:style>
+              <a:lnRef idx="2">
+                <a:schemeClr val="dk1"/>
+              </a:lnRef>
+              <a:fillRef idx="1">
+                <a:schemeClr val="lt1"/>
+              </a:fillRef>
+              <a:effectRef idx="0">
+                <a:schemeClr val="dk1"/>
+              </a:effectRef>
+              <a:fontRef idx="minor">
+                <a:schemeClr val="dk1"/>
+              </a:fontRef>
+            </p:style>
+            <p:txBody>
+              <a:bodyPr rtlCol="0" anchor="ctr"/>
+              <a:lstStyle/>
+              <a:p>
+                <a:pPr algn="ctr"/>
+                <a:r>
+                  <a:rPr lang="ko-KR" altLang="en-US" sz="1400" dirty="0"/>
+                  <a:t>녹음 시작</a:t>
+                </a:r>
+              </a:p>
+            </p:txBody>
+          </p:sp>
+          <p:sp>
+            <p:nvSpPr>
+              <p:cNvPr id="13" name="사각형: 둥근 모서리 12">
+                <a:extLst>
+                  <a:ext uri="{FF2B5EF4-FFF2-40B4-BE49-F238E27FC236}">
+                    <a16:creationId xmlns:a16="http://schemas.microsoft.com/office/drawing/2014/main" id="{A754AA36-FE50-4851-8F72-9DD2220AC62D}"/>
+                  </a:ext>
+                </a:extLst>
+              </p:cNvPr>
+              <p:cNvSpPr/>
+              <p:nvPr/>
+            </p:nvSpPr>
+            <p:spPr>
+              <a:xfrm>
+                <a:off x="5195461" y="4124521"/>
+                <a:ext cx="1065319" cy="559293"/>
+              </a:xfrm>
+              <a:prstGeom prst="roundRect">
+                <a:avLst/>
+              </a:prstGeom>
+              <a:ln w="28575">
+                <a:solidFill>
+                  <a:schemeClr val="accent6">
+                    <a:lumMod val="60000"/>
+                    <a:lumOff val="40000"/>
+                  </a:schemeClr>
+                </a:solidFill>
+              </a:ln>
+            </p:spPr>
+            <p:style>
+              <a:lnRef idx="2">
+                <a:schemeClr val="dk1"/>
+              </a:lnRef>
+              <a:fillRef idx="1">
+                <a:schemeClr val="lt1"/>
+              </a:fillRef>
+              <a:effectRef idx="0">
+                <a:schemeClr val="dk1"/>
+              </a:effectRef>
+              <a:fontRef idx="minor">
+                <a:schemeClr val="dk1"/>
+              </a:fontRef>
+            </p:style>
+            <p:txBody>
+              <a:bodyPr rtlCol="0" anchor="ctr"/>
+              <a:lstStyle/>
+              <a:p>
+                <a:pPr algn="ctr"/>
+                <a:r>
+                  <a:rPr lang="ko-KR" altLang="en-US" sz="1400" dirty="0"/>
+                  <a:t>녹음 종료</a:t>
+                </a:r>
+              </a:p>
+            </p:txBody>
+          </p:sp>
+          <p:sp>
+            <p:nvSpPr>
+              <p:cNvPr id="23" name="TextBox 22">
+                <a:extLst>
+                  <a:ext uri="{FF2B5EF4-FFF2-40B4-BE49-F238E27FC236}">
+                    <a16:creationId xmlns:a16="http://schemas.microsoft.com/office/drawing/2014/main" id="{5BFBF287-BEEE-4B56-AC70-88B284A38615}"/>
+                  </a:ext>
+                </a:extLst>
+              </p:cNvPr>
+              <p:cNvSpPr txBox="1"/>
+              <p:nvPr/>
+            </p:nvSpPr>
+            <p:spPr>
+              <a:xfrm>
+                <a:off x="6317707" y="2306117"/>
+                <a:ext cx="1265848" cy="276999"/>
+              </a:xfrm>
+              <a:prstGeom prst="rect">
+                <a:avLst/>
+              </a:prstGeom>
+              <a:noFill/>
+            </p:spPr>
+            <p:txBody>
+              <a:bodyPr wrap="square" rtlCol="0">
+                <a:spAutoFit/>
+              </a:bodyPr>
+              <a:lstStyle/>
+              <a:p>
+                <a:r>
+                  <a:rPr lang="ko-KR" altLang="en-US" sz="1200" dirty="0"/>
+                  <a:t>텍스트 생성</a:t>
+                </a:r>
+              </a:p>
+            </p:txBody>
+          </p:sp>
+          <p:cxnSp>
+            <p:nvCxnSpPr>
+              <p:cNvPr id="28" name="연결선: 꺾임 27">
+                <a:extLst>
+                  <a:ext uri="{FF2B5EF4-FFF2-40B4-BE49-F238E27FC236}">
+                    <a16:creationId xmlns:a16="http://schemas.microsoft.com/office/drawing/2014/main" id="{4926DB29-3581-4F22-BC9F-7919B323157F}"/>
+                  </a:ext>
+                </a:extLst>
+              </p:cNvPr>
+              <p:cNvCxnSpPr>
+                <a:cxnSpLocks/>
+                <a:stCxn id="12" idx="3"/>
+                <a:endCxn id="11" idx="3"/>
+              </p:cNvCxnSpPr>
+              <p:nvPr/>
+            </p:nvCxnSpPr>
+            <p:spPr>
+              <a:xfrm flipV="1">
+                <a:off x="6260780" y="2619807"/>
+                <a:ext cx="1" cy="889591"/>
+              </a:xfrm>
+              <a:prstGeom prst="bentConnector3">
+                <a:avLst>
+                  <a:gd name="adj1" fmla="val 22860100000"/>
+                </a:avLst>
+              </a:prstGeom>
+              <a:ln w="22225">
+                <a:solidFill>
+                  <a:srgbClr val="A9D18E"/>
+                </a:solidFill>
+                <a:tailEnd type="triangle"/>
+              </a:ln>
+            </p:spPr>
+            <p:style>
+              <a:lnRef idx="1">
+                <a:schemeClr val="accent1"/>
+              </a:lnRef>
+              <a:fillRef idx="0">
+                <a:schemeClr val="accent1"/>
+              </a:fillRef>
+              <a:effectRef idx="0">
+                <a:schemeClr val="accent1"/>
+              </a:effectRef>
+              <a:fontRef idx="minor">
+                <a:schemeClr val="tx1"/>
+              </a:fontRef>
+            </p:style>
+          </p:cxnSp>
+          <p:cxnSp>
+            <p:nvCxnSpPr>
+              <p:cNvPr id="31" name="연결선: 꺾임 30">
+                <a:extLst>
+                  <a:ext uri="{FF2B5EF4-FFF2-40B4-BE49-F238E27FC236}">
+                    <a16:creationId xmlns:a16="http://schemas.microsoft.com/office/drawing/2014/main" id="{0627E646-EFE7-46FE-968C-32CD76BDF771}"/>
+                  </a:ext>
+                </a:extLst>
+              </p:cNvPr>
+              <p:cNvCxnSpPr>
+                <a:cxnSpLocks/>
+                <a:stCxn id="13" idx="3"/>
+                <a:endCxn id="57" idx="1"/>
+              </p:cNvCxnSpPr>
+              <p:nvPr/>
+            </p:nvCxnSpPr>
+            <p:spPr>
+              <a:xfrm flipV="1">
+                <a:off x="6260780" y="4113473"/>
+                <a:ext cx="689851" cy="290695"/>
+              </a:xfrm>
+              <a:prstGeom prst="bentConnector3">
+                <a:avLst>
+                  <a:gd name="adj1" fmla="val 50000"/>
+                </a:avLst>
+              </a:prstGeom>
+              <a:ln w="22225">
+                <a:solidFill>
+                  <a:srgbClr val="A9D18E"/>
+                </a:solidFill>
+                <a:tailEnd type="triangle"/>
+              </a:ln>
+            </p:spPr>
+            <p:style>
+              <a:lnRef idx="1">
+                <a:schemeClr val="accent1"/>
+              </a:lnRef>
+              <a:fillRef idx="0">
+                <a:schemeClr val="accent1"/>
+              </a:fillRef>
+              <a:effectRef idx="0">
+                <a:schemeClr val="accent1"/>
+              </a:effectRef>
+              <a:fontRef idx="minor">
+                <a:schemeClr val="tx1"/>
+              </a:fontRef>
+            </p:style>
+          </p:cxnSp>
+          <p:cxnSp>
+            <p:nvCxnSpPr>
+              <p:cNvPr id="41" name="직선 연결선 40">
+                <a:extLst>
+                  <a:ext uri="{FF2B5EF4-FFF2-40B4-BE49-F238E27FC236}">
+                    <a16:creationId xmlns:a16="http://schemas.microsoft.com/office/drawing/2014/main" id="{90950D53-D757-4363-8B54-3DB0AA262FFD}"/>
+                  </a:ext>
+                </a:extLst>
+              </p:cNvPr>
+              <p:cNvCxnSpPr>
+                <a:cxnSpLocks/>
+                <a:stCxn id="9" idx="2"/>
+                <a:endCxn id="11" idx="0"/>
+              </p:cNvCxnSpPr>
+              <p:nvPr/>
+            </p:nvCxnSpPr>
+            <p:spPr>
+              <a:xfrm flipH="1">
+                <a:off x="5728122" y="1775688"/>
+                <a:ext cx="1" cy="564472"/>
+              </a:xfrm>
+              <a:prstGeom prst="line">
+                <a:avLst/>
+              </a:prstGeom>
+              <a:ln w="25400">
+                <a:solidFill>
+                  <a:srgbClr val="A9D18E">
+                    <a:alpha val="99000"/>
+                  </a:srgbClr>
+                </a:solidFill>
+              </a:ln>
+            </p:spPr>
+            <p:style>
+              <a:lnRef idx="1">
+                <a:schemeClr val="accent1"/>
+              </a:lnRef>
+              <a:fillRef idx="0">
+                <a:schemeClr val="accent1"/>
+              </a:fillRef>
+              <a:effectRef idx="0">
+                <a:schemeClr val="accent1"/>
+              </a:effectRef>
+              <a:fontRef idx="minor">
+                <a:schemeClr val="tx1"/>
+              </a:fontRef>
+            </p:style>
+          </p:cxnSp>
+          <p:sp>
+            <p:nvSpPr>
+              <p:cNvPr id="44" name="사각형: 둥근 모서리 43">
+                <a:extLst>
+                  <a:ext uri="{FF2B5EF4-FFF2-40B4-BE49-F238E27FC236}">
+                    <a16:creationId xmlns:a16="http://schemas.microsoft.com/office/drawing/2014/main" id="{E07FA82A-8EE2-4BA8-B00C-C002498AB616}"/>
+                  </a:ext>
+                </a:extLst>
+              </p:cNvPr>
+              <p:cNvSpPr/>
+              <p:nvPr/>
+            </p:nvSpPr>
+            <p:spPr>
+              <a:xfrm>
+                <a:off x="9258839" y="2340160"/>
+                <a:ext cx="1065319" cy="559293"/>
+              </a:xfrm>
+              <a:prstGeom prst="roundRect">
+                <a:avLst/>
+              </a:prstGeom>
+              <a:ln w="28575">
+                <a:solidFill>
+                  <a:schemeClr val="accent6">
+                    <a:lumMod val="60000"/>
+                    <a:lumOff val="40000"/>
+                  </a:schemeClr>
+                </a:solidFill>
+              </a:ln>
+            </p:spPr>
+            <p:style>
+              <a:lnRef idx="2">
+                <a:schemeClr val="dk1"/>
+              </a:lnRef>
+              <a:fillRef idx="1">
+                <a:schemeClr val="lt1"/>
+              </a:fillRef>
+              <a:effectRef idx="0">
+                <a:schemeClr val="dk1"/>
+              </a:effectRef>
+              <a:fontRef idx="minor">
+                <a:schemeClr val="dk1"/>
+              </a:fontRef>
+            </p:style>
+            <p:txBody>
+              <a:bodyPr rtlCol="0" anchor="ctr"/>
+              <a:lstStyle/>
+              <a:p>
+                <a:pPr algn="ctr"/>
+                <a:r>
+                  <a:rPr lang="ko-KR" altLang="en-US" sz="1400" dirty="0"/>
+                  <a:t>파일 목록</a:t>
+                </a:r>
+              </a:p>
+            </p:txBody>
+          </p:sp>
+          <p:sp>
+            <p:nvSpPr>
+              <p:cNvPr id="57" name="사각형: 둥근 모서리 56">
+                <a:extLst>
+                  <a:ext uri="{FF2B5EF4-FFF2-40B4-BE49-F238E27FC236}">
+                    <a16:creationId xmlns:a16="http://schemas.microsoft.com/office/drawing/2014/main" id="{DD90CC3D-11F1-426D-AB6B-2BD3C89C1964}"/>
+                  </a:ext>
+                </a:extLst>
+              </p:cNvPr>
+              <p:cNvSpPr/>
+              <p:nvPr/>
+            </p:nvSpPr>
+            <p:spPr>
+              <a:xfrm>
+                <a:off x="6950631" y="3833826"/>
+                <a:ext cx="1065319" cy="559293"/>
+              </a:xfrm>
+              <a:prstGeom prst="roundRect">
+                <a:avLst/>
+              </a:prstGeom>
+              <a:ln w="28575">
+                <a:solidFill>
+                  <a:schemeClr val="accent6">
+                    <a:lumMod val="60000"/>
+                    <a:lumOff val="40000"/>
+                  </a:schemeClr>
+                </a:solidFill>
+              </a:ln>
+            </p:spPr>
+            <p:style>
+              <a:lnRef idx="2">
+                <a:schemeClr val="dk1"/>
+              </a:lnRef>
+              <a:fillRef idx="1">
+                <a:schemeClr val="lt1"/>
+              </a:fillRef>
+              <a:effectRef idx="0">
+                <a:schemeClr val="dk1"/>
+              </a:effectRef>
+              <a:fontRef idx="minor">
+                <a:schemeClr val="dk1"/>
+              </a:fontRef>
+            </p:style>
+            <p:txBody>
+              <a:bodyPr rtlCol="0" anchor="ctr"/>
+              <a:lstStyle/>
+              <a:p>
+                <a:pPr algn="ctr"/>
+                <a:r>
+                  <a:rPr lang="ko-KR" altLang="en-US" sz="1400"/>
+                  <a:t>파일 저장</a:t>
+                </a:r>
+                <a:endParaRPr lang="ko-KR" altLang="en-US" sz="1400" dirty="0"/>
+              </a:p>
+            </p:txBody>
+          </p:sp>
+          <p:cxnSp>
+            <p:nvCxnSpPr>
+              <p:cNvPr id="58" name="직선 연결선 57">
+                <a:extLst>
+                  <a:ext uri="{FF2B5EF4-FFF2-40B4-BE49-F238E27FC236}">
+                    <a16:creationId xmlns:a16="http://schemas.microsoft.com/office/drawing/2014/main" id="{90D52DC5-8B51-4077-B557-829AEC4966E3}"/>
+                  </a:ext>
+                </a:extLst>
+              </p:cNvPr>
+              <p:cNvCxnSpPr>
+                <a:cxnSpLocks/>
+                <a:stCxn id="11" idx="2"/>
+                <a:endCxn id="12" idx="0"/>
+              </p:cNvCxnSpPr>
+              <p:nvPr/>
+            </p:nvCxnSpPr>
+            <p:spPr>
+              <a:xfrm flipH="1">
+                <a:off x="5728121" y="2899453"/>
+                <a:ext cx="1" cy="330298"/>
+              </a:xfrm>
+              <a:prstGeom prst="line">
+                <a:avLst/>
+              </a:prstGeom>
+              <a:ln w="25400">
+                <a:solidFill>
+                  <a:srgbClr val="A9D18E">
+                    <a:alpha val="99000"/>
+                  </a:srgbClr>
+                </a:solidFill>
+              </a:ln>
+            </p:spPr>
+            <p:style>
+              <a:lnRef idx="1">
+                <a:schemeClr val="accent1"/>
+              </a:lnRef>
+              <a:fillRef idx="0">
+                <a:schemeClr val="accent1"/>
+              </a:fillRef>
+              <a:effectRef idx="0">
+                <a:schemeClr val="accent1"/>
+              </a:effectRef>
+              <a:fontRef idx="minor">
+                <a:schemeClr val="tx1"/>
+              </a:fontRef>
+            </p:style>
+          </p:cxnSp>
+          <p:cxnSp>
+            <p:nvCxnSpPr>
+              <p:cNvPr id="61" name="직선 연결선 60">
+                <a:extLst>
+                  <a:ext uri="{FF2B5EF4-FFF2-40B4-BE49-F238E27FC236}">
+                    <a16:creationId xmlns:a16="http://schemas.microsoft.com/office/drawing/2014/main" id="{CB85AAE1-1F2D-49BF-B8E2-42D661BD2D38}"/>
+                  </a:ext>
+                </a:extLst>
+              </p:cNvPr>
+              <p:cNvCxnSpPr>
+                <a:cxnSpLocks/>
+                <a:stCxn id="12" idx="2"/>
+                <a:endCxn id="13" idx="0"/>
+              </p:cNvCxnSpPr>
+              <p:nvPr/>
+            </p:nvCxnSpPr>
+            <p:spPr>
+              <a:xfrm>
+                <a:off x="5728121" y="3789044"/>
+                <a:ext cx="0" cy="335477"/>
+              </a:xfrm>
+              <a:prstGeom prst="line">
+                <a:avLst/>
+              </a:prstGeom>
+              <a:ln w="25400">
+                <a:solidFill>
+                  <a:srgbClr val="A9D18E">
+                    <a:alpha val="99000"/>
+                  </a:srgbClr>
+                </a:solidFill>
+              </a:ln>
+            </p:spPr>
+            <p:style>
+              <a:lnRef idx="1">
+                <a:schemeClr val="accent1"/>
+              </a:lnRef>
+              <a:fillRef idx="0">
+                <a:schemeClr val="accent1"/>
+              </a:fillRef>
+              <a:effectRef idx="0">
+                <a:schemeClr val="accent1"/>
+              </a:effectRef>
+              <a:fontRef idx="minor">
+                <a:schemeClr val="tx1"/>
+              </a:fontRef>
+            </p:style>
+          </p:cxnSp>
+          <p:cxnSp>
+            <p:nvCxnSpPr>
+              <p:cNvPr id="69" name="연결선: 꺾임 68">
+                <a:extLst>
+                  <a:ext uri="{FF2B5EF4-FFF2-40B4-BE49-F238E27FC236}">
+                    <a16:creationId xmlns:a16="http://schemas.microsoft.com/office/drawing/2014/main" id="{0FC79AAF-2830-4DAC-8B44-13607EB374CE}"/>
+                  </a:ext>
+                </a:extLst>
+              </p:cNvPr>
+              <p:cNvCxnSpPr>
+                <a:cxnSpLocks/>
+                <a:stCxn id="57" idx="3"/>
+                <a:endCxn id="44" idx="1"/>
+              </p:cNvCxnSpPr>
+              <p:nvPr/>
+            </p:nvCxnSpPr>
+            <p:spPr>
+              <a:xfrm flipV="1">
+                <a:off x="8015950" y="2619807"/>
+                <a:ext cx="1242889" cy="1493666"/>
+              </a:xfrm>
+              <a:prstGeom prst="bentConnector3">
+                <a:avLst>
+                  <a:gd name="adj1" fmla="val 50000"/>
+                </a:avLst>
+              </a:prstGeom>
+              <a:ln w="22225">
+                <a:solidFill>
+                  <a:srgbClr val="A9D18E"/>
+                </a:solidFill>
+                <a:tailEnd type="triangle"/>
+              </a:ln>
+            </p:spPr>
+            <p:style>
+              <a:lnRef idx="1">
+                <a:schemeClr val="accent1"/>
+              </a:lnRef>
+              <a:fillRef idx="0">
+                <a:schemeClr val="accent1"/>
+              </a:fillRef>
+              <a:effectRef idx="0">
+                <a:schemeClr val="accent1"/>
+              </a:effectRef>
+              <a:fontRef idx="minor">
+                <a:schemeClr val="tx1"/>
+              </a:fontRef>
+            </p:style>
+          </p:cxnSp>
+          <p:cxnSp>
+            <p:nvCxnSpPr>
+              <p:cNvPr id="73" name="직선 연결선 72">
+                <a:extLst>
+                  <a:ext uri="{FF2B5EF4-FFF2-40B4-BE49-F238E27FC236}">
+                    <a16:creationId xmlns:a16="http://schemas.microsoft.com/office/drawing/2014/main" id="{E5B0C906-B26A-49BB-A176-A6A8E2ABB999}"/>
+                  </a:ext>
+                </a:extLst>
+              </p:cNvPr>
+              <p:cNvCxnSpPr>
+                <a:cxnSpLocks/>
+                <a:stCxn id="10" idx="2"/>
+                <a:endCxn id="44" idx="0"/>
+              </p:cNvCxnSpPr>
+              <p:nvPr/>
+            </p:nvCxnSpPr>
+            <p:spPr>
+              <a:xfrm flipH="1">
+                <a:off x="9791499" y="1775688"/>
+                <a:ext cx="1" cy="564472"/>
+              </a:xfrm>
+              <a:prstGeom prst="line">
+                <a:avLst/>
+              </a:prstGeom>
+              <a:ln w="25400">
+                <a:solidFill>
+                  <a:srgbClr val="A9D18E">
+                    <a:alpha val="99000"/>
+                  </a:srgbClr>
+                </a:solidFill>
+              </a:ln>
+            </p:spPr>
+            <p:style>
+              <a:lnRef idx="1">
+                <a:schemeClr val="accent1"/>
+              </a:lnRef>
+              <a:fillRef idx="0">
+                <a:schemeClr val="accent1"/>
+              </a:fillRef>
+              <a:effectRef idx="0">
+                <a:schemeClr val="accent1"/>
+              </a:effectRef>
+              <a:fontRef idx="minor">
+                <a:schemeClr val="tx1"/>
+              </a:fontRef>
+            </p:style>
+          </p:cxnSp>
+          <p:sp>
+            <p:nvSpPr>
+              <p:cNvPr id="76" name="사각형: 둥근 모서리 75">
+                <a:extLst>
+                  <a:ext uri="{FF2B5EF4-FFF2-40B4-BE49-F238E27FC236}">
+                    <a16:creationId xmlns:a16="http://schemas.microsoft.com/office/drawing/2014/main" id="{AE1A383E-1B83-4B9D-B224-170C41ECDA70}"/>
+                  </a:ext>
+                </a:extLst>
+              </p:cNvPr>
+              <p:cNvSpPr/>
+              <p:nvPr/>
+            </p:nvSpPr>
+            <p:spPr>
+              <a:xfrm>
+                <a:off x="9258839" y="3220887"/>
+                <a:ext cx="1065319" cy="559293"/>
+              </a:xfrm>
+              <a:prstGeom prst="roundRect">
+                <a:avLst/>
+              </a:prstGeom>
+              <a:ln w="28575">
+                <a:solidFill>
+                  <a:schemeClr val="accent6">
+                    <a:lumMod val="60000"/>
+                    <a:lumOff val="40000"/>
+                  </a:schemeClr>
+                </a:solidFill>
+              </a:ln>
+            </p:spPr>
+            <p:style>
+              <a:lnRef idx="2">
+                <a:schemeClr val="dk1"/>
+              </a:lnRef>
+              <a:fillRef idx="1">
+                <a:schemeClr val="lt1"/>
+              </a:fillRef>
+              <a:effectRef idx="0">
+                <a:schemeClr val="dk1"/>
+              </a:effectRef>
+              <a:fontRef idx="minor">
+                <a:schemeClr val="dk1"/>
+              </a:fontRef>
+            </p:style>
+            <p:txBody>
+              <a:bodyPr rtlCol="0" anchor="ctr"/>
+              <a:lstStyle/>
+              <a:p>
+                <a:pPr algn="ctr"/>
+                <a:r>
+                  <a:rPr lang="ko-KR" altLang="en-US" sz="1400" dirty="0"/>
+                  <a:t>파일 수정</a:t>
+                </a:r>
+              </a:p>
+            </p:txBody>
+          </p:sp>
+          <p:sp>
+            <p:nvSpPr>
+              <p:cNvPr id="77" name="사각형: 둥근 모서리 76">
+                <a:extLst>
+                  <a:ext uri="{FF2B5EF4-FFF2-40B4-BE49-F238E27FC236}">
+                    <a16:creationId xmlns:a16="http://schemas.microsoft.com/office/drawing/2014/main" id="{DBB29CDB-3720-4580-A531-04D7B61998D1}"/>
+                  </a:ext>
+                </a:extLst>
+              </p:cNvPr>
+              <p:cNvSpPr/>
+              <p:nvPr/>
+            </p:nvSpPr>
+            <p:spPr>
+              <a:xfrm>
+                <a:off x="9258839" y="4124521"/>
+                <a:ext cx="1065319" cy="559293"/>
+              </a:xfrm>
+              <a:prstGeom prst="roundRect">
+                <a:avLst/>
+              </a:prstGeom>
+              <a:ln w="28575">
+                <a:solidFill>
+                  <a:schemeClr val="accent6">
+                    <a:lumMod val="60000"/>
+                    <a:lumOff val="40000"/>
+                  </a:schemeClr>
+                </a:solidFill>
+              </a:ln>
+            </p:spPr>
+            <p:style>
+              <a:lnRef idx="2">
+                <a:schemeClr val="dk1"/>
+              </a:lnRef>
+              <a:fillRef idx="1">
+                <a:schemeClr val="lt1"/>
+              </a:fillRef>
+              <a:effectRef idx="0">
+                <a:schemeClr val="dk1"/>
+              </a:effectRef>
+              <a:fontRef idx="minor">
+                <a:schemeClr val="dk1"/>
+              </a:fontRef>
+            </p:style>
+            <p:txBody>
+              <a:bodyPr rtlCol="0" anchor="ctr"/>
+              <a:lstStyle/>
+              <a:p>
+                <a:pPr algn="ctr"/>
+                <a:r>
+                  <a:rPr lang="ko-KR" altLang="en-US" sz="1400" dirty="0"/>
+                  <a:t>파일 공유</a:t>
+                </a:r>
+              </a:p>
+            </p:txBody>
+          </p:sp>
+          <p:cxnSp>
+            <p:nvCxnSpPr>
+              <p:cNvPr id="78" name="직선 연결선 77">
+                <a:extLst>
+                  <a:ext uri="{FF2B5EF4-FFF2-40B4-BE49-F238E27FC236}">
+                    <a16:creationId xmlns:a16="http://schemas.microsoft.com/office/drawing/2014/main" id="{D3C047A1-B3A6-47B3-86F0-5E653EC6F6AD}"/>
+                  </a:ext>
+                </a:extLst>
+              </p:cNvPr>
+              <p:cNvCxnSpPr>
+                <a:cxnSpLocks/>
+                <a:stCxn id="44" idx="2"/>
+                <a:endCxn id="76" idx="0"/>
+              </p:cNvCxnSpPr>
+              <p:nvPr/>
+            </p:nvCxnSpPr>
+            <p:spPr>
+              <a:xfrm>
+                <a:off x="9791499" y="2899453"/>
+                <a:ext cx="0" cy="321434"/>
+              </a:xfrm>
+              <a:prstGeom prst="line">
+                <a:avLst/>
+              </a:prstGeom>
+              <a:ln w="25400">
+                <a:solidFill>
+                  <a:srgbClr val="A9D18E">
+                    <a:alpha val="99000"/>
+                  </a:srgbClr>
+                </a:solidFill>
+              </a:ln>
+            </p:spPr>
+            <p:style>
+              <a:lnRef idx="1">
+                <a:schemeClr val="accent1"/>
+              </a:lnRef>
+              <a:fillRef idx="0">
+                <a:schemeClr val="accent1"/>
+              </a:fillRef>
+              <a:effectRef idx="0">
+                <a:schemeClr val="accent1"/>
+              </a:effectRef>
+              <a:fontRef idx="minor">
+                <a:schemeClr val="tx1"/>
+              </a:fontRef>
+            </p:style>
+          </p:cxnSp>
+          <p:cxnSp>
+            <p:nvCxnSpPr>
+              <p:cNvPr id="81" name="직선 연결선 80">
+                <a:extLst>
+                  <a:ext uri="{FF2B5EF4-FFF2-40B4-BE49-F238E27FC236}">
+                    <a16:creationId xmlns:a16="http://schemas.microsoft.com/office/drawing/2014/main" id="{EFCFC585-CEA3-4AF8-9C05-AFDB3CF8E2C1}"/>
+                  </a:ext>
+                </a:extLst>
+              </p:cNvPr>
+              <p:cNvCxnSpPr>
+                <a:cxnSpLocks/>
+                <a:stCxn id="77" idx="0"/>
+                <a:endCxn id="76" idx="2"/>
+              </p:cNvCxnSpPr>
+              <p:nvPr/>
+            </p:nvCxnSpPr>
+            <p:spPr>
+              <a:xfrm flipV="1">
+                <a:off x="9791499" y="3780180"/>
+                <a:ext cx="0" cy="344341"/>
+              </a:xfrm>
+              <a:prstGeom prst="line">
+                <a:avLst/>
+              </a:prstGeom>
+              <a:ln w="25400">
+                <a:solidFill>
+                  <a:srgbClr val="A9D18E">
+                    <a:alpha val="99000"/>
+                  </a:srgbClr>
+                </a:solidFill>
+              </a:ln>
+            </p:spPr>
+            <p:style>
+              <a:lnRef idx="1">
+                <a:schemeClr val="accent1"/>
+              </a:lnRef>
+              <a:fillRef idx="0">
+                <a:schemeClr val="accent1"/>
+              </a:fillRef>
+              <a:effectRef idx="0">
+                <a:schemeClr val="accent1"/>
+              </a:effectRef>
+              <a:fontRef idx="minor">
+                <a:schemeClr val="tx1"/>
+              </a:fontRef>
+            </p:style>
+          </p:cxnSp>
+          <p:cxnSp>
+            <p:nvCxnSpPr>
+              <p:cNvPr id="84" name="연결선: 꺾임 83">
+                <a:extLst>
+                  <a:ext uri="{FF2B5EF4-FFF2-40B4-BE49-F238E27FC236}">
+                    <a16:creationId xmlns:a16="http://schemas.microsoft.com/office/drawing/2014/main" id="{E1957F4B-851F-477B-A84D-22CEF18F7F65}"/>
+                  </a:ext>
+                </a:extLst>
+              </p:cNvPr>
+              <p:cNvCxnSpPr>
+                <a:cxnSpLocks/>
+                <a:endCxn id="57" idx="0"/>
+              </p:cNvCxnSpPr>
+              <p:nvPr/>
+            </p:nvCxnSpPr>
+            <p:spPr>
+              <a:xfrm>
+                <a:off x="6260780" y="2799233"/>
+                <a:ext cx="1222511" cy="1034593"/>
+              </a:xfrm>
+              <a:prstGeom prst="bentConnector2">
+                <a:avLst/>
+              </a:prstGeom>
+              <a:ln w="22225">
+                <a:solidFill>
+                  <a:srgbClr val="A9D18E"/>
+                </a:solidFill>
+                <a:tailEnd type="triangle"/>
+              </a:ln>
+            </p:spPr>
+            <p:style>
+              <a:lnRef idx="1">
+                <a:schemeClr val="accent1"/>
+              </a:lnRef>
+              <a:fillRef idx="0">
+                <a:schemeClr val="accent1"/>
+              </a:fillRef>
+              <a:effectRef idx="0">
+                <a:schemeClr val="accent1"/>
+              </a:effectRef>
+              <a:fontRef idx="minor">
+                <a:schemeClr val="tx1"/>
+              </a:fontRef>
+            </p:style>
+          </p:cxnSp>
+          <p:sp>
+            <p:nvSpPr>
+              <p:cNvPr id="88" name="사각형: 둥근 모서리 87">
+                <a:extLst>
+                  <a:ext uri="{FF2B5EF4-FFF2-40B4-BE49-F238E27FC236}">
+                    <a16:creationId xmlns:a16="http://schemas.microsoft.com/office/drawing/2014/main" id="{4F729779-2B20-4D13-AA81-B76AD5880837}"/>
+                  </a:ext>
+                </a:extLst>
+              </p:cNvPr>
+              <p:cNvSpPr/>
+              <p:nvPr/>
+            </p:nvSpPr>
+            <p:spPr>
+              <a:xfrm>
+                <a:off x="5195460" y="5009753"/>
+                <a:ext cx="1065319" cy="559293"/>
+              </a:xfrm>
+              <a:prstGeom prst="roundRect">
+                <a:avLst/>
+              </a:prstGeom>
+              <a:ln w="28575">
+                <a:solidFill>
+                  <a:schemeClr val="accent6">
+                    <a:lumMod val="60000"/>
+                    <a:lumOff val="40000"/>
+                  </a:schemeClr>
+                </a:solidFill>
+              </a:ln>
+            </p:spPr>
+            <p:style>
+              <a:lnRef idx="2">
+                <a:schemeClr val="dk1"/>
+              </a:lnRef>
+              <a:fillRef idx="1">
+                <a:schemeClr val="lt1"/>
+              </a:fillRef>
+              <a:effectRef idx="0">
+                <a:schemeClr val="dk1"/>
+              </a:effectRef>
+              <a:fontRef idx="minor">
+                <a:schemeClr val="dk1"/>
+              </a:fontRef>
+            </p:style>
+            <p:txBody>
+              <a:bodyPr rtlCol="0" anchor="ctr"/>
+              <a:lstStyle/>
+              <a:p>
+                <a:pPr algn="ctr"/>
+                <a:r>
+                  <a:rPr lang="ko-KR" altLang="en-US" sz="1400" dirty="0"/>
+                  <a:t>키워드</a:t>
+                </a:r>
+                <a:endParaRPr lang="en-US" altLang="ko-KR" sz="1400" dirty="0"/>
+              </a:p>
+              <a:p>
+                <a:pPr algn="ctr"/>
+                <a:r>
+                  <a:rPr lang="ko-KR" altLang="en-US" sz="1400" dirty="0"/>
+                  <a:t>강조</a:t>
+                </a:r>
+                <a:endParaRPr lang="en-US" altLang="ko-KR" sz="1400" dirty="0"/>
+              </a:p>
+            </p:txBody>
+          </p:sp>
+          <p:cxnSp>
+            <p:nvCxnSpPr>
+              <p:cNvPr id="89" name="직선 연결선 88">
+                <a:extLst>
+                  <a:ext uri="{FF2B5EF4-FFF2-40B4-BE49-F238E27FC236}">
+                    <a16:creationId xmlns:a16="http://schemas.microsoft.com/office/drawing/2014/main" id="{FC12264A-A6C4-4DEF-8CCC-751D7E3ED425}"/>
+                  </a:ext>
+                </a:extLst>
+              </p:cNvPr>
+              <p:cNvCxnSpPr>
+                <a:cxnSpLocks/>
+                <a:stCxn id="13" idx="2"/>
+                <a:endCxn id="88" idx="0"/>
+              </p:cNvCxnSpPr>
+              <p:nvPr/>
+            </p:nvCxnSpPr>
+            <p:spPr>
+              <a:xfrm flipH="1">
+                <a:off x="5728120" y="4683814"/>
+                <a:ext cx="1" cy="325939"/>
+              </a:xfrm>
+              <a:prstGeom prst="line">
+                <a:avLst/>
+              </a:prstGeom>
+              <a:ln w="25400">
+                <a:solidFill>
+                  <a:srgbClr val="A9D18E">
+                    <a:alpha val="99000"/>
+                  </a:srgbClr>
+                </a:solidFill>
+              </a:ln>
+            </p:spPr>
+            <p:style>
+              <a:lnRef idx="1">
+                <a:schemeClr val="accent1"/>
+              </a:lnRef>
+              <a:fillRef idx="0">
+                <a:schemeClr val="accent1"/>
+              </a:fillRef>
+              <a:effectRef idx="0">
+                <a:schemeClr val="accent1"/>
+              </a:effectRef>
+              <a:fontRef idx="minor">
+                <a:schemeClr val="tx1"/>
+              </a:fontRef>
+            </p:style>
+          </p:cxnSp>
+          <p:cxnSp>
+            <p:nvCxnSpPr>
+              <p:cNvPr id="92" name="연결선: 꺾임 91">
+                <a:extLst>
+                  <a:ext uri="{FF2B5EF4-FFF2-40B4-BE49-F238E27FC236}">
+                    <a16:creationId xmlns:a16="http://schemas.microsoft.com/office/drawing/2014/main" id="{319B1DF2-4C89-4329-AF0B-34EE38304FC1}"/>
+                  </a:ext>
+                </a:extLst>
+              </p:cNvPr>
+              <p:cNvCxnSpPr>
+                <a:cxnSpLocks/>
+                <a:stCxn id="88" idx="3"/>
+                <a:endCxn id="57" idx="2"/>
+              </p:cNvCxnSpPr>
+              <p:nvPr/>
+            </p:nvCxnSpPr>
+            <p:spPr>
+              <a:xfrm flipV="1">
+                <a:off x="6260779" y="4393119"/>
+                <a:ext cx="1222512" cy="896281"/>
+              </a:xfrm>
+              <a:prstGeom prst="bentConnector2">
+                <a:avLst/>
+              </a:prstGeom>
+              <a:ln w="22225">
+                <a:solidFill>
+                  <a:srgbClr val="A9D18E"/>
+                </a:solidFill>
+                <a:tailEnd type="triangle"/>
+              </a:ln>
+            </p:spPr>
+            <p:style>
+              <a:lnRef idx="1">
+                <a:schemeClr val="accent1"/>
+              </a:lnRef>
+              <a:fillRef idx="0">
+                <a:schemeClr val="accent1"/>
+              </a:fillRef>
+              <a:effectRef idx="0">
+                <a:schemeClr val="accent1"/>
+              </a:effectRef>
+              <a:fontRef idx="minor">
+                <a:schemeClr val="tx1"/>
+              </a:fontRef>
+            </p:style>
+          </p:cxnSp>
+          <p:sp>
+            <p:nvSpPr>
+              <p:cNvPr id="40" name="TextBox 39">
+                <a:extLst>
+                  <a:ext uri="{FF2B5EF4-FFF2-40B4-BE49-F238E27FC236}">
+                    <a16:creationId xmlns:a16="http://schemas.microsoft.com/office/drawing/2014/main" id="{A7514A7B-3A8A-49B2-A838-74A96F354567}"/>
+                  </a:ext>
+                </a:extLst>
+              </p:cNvPr>
+              <p:cNvSpPr txBox="1"/>
+              <p:nvPr/>
+            </p:nvSpPr>
+            <p:spPr>
+              <a:xfrm>
+                <a:off x="6510361" y="3520136"/>
+                <a:ext cx="1460378" cy="276999"/>
+              </a:xfrm>
+              <a:prstGeom prst="rect">
+                <a:avLst/>
+              </a:prstGeom>
+              <a:noFill/>
+            </p:spPr>
+            <p:txBody>
+              <a:bodyPr wrap="square" rtlCol="0">
+                <a:spAutoFit/>
+              </a:bodyPr>
+              <a:lstStyle/>
+              <a:p>
+                <a:r>
+                  <a:rPr lang="ko-KR" altLang="en-US" sz="1200" dirty="0"/>
+                  <a:t>녹음 종료 및 저장</a:t>
+                </a:r>
+              </a:p>
+            </p:txBody>
+          </p:sp>
+          <p:sp>
+            <p:nvSpPr>
+              <p:cNvPr id="95" name="TextBox 94">
+                <a:extLst>
+                  <a:ext uri="{FF2B5EF4-FFF2-40B4-BE49-F238E27FC236}">
+                    <a16:creationId xmlns:a16="http://schemas.microsoft.com/office/drawing/2014/main" id="{FAB91042-5C7E-4E49-AAF9-F4B367B308C8}"/>
+                  </a:ext>
+                </a:extLst>
+              </p:cNvPr>
+              <p:cNvSpPr txBox="1"/>
+              <p:nvPr/>
+            </p:nvSpPr>
+            <p:spPr>
+              <a:xfrm>
+                <a:off x="6510360" y="5331174"/>
+                <a:ext cx="1728571" cy="461665"/>
+              </a:xfrm>
+              <a:prstGeom prst="rect">
+                <a:avLst/>
+              </a:prstGeom>
+              <a:noFill/>
+            </p:spPr>
+            <p:txBody>
+              <a:bodyPr wrap="square" rtlCol="0">
+                <a:spAutoFit/>
+              </a:bodyPr>
+              <a:lstStyle/>
+              <a:p>
+                <a:r>
+                  <a:rPr lang="ko-KR" altLang="en-US" sz="1200" dirty="0"/>
+                  <a:t>자주 나오거나 강조된 키워드 </a:t>
+                </a:r>
+                <a:r>
+                  <a:rPr lang="ko-KR" altLang="en-US" sz="1200" dirty="0" err="1"/>
+                  <a:t>하이라이팅</a:t>
+                </a:r>
+                <a:endParaRPr lang="ko-KR" altLang="en-US" sz="1200" dirty="0"/>
+              </a:p>
+            </p:txBody>
+          </p:sp>
+          <p:sp>
+            <p:nvSpPr>
+              <p:cNvPr id="96" name="사각형: 둥근 모서리 95">
+                <a:extLst>
+                  <a:ext uri="{FF2B5EF4-FFF2-40B4-BE49-F238E27FC236}">
+                    <a16:creationId xmlns:a16="http://schemas.microsoft.com/office/drawing/2014/main" id="{00AFE93E-250B-4991-BE6E-D9DEF9851865}"/>
+                  </a:ext>
+                </a:extLst>
+              </p:cNvPr>
+              <p:cNvSpPr/>
+              <p:nvPr/>
+            </p:nvSpPr>
+            <p:spPr>
+              <a:xfrm>
+                <a:off x="1592454" y="2343775"/>
+                <a:ext cx="1065319" cy="559293"/>
+              </a:xfrm>
+              <a:prstGeom prst="roundRect">
+                <a:avLst/>
+              </a:prstGeom>
+              <a:ln w="28575">
+                <a:solidFill>
+                  <a:schemeClr val="accent6">
+                    <a:lumMod val="60000"/>
+                    <a:lumOff val="40000"/>
+                  </a:schemeClr>
+                </a:solidFill>
+              </a:ln>
+            </p:spPr>
+            <p:style>
+              <a:lnRef idx="2">
+                <a:schemeClr val="dk1"/>
+              </a:lnRef>
+              <a:fillRef idx="1">
+                <a:schemeClr val="lt1"/>
+              </a:fillRef>
+              <a:effectRef idx="0">
+                <a:schemeClr val="dk1"/>
+              </a:effectRef>
+              <a:fontRef idx="minor">
+                <a:schemeClr val="dk1"/>
+              </a:fontRef>
+            </p:style>
+            <p:txBody>
+              <a:bodyPr rtlCol="0" anchor="ctr"/>
+              <a:lstStyle/>
+              <a:p>
+                <a:pPr algn="ctr"/>
+                <a:r>
+                  <a:rPr lang="ko-KR" altLang="en-US" sz="1400" dirty="0"/>
+                  <a:t>로그인</a:t>
+                </a:r>
+                <a:endParaRPr lang="en-US" altLang="ko-KR" sz="1400" dirty="0"/>
+              </a:p>
+            </p:txBody>
+          </p:sp>
+          <p:cxnSp>
+            <p:nvCxnSpPr>
+              <p:cNvPr id="97" name="직선 연결선 96">
+                <a:extLst>
+                  <a:ext uri="{FF2B5EF4-FFF2-40B4-BE49-F238E27FC236}">
+                    <a16:creationId xmlns:a16="http://schemas.microsoft.com/office/drawing/2014/main" id="{44C3FE5B-A71A-4564-8128-480471563760}"/>
+                  </a:ext>
+                </a:extLst>
+              </p:cNvPr>
+              <p:cNvCxnSpPr>
+                <a:cxnSpLocks/>
+                <a:stCxn id="6" idx="2"/>
+                <a:endCxn id="96" idx="0"/>
+              </p:cNvCxnSpPr>
+              <p:nvPr/>
+            </p:nvCxnSpPr>
+            <p:spPr>
+              <a:xfrm flipH="1">
+                <a:off x="2125114" y="1775689"/>
+                <a:ext cx="1" cy="568086"/>
+              </a:xfrm>
+              <a:prstGeom prst="line">
+                <a:avLst/>
+              </a:prstGeom>
+              <a:ln w="25400">
+                <a:solidFill>
+                  <a:srgbClr val="A9D18E">
+                    <a:alpha val="99000"/>
+                  </a:srgbClr>
+                </a:solidFill>
+              </a:ln>
+            </p:spPr>
+            <p:style>
+              <a:lnRef idx="1">
+                <a:schemeClr val="accent1"/>
+              </a:lnRef>
+              <a:fillRef idx="0">
+                <a:schemeClr val="accent1"/>
+              </a:fillRef>
+              <a:effectRef idx="0">
+                <a:schemeClr val="accent1"/>
+              </a:effectRef>
+              <a:fontRef idx="minor">
+                <a:schemeClr val="tx1"/>
+              </a:fontRef>
+            </p:style>
+          </p:cxnSp>
+          <p:sp>
+            <p:nvSpPr>
+              <p:cNvPr id="100" name="사각형: 둥근 모서리 99">
+                <a:extLst>
+                  <a:ext uri="{FF2B5EF4-FFF2-40B4-BE49-F238E27FC236}">
+                    <a16:creationId xmlns:a16="http://schemas.microsoft.com/office/drawing/2014/main" id="{ED5A4FEC-F37F-4D21-B857-B7E75445657E}"/>
+                  </a:ext>
+                </a:extLst>
+              </p:cNvPr>
+              <p:cNvSpPr/>
+              <p:nvPr/>
+            </p:nvSpPr>
+            <p:spPr>
+              <a:xfrm>
+                <a:off x="1592454" y="3225239"/>
+                <a:ext cx="1065319" cy="559293"/>
+              </a:xfrm>
+              <a:prstGeom prst="roundRect">
+                <a:avLst/>
+              </a:prstGeom>
+              <a:ln w="28575">
+                <a:solidFill>
+                  <a:schemeClr val="accent6">
+                    <a:lumMod val="60000"/>
+                    <a:lumOff val="40000"/>
+                  </a:schemeClr>
+                </a:solidFill>
+              </a:ln>
+            </p:spPr>
+            <p:style>
+              <a:lnRef idx="2">
+                <a:schemeClr val="dk1"/>
+              </a:lnRef>
+              <a:fillRef idx="1">
+                <a:schemeClr val="lt1"/>
+              </a:fillRef>
+              <a:effectRef idx="0">
+                <a:schemeClr val="dk1"/>
+              </a:effectRef>
+              <a:fontRef idx="minor">
+                <a:schemeClr val="dk1"/>
+              </a:fontRef>
+            </p:style>
+            <p:txBody>
+              <a:bodyPr rtlCol="0" anchor="ctr"/>
+              <a:lstStyle/>
+              <a:p>
+                <a:pPr algn="ctr"/>
+                <a:r>
+                  <a:rPr lang="ko-KR" altLang="en-US" sz="1400" dirty="0"/>
+                  <a:t>배속설정</a:t>
+                </a:r>
+                <a:endParaRPr lang="en-US" altLang="ko-KR" sz="1400" dirty="0"/>
+              </a:p>
+            </p:txBody>
+          </p:sp>
+          <p:cxnSp>
+            <p:nvCxnSpPr>
+              <p:cNvPr id="101" name="직선 연결선 100">
+                <a:extLst>
+                  <a:ext uri="{FF2B5EF4-FFF2-40B4-BE49-F238E27FC236}">
+                    <a16:creationId xmlns:a16="http://schemas.microsoft.com/office/drawing/2014/main" id="{8719D925-9B38-4262-AE54-458132F53CEF}"/>
+                  </a:ext>
+                </a:extLst>
+              </p:cNvPr>
+              <p:cNvCxnSpPr>
+                <a:cxnSpLocks/>
+                <a:stCxn id="96" idx="2"/>
+                <a:endCxn id="100" idx="0"/>
+              </p:cNvCxnSpPr>
+              <p:nvPr/>
+            </p:nvCxnSpPr>
+            <p:spPr>
+              <a:xfrm>
+                <a:off x="2125114" y="2903068"/>
+                <a:ext cx="0" cy="322171"/>
+              </a:xfrm>
+              <a:prstGeom prst="line">
+                <a:avLst/>
+              </a:prstGeom>
+              <a:ln w="25400">
+                <a:solidFill>
+                  <a:srgbClr val="A9D18E">
+                    <a:alpha val="99000"/>
+                  </a:srgbClr>
+                </a:solidFill>
+              </a:ln>
+            </p:spPr>
+            <p:style>
+              <a:lnRef idx="1">
+                <a:schemeClr val="accent1"/>
+              </a:lnRef>
+              <a:fillRef idx="0">
+                <a:schemeClr val="accent1"/>
+              </a:fillRef>
+              <a:effectRef idx="0">
+                <a:schemeClr val="accent1"/>
+              </a:effectRef>
+              <a:fontRef idx="minor">
+                <a:schemeClr val="tx1"/>
+              </a:fontRef>
+            </p:style>
+          </p:cxnSp>
+          <p:cxnSp>
+            <p:nvCxnSpPr>
+              <p:cNvPr id="107" name="연결선: 꺾임 106">
+                <a:extLst>
+                  <a:ext uri="{FF2B5EF4-FFF2-40B4-BE49-F238E27FC236}">
+                    <a16:creationId xmlns:a16="http://schemas.microsoft.com/office/drawing/2014/main" id="{04EA31F5-D4A7-478C-B9FC-B7AB79B29F05}"/>
+                  </a:ext>
+                </a:extLst>
+              </p:cNvPr>
+              <p:cNvCxnSpPr>
+                <a:cxnSpLocks/>
+                <a:stCxn id="100" idx="3"/>
+                <a:endCxn id="11" idx="1"/>
+              </p:cNvCxnSpPr>
+              <p:nvPr/>
+            </p:nvCxnSpPr>
+            <p:spPr>
+              <a:xfrm flipV="1">
+                <a:off x="2657773" y="2619807"/>
+                <a:ext cx="2537689" cy="885079"/>
+              </a:xfrm>
+              <a:prstGeom prst="bentConnector3">
+                <a:avLst>
+                  <a:gd name="adj1" fmla="val 50000"/>
+                </a:avLst>
+              </a:prstGeom>
+              <a:ln w="22225">
+                <a:solidFill>
+                  <a:srgbClr val="A9D18E"/>
+                </a:solidFill>
+                <a:tailEnd type="triangle"/>
+              </a:ln>
+            </p:spPr>
+            <p:style>
+              <a:lnRef idx="1">
+                <a:schemeClr val="accent1"/>
+              </a:lnRef>
+              <a:fillRef idx="0">
+                <a:schemeClr val="accent1"/>
+              </a:fillRef>
+              <a:effectRef idx="0">
+                <a:schemeClr val="accent1"/>
+              </a:effectRef>
+              <a:fontRef idx="minor">
+                <a:schemeClr val="tx1"/>
+              </a:fontRef>
+            </p:style>
+          </p:cxnSp>
+          <p:sp>
+            <p:nvSpPr>
+              <p:cNvPr id="110" name="TextBox 109">
+                <a:extLst>
+                  <a:ext uri="{FF2B5EF4-FFF2-40B4-BE49-F238E27FC236}">
+                    <a16:creationId xmlns:a16="http://schemas.microsoft.com/office/drawing/2014/main" id="{FF949F6B-6E51-4EF9-A068-9B4D1B4FD889}"/>
+                  </a:ext>
+                </a:extLst>
+              </p:cNvPr>
+              <p:cNvSpPr txBox="1"/>
+              <p:nvPr/>
+            </p:nvSpPr>
+            <p:spPr>
+              <a:xfrm>
+                <a:off x="2823688" y="3757836"/>
+                <a:ext cx="1344439" cy="646331"/>
+              </a:xfrm>
+              <a:prstGeom prst="rect">
+                <a:avLst/>
+              </a:prstGeom>
+              <a:noFill/>
+            </p:spPr>
+            <p:txBody>
+              <a:bodyPr wrap="square" rtlCol="0">
+                <a:spAutoFit/>
+              </a:bodyPr>
+              <a:lstStyle/>
+              <a:p>
+                <a:r>
+                  <a:rPr lang="ko-KR" altLang="en-US" sz="1200" dirty="0"/>
+                  <a:t>영상의 배속에 따라 녹음 파일의 시간 설정</a:t>
+                </a:r>
+              </a:p>
+            </p:txBody>
+          </p:sp>
+        </p:grpSp>
         <p:sp>
           <p:nvSpPr>
-            <p:cNvPr id="6" name="사각형: 둥근 모서리 5">
+            <p:cNvPr id="37" name="사각형: 둥근 모서리 36">
               <a:extLst>
                 <a:ext uri="{FF2B5EF4-FFF2-40B4-BE49-F238E27FC236}">
-                  <a16:creationId xmlns:a16="http://schemas.microsoft.com/office/drawing/2014/main" id="{4B147DEE-E464-442B-AB49-F95F9F4CDB9B}"/>
+                  <a16:creationId xmlns:a16="http://schemas.microsoft.com/office/drawing/2014/main" id="{1E67C77E-CDFF-4C0B-AD64-8E1658DDBCFC}"/>
                 </a:ext>
               </a:extLst>
             </p:cNvPr>
@@ -10646,206 +12368,7 @@
           </p:nvSpPr>
           <p:spPr>
             <a:xfrm>
-              <a:off x="1592455" y="1216396"/>
-              <a:ext cx="1065319" cy="559293"/>
-            </a:xfrm>
-            <a:prstGeom prst="roundRect">
-              <a:avLst/>
-            </a:prstGeom>
-            <a:solidFill>
-              <a:srgbClr val="A9D18E"/>
-            </a:solidFill>
-            <a:ln w="28575">
-              <a:solidFill>
-                <a:schemeClr val="accent6">
-                  <a:lumMod val="60000"/>
-                  <a:lumOff val="40000"/>
-                </a:schemeClr>
-              </a:solidFill>
-            </a:ln>
-          </p:spPr>
-          <p:style>
-            <a:lnRef idx="2">
-              <a:schemeClr val="dk1"/>
-            </a:lnRef>
-            <a:fillRef idx="1">
-              <a:schemeClr val="lt1"/>
-            </a:fillRef>
-            <a:effectRef idx="0">
-              <a:schemeClr val="dk1"/>
-            </a:effectRef>
-            <a:fontRef idx="minor">
-              <a:schemeClr val="dk1"/>
-            </a:fontRef>
-          </p:style>
-          <p:txBody>
-            <a:bodyPr rtlCol="0" anchor="ctr"/>
-            <a:lstStyle/>
-            <a:p>
-              <a:pPr algn="ctr"/>
-              <a:r>
-                <a:rPr lang="en-US" altLang="ko-KR" sz="1500" dirty="0">
-                  <a:solidFill>
-                    <a:schemeClr val="bg1"/>
-                  </a:solidFill>
-                </a:rPr>
-                <a:t>App</a:t>
-              </a:r>
-              <a:r>
-                <a:rPr lang="ko-KR" altLang="en-US" sz="1500" dirty="0">
-                  <a:solidFill>
-                    <a:schemeClr val="bg1"/>
-                  </a:solidFill>
-                </a:rPr>
-                <a:t>실행</a:t>
-              </a:r>
-            </a:p>
-          </p:txBody>
-        </p:sp>
-        <p:sp>
-          <p:nvSpPr>
-            <p:cNvPr id="9" name="사각형: 둥근 모서리 8">
-              <a:extLst>
-                <a:ext uri="{FF2B5EF4-FFF2-40B4-BE49-F238E27FC236}">
-                  <a16:creationId xmlns:a16="http://schemas.microsoft.com/office/drawing/2014/main" id="{34B866B7-98AE-4955-AEF3-6EA3C889DC8B}"/>
-                </a:ext>
-              </a:extLst>
-            </p:cNvPr>
-            <p:cNvSpPr/>
-            <p:nvPr/>
-          </p:nvSpPr>
-          <p:spPr>
-            <a:xfrm>
-              <a:off x="5195463" y="1216395"/>
-              <a:ext cx="1065319" cy="559293"/>
-            </a:xfrm>
-            <a:prstGeom prst="roundRect">
-              <a:avLst/>
-            </a:prstGeom>
-            <a:solidFill>
-              <a:srgbClr val="A9D18E"/>
-            </a:solidFill>
-            <a:ln w="28575">
-              <a:solidFill>
-                <a:schemeClr val="accent6">
-                  <a:lumMod val="60000"/>
-                  <a:lumOff val="40000"/>
-                </a:schemeClr>
-              </a:solidFill>
-            </a:ln>
-          </p:spPr>
-          <p:style>
-            <a:lnRef idx="2">
-              <a:schemeClr val="dk1"/>
-            </a:lnRef>
-            <a:fillRef idx="1">
-              <a:schemeClr val="lt1"/>
-            </a:fillRef>
-            <a:effectRef idx="0">
-              <a:schemeClr val="dk1"/>
-            </a:effectRef>
-            <a:fontRef idx="minor">
-              <a:schemeClr val="dk1"/>
-            </a:fontRef>
-          </p:style>
-          <p:txBody>
-            <a:bodyPr rtlCol="0" anchor="ctr"/>
-            <a:lstStyle/>
-            <a:p>
-              <a:pPr algn="ctr"/>
-              <a:r>
-                <a:rPr lang="en-US" altLang="ko-KR" sz="1500" dirty="0">
-                  <a:solidFill>
-                    <a:schemeClr val="bg1"/>
-                  </a:solidFill>
-                </a:rPr>
-                <a:t>Main</a:t>
-              </a:r>
-              <a:endParaRPr lang="ko-KR" altLang="en-US" sz="1500" dirty="0">
-                <a:solidFill>
-                  <a:schemeClr val="bg1"/>
-                </a:solidFill>
-              </a:endParaRPr>
-            </a:p>
-          </p:txBody>
-        </p:sp>
-        <p:sp>
-          <p:nvSpPr>
-            <p:cNvPr id="10" name="사각형: 둥근 모서리 9">
-              <a:extLst>
-                <a:ext uri="{FF2B5EF4-FFF2-40B4-BE49-F238E27FC236}">
-                  <a16:creationId xmlns:a16="http://schemas.microsoft.com/office/drawing/2014/main" id="{1F0CB5CC-8408-4FDA-B91B-ABACF4C00CE7}"/>
-                </a:ext>
-              </a:extLst>
-            </p:cNvPr>
-            <p:cNvSpPr/>
-            <p:nvPr/>
-          </p:nvSpPr>
-          <p:spPr>
-            <a:xfrm>
-              <a:off x="9258840" y="1216395"/>
-              <a:ext cx="1065319" cy="559293"/>
-            </a:xfrm>
-            <a:prstGeom prst="roundRect">
-              <a:avLst/>
-            </a:prstGeom>
-            <a:solidFill>
-              <a:srgbClr val="A9D18E"/>
-            </a:solidFill>
-            <a:ln w="28575">
-              <a:solidFill>
-                <a:schemeClr val="accent6">
-                  <a:lumMod val="60000"/>
-                  <a:lumOff val="40000"/>
-                </a:schemeClr>
-              </a:solidFill>
-            </a:ln>
-          </p:spPr>
-          <p:style>
-            <a:lnRef idx="2">
-              <a:schemeClr val="dk1"/>
-            </a:lnRef>
-            <a:fillRef idx="1">
-              <a:schemeClr val="lt1"/>
-            </a:fillRef>
-            <a:effectRef idx="0">
-              <a:schemeClr val="dk1"/>
-            </a:effectRef>
-            <a:fontRef idx="minor">
-              <a:schemeClr val="dk1"/>
-            </a:fontRef>
-          </p:style>
-          <p:txBody>
-            <a:bodyPr rtlCol="0" anchor="ctr"/>
-            <a:lstStyle/>
-            <a:p>
-              <a:pPr algn="ctr"/>
-              <a:r>
-                <a:rPr lang="ko-KR" altLang="en-US" sz="1500" dirty="0">
-                  <a:solidFill>
-                    <a:schemeClr val="bg1"/>
-                  </a:solidFill>
-                </a:rPr>
-                <a:t>파일관리</a:t>
-              </a:r>
-            </a:p>
-          </p:txBody>
-        </p:sp>
-        <p:sp>
-          <p:nvSpPr>
-            <p:cNvPr id="11" name="사각형: 둥근 모서리 10">
-              <a:extLst>
-                <a:ext uri="{FF2B5EF4-FFF2-40B4-BE49-F238E27FC236}">
-                  <a16:creationId xmlns:a16="http://schemas.microsoft.com/office/drawing/2014/main" id="{621674C8-FA2A-4920-9826-2FF24CD83F1F}"/>
-                </a:ext>
-              </a:extLst>
-            </p:cNvPr>
-            <p:cNvSpPr/>
-            <p:nvPr/>
-          </p:nvSpPr>
-          <p:spPr>
-            <a:xfrm>
-              <a:off x="5195462" y="2340160"/>
+              <a:off x="5333152" y="5919256"/>
               <a:ext cx="1065319" cy="559293"/>
             </a:xfrm>
             <a:prstGeom prst="roundRect">
@@ -10881,25 +12404,65 @@
               <a:pPr algn="ctr"/>
               <a:r>
                 <a:rPr lang="ko-KR" altLang="en-US" sz="1400" dirty="0"/>
-                <a:t>현재 </a:t>
+                <a:t>사진촬영</a:t>
               </a:r>
               <a:endParaRPr lang="en-US" altLang="ko-KR" sz="1400" dirty="0"/>
             </a:p>
-            <a:p>
-              <a:pPr algn="ctr"/>
-              <a:r>
-                <a:rPr lang="ko-KR" altLang="en-US" sz="1400" dirty="0"/>
-                <a:t>텍스트</a:t>
-              </a:r>
-            </a:p>
           </p:txBody>
         </p:sp>
+        <p:cxnSp>
+          <p:nvCxnSpPr>
+            <p:cNvPr id="38" name="직선 연결선 37">
+              <a:extLst>
+                <a:ext uri="{FF2B5EF4-FFF2-40B4-BE49-F238E27FC236}">
+                  <a16:creationId xmlns:a16="http://schemas.microsoft.com/office/drawing/2014/main" id="{74A9D3F4-AD2B-4043-B30E-0F3007A33EE9}"/>
+                </a:ext>
+              </a:extLst>
+            </p:cNvPr>
+            <p:cNvCxnSpPr>
+              <a:cxnSpLocks/>
+              <a:stCxn id="88" idx="2"/>
+              <a:endCxn id="37" idx="0"/>
+            </p:cNvCxnSpPr>
+            <p:nvPr/>
+          </p:nvCxnSpPr>
+          <p:spPr>
+            <a:xfrm flipH="1">
+              <a:off x="5865812" y="5583779"/>
+              <a:ext cx="1" cy="335477"/>
+            </a:xfrm>
+            <a:prstGeom prst="line">
+              <a:avLst/>
+            </a:prstGeom>
+            <a:ln w="25400">
+              <a:solidFill>
+                <a:srgbClr val="A9D18E">
+                  <a:alpha val="99000"/>
+                </a:srgbClr>
+              </a:solidFill>
+            </a:ln>
+          </p:spPr>
+          <p:style>
+            <a:lnRef idx="1">
+              <a:schemeClr val="accent1"/>
+            </a:lnRef>
+            <a:fillRef idx="0">
+              <a:schemeClr val="accent1"/>
+            </a:fillRef>
+            <a:effectRef idx="0">
+              <a:schemeClr val="accent1"/>
+            </a:effectRef>
+            <a:fontRef idx="minor">
+              <a:schemeClr val="tx1"/>
+            </a:fontRef>
+          </p:style>
+        </p:cxnSp>
         <p:sp>
           <p:nvSpPr>
-            <p:cNvPr id="12" name="사각형: 둥근 모서리 11">
+            <p:cNvPr id="42" name="사각형: 둥근 모서리 41">
               <a:extLst>
                 <a:ext uri="{FF2B5EF4-FFF2-40B4-BE49-F238E27FC236}">
-                  <a16:creationId xmlns:a16="http://schemas.microsoft.com/office/drawing/2014/main" id="{C1D42E85-D3E9-4AE3-B703-44893BA7F91E}"/>
+                  <a16:creationId xmlns:a16="http://schemas.microsoft.com/office/drawing/2014/main" id="{58D52ABB-A307-497C-82A6-3727CDBD99CD}"/>
                 </a:ext>
               </a:extLst>
             </p:cNvPr>
@@ -10908,7 +12471,7 @@
           </p:nvSpPr>
           <p:spPr>
             <a:xfrm>
-              <a:off x="5195461" y="3229751"/>
+              <a:off x="9396531" y="5024486"/>
               <a:ext cx="1065319" cy="559293"/>
             </a:xfrm>
             <a:prstGeom prst="roundRect">
@@ -10944,876 +12507,30 @@
               <a:pPr algn="ctr"/>
               <a:r>
                 <a:rPr lang="ko-KR" altLang="en-US" sz="1400" dirty="0"/>
-                <a:t>녹음 시작</a:t>
-              </a:r>
-            </a:p>
-          </p:txBody>
-        </p:sp>
-        <p:sp>
-          <p:nvSpPr>
-            <p:cNvPr id="13" name="사각형: 둥근 모서리 12">
-              <a:extLst>
-                <a:ext uri="{FF2B5EF4-FFF2-40B4-BE49-F238E27FC236}">
-                  <a16:creationId xmlns:a16="http://schemas.microsoft.com/office/drawing/2014/main" id="{A754AA36-FE50-4851-8F72-9DD2220AC62D}"/>
-                </a:ext>
-              </a:extLst>
-            </p:cNvPr>
-            <p:cNvSpPr/>
-            <p:nvPr/>
-          </p:nvSpPr>
-          <p:spPr>
-            <a:xfrm>
-              <a:off x="5195461" y="4124521"/>
-              <a:ext cx="1065319" cy="559293"/>
-            </a:xfrm>
-            <a:prstGeom prst="roundRect">
-              <a:avLst/>
-            </a:prstGeom>
-            <a:ln w="28575">
-              <a:solidFill>
-                <a:schemeClr val="accent6">
-                  <a:lumMod val="60000"/>
-                  <a:lumOff val="40000"/>
-                </a:schemeClr>
-              </a:solidFill>
-            </a:ln>
-          </p:spPr>
-          <p:style>
-            <a:lnRef idx="2">
-              <a:schemeClr val="dk1"/>
-            </a:lnRef>
-            <a:fillRef idx="1">
-              <a:schemeClr val="lt1"/>
-            </a:fillRef>
-            <a:effectRef idx="0">
-              <a:schemeClr val="dk1"/>
-            </a:effectRef>
-            <a:fontRef idx="minor">
-              <a:schemeClr val="dk1"/>
-            </a:fontRef>
-          </p:style>
-          <p:txBody>
-            <a:bodyPr rtlCol="0" anchor="ctr"/>
-            <a:lstStyle/>
-            <a:p>
-              <a:pPr algn="ctr"/>
-              <a:r>
-                <a:rPr lang="ko-KR" altLang="en-US" sz="1400" dirty="0"/>
-                <a:t>녹음 종료</a:t>
-              </a:r>
-            </a:p>
-          </p:txBody>
-        </p:sp>
-        <p:sp>
-          <p:nvSpPr>
-            <p:cNvPr id="23" name="TextBox 22">
-              <a:extLst>
-                <a:ext uri="{FF2B5EF4-FFF2-40B4-BE49-F238E27FC236}">
-                  <a16:creationId xmlns:a16="http://schemas.microsoft.com/office/drawing/2014/main" id="{5BFBF287-BEEE-4B56-AC70-88B284A38615}"/>
-                </a:ext>
-              </a:extLst>
-            </p:cNvPr>
-            <p:cNvSpPr txBox="1"/>
-            <p:nvPr/>
-          </p:nvSpPr>
-          <p:spPr>
-            <a:xfrm>
-              <a:off x="6317707" y="2306117"/>
-              <a:ext cx="1265848" cy="276999"/>
-            </a:xfrm>
-            <a:prstGeom prst="rect">
-              <a:avLst/>
-            </a:prstGeom>
-            <a:noFill/>
-          </p:spPr>
-          <p:txBody>
-            <a:bodyPr wrap="square" rtlCol="0">
-              <a:spAutoFit/>
-            </a:bodyPr>
-            <a:lstStyle/>
-            <a:p>
-              <a:r>
-                <a:rPr lang="ko-KR" altLang="en-US" sz="1200" dirty="0"/>
-                <a:t>텍스트 생성</a:t>
+                <a:t>사진 목록</a:t>
               </a:r>
             </a:p>
           </p:txBody>
         </p:sp>
         <p:cxnSp>
           <p:nvCxnSpPr>
-            <p:cNvPr id="28" name="연결선: 꺾임 27">
+            <p:cNvPr id="45" name="직선 연결선 44">
               <a:extLst>
                 <a:ext uri="{FF2B5EF4-FFF2-40B4-BE49-F238E27FC236}">
-                  <a16:creationId xmlns:a16="http://schemas.microsoft.com/office/drawing/2014/main" id="{4926DB29-3581-4F22-BC9F-7919B323157F}"/>
+                  <a16:creationId xmlns:a16="http://schemas.microsoft.com/office/drawing/2014/main" id="{47DCA365-A825-4737-BE91-F664B777B0A2}"/>
                 </a:ext>
               </a:extLst>
             </p:cNvPr>
             <p:cNvCxnSpPr>
               <a:cxnSpLocks/>
-              <a:stCxn id="12" idx="3"/>
-              <a:endCxn id="11" idx="3"/>
+              <a:stCxn id="42" idx="0"/>
+              <a:endCxn id="77" idx="2"/>
             </p:cNvCxnSpPr>
             <p:nvPr/>
           </p:nvCxnSpPr>
           <p:spPr>
             <a:xfrm flipV="1">
-              <a:off x="6260780" y="2619807"/>
-              <a:ext cx="1" cy="889591"/>
-            </a:xfrm>
-            <a:prstGeom prst="bentConnector3">
-              <a:avLst>
-                <a:gd name="adj1" fmla="val 22860100000"/>
-              </a:avLst>
-            </a:prstGeom>
-            <a:ln w="22225">
-              <a:solidFill>
-                <a:srgbClr val="A9D18E"/>
-              </a:solidFill>
-              <a:tailEnd type="triangle"/>
-            </a:ln>
-          </p:spPr>
-          <p:style>
-            <a:lnRef idx="1">
-              <a:schemeClr val="accent1"/>
-            </a:lnRef>
-            <a:fillRef idx="0">
-              <a:schemeClr val="accent1"/>
-            </a:fillRef>
-            <a:effectRef idx="0">
-              <a:schemeClr val="accent1"/>
-            </a:effectRef>
-            <a:fontRef idx="minor">
-              <a:schemeClr val="tx1"/>
-            </a:fontRef>
-          </p:style>
-        </p:cxnSp>
-        <p:cxnSp>
-          <p:nvCxnSpPr>
-            <p:cNvPr id="31" name="연결선: 꺾임 30">
-              <a:extLst>
-                <a:ext uri="{FF2B5EF4-FFF2-40B4-BE49-F238E27FC236}">
-                  <a16:creationId xmlns:a16="http://schemas.microsoft.com/office/drawing/2014/main" id="{0627E646-EFE7-46FE-968C-32CD76BDF771}"/>
-                </a:ext>
-              </a:extLst>
-            </p:cNvPr>
-            <p:cNvCxnSpPr>
-              <a:cxnSpLocks/>
-              <a:stCxn id="13" idx="3"/>
-              <a:endCxn id="57" idx="1"/>
-            </p:cNvCxnSpPr>
-            <p:nvPr/>
-          </p:nvCxnSpPr>
-          <p:spPr>
-            <a:xfrm flipV="1">
-              <a:off x="6260780" y="4113473"/>
-              <a:ext cx="689851" cy="290695"/>
-            </a:xfrm>
-            <a:prstGeom prst="bentConnector3">
-              <a:avLst>
-                <a:gd name="adj1" fmla="val 50000"/>
-              </a:avLst>
-            </a:prstGeom>
-            <a:ln w="22225">
-              <a:solidFill>
-                <a:srgbClr val="A9D18E"/>
-              </a:solidFill>
-              <a:tailEnd type="triangle"/>
-            </a:ln>
-          </p:spPr>
-          <p:style>
-            <a:lnRef idx="1">
-              <a:schemeClr val="accent1"/>
-            </a:lnRef>
-            <a:fillRef idx="0">
-              <a:schemeClr val="accent1"/>
-            </a:fillRef>
-            <a:effectRef idx="0">
-              <a:schemeClr val="accent1"/>
-            </a:effectRef>
-            <a:fontRef idx="minor">
-              <a:schemeClr val="tx1"/>
-            </a:fontRef>
-          </p:style>
-        </p:cxnSp>
-        <p:cxnSp>
-          <p:nvCxnSpPr>
-            <p:cNvPr id="41" name="직선 연결선 40">
-              <a:extLst>
-                <a:ext uri="{FF2B5EF4-FFF2-40B4-BE49-F238E27FC236}">
-                  <a16:creationId xmlns:a16="http://schemas.microsoft.com/office/drawing/2014/main" id="{90950D53-D757-4363-8B54-3DB0AA262FFD}"/>
-                </a:ext>
-              </a:extLst>
-            </p:cNvPr>
-            <p:cNvCxnSpPr>
-              <a:cxnSpLocks/>
-              <a:stCxn id="9" idx="2"/>
-              <a:endCxn id="11" idx="0"/>
-            </p:cNvCxnSpPr>
-            <p:nvPr/>
-          </p:nvCxnSpPr>
-          <p:spPr>
-            <a:xfrm flipH="1">
-              <a:off x="5728122" y="1775688"/>
-              <a:ext cx="1" cy="564472"/>
-            </a:xfrm>
-            <a:prstGeom prst="line">
-              <a:avLst/>
-            </a:prstGeom>
-            <a:ln w="25400">
-              <a:solidFill>
-                <a:srgbClr val="A9D18E">
-                  <a:alpha val="99000"/>
-                </a:srgbClr>
-              </a:solidFill>
-            </a:ln>
-          </p:spPr>
-          <p:style>
-            <a:lnRef idx="1">
-              <a:schemeClr val="accent1"/>
-            </a:lnRef>
-            <a:fillRef idx="0">
-              <a:schemeClr val="accent1"/>
-            </a:fillRef>
-            <a:effectRef idx="0">
-              <a:schemeClr val="accent1"/>
-            </a:effectRef>
-            <a:fontRef idx="minor">
-              <a:schemeClr val="tx1"/>
-            </a:fontRef>
-          </p:style>
-        </p:cxnSp>
-        <p:sp>
-          <p:nvSpPr>
-            <p:cNvPr id="44" name="사각형: 둥근 모서리 43">
-              <a:extLst>
-                <a:ext uri="{FF2B5EF4-FFF2-40B4-BE49-F238E27FC236}">
-                  <a16:creationId xmlns:a16="http://schemas.microsoft.com/office/drawing/2014/main" id="{E07FA82A-8EE2-4BA8-B00C-C002498AB616}"/>
-                </a:ext>
-              </a:extLst>
-            </p:cNvPr>
-            <p:cNvSpPr/>
-            <p:nvPr/>
-          </p:nvSpPr>
-          <p:spPr>
-            <a:xfrm>
-              <a:off x="9258839" y="2340160"/>
-              <a:ext cx="1065319" cy="559293"/>
-            </a:xfrm>
-            <a:prstGeom prst="roundRect">
-              <a:avLst/>
-            </a:prstGeom>
-            <a:ln w="28575">
-              <a:solidFill>
-                <a:schemeClr val="accent6">
-                  <a:lumMod val="60000"/>
-                  <a:lumOff val="40000"/>
-                </a:schemeClr>
-              </a:solidFill>
-            </a:ln>
-          </p:spPr>
-          <p:style>
-            <a:lnRef idx="2">
-              <a:schemeClr val="dk1"/>
-            </a:lnRef>
-            <a:fillRef idx="1">
-              <a:schemeClr val="lt1"/>
-            </a:fillRef>
-            <a:effectRef idx="0">
-              <a:schemeClr val="dk1"/>
-            </a:effectRef>
-            <a:fontRef idx="minor">
-              <a:schemeClr val="dk1"/>
-            </a:fontRef>
-          </p:style>
-          <p:txBody>
-            <a:bodyPr rtlCol="0" anchor="ctr"/>
-            <a:lstStyle/>
-            <a:p>
-              <a:pPr algn="ctr"/>
-              <a:r>
-                <a:rPr lang="ko-KR" altLang="en-US" sz="1400" dirty="0"/>
-                <a:t>파일 목록</a:t>
-              </a:r>
-            </a:p>
-          </p:txBody>
-        </p:sp>
-        <p:sp>
-          <p:nvSpPr>
-            <p:cNvPr id="57" name="사각형: 둥근 모서리 56">
-              <a:extLst>
-                <a:ext uri="{FF2B5EF4-FFF2-40B4-BE49-F238E27FC236}">
-                  <a16:creationId xmlns:a16="http://schemas.microsoft.com/office/drawing/2014/main" id="{DD90CC3D-11F1-426D-AB6B-2BD3C89C1964}"/>
-                </a:ext>
-              </a:extLst>
-            </p:cNvPr>
-            <p:cNvSpPr/>
-            <p:nvPr/>
-          </p:nvSpPr>
-          <p:spPr>
-            <a:xfrm>
-              <a:off x="6950631" y="3833826"/>
-              <a:ext cx="1065319" cy="559293"/>
-            </a:xfrm>
-            <a:prstGeom prst="roundRect">
-              <a:avLst/>
-            </a:prstGeom>
-            <a:ln w="28575">
-              <a:solidFill>
-                <a:schemeClr val="accent6">
-                  <a:lumMod val="60000"/>
-                  <a:lumOff val="40000"/>
-                </a:schemeClr>
-              </a:solidFill>
-            </a:ln>
-          </p:spPr>
-          <p:style>
-            <a:lnRef idx="2">
-              <a:schemeClr val="dk1"/>
-            </a:lnRef>
-            <a:fillRef idx="1">
-              <a:schemeClr val="lt1"/>
-            </a:fillRef>
-            <a:effectRef idx="0">
-              <a:schemeClr val="dk1"/>
-            </a:effectRef>
-            <a:fontRef idx="minor">
-              <a:schemeClr val="dk1"/>
-            </a:fontRef>
-          </p:style>
-          <p:txBody>
-            <a:bodyPr rtlCol="0" anchor="ctr"/>
-            <a:lstStyle/>
-            <a:p>
-              <a:pPr algn="ctr"/>
-              <a:r>
-                <a:rPr lang="ko-KR" altLang="en-US" sz="1400"/>
-                <a:t>파일 저장</a:t>
-              </a:r>
-              <a:endParaRPr lang="ko-KR" altLang="en-US" sz="1400" dirty="0"/>
-            </a:p>
-          </p:txBody>
-        </p:sp>
-        <p:cxnSp>
-          <p:nvCxnSpPr>
-            <p:cNvPr id="58" name="직선 연결선 57">
-              <a:extLst>
-                <a:ext uri="{FF2B5EF4-FFF2-40B4-BE49-F238E27FC236}">
-                  <a16:creationId xmlns:a16="http://schemas.microsoft.com/office/drawing/2014/main" id="{90D52DC5-8B51-4077-B557-829AEC4966E3}"/>
-                </a:ext>
-              </a:extLst>
-            </p:cNvPr>
-            <p:cNvCxnSpPr>
-              <a:cxnSpLocks/>
-              <a:stCxn id="11" idx="2"/>
-              <a:endCxn id="12" idx="0"/>
-            </p:cNvCxnSpPr>
-            <p:nvPr/>
-          </p:nvCxnSpPr>
-          <p:spPr>
-            <a:xfrm flipH="1">
-              <a:off x="5728121" y="2899453"/>
-              <a:ext cx="1" cy="330298"/>
-            </a:xfrm>
-            <a:prstGeom prst="line">
-              <a:avLst/>
-            </a:prstGeom>
-            <a:ln w="25400">
-              <a:solidFill>
-                <a:srgbClr val="A9D18E">
-                  <a:alpha val="99000"/>
-                </a:srgbClr>
-              </a:solidFill>
-            </a:ln>
-          </p:spPr>
-          <p:style>
-            <a:lnRef idx="1">
-              <a:schemeClr val="accent1"/>
-            </a:lnRef>
-            <a:fillRef idx="0">
-              <a:schemeClr val="accent1"/>
-            </a:fillRef>
-            <a:effectRef idx="0">
-              <a:schemeClr val="accent1"/>
-            </a:effectRef>
-            <a:fontRef idx="minor">
-              <a:schemeClr val="tx1"/>
-            </a:fontRef>
-          </p:style>
-        </p:cxnSp>
-        <p:cxnSp>
-          <p:nvCxnSpPr>
-            <p:cNvPr id="61" name="직선 연결선 60">
-              <a:extLst>
-                <a:ext uri="{FF2B5EF4-FFF2-40B4-BE49-F238E27FC236}">
-                  <a16:creationId xmlns:a16="http://schemas.microsoft.com/office/drawing/2014/main" id="{CB85AAE1-1F2D-49BF-B8E2-42D661BD2D38}"/>
-                </a:ext>
-              </a:extLst>
-            </p:cNvPr>
-            <p:cNvCxnSpPr>
-              <a:cxnSpLocks/>
-              <a:stCxn id="12" idx="2"/>
-              <a:endCxn id="13" idx="0"/>
-            </p:cNvCxnSpPr>
-            <p:nvPr/>
-          </p:nvCxnSpPr>
-          <p:spPr>
-            <a:xfrm>
-              <a:off x="5728121" y="3789044"/>
-              <a:ext cx="0" cy="335477"/>
-            </a:xfrm>
-            <a:prstGeom prst="line">
-              <a:avLst/>
-            </a:prstGeom>
-            <a:ln w="25400">
-              <a:solidFill>
-                <a:srgbClr val="A9D18E">
-                  <a:alpha val="99000"/>
-                </a:srgbClr>
-              </a:solidFill>
-            </a:ln>
-          </p:spPr>
-          <p:style>
-            <a:lnRef idx="1">
-              <a:schemeClr val="accent1"/>
-            </a:lnRef>
-            <a:fillRef idx="0">
-              <a:schemeClr val="accent1"/>
-            </a:fillRef>
-            <a:effectRef idx="0">
-              <a:schemeClr val="accent1"/>
-            </a:effectRef>
-            <a:fontRef idx="minor">
-              <a:schemeClr val="tx1"/>
-            </a:fontRef>
-          </p:style>
-        </p:cxnSp>
-        <p:cxnSp>
-          <p:nvCxnSpPr>
-            <p:cNvPr id="69" name="연결선: 꺾임 68">
-              <a:extLst>
-                <a:ext uri="{FF2B5EF4-FFF2-40B4-BE49-F238E27FC236}">
-                  <a16:creationId xmlns:a16="http://schemas.microsoft.com/office/drawing/2014/main" id="{0FC79AAF-2830-4DAC-8B44-13607EB374CE}"/>
-                </a:ext>
-              </a:extLst>
-            </p:cNvPr>
-            <p:cNvCxnSpPr>
-              <a:cxnSpLocks/>
-              <a:stCxn id="57" idx="3"/>
-              <a:endCxn id="44" idx="1"/>
-            </p:cNvCxnSpPr>
-            <p:nvPr/>
-          </p:nvCxnSpPr>
-          <p:spPr>
-            <a:xfrm flipV="1">
-              <a:off x="8015950" y="2619807"/>
-              <a:ext cx="1242889" cy="1493666"/>
-            </a:xfrm>
-            <a:prstGeom prst="bentConnector3">
-              <a:avLst>
-                <a:gd name="adj1" fmla="val 50000"/>
-              </a:avLst>
-            </a:prstGeom>
-            <a:ln w="22225">
-              <a:solidFill>
-                <a:srgbClr val="A9D18E"/>
-              </a:solidFill>
-              <a:tailEnd type="triangle"/>
-            </a:ln>
-          </p:spPr>
-          <p:style>
-            <a:lnRef idx="1">
-              <a:schemeClr val="accent1"/>
-            </a:lnRef>
-            <a:fillRef idx="0">
-              <a:schemeClr val="accent1"/>
-            </a:fillRef>
-            <a:effectRef idx="0">
-              <a:schemeClr val="accent1"/>
-            </a:effectRef>
-            <a:fontRef idx="minor">
-              <a:schemeClr val="tx1"/>
-            </a:fontRef>
-          </p:style>
-        </p:cxnSp>
-        <p:cxnSp>
-          <p:nvCxnSpPr>
-            <p:cNvPr id="73" name="직선 연결선 72">
-              <a:extLst>
-                <a:ext uri="{FF2B5EF4-FFF2-40B4-BE49-F238E27FC236}">
-                  <a16:creationId xmlns:a16="http://schemas.microsoft.com/office/drawing/2014/main" id="{E5B0C906-B26A-49BB-A176-A6A8E2ABB999}"/>
-                </a:ext>
-              </a:extLst>
-            </p:cNvPr>
-            <p:cNvCxnSpPr>
-              <a:cxnSpLocks/>
-              <a:stCxn id="10" idx="2"/>
-              <a:endCxn id="44" idx="0"/>
-            </p:cNvCxnSpPr>
-            <p:nvPr/>
-          </p:nvCxnSpPr>
-          <p:spPr>
-            <a:xfrm flipH="1">
-              <a:off x="9791499" y="1775688"/>
-              <a:ext cx="1" cy="564472"/>
-            </a:xfrm>
-            <a:prstGeom prst="line">
-              <a:avLst/>
-            </a:prstGeom>
-            <a:ln w="25400">
-              <a:solidFill>
-                <a:srgbClr val="A9D18E">
-                  <a:alpha val="99000"/>
-                </a:srgbClr>
-              </a:solidFill>
-            </a:ln>
-          </p:spPr>
-          <p:style>
-            <a:lnRef idx="1">
-              <a:schemeClr val="accent1"/>
-            </a:lnRef>
-            <a:fillRef idx="0">
-              <a:schemeClr val="accent1"/>
-            </a:fillRef>
-            <a:effectRef idx="0">
-              <a:schemeClr val="accent1"/>
-            </a:effectRef>
-            <a:fontRef idx="minor">
-              <a:schemeClr val="tx1"/>
-            </a:fontRef>
-          </p:style>
-        </p:cxnSp>
-        <p:sp>
-          <p:nvSpPr>
-            <p:cNvPr id="76" name="사각형: 둥근 모서리 75">
-              <a:extLst>
-                <a:ext uri="{FF2B5EF4-FFF2-40B4-BE49-F238E27FC236}">
-                  <a16:creationId xmlns:a16="http://schemas.microsoft.com/office/drawing/2014/main" id="{AE1A383E-1B83-4B9D-B224-170C41ECDA70}"/>
-                </a:ext>
-              </a:extLst>
-            </p:cNvPr>
-            <p:cNvSpPr/>
-            <p:nvPr/>
-          </p:nvSpPr>
-          <p:spPr>
-            <a:xfrm>
-              <a:off x="9258839" y="3225240"/>
-              <a:ext cx="1065319" cy="559293"/>
-            </a:xfrm>
-            <a:prstGeom prst="roundRect">
-              <a:avLst/>
-            </a:prstGeom>
-            <a:ln w="28575">
-              <a:solidFill>
-                <a:schemeClr val="accent6">
-                  <a:lumMod val="60000"/>
-                  <a:lumOff val="40000"/>
-                </a:schemeClr>
-              </a:solidFill>
-            </a:ln>
-          </p:spPr>
-          <p:style>
-            <a:lnRef idx="2">
-              <a:schemeClr val="dk1"/>
-            </a:lnRef>
-            <a:fillRef idx="1">
-              <a:schemeClr val="lt1"/>
-            </a:fillRef>
-            <a:effectRef idx="0">
-              <a:schemeClr val="dk1"/>
-            </a:effectRef>
-            <a:fontRef idx="minor">
-              <a:schemeClr val="dk1"/>
-            </a:fontRef>
-          </p:style>
-          <p:txBody>
-            <a:bodyPr rtlCol="0" anchor="ctr"/>
-            <a:lstStyle/>
-            <a:p>
-              <a:pPr algn="ctr"/>
-              <a:r>
-                <a:rPr lang="ko-KR" altLang="en-US" sz="1400" dirty="0"/>
-                <a:t>파일 수정</a:t>
-              </a:r>
-            </a:p>
-          </p:txBody>
-        </p:sp>
-        <p:sp>
-          <p:nvSpPr>
-            <p:cNvPr id="77" name="사각형: 둥근 모서리 76">
-              <a:extLst>
-                <a:ext uri="{FF2B5EF4-FFF2-40B4-BE49-F238E27FC236}">
-                  <a16:creationId xmlns:a16="http://schemas.microsoft.com/office/drawing/2014/main" id="{DBB29CDB-3720-4580-A531-04D7B61998D1}"/>
-                </a:ext>
-              </a:extLst>
-            </p:cNvPr>
-            <p:cNvSpPr/>
-            <p:nvPr/>
-          </p:nvSpPr>
-          <p:spPr>
-            <a:xfrm>
-              <a:off x="9258839" y="4124521"/>
-              <a:ext cx="1065319" cy="559293"/>
-            </a:xfrm>
-            <a:prstGeom prst="roundRect">
-              <a:avLst/>
-            </a:prstGeom>
-            <a:ln w="28575">
-              <a:solidFill>
-                <a:schemeClr val="accent6">
-                  <a:lumMod val="60000"/>
-                  <a:lumOff val="40000"/>
-                </a:schemeClr>
-              </a:solidFill>
-            </a:ln>
-          </p:spPr>
-          <p:style>
-            <a:lnRef idx="2">
-              <a:schemeClr val="dk1"/>
-            </a:lnRef>
-            <a:fillRef idx="1">
-              <a:schemeClr val="lt1"/>
-            </a:fillRef>
-            <a:effectRef idx="0">
-              <a:schemeClr val="dk1"/>
-            </a:effectRef>
-            <a:fontRef idx="minor">
-              <a:schemeClr val="dk1"/>
-            </a:fontRef>
-          </p:style>
-          <p:txBody>
-            <a:bodyPr rtlCol="0" anchor="ctr"/>
-            <a:lstStyle/>
-            <a:p>
-              <a:pPr algn="ctr"/>
-              <a:r>
-                <a:rPr lang="ko-KR" altLang="en-US" sz="1400" dirty="0"/>
-                <a:t>파일 공유</a:t>
-              </a:r>
-            </a:p>
-          </p:txBody>
-        </p:sp>
-        <p:cxnSp>
-          <p:nvCxnSpPr>
-            <p:cNvPr id="78" name="직선 연결선 77">
-              <a:extLst>
-                <a:ext uri="{FF2B5EF4-FFF2-40B4-BE49-F238E27FC236}">
-                  <a16:creationId xmlns:a16="http://schemas.microsoft.com/office/drawing/2014/main" id="{D3C047A1-B3A6-47B3-86F0-5E653EC6F6AD}"/>
-                </a:ext>
-              </a:extLst>
-            </p:cNvPr>
-            <p:cNvCxnSpPr>
-              <a:cxnSpLocks/>
-              <a:stCxn id="44" idx="2"/>
-              <a:endCxn id="76" idx="0"/>
-            </p:cNvCxnSpPr>
-            <p:nvPr/>
-          </p:nvCxnSpPr>
-          <p:spPr>
-            <a:xfrm>
-              <a:off x="9791499" y="2899453"/>
-              <a:ext cx="0" cy="325787"/>
-            </a:xfrm>
-            <a:prstGeom prst="line">
-              <a:avLst/>
-            </a:prstGeom>
-            <a:ln w="25400">
-              <a:solidFill>
-                <a:srgbClr val="A9D18E">
-                  <a:alpha val="99000"/>
-                </a:srgbClr>
-              </a:solidFill>
-            </a:ln>
-          </p:spPr>
-          <p:style>
-            <a:lnRef idx="1">
-              <a:schemeClr val="accent1"/>
-            </a:lnRef>
-            <a:fillRef idx="0">
-              <a:schemeClr val="accent1"/>
-            </a:fillRef>
-            <a:effectRef idx="0">
-              <a:schemeClr val="accent1"/>
-            </a:effectRef>
-            <a:fontRef idx="minor">
-              <a:schemeClr val="tx1"/>
-            </a:fontRef>
-          </p:style>
-        </p:cxnSp>
-        <p:cxnSp>
-          <p:nvCxnSpPr>
-            <p:cNvPr id="81" name="직선 연결선 80">
-              <a:extLst>
-                <a:ext uri="{FF2B5EF4-FFF2-40B4-BE49-F238E27FC236}">
-                  <a16:creationId xmlns:a16="http://schemas.microsoft.com/office/drawing/2014/main" id="{EFCFC585-CEA3-4AF8-9C05-AFDB3CF8E2C1}"/>
-                </a:ext>
-              </a:extLst>
-            </p:cNvPr>
-            <p:cNvCxnSpPr>
-              <a:cxnSpLocks/>
-              <a:stCxn id="77" idx="0"/>
-              <a:endCxn id="76" idx="2"/>
-            </p:cNvCxnSpPr>
-            <p:nvPr/>
-          </p:nvCxnSpPr>
-          <p:spPr>
-            <a:xfrm flipV="1">
-              <a:off x="9791499" y="3784533"/>
-              <a:ext cx="0" cy="339988"/>
-            </a:xfrm>
-            <a:prstGeom prst="line">
-              <a:avLst/>
-            </a:prstGeom>
-            <a:ln w="25400">
-              <a:solidFill>
-                <a:srgbClr val="A9D18E">
-                  <a:alpha val="99000"/>
-                </a:srgbClr>
-              </a:solidFill>
-            </a:ln>
-          </p:spPr>
-          <p:style>
-            <a:lnRef idx="1">
-              <a:schemeClr val="accent1"/>
-            </a:lnRef>
-            <a:fillRef idx="0">
-              <a:schemeClr val="accent1"/>
-            </a:fillRef>
-            <a:effectRef idx="0">
-              <a:schemeClr val="accent1"/>
-            </a:effectRef>
-            <a:fontRef idx="minor">
-              <a:schemeClr val="tx1"/>
-            </a:fontRef>
-          </p:style>
-        </p:cxnSp>
-        <p:cxnSp>
-          <p:nvCxnSpPr>
-            <p:cNvPr id="84" name="연결선: 꺾임 83">
-              <a:extLst>
-                <a:ext uri="{FF2B5EF4-FFF2-40B4-BE49-F238E27FC236}">
-                  <a16:creationId xmlns:a16="http://schemas.microsoft.com/office/drawing/2014/main" id="{E1957F4B-851F-477B-A84D-22CEF18F7F65}"/>
-                </a:ext>
-              </a:extLst>
-            </p:cNvPr>
-            <p:cNvCxnSpPr>
-              <a:cxnSpLocks/>
-              <a:endCxn id="57" idx="0"/>
-            </p:cNvCxnSpPr>
-            <p:nvPr/>
-          </p:nvCxnSpPr>
-          <p:spPr>
-            <a:xfrm>
-              <a:off x="6260780" y="2799233"/>
-              <a:ext cx="1222511" cy="1034593"/>
-            </a:xfrm>
-            <a:prstGeom prst="bentConnector2">
-              <a:avLst/>
-            </a:prstGeom>
-            <a:ln w="22225">
-              <a:solidFill>
-                <a:srgbClr val="A9D18E"/>
-              </a:solidFill>
-              <a:tailEnd type="triangle"/>
-            </a:ln>
-          </p:spPr>
-          <p:style>
-            <a:lnRef idx="1">
-              <a:schemeClr val="accent1"/>
-            </a:lnRef>
-            <a:fillRef idx="0">
-              <a:schemeClr val="accent1"/>
-            </a:fillRef>
-            <a:effectRef idx="0">
-              <a:schemeClr val="accent1"/>
-            </a:effectRef>
-            <a:fontRef idx="minor">
-              <a:schemeClr val="tx1"/>
-            </a:fontRef>
-          </p:style>
-        </p:cxnSp>
-        <p:sp>
-          <p:nvSpPr>
-            <p:cNvPr id="88" name="사각형: 둥근 모서리 87">
-              <a:extLst>
-                <a:ext uri="{FF2B5EF4-FFF2-40B4-BE49-F238E27FC236}">
-                  <a16:creationId xmlns:a16="http://schemas.microsoft.com/office/drawing/2014/main" id="{4F729779-2B20-4D13-AA81-B76AD5880837}"/>
-                </a:ext>
-              </a:extLst>
-            </p:cNvPr>
-            <p:cNvSpPr/>
-            <p:nvPr/>
-          </p:nvSpPr>
-          <p:spPr>
-            <a:xfrm>
-              <a:off x="5195460" y="5009753"/>
-              <a:ext cx="1065319" cy="559293"/>
-            </a:xfrm>
-            <a:prstGeom prst="roundRect">
-              <a:avLst/>
-            </a:prstGeom>
-            <a:ln w="28575">
-              <a:solidFill>
-                <a:schemeClr val="accent6">
-                  <a:lumMod val="60000"/>
-                  <a:lumOff val="40000"/>
-                </a:schemeClr>
-              </a:solidFill>
-            </a:ln>
-          </p:spPr>
-          <p:style>
-            <a:lnRef idx="2">
-              <a:schemeClr val="dk1"/>
-            </a:lnRef>
-            <a:fillRef idx="1">
-              <a:schemeClr val="lt1"/>
-            </a:fillRef>
-            <a:effectRef idx="0">
-              <a:schemeClr val="dk1"/>
-            </a:effectRef>
-            <a:fontRef idx="minor">
-              <a:schemeClr val="dk1"/>
-            </a:fontRef>
-          </p:style>
-          <p:txBody>
-            <a:bodyPr rtlCol="0" anchor="ctr"/>
-            <a:lstStyle/>
-            <a:p>
-              <a:pPr algn="ctr"/>
-              <a:r>
-                <a:rPr lang="ko-KR" altLang="en-US" sz="1400" dirty="0"/>
-                <a:t>키워드</a:t>
-              </a:r>
-              <a:endParaRPr lang="en-US" altLang="ko-KR" sz="1400" dirty="0"/>
-            </a:p>
-            <a:p>
-              <a:pPr algn="ctr"/>
-              <a:r>
-                <a:rPr lang="ko-KR" altLang="en-US" sz="1400" dirty="0"/>
-                <a:t>강조</a:t>
-              </a:r>
-              <a:endParaRPr lang="en-US" altLang="ko-KR" sz="1400" dirty="0"/>
-            </a:p>
-          </p:txBody>
-        </p:sp>
-        <p:cxnSp>
-          <p:nvCxnSpPr>
-            <p:cNvPr id="89" name="직선 연결선 88">
-              <a:extLst>
-                <a:ext uri="{FF2B5EF4-FFF2-40B4-BE49-F238E27FC236}">
-                  <a16:creationId xmlns:a16="http://schemas.microsoft.com/office/drawing/2014/main" id="{FC12264A-A6C4-4DEF-8CCC-751D7E3ED425}"/>
-                </a:ext>
-              </a:extLst>
-            </p:cNvPr>
-            <p:cNvCxnSpPr>
-              <a:cxnSpLocks/>
-              <a:stCxn id="13" idx="2"/>
-              <a:endCxn id="88" idx="0"/>
-            </p:cNvCxnSpPr>
-            <p:nvPr/>
-          </p:nvCxnSpPr>
-          <p:spPr>
-            <a:xfrm flipH="1">
-              <a:off x="5728120" y="4683814"/>
+              <a:off x="9929191" y="4698547"/>
               <a:ext cx="1" cy="325939"/>
             </a:xfrm>
             <a:prstGeom prst="line">
@@ -11844,24 +12561,111 @@
         </p:cxnSp>
         <p:cxnSp>
           <p:nvCxnSpPr>
-            <p:cNvPr id="92" name="연결선: 꺾임 91">
+            <p:cNvPr id="47" name="연결선: 꺾임 46">
               <a:extLst>
                 <a:ext uri="{FF2B5EF4-FFF2-40B4-BE49-F238E27FC236}">
-                  <a16:creationId xmlns:a16="http://schemas.microsoft.com/office/drawing/2014/main" id="{319B1DF2-4C89-4329-AF0B-34EE38304FC1}"/>
+                  <a16:creationId xmlns:a16="http://schemas.microsoft.com/office/drawing/2014/main" id="{D3AE0D18-D50E-4D5D-9047-02FA9F80B5B4}"/>
                 </a:ext>
               </a:extLst>
             </p:cNvPr>
             <p:cNvCxnSpPr>
               <a:cxnSpLocks/>
-              <a:stCxn id="88" idx="3"/>
-              <a:endCxn id="57" idx="2"/>
+              <a:stCxn id="44" idx="3"/>
+              <a:endCxn id="42" idx="3"/>
+            </p:cNvCxnSpPr>
+            <p:nvPr/>
+          </p:nvCxnSpPr>
+          <p:spPr>
+            <a:xfrm flipH="1">
+              <a:off x="10461850" y="2634540"/>
+              <a:ext cx="1" cy="2669593"/>
+            </a:xfrm>
+            <a:prstGeom prst="bentConnector3">
+              <a:avLst>
+                <a:gd name="adj1" fmla="val -22860000000"/>
+              </a:avLst>
+            </a:prstGeom>
+            <a:ln w="22225">
+              <a:solidFill>
+                <a:srgbClr val="A9D18E"/>
+              </a:solidFill>
+              <a:tailEnd type="triangle"/>
+            </a:ln>
+          </p:spPr>
+          <p:style>
+            <a:lnRef idx="1">
+              <a:schemeClr val="accent1"/>
+            </a:lnRef>
+            <a:fillRef idx="0">
+              <a:schemeClr val="accent1"/>
+            </a:fillRef>
+            <a:effectRef idx="0">
+              <a:schemeClr val="accent1"/>
+            </a:effectRef>
+            <a:fontRef idx="minor">
+              <a:schemeClr val="tx1"/>
+            </a:fontRef>
+          </p:style>
+        </p:cxnSp>
+        <p:sp>
+          <p:nvSpPr>
+            <p:cNvPr id="50" name="TextBox 49">
+              <a:extLst>
+                <a:ext uri="{FF2B5EF4-FFF2-40B4-BE49-F238E27FC236}">
+                  <a16:creationId xmlns:a16="http://schemas.microsoft.com/office/drawing/2014/main" id="{54A4B89B-C853-416F-B6A4-7A599DE79034}"/>
+                </a:ext>
+              </a:extLst>
+            </p:cNvPr>
+            <p:cNvSpPr txBox="1"/>
+            <p:nvPr/>
+          </p:nvSpPr>
+          <p:spPr>
+            <a:xfrm>
+              <a:off x="10734905" y="2634539"/>
+              <a:ext cx="1065314" cy="461665"/>
+            </a:xfrm>
+            <a:prstGeom prst="rect">
+              <a:avLst/>
+            </a:prstGeom>
+            <a:noFill/>
+          </p:spPr>
+          <p:txBody>
+            <a:bodyPr wrap="square" rtlCol="0">
+              <a:spAutoFit/>
+            </a:bodyPr>
+            <a:lstStyle/>
+            <a:p>
+              <a:r>
+                <a:rPr lang="ko-KR" altLang="en-US" sz="1200" dirty="0" err="1"/>
+                <a:t>스와이프로</a:t>
+              </a:r>
+              <a:r>
+                <a:rPr lang="ko-KR" altLang="en-US" sz="1200" dirty="0"/>
+                <a:t> 같이 보기</a:t>
+              </a:r>
+            </a:p>
+          </p:txBody>
+        </p:sp>
+        <p:cxnSp>
+          <p:nvCxnSpPr>
+            <p:cNvPr id="53" name="연결선: 꺾임 52">
+              <a:extLst>
+                <a:ext uri="{FF2B5EF4-FFF2-40B4-BE49-F238E27FC236}">
+                  <a16:creationId xmlns:a16="http://schemas.microsoft.com/office/drawing/2014/main" id="{A2BFA59B-30BC-491F-BCF1-65BC55B31A93}"/>
+                </a:ext>
+              </a:extLst>
+            </p:cNvPr>
+            <p:cNvCxnSpPr>
+              <a:cxnSpLocks/>
+              <a:stCxn id="37" idx="3"/>
+              <a:endCxn id="42" idx="2"/>
             </p:cNvCxnSpPr>
             <p:nvPr/>
           </p:nvCxnSpPr>
           <p:spPr>
             <a:xfrm flipV="1">
-              <a:off x="6260779" y="4393119"/>
-              <a:ext cx="1222512" cy="896281"/>
+              <a:off x="6398471" y="5583779"/>
+              <a:ext cx="3530720" cy="615124"/>
             </a:xfrm>
             <a:prstGeom prst="bentConnector2">
               <a:avLst/>
@@ -11888,370 +12692,6 @@
             </a:fontRef>
           </p:style>
         </p:cxnSp>
-        <p:sp>
-          <p:nvSpPr>
-            <p:cNvPr id="40" name="TextBox 39">
-              <a:extLst>
-                <a:ext uri="{FF2B5EF4-FFF2-40B4-BE49-F238E27FC236}">
-                  <a16:creationId xmlns:a16="http://schemas.microsoft.com/office/drawing/2014/main" id="{A7514A7B-3A8A-49B2-A838-74A96F354567}"/>
-                </a:ext>
-              </a:extLst>
-            </p:cNvPr>
-            <p:cNvSpPr txBox="1"/>
-            <p:nvPr/>
-          </p:nvSpPr>
-          <p:spPr>
-            <a:xfrm>
-              <a:off x="6510361" y="3520136"/>
-              <a:ext cx="1460378" cy="276999"/>
-            </a:xfrm>
-            <a:prstGeom prst="rect">
-              <a:avLst/>
-            </a:prstGeom>
-            <a:noFill/>
-          </p:spPr>
-          <p:txBody>
-            <a:bodyPr wrap="square" rtlCol="0">
-              <a:spAutoFit/>
-            </a:bodyPr>
-            <a:lstStyle/>
-            <a:p>
-              <a:r>
-                <a:rPr lang="ko-KR" altLang="en-US" sz="1200" dirty="0"/>
-                <a:t>녹음 종료 및 저장</a:t>
-              </a:r>
-            </a:p>
-          </p:txBody>
-        </p:sp>
-        <p:sp>
-          <p:nvSpPr>
-            <p:cNvPr id="95" name="TextBox 94">
-              <a:extLst>
-                <a:ext uri="{FF2B5EF4-FFF2-40B4-BE49-F238E27FC236}">
-                  <a16:creationId xmlns:a16="http://schemas.microsoft.com/office/drawing/2014/main" id="{FAB91042-5C7E-4E49-AAF9-F4B367B308C8}"/>
-                </a:ext>
-              </a:extLst>
-            </p:cNvPr>
-            <p:cNvSpPr txBox="1"/>
-            <p:nvPr/>
-          </p:nvSpPr>
-          <p:spPr>
-            <a:xfrm>
-              <a:off x="6510360" y="5331174"/>
-              <a:ext cx="1728571" cy="461665"/>
-            </a:xfrm>
-            <a:prstGeom prst="rect">
-              <a:avLst/>
-            </a:prstGeom>
-            <a:noFill/>
-          </p:spPr>
-          <p:txBody>
-            <a:bodyPr wrap="square" rtlCol="0">
-              <a:spAutoFit/>
-            </a:bodyPr>
-            <a:lstStyle/>
-            <a:p>
-              <a:r>
-                <a:rPr lang="ko-KR" altLang="en-US" sz="1200" dirty="0"/>
-                <a:t>자주 나오거나 강조된 키워드 </a:t>
-              </a:r>
-              <a:r>
-                <a:rPr lang="ko-KR" altLang="en-US" sz="1200" dirty="0" err="1"/>
-                <a:t>하이라이팅</a:t>
-              </a:r>
-              <a:endParaRPr lang="ko-KR" altLang="en-US" sz="1200" dirty="0"/>
-            </a:p>
-          </p:txBody>
-        </p:sp>
-        <p:sp>
-          <p:nvSpPr>
-            <p:cNvPr id="96" name="사각형: 둥근 모서리 95">
-              <a:extLst>
-                <a:ext uri="{FF2B5EF4-FFF2-40B4-BE49-F238E27FC236}">
-                  <a16:creationId xmlns:a16="http://schemas.microsoft.com/office/drawing/2014/main" id="{00AFE93E-250B-4991-BE6E-D9DEF9851865}"/>
-                </a:ext>
-              </a:extLst>
-            </p:cNvPr>
-            <p:cNvSpPr/>
-            <p:nvPr/>
-          </p:nvSpPr>
-          <p:spPr>
-            <a:xfrm>
-              <a:off x="1592454" y="2343775"/>
-              <a:ext cx="1065319" cy="559293"/>
-            </a:xfrm>
-            <a:prstGeom prst="roundRect">
-              <a:avLst/>
-            </a:prstGeom>
-            <a:ln w="28575">
-              <a:solidFill>
-                <a:schemeClr val="accent6">
-                  <a:lumMod val="60000"/>
-                  <a:lumOff val="40000"/>
-                </a:schemeClr>
-              </a:solidFill>
-            </a:ln>
-          </p:spPr>
-          <p:style>
-            <a:lnRef idx="2">
-              <a:schemeClr val="dk1"/>
-            </a:lnRef>
-            <a:fillRef idx="1">
-              <a:schemeClr val="lt1"/>
-            </a:fillRef>
-            <a:effectRef idx="0">
-              <a:schemeClr val="dk1"/>
-            </a:effectRef>
-            <a:fontRef idx="minor">
-              <a:schemeClr val="dk1"/>
-            </a:fontRef>
-          </p:style>
-          <p:txBody>
-            <a:bodyPr rtlCol="0" anchor="ctr"/>
-            <a:lstStyle/>
-            <a:p>
-              <a:pPr algn="ctr"/>
-              <a:r>
-                <a:rPr lang="ko-KR" altLang="en-US" sz="1400" dirty="0"/>
-                <a:t>로그인</a:t>
-              </a:r>
-              <a:endParaRPr lang="en-US" altLang="ko-KR" sz="1400" dirty="0"/>
-            </a:p>
-          </p:txBody>
-        </p:sp>
-        <p:cxnSp>
-          <p:nvCxnSpPr>
-            <p:cNvPr id="97" name="직선 연결선 96">
-              <a:extLst>
-                <a:ext uri="{FF2B5EF4-FFF2-40B4-BE49-F238E27FC236}">
-                  <a16:creationId xmlns:a16="http://schemas.microsoft.com/office/drawing/2014/main" id="{44C3FE5B-A71A-4564-8128-480471563760}"/>
-                </a:ext>
-              </a:extLst>
-            </p:cNvPr>
-            <p:cNvCxnSpPr>
-              <a:cxnSpLocks/>
-              <a:stCxn id="6" idx="2"/>
-              <a:endCxn id="96" idx="0"/>
-            </p:cNvCxnSpPr>
-            <p:nvPr/>
-          </p:nvCxnSpPr>
-          <p:spPr>
-            <a:xfrm flipH="1">
-              <a:off x="2125114" y="1775689"/>
-              <a:ext cx="1" cy="568086"/>
-            </a:xfrm>
-            <a:prstGeom prst="line">
-              <a:avLst/>
-            </a:prstGeom>
-            <a:ln w="25400">
-              <a:solidFill>
-                <a:srgbClr val="A9D18E">
-                  <a:alpha val="99000"/>
-                </a:srgbClr>
-              </a:solidFill>
-            </a:ln>
-          </p:spPr>
-          <p:style>
-            <a:lnRef idx="1">
-              <a:schemeClr val="accent1"/>
-            </a:lnRef>
-            <a:fillRef idx="0">
-              <a:schemeClr val="accent1"/>
-            </a:fillRef>
-            <a:effectRef idx="0">
-              <a:schemeClr val="accent1"/>
-            </a:effectRef>
-            <a:fontRef idx="minor">
-              <a:schemeClr val="tx1"/>
-            </a:fontRef>
-          </p:style>
-        </p:cxnSp>
-        <p:sp>
-          <p:nvSpPr>
-            <p:cNvPr id="100" name="사각형: 둥근 모서리 99">
-              <a:extLst>
-                <a:ext uri="{FF2B5EF4-FFF2-40B4-BE49-F238E27FC236}">
-                  <a16:creationId xmlns:a16="http://schemas.microsoft.com/office/drawing/2014/main" id="{ED5A4FEC-F37F-4D21-B857-B7E75445657E}"/>
-                </a:ext>
-              </a:extLst>
-            </p:cNvPr>
-            <p:cNvSpPr/>
-            <p:nvPr/>
-          </p:nvSpPr>
-          <p:spPr>
-            <a:xfrm>
-              <a:off x="1592454" y="3225239"/>
-              <a:ext cx="1065319" cy="559293"/>
-            </a:xfrm>
-            <a:prstGeom prst="roundRect">
-              <a:avLst/>
-            </a:prstGeom>
-            <a:ln w="28575">
-              <a:solidFill>
-                <a:schemeClr val="accent6">
-                  <a:lumMod val="60000"/>
-                  <a:lumOff val="40000"/>
-                </a:schemeClr>
-              </a:solidFill>
-            </a:ln>
-          </p:spPr>
-          <p:style>
-            <a:lnRef idx="2">
-              <a:schemeClr val="dk1"/>
-            </a:lnRef>
-            <a:fillRef idx="1">
-              <a:schemeClr val="lt1"/>
-            </a:fillRef>
-            <a:effectRef idx="0">
-              <a:schemeClr val="dk1"/>
-            </a:effectRef>
-            <a:fontRef idx="minor">
-              <a:schemeClr val="dk1"/>
-            </a:fontRef>
-          </p:style>
-          <p:txBody>
-            <a:bodyPr rtlCol="0" anchor="ctr"/>
-            <a:lstStyle/>
-            <a:p>
-              <a:pPr algn="ctr"/>
-              <a:r>
-                <a:rPr lang="ko-KR" altLang="en-US" sz="1400" dirty="0"/>
-                <a:t>배속설정</a:t>
-              </a:r>
-              <a:endParaRPr lang="en-US" altLang="ko-KR" sz="1400" dirty="0"/>
-            </a:p>
-          </p:txBody>
-        </p:sp>
-        <p:cxnSp>
-          <p:nvCxnSpPr>
-            <p:cNvPr id="101" name="직선 연결선 100">
-              <a:extLst>
-                <a:ext uri="{FF2B5EF4-FFF2-40B4-BE49-F238E27FC236}">
-                  <a16:creationId xmlns:a16="http://schemas.microsoft.com/office/drawing/2014/main" id="{8719D925-9B38-4262-AE54-458132F53CEF}"/>
-                </a:ext>
-              </a:extLst>
-            </p:cNvPr>
-            <p:cNvCxnSpPr>
-              <a:cxnSpLocks/>
-              <a:stCxn id="96" idx="2"/>
-              <a:endCxn id="100" idx="0"/>
-            </p:cNvCxnSpPr>
-            <p:nvPr/>
-          </p:nvCxnSpPr>
-          <p:spPr>
-            <a:xfrm>
-              <a:off x="2125114" y="2903068"/>
-              <a:ext cx="0" cy="322171"/>
-            </a:xfrm>
-            <a:prstGeom prst="line">
-              <a:avLst/>
-            </a:prstGeom>
-            <a:ln w="25400">
-              <a:solidFill>
-                <a:srgbClr val="A9D18E">
-                  <a:alpha val="99000"/>
-                </a:srgbClr>
-              </a:solidFill>
-            </a:ln>
-          </p:spPr>
-          <p:style>
-            <a:lnRef idx="1">
-              <a:schemeClr val="accent1"/>
-            </a:lnRef>
-            <a:fillRef idx="0">
-              <a:schemeClr val="accent1"/>
-            </a:fillRef>
-            <a:effectRef idx="0">
-              <a:schemeClr val="accent1"/>
-            </a:effectRef>
-            <a:fontRef idx="minor">
-              <a:schemeClr val="tx1"/>
-            </a:fontRef>
-          </p:style>
-        </p:cxnSp>
-        <p:cxnSp>
-          <p:nvCxnSpPr>
-            <p:cNvPr id="107" name="연결선: 꺾임 106">
-              <a:extLst>
-                <a:ext uri="{FF2B5EF4-FFF2-40B4-BE49-F238E27FC236}">
-                  <a16:creationId xmlns:a16="http://schemas.microsoft.com/office/drawing/2014/main" id="{04EA31F5-D4A7-478C-B9FC-B7AB79B29F05}"/>
-                </a:ext>
-              </a:extLst>
-            </p:cNvPr>
-            <p:cNvCxnSpPr>
-              <a:cxnSpLocks/>
-              <a:stCxn id="100" idx="3"/>
-              <a:endCxn id="11" idx="1"/>
-            </p:cNvCxnSpPr>
-            <p:nvPr/>
-          </p:nvCxnSpPr>
-          <p:spPr>
-            <a:xfrm flipV="1">
-              <a:off x="2657773" y="2619807"/>
-              <a:ext cx="2537689" cy="885079"/>
-            </a:xfrm>
-            <a:prstGeom prst="bentConnector3">
-              <a:avLst>
-                <a:gd name="adj1" fmla="val 50000"/>
-              </a:avLst>
-            </a:prstGeom>
-            <a:ln w="22225">
-              <a:solidFill>
-                <a:srgbClr val="A9D18E"/>
-              </a:solidFill>
-              <a:tailEnd type="triangle"/>
-            </a:ln>
-          </p:spPr>
-          <p:style>
-            <a:lnRef idx="1">
-              <a:schemeClr val="accent1"/>
-            </a:lnRef>
-            <a:fillRef idx="0">
-              <a:schemeClr val="accent1"/>
-            </a:fillRef>
-            <a:effectRef idx="0">
-              <a:schemeClr val="accent1"/>
-            </a:effectRef>
-            <a:fontRef idx="minor">
-              <a:schemeClr val="tx1"/>
-            </a:fontRef>
-          </p:style>
-        </p:cxnSp>
-        <p:sp>
-          <p:nvSpPr>
-            <p:cNvPr id="110" name="TextBox 109">
-              <a:extLst>
-                <a:ext uri="{FF2B5EF4-FFF2-40B4-BE49-F238E27FC236}">
-                  <a16:creationId xmlns:a16="http://schemas.microsoft.com/office/drawing/2014/main" id="{FF949F6B-6E51-4EF9-A068-9B4D1B4FD889}"/>
-                </a:ext>
-              </a:extLst>
-            </p:cNvPr>
-            <p:cNvSpPr txBox="1"/>
-            <p:nvPr/>
-          </p:nvSpPr>
-          <p:spPr>
-            <a:xfrm>
-              <a:off x="2823688" y="3757836"/>
-              <a:ext cx="1344439" cy="646331"/>
-            </a:xfrm>
-            <a:prstGeom prst="rect">
-              <a:avLst/>
-            </a:prstGeom>
-            <a:noFill/>
-          </p:spPr>
-          <p:txBody>
-            <a:bodyPr wrap="square" rtlCol="0">
-              <a:spAutoFit/>
-            </a:bodyPr>
-            <a:lstStyle/>
-            <a:p>
-              <a:r>
-                <a:rPr lang="ko-KR" altLang="en-US" sz="1200" dirty="0"/>
-                <a:t>영상의 배속에 따라 녹음 파일의 시간 설정</a:t>
-              </a:r>
-            </a:p>
-          </p:txBody>
-        </p:sp>
       </p:grpSp>
     </p:spTree>
     <p:extLst>
@@ -12283,6 +12723,42 @@
           <a:chExt cx="0" cy="0"/>
         </a:xfrm>
       </p:grpSpPr>
+      <p:pic>
+        <p:nvPicPr>
+          <p:cNvPr id="61" name="그림 60">
+            <a:extLst>
+              <a:ext uri="{FF2B5EF4-FFF2-40B4-BE49-F238E27FC236}">
+                <a16:creationId xmlns:a16="http://schemas.microsoft.com/office/drawing/2014/main" id="{C17D694C-D640-48B4-AB64-9CD4CD5455CB}"/>
+              </a:ext>
+            </a:extLst>
+          </p:cNvPr>
+          <p:cNvPicPr>
+            <a:picLocks noChangeAspect="1"/>
+          </p:cNvPicPr>
+          <p:nvPr/>
+        </p:nvPicPr>
+        <p:blipFill>
+          <a:blip r:embed="rId2">
+            <a:extLst>
+              <a:ext uri="{28A0092B-C50C-407E-A947-70E740481C1C}">
+                <a14:useLocalDpi xmlns:a14="http://schemas.microsoft.com/office/drawing/2010/main" val="0"/>
+              </a:ext>
+            </a:extLst>
+          </a:blip>
+          <a:stretch>
+            <a:fillRect/>
+          </a:stretch>
+        </p:blipFill>
+        <p:spPr>
+          <a:xfrm>
+            <a:off x="7263316" y="4113611"/>
+            <a:ext cx="1252086" cy="2641764"/>
+          </a:xfrm>
+          <a:prstGeom prst="rect">
+            <a:avLst/>
+          </a:prstGeom>
+        </p:spPr>
+      </p:pic>
       <p:sp>
         <p:nvSpPr>
           <p:cNvPr id="56" name="평행 사변형 55">
@@ -12411,283 +12887,262 @@
         </p:xfrm>
         <a:graphic>
           <a:graphicData uri="http://schemas.openxmlformats.org/drawingml/2006/diagram">
-            <dgm:relIds xmlns:dgm="http://schemas.openxmlformats.org/drawingml/2006/diagram" xmlns:r="http://schemas.openxmlformats.org/officeDocument/2006/relationships" r:dm="rId2" r:lo="rId3" r:qs="rId4" r:cs="rId5"/>
+            <dgm:relIds xmlns:dgm="http://schemas.openxmlformats.org/drawingml/2006/diagram" xmlns:r="http://schemas.openxmlformats.org/officeDocument/2006/relationships" r:dm="rId3" r:lo="rId4" r:qs="rId5" r:cs="rId6"/>
           </a:graphicData>
         </a:graphic>
       </p:graphicFrame>
-      <p:grpSp>
-        <p:nvGrpSpPr>
-          <p:cNvPr id="22" name="그룹 21">
+      <p:pic>
+        <p:nvPicPr>
+          <p:cNvPr id="4" name="그림 3">
             <a:extLst>
               <a:ext uri="{FF2B5EF4-FFF2-40B4-BE49-F238E27FC236}">
-                <a16:creationId xmlns:a16="http://schemas.microsoft.com/office/drawing/2014/main" id="{43C8DF1C-EF18-417D-9952-B272D18E36BA}"/>
+                <a16:creationId xmlns:a16="http://schemas.microsoft.com/office/drawing/2014/main" id="{CA6444B8-ADC5-4FBC-B7F1-C42FDAA00899}"/>
               </a:ext>
             </a:extLst>
           </p:cNvPr>
-          <p:cNvGrpSpPr/>
+          <p:cNvPicPr>
+            <a:picLocks noChangeAspect="1"/>
+          </p:cNvPicPr>
           <p:nvPr/>
-        </p:nvGrpSpPr>
-        <p:grpSpPr>
+        </p:nvPicPr>
+        <p:blipFill>
+          <a:blip r:embed="rId8">
+            <a:extLst>
+              <a:ext uri="{28A0092B-C50C-407E-A947-70E740481C1C}">
+                <a14:useLocalDpi xmlns:a14="http://schemas.microsoft.com/office/drawing/2010/main" val="0"/>
+              </a:ext>
+            </a:extLst>
+          </a:blip>
+          <a:stretch>
+            <a:fillRect/>
+          </a:stretch>
+        </p:blipFill>
+        <p:spPr>
           <a:xfrm>
-            <a:off x="385582" y="2297425"/>
-            <a:ext cx="11420835" cy="2641764"/>
-            <a:chOff x="1124247" y="2279670"/>
-            <a:chExt cx="11420835" cy="2641764"/>
+            <a:off x="789564" y="4113611"/>
+            <a:ext cx="1252086" cy="2641764"/>
           </a:xfrm>
-        </p:grpSpPr>
-        <p:pic>
-          <p:nvPicPr>
-            <p:cNvPr id="4" name="그림 3">
-              <a:extLst>
-                <a:ext uri="{FF2B5EF4-FFF2-40B4-BE49-F238E27FC236}">
-                  <a16:creationId xmlns:a16="http://schemas.microsoft.com/office/drawing/2014/main" id="{CA6444B8-ADC5-4FBC-B7F1-C42FDAA00899}"/>
-                </a:ext>
-              </a:extLst>
-            </p:cNvPr>
-            <p:cNvPicPr>
-              <a:picLocks noChangeAspect="1"/>
-            </p:cNvPicPr>
-            <p:nvPr/>
-          </p:nvPicPr>
-          <p:blipFill>
-            <a:blip r:embed="rId7">
-              <a:extLst>
-                <a:ext uri="{28A0092B-C50C-407E-A947-70E740481C1C}">
-                  <a14:useLocalDpi xmlns:a14="http://schemas.microsoft.com/office/drawing/2010/main" val="0"/>
-                </a:ext>
-              </a:extLst>
-            </a:blip>
-            <a:stretch>
-              <a:fillRect/>
-            </a:stretch>
-          </p:blipFill>
-          <p:spPr>
-            <a:xfrm>
-              <a:off x="4513829" y="2279670"/>
-              <a:ext cx="1252086" cy="2641764"/>
-            </a:xfrm>
-            <a:prstGeom prst="rect">
-              <a:avLst/>
-            </a:prstGeom>
-          </p:spPr>
-        </p:pic>
-        <p:pic>
-          <p:nvPicPr>
-            <p:cNvPr id="6" name="그림 5">
-              <a:extLst>
-                <a:ext uri="{FF2B5EF4-FFF2-40B4-BE49-F238E27FC236}">
-                  <a16:creationId xmlns:a16="http://schemas.microsoft.com/office/drawing/2014/main" id="{60D11A73-8DDC-4C04-B6AA-66993239F6ED}"/>
-                </a:ext>
-              </a:extLst>
-            </p:cNvPr>
-            <p:cNvPicPr>
-              <a:picLocks noChangeAspect="1"/>
-            </p:cNvPicPr>
-            <p:nvPr/>
-          </p:nvPicPr>
-          <p:blipFill>
-            <a:blip r:embed="rId8">
-              <a:extLst>
-                <a:ext uri="{28A0092B-C50C-407E-A947-70E740481C1C}">
-                  <a14:useLocalDpi xmlns:a14="http://schemas.microsoft.com/office/drawing/2010/main" val="0"/>
-                </a:ext>
-              </a:extLst>
-            </a:blip>
-            <a:stretch>
-              <a:fillRect/>
-            </a:stretch>
-          </p:blipFill>
-          <p:spPr>
-            <a:xfrm>
-              <a:off x="2819038" y="2279670"/>
-              <a:ext cx="1252086" cy="2641764"/>
-            </a:xfrm>
-            <a:prstGeom prst="rect">
-              <a:avLst/>
-            </a:prstGeom>
-          </p:spPr>
-        </p:pic>
-        <p:pic>
-          <p:nvPicPr>
-            <p:cNvPr id="8" name="그림 7">
-              <a:extLst>
-                <a:ext uri="{FF2B5EF4-FFF2-40B4-BE49-F238E27FC236}">
-                  <a16:creationId xmlns:a16="http://schemas.microsoft.com/office/drawing/2014/main" id="{067E348C-493E-46E6-8432-DD2C9703A173}"/>
-                </a:ext>
-              </a:extLst>
-            </p:cNvPr>
-            <p:cNvPicPr>
-              <a:picLocks noChangeAspect="1"/>
-            </p:cNvPicPr>
-            <p:nvPr/>
-          </p:nvPicPr>
-          <p:blipFill>
-            <a:blip r:embed="rId9">
-              <a:extLst>
-                <a:ext uri="{28A0092B-C50C-407E-A947-70E740481C1C}">
-                  <a14:useLocalDpi xmlns:a14="http://schemas.microsoft.com/office/drawing/2010/main" val="0"/>
-                </a:ext>
-              </a:extLst>
-            </a:blip>
-            <a:stretch>
-              <a:fillRect/>
-            </a:stretch>
-          </p:blipFill>
-          <p:spPr>
-            <a:xfrm>
-              <a:off x="1124247" y="2279670"/>
-              <a:ext cx="1252086" cy="2641764"/>
-            </a:xfrm>
-            <a:prstGeom prst="rect">
-              <a:avLst/>
-            </a:prstGeom>
-          </p:spPr>
-        </p:pic>
-        <p:pic>
-          <p:nvPicPr>
-            <p:cNvPr id="10" name="그림 9">
-              <a:extLst>
-                <a:ext uri="{FF2B5EF4-FFF2-40B4-BE49-F238E27FC236}">
-                  <a16:creationId xmlns:a16="http://schemas.microsoft.com/office/drawing/2014/main" id="{ABAD49A3-2224-454E-957D-9746ECADD801}"/>
-                </a:ext>
-              </a:extLst>
-            </p:cNvPr>
-            <p:cNvPicPr>
-              <a:picLocks noChangeAspect="1"/>
-            </p:cNvPicPr>
-            <p:nvPr/>
-          </p:nvPicPr>
-          <p:blipFill>
-            <a:blip r:embed="rId10">
-              <a:extLst>
-                <a:ext uri="{28A0092B-C50C-407E-A947-70E740481C1C}">
-                  <a14:useLocalDpi xmlns:a14="http://schemas.microsoft.com/office/drawing/2010/main" val="0"/>
-                </a:ext>
-              </a:extLst>
-            </a:blip>
-            <a:stretch>
-              <a:fillRect/>
-            </a:stretch>
-          </p:blipFill>
-          <p:spPr>
-            <a:xfrm>
-              <a:off x="11292996" y="2279670"/>
-              <a:ext cx="1252086" cy="2641764"/>
-            </a:xfrm>
-            <a:prstGeom prst="rect">
-              <a:avLst/>
-            </a:prstGeom>
-          </p:spPr>
-        </p:pic>
-        <p:pic>
-          <p:nvPicPr>
-            <p:cNvPr id="12" name="그림 11">
-              <a:extLst>
-                <a:ext uri="{FF2B5EF4-FFF2-40B4-BE49-F238E27FC236}">
-                  <a16:creationId xmlns:a16="http://schemas.microsoft.com/office/drawing/2014/main" id="{A270BDEF-2CB7-4F39-86F4-2BF270315D64}"/>
-                </a:ext>
-              </a:extLst>
-            </p:cNvPr>
-            <p:cNvPicPr>
-              <a:picLocks noChangeAspect="1"/>
-            </p:cNvPicPr>
-            <p:nvPr/>
-          </p:nvPicPr>
-          <p:blipFill>
-            <a:blip r:embed="rId11">
-              <a:extLst>
-                <a:ext uri="{28A0092B-C50C-407E-A947-70E740481C1C}">
-                  <a14:useLocalDpi xmlns:a14="http://schemas.microsoft.com/office/drawing/2010/main" val="0"/>
-                </a:ext>
-              </a:extLst>
-            </a:blip>
-            <a:stretch>
-              <a:fillRect/>
-            </a:stretch>
-          </p:blipFill>
-          <p:spPr>
-            <a:xfrm>
-              <a:off x="7903411" y="2279670"/>
-              <a:ext cx="1252086" cy="2641764"/>
-            </a:xfrm>
-            <a:prstGeom prst="rect">
-              <a:avLst/>
-            </a:prstGeom>
-          </p:spPr>
-        </p:pic>
-        <p:pic>
-          <p:nvPicPr>
-            <p:cNvPr id="14" name="그림 13">
-              <a:extLst>
-                <a:ext uri="{FF2B5EF4-FFF2-40B4-BE49-F238E27FC236}">
-                  <a16:creationId xmlns:a16="http://schemas.microsoft.com/office/drawing/2014/main" id="{AE54D993-1BFB-473C-81F3-6C777D5C9B0C}"/>
-                </a:ext>
-              </a:extLst>
-            </p:cNvPr>
-            <p:cNvPicPr>
-              <a:picLocks noChangeAspect="1"/>
-            </p:cNvPicPr>
-            <p:nvPr/>
-          </p:nvPicPr>
-          <p:blipFill>
-            <a:blip r:embed="rId12">
-              <a:extLst>
-                <a:ext uri="{28A0092B-C50C-407E-A947-70E740481C1C}">
-                  <a14:useLocalDpi xmlns:a14="http://schemas.microsoft.com/office/drawing/2010/main" val="0"/>
-                </a:ext>
-              </a:extLst>
-            </a:blip>
-            <a:stretch>
-              <a:fillRect/>
-            </a:stretch>
-          </p:blipFill>
-          <p:spPr>
-            <a:xfrm>
-              <a:off x="9598202" y="2279670"/>
-              <a:ext cx="1252086" cy="2641764"/>
-            </a:xfrm>
-            <a:prstGeom prst="rect">
-              <a:avLst/>
-            </a:prstGeom>
-          </p:spPr>
-        </p:pic>
-        <p:pic>
-          <p:nvPicPr>
-            <p:cNvPr id="18" name="그림 17">
-              <a:extLst>
-                <a:ext uri="{FF2B5EF4-FFF2-40B4-BE49-F238E27FC236}">
-                  <a16:creationId xmlns:a16="http://schemas.microsoft.com/office/drawing/2014/main" id="{51F8AA52-283D-459A-AFCA-BDE9D184F337}"/>
-                </a:ext>
-              </a:extLst>
-            </p:cNvPr>
-            <p:cNvPicPr>
-              <a:picLocks noChangeAspect="1"/>
-            </p:cNvPicPr>
-            <p:nvPr/>
-          </p:nvPicPr>
-          <p:blipFill>
-            <a:blip r:embed="rId13">
-              <a:extLst>
-                <a:ext uri="{28A0092B-C50C-407E-A947-70E740481C1C}">
-                  <a14:useLocalDpi xmlns:a14="http://schemas.microsoft.com/office/drawing/2010/main" val="0"/>
-                </a:ext>
-              </a:extLst>
-            </a:blip>
-            <a:stretch>
-              <a:fillRect/>
-            </a:stretch>
-          </p:blipFill>
-          <p:spPr>
-            <a:xfrm>
-              <a:off x="6208620" y="2279670"/>
-              <a:ext cx="1252086" cy="2641764"/>
-            </a:xfrm>
-            <a:prstGeom prst="rect">
-              <a:avLst/>
-            </a:prstGeom>
-          </p:spPr>
-        </p:pic>
-      </p:grpSp>
+          <a:prstGeom prst="rect">
+            <a:avLst/>
+          </a:prstGeom>
+        </p:spPr>
+      </p:pic>
+      <p:pic>
+        <p:nvPicPr>
+          <p:cNvPr id="6" name="그림 5">
+            <a:extLst>
+              <a:ext uri="{FF2B5EF4-FFF2-40B4-BE49-F238E27FC236}">
+                <a16:creationId xmlns:a16="http://schemas.microsoft.com/office/drawing/2014/main" id="{60D11A73-8DDC-4C04-B6AA-66993239F6ED}"/>
+              </a:ext>
+            </a:extLst>
+          </p:cNvPr>
+          <p:cNvPicPr>
+            <a:picLocks noChangeAspect="1"/>
+          </p:cNvPicPr>
+          <p:nvPr/>
+        </p:nvPicPr>
+        <p:blipFill>
+          <a:blip r:embed="rId9">
+            <a:extLst>
+              <a:ext uri="{28A0092B-C50C-407E-A947-70E740481C1C}">
+                <a14:useLocalDpi xmlns:a14="http://schemas.microsoft.com/office/drawing/2010/main" val="0"/>
+              </a:ext>
+            </a:extLst>
+          </a:blip>
+          <a:stretch>
+            <a:fillRect/>
+          </a:stretch>
+        </p:blipFill>
+        <p:spPr>
+          <a:xfrm>
+            <a:off x="2420344" y="1249599"/>
+            <a:ext cx="1252086" cy="2641764"/>
+          </a:xfrm>
+          <a:prstGeom prst="rect">
+            <a:avLst/>
+          </a:prstGeom>
+        </p:spPr>
+      </p:pic>
+      <p:pic>
+        <p:nvPicPr>
+          <p:cNvPr id="8" name="그림 7">
+            <a:extLst>
+              <a:ext uri="{FF2B5EF4-FFF2-40B4-BE49-F238E27FC236}">
+                <a16:creationId xmlns:a16="http://schemas.microsoft.com/office/drawing/2014/main" id="{067E348C-493E-46E6-8432-DD2C9703A173}"/>
+              </a:ext>
+            </a:extLst>
+          </p:cNvPr>
+          <p:cNvPicPr>
+            <a:picLocks noChangeAspect="1"/>
+          </p:cNvPicPr>
+          <p:nvPr/>
+        </p:nvPicPr>
+        <p:blipFill>
+          <a:blip r:embed="rId10">
+            <a:extLst>
+              <a:ext uri="{28A0092B-C50C-407E-A947-70E740481C1C}">
+                <a14:useLocalDpi xmlns:a14="http://schemas.microsoft.com/office/drawing/2010/main" val="0"/>
+              </a:ext>
+            </a:extLst>
+          </a:blip>
+          <a:stretch>
+            <a:fillRect/>
+          </a:stretch>
+        </p:blipFill>
+        <p:spPr>
+          <a:xfrm>
+            <a:off x="793598" y="1249599"/>
+            <a:ext cx="1252086" cy="2641764"/>
+          </a:xfrm>
+          <a:prstGeom prst="rect">
+            <a:avLst/>
+          </a:prstGeom>
+        </p:spPr>
+      </p:pic>
+      <p:pic>
+        <p:nvPicPr>
+          <p:cNvPr id="10" name="그림 9">
+            <a:extLst>
+              <a:ext uri="{FF2B5EF4-FFF2-40B4-BE49-F238E27FC236}">
+                <a16:creationId xmlns:a16="http://schemas.microsoft.com/office/drawing/2014/main" id="{ABAD49A3-2224-454E-957D-9746ECADD801}"/>
+              </a:ext>
+            </a:extLst>
+          </p:cNvPr>
+          <p:cNvPicPr>
+            <a:picLocks noChangeAspect="1"/>
+          </p:cNvPicPr>
+          <p:nvPr/>
+        </p:nvPicPr>
+        <p:blipFill>
+          <a:blip r:embed="rId11">
+            <a:extLst>
+              <a:ext uri="{28A0092B-C50C-407E-A947-70E740481C1C}">
+                <a14:useLocalDpi xmlns:a14="http://schemas.microsoft.com/office/drawing/2010/main" val="0"/>
+              </a:ext>
+            </a:extLst>
+          </a:blip>
+          <a:stretch>
+            <a:fillRect/>
+          </a:stretch>
+        </p:blipFill>
+        <p:spPr>
+          <a:xfrm>
+            <a:off x="8927326" y="1249599"/>
+            <a:ext cx="1252086" cy="2641764"/>
+          </a:xfrm>
+          <a:prstGeom prst="rect">
+            <a:avLst/>
+          </a:prstGeom>
+        </p:spPr>
+      </p:pic>
+      <p:pic>
+        <p:nvPicPr>
+          <p:cNvPr id="12" name="그림 11">
+            <a:extLst>
+              <a:ext uri="{FF2B5EF4-FFF2-40B4-BE49-F238E27FC236}">
+                <a16:creationId xmlns:a16="http://schemas.microsoft.com/office/drawing/2014/main" id="{A270BDEF-2CB7-4F39-86F4-2BF270315D64}"/>
+              </a:ext>
+            </a:extLst>
+          </p:cNvPr>
+          <p:cNvPicPr>
+            <a:picLocks noChangeAspect="1"/>
+          </p:cNvPicPr>
+          <p:nvPr/>
+        </p:nvPicPr>
+        <p:blipFill>
+          <a:blip r:embed="rId12">
+            <a:extLst>
+              <a:ext uri="{28A0092B-C50C-407E-A947-70E740481C1C}">
+                <a14:useLocalDpi xmlns:a14="http://schemas.microsoft.com/office/drawing/2010/main" val="0"/>
+              </a:ext>
+            </a:extLst>
+          </a:blip>
+          <a:stretch>
+            <a:fillRect/>
+          </a:stretch>
+        </p:blipFill>
+        <p:spPr>
+          <a:xfrm>
+            <a:off x="4026440" y="4125432"/>
+            <a:ext cx="1252086" cy="2641764"/>
+          </a:xfrm>
+          <a:prstGeom prst="rect">
+            <a:avLst/>
+          </a:prstGeom>
+        </p:spPr>
+      </p:pic>
+      <p:pic>
+        <p:nvPicPr>
+          <p:cNvPr id="14" name="그림 13">
+            <a:extLst>
+              <a:ext uri="{FF2B5EF4-FFF2-40B4-BE49-F238E27FC236}">
+                <a16:creationId xmlns:a16="http://schemas.microsoft.com/office/drawing/2014/main" id="{AE54D993-1BFB-473C-81F3-6C777D5C9B0C}"/>
+              </a:ext>
+            </a:extLst>
+          </p:cNvPr>
+          <p:cNvPicPr>
+            <a:picLocks noChangeAspect="1"/>
+          </p:cNvPicPr>
+          <p:nvPr/>
+        </p:nvPicPr>
+        <p:blipFill>
+          <a:blip r:embed="rId13">
+            <a:extLst>
+              <a:ext uri="{28A0092B-C50C-407E-A947-70E740481C1C}">
+                <a14:useLocalDpi xmlns:a14="http://schemas.microsoft.com/office/drawing/2010/main" val="0"/>
+              </a:ext>
+            </a:extLst>
+          </a:blip>
+          <a:stretch>
+            <a:fillRect/>
+          </a:stretch>
+        </p:blipFill>
+        <p:spPr>
+          <a:xfrm>
+            <a:off x="5644878" y="4125432"/>
+            <a:ext cx="1252086" cy="2641764"/>
+          </a:xfrm>
+          <a:prstGeom prst="rect">
+            <a:avLst/>
+          </a:prstGeom>
+        </p:spPr>
+      </p:pic>
+      <p:pic>
+        <p:nvPicPr>
+          <p:cNvPr id="18" name="그림 17">
+            <a:extLst>
+              <a:ext uri="{FF2B5EF4-FFF2-40B4-BE49-F238E27FC236}">
+                <a16:creationId xmlns:a16="http://schemas.microsoft.com/office/drawing/2014/main" id="{51F8AA52-283D-459A-AFCA-BDE9D184F337}"/>
+              </a:ext>
+            </a:extLst>
+          </p:cNvPr>
+          <p:cNvPicPr>
+            <a:picLocks noChangeAspect="1"/>
+          </p:cNvPicPr>
+          <p:nvPr/>
+        </p:nvPicPr>
+        <p:blipFill>
+          <a:blip r:embed="rId14">
+            <a:extLst>
+              <a:ext uri="{28A0092B-C50C-407E-A947-70E740481C1C}">
+                <a14:useLocalDpi xmlns:a14="http://schemas.microsoft.com/office/drawing/2010/main" val="0"/>
+              </a:ext>
+            </a:extLst>
+          </a:blip>
+          <a:stretch>
+            <a:fillRect/>
+          </a:stretch>
+        </p:blipFill>
+        <p:spPr>
+          <a:xfrm>
+            <a:off x="4047090" y="1249599"/>
+            <a:ext cx="1252086" cy="2641764"/>
+          </a:xfrm>
+          <a:prstGeom prst="rect">
+            <a:avLst/>
+          </a:prstGeom>
+        </p:spPr>
+      </p:pic>
       <p:sp>
         <p:nvSpPr>
           <p:cNvPr id="23" name="직사각형 22">
@@ -12702,8 +13157,8 @@
         </p:nvSpPr>
         <p:spPr>
           <a:xfrm>
-            <a:off x="2188071" y="4040803"/>
-            <a:ext cx="588986" cy="209615"/>
+            <a:off x="2499111" y="2951481"/>
+            <a:ext cx="588986" cy="304800"/>
           </a:xfrm>
           <a:prstGeom prst="rect">
             <a:avLst/>
@@ -12755,12 +13210,15 @@
           <p:nvPr/>
         </p:nvCxnSpPr>
         <p:spPr>
-          <a:xfrm rot="5400000" flipH="1" flipV="1">
-            <a:off x="2917616" y="3183255"/>
-            <a:ext cx="422496" cy="1292600"/>
+          <a:xfrm rot="16200000" flipH="1" flipV="1">
+            <a:off x="550078" y="3190967"/>
+            <a:ext cx="2483012" cy="2004040"/>
           </a:xfrm>
-          <a:prstGeom prst="bentConnector2">
-            <a:avLst/>
+          <a:prstGeom prst="bentConnector4">
+            <a:avLst>
+              <a:gd name="adj1" fmla="val -9207"/>
+              <a:gd name="adj2" fmla="val 111407"/>
+            </a:avLst>
           </a:prstGeom>
           <a:ln w="19050">
             <a:solidFill>
@@ -12798,8 +13256,8 @@
         </p:nvSpPr>
         <p:spPr>
           <a:xfrm>
-            <a:off x="6016727" y="4519778"/>
-            <a:ext cx="588986" cy="209615"/>
+            <a:off x="4607267" y="3445510"/>
+            <a:ext cx="588986" cy="270510"/>
           </a:xfrm>
           <a:prstGeom prst="rect">
             <a:avLst/>
@@ -12851,60 +13309,16 @@
           <p:nvPr/>
         </p:nvCxnSpPr>
         <p:spPr>
-          <a:xfrm flipV="1">
-            <a:off x="6605713" y="3618307"/>
-            <a:ext cx="559033" cy="1006279"/>
+          <a:xfrm flipH="1">
+            <a:off x="4026440" y="3580765"/>
+            <a:ext cx="1169813" cy="1865549"/>
           </a:xfrm>
-          <a:prstGeom prst="bentConnector3">
+          <a:prstGeom prst="bentConnector5">
             <a:avLst>
-              <a:gd name="adj1" fmla="val 50000"/>
+              <a:gd name="adj1" fmla="val -19542"/>
+              <a:gd name="adj2" fmla="val 18223"/>
+              <a:gd name="adj3" fmla="val 119542"/>
             </a:avLst>
-          </a:prstGeom>
-          <a:ln w="19050">
-            <a:solidFill>
-              <a:srgbClr val="FF0000"/>
-            </a:solidFill>
-            <a:tailEnd type="triangle"/>
-          </a:ln>
-        </p:spPr>
-        <p:style>
-          <a:lnRef idx="1">
-            <a:schemeClr val="accent1"/>
-          </a:lnRef>
-          <a:fillRef idx="0">
-            <a:schemeClr val="accent1"/>
-          </a:fillRef>
-          <a:effectRef idx="0">
-            <a:schemeClr val="accent1"/>
-          </a:effectRef>
-          <a:fontRef idx="minor">
-            <a:schemeClr val="tx1"/>
-          </a:fontRef>
-        </p:style>
-      </p:cxnSp>
-      <p:cxnSp>
-        <p:nvCxnSpPr>
-          <p:cNvPr id="9" name="직선 화살표 연결선 8">
-            <a:extLst>
-              <a:ext uri="{FF2B5EF4-FFF2-40B4-BE49-F238E27FC236}">
-                <a16:creationId xmlns:a16="http://schemas.microsoft.com/office/drawing/2014/main" id="{66D4E217-8035-4871-BCB6-700898961823}"/>
-              </a:ext>
-            </a:extLst>
-          </p:cNvPr>
-          <p:cNvCxnSpPr>
-            <a:cxnSpLocks/>
-            <a:stCxn id="12" idx="3"/>
-            <a:endCxn id="14" idx="1"/>
-          </p:cNvCxnSpPr>
-          <p:nvPr/>
-        </p:nvCxnSpPr>
-        <p:spPr>
-          <a:xfrm>
-            <a:off x="8416832" y="3618307"/>
-            <a:ext cx="442705" cy="0"/>
-          </a:xfrm>
-          <a:prstGeom prst="straightConnector1">
-            <a:avLst/>
           </a:prstGeom>
           <a:ln w="19050">
             <a:solidFill>
@@ -12939,13 +13353,15 @@
           </p:cNvPr>
           <p:cNvCxnSpPr>
             <a:cxnSpLocks/>
+            <a:stCxn id="12" idx="3"/>
+            <a:endCxn id="14" idx="1"/>
           </p:cNvCxnSpPr>
           <p:nvPr/>
         </p:nvCxnSpPr>
         <p:spPr>
           <a:xfrm>
-            <a:off x="10111626" y="3618306"/>
-            <a:ext cx="442705" cy="0"/>
+            <a:off x="5278526" y="5446314"/>
+            <a:ext cx="366352" cy="0"/>
           </a:xfrm>
           <a:prstGeom prst="straightConnector1">
             <a:avLst/>
@@ -12972,6 +13388,608 @@
           </a:fontRef>
         </p:style>
       </p:cxnSp>
+      <p:pic>
+        <p:nvPicPr>
+          <p:cNvPr id="11" name="그림 10">
+            <a:extLst>
+              <a:ext uri="{FF2B5EF4-FFF2-40B4-BE49-F238E27FC236}">
+                <a16:creationId xmlns:a16="http://schemas.microsoft.com/office/drawing/2014/main" id="{68DA7593-7856-41B1-913E-F1835B0763E5}"/>
+              </a:ext>
+            </a:extLst>
+          </p:cNvPr>
+          <p:cNvPicPr>
+            <a:picLocks noChangeAspect="1"/>
+          </p:cNvPicPr>
+          <p:nvPr/>
+        </p:nvPicPr>
+        <p:blipFill>
+          <a:blip r:embed="rId15">
+            <a:extLst>
+              <a:ext uri="{28A0092B-C50C-407E-A947-70E740481C1C}">
+                <a14:useLocalDpi xmlns:a14="http://schemas.microsoft.com/office/drawing/2010/main" val="0"/>
+              </a:ext>
+            </a:extLst>
+          </a:blip>
+          <a:stretch>
+            <a:fillRect/>
+          </a:stretch>
+        </p:blipFill>
+        <p:spPr>
+          <a:xfrm>
+            <a:off x="2408002" y="4113611"/>
+            <a:ext cx="1252086" cy="2641764"/>
+          </a:xfrm>
+          <a:prstGeom prst="rect">
+            <a:avLst/>
+          </a:prstGeom>
+        </p:spPr>
+      </p:pic>
+      <p:sp>
+        <p:nvSpPr>
+          <p:cNvPr id="30" name="직사각형 29">
+            <a:extLst>
+              <a:ext uri="{FF2B5EF4-FFF2-40B4-BE49-F238E27FC236}">
+                <a16:creationId xmlns:a16="http://schemas.microsoft.com/office/drawing/2014/main" id="{023BC0AF-6A77-4ECA-B273-FBB272D27B46}"/>
+              </a:ext>
+            </a:extLst>
+          </p:cNvPr>
+          <p:cNvSpPr/>
+          <p:nvPr/>
+        </p:nvSpPr>
+        <p:spPr>
+          <a:xfrm>
+            <a:off x="2991279" y="2998316"/>
+            <a:ext cx="588986" cy="209615"/>
+          </a:xfrm>
+          <a:prstGeom prst="rect">
+            <a:avLst/>
+          </a:prstGeom>
+          <a:noFill/>
+          <a:ln w="25400">
+            <a:solidFill>
+              <a:srgbClr val="0E0ED8"/>
+            </a:solidFill>
+          </a:ln>
+        </p:spPr>
+        <p:style>
+          <a:lnRef idx="2">
+            <a:schemeClr val="dk1"/>
+          </a:lnRef>
+          <a:fillRef idx="1">
+            <a:schemeClr val="lt1"/>
+          </a:fillRef>
+          <a:effectRef idx="0">
+            <a:schemeClr val="dk1"/>
+          </a:effectRef>
+          <a:fontRef idx="minor">
+            <a:schemeClr val="dk1"/>
+          </a:fontRef>
+        </p:style>
+        <p:txBody>
+          <a:bodyPr rtlCol="0" anchor="ctr"/>
+          <a:lstStyle/>
+          <a:p>
+            <a:pPr algn="ctr"/>
+            <a:endParaRPr lang="ko-KR" altLang="en-US" dirty="0"/>
+          </a:p>
+        </p:txBody>
+      </p:sp>
+      <p:cxnSp>
+        <p:nvCxnSpPr>
+          <p:cNvPr id="34" name="직선 화살표 연결선 33">
+            <a:extLst>
+              <a:ext uri="{FF2B5EF4-FFF2-40B4-BE49-F238E27FC236}">
+                <a16:creationId xmlns:a16="http://schemas.microsoft.com/office/drawing/2014/main" id="{09B0F000-C702-4726-9535-28D8454EFE83}"/>
+              </a:ext>
+            </a:extLst>
+          </p:cNvPr>
+          <p:cNvCxnSpPr>
+            <a:cxnSpLocks/>
+            <a:stCxn id="30" idx="2"/>
+          </p:cNvCxnSpPr>
+          <p:nvPr/>
+        </p:nvCxnSpPr>
+        <p:spPr>
+          <a:xfrm flipH="1">
+            <a:off x="3277454" y="3207931"/>
+            <a:ext cx="8318" cy="910760"/>
+          </a:xfrm>
+          <a:prstGeom prst="straightConnector1">
+            <a:avLst/>
+          </a:prstGeom>
+          <a:ln w="22225">
+            <a:solidFill>
+              <a:srgbClr val="0E0ED8"/>
+            </a:solidFill>
+            <a:tailEnd type="triangle"/>
+          </a:ln>
+        </p:spPr>
+        <p:style>
+          <a:lnRef idx="1">
+            <a:schemeClr val="accent1"/>
+          </a:lnRef>
+          <a:fillRef idx="0">
+            <a:schemeClr val="accent1"/>
+          </a:fillRef>
+          <a:effectRef idx="0">
+            <a:schemeClr val="accent1"/>
+          </a:effectRef>
+          <a:fontRef idx="minor">
+            <a:schemeClr val="tx1"/>
+          </a:fontRef>
+        </p:style>
+      </p:cxnSp>
+      <p:sp>
+        <p:nvSpPr>
+          <p:cNvPr id="39" name="직사각형 38">
+            <a:extLst>
+              <a:ext uri="{FF2B5EF4-FFF2-40B4-BE49-F238E27FC236}">
+                <a16:creationId xmlns:a16="http://schemas.microsoft.com/office/drawing/2014/main" id="{A7F4207C-DAE1-4F97-B925-C78A22E16607}"/>
+              </a:ext>
+            </a:extLst>
+          </p:cNvPr>
+          <p:cNvSpPr/>
+          <p:nvPr/>
+        </p:nvSpPr>
+        <p:spPr>
+          <a:xfrm>
+            <a:off x="4181474" y="3331418"/>
+            <a:ext cx="523545" cy="346023"/>
+          </a:xfrm>
+          <a:prstGeom prst="rect">
+            <a:avLst/>
+          </a:prstGeom>
+          <a:noFill/>
+          <a:ln w="25400">
+            <a:solidFill>
+              <a:srgbClr val="0E0ED8"/>
+            </a:solidFill>
+          </a:ln>
+        </p:spPr>
+        <p:style>
+          <a:lnRef idx="2">
+            <a:schemeClr val="dk1"/>
+          </a:lnRef>
+          <a:fillRef idx="1">
+            <a:schemeClr val="lt1"/>
+          </a:fillRef>
+          <a:effectRef idx="0">
+            <a:schemeClr val="dk1"/>
+          </a:effectRef>
+          <a:fontRef idx="minor">
+            <a:schemeClr val="dk1"/>
+          </a:fontRef>
+        </p:style>
+        <p:txBody>
+          <a:bodyPr rtlCol="0" anchor="ctr"/>
+          <a:lstStyle/>
+          <a:p>
+            <a:pPr algn="ctr"/>
+            <a:endParaRPr lang="ko-KR" altLang="en-US" dirty="0"/>
+          </a:p>
+        </p:txBody>
+      </p:sp>
+      <p:sp>
+        <p:nvSpPr>
+          <p:cNvPr id="43" name="타원 42">
+            <a:extLst>
+              <a:ext uri="{FF2B5EF4-FFF2-40B4-BE49-F238E27FC236}">
+                <a16:creationId xmlns:a16="http://schemas.microsoft.com/office/drawing/2014/main" id="{4AED55B6-1DD9-42D9-B12B-368703C1AFEA}"/>
+              </a:ext>
+            </a:extLst>
+          </p:cNvPr>
+          <p:cNvSpPr/>
+          <p:nvPr/>
+        </p:nvSpPr>
+        <p:spPr>
+          <a:xfrm>
+            <a:off x="7385050" y="6365240"/>
+            <a:ext cx="205740" cy="194310"/>
+          </a:xfrm>
+          <a:prstGeom prst="ellipse">
+            <a:avLst/>
+          </a:prstGeom>
+          <a:noFill/>
+          <a:ln w="15875">
+            <a:solidFill>
+              <a:srgbClr val="00B050"/>
+            </a:solidFill>
+          </a:ln>
+        </p:spPr>
+        <p:style>
+          <a:lnRef idx="2">
+            <a:schemeClr val="accent1"/>
+          </a:lnRef>
+          <a:fillRef idx="1">
+            <a:schemeClr val="lt1"/>
+          </a:fillRef>
+          <a:effectRef idx="0">
+            <a:schemeClr val="accent1"/>
+          </a:effectRef>
+          <a:fontRef idx="minor">
+            <a:schemeClr val="dk1"/>
+          </a:fontRef>
+        </p:style>
+        <p:txBody>
+          <a:bodyPr rtlCol="0" anchor="ctr"/>
+          <a:lstStyle/>
+          <a:p>
+            <a:pPr algn="ctr"/>
+            <a:endParaRPr lang="ko-KR" altLang="en-US"/>
+          </a:p>
+        </p:txBody>
+      </p:sp>
+      <p:cxnSp>
+        <p:nvCxnSpPr>
+          <p:cNvPr id="45" name="연결선: 꺾임 44">
+            <a:extLst>
+              <a:ext uri="{FF2B5EF4-FFF2-40B4-BE49-F238E27FC236}">
+                <a16:creationId xmlns:a16="http://schemas.microsoft.com/office/drawing/2014/main" id="{50363334-BBEA-47E7-9A8F-B9249A3793B5}"/>
+              </a:ext>
+            </a:extLst>
+          </p:cNvPr>
+          <p:cNvCxnSpPr>
+            <a:cxnSpLocks/>
+            <a:stCxn id="43" idx="0"/>
+            <a:endCxn id="46" idx="0"/>
+          </p:cNvCxnSpPr>
+          <p:nvPr/>
+        </p:nvCxnSpPr>
+        <p:spPr>
+          <a:xfrm rot="5400000" flipH="1" flipV="1">
+            <a:off x="7731244" y="5990914"/>
+            <a:ext cx="131002" cy="617651"/>
+          </a:xfrm>
+          <a:prstGeom prst="bentConnector3">
+            <a:avLst>
+              <a:gd name="adj1" fmla="val 274501"/>
+            </a:avLst>
+          </a:prstGeom>
+          <a:ln w="22225">
+            <a:solidFill>
+              <a:srgbClr val="00B050"/>
+            </a:solidFill>
+            <a:tailEnd type="triangle"/>
+          </a:ln>
+        </p:spPr>
+        <p:style>
+          <a:lnRef idx="1">
+            <a:schemeClr val="accent1"/>
+          </a:lnRef>
+          <a:fillRef idx="0">
+            <a:schemeClr val="accent1"/>
+          </a:fillRef>
+          <a:effectRef idx="0">
+            <a:schemeClr val="accent1"/>
+          </a:effectRef>
+          <a:fontRef idx="minor">
+            <a:schemeClr val="tx1"/>
+          </a:fontRef>
+        </p:style>
+      </p:cxnSp>
+      <p:sp>
+        <p:nvSpPr>
+          <p:cNvPr id="46" name="TextBox 45">
+            <a:extLst>
+              <a:ext uri="{FF2B5EF4-FFF2-40B4-BE49-F238E27FC236}">
+                <a16:creationId xmlns:a16="http://schemas.microsoft.com/office/drawing/2014/main" id="{2336A596-6332-438E-810E-F49155B3A841}"/>
+              </a:ext>
+            </a:extLst>
+          </p:cNvPr>
+          <p:cNvSpPr txBox="1"/>
+          <p:nvPr/>
+        </p:nvSpPr>
+        <p:spPr>
+          <a:xfrm>
+            <a:off x="7656957" y="6234238"/>
+            <a:ext cx="897227" cy="276999"/>
+          </a:xfrm>
+          <a:prstGeom prst="rect">
+            <a:avLst/>
+          </a:prstGeom>
+          <a:noFill/>
+        </p:spPr>
+        <p:txBody>
+          <a:bodyPr wrap="square" rtlCol="0">
+            <a:spAutoFit/>
+          </a:bodyPr>
+          <a:lstStyle/>
+          <a:p>
+            <a:r>
+              <a:rPr lang="ko-KR" altLang="en-US" sz="1200" dirty="0"/>
+              <a:t>음성 재생</a:t>
+            </a:r>
+          </a:p>
+        </p:txBody>
+      </p:sp>
+      <p:cxnSp>
+        <p:nvCxnSpPr>
+          <p:cNvPr id="54" name="연결선: 꺾임 53">
+            <a:extLst>
+              <a:ext uri="{FF2B5EF4-FFF2-40B4-BE49-F238E27FC236}">
+                <a16:creationId xmlns:a16="http://schemas.microsoft.com/office/drawing/2014/main" id="{C5D1E798-8D7B-4A65-A872-3816572988D4}"/>
+              </a:ext>
+            </a:extLst>
+          </p:cNvPr>
+          <p:cNvCxnSpPr>
+            <a:cxnSpLocks/>
+            <a:stCxn id="39" idx="0"/>
+            <a:endCxn id="75" idx="1"/>
+          </p:cNvCxnSpPr>
+          <p:nvPr/>
+        </p:nvCxnSpPr>
+        <p:spPr>
+          <a:xfrm rot="5400000" flipH="1" flipV="1">
+            <a:off x="4678073" y="2335656"/>
+            <a:ext cx="760937" cy="1230589"/>
+          </a:xfrm>
+          <a:prstGeom prst="bentConnector2">
+            <a:avLst/>
+          </a:prstGeom>
+          <a:ln w="19050">
+            <a:solidFill>
+              <a:srgbClr val="0E0ED8"/>
+            </a:solidFill>
+            <a:tailEnd type="triangle"/>
+          </a:ln>
+        </p:spPr>
+        <p:style>
+          <a:lnRef idx="1">
+            <a:schemeClr val="accent1"/>
+          </a:lnRef>
+          <a:fillRef idx="0">
+            <a:schemeClr val="accent1"/>
+          </a:fillRef>
+          <a:effectRef idx="0">
+            <a:schemeClr val="accent1"/>
+          </a:effectRef>
+          <a:fontRef idx="minor">
+            <a:schemeClr val="tx1"/>
+          </a:fontRef>
+        </p:style>
+      </p:cxnSp>
+      <p:pic>
+        <p:nvPicPr>
+          <p:cNvPr id="57" name="그림 56">
+            <a:extLst>
+              <a:ext uri="{FF2B5EF4-FFF2-40B4-BE49-F238E27FC236}">
+                <a16:creationId xmlns:a16="http://schemas.microsoft.com/office/drawing/2014/main" id="{B9366A8F-7191-43CF-8D0B-22A4F5491270}"/>
+              </a:ext>
+            </a:extLst>
+          </p:cNvPr>
+          <p:cNvPicPr>
+            <a:picLocks noChangeAspect="1"/>
+          </p:cNvPicPr>
+          <p:nvPr/>
+        </p:nvPicPr>
+        <p:blipFill>
+          <a:blip r:embed="rId16">
+            <a:extLst>
+              <a:ext uri="{28A0092B-C50C-407E-A947-70E740481C1C}">
+                <a14:useLocalDpi xmlns:a14="http://schemas.microsoft.com/office/drawing/2010/main" val="0"/>
+              </a:ext>
+            </a:extLst>
+          </a:blip>
+          <a:stretch>
+            <a:fillRect/>
+          </a:stretch>
+        </p:blipFill>
+        <p:spPr>
+          <a:xfrm>
+            <a:off x="7300582" y="1249599"/>
+            <a:ext cx="1252086" cy="2641764"/>
+          </a:xfrm>
+          <a:prstGeom prst="rect">
+            <a:avLst/>
+          </a:prstGeom>
+        </p:spPr>
+      </p:pic>
+      <p:pic>
+        <p:nvPicPr>
+          <p:cNvPr id="63" name="그림 62">
+            <a:extLst>
+              <a:ext uri="{FF2B5EF4-FFF2-40B4-BE49-F238E27FC236}">
+                <a16:creationId xmlns:a16="http://schemas.microsoft.com/office/drawing/2014/main" id="{BEA11A7B-8AF2-4093-98D5-E65D2C7D85BC}"/>
+              </a:ext>
+            </a:extLst>
+          </p:cNvPr>
+          <p:cNvPicPr>
+            <a:picLocks noChangeAspect="1"/>
+          </p:cNvPicPr>
+          <p:nvPr/>
+        </p:nvPicPr>
+        <p:blipFill>
+          <a:blip r:embed="rId17">
+            <a:extLst>
+              <a:ext uri="{28A0092B-C50C-407E-A947-70E740481C1C}">
+                <a14:useLocalDpi xmlns:a14="http://schemas.microsoft.com/office/drawing/2010/main" val="0"/>
+              </a:ext>
+            </a:extLst>
+          </a:blip>
+          <a:stretch>
+            <a:fillRect/>
+          </a:stretch>
+        </p:blipFill>
+        <p:spPr>
+          <a:xfrm>
+            <a:off x="8881754" y="4125432"/>
+            <a:ext cx="1252086" cy="2641764"/>
+          </a:xfrm>
+          <a:prstGeom prst="rect">
+            <a:avLst/>
+          </a:prstGeom>
+        </p:spPr>
+      </p:pic>
+      <p:pic>
+        <p:nvPicPr>
+          <p:cNvPr id="65" name="그림 64">
+            <a:extLst>
+              <a:ext uri="{FF2B5EF4-FFF2-40B4-BE49-F238E27FC236}">
+                <a16:creationId xmlns:a16="http://schemas.microsoft.com/office/drawing/2014/main" id="{FE573F4F-4E50-4AAF-A278-6F74CDD854D7}"/>
+              </a:ext>
+            </a:extLst>
+          </p:cNvPr>
+          <p:cNvPicPr>
+            <a:picLocks noChangeAspect="1"/>
+          </p:cNvPicPr>
+          <p:nvPr/>
+        </p:nvPicPr>
+        <p:blipFill>
+          <a:blip r:embed="rId18">
+            <a:extLst>
+              <a:ext uri="{28A0092B-C50C-407E-A947-70E740481C1C}">
+                <a14:useLocalDpi xmlns:a14="http://schemas.microsoft.com/office/drawing/2010/main" val="0"/>
+              </a:ext>
+            </a:extLst>
+          </a:blip>
+          <a:stretch>
+            <a:fillRect/>
+          </a:stretch>
+        </p:blipFill>
+        <p:spPr>
+          <a:xfrm>
+            <a:off x="10500194" y="2393108"/>
+            <a:ext cx="1252086" cy="2641764"/>
+          </a:xfrm>
+          <a:prstGeom prst="rect">
+            <a:avLst/>
+          </a:prstGeom>
+        </p:spPr>
+      </p:pic>
+      <p:sp>
+        <p:nvSpPr>
+          <p:cNvPr id="69" name="직사각형 68">
+            <a:extLst>
+              <a:ext uri="{FF2B5EF4-FFF2-40B4-BE49-F238E27FC236}">
+                <a16:creationId xmlns:a16="http://schemas.microsoft.com/office/drawing/2014/main" id="{BF718BC4-16D3-443E-AA5A-5ACE490AE227}"/>
+              </a:ext>
+            </a:extLst>
+          </p:cNvPr>
+          <p:cNvSpPr/>
+          <p:nvPr/>
+        </p:nvSpPr>
+        <p:spPr>
+          <a:xfrm>
+            <a:off x="9727843" y="4417997"/>
+            <a:ext cx="405998" cy="346023"/>
+          </a:xfrm>
+          <a:prstGeom prst="rect">
+            <a:avLst/>
+          </a:prstGeom>
+          <a:noFill/>
+          <a:ln w="25400">
+            <a:solidFill>
+              <a:srgbClr val="00B050"/>
+            </a:solidFill>
+          </a:ln>
+        </p:spPr>
+        <p:style>
+          <a:lnRef idx="2">
+            <a:schemeClr val="dk1"/>
+          </a:lnRef>
+          <a:fillRef idx="1">
+            <a:schemeClr val="lt1"/>
+          </a:fillRef>
+          <a:effectRef idx="0">
+            <a:schemeClr val="dk1"/>
+          </a:effectRef>
+          <a:fontRef idx="minor">
+            <a:schemeClr val="dk1"/>
+          </a:fontRef>
+        </p:style>
+        <p:txBody>
+          <a:bodyPr rtlCol="0" anchor="ctr"/>
+          <a:lstStyle/>
+          <a:p>
+            <a:pPr algn="ctr"/>
+            <a:endParaRPr lang="ko-KR" altLang="en-US" dirty="0"/>
+          </a:p>
+        </p:txBody>
+      </p:sp>
+      <p:cxnSp>
+        <p:nvCxnSpPr>
+          <p:cNvPr id="71" name="연결선: 꺾임 70">
+            <a:extLst>
+              <a:ext uri="{FF2B5EF4-FFF2-40B4-BE49-F238E27FC236}">
+                <a16:creationId xmlns:a16="http://schemas.microsoft.com/office/drawing/2014/main" id="{23518AB6-C84B-4781-813E-5CE789E4AAFD}"/>
+              </a:ext>
+            </a:extLst>
+          </p:cNvPr>
+          <p:cNvCxnSpPr>
+            <a:cxnSpLocks/>
+            <a:stCxn id="69" idx="3"/>
+            <a:endCxn id="65" idx="1"/>
+          </p:cNvCxnSpPr>
+          <p:nvPr/>
+        </p:nvCxnSpPr>
+        <p:spPr>
+          <a:xfrm flipV="1">
+            <a:off x="10133841" y="3713990"/>
+            <a:ext cx="366353" cy="877019"/>
+          </a:xfrm>
+          <a:prstGeom prst="bentConnector3">
+            <a:avLst>
+              <a:gd name="adj1" fmla="val 50000"/>
+            </a:avLst>
+          </a:prstGeom>
+          <a:ln w="19050">
+            <a:solidFill>
+              <a:srgbClr val="00B050"/>
+            </a:solidFill>
+            <a:tailEnd type="triangle"/>
+          </a:ln>
+        </p:spPr>
+        <p:style>
+          <a:lnRef idx="1">
+            <a:schemeClr val="accent1"/>
+          </a:lnRef>
+          <a:fillRef idx="0">
+            <a:schemeClr val="accent1"/>
+          </a:fillRef>
+          <a:effectRef idx="0">
+            <a:schemeClr val="accent1"/>
+          </a:effectRef>
+          <a:fontRef idx="minor">
+            <a:schemeClr val="tx1"/>
+          </a:fontRef>
+        </p:style>
+      </p:cxnSp>
+      <p:pic>
+        <p:nvPicPr>
+          <p:cNvPr id="75" name="그림 74">
+            <a:extLst>
+              <a:ext uri="{FF2B5EF4-FFF2-40B4-BE49-F238E27FC236}">
+                <a16:creationId xmlns:a16="http://schemas.microsoft.com/office/drawing/2014/main" id="{6108F3C8-D2FF-47DC-AFD8-5FB0FDAAF647}"/>
+              </a:ext>
+            </a:extLst>
+          </p:cNvPr>
+          <p:cNvPicPr>
+            <a:picLocks noChangeAspect="1"/>
+          </p:cNvPicPr>
+          <p:nvPr/>
+        </p:nvPicPr>
+        <p:blipFill>
+          <a:blip r:embed="rId19">
+            <a:extLst>
+              <a:ext uri="{28A0092B-C50C-407E-A947-70E740481C1C}">
+                <a14:useLocalDpi xmlns:a14="http://schemas.microsoft.com/office/drawing/2010/main" val="0"/>
+              </a:ext>
+            </a:extLst>
+          </a:blip>
+          <a:stretch>
+            <a:fillRect/>
+          </a:stretch>
+        </p:blipFill>
+        <p:spPr>
+          <a:xfrm>
+            <a:off x="5673836" y="1249599"/>
+            <a:ext cx="1252086" cy="2641764"/>
+          </a:xfrm>
+          <a:prstGeom prst="rect">
+            <a:avLst/>
+          </a:prstGeom>
+        </p:spPr>
+      </p:pic>
     </p:spTree>
     <p:extLst>
       <p:ext uri="{BB962C8B-B14F-4D97-AF65-F5344CB8AC3E}">
@@ -13127,7 +14145,7 @@
           <p:nvPr>
             <p:extLst>
               <p:ext uri="{D42A27DB-BD31-4B8C-83A1-F6EECF244321}">
-                <p14:modId xmlns:p14="http://schemas.microsoft.com/office/powerpoint/2010/main" val="1891190656"/>
+                <p14:modId xmlns:p14="http://schemas.microsoft.com/office/powerpoint/2010/main" val="310996752"/>
               </p:ext>
             </p:extLst>
           </p:nvPr>
@@ -13201,13 +14219,6 @@
                       </a:r>
                       <a:endParaRPr lang="en-US" altLang="ko-KR" dirty="0"/>
                     </a:p>
-                    <a:p>
-                      <a:pPr algn="ctr" latinLnBrk="1"/>
-                      <a:r>
-                        <a:rPr lang="ko-KR" altLang="en-US" dirty="0"/>
-                        <a:t>알고리즘 검토</a:t>
-                      </a:r>
-                    </a:p>
                   </a:txBody>
                   <a:tcPr/>
                 </a:tc>
@@ -13236,7 +14247,7 @@
           <p:nvPr>
             <p:extLst>
               <p:ext uri="{D42A27DB-BD31-4B8C-83A1-F6EECF244321}">
-                <p14:modId xmlns:p14="http://schemas.microsoft.com/office/powerpoint/2010/main" val="3408003826"/>
+                <p14:modId xmlns:p14="http://schemas.microsoft.com/office/powerpoint/2010/main" val="2535239523"/>
               </p:ext>
             </p:extLst>
           </p:nvPr>
@@ -13296,7 +14307,10 @@
                     <a:lstStyle/>
                     <a:p>
                       <a:pPr algn="ctr" latinLnBrk="1"/>
-                      <a:endParaRPr lang="ko-KR" altLang="en-US" dirty="0"/>
+                      <a:r>
+                        <a:rPr lang="ko-KR" altLang="en-US" dirty="0"/>
+                        <a:t>인터페이스 디자인</a:t>
+                      </a:r>
                     </a:p>
                   </a:txBody>
                   <a:tcPr/>
@@ -13553,7 +14567,7 @@
         </p:nvGrpSpPr>
         <p:grpSpPr>
           <a:xfrm>
-            <a:off x="1795349" y="1684566"/>
+            <a:off x="1805509" y="1694726"/>
             <a:ext cx="8601302" cy="4132263"/>
             <a:chOff x="1795349" y="1684566"/>
             <a:chExt cx="8601302" cy="4132263"/>
@@ -13587,7 +14601,7 @@
             <a:graphicData uri="http://schemas.openxmlformats.org/presentationml/2006/ole">
               <mc:AlternateContent xmlns:mc="http://schemas.openxmlformats.org/markup-compatibility/2006">
                 <mc:Choice xmlns:v="urn:schemas-microsoft-com:vml" Requires="v">
-                  <p:oleObj spid="_x0000_s1037" name="Worksheet" r:id="rId3" imgW="5371994" imgH="2415430" progId="Excel.Sheet.12">
+                  <p:oleObj spid="_x0000_s1042" name="Worksheet" r:id="rId3" imgW="5371994" imgH="2415430" progId="Excel.Sheet.12">
                     <p:embed/>
                   </p:oleObj>
                 </mc:Choice>
@@ -13727,7 +14741,7 @@
           <p:spPr>
             <a:xfrm>
               <a:off x="5532562" y="3728864"/>
-              <a:ext cx="563551" cy="0"/>
+              <a:ext cx="807278" cy="0"/>
             </a:xfrm>
             <a:prstGeom prst="straightConnector1">
               <a:avLst/>
@@ -13771,7 +14785,7 @@
           <p:spPr>
             <a:xfrm>
               <a:off x="5006937" y="2615411"/>
-              <a:ext cx="1089176" cy="0"/>
+              <a:ext cx="1332903" cy="0"/>
             </a:xfrm>
             <a:prstGeom prst="straightConnector1">
               <a:avLst/>
@@ -13814,8 +14828,8 @@
           </p:nvCxnSpPr>
           <p:spPr>
             <a:xfrm>
-              <a:off x="6096113" y="4130080"/>
-              <a:ext cx="4300538" cy="0"/>
+              <a:off x="6461760" y="4130080"/>
+              <a:ext cx="3934664" cy="0"/>
             </a:xfrm>
             <a:prstGeom prst="straightConnector1">
               <a:avLst/>
@@ -13858,8 +14872,8 @@
           </p:nvCxnSpPr>
           <p:spPr>
             <a:xfrm>
-              <a:off x="6096113" y="4506415"/>
-              <a:ext cx="1079242" cy="0"/>
+              <a:off x="6461760" y="4506415"/>
+              <a:ext cx="713595" cy="0"/>
             </a:xfrm>
             <a:prstGeom prst="straightConnector1">
               <a:avLst/>
@@ -14150,10 +15164,10 @@
       </p:sp>
       <p:grpSp>
         <p:nvGrpSpPr>
-          <p:cNvPr id="15" name="그룹 14">
+          <p:cNvPr id="2" name="그룹 1">
             <a:extLst>
               <a:ext uri="{FF2B5EF4-FFF2-40B4-BE49-F238E27FC236}">
-                <a16:creationId xmlns:a16="http://schemas.microsoft.com/office/drawing/2014/main" id="{6A64A6B4-FD3F-4143-847C-D225F92A7658}"/>
+                <a16:creationId xmlns:a16="http://schemas.microsoft.com/office/drawing/2014/main" id="{3CF6CD0C-BB82-4175-A068-2377C725D418}"/>
               </a:ext>
             </a:extLst>
           </p:cNvPr>
@@ -14162,10 +15176,10 @@
         </p:nvGrpSpPr>
         <p:grpSpPr>
           <a:xfrm>
-            <a:off x="2332038" y="2101850"/>
-            <a:ext cx="7527925" cy="3378200"/>
-            <a:chOff x="2332038" y="2101850"/>
-            <a:chExt cx="7527925" cy="3378200"/>
+            <a:off x="1813878" y="1700213"/>
+            <a:ext cx="8601075" cy="4137025"/>
+            <a:chOff x="2332038" y="1700213"/>
+            <a:chExt cx="8601075" cy="4137025"/>
           </a:xfrm>
         </p:grpSpPr>
         <p:graphicFrame>
@@ -14183,25 +15197,25 @@
             <p:nvPr>
               <p:extLst>
                 <p:ext uri="{D42A27DB-BD31-4B8C-83A1-F6EECF244321}">
-                  <p14:modId xmlns:p14="http://schemas.microsoft.com/office/powerpoint/2010/main" val="1374730633"/>
+                  <p14:modId xmlns:p14="http://schemas.microsoft.com/office/powerpoint/2010/main" val="1223707755"/>
                 </p:ext>
               </p:extLst>
             </p:nvPr>
           </p:nvGraphicFramePr>
           <p:xfrm>
-            <a:off x="2332038" y="2101850"/>
-            <a:ext cx="7527925" cy="3378200"/>
+            <a:off x="2332038" y="1700213"/>
+            <a:ext cx="8601075" cy="4137025"/>
           </p:xfrm>
           <a:graphic>
             <a:graphicData uri="http://schemas.openxmlformats.org/presentationml/2006/ole">
               <mc:AlternateContent xmlns:mc="http://schemas.openxmlformats.org/markup-compatibility/2006">
                 <mc:Choice xmlns:v="urn:schemas-microsoft-com:vml" Requires="v">
-                  <p:oleObj spid="_x0000_s2058" name="Worksheet" r:id="rId3" imgW="4701717" imgH="1973407" progId="Excel.Sheet.12">
+                  <p:oleObj spid="_x0000_s2063" name="Worksheet" r:id="rId3" imgW="5371994" imgH="2415430" progId="Excel.Sheet.12">
                     <p:embed/>
                   </p:oleObj>
                 </mc:Choice>
                 <mc:Fallback>
-                  <p:oleObj name="Worksheet" r:id="rId3" imgW="4701717" imgH="1973407" progId="Excel.Sheet.12">
+                  <p:oleObj name="Worksheet" r:id="rId3" imgW="5371994" imgH="2415430" progId="Excel.Sheet.12">
                     <p:embed/>
                     <p:pic>
                       <p:nvPicPr>
@@ -14223,8 +15237,8 @@
                       </p:blipFill>
                       <p:spPr>
                         <a:xfrm>
-                          <a:off x="2332038" y="2101850"/>
-                          <a:ext cx="7527925" cy="3378200"/>
+                          <a:off x="2332038" y="1700213"/>
+                          <a:ext cx="8601075" cy="4137025"/>
                         </a:xfrm>
                         <a:prstGeom prst="rect">
                           <a:avLst/>
@@ -14253,7 +15267,7 @@
           </p:nvCxnSpPr>
           <p:spPr>
             <a:xfrm>
-              <a:off x="5551412" y="3007297"/>
+              <a:off x="5556379" y="2621217"/>
               <a:ext cx="2127682" cy="0"/>
             </a:xfrm>
             <a:prstGeom prst="straightConnector1">
@@ -14297,7 +15311,7 @@
           </p:nvCxnSpPr>
           <p:spPr>
             <a:xfrm>
-              <a:off x="5556379" y="3424064"/>
+              <a:off x="5556379" y="3769296"/>
               <a:ext cx="1079242" cy="0"/>
             </a:xfrm>
             <a:prstGeom prst="straightConnector1">
@@ -14341,7 +15355,7 @@
           </p:nvCxnSpPr>
           <p:spPr>
             <a:xfrm>
-              <a:off x="6635621" y="3769297"/>
+              <a:off x="6635621" y="4155377"/>
               <a:ext cx="1079242" cy="0"/>
             </a:xfrm>
             <a:prstGeom prst="straightConnector1">
@@ -14385,7 +15399,7 @@
           </p:nvCxnSpPr>
           <p:spPr>
             <a:xfrm>
-              <a:off x="7714863" y="4544008"/>
+              <a:off x="7706935" y="4899608"/>
               <a:ext cx="580051" cy="0"/>
             </a:xfrm>
             <a:prstGeom prst="straightConnector1">
@@ -14429,7 +15443,7 @@
           </p:nvCxnSpPr>
           <p:spPr>
             <a:xfrm>
-              <a:off x="8294914" y="4873690"/>
+              <a:off x="8294914" y="5280090"/>
               <a:ext cx="475862" cy="0"/>
             </a:xfrm>
             <a:prstGeom prst="straightConnector1">
@@ -14473,7 +15487,7 @@
           </p:nvCxnSpPr>
           <p:spPr>
             <a:xfrm>
-              <a:off x="8770776" y="5274906"/>
+              <a:off x="8770776" y="5650826"/>
               <a:ext cx="1089187" cy="0"/>
             </a:xfrm>
             <a:prstGeom prst="straightConnector1">
@@ -14517,7 +15531,7 @@
           </p:nvCxnSpPr>
           <p:spPr>
             <a:xfrm>
-              <a:off x="7706935" y="4139411"/>
+              <a:off x="7684061" y="4545811"/>
               <a:ext cx="2127682" cy="0"/>
             </a:xfrm>
             <a:prstGeom prst="straightConnector1">
@@ -14526,6 +15540,94 @@
             <a:ln w="50800">
               <a:solidFill>
                 <a:schemeClr val="tx1"/>
+              </a:solidFill>
+              <a:tailEnd type="triangle"/>
+            </a:ln>
+          </p:spPr>
+          <p:style>
+            <a:lnRef idx="1">
+              <a:schemeClr val="accent1"/>
+            </a:lnRef>
+            <a:fillRef idx="0">
+              <a:schemeClr val="accent1"/>
+            </a:fillRef>
+            <a:effectRef idx="0">
+              <a:schemeClr val="accent1"/>
+            </a:effectRef>
+            <a:fontRef idx="minor">
+              <a:schemeClr val="tx1"/>
+            </a:fontRef>
+          </p:style>
+        </p:cxnSp>
+        <p:cxnSp>
+          <p:nvCxnSpPr>
+            <p:cNvPr id="13" name="직선 화살표 연결선 12">
+              <a:extLst>
+                <a:ext uri="{FF2B5EF4-FFF2-40B4-BE49-F238E27FC236}">
+                  <a16:creationId xmlns:a16="http://schemas.microsoft.com/office/drawing/2014/main" id="{69F614D2-8C69-4DEC-9D71-7EB8C284CB75}"/>
+                </a:ext>
+              </a:extLst>
+            </p:cNvPr>
+            <p:cNvCxnSpPr>
+              <a:cxnSpLocks/>
+            </p:cNvCxnSpPr>
+            <p:nvPr/>
+          </p:nvCxnSpPr>
+          <p:spPr>
+            <a:xfrm>
+              <a:off x="5556379" y="3007296"/>
+              <a:ext cx="1079242" cy="0"/>
+            </a:xfrm>
+            <a:prstGeom prst="straightConnector1">
+              <a:avLst/>
+            </a:prstGeom>
+            <a:ln w="50800">
+              <a:solidFill>
+                <a:srgbClr val="A9D08E"/>
+              </a:solidFill>
+              <a:tailEnd type="triangle"/>
+            </a:ln>
+          </p:spPr>
+          <p:style>
+            <a:lnRef idx="1">
+              <a:schemeClr val="accent1"/>
+            </a:lnRef>
+            <a:fillRef idx="0">
+              <a:schemeClr val="accent1"/>
+            </a:fillRef>
+            <a:effectRef idx="0">
+              <a:schemeClr val="accent1"/>
+            </a:effectRef>
+            <a:fontRef idx="minor">
+              <a:schemeClr val="tx1"/>
+            </a:fontRef>
+          </p:style>
+        </p:cxnSp>
+        <p:cxnSp>
+          <p:nvCxnSpPr>
+            <p:cNvPr id="14" name="직선 화살표 연결선 13">
+              <a:extLst>
+                <a:ext uri="{FF2B5EF4-FFF2-40B4-BE49-F238E27FC236}">
+                  <a16:creationId xmlns:a16="http://schemas.microsoft.com/office/drawing/2014/main" id="{A52E5A74-BD75-494D-9E9A-C82C33247043}"/>
+                </a:ext>
+              </a:extLst>
+            </p:cNvPr>
+            <p:cNvCxnSpPr>
+              <a:cxnSpLocks/>
+            </p:cNvCxnSpPr>
+            <p:nvPr/>
+          </p:nvCxnSpPr>
+          <p:spPr>
+            <a:xfrm>
+              <a:off x="6635621" y="3398456"/>
+              <a:ext cx="1079242" cy="0"/>
+            </a:xfrm>
+            <a:prstGeom prst="straightConnector1">
+              <a:avLst/>
+            </a:prstGeom>
+            <a:ln w="50800">
+              <a:solidFill>
+                <a:srgbClr val="A9D08E"/>
               </a:solidFill>
               <a:tailEnd type="triangle"/>
             </a:ln>

--- a/TaskFlow.pptx
+++ b/TaskFlow.pptx
@@ -2178,7 +2178,7 @@
       <dgm:spPr/>
     </dgm:pt>
     <dgm:pt modelId="{8DA15D4A-2011-4013-AB91-1198B9AD9F60}" type="pres">
-      <dgm:prSet presAssocID="{C0834A39-0753-44C5-AB2F-31EFAEFED9DA}" presName="parTxOnly" presStyleLbl="node1" presStyleIdx="0" presStyleCnt="3">
+      <dgm:prSet presAssocID="{C0834A39-0753-44C5-AB2F-31EFAEFED9DA}" presName="parTxOnly" presStyleLbl="node1" presStyleIdx="0" presStyleCnt="3" custScaleX="70834">
         <dgm:presLayoutVars>
           <dgm:chMax val="0"/>
           <dgm:chPref val="0"/>
@@ -2775,8 +2775,8 @@
       </dsp:nvSpPr>
       <dsp:spPr>
         <a:xfrm>
-          <a:off x="2947" y="0"/>
-          <a:ext cx="3590921" cy="466535"/>
+          <a:off x="2934" y="0"/>
+          <a:ext cx="2839359" cy="466535"/>
         </a:xfrm>
         <a:prstGeom prst="chevron">
           <a:avLst/>
@@ -2837,8 +2837,8 @@
         </a:p>
       </dsp:txBody>
       <dsp:txXfrm>
-        <a:off x="236215" y="0"/>
-        <a:ext cx="3124386" cy="466535"/>
+        <a:off x="236202" y="0"/>
+        <a:ext cx="2372824" cy="466535"/>
       </dsp:txXfrm>
     </dsp:sp>
     <dsp:sp modelId="{521FE411-6446-44CB-8094-C9D4FA36107A}">
@@ -2848,8 +2848,8 @@
       </dsp:nvSpPr>
       <dsp:spPr>
         <a:xfrm>
-          <a:off x="3234776" y="0"/>
-          <a:ext cx="3590921" cy="466535"/>
+          <a:off x="2441446" y="0"/>
+          <a:ext cx="4008470" cy="466535"/>
         </a:xfrm>
         <a:prstGeom prst="chevron">
           <a:avLst/>
@@ -2910,8 +2910,8 @@
         </a:p>
       </dsp:txBody>
       <dsp:txXfrm>
-        <a:off x="3468044" y="0"/>
-        <a:ext cx="3124386" cy="466535"/>
+        <a:off x="2674714" y="0"/>
+        <a:ext cx="3541935" cy="466535"/>
       </dsp:txXfrm>
     </dsp:sp>
     <dsp:sp modelId="{CE3FA430-3B21-483F-A60F-5ADD8D8727C6}">
@@ -2921,8 +2921,8 @@
       </dsp:nvSpPr>
       <dsp:spPr>
         <a:xfrm>
-          <a:off x="6469552" y="0"/>
-          <a:ext cx="3590921" cy="466535"/>
+          <a:off x="6052003" y="0"/>
+          <a:ext cx="4008470" cy="466535"/>
         </a:xfrm>
         <a:prstGeom prst="chevron">
           <a:avLst/>
@@ -2983,8 +2983,8 @@
         </a:p>
       </dsp:txBody>
       <dsp:txXfrm>
-        <a:off x="6702820" y="0"/>
-        <a:ext cx="3124386" cy="466535"/>
+        <a:off x="6285271" y="0"/>
+        <a:ext cx="3541935" cy="466535"/>
       </dsp:txXfrm>
     </dsp:sp>
   </dsp:spTree>
@@ -12876,7 +12876,7 @@
           <p:nvPr>
             <p:extLst>
               <p:ext uri="{D42A27DB-BD31-4B8C-83A1-F6EECF244321}">
-                <p14:modId xmlns:p14="http://schemas.microsoft.com/office/powerpoint/2010/main" val="3687819253"/>
+                <p14:modId xmlns:p14="http://schemas.microsoft.com/office/powerpoint/2010/main" val="3454963797"/>
               </p:ext>
             </p:extLst>
           </p:nvPr>
@@ -14145,7 +14145,7 @@
           <p:nvPr>
             <p:extLst>
               <p:ext uri="{D42A27DB-BD31-4B8C-83A1-F6EECF244321}">
-                <p14:modId xmlns:p14="http://schemas.microsoft.com/office/powerpoint/2010/main" val="310996752"/>
+                <p14:modId xmlns:p14="http://schemas.microsoft.com/office/powerpoint/2010/main" val="74700658"/>
               </p:ext>
             </p:extLst>
           </p:nvPr>
@@ -14215,7 +14215,23 @@
                       <a:pPr algn="ctr" latinLnBrk="1"/>
                       <a:r>
                         <a:rPr lang="ko-KR" altLang="en-US" dirty="0"/>
-                        <a:t>세부 일정 관리 및 </a:t>
+                        <a:t>세부 일정 관리 및</a:t>
+                      </a:r>
+                      <a:endParaRPr lang="en-US" altLang="ko-KR" dirty="0"/>
+                    </a:p>
+                    <a:p>
+                      <a:pPr algn="ctr" latinLnBrk="1"/>
+                      <a:r>
+                        <a:rPr lang="ko-KR" altLang="en-US" dirty="0"/>
+                        <a:t>모듈</a:t>
+                      </a:r>
+                      <a:r>
+                        <a:rPr lang="en-US" altLang="ko-KR" dirty="0"/>
+                        <a:t> </a:t>
+                      </a:r>
+                      <a:r>
+                        <a:rPr lang="ko-KR" altLang="en-US" dirty="0"/>
+                        <a:t>프로그래밍</a:t>
                       </a:r>
                       <a:endParaRPr lang="en-US" altLang="ko-KR" dirty="0"/>
                     </a:p>
@@ -14247,7 +14263,7 @@
           <p:nvPr>
             <p:extLst>
               <p:ext uri="{D42A27DB-BD31-4B8C-83A1-F6EECF244321}">
-                <p14:modId xmlns:p14="http://schemas.microsoft.com/office/powerpoint/2010/main" val="2535239523"/>
+                <p14:modId xmlns:p14="http://schemas.microsoft.com/office/powerpoint/2010/main" val="3156536931"/>
               </p:ext>
             </p:extLst>
           </p:nvPr>
@@ -14309,7 +14325,19 @@
                       <a:pPr algn="ctr" latinLnBrk="1"/>
                       <a:r>
                         <a:rPr lang="ko-KR" altLang="en-US" dirty="0"/>
-                        <a:t>인터페이스 디자인</a:t>
+                        <a:t>인터페이스 디자인 및</a:t>
+                      </a:r>
+                      <a:endParaRPr lang="en-US" altLang="ko-KR" dirty="0"/>
+                    </a:p>
+                    <a:p>
+                      <a:pPr algn="ctr" latinLnBrk="1"/>
+                      <a:r>
+                        <a:rPr lang="en-US" altLang="ko-KR" dirty="0"/>
+                        <a:t>DB </a:t>
+                      </a:r>
+                      <a:r>
+                        <a:rPr lang="ko-KR" altLang="en-US" dirty="0"/>
+                        <a:t>프로그래밍</a:t>
                       </a:r>
                     </a:p>
                   </a:txBody>
@@ -14601,7 +14629,7 @@
             <a:graphicData uri="http://schemas.openxmlformats.org/presentationml/2006/ole">
               <mc:AlternateContent xmlns:mc="http://schemas.openxmlformats.org/markup-compatibility/2006">
                 <mc:Choice xmlns:v="urn:schemas-microsoft-com:vml" Requires="v">
-                  <p:oleObj spid="_x0000_s1042" name="Worksheet" r:id="rId3" imgW="5371994" imgH="2415430" progId="Excel.Sheet.12">
+                  <p:oleObj spid="_x0000_s1043" name="Worksheet" r:id="rId3" imgW="5371994" imgH="2415430" progId="Excel.Sheet.12">
                     <p:embed/>
                   </p:oleObj>
                 </mc:Choice>
@@ -15210,7 +15238,7 @@
             <a:graphicData uri="http://schemas.openxmlformats.org/presentationml/2006/ole">
               <mc:AlternateContent xmlns:mc="http://schemas.openxmlformats.org/markup-compatibility/2006">
                 <mc:Choice xmlns:v="urn:schemas-microsoft-com:vml" Requires="v">
-                  <p:oleObj spid="_x0000_s2063" name="Worksheet" r:id="rId3" imgW="5371994" imgH="2415430" progId="Excel.Sheet.12">
+                  <p:oleObj spid="_x0000_s2064" name="Worksheet" r:id="rId3" imgW="5371994" imgH="2415430" progId="Excel.Sheet.12">
                     <p:embed/>
                   </p:oleObj>
                 </mc:Choice>

--- a/TaskFlow.pptx
+++ b/TaskFlow.pptx
@@ -2234,7 +2234,7 @@
   <dgm:whole/>
   <dgm:extLst>
     <a:ext uri="http://schemas.microsoft.com/office/drawing/2008/diagram">
-      <dsp:dataModelExt xmlns:dsp="http://schemas.microsoft.com/office/drawing/2008/diagram" relId="rId7" minVer="http://schemas.openxmlformats.org/drawingml/2006/diagram"/>
+      <dsp:dataModelExt xmlns:dsp="http://schemas.microsoft.com/office/drawing/2008/diagram" relId="rId9" minVer="http://schemas.openxmlformats.org/drawingml/2006/diagram"/>
     </a:ext>
   </dgm:extLst>
 </dgm:dataModel>
@@ -9729,42 +9729,6 @@
           </a:p>
         </p:txBody>
       </p:sp>
-      <p:pic>
-        <p:nvPicPr>
-          <p:cNvPr id="4" name="그림 3">
-            <a:extLst>
-              <a:ext uri="{FF2B5EF4-FFF2-40B4-BE49-F238E27FC236}">
-                <a16:creationId xmlns:a16="http://schemas.microsoft.com/office/drawing/2014/main" id="{EC90E3D3-8049-4EFA-95AE-AE034C23F9EC}"/>
-              </a:ext>
-            </a:extLst>
-          </p:cNvPr>
-          <p:cNvPicPr>
-            <a:picLocks noChangeAspect="1"/>
-          </p:cNvPicPr>
-          <p:nvPr/>
-        </p:nvPicPr>
-        <p:blipFill>
-          <a:blip r:embed="rId2">
-            <a:extLst>
-              <a:ext uri="{28A0092B-C50C-407E-A947-70E740481C1C}">
-                <a14:useLocalDpi xmlns:a14="http://schemas.microsoft.com/office/drawing/2010/main" val="0"/>
-              </a:ext>
-            </a:extLst>
-          </a:blip>
-          <a:stretch>
-            <a:fillRect/>
-          </a:stretch>
-        </p:blipFill>
-        <p:spPr>
-          <a:xfrm>
-            <a:off x="2411118" y="1927536"/>
-            <a:ext cx="2687468" cy="3002927"/>
-          </a:xfrm>
-          <a:prstGeom prst="rect">
-            <a:avLst/>
-          </a:prstGeom>
-        </p:spPr>
-      </p:pic>
       <p:sp>
         <p:nvSpPr>
           <p:cNvPr id="5" name="TextBox 4">
@@ -9867,16 +9831,67 @@
           <a:p>
             <a:r>
               <a:rPr lang="ko-KR" altLang="en-US" dirty="0"/>
-              <a:t>손 아픈 필기 텍스트화 </a:t>
+              <a:t>손 아픈 필기 </a:t>
             </a:r>
             <a:r>
-              <a:rPr lang="ko-KR" altLang="en-US"/>
-              <a:t>및 키워드 추출로 간단한 복습</a:t>
+              <a:rPr lang="ko-KR" altLang="en-US" dirty="0">
+                <a:solidFill>
+                  <a:srgbClr val="6557C9"/>
+                </a:solidFill>
+              </a:rPr>
+              <a:t>텍스트화 및 키워드 추출</a:t>
             </a:r>
-            <a:endParaRPr lang="ko-KR" altLang="en-US" dirty="0"/>
+            <a:r>
+              <a:rPr lang="ko-KR" altLang="en-US" dirty="0"/>
+              <a:t>로 </a:t>
+            </a:r>
+            <a:r>
+              <a:rPr lang="ko-KR" altLang="en-US" dirty="0">
+                <a:solidFill>
+                  <a:srgbClr val="6557C9"/>
+                </a:solidFill>
+              </a:rPr>
+              <a:t>간단한 복습</a:t>
+            </a:r>
           </a:p>
         </p:txBody>
       </p:sp>
+      <p:pic>
+        <p:nvPicPr>
+          <p:cNvPr id="11" name="그림 10">
+            <a:extLst>
+              <a:ext uri="{FF2B5EF4-FFF2-40B4-BE49-F238E27FC236}">
+                <a16:creationId xmlns:a16="http://schemas.microsoft.com/office/drawing/2014/main" id="{8D2C1774-F824-48E0-A39A-0E3ABD45E5BE}"/>
+              </a:ext>
+            </a:extLst>
+          </p:cNvPr>
+          <p:cNvPicPr>
+            <a:picLocks noChangeAspect="1"/>
+          </p:cNvPicPr>
+          <p:nvPr/>
+        </p:nvPicPr>
+        <p:blipFill>
+          <a:blip r:embed="rId2">
+            <a:extLst>
+              <a:ext uri="{28A0092B-C50C-407E-A947-70E740481C1C}">
+                <a14:useLocalDpi xmlns:a14="http://schemas.microsoft.com/office/drawing/2010/main" val="0"/>
+              </a:ext>
+            </a:extLst>
+          </a:blip>
+          <a:stretch>
+            <a:fillRect/>
+          </a:stretch>
+        </p:blipFill>
+        <p:spPr>
+          <a:xfrm>
+            <a:off x="2490805" y="1996204"/>
+            <a:ext cx="2528093" cy="2824844"/>
+          </a:xfrm>
+          <a:prstGeom prst="rect">
+            <a:avLst/>
+          </a:prstGeom>
+        </p:spPr>
+      </p:pic>
     </p:spTree>
     <p:extLst>
       <p:ext uri="{BB962C8B-B14F-4D97-AF65-F5344CB8AC3E}">
@@ -12725,6 +12740,78 @@
       </p:grpSpPr>
       <p:pic>
         <p:nvPicPr>
+          <p:cNvPr id="81" name="그림 80">
+            <a:extLst>
+              <a:ext uri="{FF2B5EF4-FFF2-40B4-BE49-F238E27FC236}">
+                <a16:creationId xmlns:a16="http://schemas.microsoft.com/office/drawing/2014/main" id="{7B468F7C-4C15-49C5-B6F9-2B60E693CBB6}"/>
+              </a:ext>
+            </a:extLst>
+          </p:cNvPr>
+          <p:cNvPicPr>
+            <a:picLocks noChangeAspect="1"/>
+          </p:cNvPicPr>
+          <p:nvPr/>
+        </p:nvPicPr>
+        <p:blipFill>
+          <a:blip r:embed="rId2">
+            <a:extLst>
+              <a:ext uri="{28A0092B-C50C-407E-A947-70E740481C1C}">
+                <a14:useLocalDpi xmlns:a14="http://schemas.microsoft.com/office/drawing/2010/main" val="0"/>
+              </a:ext>
+            </a:extLst>
+          </a:blip>
+          <a:stretch>
+            <a:fillRect/>
+          </a:stretch>
+        </p:blipFill>
+        <p:spPr>
+          <a:xfrm>
+            <a:off x="4052927" y="1249598"/>
+            <a:ext cx="1252086" cy="2641765"/>
+          </a:xfrm>
+          <a:prstGeom prst="rect">
+            <a:avLst/>
+          </a:prstGeom>
+        </p:spPr>
+      </p:pic>
+      <p:pic>
+        <p:nvPicPr>
+          <p:cNvPr id="79" name="그림 78">
+            <a:extLst>
+              <a:ext uri="{FF2B5EF4-FFF2-40B4-BE49-F238E27FC236}">
+                <a16:creationId xmlns:a16="http://schemas.microsoft.com/office/drawing/2014/main" id="{7BA755B1-9DBA-4F78-9052-468B77414C6D}"/>
+              </a:ext>
+            </a:extLst>
+          </p:cNvPr>
+          <p:cNvPicPr>
+            <a:picLocks noChangeAspect="1"/>
+          </p:cNvPicPr>
+          <p:nvPr/>
+        </p:nvPicPr>
+        <p:blipFill>
+          <a:blip r:embed="rId3">
+            <a:extLst>
+              <a:ext uri="{28A0092B-C50C-407E-A947-70E740481C1C}">
+                <a14:useLocalDpi xmlns:a14="http://schemas.microsoft.com/office/drawing/2010/main" val="0"/>
+              </a:ext>
+            </a:extLst>
+          </a:blip>
+          <a:stretch>
+            <a:fillRect/>
+          </a:stretch>
+        </p:blipFill>
+        <p:spPr>
+          <a:xfrm>
+            <a:off x="2420342" y="1249599"/>
+            <a:ext cx="1252086" cy="2641764"/>
+          </a:xfrm>
+          <a:prstGeom prst="rect">
+            <a:avLst/>
+          </a:prstGeom>
+        </p:spPr>
+      </p:pic>
+      <p:pic>
+        <p:nvPicPr>
           <p:cNvPr id="61" name="그림 60">
             <a:extLst>
               <a:ext uri="{FF2B5EF4-FFF2-40B4-BE49-F238E27FC236}">
@@ -12738,7 +12825,7 @@
           <p:nvPr/>
         </p:nvPicPr>
         <p:blipFill>
-          <a:blip r:embed="rId2">
+          <a:blip r:embed="rId4">
             <a:extLst>
               <a:ext uri="{28A0092B-C50C-407E-A947-70E740481C1C}">
                 <a14:useLocalDpi xmlns:a14="http://schemas.microsoft.com/office/drawing/2010/main" val="0"/>
@@ -12887,7 +12974,7 @@
         </p:xfrm>
         <a:graphic>
           <a:graphicData uri="http://schemas.openxmlformats.org/drawingml/2006/diagram">
-            <dgm:relIds xmlns:dgm="http://schemas.openxmlformats.org/drawingml/2006/diagram" xmlns:r="http://schemas.openxmlformats.org/officeDocument/2006/relationships" r:dm="rId3" r:lo="rId4" r:qs="rId5" r:cs="rId6"/>
+            <dgm:relIds xmlns:dgm="http://schemas.openxmlformats.org/drawingml/2006/diagram" xmlns:r="http://schemas.openxmlformats.org/officeDocument/2006/relationships" r:dm="rId5" r:lo="rId6" r:qs="rId7" r:cs="rId8"/>
           </a:graphicData>
         </a:graphic>
       </p:graphicFrame>
@@ -12906,7 +12993,7 @@
           <p:nvPr/>
         </p:nvPicPr>
         <p:blipFill>
-          <a:blip r:embed="rId8">
+          <a:blip r:embed="rId10">
             <a:extLst>
               <a:ext uri="{28A0092B-C50C-407E-A947-70E740481C1C}">
                 <a14:useLocalDpi xmlns:a14="http://schemas.microsoft.com/office/drawing/2010/main" val="0"/>
@@ -12929,42 +13016,6 @@
       </p:pic>
       <p:pic>
         <p:nvPicPr>
-          <p:cNvPr id="6" name="그림 5">
-            <a:extLst>
-              <a:ext uri="{FF2B5EF4-FFF2-40B4-BE49-F238E27FC236}">
-                <a16:creationId xmlns:a16="http://schemas.microsoft.com/office/drawing/2014/main" id="{60D11A73-8DDC-4C04-B6AA-66993239F6ED}"/>
-              </a:ext>
-            </a:extLst>
-          </p:cNvPr>
-          <p:cNvPicPr>
-            <a:picLocks noChangeAspect="1"/>
-          </p:cNvPicPr>
-          <p:nvPr/>
-        </p:nvPicPr>
-        <p:blipFill>
-          <a:blip r:embed="rId9">
-            <a:extLst>
-              <a:ext uri="{28A0092B-C50C-407E-A947-70E740481C1C}">
-                <a14:useLocalDpi xmlns:a14="http://schemas.microsoft.com/office/drawing/2010/main" val="0"/>
-              </a:ext>
-            </a:extLst>
-          </a:blip>
-          <a:stretch>
-            <a:fillRect/>
-          </a:stretch>
-        </p:blipFill>
-        <p:spPr>
-          <a:xfrm>
-            <a:off x="2420344" y="1249599"/>
-            <a:ext cx="1252086" cy="2641764"/>
-          </a:xfrm>
-          <a:prstGeom prst="rect">
-            <a:avLst/>
-          </a:prstGeom>
-        </p:spPr>
-      </p:pic>
-      <p:pic>
-        <p:nvPicPr>
           <p:cNvPr id="8" name="그림 7">
             <a:extLst>
               <a:ext uri="{FF2B5EF4-FFF2-40B4-BE49-F238E27FC236}">
@@ -12978,7 +13029,7 @@
           <p:nvPr/>
         </p:nvPicPr>
         <p:blipFill>
-          <a:blip r:embed="rId10">
+          <a:blip r:embed="rId11">
             <a:extLst>
               <a:ext uri="{28A0092B-C50C-407E-A947-70E740481C1C}">
                 <a14:useLocalDpi xmlns:a14="http://schemas.microsoft.com/office/drawing/2010/main" val="0"/>
@@ -13014,7 +13065,7 @@
           <p:nvPr/>
         </p:nvPicPr>
         <p:blipFill>
-          <a:blip r:embed="rId11">
+          <a:blip r:embed="rId12">
             <a:extLst>
               <a:ext uri="{28A0092B-C50C-407E-A947-70E740481C1C}">
                 <a14:useLocalDpi xmlns:a14="http://schemas.microsoft.com/office/drawing/2010/main" val="0"/>
@@ -13050,7 +13101,7 @@
           <p:nvPr/>
         </p:nvPicPr>
         <p:blipFill>
-          <a:blip r:embed="rId12">
+          <a:blip r:embed="rId13">
             <a:extLst>
               <a:ext uri="{28A0092B-C50C-407E-A947-70E740481C1C}">
                 <a14:useLocalDpi xmlns:a14="http://schemas.microsoft.com/office/drawing/2010/main" val="0"/>
@@ -13086,7 +13137,7 @@
           <p:nvPr/>
         </p:nvPicPr>
         <p:blipFill>
-          <a:blip r:embed="rId13">
+          <a:blip r:embed="rId14">
             <a:extLst>
               <a:ext uri="{28A0092B-C50C-407E-A947-70E740481C1C}">
                 <a14:useLocalDpi xmlns:a14="http://schemas.microsoft.com/office/drawing/2010/main" val="0"/>
@@ -13100,42 +13151,6 @@
         <p:spPr>
           <a:xfrm>
             <a:off x="5644878" y="4125432"/>
-            <a:ext cx="1252086" cy="2641764"/>
-          </a:xfrm>
-          <a:prstGeom prst="rect">
-            <a:avLst/>
-          </a:prstGeom>
-        </p:spPr>
-      </p:pic>
-      <p:pic>
-        <p:nvPicPr>
-          <p:cNvPr id="18" name="그림 17">
-            <a:extLst>
-              <a:ext uri="{FF2B5EF4-FFF2-40B4-BE49-F238E27FC236}">
-                <a16:creationId xmlns:a16="http://schemas.microsoft.com/office/drawing/2014/main" id="{51F8AA52-283D-459A-AFCA-BDE9D184F337}"/>
-              </a:ext>
-            </a:extLst>
-          </p:cNvPr>
-          <p:cNvPicPr>
-            <a:picLocks noChangeAspect="1"/>
-          </p:cNvPicPr>
-          <p:nvPr/>
-        </p:nvPicPr>
-        <p:blipFill>
-          <a:blip r:embed="rId14">
-            <a:extLst>
-              <a:ext uri="{28A0092B-C50C-407E-A947-70E740481C1C}">
-                <a14:useLocalDpi xmlns:a14="http://schemas.microsoft.com/office/drawing/2010/main" val="0"/>
-              </a:ext>
-            </a:extLst>
-          </a:blip>
-          <a:stretch>
-            <a:fillRect/>
-          </a:stretch>
-        </p:blipFill>
-        <p:spPr>
-          <a:xfrm>
-            <a:off x="4047090" y="1249599"/>
             <a:ext cx="1252086" cy="2641764"/>
           </a:xfrm>
           <a:prstGeom prst="rect">
@@ -13157,7 +13172,7 @@
         </p:nvSpPr>
         <p:spPr>
           <a:xfrm>
-            <a:off x="2499111" y="2951481"/>
+            <a:off x="2514351" y="2946401"/>
             <a:ext cx="588986" cy="304800"/>
           </a:xfrm>
           <a:prstGeom prst="rect">
@@ -13211,13 +13226,13 @@
         </p:nvCxnSpPr>
         <p:spPr>
           <a:xfrm rot="16200000" flipH="1" flipV="1">
-            <a:off x="550078" y="3190967"/>
-            <a:ext cx="2483012" cy="2004040"/>
+            <a:off x="555158" y="3180807"/>
+            <a:ext cx="2488092" cy="2019280"/>
           </a:xfrm>
           <a:prstGeom prst="bentConnector4">
             <a:avLst>
-              <a:gd name="adj1" fmla="val -9207"/>
-              <a:gd name="adj2" fmla="val 111407"/>
+              <a:gd name="adj1" fmla="val -9188"/>
+              <a:gd name="adj2" fmla="val 111321"/>
             </a:avLst>
           </a:prstGeom>
           <a:ln w="19050">
@@ -13256,8 +13271,8 @@
         </p:nvSpPr>
         <p:spPr>
           <a:xfrm>
-            <a:off x="4607267" y="3445510"/>
-            <a:ext cx="588986" cy="270510"/>
+            <a:off x="4607267" y="3388360"/>
+            <a:ext cx="588986" cy="197641"/>
           </a:xfrm>
           <a:prstGeom prst="rect">
             <a:avLst/>
@@ -13310,13 +13325,13 @@
         </p:nvCxnSpPr>
         <p:spPr>
           <a:xfrm flipH="1">
-            <a:off x="4026440" y="3580765"/>
-            <a:ext cx="1169813" cy="1865549"/>
+            <a:off x="4026440" y="3487181"/>
+            <a:ext cx="1169813" cy="1959133"/>
           </a:xfrm>
           <a:prstGeom prst="bentConnector5">
             <a:avLst>
               <a:gd name="adj1" fmla="val -19542"/>
-              <a:gd name="adj2" fmla="val 18223"/>
+              <a:gd name="adj2" fmla="val 18811"/>
               <a:gd name="adj3" fmla="val 119542"/>
             </a:avLst>
           </a:prstGeom>
@@ -13438,7 +13453,7 @@
         </p:nvSpPr>
         <p:spPr>
           <a:xfrm>
-            <a:off x="2991279" y="2998316"/>
+            <a:off x="2981119" y="2988156"/>
             <a:ext cx="588986" cy="209615"/>
           </a:xfrm>
           <a:prstGeom prst="rect">
@@ -13491,7 +13506,7 @@
         </p:nvCxnSpPr>
         <p:spPr>
           <a:xfrm flipH="1">
-            <a:off x="3277454" y="3207931"/>
+            <a:off x="3267294" y="3197771"/>
             <a:ext cx="8318" cy="910760"/>
           </a:xfrm>
           <a:prstGeom prst="straightConnector1">
@@ -13533,7 +13548,7 @@
         </p:nvSpPr>
         <p:spPr>
           <a:xfrm>
-            <a:off x="4181474" y="3331418"/>
+            <a:off x="4181474" y="3239978"/>
             <a:ext cx="523545" cy="346023"/>
           </a:xfrm>
           <a:prstGeom prst="rect">
@@ -13720,8 +13735,8 @@
         </p:nvCxnSpPr>
         <p:spPr>
           <a:xfrm rot="5400000" flipH="1" flipV="1">
-            <a:off x="4678073" y="2335656"/>
-            <a:ext cx="760937" cy="1230589"/>
+            <a:off x="4723793" y="2289936"/>
+            <a:ext cx="669497" cy="1230589"/>
           </a:xfrm>
           <a:prstGeom prst="bentConnector2">
             <a:avLst/>
@@ -14629,7 +14644,7 @@
             <a:graphicData uri="http://schemas.openxmlformats.org/presentationml/2006/ole">
               <mc:AlternateContent xmlns:mc="http://schemas.openxmlformats.org/markup-compatibility/2006">
                 <mc:Choice xmlns:v="urn:schemas-microsoft-com:vml" Requires="v">
-                  <p:oleObj spid="_x0000_s1043" name="Worksheet" r:id="rId3" imgW="5371994" imgH="2415430" progId="Excel.Sheet.12">
+                  <p:oleObj spid="_x0000_s1044" name="Worksheet" r:id="rId3" imgW="5371994" imgH="2415430" progId="Excel.Sheet.12">
                     <p:embed/>
                   </p:oleObj>
                 </mc:Choice>
@@ -15238,7 +15253,7 @@
             <a:graphicData uri="http://schemas.openxmlformats.org/presentationml/2006/ole">
               <mc:AlternateContent xmlns:mc="http://schemas.openxmlformats.org/markup-compatibility/2006">
                 <mc:Choice xmlns:v="urn:schemas-microsoft-com:vml" Requires="v">
-                  <p:oleObj spid="_x0000_s2064" name="Worksheet" r:id="rId3" imgW="5371994" imgH="2415430" progId="Excel.Sheet.12">
+                  <p:oleObj spid="_x0000_s2065" name="Worksheet" r:id="rId3" imgW="5371994" imgH="2415430" progId="Excel.Sheet.12">
                     <p:embed/>
                   </p:oleObj>
                 </mc:Choice>

--- a/TaskFlow.pptx
+++ b/TaskFlow.pptx
@@ -9886,6 +9886,111 @@
           <a:xfrm>
             <a:off x="2490805" y="1996204"/>
             <a:ext cx="2528093" cy="2824844"/>
+          </a:xfrm>
+          <a:prstGeom prst="rect">
+            <a:avLst/>
+          </a:prstGeom>
+        </p:spPr>
+      </p:pic>
+      <p:sp>
+        <p:nvSpPr>
+          <p:cNvPr id="14" name="TextBox 13">
+            <a:extLst>
+              <a:ext uri="{FF2B5EF4-FFF2-40B4-BE49-F238E27FC236}">
+                <a16:creationId xmlns:a16="http://schemas.microsoft.com/office/drawing/2014/main" id="{9F4BDF02-F73E-4F5E-9F2E-6690026AF8AA}"/>
+              </a:ext>
+            </a:extLst>
+          </p:cNvPr>
+          <p:cNvSpPr txBox="1"/>
+          <p:nvPr/>
+        </p:nvSpPr>
+        <p:spPr>
+          <a:xfrm>
+            <a:off x="6253773" y="5292383"/>
+            <a:ext cx="4366754" cy="369332"/>
+          </a:xfrm>
+          <a:prstGeom prst="rect">
+            <a:avLst/>
+          </a:prstGeom>
+          <a:noFill/>
+        </p:spPr>
+        <p:txBody>
+          <a:bodyPr wrap="square" rtlCol="0">
+            <a:spAutoFit/>
+          </a:bodyPr>
+          <a:lstStyle/>
+          <a:p>
+            <a:pPr algn="ctr"/>
+            <a:r>
+              <a:rPr lang="ko-KR" altLang="en-US" dirty="0"/>
+              <a:t>필기를 많이 하는 </a:t>
+            </a:r>
+            <a:r>
+              <a:rPr lang="ko-KR" altLang="en-US" dirty="0">
+                <a:solidFill>
+                  <a:srgbClr val="6557C9"/>
+                </a:solidFill>
+              </a:rPr>
+              <a:t>학생 </a:t>
+            </a:r>
+            <a:r>
+              <a:rPr lang="ko-KR" altLang="en-US" dirty="0"/>
+              <a:t>및</a:t>
+            </a:r>
+            <a:r>
+              <a:rPr lang="ko-KR" altLang="en-US" dirty="0">
+                <a:solidFill>
+                  <a:srgbClr val="6557C9"/>
+                </a:solidFill>
+              </a:rPr>
+              <a:t> </a:t>
+            </a:r>
+            <a:r>
+              <a:rPr lang="ko-KR" altLang="en-US" dirty="0" err="1">
+                <a:solidFill>
+                  <a:srgbClr val="6557C9"/>
+                </a:solidFill>
+              </a:rPr>
+              <a:t>취준생</a:t>
+            </a:r>
+            <a:endParaRPr lang="ko-KR" altLang="en-US" dirty="0">
+              <a:solidFill>
+                <a:srgbClr val="6557C9"/>
+              </a:solidFill>
+            </a:endParaRPr>
+          </a:p>
+        </p:txBody>
+      </p:sp>
+      <p:pic>
+        <p:nvPicPr>
+          <p:cNvPr id="16" name="그림 15">
+            <a:extLst>
+              <a:ext uri="{FF2B5EF4-FFF2-40B4-BE49-F238E27FC236}">
+                <a16:creationId xmlns:a16="http://schemas.microsoft.com/office/drawing/2014/main" id="{F639855D-7BB8-4742-A313-A52E0EC6AD56}"/>
+              </a:ext>
+            </a:extLst>
+          </p:cNvPr>
+          <p:cNvPicPr>
+            <a:picLocks noChangeAspect="1"/>
+          </p:cNvPicPr>
+          <p:nvPr/>
+        </p:nvPicPr>
+        <p:blipFill>
+          <a:blip r:embed="rId3">
+            <a:extLst>
+              <a:ext uri="{28A0092B-C50C-407E-A947-70E740481C1C}">
+                <a14:useLocalDpi xmlns:a14="http://schemas.microsoft.com/office/drawing/2010/main" val="0"/>
+              </a:ext>
+            </a:extLst>
+          </a:blip>
+          <a:stretch>
+            <a:fillRect/>
+          </a:stretch>
+        </p:blipFill>
+        <p:spPr>
+          <a:xfrm>
+            <a:off x="7163790" y="2085249"/>
+            <a:ext cx="2682029" cy="2687502"/>
           </a:xfrm>
           <a:prstGeom prst="rect">
             <a:avLst/>
@@ -14644,7 +14749,7 @@
             <a:graphicData uri="http://schemas.openxmlformats.org/presentationml/2006/ole">
               <mc:AlternateContent xmlns:mc="http://schemas.openxmlformats.org/markup-compatibility/2006">
                 <mc:Choice xmlns:v="urn:schemas-microsoft-com:vml" Requires="v">
-                  <p:oleObj spid="_x0000_s1044" name="Worksheet" r:id="rId3" imgW="5371994" imgH="2415430" progId="Excel.Sheet.12">
+                  <p:oleObj spid="_x0000_s1045" name="Worksheet" r:id="rId3" imgW="5371994" imgH="2415430" progId="Excel.Sheet.12">
                     <p:embed/>
                   </p:oleObj>
                 </mc:Choice>
@@ -15253,7 +15358,7 @@
             <a:graphicData uri="http://schemas.openxmlformats.org/presentationml/2006/ole">
               <mc:AlternateContent xmlns:mc="http://schemas.openxmlformats.org/markup-compatibility/2006">
                 <mc:Choice xmlns:v="urn:schemas-microsoft-com:vml" Requires="v">
-                  <p:oleObj spid="_x0000_s2065" name="Worksheet" r:id="rId3" imgW="5371994" imgH="2415430" progId="Excel.Sheet.12">
+                  <p:oleObj spid="_x0000_s2066" name="Worksheet" r:id="rId3" imgW="5371994" imgH="2415430" progId="Excel.Sheet.12">
                     <p:embed/>
                   </p:oleObj>
                 </mc:Choice>

--- a/TaskFlow.pptx
+++ b/TaskFlow.pptx
@@ -122,6 +122,18 @@
     </p:ext>
   </p:extLst>
 </p:presentation>
+</file>
+
+<file path=ppt/commentAuthors.xml><?xml version="1.0" encoding="utf-8"?>
+<p:cmAuthorLst xmlns:a="http://schemas.openxmlformats.org/drawingml/2006/main" xmlns:r="http://schemas.openxmlformats.org/officeDocument/2006/relationships" xmlns:p="http://schemas.openxmlformats.org/presentationml/2006/main">
+  <p:cmAuthor id="1" name="고 대은" initials="고대" lastIdx="1" clrIdx="0">
+    <p:extLst>
+      <p:ext uri="{19B8F6BF-5375-455C-9EA6-DF929625EA0E}">
+        <p15:presenceInfo xmlns:p15="http://schemas.microsoft.com/office/powerpoint/2012/main" userId="040d8dc0599ea171" providerId="Windows Live"/>
+      </p:ext>
+    </p:extLst>
+  </p:cmAuthor>
+</p:cmAuthorLst>
 </file>
 
 <file path=ppt/diagrams/colors1.xml><?xml version="1.0" encoding="utf-8"?>
@@ -9321,18 +9333,470 @@
           <a:lstStyle/>
           <a:p>
             <a:r>
-              <a:rPr lang="ko-KR" altLang="en-US" sz="4000">
+              <a:rPr lang="ko-KR" altLang="en-US" sz="4000" dirty="0">
                 <a:solidFill>
                   <a:schemeClr val="bg1"/>
                 </a:solidFill>
               </a:rPr>
               <a:t>홍보 및 마케팅</a:t>
             </a:r>
-            <a:endParaRPr lang="ko-KR" altLang="en-US" sz="4000" dirty="0">
+          </a:p>
+        </p:txBody>
+      </p:sp>
+      <p:grpSp>
+        <p:nvGrpSpPr>
+          <p:cNvPr id="63" name="그룹 62">
+            <a:extLst>
+              <a:ext uri="{FF2B5EF4-FFF2-40B4-BE49-F238E27FC236}">
+                <a16:creationId xmlns:a16="http://schemas.microsoft.com/office/drawing/2014/main" id="{687435DA-A026-4E8E-958A-5BDC6E9285BE}"/>
+              </a:ext>
+            </a:extLst>
+          </p:cNvPr>
+          <p:cNvGrpSpPr/>
+          <p:nvPr/>
+        </p:nvGrpSpPr>
+        <p:grpSpPr>
+          <a:xfrm>
+            <a:off x="2460625" y="1847099"/>
+            <a:ext cx="7270749" cy="4880019"/>
+            <a:chOff x="2479040" y="1808480"/>
+            <a:chExt cx="7270749" cy="4880019"/>
+          </a:xfrm>
+        </p:grpSpPr>
+        <p:grpSp>
+          <p:nvGrpSpPr>
+            <p:cNvPr id="23" name="그룹 22">
+              <a:extLst>
+                <a:ext uri="{FF2B5EF4-FFF2-40B4-BE49-F238E27FC236}">
+                  <a16:creationId xmlns:a16="http://schemas.microsoft.com/office/drawing/2014/main" id="{52C7C8A8-E9C1-48D6-B208-52CD20DE66D1}"/>
+                </a:ext>
+              </a:extLst>
+            </p:cNvPr>
+            <p:cNvGrpSpPr/>
+            <p:nvPr/>
+          </p:nvGrpSpPr>
+          <p:grpSpPr>
+            <a:xfrm>
+              <a:off x="2479040" y="3447459"/>
+              <a:ext cx="7270749" cy="3241040"/>
+              <a:chOff x="1564640" y="2865120"/>
+              <a:chExt cx="6649719" cy="3068320"/>
+            </a:xfrm>
+          </p:grpSpPr>
+          <p:sp>
+            <p:nvSpPr>
+              <p:cNvPr id="8" name="사각형: 둥근 모서리 7">
+                <a:extLst>
+                  <a:ext uri="{FF2B5EF4-FFF2-40B4-BE49-F238E27FC236}">
+                    <a16:creationId xmlns:a16="http://schemas.microsoft.com/office/drawing/2014/main" id="{F638E56F-FE7F-4E1A-B570-810069E8B255}"/>
+                  </a:ext>
+                </a:extLst>
+              </p:cNvPr>
+              <p:cNvSpPr/>
+              <p:nvPr/>
+            </p:nvSpPr>
+            <p:spPr>
+              <a:xfrm>
+                <a:off x="1564640" y="2865120"/>
+                <a:ext cx="1778000" cy="3068320"/>
+              </a:xfrm>
+              <a:prstGeom prst="roundRect">
+                <a:avLst/>
+              </a:prstGeom>
               <a:solidFill>
-                <a:schemeClr val="bg1"/>
+                <a:schemeClr val="accent6">
+                  <a:lumMod val="60000"/>
+                  <a:lumOff val="40000"/>
+                </a:schemeClr>
               </a:solidFill>
-            </a:endParaRPr>
+              <a:ln>
+                <a:noFill/>
+              </a:ln>
+            </p:spPr>
+            <p:style>
+              <a:lnRef idx="2">
+                <a:schemeClr val="accent6">
+                  <a:shade val="50000"/>
+                </a:schemeClr>
+              </a:lnRef>
+              <a:fillRef idx="1">
+                <a:schemeClr val="accent6"/>
+              </a:fillRef>
+              <a:effectRef idx="0">
+                <a:schemeClr val="accent6"/>
+              </a:effectRef>
+              <a:fontRef idx="minor">
+                <a:schemeClr val="lt1"/>
+              </a:fontRef>
+            </p:style>
+            <p:txBody>
+              <a:bodyPr rtlCol="0" anchor="ctr"/>
+              <a:lstStyle/>
+              <a:p>
+                <a:pPr algn="ctr"/>
+                <a:r>
+                  <a:rPr lang="ko-KR" altLang="en-US" dirty="0" err="1"/>
+                  <a:t>인플루언서의</a:t>
+                </a:r>
+                <a:r>
+                  <a:rPr lang="ko-KR" altLang="en-US" dirty="0"/>
+                  <a:t> 홍보 및 유명</a:t>
+                </a:r>
+                <a:endParaRPr lang="en-US" altLang="ko-KR" dirty="0"/>
+              </a:p>
+              <a:p>
+                <a:pPr algn="ctr"/>
+                <a:endParaRPr lang="en-US" altLang="ko-KR" dirty="0"/>
+              </a:p>
+              <a:p>
+                <a:pPr algn="ctr"/>
+                <a:r>
+                  <a:rPr lang="ko-KR" altLang="en-US" dirty="0"/>
+                  <a:t>어플리케이션 배너광고</a:t>
+                </a:r>
+              </a:p>
+            </p:txBody>
+          </p:sp>
+          <p:sp>
+            <p:nvSpPr>
+              <p:cNvPr id="9" name="사각형: 둥근 모서리 8">
+                <a:extLst>
+                  <a:ext uri="{FF2B5EF4-FFF2-40B4-BE49-F238E27FC236}">
+                    <a16:creationId xmlns:a16="http://schemas.microsoft.com/office/drawing/2014/main" id="{76C34B18-112D-4048-BC8D-492F7B04816E}"/>
+                  </a:ext>
+                </a:extLst>
+              </p:cNvPr>
+              <p:cNvSpPr/>
+              <p:nvPr/>
+            </p:nvSpPr>
+            <p:spPr>
+              <a:xfrm>
+                <a:off x="4000500" y="2865120"/>
+                <a:ext cx="1778000" cy="3068320"/>
+              </a:xfrm>
+              <a:prstGeom prst="roundRect">
+                <a:avLst/>
+              </a:prstGeom>
+              <a:solidFill>
+                <a:schemeClr val="accent6">
+                  <a:lumMod val="60000"/>
+                  <a:lumOff val="40000"/>
+                </a:schemeClr>
+              </a:solidFill>
+              <a:ln>
+                <a:noFill/>
+              </a:ln>
+            </p:spPr>
+            <p:style>
+              <a:lnRef idx="2">
+                <a:schemeClr val="accent6">
+                  <a:shade val="50000"/>
+                </a:schemeClr>
+              </a:lnRef>
+              <a:fillRef idx="1">
+                <a:schemeClr val="accent6"/>
+              </a:fillRef>
+              <a:effectRef idx="0">
+                <a:schemeClr val="accent6"/>
+              </a:effectRef>
+              <a:fontRef idx="minor">
+                <a:schemeClr val="lt1"/>
+              </a:fontRef>
+            </p:style>
+            <p:txBody>
+              <a:bodyPr rtlCol="0" anchor="ctr"/>
+              <a:lstStyle/>
+              <a:p>
+                <a:pPr algn="ctr"/>
+                <a:r>
+                  <a:rPr lang="en-US" altLang="ko-KR" dirty="0"/>
+                  <a:t>2</a:t>
+                </a:r>
+                <a:r>
+                  <a:rPr lang="ko-KR" altLang="en-US" dirty="0"/>
+                  <a:t>개월 간의 무료 구독</a:t>
+                </a:r>
+                <a:endParaRPr lang="en-US" altLang="ko-KR" dirty="0"/>
+              </a:p>
+              <a:p>
+                <a:pPr algn="ctr"/>
+                <a:endParaRPr lang="en-US" altLang="ko-KR" dirty="0"/>
+              </a:p>
+              <a:p>
+                <a:pPr algn="ctr"/>
+                <a:r>
+                  <a:rPr lang="ko-KR" altLang="en-US" dirty="0"/>
+                  <a:t>리뷰 시 일정 기간 연장</a:t>
+                </a:r>
+              </a:p>
+            </p:txBody>
+          </p:sp>
+          <p:sp>
+            <p:nvSpPr>
+              <p:cNvPr id="11" name="사각형: 둥근 모서리 10">
+                <a:extLst>
+                  <a:ext uri="{FF2B5EF4-FFF2-40B4-BE49-F238E27FC236}">
+                    <a16:creationId xmlns:a16="http://schemas.microsoft.com/office/drawing/2014/main" id="{10114474-3C65-4F9C-A22A-2ECAED7CC4B1}"/>
+                  </a:ext>
+                </a:extLst>
+              </p:cNvPr>
+              <p:cNvSpPr/>
+              <p:nvPr/>
+            </p:nvSpPr>
+            <p:spPr>
+              <a:xfrm>
+                <a:off x="6436359" y="2865120"/>
+                <a:ext cx="1778000" cy="3068320"/>
+              </a:xfrm>
+              <a:prstGeom prst="roundRect">
+                <a:avLst/>
+              </a:prstGeom>
+              <a:solidFill>
+                <a:schemeClr val="accent6">
+                  <a:lumMod val="60000"/>
+                  <a:lumOff val="40000"/>
+                </a:schemeClr>
+              </a:solidFill>
+              <a:ln>
+                <a:noFill/>
+              </a:ln>
+            </p:spPr>
+            <p:style>
+              <a:lnRef idx="2">
+                <a:schemeClr val="accent6">
+                  <a:shade val="50000"/>
+                </a:schemeClr>
+              </a:lnRef>
+              <a:fillRef idx="1">
+                <a:schemeClr val="accent6"/>
+              </a:fillRef>
+              <a:effectRef idx="0">
+                <a:schemeClr val="accent6"/>
+              </a:effectRef>
+              <a:fontRef idx="minor">
+                <a:schemeClr val="lt1"/>
+              </a:fontRef>
+            </p:style>
+            <p:txBody>
+              <a:bodyPr rtlCol="0" anchor="ctr"/>
+              <a:lstStyle/>
+              <a:p>
+                <a:pPr algn="ctr"/>
+                <a:r>
+                  <a:rPr lang="ko-KR" altLang="en-US" dirty="0"/>
+                  <a:t>유용한 </a:t>
+                </a:r>
+                <a:endParaRPr lang="en-US" altLang="ko-KR" dirty="0"/>
+              </a:p>
+              <a:p>
+                <a:pPr algn="ctr"/>
+                <a:r>
+                  <a:rPr lang="ko-KR" altLang="en-US" dirty="0"/>
+                  <a:t>기능으로</a:t>
+                </a:r>
+                <a:endParaRPr lang="en-US" altLang="ko-KR" dirty="0"/>
+              </a:p>
+              <a:p>
+                <a:pPr algn="ctr"/>
+                <a:r>
+                  <a:rPr lang="ko-KR" altLang="en-US" dirty="0"/>
+                  <a:t>유료 구독 유도</a:t>
+                </a:r>
+              </a:p>
+            </p:txBody>
+          </p:sp>
+        </p:grpSp>
+        <p:cxnSp>
+          <p:nvCxnSpPr>
+            <p:cNvPr id="13" name="직선 화살표 연결선 12">
+              <a:extLst>
+                <a:ext uri="{FF2B5EF4-FFF2-40B4-BE49-F238E27FC236}">
+                  <a16:creationId xmlns:a16="http://schemas.microsoft.com/office/drawing/2014/main" id="{893B058D-A96A-4BF0-9CF3-1479D54F3C52}"/>
+                </a:ext>
+              </a:extLst>
+            </p:cNvPr>
+            <p:cNvCxnSpPr>
+              <a:cxnSpLocks/>
+              <a:endCxn id="8" idx="0"/>
+            </p:cNvCxnSpPr>
+            <p:nvPr/>
+          </p:nvCxnSpPr>
+          <p:spPr>
+            <a:xfrm>
+              <a:off x="3451066" y="2783840"/>
+              <a:ext cx="0" cy="663619"/>
+            </a:xfrm>
+            <a:prstGeom prst="straightConnector1">
+              <a:avLst/>
+            </a:prstGeom>
+            <a:ln w="22225">
+              <a:solidFill>
+                <a:schemeClr val="accent6">
+                  <a:lumMod val="75000"/>
+                </a:schemeClr>
+              </a:solidFill>
+              <a:tailEnd type="triangle"/>
+            </a:ln>
+          </p:spPr>
+          <p:style>
+            <a:lnRef idx="1">
+              <a:schemeClr val="accent1"/>
+            </a:lnRef>
+            <a:fillRef idx="0">
+              <a:schemeClr val="accent1"/>
+            </a:fillRef>
+            <a:effectRef idx="0">
+              <a:schemeClr val="accent1"/>
+            </a:effectRef>
+            <a:fontRef idx="minor">
+              <a:schemeClr val="tx1"/>
+            </a:fontRef>
+          </p:style>
+        </p:cxnSp>
+        <p:cxnSp>
+          <p:nvCxnSpPr>
+            <p:cNvPr id="16" name="직선 화살표 연결선 15">
+              <a:extLst>
+                <a:ext uri="{FF2B5EF4-FFF2-40B4-BE49-F238E27FC236}">
+                  <a16:creationId xmlns:a16="http://schemas.microsoft.com/office/drawing/2014/main" id="{DFC705FA-1989-4414-B8A9-6ACD783D0611}"/>
+                </a:ext>
+              </a:extLst>
+            </p:cNvPr>
+            <p:cNvCxnSpPr>
+              <a:cxnSpLocks/>
+              <a:endCxn id="11" idx="0"/>
+            </p:cNvCxnSpPr>
+            <p:nvPr/>
+          </p:nvCxnSpPr>
+          <p:spPr>
+            <a:xfrm flipH="1">
+              <a:off x="8777764" y="1808480"/>
+              <a:ext cx="1" cy="1638979"/>
+            </a:xfrm>
+            <a:prstGeom prst="straightConnector1">
+              <a:avLst/>
+            </a:prstGeom>
+            <a:ln w="22225">
+              <a:solidFill>
+                <a:schemeClr val="accent6">
+                  <a:lumMod val="75000"/>
+                </a:schemeClr>
+              </a:solidFill>
+              <a:tailEnd type="triangle"/>
+            </a:ln>
+          </p:spPr>
+          <p:style>
+            <a:lnRef idx="1">
+              <a:schemeClr val="accent1"/>
+            </a:lnRef>
+            <a:fillRef idx="0">
+              <a:schemeClr val="accent1"/>
+            </a:fillRef>
+            <a:effectRef idx="0">
+              <a:schemeClr val="accent1"/>
+            </a:effectRef>
+            <a:fontRef idx="minor">
+              <a:schemeClr val="tx1"/>
+            </a:fontRef>
+          </p:style>
+        </p:cxnSp>
+        <p:cxnSp>
+          <p:nvCxnSpPr>
+            <p:cNvPr id="17" name="직선 화살표 연결선 16">
+              <a:extLst>
+                <a:ext uri="{FF2B5EF4-FFF2-40B4-BE49-F238E27FC236}">
+                  <a16:creationId xmlns:a16="http://schemas.microsoft.com/office/drawing/2014/main" id="{838E8A15-1369-43A4-9A0F-98A93C5631A6}"/>
+                </a:ext>
+              </a:extLst>
+            </p:cNvPr>
+            <p:cNvCxnSpPr>
+              <a:cxnSpLocks/>
+              <a:endCxn id="9" idx="0"/>
+            </p:cNvCxnSpPr>
+            <p:nvPr/>
+          </p:nvCxnSpPr>
+          <p:spPr>
+            <a:xfrm>
+              <a:off x="6114416" y="2326640"/>
+              <a:ext cx="0" cy="1120819"/>
+            </a:xfrm>
+            <a:prstGeom prst="straightConnector1">
+              <a:avLst/>
+            </a:prstGeom>
+            <a:ln w="22225">
+              <a:solidFill>
+                <a:schemeClr val="accent6">
+                  <a:lumMod val="75000"/>
+                </a:schemeClr>
+              </a:solidFill>
+              <a:tailEnd type="triangle"/>
+            </a:ln>
+          </p:spPr>
+          <p:style>
+            <a:lnRef idx="1">
+              <a:schemeClr val="accent1"/>
+            </a:lnRef>
+            <a:fillRef idx="0">
+              <a:schemeClr val="accent1"/>
+            </a:fillRef>
+            <a:effectRef idx="0">
+              <a:schemeClr val="accent1"/>
+            </a:effectRef>
+            <a:fontRef idx="minor">
+              <a:schemeClr val="tx1"/>
+            </a:fontRef>
+          </p:style>
+        </p:cxnSp>
+      </p:grpSp>
+      <p:sp>
+        <p:nvSpPr>
+          <p:cNvPr id="59" name="화살표: 오른쪽 58">
+            <a:extLst>
+              <a:ext uri="{FF2B5EF4-FFF2-40B4-BE49-F238E27FC236}">
+                <a16:creationId xmlns:a16="http://schemas.microsoft.com/office/drawing/2014/main" id="{33A72E90-BB6B-4D29-9299-B45F3C273A7B}"/>
+              </a:ext>
+            </a:extLst>
+          </p:cNvPr>
+          <p:cNvSpPr/>
+          <p:nvPr/>
+        </p:nvSpPr>
+        <p:spPr>
+          <a:xfrm rot="20956579">
+            <a:off x="1609017" y="1602334"/>
+            <a:ext cx="9562048" cy="711041"/>
+          </a:xfrm>
+          <a:prstGeom prst="rightArrow">
+            <a:avLst/>
+          </a:prstGeom>
+          <a:solidFill>
+            <a:srgbClr val="91E1DD"/>
+          </a:solidFill>
+          <a:ln>
+            <a:noFill/>
+          </a:ln>
+        </p:spPr>
+        <p:style>
+          <a:lnRef idx="2">
+            <a:schemeClr val="accent1">
+              <a:shade val="50000"/>
+            </a:schemeClr>
+          </a:lnRef>
+          <a:fillRef idx="1">
+            <a:schemeClr val="accent1"/>
+          </a:fillRef>
+          <a:effectRef idx="0">
+            <a:schemeClr val="accent1"/>
+          </a:effectRef>
+          <a:fontRef idx="minor">
+            <a:schemeClr val="lt1"/>
+          </a:fontRef>
+        </p:style>
+        <p:txBody>
+          <a:bodyPr rtlCol="0" anchor="ctr"/>
+          <a:lstStyle/>
+          <a:p>
+            <a:pPr algn="ctr"/>
+            <a:endParaRPr lang="ko-KR" altLang="en-US"/>
           </a:p>
         </p:txBody>
       </p:sp>
@@ -14736,7 +15200,7 @@
             <p:nvPr>
               <p:extLst>
                 <p:ext uri="{D42A27DB-BD31-4B8C-83A1-F6EECF244321}">
-                  <p14:modId xmlns:p14="http://schemas.microsoft.com/office/powerpoint/2010/main" val="1300917244"/>
+                  <p14:modId xmlns:p14="http://schemas.microsoft.com/office/powerpoint/2010/main" val="3841252237"/>
                 </p:ext>
               </p:extLst>
             </p:nvPr>
@@ -14749,7 +15213,7 @@
             <a:graphicData uri="http://schemas.openxmlformats.org/presentationml/2006/ole">
               <mc:AlternateContent xmlns:mc="http://schemas.openxmlformats.org/markup-compatibility/2006">
                 <mc:Choice xmlns:v="urn:schemas-microsoft-com:vml" Requires="v">
-                  <p:oleObj spid="_x0000_s1045" name="Worksheet" r:id="rId3" imgW="5371994" imgH="2415430" progId="Excel.Sheet.12">
+                  <p:oleObj spid="_x0000_s1047" name="Worksheet" r:id="rId3" imgW="5371994" imgH="2415430" progId="Excel.Sheet.12">
                     <p:embed/>
                   </p:oleObj>
                 </mc:Choice>
@@ -15358,7 +15822,7 @@
             <a:graphicData uri="http://schemas.openxmlformats.org/presentationml/2006/ole">
               <mc:AlternateContent xmlns:mc="http://schemas.openxmlformats.org/markup-compatibility/2006">
                 <mc:Choice xmlns:v="urn:schemas-microsoft-com:vml" Requires="v">
-                  <p:oleObj spid="_x0000_s2066" name="Worksheet" r:id="rId3" imgW="5371994" imgH="2415430" progId="Excel.Sheet.12">
+                  <p:oleObj spid="_x0000_s2067" name="Worksheet" r:id="rId3" imgW="5371994" imgH="2415430" progId="Excel.Sheet.12">
                     <p:embed/>
                   </p:oleObj>
                 </mc:Choice>

--- a/TaskFlow.pptx
+++ b/TaskFlow.pptx
@@ -2246,7 +2246,7 @@
   <dgm:whole/>
   <dgm:extLst>
     <a:ext uri="http://schemas.microsoft.com/office/drawing/2008/diagram">
-      <dsp:dataModelExt xmlns:dsp="http://schemas.microsoft.com/office/drawing/2008/diagram" relId="rId9" minVer="http://schemas.openxmlformats.org/drawingml/2006/diagram"/>
+      <dsp:dataModelExt xmlns:dsp="http://schemas.microsoft.com/office/drawing/2008/diagram" relId="rId10" minVer="http://schemas.openxmlformats.org/drawingml/2006/diagram"/>
     </a:ext>
   </dgm:extLst>
 </dgm:dataModel>
@@ -13309,6 +13309,42 @@
       </p:grpSpPr>
       <p:pic>
         <p:nvPicPr>
+          <p:cNvPr id="5" name="그림 4">
+            <a:extLst>
+              <a:ext uri="{FF2B5EF4-FFF2-40B4-BE49-F238E27FC236}">
+                <a16:creationId xmlns:a16="http://schemas.microsoft.com/office/drawing/2014/main" id="{9386B2C8-1A0F-4377-8EE0-C715DA38C800}"/>
+              </a:ext>
+            </a:extLst>
+          </p:cNvPr>
+          <p:cNvPicPr>
+            <a:picLocks noChangeAspect="1"/>
+          </p:cNvPicPr>
+          <p:nvPr/>
+        </p:nvPicPr>
+        <p:blipFill>
+          <a:blip r:embed="rId2">
+            <a:extLst>
+              <a:ext uri="{28A0092B-C50C-407E-A947-70E740481C1C}">
+                <a14:useLocalDpi xmlns:a14="http://schemas.microsoft.com/office/drawing/2010/main" val="0"/>
+              </a:ext>
+            </a:extLst>
+          </a:blip>
+          <a:stretch>
+            <a:fillRect/>
+          </a:stretch>
+        </p:blipFill>
+        <p:spPr>
+          <a:xfrm>
+            <a:off x="2408002" y="4125432"/>
+            <a:ext cx="1252086" cy="2641764"/>
+          </a:xfrm>
+          <a:prstGeom prst="rect">
+            <a:avLst/>
+          </a:prstGeom>
+        </p:spPr>
+      </p:pic>
+      <p:pic>
+        <p:nvPicPr>
           <p:cNvPr id="81" name="그림 80">
             <a:extLst>
               <a:ext uri="{FF2B5EF4-FFF2-40B4-BE49-F238E27FC236}">
@@ -13322,7 +13358,7 @@
           <p:nvPr/>
         </p:nvPicPr>
         <p:blipFill>
-          <a:blip r:embed="rId2">
+          <a:blip r:embed="rId3">
             <a:extLst>
               <a:ext uri="{28A0092B-C50C-407E-A947-70E740481C1C}">
                 <a14:useLocalDpi xmlns:a14="http://schemas.microsoft.com/office/drawing/2010/main" val="0"/>
@@ -13358,7 +13394,7 @@
           <p:nvPr/>
         </p:nvPicPr>
         <p:blipFill>
-          <a:blip r:embed="rId3">
+          <a:blip r:embed="rId4">
             <a:extLst>
               <a:ext uri="{28A0092B-C50C-407E-A947-70E740481C1C}">
                 <a14:useLocalDpi xmlns:a14="http://schemas.microsoft.com/office/drawing/2010/main" val="0"/>
@@ -13394,7 +13430,7 @@
           <p:nvPr/>
         </p:nvPicPr>
         <p:blipFill>
-          <a:blip r:embed="rId4">
+          <a:blip r:embed="rId5">
             <a:extLst>
               <a:ext uri="{28A0092B-C50C-407E-A947-70E740481C1C}">
                 <a14:useLocalDpi xmlns:a14="http://schemas.microsoft.com/office/drawing/2010/main" val="0"/>
@@ -13543,7 +13579,7 @@
         </p:xfrm>
         <a:graphic>
           <a:graphicData uri="http://schemas.openxmlformats.org/drawingml/2006/diagram">
-            <dgm:relIds xmlns:dgm="http://schemas.openxmlformats.org/drawingml/2006/diagram" xmlns:r="http://schemas.openxmlformats.org/officeDocument/2006/relationships" r:dm="rId5" r:lo="rId6" r:qs="rId7" r:cs="rId8"/>
+            <dgm:relIds xmlns:dgm="http://schemas.openxmlformats.org/drawingml/2006/diagram" xmlns:r="http://schemas.openxmlformats.org/officeDocument/2006/relationships" r:dm="rId6" r:lo="rId7" r:qs="rId8" r:cs="rId9"/>
           </a:graphicData>
         </a:graphic>
       </p:graphicFrame>
@@ -13562,7 +13598,7 @@
           <p:nvPr/>
         </p:nvPicPr>
         <p:blipFill>
-          <a:blip r:embed="rId10">
+          <a:blip r:embed="rId11">
             <a:extLst>
               <a:ext uri="{28A0092B-C50C-407E-A947-70E740481C1C}">
                 <a14:useLocalDpi xmlns:a14="http://schemas.microsoft.com/office/drawing/2010/main" val="0"/>
@@ -13598,7 +13634,7 @@
           <p:nvPr/>
         </p:nvPicPr>
         <p:blipFill>
-          <a:blip r:embed="rId11">
+          <a:blip r:embed="rId12">
             <a:extLst>
               <a:ext uri="{28A0092B-C50C-407E-A947-70E740481C1C}">
                 <a14:useLocalDpi xmlns:a14="http://schemas.microsoft.com/office/drawing/2010/main" val="0"/>
@@ -13634,7 +13670,7 @@
           <p:nvPr/>
         </p:nvPicPr>
         <p:blipFill>
-          <a:blip r:embed="rId12">
+          <a:blip r:embed="rId13">
             <a:extLst>
               <a:ext uri="{28A0092B-C50C-407E-A947-70E740481C1C}">
                 <a14:useLocalDpi xmlns:a14="http://schemas.microsoft.com/office/drawing/2010/main" val="0"/>
@@ -13670,7 +13706,7 @@
           <p:nvPr/>
         </p:nvPicPr>
         <p:blipFill>
-          <a:blip r:embed="rId13">
+          <a:blip r:embed="rId14">
             <a:extLst>
               <a:ext uri="{28A0092B-C50C-407E-A947-70E740481C1C}">
                 <a14:useLocalDpi xmlns:a14="http://schemas.microsoft.com/office/drawing/2010/main" val="0"/>
@@ -13706,7 +13742,7 @@
           <p:nvPr/>
         </p:nvPicPr>
         <p:blipFill>
-          <a:blip r:embed="rId14">
+          <a:blip r:embed="rId15">
             <a:extLst>
               <a:ext uri="{28A0092B-C50C-407E-A947-70E740481C1C}">
                 <a14:useLocalDpi xmlns:a14="http://schemas.microsoft.com/office/drawing/2010/main" val="0"/>
@@ -13972,42 +14008,6 @@
           </a:fontRef>
         </p:style>
       </p:cxnSp>
-      <p:pic>
-        <p:nvPicPr>
-          <p:cNvPr id="11" name="그림 10">
-            <a:extLst>
-              <a:ext uri="{FF2B5EF4-FFF2-40B4-BE49-F238E27FC236}">
-                <a16:creationId xmlns:a16="http://schemas.microsoft.com/office/drawing/2014/main" id="{68DA7593-7856-41B1-913E-F1835B0763E5}"/>
-              </a:ext>
-            </a:extLst>
-          </p:cNvPr>
-          <p:cNvPicPr>
-            <a:picLocks noChangeAspect="1"/>
-          </p:cNvPicPr>
-          <p:nvPr/>
-        </p:nvPicPr>
-        <p:blipFill>
-          <a:blip r:embed="rId15">
-            <a:extLst>
-              <a:ext uri="{28A0092B-C50C-407E-A947-70E740481C1C}">
-                <a14:useLocalDpi xmlns:a14="http://schemas.microsoft.com/office/drawing/2010/main" val="0"/>
-              </a:ext>
-            </a:extLst>
-          </a:blip>
-          <a:stretch>
-            <a:fillRect/>
-          </a:stretch>
-        </p:blipFill>
-        <p:spPr>
-          <a:xfrm>
-            <a:off x="2408002" y="4113611"/>
-            <a:ext cx="1252086" cy="2641764"/>
-          </a:xfrm>
-          <a:prstGeom prst="rect">
-            <a:avLst/>
-          </a:prstGeom>
-        </p:spPr>
-      </p:pic>
       <p:sp>
         <p:nvSpPr>
           <p:cNvPr id="30" name="직사각형 29">
@@ -15213,7 +15213,7 @@
             <a:graphicData uri="http://schemas.openxmlformats.org/presentationml/2006/ole">
               <mc:AlternateContent xmlns:mc="http://schemas.openxmlformats.org/markup-compatibility/2006">
                 <mc:Choice xmlns:v="urn:schemas-microsoft-com:vml" Requires="v">
-                  <p:oleObj spid="_x0000_s1047" name="Worksheet" r:id="rId3" imgW="5371994" imgH="2415430" progId="Excel.Sheet.12">
+                  <p:oleObj spid="_x0000_s1048" name="Worksheet" r:id="rId3" imgW="5371994" imgH="2415430" progId="Excel.Sheet.12">
                     <p:embed/>
                   </p:oleObj>
                 </mc:Choice>
@@ -15822,7 +15822,7 @@
             <a:graphicData uri="http://schemas.openxmlformats.org/presentationml/2006/ole">
               <mc:AlternateContent xmlns:mc="http://schemas.openxmlformats.org/markup-compatibility/2006">
                 <mc:Choice xmlns:v="urn:schemas-microsoft-com:vml" Requires="v">
-                  <p:oleObj spid="_x0000_s2067" name="Worksheet" r:id="rId3" imgW="5371994" imgH="2415430" progId="Excel.Sheet.12">
+                  <p:oleObj spid="_x0000_s2068" name="Worksheet" r:id="rId3" imgW="5371994" imgH="2415430" progId="Excel.Sheet.12">
                     <p:embed/>
                   </p:oleObj>
                 </mc:Choice>
